--- a/ZSGree前后端逻辑及接口.pptx
+++ b/ZSGree前后端逻辑及接口.pptx
@@ -21,6 +21,7 @@
     <p:sldId id="269" r:id="rId15"/>
     <p:sldId id="271" r:id="rId16"/>
     <p:sldId id="270" r:id="rId17"/>
+    <p:sldId id="272" r:id="rId18"/>
   </p:sldIdLst>
   <p:sldSz cx="9144000" cy="6858000" type="screen4x3"/>
   <p:notesSz cx="6858000" cy="9144000"/>
@@ -5322,11 +5323,7 @@
           <a:p>
             <a:r>
               <a:rPr kumimoji="1" lang="zh-CN" altLang="en-US" dirty="0" smtClean="0"/>
-              <a:t>点击产品编辑按钮，</a:t>
-            </a:r>
-            <a:r>
-              <a:rPr kumimoji="1" lang="zh-CN" altLang="en-US" dirty="0" smtClean="0"/>
-              <a:t>向</a:t>
+              <a:t>点击产品编辑按钮，向</a:t>
             </a:r>
             <a:r>
               <a:rPr kumimoji="1" lang="en-US" altLang="zh-CN" dirty="0"/>
@@ -5450,7 +5447,6 @@
               <a:rPr kumimoji="1" lang="zh-CN" altLang="en-US" dirty="0"/>
               <a:t>结构：</a:t>
             </a:r>
-            <a:endParaRPr kumimoji="1" lang="zh-CN" altLang="en-US" dirty="0"/>
           </a:p>
         </p:txBody>
       </p:sp>
@@ -5478,19 +5474,7 @@
           <a:p>
             <a:r>
               <a:rPr kumimoji="1" lang="zh-CN" altLang="en-US" dirty="0" smtClean="0"/>
-              <a:t>选择某一个第一</a:t>
-            </a:r>
-            <a:r>
-              <a:rPr kumimoji="1" lang="zh-CN" altLang="en-US" dirty="0" smtClean="0"/>
-              <a:t>级别</a:t>
-            </a:r>
-            <a:r>
-              <a:rPr kumimoji="1" lang="zh-CN" altLang="en-US" dirty="0" smtClean="0"/>
-              <a:t>类</a:t>
-            </a:r>
-            <a:r>
-              <a:rPr kumimoji="1" lang="zh-CN" altLang="en-US" dirty="0" smtClean="0"/>
-              <a:t>后，</a:t>
+              <a:t>选择某一个第一级别类后，</a:t>
             </a:r>
             <a:endParaRPr kumimoji="1" lang="zh-CN" altLang="en-US" dirty="0"/>
           </a:p>
@@ -5617,11 +5601,7 @@
           <a:p>
             <a:r>
               <a:rPr lang="en-US" altLang="zh-CN" dirty="0" err="1" smtClean="0"/>
-              <a:t>class</a:t>
-            </a:r>
-            <a:r>
-              <a:rPr lang="en-US" altLang="zh-CN" dirty="0" err="1" smtClean="0"/>
-              <a:t>two</a:t>
+              <a:t>classtwo</a:t>
             </a:r>
             <a:r>
               <a:rPr lang="en-US" altLang="zh-CN" dirty="0" smtClean="0"/>
@@ -5689,23 +5669,7 @@
           <a:p>
             <a:r>
               <a:rPr kumimoji="1" lang="zh-CN" altLang="en-US" dirty="0" smtClean="0"/>
-              <a:t>选择某一个第</a:t>
-            </a:r>
-            <a:r>
-              <a:rPr kumimoji="1" lang="zh-CN" altLang="en-US" dirty="0" smtClean="0"/>
-              <a:t>二</a:t>
-            </a:r>
-            <a:r>
-              <a:rPr kumimoji="1" lang="zh-CN" altLang="en-US" dirty="0" smtClean="0"/>
-              <a:t>级别</a:t>
-            </a:r>
-            <a:r>
-              <a:rPr kumimoji="1" lang="zh-CN" altLang="en-US" dirty="0" smtClean="0"/>
-              <a:t>类</a:t>
-            </a:r>
-            <a:r>
-              <a:rPr kumimoji="1" lang="zh-CN" altLang="en-US" dirty="0" smtClean="0"/>
-              <a:t>后，</a:t>
+              <a:t>选择某一个第二级别类后，</a:t>
             </a:r>
             <a:endParaRPr kumimoji="1" lang="zh-CN" altLang="en-US" dirty="0"/>
           </a:p>
@@ -5743,23 +5707,11 @@
             </a:r>
             <a:r>
               <a:rPr kumimoji="1" lang="en-US" altLang="zh-CN" dirty="0" err="1" smtClean="0"/>
-              <a:t>get</a:t>
-            </a:r>
-            <a:r>
-              <a:rPr kumimoji="1" lang="en-US" altLang="zh-CN" dirty="0" err="1" smtClean="0"/>
-              <a:t>Product</a:t>
-            </a:r>
-            <a:r>
-              <a:rPr kumimoji="1" lang="zh-CN" altLang="en-US" dirty="0" smtClean="0"/>
-              <a:t>发出请</a:t>
-            </a:r>
-            <a:r>
-              <a:rPr kumimoji="1" lang="zh-CN" altLang="en-US" dirty="0" smtClean="0"/>
-              <a:t>求</a:t>
-            </a:r>
-            <a:r>
-              <a:rPr kumimoji="1" lang="zh-CN" altLang="en-US" dirty="0" smtClean="0"/>
-              <a:t>：</a:t>
+              <a:t>getProduct</a:t>
+            </a:r>
+            <a:r>
+              <a:rPr kumimoji="1" lang="zh-CN" altLang="en-US" dirty="0" smtClean="0"/>
+              <a:t>发出请求：</a:t>
             </a:r>
             <a:r>
               <a:rPr kumimoji="1" lang="en-US" altLang="zh-CN" dirty="0" err="1"/>
@@ -5779,11 +5731,7 @@
             </a:r>
             <a:r>
               <a:rPr kumimoji="1" lang="en-US" altLang="zh-CN" dirty="0" err="1" smtClean="0"/>
-              <a:t>class</a:t>
-            </a:r>
-            <a:r>
-              <a:rPr kumimoji="1" lang="en-US" altLang="zh-CN" dirty="0" err="1" smtClean="0"/>
-              <a:t>two</a:t>
+              <a:t>classtwo</a:t>
             </a:r>
             <a:r>
               <a:rPr kumimoji="1" lang="en-US" altLang="zh-CN" dirty="0" smtClean="0"/>
@@ -5864,15 +5812,7 @@
           <a:p>
             <a:r>
               <a:rPr lang="en-US" altLang="zh-CN" dirty="0" smtClean="0"/>
-              <a:t>products</a:t>
-            </a:r>
-            <a:r>
-              <a:rPr lang="en-US" altLang="zh-CN" dirty="0" smtClean="0"/>
-              <a:t>: [</a:t>
-            </a:r>
-            <a:r>
-              <a:rPr lang="en-US" altLang="zh-CN" dirty="0" smtClean="0"/>
-              <a:t>Q</a:t>
+              <a:t>products: [Q</a:t>
             </a:r>
             <a:r>
               <a:rPr lang="zh-CN" altLang="en-US" dirty="0" smtClean="0"/>
@@ -5880,11 +5820,7 @@
             </a:r>
             <a:r>
               <a:rPr lang="en-US" altLang="zh-CN" dirty="0" smtClean="0"/>
-              <a:t>_X2313413</a:t>
-            </a:r>
-            <a:r>
-              <a:rPr lang="en-US" altLang="zh-CN" dirty="0" smtClean="0"/>
-              <a:t>,</a:t>
+              <a:t>_X2313413,</a:t>
             </a:r>
             <a:r>
               <a:rPr lang="en-US" altLang="zh-CN" dirty="0"/>
@@ -6005,15 +5941,7 @@
           <a:p>
             <a:r>
               <a:rPr kumimoji="1" lang="zh-CN" altLang="en-US" dirty="0" smtClean="0"/>
-              <a:t>选择某一个</a:t>
-            </a:r>
-            <a:r>
-              <a:rPr kumimoji="1" lang="zh-CN" altLang="en-US" dirty="0" smtClean="0"/>
-              <a:t>产品</a:t>
-            </a:r>
-            <a:r>
-              <a:rPr kumimoji="1" lang="zh-CN" altLang="en-US" dirty="0" smtClean="0"/>
-              <a:t>后</a:t>
+              <a:t>选择某一个产品后</a:t>
             </a:r>
             <a:r>
               <a:rPr kumimoji="1" lang="zh-CN" altLang="en-US" dirty="0"/>
@@ -6025,11 +5953,7 @@
             </a:r>
             <a:r>
               <a:rPr kumimoji="1" lang="en-US" altLang="zh-CN" dirty="0" err="1" smtClean="0"/>
-              <a:t>getProduct</a:t>
-            </a:r>
-            <a:r>
-              <a:rPr kumimoji="1" lang="en-US" altLang="zh-CN" dirty="0" err="1" smtClean="0"/>
-              <a:t>Info</a:t>
+              <a:t>getProductInfo</a:t>
             </a:r>
             <a:r>
               <a:rPr kumimoji="1" lang="zh-CN" altLang="en-US" dirty="0" smtClean="0"/>
@@ -6084,11 +6008,7 @@
             </a:r>
             <a:r>
               <a:rPr kumimoji="1" lang="en-US" altLang="zh-CN" dirty="0" smtClean="0"/>
-              <a:t>  </a:t>
-            </a:r>
-            <a:r>
-              <a:rPr kumimoji="1" lang="en-US" altLang="zh-CN" dirty="0" smtClean="0"/>
-              <a:t>product</a:t>
+              <a:t>  product</a:t>
             </a:r>
             <a:r>
               <a:rPr kumimoji="1" lang="zh-CN" altLang="en-US" dirty="0" smtClean="0"/>
@@ -6181,45 +6101,25 @@
             </a:r>
             <a:r>
               <a:rPr lang="en-US" altLang="zh-CN" dirty="0" smtClean="0"/>
-              <a:t>: [</a:t>
+              <a:t>: [picname1.jpg, picname2.jpg, picname3.jpg]</a:t>
+            </a:r>
+          </a:p>
+          <a:p>
+            <a:r>
+              <a:rPr lang="en-US" altLang="zh-CN" dirty="0" err="1" smtClean="0"/>
+              <a:t>productinfo:infostring</a:t>
             </a:r>
             <a:r>
               <a:rPr lang="en-US" altLang="zh-CN" dirty="0" smtClean="0"/>
-              <a:t>picname1.jpg</a:t>
+              <a:t>(</a:t>
+            </a:r>
+            <a:r>
+              <a:rPr lang="zh-CN" altLang="en-US" dirty="0" smtClean="0"/>
+              <a:t>此处是产品的文章。</a:t>
             </a:r>
             <a:r>
               <a:rPr lang="en-US" altLang="zh-CN" dirty="0" smtClean="0"/>
-              <a:t>, picname</a:t>
-            </a:r>
-            <a:r>
-              <a:rPr lang="en-US" altLang="zh-CN" dirty="0" smtClean="0"/>
-              <a:t>2</a:t>
-            </a:r>
-            <a:r>
-              <a:rPr lang="en-US" altLang="zh-CN" dirty="0" smtClean="0"/>
-              <a:t>.jpg, picname</a:t>
-            </a:r>
-            <a:r>
-              <a:rPr lang="en-US" altLang="zh-CN" dirty="0" smtClean="0"/>
-              <a:t>3</a:t>
-            </a:r>
-            <a:r>
-              <a:rPr lang="en-US" altLang="zh-CN" dirty="0" smtClean="0"/>
-              <a:t>.jpg]</a:t>
-            </a:r>
-          </a:p>
-          <a:p>
-            <a:r>
-              <a:rPr lang="en-US" altLang="zh-CN" dirty="0" err="1" smtClean="0"/>
-              <a:t>productinfo:</a:t>
-            </a:r>
-            <a:r>
-              <a:rPr lang="en-US" altLang="zh-CN" dirty="0" err="1" smtClean="0"/>
-              <a:t>info</a:t>
-            </a:r>
-            <a:r>
-              <a:rPr lang="en-US" altLang="zh-CN" dirty="0" err="1" smtClean="0"/>
-              <a:t>string</a:t>
+              <a:t>)</a:t>
             </a:r>
             <a:endParaRPr lang="en-US" altLang="zh-CN" dirty="0"/>
           </a:p>
@@ -7234,11 +7134,7 @@
             </a:r>
             <a:r>
               <a:rPr kumimoji="1" lang="en-US" altLang="zh-CN" dirty="0" smtClean="0"/>
-              <a:t>3</a:t>
-            </a:r>
-            <a:r>
-              <a:rPr kumimoji="1" lang="en-US" altLang="zh-CN" dirty="0" smtClean="0"/>
-              <a:t>  </a:t>
+              <a:t>3  </a:t>
             </a:r>
             <a:endParaRPr kumimoji="1" lang="zh-CN" altLang="en-US" dirty="0"/>
           </a:p>
@@ -7484,7 +7380,7 @@
         </p:nvSpPr>
         <p:spPr>
           <a:xfrm>
-            <a:off x="457200" y="3859048"/>
+            <a:off x="1441103" y="3950583"/>
             <a:ext cx="3648453" cy="369332"/>
           </a:xfrm>
           <a:prstGeom prst="rect">
@@ -7516,15 +7412,7 @@
             </a:r>
             <a:r>
               <a:rPr kumimoji="1" lang="en-US" altLang="zh-CN" dirty="0" err="1" smtClean="0"/>
-              <a:t>productinfo</a:t>
-            </a:r>
-            <a:r>
-              <a:rPr kumimoji="1" lang="en-US" altLang="zh-CN" dirty="0" err="1" smtClean="0"/>
-              <a:t>:</a:t>
-            </a:r>
-            <a:r>
-              <a:rPr kumimoji="1" lang="en-US" altLang="zh-CN" dirty="0" err="1" smtClean="0"/>
-              <a:t>info</a:t>
+              <a:t>productinfo:info</a:t>
             </a:r>
             <a:endParaRPr kumimoji="1" lang="zh-CN" altLang="en-US" dirty="0"/>
           </a:p>
@@ -8078,6 +7966,302 @@
     <p:extLst>
       <p:ext uri="{BB962C8B-B14F-4D97-AF65-F5344CB8AC3E}">
         <p14:creationId xmlns:p14="http://schemas.microsoft.com/office/powerpoint/2010/main" val="77549276"/>
+      </p:ext>
+    </p:extLst>
+  </p:cSld>
+  <p:clrMapOvr>
+    <a:masterClrMapping/>
+  </p:clrMapOvr>
+</p:sld>
+</file>
+
+<file path=ppt/slides/slide17.xml><?xml version="1.0" encoding="utf-8"?>
+<p:sld xmlns:a="http://schemas.openxmlformats.org/drawingml/2006/main" xmlns:r="http://schemas.openxmlformats.org/officeDocument/2006/relationships" xmlns:p="http://schemas.openxmlformats.org/presentationml/2006/main">
+  <p:cSld>
+    <p:spTree>
+      <p:nvGrpSpPr>
+        <p:cNvPr id="1" name=""/>
+        <p:cNvGrpSpPr/>
+        <p:nvPr/>
+      </p:nvGrpSpPr>
+      <p:grpSpPr>
+        <a:xfrm>
+          <a:off x="0" y="0"/>
+          <a:ext cx="0" cy="0"/>
+          <a:chOff x="0" y="0"/>
+          <a:chExt cx="0" cy="0"/>
+        </a:xfrm>
+      </p:grpSpPr>
+      <p:sp>
+        <p:nvSpPr>
+          <p:cNvPr id="2" name="标题 1"/>
+          <p:cNvSpPr>
+            <a:spLocks noGrp="1"/>
+          </p:cNvSpPr>
+          <p:nvPr>
+            <p:ph type="title"/>
+          </p:nvPr>
+        </p:nvSpPr>
+        <p:spPr/>
+        <p:txBody>
+          <a:bodyPr/>
+          <a:lstStyle/>
+          <a:p>
+            <a:r>
+              <a:rPr kumimoji="1" lang="zh-CN" altLang="en-US" dirty="0"/>
+              <a:t>二、产品编辑</a:t>
+            </a:r>
+          </a:p>
+        </p:txBody>
+      </p:sp>
+      <p:sp>
+        <p:nvSpPr>
+          <p:cNvPr id="3" name="文本框 2"/>
+          <p:cNvSpPr txBox="1"/>
+          <p:nvPr/>
+        </p:nvSpPr>
+        <p:spPr>
+          <a:xfrm>
+            <a:off x="972462" y="1704846"/>
+            <a:ext cx="3994415" cy="369332"/>
+          </a:xfrm>
+          <a:prstGeom prst="rect">
+            <a:avLst/>
+          </a:prstGeom>
+          <a:noFill/>
+        </p:spPr>
+        <p:txBody>
+          <a:bodyPr wrap="none" rtlCol="0">
+            <a:spAutoFit/>
+          </a:bodyPr>
+          <a:lstStyle/>
+          <a:p>
+            <a:r>
+              <a:rPr kumimoji="1" lang="zh-CN" altLang="en-US" dirty="0" smtClean="0"/>
+              <a:t>保存文章发送请求到</a:t>
+            </a:r>
+            <a:r>
+              <a:rPr kumimoji="1" lang="en-US" altLang="zh-CN" dirty="0" smtClean="0"/>
+              <a:t>/</a:t>
+            </a:r>
+            <a:r>
+              <a:rPr kumimoji="1" lang="en-US" altLang="zh-CN" dirty="0" err="1" smtClean="0"/>
+              <a:t>saveProductInfo</a:t>
+            </a:r>
+            <a:endParaRPr kumimoji="1" lang="zh-CN" altLang="en-US" dirty="0"/>
+          </a:p>
+        </p:txBody>
+      </p:sp>
+      <p:sp>
+        <p:nvSpPr>
+          <p:cNvPr id="4" name="文本框 3"/>
+          <p:cNvSpPr txBox="1"/>
+          <p:nvPr/>
+        </p:nvSpPr>
+        <p:spPr>
+          <a:xfrm>
+            <a:off x="2688571" y="2185407"/>
+            <a:ext cx="3237560" cy="369332"/>
+          </a:xfrm>
+          <a:prstGeom prst="rect">
+            <a:avLst/>
+          </a:prstGeom>
+          <a:noFill/>
+        </p:spPr>
+        <p:txBody>
+          <a:bodyPr wrap="none" rtlCol="0">
+            <a:spAutoFit/>
+          </a:bodyPr>
+          <a:lstStyle/>
+          <a:p>
+            <a:r>
+              <a:rPr kumimoji="1" lang="en-US" altLang="zh-CN" dirty="0" err="1" smtClean="0"/>
+              <a:t>productinfo</a:t>
+            </a:r>
+            <a:r>
+              <a:rPr kumimoji="1" lang="en-US" altLang="zh-CN" dirty="0" smtClean="0"/>
+              <a:t>:</a:t>
+            </a:r>
+            <a:r>
+              <a:rPr kumimoji="1" lang="zh-CN" altLang="en-US" dirty="0" smtClean="0"/>
+              <a:t>产品详细介绍内容</a:t>
+            </a:r>
+            <a:endParaRPr kumimoji="1" lang="zh-CN" altLang="en-US" dirty="0"/>
+          </a:p>
+        </p:txBody>
+      </p:sp>
+      <p:sp>
+        <p:nvSpPr>
+          <p:cNvPr id="5" name="文本框 4"/>
+          <p:cNvSpPr txBox="1"/>
+          <p:nvPr/>
+        </p:nvSpPr>
+        <p:spPr>
+          <a:xfrm>
+            <a:off x="2688571" y="2698422"/>
+            <a:ext cx="3173540" cy="369332"/>
+          </a:xfrm>
+          <a:prstGeom prst="rect">
+            <a:avLst/>
+          </a:prstGeom>
+          <a:noFill/>
+        </p:spPr>
+        <p:txBody>
+          <a:bodyPr wrap="none" rtlCol="0">
+            <a:spAutoFit/>
+          </a:bodyPr>
+          <a:lstStyle/>
+          <a:p>
+            <a:r>
+              <a:rPr kumimoji="1" lang="zh-CN" altLang="en-US" dirty="0" smtClean="0"/>
+              <a:t>返回</a:t>
+            </a:r>
+            <a:r>
+              <a:rPr kumimoji="1" lang="en-US" altLang="zh-CN" dirty="0" err="1" smtClean="0"/>
+              <a:t>json</a:t>
+            </a:r>
+            <a:r>
+              <a:rPr kumimoji="1" lang="zh-CN" altLang="en-US" dirty="0" smtClean="0"/>
+              <a:t>结构</a:t>
+            </a:r>
+            <a:r>
+              <a:rPr kumimoji="1" lang="en-US" altLang="zh-CN" dirty="0" smtClean="0"/>
+              <a:t>: </a:t>
+            </a:r>
+            <a:r>
+              <a:rPr kumimoji="1" lang="en-US" altLang="zh-CN" dirty="0" err="1" smtClean="0"/>
+              <a:t>status:success</a:t>
+            </a:r>
+            <a:endParaRPr kumimoji="1" lang="zh-CN" altLang="en-US" dirty="0"/>
+          </a:p>
+        </p:txBody>
+      </p:sp>
+      <p:sp>
+        <p:nvSpPr>
+          <p:cNvPr id="6" name="文本框 5"/>
+          <p:cNvSpPr txBox="1"/>
+          <p:nvPr/>
+        </p:nvSpPr>
+        <p:spPr>
+          <a:xfrm>
+            <a:off x="1060842" y="3436230"/>
+            <a:ext cx="5264332" cy="369332"/>
+          </a:xfrm>
+          <a:prstGeom prst="rect">
+            <a:avLst/>
+          </a:prstGeom>
+          <a:noFill/>
+        </p:spPr>
+        <p:txBody>
+          <a:bodyPr wrap="none" rtlCol="0">
+            <a:spAutoFit/>
+          </a:bodyPr>
+          <a:lstStyle/>
+          <a:p>
+            <a:r>
+              <a:rPr kumimoji="1" lang="zh-CN" altLang="en-US" dirty="0" smtClean="0"/>
+              <a:t>保存文章中的图片发送请求到</a:t>
+            </a:r>
+            <a:r>
+              <a:rPr kumimoji="1" lang="en-US" altLang="zh-CN" dirty="0" smtClean="0"/>
+              <a:t>/</a:t>
+            </a:r>
+            <a:r>
+              <a:rPr kumimoji="1" lang="en-US" altLang="zh-CN" dirty="0" err="1" smtClean="0"/>
+              <a:t>saveProductInfoPic</a:t>
+            </a:r>
+            <a:endParaRPr kumimoji="1" lang="zh-CN" altLang="en-US" dirty="0"/>
+          </a:p>
+        </p:txBody>
+      </p:sp>
+      <p:sp>
+        <p:nvSpPr>
+          <p:cNvPr id="7" name="文本框 6"/>
+          <p:cNvSpPr txBox="1"/>
+          <p:nvPr/>
+        </p:nvSpPr>
+        <p:spPr>
+          <a:xfrm>
+            <a:off x="3348987" y="3927756"/>
+            <a:ext cx="1467206" cy="369332"/>
+          </a:xfrm>
+          <a:prstGeom prst="rect">
+            <a:avLst/>
+          </a:prstGeom>
+          <a:noFill/>
+        </p:spPr>
+        <p:txBody>
+          <a:bodyPr wrap="none" rtlCol="0">
+            <a:spAutoFit/>
+          </a:bodyPr>
+          <a:lstStyle/>
+          <a:p>
+            <a:r>
+              <a:rPr kumimoji="1" lang="en-US" altLang="zh-CN" dirty="0" smtClean="0"/>
+              <a:t>pic</a:t>
+            </a:r>
+            <a:r>
+              <a:rPr kumimoji="1" lang="en-US" altLang="zh-CN" dirty="0" smtClean="0"/>
+              <a:t>:</a:t>
+            </a:r>
+            <a:r>
+              <a:rPr kumimoji="1" lang="zh-CN" altLang="en-US" dirty="0" smtClean="0"/>
+              <a:t>图片文件</a:t>
+            </a:r>
+            <a:endParaRPr kumimoji="1" lang="zh-CN" altLang="en-US" dirty="0"/>
+          </a:p>
+        </p:txBody>
+      </p:sp>
+      <p:sp>
+        <p:nvSpPr>
+          <p:cNvPr id="8" name="文本框 7"/>
+          <p:cNvSpPr txBox="1"/>
+          <p:nvPr/>
+        </p:nvSpPr>
+        <p:spPr>
+          <a:xfrm>
+            <a:off x="2317910" y="4429806"/>
+            <a:ext cx="4007264" cy="369332"/>
+          </a:xfrm>
+          <a:prstGeom prst="rect">
+            <a:avLst/>
+          </a:prstGeom>
+          <a:noFill/>
+        </p:spPr>
+        <p:txBody>
+          <a:bodyPr wrap="none" rtlCol="0">
+            <a:spAutoFit/>
+          </a:bodyPr>
+          <a:lstStyle/>
+          <a:p>
+            <a:r>
+              <a:rPr kumimoji="1" lang="zh-CN" altLang="en-US" dirty="0"/>
+              <a:t>返回</a:t>
+            </a:r>
+            <a:r>
+              <a:rPr kumimoji="1" lang="en-US" altLang="zh-CN" dirty="0" err="1"/>
+              <a:t>json</a:t>
+            </a:r>
+            <a:r>
+              <a:rPr kumimoji="1" lang="zh-CN" altLang="en-US" dirty="0"/>
+              <a:t>结构</a:t>
+            </a:r>
+            <a:r>
+              <a:rPr kumimoji="1" lang="en-US" altLang="zh-CN" dirty="0"/>
+              <a:t>: </a:t>
+            </a:r>
+            <a:r>
+              <a:rPr kumimoji="1" lang="en-US" altLang="zh-CN" dirty="0" err="1"/>
+              <a:t>picname:xxxxxxxxx.jpg</a:t>
+            </a:r>
+            <a:endParaRPr kumimoji="1" lang="zh-CN" altLang="en-US" dirty="0"/>
+          </a:p>
+        </p:txBody>
+      </p:sp>
+    </p:spTree>
+    <p:extLst>
+      <p:ext uri="{BB962C8B-B14F-4D97-AF65-F5344CB8AC3E}">
+        <p14:creationId xmlns:p14="http://schemas.microsoft.com/office/powerpoint/2010/main" val="1463215717"/>
       </p:ext>
     </p:extLst>
   </p:cSld>
@@ -10446,11 +10630,7 @@
             </a:r>
             <a:r>
               <a:rPr kumimoji="1" lang="zh-CN" altLang="en-US" dirty="0" smtClean="0"/>
-              <a:t>手</a:t>
-            </a:r>
-            <a:r>
-              <a:rPr kumimoji="1" lang="zh-CN" altLang="en-US" dirty="0" smtClean="0"/>
-              <a:t>机</a:t>
+              <a:t>手机</a:t>
             </a:r>
             <a:endParaRPr kumimoji="1" lang="en-US" altLang="zh-CN" dirty="0" smtClean="0"/>
           </a:p>
@@ -10759,19 +10939,7 @@
           <a:p>
             <a:r>
               <a:rPr kumimoji="1" lang="zh-CN" altLang="en-US" dirty="0" smtClean="0"/>
-              <a:t>选择某一个第一</a:t>
-            </a:r>
-            <a:r>
-              <a:rPr kumimoji="1" lang="zh-CN" altLang="en-US" dirty="0" smtClean="0"/>
-              <a:t>级别</a:t>
-            </a:r>
-            <a:r>
-              <a:rPr kumimoji="1" lang="zh-CN" altLang="en-US" dirty="0" smtClean="0"/>
-              <a:t>类</a:t>
-            </a:r>
-            <a:r>
-              <a:rPr kumimoji="1" lang="zh-CN" altLang="en-US" dirty="0" smtClean="0"/>
-              <a:t>后，</a:t>
+              <a:t>选择某一个第一级别类后，</a:t>
             </a:r>
             <a:endParaRPr kumimoji="1" lang="zh-CN" altLang="en-US" dirty="0"/>
           </a:p>
@@ -10898,11 +11066,7 @@
           <a:p>
             <a:r>
               <a:rPr lang="en-US" altLang="zh-CN" dirty="0" err="1" smtClean="0"/>
-              <a:t>class</a:t>
-            </a:r>
-            <a:r>
-              <a:rPr lang="en-US" altLang="zh-CN" dirty="0" err="1" smtClean="0"/>
-              <a:t>two</a:t>
+              <a:t>classtwo</a:t>
             </a:r>
             <a:r>
               <a:rPr lang="en-US" altLang="zh-CN" dirty="0" smtClean="0"/>

--- a/ZSGree前后端逻辑及接口.pptx
+++ b/ZSGree前后端逻辑及接口.pptx
@@ -22,6 +22,9 @@
     <p:sldId id="271" r:id="rId16"/>
     <p:sldId id="270" r:id="rId17"/>
     <p:sldId id="272" r:id="rId18"/>
+    <p:sldId id="273" r:id="rId19"/>
+    <p:sldId id="274" r:id="rId20"/>
+    <p:sldId id="275" r:id="rId21"/>
   </p:sldIdLst>
   <p:sldSz cx="9144000" cy="6858000" type="screen4x3"/>
   <p:notesSz cx="6858000" cy="9144000"/>
@@ -311,7 +314,7 @@
           <a:p>
             <a:fld id="{C8A432C8-69A7-458B-9684-2BFA64B31948}" type="datetime2">
               <a:rPr lang="en-US" smtClean="0"/>
-              <a:t>2015年5月24日星期日</a:t>
+              <a:t>2015年5月25日星期一</a:t>
             </a:fld>
             <a:endParaRPr lang="en-US"/>
           </a:p>
@@ -513,7 +516,7 @@
           <a:p>
             <a:fld id="{8CC057FC-95B6-4D89-AFDA-ABA33EE921E5}" type="datetime2">
               <a:rPr lang="en-US" smtClean="0"/>
-              <a:t>2015年5月24日星期日</a:t>
+              <a:t>2015年5月25日星期一</a:t>
             </a:fld>
             <a:endParaRPr lang="en-US"/>
           </a:p>
@@ -690,7 +693,7 @@
           <a:p>
             <a:fld id="{EC4549AC-EB31-477F-92A9-B1988E232878}" type="datetime2">
               <a:rPr lang="en-US" smtClean="0"/>
-              <a:t>2015年5月24日星期日</a:t>
+              <a:t>2015年5月25日星期一</a:t>
             </a:fld>
             <a:endParaRPr lang="en-US"/>
           </a:p>
@@ -857,7 +860,7 @@
           <a:p>
             <a:fld id="{6396A3A3-94A6-4E5B-AF39-173ACA3E61CC}" type="datetime2">
               <a:rPr lang="en-US" smtClean="0"/>
-              <a:t>2015年5月24日星期日</a:t>
+              <a:t>2015年5月25日星期一</a:t>
             </a:fld>
             <a:endParaRPr lang="en-US"/>
           </a:p>
@@ -1107,7 +1110,7 @@
           <a:p>
             <a:fld id="{9933D019-A32C-4EAD-B8E6-DBDA699692FD}" type="datetime2">
               <a:rPr lang="en-US" smtClean="0"/>
-              <a:t>2015年5月24日星期日</a:t>
+              <a:t>2015年5月25日星期一</a:t>
             </a:fld>
             <a:endParaRPr lang="en-US"/>
           </a:p>
@@ -1427,7 +1430,7 @@
           <a:p>
             <a:fld id="{CCEBA98F-560C-4997-81C4-81D4D9187EAB}" type="datetime2">
               <a:rPr lang="en-US" smtClean="0"/>
-              <a:t>2015年5月24日星期日</a:t>
+              <a:t>2015年5月25日星期一</a:t>
             </a:fld>
             <a:endParaRPr lang="en-US"/>
           </a:p>
@@ -1895,7 +1898,7 @@
           <a:p>
             <a:fld id="{150972B2-CA5C-437D-87D0-8081271A9E4B}" type="datetime2">
               <a:rPr lang="en-US" smtClean="0"/>
-              <a:t>2015年5月24日星期日</a:t>
+              <a:t>2015年5月25日星期一</a:t>
             </a:fld>
             <a:endParaRPr lang="en-US"/>
           </a:p>
@@ -2045,7 +2048,7 @@
           <a:p>
             <a:fld id="{79CD4847-11EF-4466-A8AD-85CDB7B49118}" type="datetime2">
               <a:rPr lang="en-US" smtClean="0"/>
-              <a:t>2015年5月24日星期日</a:t>
+              <a:t>2015年5月25日星期一</a:t>
             </a:fld>
             <a:endParaRPr lang="en-US"/>
           </a:p>
@@ -2137,7 +2140,7 @@
           <a:p>
             <a:fld id="{F168457A-3AB9-4880-8A0C-9F8524491207}" type="datetime2">
               <a:rPr lang="en-US" smtClean="0"/>
-              <a:t>2015年5月24日星期日</a:t>
+              <a:t>2015年5月25日星期一</a:t>
             </a:fld>
             <a:endParaRPr lang="en-US"/>
           </a:p>
@@ -2413,7 +2416,7 @@
           <a:p>
             <a:fld id="{3FE976D3-5B7F-4300-ABED-C91F1B2AE209}" type="datetime2">
               <a:rPr lang="en-US" smtClean="0"/>
-              <a:t>2015年5月24日星期日</a:t>
+              <a:t>2015年5月25日星期一</a:t>
             </a:fld>
             <a:endParaRPr lang="en-US"/>
           </a:p>
@@ -2720,7 +2723,7 @@
           <a:p>
             <a:fld id="{EBDC1E59-17DD-41CE-97CA-624A472382D4}" type="datetime2">
               <a:rPr lang="en-US" smtClean="0"/>
-              <a:t>2015年5月24日星期日</a:t>
+              <a:t>2015年5月25日星期一</a:t>
             </a:fld>
             <a:endParaRPr lang="en-US"/>
           </a:p>
@@ -3020,7 +3023,7 @@
           <a:p>
             <a:fld id="{A80CB818-7379-467D-8E76-EF9D9074A26C}" type="datetime2">
               <a:rPr lang="en-US" smtClean="0"/>
-              <a:t>2015年5月24日星期日</a:t>
+              <a:t>2015年5月25日星期一</a:t>
             </a:fld>
             <a:endParaRPr lang="en-US" dirty="0"/>
           </a:p>
@@ -8198,11 +8201,7 @@
           <a:p>
             <a:r>
               <a:rPr kumimoji="1" lang="en-US" altLang="zh-CN" dirty="0" smtClean="0"/>
-              <a:t>pic</a:t>
-            </a:r>
-            <a:r>
-              <a:rPr kumimoji="1" lang="en-US" altLang="zh-CN" dirty="0" smtClean="0"/>
-              <a:t>:</a:t>
+              <a:t>pic:</a:t>
             </a:r>
             <a:r>
               <a:rPr kumimoji="1" lang="zh-CN" altLang="en-US" dirty="0" smtClean="0"/>
@@ -8262,6 +8261,1586 @@
     <p:extLst>
       <p:ext uri="{BB962C8B-B14F-4D97-AF65-F5344CB8AC3E}">
         <p14:creationId xmlns:p14="http://schemas.microsoft.com/office/powerpoint/2010/main" val="1463215717"/>
+      </p:ext>
+    </p:extLst>
+  </p:cSld>
+  <p:clrMapOvr>
+    <a:masterClrMapping/>
+  </p:clrMapOvr>
+</p:sld>
+</file>
+
+<file path=ppt/slides/slide18.xml><?xml version="1.0" encoding="utf-8"?>
+<p:sld xmlns:a="http://schemas.openxmlformats.org/drawingml/2006/main" xmlns:r="http://schemas.openxmlformats.org/officeDocument/2006/relationships" xmlns:p="http://schemas.openxmlformats.org/presentationml/2006/main">
+  <p:cSld>
+    <p:spTree>
+      <p:nvGrpSpPr>
+        <p:cNvPr id="1" name=""/>
+        <p:cNvGrpSpPr/>
+        <p:nvPr/>
+      </p:nvGrpSpPr>
+      <p:grpSpPr>
+        <a:xfrm>
+          <a:off x="0" y="0"/>
+          <a:ext cx="0" cy="0"/>
+          <a:chOff x="0" y="0"/>
+          <a:chExt cx="0" cy="0"/>
+        </a:xfrm>
+      </p:grpSpPr>
+      <p:sp>
+        <p:nvSpPr>
+          <p:cNvPr id="2" name="标题 1"/>
+          <p:cNvSpPr>
+            <a:spLocks noGrp="1"/>
+          </p:cNvSpPr>
+          <p:nvPr>
+            <p:ph type="title"/>
+          </p:nvPr>
+        </p:nvSpPr>
+        <p:spPr/>
+        <p:txBody>
+          <a:bodyPr/>
+          <a:lstStyle/>
+          <a:p>
+            <a:r>
+              <a:rPr kumimoji="1" lang="zh-CN" altLang="en-US" dirty="0"/>
+              <a:t>二、产品编辑</a:t>
+            </a:r>
+          </a:p>
+        </p:txBody>
+      </p:sp>
+      <p:pic>
+        <p:nvPicPr>
+          <p:cNvPr id="4" name="图片 3"/>
+          <p:cNvPicPr>
+            <a:picLocks noChangeAspect="1"/>
+          </p:cNvPicPr>
+          <p:nvPr/>
+        </p:nvPicPr>
+        <p:blipFill>
+          <a:blip r:embed="rId2"/>
+          <a:stretch>
+            <a:fillRect/>
+          </a:stretch>
+        </p:blipFill>
+        <p:spPr>
+          <a:xfrm>
+            <a:off x="558529" y="1524000"/>
+            <a:ext cx="2032000" cy="381000"/>
+          </a:xfrm>
+          <a:prstGeom prst="rect">
+            <a:avLst/>
+          </a:prstGeom>
+        </p:spPr>
+      </p:pic>
+      <p:sp>
+        <p:nvSpPr>
+          <p:cNvPr id="5" name="文本框 4"/>
+          <p:cNvSpPr txBox="1"/>
+          <p:nvPr/>
+        </p:nvSpPr>
+        <p:spPr>
+          <a:xfrm>
+            <a:off x="2722893" y="1524000"/>
+            <a:ext cx="4865447" cy="369332"/>
+          </a:xfrm>
+          <a:prstGeom prst="rect">
+            <a:avLst/>
+          </a:prstGeom>
+          <a:noFill/>
+        </p:spPr>
+        <p:txBody>
+          <a:bodyPr wrap="none" rtlCol="0">
+            <a:spAutoFit/>
+          </a:bodyPr>
+          <a:lstStyle/>
+          <a:p>
+            <a:r>
+              <a:rPr kumimoji="1" lang="zh-CN" altLang="en-US" dirty="0" smtClean="0"/>
+              <a:t>推荐分类去掉，保留推荐产品，样式调整如下</a:t>
+            </a:r>
+            <a:r>
+              <a:rPr kumimoji="1" lang="en-US" altLang="zh-CN" dirty="0" smtClean="0"/>
+              <a:t>:</a:t>
+            </a:r>
+            <a:endParaRPr kumimoji="1" lang="zh-CN" altLang="en-US" dirty="0"/>
+          </a:p>
+        </p:txBody>
+      </p:sp>
+      <p:sp>
+        <p:nvSpPr>
+          <p:cNvPr id="8" name="文本框 7"/>
+          <p:cNvSpPr txBox="1"/>
+          <p:nvPr/>
+        </p:nvSpPr>
+        <p:spPr>
+          <a:xfrm>
+            <a:off x="542882" y="2289211"/>
+            <a:ext cx="1082348" cy="307777"/>
+          </a:xfrm>
+          <a:prstGeom prst="rect">
+            <a:avLst/>
+          </a:prstGeom>
+          <a:noFill/>
+        </p:spPr>
+        <p:txBody>
+          <a:bodyPr wrap="none" rtlCol="0">
+            <a:spAutoFit/>
+          </a:bodyPr>
+          <a:lstStyle/>
+          <a:p>
+            <a:r>
+              <a:rPr kumimoji="1" lang="zh-CN" altLang="en-US" sz="1400" dirty="0" smtClean="0"/>
+              <a:t>选择</a:t>
+            </a:r>
+            <a:r>
+              <a:rPr kumimoji="1" lang="zh-CN" altLang="en-US" sz="1400" dirty="0" smtClean="0"/>
+              <a:t>分类</a:t>
+            </a:r>
+            <a:r>
+              <a:rPr kumimoji="1" lang="zh-CN" altLang="en-US" sz="1400" dirty="0" smtClean="0"/>
+              <a:t>：</a:t>
+            </a:r>
+            <a:endParaRPr kumimoji="1" lang="zh-CN" altLang="en-US" sz="1400" dirty="0"/>
+          </a:p>
+        </p:txBody>
+      </p:sp>
+      <p:sp>
+        <p:nvSpPr>
+          <p:cNvPr id="9" name="矩形 8"/>
+          <p:cNvSpPr/>
+          <p:nvPr/>
+        </p:nvSpPr>
+        <p:spPr>
+          <a:xfrm>
+            <a:off x="1566950" y="2317268"/>
+            <a:ext cx="1452973" cy="273206"/>
+          </a:xfrm>
+          <a:prstGeom prst="rect">
+            <a:avLst/>
+          </a:prstGeom>
+        </p:spPr>
+        <p:style>
+          <a:lnRef idx="2">
+            <a:schemeClr val="dk1"/>
+          </a:lnRef>
+          <a:fillRef idx="1">
+            <a:schemeClr val="lt1"/>
+          </a:fillRef>
+          <a:effectRef idx="0">
+            <a:schemeClr val="dk1"/>
+          </a:effectRef>
+          <a:fontRef idx="minor">
+            <a:schemeClr val="dk1"/>
+          </a:fontRef>
+        </p:style>
+        <p:txBody>
+          <a:bodyPr rtlCol="0" anchor="ctr"/>
+          <a:lstStyle/>
+          <a:p>
+            <a:pPr algn="ctr"/>
+            <a:endParaRPr kumimoji="1" lang="zh-CN" altLang="en-US"/>
+          </a:p>
+        </p:txBody>
+      </p:sp>
+      <p:sp>
+        <p:nvSpPr>
+          <p:cNvPr id="10" name="等腰三角形 9"/>
+          <p:cNvSpPr/>
+          <p:nvPr/>
+        </p:nvSpPr>
+        <p:spPr>
+          <a:xfrm rot="10800000">
+            <a:off x="2796284" y="2404422"/>
+            <a:ext cx="162439" cy="105298"/>
+          </a:xfrm>
+          <a:prstGeom prst="triangle">
+            <a:avLst/>
+          </a:prstGeom>
+        </p:spPr>
+        <p:style>
+          <a:lnRef idx="2">
+            <a:schemeClr val="dk1"/>
+          </a:lnRef>
+          <a:fillRef idx="1">
+            <a:schemeClr val="lt1"/>
+          </a:fillRef>
+          <a:effectRef idx="0">
+            <a:schemeClr val="dk1"/>
+          </a:effectRef>
+          <a:fontRef idx="minor">
+            <a:schemeClr val="dk1"/>
+          </a:fontRef>
+        </p:style>
+        <p:txBody>
+          <a:bodyPr rtlCol="0" anchor="ctr"/>
+          <a:lstStyle/>
+          <a:p>
+            <a:pPr algn="ctr"/>
+            <a:endParaRPr kumimoji="1" lang="zh-CN" altLang="en-US"/>
+          </a:p>
+        </p:txBody>
+      </p:sp>
+      <p:sp>
+        <p:nvSpPr>
+          <p:cNvPr id="11" name="矩形 10"/>
+          <p:cNvSpPr/>
+          <p:nvPr/>
+        </p:nvSpPr>
+        <p:spPr>
+          <a:xfrm>
+            <a:off x="1539548" y="5188038"/>
+            <a:ext cx="1559853" cy="277588"/>
+          </a:xfrm>
+          <a:prstGeom prst="rect">
+            <a:avLst/>
+          </a:prstGeom>
+        </p:spPr>
+        <p:style>
+          <a:lnRef idx="2">
+            <a:schemeClr val="dk1"/>
+          </a:lnRef>
+          <a:fillRef idx="1">
+            <a:schemeClr val="lt1"/>
+          </a:fillRef>
+          <a:effectRef idx="0">
+            <a:schemeClr val="dk1"/>
+          </a:effectRef>
+          <a:fontRef idx="minor">
+            <a:schemeClr val="dk1"/>
+          </a:fontRef>
+        </p:style>
+        <p:txBody>
+          <a:bodyPr rtlCol="0" anchor="ctr"/>
+          <a:lstStyle/>
+          <a:p>
+            <a:pPr algn="ctr"/>
+            <a:endParaRPr kumimoji="1" lang="zh-CN" altLang="en-US"/>
+          </a:p>
+        </p:txBody>
+      </p:sp>
+      <p:sp>
+        <p:nvSpPr>
+          <p:cNvPr id="12" name="等腰三角形 11"/>
+          <p:cNvSpPr/>
+          <p:nvPr/>
+        </p:nvSpPr>
+        <p:spPr>
+          <a:xfrm rot="10800000">
+            <a:off x="2870712" y="5279574"/>
+            <a:ext cx="162439" cy="105298"/>
+          </a:xfrm>
+          <a:prstGeom prst="triangle">
+            <a:avLst/>
+          </a:prstGeom>
+        </p:spPr>
+        <p:style>
+          <a:lnRef idx="2">
+            <a:schemeClr val="dk1"/>
+          </a:lnRef>
+          <a:fillRef idx="1">
+            <a:schemeClr val="lt1"/>
+          </a:fillRef>
+          <a:effectRef idx="0">
+            <a:schemeClr val="dk1"/>
+          </a:effectRef>
+          <a:fontRef idx="minor">
+            <a:schemeClr val="dk1"/>
+          </a:fontRef>
+        </p:style>
+        <p:txBody>
+          <a:bodyPr rtlCol="0" anchor="ctr"/>
+          <a:lstStyle/>
+          <a:p>
+            <a:pPr algn="ctr"/>
+            <a:endParaRPr kumimoji="1" lang="zh-CN" altLang="en-US"/>
+          </a:p>
+        </p:txBody>
+      </p:sp>
+      <p:sp>
+        <p:nvSpPr>
+          <p:cNvPr id="13" name="文本框 12"/>
+          <p:cNvSpPr txBox="1"/>
+          <p:nvPr/>
+        </p:nvSpPr>
+        <p:spPr>
+          <a:xfrm>
+            <a:off x="1585695" y="2329477"/>
+            <a:ext cx="1210588" cy="246221"/>
+          </a:xfrm>
+          <a:prstGeom prst="rect">
+            <a:avLst/>
+          </a:prstGeom>
+          <a:noFill/>
+        </p:spPr>
+        <p:txBody>
+          <a:bodyPr wrap="none" rtlCol="0">
+            <a:spAutoFit/>
+          </a:bodyPr>
+          <a:lstStyle/>
+          <a:p>
+            <a:r>
+              <a:rPr kumimoji="1" lang="zh-CN" altLang="en-US" sz="1000" dirty="0" smtClean="0"/>
+              <a:t>请选择第一级分类</a:t>
+            </a:r>
+            <a:endParaRPr kumimoji="1" lang="zh-CN" altLang="en-US" sz="1000" dirty="0"/>
+          </a:p>
+        </p:txBody>
+      </p:sp>
+      <p:sp>
+        <p:nvSpPr>
+          <p:cNvPr id="14" name="文本框 13"/>
+          <p:cNvSpPr txBox="1"/>
+          <p:nvPr/>
+        </p:nvSpPr>
+        <p:spPr>
+          <a:xfrm>
+            <a:off x="1539548" y="5201765"/>
+            <a:ext cx="1210588" cy="246221"/>
+          </a:xfrm>
+          <a:prstGeom prst="rect">
+            <a:avLst/>
+          </a:prstGeom>
+          <a:noFill/>
+        </p:spPr>
+        <p:txBody>
+          <a:bodyPr wrap="none" rtlCol="0">
+            <a:spAutoFit/>
+          </a:bodyPr>
+          <a:lstStyle/>
+          <a:p>
+            <a:r>
+              <a:rPr kumimoji="1" lang="zh-CN" altLang="en-US" sz="1000" dirty="0" smtClean="0"/>
+              <a:t>请选择第二级分类</a:t>
+            </a:r>
+            <a:endParaRPr kumimoji="1" lang="zh-CN" altLang="en-US" sz="1000" dirty="0"/>
+          </a:p>
+        </p:txBody>
+      </p:sp>
+      <p:sp>
+        <p:nvSpPr>
+          <p:cNvPr id="20" name="矩形 19"/>
+          <p:cNvSpPr/>
+          <p:nvPr/>
+        </p:nvSpPr>
+        <p:spPr>
+          <a:xfrm>
+            <a:off x="3221654" y="5189556"/>
+            <a:ext cx="1452973" cy="273206"/>
+          </a:xfrm>
+          <a:prstGeom prst="rect">
+            <a:avLst/>
+          </a:prstGeom>
+        </p:spPr>
+        <p:style>
+          <a:lnRef idx="2">
+            <a:schemeClr val="dk1"/>
+          </a:lnRef>
+          <a:fillRef idx="1">
+            <a:schemeClr val="lt1"/>
+          </a:fillRef>
+          <a:effectRef idx="0">
+            <a:schemeClr val="dk1"/>
+          </a:effectRef>
+          <a:fontRef idx="minor">
+            <a:schemeClr val="dk1"/>
+          </a:fontRef>
+        </p:style>
+        <p:txBody>
+          <a:bodyPr rtlCol="0" anchor="ctr"/>
+          <a:lstStyle/>
+          <a:p>
+            <a:pPr algn="ctr"/>
+            <a:endParaRPr kumimoji="1" lang="zh-CN" altLang="en-US"/>
+          </a:p>
+        </p:txBody>
+      </p:sp>
+      <p:sp>
+        <p:nvSpPr>
+          <p:cNvPr id="21" name="等腰三角形 20"/>
+          <p:cNvSpPr/>
+          <p:nvPr/>
+        </p:nvSpPr>
+        <p:spPr>
+          <a:xfrm rot="10800000">
+            <a:off x="4450988" y="5276710"/>
+            <a:ext cx="162439" cy="105298"/>
+          </a:xfrm>
+          <a:prstGeom prst="triangle">
+            <a:avLst/>
+          </a:prstGeom>
+        </p:spPr>
+        <p:style>
+          <a:lnRef idx="2">
+            <a:schemeClr val="dk1"/>
+          </a:lnRef>
+          <a:fillRef idx="1">
+            <a:schemeClr val="lt1"/>
+          </a:fillRef>
+          <a:effectRef idx="0">
+            <a:schemeClr val="dk1"/>
+          </a:effectRef>
+          <a:fontRef idx="minor">
+            <a:schemeClr val="dk1"/>
+          </a:fontRef>
+        </p:style>
+        <p:txBody>
+          <a:bodyPr rtlCol="0" anchor="ctr"/>
+          <a:lstStyle/>
+          <a:p>
+            <a:pPr algn="ctr"/>
+            <a:endParaRPr kumimoji="1" lang="zh-CN" altLang="en-US"/>
+          </a:p>
+        </p:txBody>
+      </p:sp>
+      <p:sp>
+        <p:nvSpPr>
+          <p:cNvPr id="22" name="文本框 21"/>
+          <p:cNvSpPr txBox="1"/>
+          <p:nvPr/>
+        </p:nvSpPr>
+        <p:spPr>
+          <a:xfrm>
+            <a:off x="3485964" y="5201765"/>
+            <a:ext cx="825867" cy="246221"/>
+          </a:xfrm>
+          <a:prstGeom prst="rect">
+            <a:avLst/>
+          </a:prstGeom>
+          <a:noFill/>
+        </p:spPr>
+        <p:txBody>
+          <a:bodyPr wrap="none" rtlCol="0">
+            <a:spAutoFit/>
+          </a:bodyPr>
+          <a:lstStyle/>
+          <a:p>
+            <a:r>
+              <a:rPr kumimoji="1" lang="zh-CN" altLang="en-US" sz="1000" dirty="0" smtClean="0"/>
+              <a:t>请选择产品</a:t>
+            </a:r>
+            <a:endParaRPr kumimoji="1" lang="zh-CN" altLang="en-US" sz="1000" dirty="0"/>
+          </a:p>
+        </p:txBody>
+      </p:sp>
+      <p:sp>
+        <p:nvSpPr>
+          <p:cNvPr id="32" name="文本框 31"/>
+          <p:cNvSpPr txBox="1"/>
+          <p:nvPr/>
+        </p:nvSpPr>
+        <p:spPr>
+          <a:xfrm>
+            <a:off x="542882" y="5138689"/>
+            <a:ext cx="961021" cy="307777"/>
+          </a:xfrm>
+          <a:prstGeom prst="rect">
+            <a:avLst/>
+          </a:prstGeom>
+          <a:noFill/>
+        </p:spPr>
+        <p:txBody>
+          <a:bodyPr wrap="square" rtlCol="0">
+            <a:spAutoFit/>
+          </a:bodyPr>
+          <a:lstStyle/>
+          <a:p>
+            <a:r>
+              <a:rPr kumimoji="1" lang="zh-CN" altLang="en-US" sz="1400" dirty="0" smtClean="0"/>
+              <a:t>选择产品</a:t>
+            </a:r>
+            <a:r>
+              <a:rPr kumimoji="1" lang="zh-CN" altLang="en-US" sz="1400" dirty="0" smtClean="0"/>
+              <a:t>：</a:t>
+            </a:r>
+            <a:endParaRPr kumimoji="1" lang="zh-CN" altLang="en-US" sz="1400" dirty="0"/>
+          </a:p>
+        </p:txBody>
+      </p:sp>
+      <p:sp>
+        <p:nvSpPr>
+          <p:cNvPr id="33" name="矩形 32"/>
+          <p:cNvSpPr/>
+          <p:nvPr/>
+        </p:nvSpPr>
+        <p:spPr>
+          <a:xfrm>
+            <a:off x="4823990" y="5181160"/>
+            <a:ext cx="724968" cy="260997"/>
+          </a:xfrm>
+          <a:prstGeom prst="rect">
+            <a:avLst/>
+          </a:prstGeom>
+        </p:spPr>
+        <p:style>
+          <a:lnRef idx="2">
+            <a:schemeClr val="dk1"/>
+          </a:lnRef>
+          <a:fillRef idx="1">
+            <a:schemeClr val="lt1"/>
+          </a:fillRef>
+          <a:effectRef idx="0">
+            <a:schemeClr val="dk1"/>
+          </a:effectRef>
+          <a:fontRef idx="minor">
+            <a:schemeClr val="dk1"/>
+          </a:fontRef>
+        </p:style>
+        <p:txBody>
+          <a:bodyPr rtlCol="0" anchor="ctr"/>
+          <a:lstStyle/>
+          <a:p>
+            <a:pPr algn="ctr"/>
+            <a:r>
+              <a:rPr kumimoji="1" lang="zh-CN" altLang="en-US" dirty="0" smtClean="0"/>
+              <a:t>增加</a:t>
+            </a:r>
+            <a:endParaRPr kumimoji="1" lang="zh-CN" altLang="en-US" dirty="0"/>
+          </a:p>
+        </p:txBody>
+      </p:sp>
+      <p:sp>
+        <p:nvSpPr>
+          <p:cNvPr id="34" name="矩形 33"/>
+          <p:cNvSpPr/>
+          <p:nvPr/>
+        </p:nvSpPr>
+        <p:spPr>
+          <a:xfrm>
+            <a:off x="6501364" y="3357557"/>
+            <a:ext cx="724968" cy="260997"/>
+          </a:xfrm>
+          <a:prstGeom prst="rect">
+            <a:avLst/>
+          </a:prstGeom>
+        </p:spPr>
+        <p:style>
+          <a:lnRef idx="2">
+            <a:schemeClr val="dk1"/>
+          </a:lnRef>
+          <a:fillRef idx="1">
+            <a:schemeClr val="lt1"/>
+          </a:fillRef>
+          <a:effectRef idx="0">
+            <a:schemeClr val="dk1"/>
+          </a:effectRef>
+          <a:fontRef idx="minor">
+            <a:schemeClr val="dk1"/>
+          </a:fontRef>
+        </p:style>
+        <p:txBody>
+          <a:bodyPr rtlCol="0" anchor="ctr"/>
+          <a:lstStyle/>
+          <a:p>
+            <a:pPr algn="ctr"/>
+            <a:r>
+              <a:rPr kumimoji="1" lang="zh-CN" altLang="en-US" dirty="0" smtClean="0"/>
+              <a:t>删除</a:t>
+            </a:r>
+            <a:endParaRPr kumimoji="1" lang="zh-CN" altLang="en-US" dirty="0"/>
+          </a:p>
+        </p:txBody>
+      </p:sp>
+      <p:sp>
+        <p:nvSpPr>
+          <p:cNvPr id="36" name="文本框 35"/>
+          <p:cNvSpPr txBox="1"/>
+          <p:nvPr/>
+        </p:nvSpPr>
+        <p:spPr>
+          <a:xfrm>
+            <a:off x="558529" y="2945055"/>
+            <a:ext cx="1082348" cy="307777"/>
+          </a:xfrm>
+          <a:prstGeom prst="rect">
+            <a:avLst/>
+          </a:prstGeom>
+          <a:noFill/>
+        </p:spPr>
+        <p:txBody>
+          <a:bodyPr wrap="none" rtlCol="0">
+            <a:spAutoFit/>
+          </a:bodyPr>
+          <a:lstStyle/>
+          <a:p>
+            <a:r>
+              <a:rPr kumimoji="1" lang="zh-CN" altLang="en-US" sz="1400" dirty="0" smtClean="0"/>
+              <a:t>推荐产品</a:t>
+            </a:r>
+            <a:r>
+              <a:rPr kumimoji="1" lang="zh-CN" altLang="en-US" sz="1400" dirty="0" smtClean="0"/>
+              <a:t>：</a:t>
+            </a:r>
+            <a:endParaRPr kumimoji="1" lang="zh-CN" altLang="en-US" sz="1400" dirty="0"/>
+          </a:p>
+        </p:txBody>
+      </p:sp>
+      <p:sp>
+        <p:nvSpPr>
+          <p:cNvPr id="37" name="矩形 36"/>
+          <p:cNvSpPr/>
+          <p:nvPr/>
+        </p:nvSpPr>
+        <p:spPr>
+          <a:xfrm>
+            <a:off x="1566950" y="2945055"/>
+            <a:ext cx="6400800" cy="307777"/>
+          </a:xfrm>
+          <a:prstGeom prst="rect">
+            <a:avLst/>
+          </a:prstGeom>
+        </p:spPr>
+        <p:txBody>
+          <a:bodyPr wrap="square">
+            <a:spAutoFit/>
+          </a:bodyPr>
+          <a:lstStyle/>
+          <a:p>
+            <a:r>
+              <a:rPr lang="zh-CN" altLang="en-US" sz="1400" dirty="0"/>
+              <a:t>序号	一级分类	二级分类	系列	型号	</a:t>
+            </a:r>
+            <a:r>
+              <a:rPr lang="en-US" altLang="zh-CN" sz="1400" dirty="0" smtClean="0"/>
+              <a:t>          </a:t>
+            </a:r>
+            <a:r>
+              <a:rPr lang="zh-CN" altLang="en-US" sz="1400" dirty="0" smtClean="0"/>
+              <a:t>操作</a:t>
+            </a:r>
+            <a:endParaRPr lang="zh-CN" altLang="en-US" sz="1400" dirty="0"/>
+          </a:p>
+        </p:txBody>
+      </p:sp>
+      <p:sp>
+        <p:nvSpPr>
+          <p:cNvPr id="38" name="矩形 37"/>
+          <p:cNvSpPr/>
+          <p:nvPr/>
+        </p:nvSpPr>
+        <p:spPr>
+          <a:xfrm>
+            <a:off x="1640877" y="3357557"/>
+            <a:ext cx="5601102" cy="307777"/>
+          </a:xfrm>
+          <a:prstGeom prst="rect">
+            <a:avLst/>
+          </a:prstGeom>
+        </p:spPr>
+        <p:txBody>
+          <a:bodyPr wrap="square">
+            <a:spAutoFit/>
+          </a:bodyPr>
+          <a:lstStyle/>
+          <a:p>
+            <a:r>
+              <a:rPr lang="en-US" altLang="zh-TW" sz="1400" dirty="0" smtClean="0">
+                <a:latin typeface="华文新魏"/>
+                <a:ea typeface="华文新魏"/>
+                <a:cs typeface="华文新魏"/>
+              </a:rPr>
+              <a:t>1                 </a:t>
+            </a:r>
+            <a:r>
+              <a:rPr lang="zh-TW" altLang="en-US" sz="1400" dirty="0" smtClean="0">
+                <a:latin typeface="华文新魏"/>
+                <a:ea typeface="华文新魏"/>
+                <a:cs typeface="华文新魏"/>
+              </a:rPr>
+              <a:t>家用空调	柜式	</a:t>
+            </a:r>
+            <a:r>
+              <a:rPr lang="en-US" altLang="zh-TW" sz="1400" dirty="0" smtClean="0">
+                <a:latin typeface="华文新魏"/>
+                <a:ea typeface="华文新魏"/>
+                <a:cs typeface="华文新魏"/>
+              </a:rPr>
+              <a:t>Q</a:t>
+            </a:r>
+            <a:r>
+              <a:rPr lang="zh-TW" altLang="en-US" sz="1400" dirty="0" smtClean="0">
+                <a:latin typeface="华文新魏"/>
+                <a:ea typeface="华文新魏"/>
+                <a:cs typeface="华文新魏"/>
+              </a:rPr>
+              <a:t>铂	</a:t>
+            </a:r>
+            <a:r>
+              <a:rPr lang="en-US" altLang="zh-TW" sz="1400" dirty="0" smtClean="0">
+                <a:latin typeface="华文新魏"/>
+                <a:ea typeface="华文新魏"/>
+                <a:cs typeface="华文新魏"/>
+              </a:rPr>
+              <a:t>KFR-50LW</a:t>
+            </a:r>
+            <a:endParaRPr lang="zh-CN" altLang="en-US" sz="1400" dirty="0">
+              <a:latin typeface="华文新魏"/>
+              <a:ea typeface="华文新魏"/>
+              <a:cs typeface="华文新魏"/>
+            </a:endParaRPr>
+          </a:p>
+        </p:txBody>
+      </p:sp>
+      <p:sp>
+        <p:nvSpPr>
+          <p:cNvPr id="39" name="矩形 38"/>
+          <p:cNvSpPr/>
+          <p:nvPr/>
+        </p:nvSpPr>
+        <p:spPr>
+          <a:xfrm>
+            <a:off x="1625230" y="3665334"/>
+            <a:ext cx="5601102" cy="307777"/>
+          </a:xfrm>
+          <a:prstGeom prst="rect">
+            <a:avLst/>
+          </a:prstGeom>
+        </p:spPr>
+        <p:txBody>
+          <a:bodyPr wrap="square">
+            <a:spAutoFit/>
+          </a:bodyPr>
+          <a:lstStyle/>
+          <a:p>
+            <a:r>
+              <a:rPr lang="en-US" altLang="zh-CN" sz="1400" dirty="0" smtClean="0">
+                <a:latin typeface="华文新魏"/>
+                <a:ea typeface="华文新魏"/>
+                <a:cs typeface="华文新魏"/>
+              </a:rPr>
+              <a:t>2</a:t>
+            </a:r>
+            <a:r>
+              <a:rPr lang="en-US" altLang="zh-TW" sz="1400" dirty="0" smtClean="0">
+                <a:latin typeface="华文新魏"/>
+                <a:ea typeface="华文新魏"/>
+                <a:cs typeface="华文新魏"/>
+              </a:rPr>
+              <a:t>                 </a:t>
+            </a:r>
+            <a:r>
+              <a:rPr lang="zh-TW" altLang="en-US" sz="1400" dirty="0" smtClean="0">
+                <a:latin typeface="华文新魏"/>
+                <a:ea typeface="华文新魏"/>
+                <a:cs typeface="华文新魏"/>
+              </a:rPr>
+              <a:t>家用空调	柜式	</a:t>
+            </a:r>
+            <a:r>
+              <a:rPr lang="en-US" altLang="zh-TW" sz="1400" dirty="0" smtClean="0">
+                <a:latin typeface="华文新魏"/>
+                <a:ea typeface="华文新魏"/>
+                <a:cs typeface="华文新魏"/>
+              </a:rPr>
+              <a:t>Q</a:t>
+            </a:r>
+            <a:r>
+              <a:rPr lang="zh-TW" altLang="en-US" sz="1400" dirty="0" smtClean="0">
+                <a:latin typeface="华文新魏"/>
+                <a:ea typeface="华文新魏"/>
+                <a:cs typeface="华文新魏"/>
+              </a:rPr>
+              <a:t>铂	</a:t>
+            </a:r>
+            <a:r>
+              <a:rPr lang="en-US" altLang="zh-TW" sz="1400" dirty="0" smtClean="0">
+                <a:latin typeface="华文新魏"/>
+                <a:ea typeface="华文新魏"/>
+                <a:cs typeface="华文新魏"/>
+              </a:rPr>
+              <a:t>KFR-50LW</a:t>
+            </a:r>
+            <a:endParaRPr lang="zh-CN" altLang="en-US" sz="1400" dirty="0">
+              <a:latin typeface="华文新魏"/>
+              <a:ea typeface="华文新魏"/>
+              <a:cs typeface="华文新魏"/>
+            </a:endParaRPr>
+          </a:p>
+        </p:txBody>
+      </p:sp>
+      <p:sp>
+        <p:nvSpPr>
+          <p:cNvPr id="40" name="矩形 39"/>
+          <p:cNvSpPr/>
+          <p:nvPr/>
+        </p:nvSpPr>
+        <p:spPr>
+          <a:xfrm>
+            <a:off x="1640877" y="3973111"/>
+            <a:ext cx="5601102" cy="307777"/>
+          </a:xfrm>
+          <a:prstGeom prst="rect">
+            <a:avLst/>
+          </a:prstGeom>
+        </p:spPr>
+        <p:txBody>
+          <a:bodyPr wrap="square">
+            <a:spAutoFit/>
+          </a:bodyPr>
+          <a:lstStyle/>
+          <a:p>
+            <a:r>
+              <a:rPr lang="en-US" altLang="zh-CN" sz="1400" dirty="0" smtClean="0">
+                <a:latin typeface="华文新魏"/>
+                <a:ea typeface="华文新魏"/>
+                <a:cs typeface="华文新魏"/>
+              </a:rPr>
+              <a:t>3</a:t>
+            </a:r>
+            <a:r>
+              <a:rPr lang="en-US" altLang="zh-TW" sz="1400" dirty="0" smtClean="0">
+                <a:latin typeface="华文新魏"/>
+                <a:ea typeface="华文新魏"/>
+                <a:cs typeface="华文新魏"/>
+              </a:rPr>
+              <a:t>                 </a:t>
+            </a:r>
+            <a:r>
+              <a:rPr lang="zh-TW" altLang="en-US" sz="1400" dirty="0" smtClean="0">
+                <a:latin typeface="华文新魏"/>
+                <a:ea typeface="华文新魏"/>
+                <a:cs typeface="华文新魏"/>
+              </a:rPr>
+              <a:t>家用空调	柜式	</a:t>
+            </a:r>
+            <a:r>
+              <a:rPr lang="en-US" altLang="zh-TW" sz="1400" dirty="0" smtClean="0">
+                <a:latin typeface="华文新魏"/>
+                <a:ea typeface="华文新魏"/>
+                <a:cs typeface="华文新魏"/>
+              </a:rPr>
+              <a:t>Q</a:t>
+            </a:r>
+            <a:r>
+              <a:rPr lang="zh-TW" altLang="en-US" sz="1400" dirty="0" smtClean="0">
+                <a:latin typeface="华文新魏"/>
+                <a:ea typeface="华文新魏"/>
+                <a:cs typeface="华文新魏"/>
+              </a:rPr>
+              <a:t>铂	</a:t>
+            </a:r>
+            <a:r>
+              <a:rPr lang="en-US" altLang="zh-TW" sz="1400" dirty="0" smtClean="0">
+                <a:latin typeface="华文新魏"/>
+                <a:ea typeface="华文新魏"/>
+                <a:cs typeface="华文新魏"/>
+              </a:rPr>
+              <a:t>KFR-50LW</a:t>
+            </a:r>
+            <a:endParaRPr lang="zh-CN" altLang="en-US" sz="1400" dirty="0">
+              <a:latin typeface="华文新魏"/>
+              <a:ea typeface="华文新魏"/>
+              <a:cs typeface="华文新魏"/>
+            </a:endParaRPr>
+          </a:p>
+        </p:txBody>
+      </p:sp>
+      <p:sp>
+        <p:nvSpPr>
+          <p:cNvPr id="41" name="矩形 40"/>
+          <p:cNvSpPr/>
+          <p:nvPr/>
+        </p:nvSpPr>
+        <p:spPr>
+          <a:xfrm>
+            <a:off x="1640877" y="4280888"/>
+            <a:ext cx="5601102" cy="307777"/>
+          </a:xfrm>
+          <a:prstGeom prst="rect">
+            <a:avLst/>
+          </a:prstGeom>
+        </p:spPr>
+        <p:txBody>
+          <a:bodyPr wrap="square">
+            <a:spAutoFit/>
+          </a:bodyPr>
+          <a:lstStyle/>
+          <a:p>
+            <a:r>
+              <a:rPr lang="en-US" altLang="zh-CN" sz="1400" dirty="0" smtClean="0">
+                <a:latin typeface="华文新魏"/>
+                <a:ea typeface="华文新魏"/>
+                <a:cs typeface="华文新魏"/>
+              </a:rPr>
+              <a:t>4</a:t>
+            </a:r>
+            <a:r>
+              <a:rPr lang="en-US" altLang="zh-TW" sz="1400" dirty="0" smtClean="0">
+                <a:latin typeface="华文新魏"/>
+                <a:ea typeface="华文新魏"/>
+                <a:cs typeface="华文新魏"/>
+              </a:rPr>
+              <a:t>                 </a:t>
+            </a:r>
+            <a:r>
+              <a:rPr lang="zh-TW" altLang="en-US" sz="1400" dirty="0" smtClean="0">
+                <a:latin typeface="华文新魏"/>
+                <a:ea typeface="华文新魏"/>
+                <a:cs typeface="华文新魏"/>
+              </a:rPr>
+              <a:t>家用空调	柜式	</a:t>
+            </a:r>
+            <a:r>
+              <a:rPr lang="en-US" altLang="zh-TW" sz="1400" dirty="0" smtClean="0">
+                <a:latin typeface="华文新魏"/>
+                <a:ea typeface="华文新魏"/>
+                <a:cs typeface="华文新魏"/>
+              </a:rPr>
+              <a:t>Q</a:t>
+            </a:r>
+            <a:r>
+              <a:rPr lang="zh-TW" altLang="en-US" sz="1400" dirty="0" smtClean="0">
+                <a:latin typeface="华文新魏"/>
+                <a:ea typeface="华文新魏"/>
+                <a:cs typeface="华文新魏"/>
+              </a:rPr>
+              <a:t>铂	</a:t>
+            </a:r>
+            <a:r>
+              <a:rPr lang="en-US" altLang="zh-TW" sz="1400" dirty="0" smtClean="0">
+                <a:latin typeface="华文新魏"/>
+                <a:ea typeface="华文新魏"/>
+                <a:cs typeface="华文新魏"/>
+              </a:rPr>
+              <a:t>KFR-50LW</a:t>
+            </a:r>
+            <a:endParaRPr lang="zh-CN" altLang="en-US" sz="1400" dirty="0">
+              <a:latin typeface="华文新魏"/>
+              <a:ea typeface="华文新魏"/>
+              <a:cs typeface="华文新魏"/>
+            </a:endParaRPr>
+          </a:p>
+        </p:txBody>
+      </p:sp>
+      <p:sp>
+        <p:nvSpPr>
+          <p:cNvPr id="42" name="矩形 41"/>
+          <p:cNvSpPr/>
+          <p:nvPr/>
+        </p:nvSpPr>
+        <p:spPr>
+          <a:xfrm>
+            <a:off x="6501364" y="3712114"/>
+            <a:ext cx="724968" cy="260997"/>
+          </a:xfrm>
+          <a:prstGeom prst="rect">
+            <a:avLst/>
+          </a:prstGeom>
+        </p:spPr>
+        <p:style>
+          <a:lnRef idx="2">
+            <a:schemeClr val="dk1"/>
+          </a:lnRef>
+          <a:fillRef idx="1">
+            <a:schemeClr val="lt1"/>
+          </a:fillRef>
+          <a:effectRef idx="0">
+            <a:schemeClr val="dk1"/>
+          </a:effectRef>
+          <a:fontRef idx="minor">
+            <a:schemeClr val="dk1"/>
+          </a:fontRef>
+        </p:style>
+        <p:txBody>
+          <a:bodyPr rtlCol="0" anchor="ctr"/>
+          <a:lstStyle/>
+          <a:p>
+            <a:pPr algn="ctr"/>
+            <a:r>
+              <a:rPr kumimoji="1" lang="zh-CN" altLang="en-US" dirty="0" smtClean="0"/>
+              <a:t>删除</a:t>
+            </a:r>
+            <a:endParaRPr kumimoji="1" lang="zh-CN" altLang="en-US" dirty="0"/>
+          </a:p>
+        </p:txBody>
+      </p:sp>
+      <p:sp>
+        <p:nvSpPr>
+          <p:cNvPr id="43" name="矩形 42"/>
+          <p:cNvSpPr/>
+          <p:nvPr/>
+        </p:nvSpPr>
+        <p:spPr>
+          <a:xfrm>
+            <a:off x="6501364" y="4019891"/>
+            <a:ext cx="724968" cy="260997"/>
+          </a:xfrm>
+          <a:prstGeom prst="rect">
+            <a:avLst/>
+          </a:prstGeom>
+        </p:spPr>
+        <p:style>
+          <a:lnRef idx="2">
+            <a:schemeClr val="dk1"/>
+          </a:lnRef>
+          <a:fillRef idx="1">
+            <a:schemeClr val="lt1"/>
+          </a:fillRef>
+          <a:effectRef idx="0">
+            <a:schemeClr val="dk1"/>
+          </a:effectRef>
+          <a:fontRef idx="minor">
+            <a:schemeClr val="dk1"/>
+          </a:fontRef>
+        </p:style>
+        <p:txBody>
+          <a:bodyPr rtlCol="0" anchor="ctr"/>
+          <a:lstStyle/>
+          <a:p>
+            <a:pPr algn="ctr"/>
+            <a:r>
+              <a:rPr kumimoji="1" lang="zh-CN" altLang="en-US" dirty="0" smtClean="0"/>
+              <a:t>删除</a:t>
+            </a:r>
+            <a:endParaRPr kumimoji="1" lang="zh-CN" altLang="en-US" dirty="0"/>
+          </a:p>
+        </p:txBody>
+      </p:sp>
+      <p:sp>
+        <p:nvSpPr>
+          <p:cNvPr id="44" name="矩形 43"/>
+          <p:cNvSpPr/>
+          <p:nvPr/>
+        </p:nvSpPr>
+        <p:spPr>
+          <a:xfrm>
+            <a:off x="6501364" y="4327668"/>
+            <a:ext cx="724968" cy="260997"/>
+          </a:xfrm>
+          <a:prstGeom prst="rect">
+            <a:avLst/>
+          </a:prstGeom>
+        </p:spPr>
+        <p:style>
+          <a:lnRef idx="2">
+            <a:schemeClr val="dk1"/>
+          </a:lnRef>
+          <a:fillRef idx="1">
+            <a:schemeClr val="lt1"/>
+          </a:fillRef>
+          <a:effectRef idx="0">
+            <a:schemeClr val="dk1"/>
+          </a:effectRef>
+          <a:fontRef idx="minor">
+            <a:schemeClr val="dk1"/>
+          </a:fontRef>
+        </p:style>
+        <p:txBody>
+          <a:bodyPr rtlCol="0" anchor="ctr"/>
+          <a:lstStyle/>
+          <a:p>
+            <a:pPr algn="ctr"/>
+            <a:r>
+              <a:rPr kumimoji="1" lang="zh-CN" altLang="en-US" dirty="0" smtClean="0"/>
+              <a:t>删除</a:t>
+            </a:r>
+            <a:endParaRPr kumimoji="1" lang="zh-CN" altLang="en-US" dirty="0"/>
+          </a:p>
+        </p:txBody>
+      </p:sp>
+    </p:spTree>
+    <p:extLst>
+      <p:ext uri="{BB962C8B-B14F-4D97-AF65-F5344CB8AC3E}">
+        <p14:creationId xmlns:p14="http://schemas.microsoft.com/office/powerpoint/2010/main" val="2523561168"/>
+      </p:ext>
+    </p:extLst>
+  </p:cSld>
+  <p:clrMapOvr>
+    <a:masterClrMapping/>
+  </p:clrMapOvr>
+</p:sld>
+</file>
+
+<file path=ppt/slides/slide19.xml><?xml version="1.0" encoding="utf-8"?>
+<p:sld xmlns:a="http://schemas.openxmlformats.org/drawingml/2006/main" xmlns:r="http://schemas.openxmlformats.org/officeDocument/2006/relationships" xmlns:p="http://schemas.openxmlformats.org/presentationml/2006/main">
+  <p:cSld>
+    <p:spTree>
+      <p:nvGrpSpPr>
+        <p:cNvPr id="1" name=""/>
+        <p:cNvGrpSpPr/>
+        <p:nvPr/>
+      </p:nvGrpSpPr>
+      <p:grpSpPr>
+        <a:xfrm>
+          <a:off x="0" y="0"/>
+          <a:ext cx="0" cy="0"/>
+          <a:chOff x="0" y="0"/>
+          <a:chExt cx="0" cy="0"/>
+        </a:xfrm>
+      </p:grpSpPr>
+      <p:sp>
+        <p:nvSpPr>
+          <p:cNvPr id="2" name="标题 1"/>
+          <p:cNvSpPr>
+            <a:spLocks noGrp="1"/>
+          </p:cNvSpPr>
+          <p:nvPr>
+            <p:ph type="title"/>
+          </p:nvPr>
+        </p:nvSpPr>
+        <p:spPr/>
+        <p:txBody>
+          <a:bodyPr/>
+          <a:lstStyle/>
+          <a:p>
+            <a:r>
+              <a:rPr kumimoji="1" lang="zh-CN" altLang="en-US" dirty="0"/>
+              <a:t>二、产品编辑</a:t>
+            </a:r>
+          </a:p>
+        </p:txBody>
+      </p:sp>
+      <p:sp>
+        <p:nvSpPr>
+          <p:cNvPr id="3" name="文本框 2"/>
+          <p:cNvSpPr txBox="1"/>
+          <p:nvPr/>
+        </p:nvSpPr>
+        <p:spPr>
+          <a:xfrm>
+            <a:off x="1049130" y="1777488"/>
+            <a:ext cx="646331" cy="369332"/>
+          </a:xfrm>
+          <a:prstGeom prst="rect">
+            <a:avLst/>
+          </a:prstGeom>
+          <a:noFill/>
+        </p:spPr>
+        <p:txBody>
+          <a:bodyPr wrap="none" rtlCol="0">
+            <a:spAutoFit/>
+          </a:bodyPr>
+          <a:lstStyle/>
+          <a:p>
+            <a:r>
+              <a:rPr kumimoji="1" lang="zh-CN" altLang="en-US" dirty="0" smtClean="0"/>
+              <a:t>点击</a:t>
+            </a:r>
+            <a:endParaRPr kumimoji="1" lang="zh-CN" altLang="en-US" dirty="0"/>
+          </a:p>
+        </p:txBody>
+      </p:sp>
+      <p:sp>
+        <p:nvSpPr>
+          <p:cNvPr id="5" name="文本框 4"/>
+          <p:cNvSpPr txBox="1"/>
+          <p:nvPr/>
+        </p:nvSpPr>
+        <p:spPr>
+          <a:xfrm>
+            <a:off x="2830204" y="1777488"/>
+            <a:ext cx="2737348" cy="369332"/>
+          </a:xfrm>
+          <a:prstGeom prst="rect">
+            <a:avLst/>
+          </a:prstGeom>
+          <a:noFill/>
+        </p:spPr>
+        <p:txBody>
+          <a:bodyPr wrap="none" rtlCol="0">
+            <a:spAutoFit/>
+          </a:bodyPr>
+          <a:lstStyle/>
+          <a:p>
+            <a:r>
+              <a:rPr kumimoji="1" lang="zh-CN" altLang="en-US" dirty="0" smtClean="0"/>
+              <a:t>向</a:t>
+            </a:r>
+            <a:r>
+              <a:rPr kumimoji="1" lang="en-US" altLang="zh-CN" dirty="0" smtClean="0"/>
+              <a:t>/</a:t>
+            </a:r>
+            <a:r>
+              <a:rPr kumimoji="1" lang="en-US" altLang="zh-CN" dirty="0" err="1" smtClean="0"/>
+              <a:t>getClassOne</a:t>
+            </a:r>
+            <a:r>
+              <a:rPr kumimoji="1" lang="zh-CN" altLang="en-US" dirty="0" smtClean="0"/>
+              <a:t>发出请求</a:t>
+            </a:r>
+            <a:endParaRPr kumimoji="1" lang="zh-CN" altLang="en-US" dirty="0"/>
+          </a:p>
+        </p:txBody>
+      </p:sp>
+      <p:sp>
+        <p:nvSpPr>
+          <p:cNvPr id="6" name="文本框 5"/>
+          <p:cNvSpPr txBox="1"/>
+          <p:nvPr/>
+        </p:nvSpPr>
+        <p:spPr>
+          <a:xfrm>
+            <a:off x="1067920" y="2245182"/>
+            <a:ext cx="1762284" cy="369332"/>
+          </a:xfrm>
+          <a:prstGeom prst="rect">
+            <a:avLst/>
+          </a:prstGeom>
+          <a:noFill/>
+        </p:spPr>
+        <p:txBody>
+          <a:bodyPr wrap="none" rtlCol="0">
+            <a:spAutoFit/>
+          </a:bodyPr>
+          <a:lstStyle/>
+          <a:p>
+            <a:r>
+              <a:rPr kumimoji="1" lang="zh-CN" altLang="en-US" dirty="0" smtClean="0"/>
+              <a:t>返回</a:t>
+            </a:r>
+            <a:r>
+              <a:rPr kumimoji="1" lang="en-US" altLang="zh-CN" dirty="0" err="1" smtClean="0"/>
+              <a:t>json</a:t>
+            </a:r>
+            <a:r>
+              <a:rPr kumimoji="1" lang="zh-CN" altLang="en-US" dirty="0" smtClean="0"/>
+              <a:t>结构：</a:t>
+            </a:r>
+            <a:endParaRPr kumimoji="1" lang="zh-CN" altLang="en-US" dirty="0"/>
+          </a:p>
+        </p:txBody>
+      </p:sp>
+      <p:sp>
+        <p:nvSpPr>
+          <p:cNvPr id="7" name="矩形 6"/>
+          <p:cNvSpPr/>
+          <p:nvPr/>
+        </p:nvSpPr>
+        <p:spPr>
+          <a:xfrm>
+            <a:off x="2736860" y="2245182"/>
+            <a:ext cx="4733933" cy="923330"/>
+          </a:xfrm>
+          <a:prstGeom prst="rect">
+            <a:avLst/>
+          </a:prstGeom>
+        </p:spPr>
+        <p:txBody>
+          <a:bodyPr wrap="square">
+            <a:spAutoFit/>
+          </a:bodyPr>
+          <a:lstStyle/>
+          <a:p>
+            <a:r>
+              <a:rPr lang="en-US" altLang="zh-CN" dirty="0"/>
+              <a:t>{</a:t>
+            </a:r>
+          </a:p>
+          <a:p>
+            <a:r>
+              <a:rPr lang="en-US" altLang="zh-CN" dirty="0" err="1"/>
+              <a:t>classone</a:t>
+            </a:r>
+            <a:r>
+              <a:rPr lang="en-US" altLang="zh-CN" dirty="0"/>
+              <a:t>: </a:t>
+            </a:r>
+            <a:r>
+              <a:rPr lang="en-US" altLang="zh-CN" dirty="0" smtClean="0"/>
+              <a:t>[</a:t>
+            </a:r>
+            <a:r>
+              <a:rPr lang="zh-CN" altLang="en-US" dirty="0" smtClean="0"/>
+              <a:t>冰箱</a:t>
+            </a:r>
+            <a:r>
+              <a:rPr lang="en-US" altLang="zh-CN" dirty="0" smtClean="0"/>
+              <a:t>,</a:t>
+            </a:r>
+            <a:r>
+              <a:rPr lang="zh-CN" altLang="en-US" dirty="0" smtClean="0"/>
+              <a:t>空调</a:t>
+            </a:r>
+            <a:r>
+              <a:rPr lang="en-US" altLang="zh-CN" dirty="0" smtClean="0"/>
+              <a:t>,</a:t>
+            </a:r>
+            <a:r>
+              <a:rPr lang="zh-CN" altLang="en-US" dirty="0" smtClean="0"/>
+              <a:t>日用电器</a:t>
+            </a:r>
+            <a:r>
+              <a:rPr lang="en-US" altLang="zh-CN" dirty="0"/>
+              <a:t>]</a:t>
+            </a:r>
+          </a:p>
+          <a:p>
+            <a:r>
+              <a:rPr lang="en-US" altLang="zh-CN" dirty="0"/>
+              <a:t>}</a:t>
+            </a:r>
+            <a:endParaRPr lang="zh-CN" altLang="en-US" dirty="0"/>
+          </a:p>
+        </p:txBody>
+      </p:sp>
+      <p:pic>
+        <p:nvPicPr>
+          <p:cNvPr id="8" name="图片 7"/>
+          <p:cNvPicPr>
+            <a:picLocks noChangeAspect="1"/>
+          </p:cNvPicPr>
+          <p:nvPr/>
+        </p:nvPicPr>
+        <p:blipFill>
+          <a:blip r:embed="rId2"/>
+          <a:stretch>
+            <a:fillRect/>
+          </a:stretch>
+        </p:blipFill>
+        <p:spPr>
+          <a:xfrm>
+            <a:off x="1695461" y="1777488"/>
+            <a:ext cx="1079500" cy="381000"/>
+          </a:xfrm>
+          <a:prstGeom prst="rect">
+            <a:avLst/>
+          </a:prstGeom>
+        </p:spPr>
+      </p:pic>
+      <p:sp>
+        <p:nvSpPr>
+          <p:cNvPr id="9" name="文本框 8"/>
+          <p:cNvSpPr txBox="1"/>
+          <p:nvPr/>
+        </p:nvSpPr>
+        <p:spPr>
+          <a:xfrm>
+            <a:off x="1067920" y="3318156"/>
+            <a:ext cx="5289917" cy="369332"/>
+          </a:xfrm>
+          <a:prstGeom prst="rect">
+            <a:avLst/>
+          </a:prstGeom>
+          <a:noFill/>
+        </p:spPr>
+        <p:txBody>
+          <a:bodyPr wrap="none" rtlCol="0">
+            <a:spAutoFit/>
+          </a:bodyPr>
+          <a:lstStyle/>
+          <a:p>
+            <a:r>
+              <a:rPr kumimoji="1" lang="zh-CN" altLang="en-US" dirty="0" smtClean="0"/>
+              <a:t>选择分类之后，向</a:t>
+            </a:r>
+            <a:r>
+              <a:rPr kumimoji="1" lang="en-US" altLang="zh-CN" dirty="0" smtClean="0"/>
+              <a:t>/</a:t>
+            </a:r>
+            <a:r>
+              <a:rPr kumimoji="1" lang="en-US" altLang="zh-CN" dirty="0" err="1" smtClean="0"/>
+              <a:t>manageBestProducts</a:t>
+            </a:r>
+            <a:r>
+              <a:rPr kumimoji="1" lang="zh-CN" altLang="en-US" dirty="0" smtClean="0"/>
+              <a:t>发送请求</a:t>
+            </a:r>
+            <a:r>
+              <a:rPr kumimoji="1" lang="en-US" altLang="zh-CN" dirty="0" smtClean="0"/>
+              <a:t>:</a:t>
+            </a:r>
+            <a:endParaRPr kumimoji="1" lang="zh-CN" altLang="en-US" dirty="0"/>
+          </a:p>
+        </p:txBody>
+      </p:sp>
+      <p:sp>
+        <p:nvSpPr>
+          <p:cNvPr id="10" name="文本框 9"/>
+          <p:cNvSpPr txBox="1"/>
+          <p:nvPr/>
+        </p:nvSpPr>
+        <p:spPr>
+          <a:xfrm>
+            <a:off x="2413993" y="3901694"/>
+            <a:ext cx="3674767" cy="369332"/>
+          </a:xfrm>
+          <a:prstGeom prst="rect">
+            <a:avLst/>
+          </a:prstGeom>
+          <a:noFill/>
+        </p:spPr>
+        <p:txBody>
+          <a:bodyPr wrap="none" rtlCol="0">
+            <a:spAutoFit/>
+          </a:bodyPr>
+          <a:lstStyle/>
+          <a:p>
+            <a:r>
+              <a:rPr kumimoji="1" lang="en-US" altLang="zh-CN" dirty="0" err="1"/>
+              <a:t>m</a:t>
+            </a:r>
+            <a:r>
+              <a:rPr kumimoji="1" lang="en-US" altLang="zh-CN" dirty="0" err="1" smtClean="0"/>
+              <a:t>anage:get</a:t>
+            </a:r>
+            <a:r>
+              <a:rPr kumimoji="1" lang="en-US" altLang="zh-CN" dirty="0" smtClean="0"/>
+              <a:t>   </a:t>
+            </a:r>
+            <a:r>
+              <a:rPr kumimoji="1" lang="en-US" altLang="zh-CN" dirty="0" err="1" smtClean="0"/>
+              <a:t>classone:classname</a:t>
+            </a:r>
+            <a:endParaRPr kumimoji="1" lang="zh-CN" altLang="en-US" dirty="0"/>
+          </a:p>
+        </p:txBody>
+      </p:sp>
+      <p:sp>
+        <p:nvSpPr>
+          <p:cNvPr id="11" name="文本框 10"/>
+          <p:cNvSpPr txBox="1"/>
+          <p:nvPr/>
+        </p:nvSpPr>
+        <p:spPr>
+          <a:xfrm>
+            <a:off x="1045468" y="4470919"/>
+            <a:ext cx="1762284" cy="369332"/>
+          </a:xfrm>
+          <a:prstGeom prst="rect">
+            <a:avLst/>
+          </a:prstGeom>
+          <a:noFill/>
+        </p:spPr>
+        <p:txBody>
+          <a:bodyPr wrap="none" rtlCol="0">
+            <a:spAutoFit/>
+          </a:bodyPr>
+          <a:lstStyle/>
+          <a:p>
+            <a:r>
+              <a:rPr kumimoji="1" lang="zh-CN" altLang="en-US" dirty="0" smtClean="0"/>
+              <a:t>返回</a:t>
+            </a:r>
+            <a:r>
+              <a:rPr kumimoji="1" lang="en-US" altLang="zh-CN" dirty="0" err="1" smtClean="0"/>
+              <a:t>json</a:t>
+            </a:r>
+            <a:r>
+              <a:rPr kumimoji="1" lang="zh-CN" altLang="en-US" dirty="0" smtClean="0"/>
+              <a:t>结构：</a:t>
+            </a:r>
+            <a:endParaRPr kumimoji="1" lang="zh-CN" altLang="en-US" dirty="0"/>
+          </a:p>
+        </p:txBody>
+      </p:sp>
+      <p:sp>
+        <p:nvSpPr>
+          <p:cNvPr id="12" name="矩形 11"/>
+          <p:cNvSpPr/>
+          <p:nvPr/>
+        </p:nvSpPr>
+        <p:spPr>
+          <a:xfrm>
+            <a:off x="2714408" y="4470919"/>
+            <a:ext cx="5972392" cy="1200329"/>
+          </a:xfrm>
+          <a:prstGeom prst="rect">
+            <a:avLst/>
+          </a:prstGeom>
+        </p:spPr>
+        <p:txBody>
+          <a:bodyPr wrap="square">
+            <a:spAutoFit/>
+          </a:bodyPr>
+          <a:lstStyle/>
+          <a:p>
+            <a:r>
+              <a:rPr lang="en-US" altLang="zh-CN" dirty="0"/>
+              <a:t>{</a:t>
+            </a:r>
+          </a:p>
+          <a:p>
+            <a:r>
+              <a:rPr lang="en-US" altLang="zh-CN" dirty="0" smtClean="0"/>
+              <a:t>products: [</a:t>
+            </a:r>
+            <a:r>
+              <a:rPr lang="en-US" altLang="zh-CN" dirty="0" err="1" smtClean="0"/>
+              <a:t>classtwo</a:t>
+            </a:r>
+            <a:r>
+              <a:rPr lang="en-US" altLang="zh-CN" dirty="0" smtClean="0"/>
+              <a:t>#</a:t>
+            </a:r>
+            <a:r>
+              <a:rPr lang="zh-CN" altLang="en-US" dirty="0" smtClean="0"/>
+              <a:t>系列</a:t>
+            </a:r>
+            <a:r>
+              <a:rPr lang="en-US" altLang="zh-CN" dirty="0" smtClean="0"/>
+              <a:t>_</a:t>
+            </a:r>
+            <a:r>
+              <a:rPr lang="zh-CN" altLang="en-US" dirty="0" smtClean="0"/>
+              <a:t>型号</a:t>
+            </a:r>
+            <a:r>
+              <a:rPr lang="en-US" altLang="zh-CN" dirty="0"/>
+              <a:t>, </a:t>
+            </a:r>
+            <a:r>
+              <a:rPr lang="en-US" altLang="zh-CN" dirty="0" err="1"/>
+              <a:t>classtwo</a:t>
+            </a:r>
+            <a:r>
+              <a:rPr lang="en-US" altLang="zh-CN" dirty="0"/>
+              <a:t>#</a:t>
+            </a:r>
+            <a:r>
+              <a:rPr lang="zh-CN" altLang="en-US" dirty="0"/>
+              <a:t>系列</a:t>
+            </a:r>
+            <a:r>
+              <a:rPr lang="en-US" altLang="zh-CN" dirty="0"/>
+              <a:t>_</a:t>
+            </a:r>
+            <a:r>
+              <a:rPr lang="zh-CN" altLang="en-US" dirty="0"/>
+              <a:t>型号</a:t>
+            </a:r>
+            <a:r>
+              <a:rPr lang="en-US" altLang="zh-CN" dirty="0"/>
+              <a:t>, </a:t>
+            </a:r>
+            <a:r>
+              <a:rPr lang="en-US" altLang="zh-CN" dirty="0" err="1"/>
+              <a:t>classtwo</a:t>
+            </a:r>
+            <a:r>
+              <a:rPr lang="en-US" altLang="zh-CN" dirty="0"/>
+              <a:t>#</a:t>
+            </a:r>
+            <a:r>
+              <a:rPr lang="zh-CN" altLang="en-US" dirty="0"/>
+              <a:t>系列</a:t>
+            </a:r>
+            <a:r>
+              <a:rPr lang="en-US" altLang="zh-CN" dirty="0"/>
+              <a:t>_</a:t>
+            </a:r>
+            <a:r>
+              <a:rPr lang="zh-CN" altLang="en-US" dirty="0"/>
+              <a:t>型号</a:t>
+            </a:r>
+            <a:r>
+              <a:rPr lang="en-US" altLang="zh-CN" dirty="0" smtClean="0"/>
+              <a:t>]</a:t>
+            </a:r>
+            <a:endParaRPr lang="en-US" altLang="zh-CN" dirty="0"/>
+          </a:p>
+          <a:p>
+            <a:r>
+              <a:rPr lang="en-US" altLang="zh-CN" dirty="0"/>
+              <a:t>}</a:t>
+            </a:r>
+            <a:endParaRPr lang="zh-CN" altLang="en-US" dirty="0"/>
+          </a:p>
+        </p:txBody>
+      </p:sp>
+    </p:spTree>
+    <p:extLst>
+      <p:ext uri="{BB962C8B-B14F-4D97-AF65-F5344CB8AC3E}">
+        <p14:creationId xmlns:p14="http://schemas.microsoft.com/office/powerpoint/2010/main" val="2388310318"/>
       </p:ext>
     </p:extLst>
   </p:cSld>
@@ -8319,6 +9898,406 @@
     <p:extLst>
       <p:ext uri="{BB962C8B-B14F-4D97-AF65-F5344CB8AC3E}">
         <p14:creationId xmlns:p14="http://schemas.microsoft.com/office/powerpoint/2010/main" val="1567390866"/>
+      </p:ext>
+    </p:extLst>
+  </p:cSld>
+  <p:clrMapOvr>
+    <a:masterClrMapping/>
+  </p:clrMapOvr>
+</p:sld>
+</file>
+
+<file path=ppt/slides/slide20.xml><?xml version="1.0" encoding="utf-8"?>
+<p:sld xmlns:a="http://schemas.openxmlformats.org/drawingml/2006/main" xmlns:r="http://schemas.openxmlformats.org/officeDocument/2006/relationships" xmlns:p="http://schemas.openxmlformats.org/presentationml/2006/main">
+  <p:cSld>
+    <p:spTree>
+      <p:nvGrpSpPr>
+        <p:cNvPr id="1" name=""/>
+        <p:cNvGrpSpPr/>
+        <p:nvPr/>
+      </p:nvGrpSpPr>
+      <p:grpSpPr>
+        <a:xfrm>
+          <a:off x="0" y="0"/>
+          <a:ext cx="0" cy="0"/>
+          <a:chOff x="0" y="0"/>
+          <a:chExt cx="0" cy="0"/>
+        </a:xfrm>
+      </p:grpSpPr>
+      <p:sp>
+        <p:nvSpPr>
+          <p:cNvPr id="2" name="标题 1"/>
+          <p:cNvSpPr>
+            <a:spLocks noGrp="1"/>
+          </p:cNvSpPr>
+          <p:nvPr>
+            <p:ph type="title"/>
+          </p:nvPr>
+        </p:nvSpPr>
+        <p:spPr/>
+        <p:txBody>
+          <a:bodyPr/>
+          <a:lstStyle/>
+          <a:p>
+            <a:r>
+              <a:rPr kumimoji="1" lang="zh-CN" altLang="en-US" dirty="0"/>
+              <a:t>二、产品编辑</a:t>
+            </a:r>
+          </a:p>
+        </p:txBody>
+      </p:sp>
+      <p:sp>
+        <p:nvSpPr>
+          <p:cNvPr id="3" name="文本框 2"/>
+          <p:cNvSpPr txBox="1"/>
+          <p:nvPr/>
+        </p:nvSpPr>
+        <p:spPr>
+          <a:xfrm>
+            <a:off x="1067920" y="1524000"/>
+            <a:ext cx="4828252" cy="369332"/>
+          </a:xfrm>
+          <a:prstGeom prst="rect">
+            <a:avLst/>
+          </a:prstGeom>
+          <a:noFill/>
+        </p:spPr>
+        <p:txBody>
+          <a:bodyPr wrap="none" rtlCol="0">
+            <a:spAutoFit/>
+          </a:bodyPr>
+          <a:lstStyle/>
+          <a:p>
+            <a:r>
+              <a:rPr kumimoji="1" lang="zh-CN" altLang="en-US" dirty="0" smtClean="0"/>
+              <a:t>添加产品，向</a:t>
+            </a:r>
+            <a:r>
+              <a:rPr kumimoji="1" lang="en-US" altLang="zh-CN" dirty="0" smtClean="0"/>
+              <a:t>/</a:t>
+            </a:r>
+            <a:r>
+              <a:rPr kumimoji="1" lang="en-US" altLang="zh-CN" dirty="0" err="1" smtClean="0"/>
+              <a:t>manageBestProducts</a:t>
+            </a:r>
+            <a:r>
+              <a:rPr kumimoji="1" lang="zh-CN" altLang="en-US" dirty="0" smtClean="0"/>
+              <a:t>发送请求</a:t>
+            </a:r>
+            <a:r>
+              <a:rPr kumimoji="1" lang="en-US" altLang="zh-CN" dirty="0" smtClean="0"/>
+              <a:t>:</a:t>
+            </a:r>
+            <a:endParaRPr kumimoji="1" lang="zh-CN" altLang="en-US" dirty="0"/>
+          </a:p>
+        </p:txBody>
+      </p:sp>
+      <p:sp>
+        <p:nvSpPr>
+          <p:cNvPr id="4" name="文本框 3"/>
+          <p:cNvSpPr txBox="1"/>
+          <p:nvPr/>
+        </p:nvSpPr>
+        <p:spPr>
+          <a:xfrm>
+            <a:off x="457200" y="2016003"/>
+            <a:ext cx="8575447" cy="369332"/>
+          </a:xfrm>
+          <a:prstGeom prst="rect">
+            <a:avLst/>
+          </a:prstGeom>
+          <a:noFill/>
+        </p:spPr>
+        <p:txBody>
+          <a:bodyPr wrap="none" rtlCol="0">
+            <a:spAutoFit/>
+          </a:bodyPr>
+          <a:lstStyle/>
+          <a:p>
+            <a:r>
+              <a:rPr kumimoji="1" lang="en-US" altLang="zh-CN" dirty="0" err="1" smtClean="0"/>
+              <a:t>manage:</a:t>
+            </a:r>
+            <a:r>
+              <a:rPr kumimoji="1" lang="en-US" altLang="zh-CN" dirty="0" err="1" smtClean="0"/>
+              <a:t>add</a:t>
+            </a:r>
+            <a:r>
+              <a:rPr kumimoji="1" lang="en-US" altLang="zh-CN" dirty="0" smtClean="0"/>
+              <a:t> </a:t>
+            </a:r>
+            <a:r>
+              <a:rPr kumimoji="1" lang="en-US" altLang="zh-CN" dirty="0" smtClean="0"/>
+              <a:t>  </a:t>
+            </a:r>
+            <a:r>
+              <a:rPr kumimoji="1" lang="en-US" altLang="zh-CN" dirty="0" err="1" smtClean="0"/>
+              <a:t>classone:classname</a:t>
+            </a:r>
+            <a:r>
+              <a:rPr kumimoji="1" lang="en-US" altLang="zh-CN" dirty="0" smtClean="0"/>
+              <a:t>  </a:t>
+            </a:r>
+            <a:r>
+              <a:rPr kumimoji="1" lang="en-US" altLang="zh-CN" dirty="0" smtClean="0"/>
+              <a:t> </a:t>
+            </a:r>
+            <a:r>
+              <a:rPr kumimoji="1" lang="en-US" altLang="zh-CN" dirty="0" err="1" smtClean="0"/>
+              <a:t>classtwo:classname</a:t>
+            </a:r>
+            <a:r>
+              <a:rPr kumimoji="1" lang="en-US" altLang="zh-CN" dirty="0" smtClean="0"/>
+              <a:t>   </a:t>
+            </a:r>
+            <a:r>
+              <a:rPr kumimoji="1" lang="en-US" altLang="zh-CN" dirty="0" err="1" smtClean="0"/>
+              <a:t>productname</a:t>
+            </a:r>
+            <a:r>
+              <a:rPr kumimoji="1" lang="en-US" altLang="zh-CN" dirty="0" smtClean="0"/>
+              <a:t>:</a:t>
+            </a:r>
+            <a:r>
+              <a:rPr kumimoji="1" lang="zh-CN" altLang="en-US" dirty="0" smtClean="0"/>
+              <a:t>系列</a:t>
+            </a:r>
+            <a:r>
+              <a:rPr kumimoji="1" lang="en-US" altLang="zh-CN" dirty="0" smtClean="0"/>
+              <a:t>_</a:t>
+            </a:r>
+            <a:r>
+              <a:rPr kumimoji="1" lang="zh-CN" altLang="en-US" dirty="0" smtClean="0"/>
+              <a:t>型号</a:t>
+            </a:r>
+            <a:endParaRPr kumimoji="1" lang="zh-CN" altLang="en-US" dirty="0"/>
+          </a:p>
+        </p:txBody>
+      </p:sp>
+      <p:sp>
+        <p:nvSpPr>
+          <p:cNvPr id="6" name="文本框 5"/>
+          <p:cNvSpPr txBox="1"/>
+          <p:nvPr/>
+        </p:nvSpPr>
+        <p:spPr>
+          <a:xfrm>
+            <a:off x="2543773" y="2551548"/>
+            <a:ext cx="3173540" cy="369332"/>
+          </a:xfrm>
+          <a:prstGeom prst="rect">
+            <a:avLst/>
+          </a:prstGeom>
+          <a:noFill/>
+        </p:spPr>
+        <p:txBody>
+          <a:bodyPr wrap="none" rtlCol="0">
+            <a:spAutoFit/>
+          </a:bodyPr>
+          <a:lstStyle/>
+          <a:p>
+            <a:r>
+              <a:rPr kumimoji="1" lang="zh-CN" altLang="en-US" dirty="0"/>
+              <a:t>返回</a:t>
+            </a:r>
+            <a:r>
+              <a:rPr kumimoji="1" lang="en-US" altLang="zh-CN" dirty="0" err="1"/>
+              <a:t>json</a:t>
+            </a:r>
+            <a:r>
+              <a:rPr kumimoji="1" lang="zh-CN" altLang="en-US" dirty="0"/>
+              <a:t>结构</a:t>
+            </a:r>
+            <a:r>
+              <a:rPr kumimoji="1" lang="en-US" altLang="zh-CN" dirty="0"/>
+              <a:t>: </a:t>
+            </a:r>
+            <a:r>
+              <a:rPr kumimoji="1" lang="en-US" altLang="zh-CN" dirty="0" err="1"/>
+              <a:t>status:success</a:t>
+            </a:r>
+            <a:endParaRPr kumimoji="1" lang="zh-CN" altLang="en-US" dirty="0"/>
+          </a:p>
+        </p:txBody>
+      </p:sp>
+      <p:sp>
+        <p:nvSpPr>
+          <p:cNvPr id="7" name="文本框 6"/>
+          <p:cNvSpPr txBox="1"/>
+          <p:nvPr/>
+        </p:nvSpPr>
+        <p:spPr>
+          <a:xfrm>
+            <a:off x="1067920" y="3427014"/>
+            <a:ext cx="4828252" cy="369332"/>
+          </a:xfrm>
+          <a:prstGeom prst="rect">
+            <a:avLst/>
+          </a:prstGeom>
+          <a:noFill/>
+        </p:spPr>
+        <p:txBody>
+          <a:bodyPr wrap="none" rtlCol="0">
+            <a:spAutoFit/>
+          </a:bodyPr>
+          <a:lstStyle/>
+          <a:p>
+            <a:r>
+              <a:rPr kumimoji="1" lang="zh-CN" altLang="en-US" dirty="0" smtClean="0"/>
+              <a:t>删除产品，向</a:t>
+            </a:r>
+            <a:r>
+              <a:rPr kumimoji="1" lang="en-US" altLang="zh-CN" dirty="0" smtClean="0"/>
+              <a:t>/</a:t>
+            </a:r>
+            <a:r>
+              <a:rPr kumimoji="1" lang="en-US" altLang="zh-CN" dirty="0" err="1" smtClean="0"/>
+              <a:t>manageBestProducts</a:t>
+            </a:r>
+            <a:r>
+              <a:rPr kumimoji="1" lang="zh-CN" altLang="en-US" dirty="0" smtClean="0"/>
+              <a:t>发送请求</a:t>
+            </a:r>
+            <a:r>
+              <a:rPr kumimoji="1" lang="en-US" altLang="zh-CN" dirty="0" smtClean="0"/>
+              <a:t>:</a:t>
+            </a:r>
+            <a:endParaRPr kumimoji="1" lang="zh-CN" altLang="en-US" dirty="0"/>
+          </a:p>
+        </p:txBody>
+      </p:sp>
+      <p:sp>
+        <p:nvSpPr>
+          <p:cNvPr id="8" name="文本框 7"/>
+          <p:cNvSpPr txBox="1"/>
+          <p:nvPr/>
+        </p:nvSpPr>
+        <p:spPr>
+          <a:xfrm>
+            <a:off x="262708" y="3919017"/>
+            <a:ext cx="9011639" cy="369332"/>
+          </a:xfrm>
+          <a:prstGeom prst="rect">
+            <a:avLst/>
+          </a:prstGeom>
+          <a:noFill/>
+        </p:spPr>
+        <p:txBody>
+          <a:bodyPr wrap="none" rtlCol="0">
+            <a:spAutoFit/>
+          </a:bodyPr>
+          <a:lstStyle/>
+          <a:p>
+            <a:r>
+              <a:rPr kumimoji="1" lang="en-US" altLang="zh-CN" dirty="0" err="1" smtClean="0"/>
+              <a:t>manage:</a:t>
+            </a:r>
+            <a:r>
+              <a:rPr kumimoji="1" lang="en-US" altLang="zh-CN" dirty="0" err="1" smtClean="0"/>
+              <a:t>delete</a:t>
+            </a:r>
+            <a:r>
+              <a:rPr kumimoji="1" lang="en-US" altLang="zh-CN" dirty="0" smtClean="0"/>
+              <a:t> </a:t>
+            </a:r>
+            <a:r>
+              <a:rPr kumimoji="1" lang="en-US" altLang="zh-CN" dirty="0" smtClean="0"/>
+              <a:t>  </a:t>
+            </a:r>
+            <a:r>
+              <a:rPr kumimoji="1" lang="en-US" altLang="zh-CN" dirty="0" err="1" smtClean="0"/>
+              <a:t>classone:classname</a:t>
+            </a:r>
+            <a:r>
+              <a:rPr kumimoji="1" lang="en-US" altLang="zh-CN" dirty="0" smtClean="0"/>
+              <a:t>  </a:t>
+            </a:r>
+            <a:r>
+              <a:rPr kumimoji="1" lang="en-US" altLang="zh-CN" dirty="0" smtClean="0"/>
+              <a:t> </a:t>
+            </a:r>
+            <a:r>
+              <a:rPr kumimoji="1" lang="en-US" altLang="zh-CN" dirty="0" err="1" smtClean="0"/>
+              <a:t>classtwo:classname</a:t>
+            </a:r>
+            <a:r>
+              <a:rPr kumimoji="1" lang="en-US" altLang="zh-CN" dirty="0" smtClean="0"/>
+              <a:t>   </a:t>
+            </a:r>
+            <a:r>
+              <a:rPr kumimoji="1" lang="en-US" altLang="zh-CN" dirty="0" err="1" smtClean="0"/>
+              <a:t>productname</a:t>
+            </a:r>
+            <a:r>
+              <a:rPr kumimoji="1" lang="en-US" altLang="zh-CN" dirty="0" smtClean="0"/>
+              <a:t>:</a:t>
+            </a:r>
+            <a:r>
+              <a:rPr kumimoji="1" lang="zh-CN" altLang="en-US" dirty="0" smtClean="0"/>
+              <a:t>系列</a:t>
+            </a:r>
+            <a:r>
+              <a:rPr kumimoji="1" lang="en-US" altLang="zh-CN" dirty="0" smtClean="0"/>
+              <a:t>_</a:t>
+            </a:r>
+            <a:r>
+              <a:rPr kumimoji="1" lang="zh-CN" altLang="en-US" dirty="0" smtClean="0"/>
+              <a:t>型号</a:t>
+            </a:r>
+            <a:endParaRPr kumimoji="1" lang="zh-CN" altLang="en-US" dirty="0"/>
+          </a:p>
+        </p:txBody>
+      </p:sp>
+      <p:sp>
+        <p:nvSpPr>
+          <p:cNvPr id="9" name="文本框 8"/>
+          <p:cNvSpPr txBox="1"/>
+          <p:nvPr/>
+        </p:nvSpPr>
+        <p:spPr>
+          <a:xfrm>
+            <a:off x="2543773" y="4454562"/>
+            <a:ext cx="3173540" cy="369332"/>
+          </a:xfrm>
+          <a:prstGeom prst="rect">
+            <a:avLst/>
+          </a:prstGeom>
+          <a:noFill/>
+        </p:spPr>
+        <p:txBody>
+          <a:bodyPr wrap="none" rtlCol="0">
+            <a:spAutoFit/>
+          </a:bodyPr>
+          <a:lstStyle/>
+          <a:p>
+            <a:r>
+              <a:rPr kumimoji="1" lang="zh-CN" altLang="en-US" dirty="0"/>
+              <a:t>返回</a:t>
+            </a:r>
+            <a:r>
+              <a:rPr kumimoji="1" lang="en-US" altLang="zh-CN" dirty="0" err="1"/>
+              <a:t>json</a:t>
+            </a:r>
+            <a:r>
+              <a:rPr kumimoji="1" lang="zh-CN" altLang="en-US" dirty="0"/>
+              <a:t>结构</a:t>
+            </a:r>
+            <a:r>
+              <a:rPr kumimoji="1" lang="en-US" altLang="zh-CN" dirty="0"/>
+              <a:t>: </a:t>
+            </a:r>
+            <a:r>
+              <a:rPr kumimoji="1" lang="en-US" altLang="zh-CN" dirty="0" err="1"/>
+              <a:t>status:success</a:t>
+            </a:r>
+            <a:endParaRPr kumimoji="1" lang="zh-CN" altLang="en-US" dirty="0"/>
+          </a:p>
+        </p:txBody>
+      </p:sp>
+    </p:spTree>
+    <p:extLst>
+      <p:ext uri="{BB962C8B-B14F-4D97-AF65-F5344CB8AC3E}">
+        <p14:creationId xmlns:p14="http://schemas.microsoft.com/office/powerpoint/2010/main" val="3245111209"/>
       </p:ext>
     </p:extLst>
   </p:cSld>

--- a/ZSGree前后端逻辑及接口.pptx
+++ b/ZSGree前后端逻辑及接口.pptx
@@ -25,6 +25,26 @@
     <p:sldId id="273" r:id="rId19"/>
     <p:sldId id="274" r:id="rId20"/>
     <p:sldId id="275" r:id="rId21"/>
+    <p:sldId id="276" r:id="rId22"/>
+    <p:sldId id="277" r:id="rId23"/>
+    <p:sldId id="278" r:id="rId24"/>
+    <p:sldId id="279" r:id="rId25"/>
+    <p:sldId id="280" r:id="rId26"/>
+    <p:sldId id="281" r:id="rId27"/>
+    <p:sldId id="282" r:id="rId28"/>
+    <p:sldId id="283" r:id="rId29"/>
+    <p:sldId id="284" r:id="rId30"/>
+    <p:sldId id="285" r:id="rId31"/>
+    <p:sldId id="286" r:id="rId32"/>
+    <p:sldId id="287" r:id="rId33"/>
+    <p:sldId id="288" r:id="rId34"/>
+    <p:sldId id="289" r:id="rId35"/>
+    <p:sldId id="290" r:id="rId36"/>
+    <p:sldId id="291" r:id="rId37"/>
+    <p:sldId id="293" r:id="rId38"/>
+    <p:sldId id="294" r:id="rId39"/>
+    <p:sldId id="292" r:id="rId40"/>
+    <p:sldId id="295" r:id="rId41"/>
   </p:sldIdLst>
   <p:sldSz cx="9144000" cy="6858000" type="screen4x3"/>
   <p:notesSz cx="6858000" cy="9144000"/>
@@ -8391,15 +8411,7 @@
           <a:p>
             <a:r>
               <a:rPr kumimoji="1" lang="zh-CN" altLang="en-US" sz="1400" dirty="0" smtClean="0"/>
-              <a:t>选择</a:t>
-            </a:r>
-            <a:r>
-              <a:rPr kumimoji="1" lang="zh-CN" altLang="en-US" sz="1400" dirty="0" smtClean="0"/>
-              <a:t>分类</a:t>
-            </a:r>
-            <a:r>
-              <a:rPr kumimoji="1" lang="zh-CN" altLang="en-US" sz="1400" dirty="0" smtClean="0"/>
-              <a:t>：</a:t>
+              <a:t>选择分类：</a:t>
             </a:r>
             <a:endParaRPr kumimoji="1" lang="zh-CN" altLang="en-US" sz="1400" dirty="0"/>
           </a:p>
@@ -8747,11 +8759,7 @@
           <a:p>
             <a:r>
               <a:rPr kumimoji="1" lang="zh-CN" altLang="en-US" sz="1400" dirty="0" smtClean="0"/>
-              <a:t>选择产品</a:t>
-            </a:r>
-            <a:r>
-              <a:rPr kumimoji="1" lang="zh-CN" altLang="en-US" sz="1400" dirty="0" smtClean="0"/>
-              <a:t>：</a:t>
+              <a:t>选择产品：</a:t>
             </a:r>
             <a:endParaRPr kumimoji="1" lang="zh-CN" altLang="en-US" sz="1400" dirty="0"/>
           </a:p>
@@ -8865,11 +8873,7 @@
           <a:p>
             <a:r>
               <a:rPr kumimoji="1" lang="zh-CN" altLang="en-US" sz="1400" dirty="0" smtClean="0"/>
-              <a:t>推荐产品</a:t>
-            </a:r>
-            <a:r>
-              <a:rPr kumimoji="1" lang="zh-CN" altLang="en-US" sz="1400" dirty="0" smtClean="0"/>
-              <a:t>：</a:t>
+              <a:t>推荐产品：</a:t>
             </a:r>
             <a:endParaRPr kumimoji="1" lang="zh-CN" altLang="en-US" sz="1400" dirty="0"/>
           </a:p>
@@ -10016,19 +10020,11 @@
           <a:p>
             <a:r>
               <a:rPr kumimoji="1" lang="en-US" altLang="zh-CN" dirty="0" err="1" smtClean="0"/>
-              <a:t>manage:</a:t>
-            </a:r>
-            <a:r>
-              <a:rPr kumimoji="1" lang="en-US" altLang="zh-CN" dirty="0" err="1" smtClean="0"/>
-              <a:t>add</a:t>
+              <a:t>manage:add</a:t>
             </a:r>
             <a:r>
               <a:rPr kumimoji="1" lang="en-US" altLang="zh-CN" dirty="0" smtClean="0"/>
-              <a:t> </a:t>
-            </a:r>
-            <a:r>
-              <a:rPr kumimoji="1" lang="en-US" altLang="zh-CN" dirty="0" smtClean="0"/>
-              <a:t>  </a:t>
+              <a:t>   </a:t>
             </a:r>
             <a:r>
               <a:rPr kumimoji="1" lang="en-US" altLang="zh-CN" dirty="0" err="1" smtClean="0"/>
@@ -10036,11 +10032,7 @@
             </a:r>
             <a:r>
               <a:rPr kumimoji="1" lang="en-US" altLang="zh-CN" dirty="0" smtClean="0"/>
-              <a:t>  </a:t>
-            </a:r>
-            <a:r>
-              <a:rPr kumimoji="1" lang="en-US" altLang="zh-CN" dirty="0" smtClean="0"/>
-              <a:t> </a:t>
+              <a:t>   </a:t>
             </a:r>
             <a:r>
               <a:rPr kumimoji="1" lang="en-US" altLang="zh-CN" dirty="0" err="1" smtClean="0"/>
@@ -10190,19 +10182,11 @@
           <a:p>
             <a:r>
               <a:rPr kumimoji="1" lang="en-US" altLang="zh-CN" dirty="0" err="1" smtClean="0"/>
-              <a:t>manage:</a:t>
-            </a:r>
-            <a:r>
-              <a:rPr kumimoji="1" lang="en-US" altLang="zh-CN" dirty="0" err="1" smtClean="0"/>
-              <a:t>delete</a:t>
+              <a:t>manage:delete</a:t>
             </a:r>
             <a:r>
               <a:rPr kumimoji="1" lang="en-US" altLang="zh-CN" dirty="0" smtClean="0"/>
-              <a:t> </a:t>
-            </a:r>
-            <a:r>
-              <a:rPr kumimoji="1" lang="en-US" altLang="zh-CN" dirty="0" smtClean="0"/>
-              <a:t>  </a:t>
+              <a:t>   </a:t>
             </a:r>
             <a:r>
               <a:rPr kumimoji="1" lang="en-US" altLang="zh-CN" dirty="0" err="1" smtClean="0"/>
@@ -10210,11 +10194,7 @@
             </a:r>
             <a:r>
               <a:rPr kumimoji="1" lang="en-US" altLang="zh-CN" dirty="0" smtClean="0"/>
-              <a:t>  </a:t>
-            </a:r>
-            <a:r>
-              <a:rPr kumimoji="1" lang="en-US" altLang="zh-CN" dirty="0" smtClean="0"/>
-              <a:t> </a:t>
+              <a:t>   </a:t>
             </a:r>
             <a:r>
               <a:rPr kumimoji="1" lang="en-US" altLang="zh-CN" dirty="0" err="1" smtClean="0"/>
@@ -10298,6 +10278,3033 @@
     <p:extLst>
       <p:ext uri="{BB962C8B-B14F-4D97-AF65-F5344CB8AC3E}">
         <p14:creationId xmlns:p14="http://schemas.microsoft.com/office/powerpoint/2010/main" val="3245111209"/>
+      </p:ext>
+    </p:extLst>
+  </p:cSld>
+  <p:clrMapOvr>
+    <a:masterClrMapping/>
+  </p:clrMapOvr>
+</p:sld>
+</file>
+
+<file path=ppt/slides/slide21.xml><?xml version="1.0" encoding="utf-8"?>
+<p:sld xmlns:a="http://schemas.openxmlformats.org/drawingml/2006/main" xmlns:r="http://schemas.openxmlformats.org/officeDocument/2006/relationships" xmlns:p="http://schemas.openxmlformats.org/presentationml/2006/main">
+  <p:cSld>
+    <p:spTree>
+      <p:nvGrpSpPr>
+        <p:cNvPr id="1" name=""/>
+        <p:cNvGrpSpPr/>
+        <p:nvPr/>
+      </p:nvGrpSpPr>
+      <p:grpSpPr>
+        <a:xfrm>
+          <a:off x="0" y="0"/>
+          <a:ext cx="0" cy="0"/>
+          <a:chOff x="0" y="0"/>
+          <a:chExt cx="0" cy="0"/>
+        </a:xfrm>
+      </p:grpSpPr>
+      <p:sp>
+        <p:nvSpPr>
+          <p:cNvPr id="2" name="标题 1"/>
+          <p:cNvSpPr>
+            <a:spLocks noGrp="1"/>
+          </p:cNvSpPr>
+          <p:nvPr>
+            <p:ph type="title"/>
+          </p:nvPr>
+        </p:nvSpPr>
+        <p:spPr/>
+        <p:txBody>
+          <a:bodyPr/>
+          <a:lstStyle/>
+          <a:p>
+            <a:r>
+              <a:rPr kumimoji="1" lang="zh-CN" altLang="en-US" dirty="0" smtClean="0"/>
+              <a:t>三、新闻中心</a:t>
+            </a:r>
+            <a:endParaRPr kumimoji="1" lang="zh-CN" altLang="en-US" dirty="0"/>
+          </a:p>
+        </p:txBody>
+      </p:sp>
+    </p:spTree>
+    <p:extLst>
+      <p:ext uri="{BB962C8B-B14F-4D97-AF65-F5344CB8AC3E}">
+        <p14:creationId xmlns:p14="http://schemas.microsoft.com/office/powerpoint/2010/main" val="992635293"/>
+      </p:ext>
+    </p:extLst>
+  </p:cSld>
+  <p:clrMapOvr>
+    <a:masterClrMapping/>
+  </p:clrMapOvr>
+</p:sld>
+</file>
+
+<file path=ppt/slides/slide22.xml><?xml version="1.0" encoding="utf-8"?>
+<p:sld xmlns:a="http://schemas.openxmlformats.org/drawingml/2006/main" xmlns:r="http://schemas.openxmlformats.org/officeDocument/2006/relationships" xmlns:p="http://schemas.openxmlformats.org/presentationml/2006/main">
+  <p:cSld>
+    <p:spTree>
+      <p:nvGrpSpPr>
+        <p:cNvPr id="1" name=""/>
+        <p:cNvGrpSpPr/>
+        <p:nvPr/>
+      </p:nvGrpSpPr>
+      <p:grpSpPr>
+        <a:xfrm>
+          <a:off x="0" y="0"/>
+          <a:ext cx="0" cy="0"/>
+          <a:chOff x="0" y="0"/>
+          <a:chExt cx="0" cy="0"/>
+        </a:xfrm>
+      </p:grpSpPr>
+      <p:sp>
+        <p:nvSpPr>
+          <p:cNvPr id="2" name="标题 1"/>
+          <p:cNvSpPr>
+            <a:spLocks noGrp="1"/>
+          </p:cNvSpPr>
+          <p:nvPr>
+            <p:ph type="title"/>
+          </p:nvPr>
+        </p:nvSpPr>
+        <p:spPr/>
+        <p:txBody>
+          <a:bodyPr/>
+          <a:lstStyle/>
+          <a:p>
+            <a:r>
+              <a:rPr kumimoji="1" lang="zh-CN" altLang="en-US" dirty="0"/>
+              <a:t>三、新闻中心</a:t>
+            </a:r>
+          </a:p>
+        </p:txBody>
+      </p:sp>
+      <p:pic>
+        <p:nvPicPr>
+          <p:cNvPr id="4" name="图片 3"/>
+          <p:cNvPicPr>
+            <a:picLocks noChangeAspect="1"/>
+          </p:cNvPicPr>
+          <p:nvPr/>
+        </p:nvPicPr>
+        <p:blipFill>
+          <a:blip r:embed="rId2"/>
+          <a:stretch>
+            <a:fillRect/>
+          </a:stretch>
+        </p:blipFill>
+        <p:spPr>
+          <a:xfrm>
+            <a:off x="1806399" y="1524000"/>
+            <a:ext cx="1079500" cy="381000"/>
+          </a:xfrm>
+          <a:prstGeom prst="rect">
+            <a:avLst/>
+          </a:prstGeom>
+        </p:spPr>
+      </p:pic>
+      <p:sp>
+        <p:nvSpPr>
+          <p:cNvPr id="5" name="文本框 4"/>
+          <p:cNvSpPr txBox="1"/>
+          <p:nvPr/>
+        </p:nvSpPr>
+        <p:spPr>
+          <a:xfrm>
+            <a:off x="1158832" y="1535668"/>
+            <a:ext cx="646331" cy="369332"/>
+          </a:xfrm>
+          <a:prstGeom prst="rect">
+            <a:avLst/>
+          </a:prstGeom>
+          <a:noFill/>
+        </p:spPr>
+        <p:txBody>
+          <a:bodyPr wrap="none" rtlCol="0">
+            <a:spAutoFit/>
+          </a:bodyPr>
+          <a:lstStyle/>
+          <a:p>
+            <a:r>
+              <a:rPr kumimoji="1" lang="zh-CN" altLang="en-US" dirty="0" smtClean="0"/>
+              <a:t>点击</a:t>
+            </a:r>
+            <a:endParaRPr kumimoji="1" lang="zh-CN" altLang="en-US" dirty="0"/>
+          </a:p>
+        </p:txBody>
+      </p:sp>
+      <p:sp>
+        <p:nvSpPr>
+          <p:cNvPr id="6" name="文本框 5"/>
+          <p:cNvSpPr txBox="1"/>
+          <p:nvPr/>
+        </p:nvSpPr>
+        <p:spPr>
+          <a:xfrm>
+            <a:off x="2885899" y="1508738"/>
+            <a:ext cx="2878462" cy="369332"/>
+          </a:xfrm>
+          <a:prstGeom prst="rect">
+            <a:avLst/>
+          </a:prstGeom>
+          <a:noFill/>
+        </p:spPr>
+        <p:txBody>
+          <a:bodyPr wrap="none" rtlCol="0">
+            <a:spAutoFit/>
+          </a:bodyPr>
+          <a:lstStyle/>
+          <a:p>
+            <a:r>
+              <a:rPr kumimoji="1" lang="zh-CN" altLang="en-US" dirty="0" smtClean="0"/>
+              <a:t>向</a:t>
+            </a:r>
+            <a:r>
+              <a:rPr kumimoji="1" lang="en-US" altLang="zh-CN" dirty="0" smtClean="0"/>
+              <a:t>/</a:t>
+            </a:r>
+            <a:r>
+              <a:rPr kumimoji="1" lang="en-US" altLang="zh-CN" dirty="0" err="1" smtClean="0"/>
+              <a:t>manageNews</a:t>
+            </a:r>
+            <a:r>
+              <a:rPr kumimoji="1" lang="zh-CN" altLang="en-US" dirty="0" smtClean="0"/>
+              <a:t>发送请求</a:t>
+            </a:r>
+            <a:r>
+              <a:rPr kumimoji="1" lang="en-US" altLang="zh-CN" dirty="0" smtClean="0"/>
+              <a:t>:</a:t>
+            </a:r>
+            <a:endParaRPr kumimoji="1" lang="zh-CN" altLang="en-US" dirty="0"/>
+          </a:p>
+        </p:txBody>
+      </p:sp>
+      <p:sp>
+        <p:nvSpPr>
+          <p:cNvPr id="7" name="文本框 6"/>
+          <p:cNvSpPr txBox="1"/>
+          <p:nvPr/>
+        </p:nvSpPr>
+        <p:spPr>
+          <a:xfrm>
+            <a:off x="3710842" y="2002336"/>
+            <a:ext cx="1403862" cy="369332"/>
+          </a:xfrm>
+          <a:prstGeom prst="rect">
+            <a:avLst/>
+          </a:prstGeom>
+          <a:noFill/>
+        </p:spPr>
+        <p:txBody>
+          <a:bodyPr wrap="none" rtlCol="0">
+            <a:spAutoFit/>
+          </a:bodyPr>
+          <a:lstStyle/>
+          <a:p>
+            <a:r>
+              <a:rPr kumimoji="1" lang="en-US" altLang="zh-CN" dirty="0" err="1" smtClean="0"/>
+              <a:t>manage:get</a:t>
+            </a:r>
+            <a:endParaRPr kumimoji="1" lang="zh-CN" altLang="en-US" dirty="0"/>
+          </a:p>
+        </p:txBody>
+      </p:sp>
+      <p:sp>
+        <p:nvSpPr>
+          <p:cNvPr id="9" name="文本框 8"/>
+          <p:cNvSpPr txBox="1"/>
+          <p:nvPr/>
+        </p:nvSpPr>
+        <p:spPr>
+          <a:xfrm>
+            <a:off x="1007371" y="2371668"/>
+            <a:ext cx="1595584" cy="369332"/>
+          </a:xfrm>
+          <a:prstGeom prst="rect">
+            <a:avLst/>
+          </a:prstGeom>
+          <a:noFill/>
+        </p:spPr>
+        <p:txBody>
+          <a:bodyPr wrap="none" rtlCol="0">
+            <a:spAutoFit/>
+          </a:bodyPr>
+          <a:lstStyle/>
+          <a:p>
+            <a:r>
+              <a:rPr kumimoji="1" lang="zh-CN" altLang="en-US" dirty="0"/>
+              <a:t>返回</a:t>
+            </a:r>
+            <a:r>
+              <a:rPr kumimoji="1" lang="en-US" altLang="zh-CN" dirty="0" err="1"/>
+              <a:t>json</a:t>
+            </a:r>
+            <a:r>
+              <a:rPr kumimoji="1" lang="zh-CN" altLang="en-US" dirty="0"/>
+              <a:t>结构</a:t>
+            </a:r>
+            <a:r>
+              <a:rPr kumimoji="1" lang="en-US" altLang="zh-CN" dirty="0" smtClean="0"/>
+              <a:t>:</a:t>
+            </a:r>
+            <a:endParaRPr kumimoji="1" lang="zh-CN" altLang="en-US" dirty="0"/>
+          </a:p>
+        </p:txBody>
+      </p:sp>
+      <p:sp>
+        <p:nvSpPr>
+          <p:cNvPr id="10" name="矩形 9"/>
+          <p:cNvSpPr/>
+          <p:nvPr/>
+        </p:nvSpPr>
+        <p:spPr>
+          <a:xfrm>
+            <a:off x="2602955" y="2485623"/>
+            <a:ext cx="4572000" cy="1477328"/>
+          </a:xfrm>
+          <a:prstGeom prst="rect">
+            <a:avLst/>
+          </a:prstGeom>
+        </p:spPr>
+        <p:txBody>
+          <a:bodyPr>
+            <a:spAutoFit/>
+          </a:bodyPr>
+          <a:lstStyle/>
+          <a:p>
+            <a:r>
+              <a:rPr lang="en-US" altLang="zh-CN" dirty="0" smtClean="0"/>
+              <a:t>{</a:t>
+            </a:r>
+          </a:p>
+          <a:p>
+            <a:r>
+              <a:rPr lang="en-US" altLang="zh-CN" dirty="0"/>
+              <a:t>n</a:t>
+            </a:r>
+            <a:r>
+              <a:rPr lang="en-US" altLang="zh-CN" dirty="0" smtClean="0"/>
+              <a:t>ewscount:100</a:t>
+            </a:r>
+            <a:endParaRPr lang="en-US" altLang="zh-CN" dirty="0"/>
+          </a:p>
+          <a:p>
+            <a:r>
+              <a:rPr lang="en-US" altLang="zh-CN" dirty="0"/>
+              <a:t>products: </a:t>
+            </a:r>
+            <a:r>
+              <a:rPr lang="en-US" altLang="zh-CN" dirty="0" smtClean="0"/>
+              <a:t>[title#</a:t>
+            </a:r>
+            <a:r>
+              <a:rPr lang="zh-CN" altLang="en-US" dirty="0" smtClean="0"/>
+              <a:t>日期</a:t>
+            </a:r>
+            <a:r>
+              <a:rPr lang="en-US" altLang="zh-CN" dirty="0" smtClean="0"/>
+              <a:t>, </a:t>
+            </a:r>
+            <a:r>
+              <a:rPr lang="en-US" altLang="zh-CN" dirty="0"/>
+              <a:t>title#</a:t>
+            </a:r>
+            <a:r>
+              <a:rPr lang="zh-CN" altLang="en-US" dirty="0"/>
+              <a:t>日期</a:t>
+            </a:r>
+            <a:r>
+              <a:rPr lang="en-US" altLang="zh-CN" dirty="0" smtClean="0"/>
+              <a:t>, </a:t>
+            </a:r>
+            <a:r>
+              <a:rPr lang="en-US" altLang="zh-CN" dirty="0"/>
+              <a:t>title#</a:t>
+            </a:r>
+            <a:r>
+              <a:rPr lang="zh-CN" altLang="en-US" dirty="0" smtClean="0"/>
+              <a:t>日期</a:t>
+            </a:r>
+            <a:r>
+              <a:rPr lang="zh-CN" altLang="en-US" dirty="0" smtClean="0"/>
+              <a:t>，</a:t>
+            </a:r>
+            <a:r>
+              <a:rPr lang="en-US" altLang="zh-CN" dirty="0"/>
+              <a:t>title#</a:t>
+            </a:r>
+            <a:r>
+              <a:rPr lang="zh-CN" altLang="en-US" dirty="0" smtClean="0"/>
+              <a:t>日期</a:t>
+            </a:r>
+            <a:r>
+              <a:rPr lang="zh-CN" altLang="en-US" dirty="0" smtClean="0"/>
+              <a:t>，</a:t>
+            </a:r>
+            <a:r>
+              <a:rPr lang="en-US" altLang="zh-CN" dirty="0"/>
+              <a:t>title#</a:t>
+            </a:r>
+            <a:r>
+              <a:rPr lang="zh-CN" altLang="en-US" dirty="0" smtClean="0"/>
+              <a:t>日期</a:t>
+            </a:r>
+            <a:r>
+              <a:rPr lang="zh-CN" altLang="en-US" dirty="0" smtClean="0"/>
+              <a:t>，</a:t>
+            </a:r>
+            <a:r>
+              <a:rPr lang="en-US" altLang="zh-CN" dirty="0"/>
+              <a:t>title#</a:t>
+            </a:r>
+            <a:r>
+              <a:rPr lang="zh-CN" altLang="en-US" dirty="0"/>
+              <a:t>日期</a:t>
+            </a:r>
+            <a:r>
+              <a:rPr lang="en-US" altLang="zh-CN" dirty="0" smtClean="0"/>
+              <a:t>]</a:t>
+            </a:r>
+            <a:endParaRPr lang="en-US" altLang="zh-CN" dirty="0"/>
+          </a:p>
+          <a:p>
+            <a:r>
+              <a:rPr lang="en-US" altLang="zh-CN" dirty="0"/>
+              <a:t>}</a:t>
+            </a:r>
+            <a:endParaRPr lang="zh-CN" altLang="en-US" dirty="0"/>
+          </a:p>
+        </p:txBody>
+      </p:sp>
+      <p:sp>
+        <p:nvSpPr>
+          <p:cNvPr id="11" name="文本框 10"/>
+          <p:cNvSpPr txBox="1"/>
+          <p:nvPr/>
+        </p:nvSpPr>
+        <p:spPr>
+          <a:xfrm>
+            <a:off x="7021874" y="2729603"/>
+            <a:ext cx="1992853" cy="954107"/>
+          </a:xfrm>
+          <a:prstGeom prst="rect">
+            <a:avLst/>
+          </a:prstGeom>
+          <a:noFill/>
+        </p:spPr>
+        <p:txBody>
+          <a:bodyPr wrap="none" rtlCol="0">
+            <a:spAutoFit/>
+          </a:bodyPr>
+          <a:lstStyle/>
+          <a:p>
+            <a:r>
+              <a:rPr kumimoji="1" lang="zh-CN" altLang="en-US" sz="1400" dirty="0" smtClean="0">
+                <a:solidFill>
+                  <a:srgbClr val="FF0000"/>
+                </a:solidFill>
+              </a:rPr>
+              <a:t>最多返回第一页</a:t>
+            </a:r>
+            <a:endParaRPr kumimoji="1" lang="en-US" altLang="zh-CN" sz="1400" dirty="0" smtClean="0">
+              <a:solidFill>
+                <a:srgbClr val="FF0000"/>
+              </a:solidFill>
+            </a:endParaRPr>
+          </a:p>
+          <a:p>
+            <a:r>
+              <a:rPr kumimoji="1" lang="zh-CN" altLang="en-US" sz="1400" dirty="0" smtClean="0">
+                <a:solidFill>
+                  <a:srgbClr val="FF0000"/>
+                </a:solidFill>
+              </a:rPr>
+              <a:t>的</a:t>
+            </a:r>
+            <a:r>
+              <a:rPr kumimoji="1" lang="en-US" altLang="zh-CN" sz="1400" dirty="0" smtClean="0">
+                <a:solidFill>
+                  <a:srgbClr val="FF0000"/>
+                </a:solidFill>
+              </a:rPr>
+              <a:t>10</a:t>
+            </a:r>
+            <a:r>
+              <a:rPr kumimoji="1" lang="zh-CN" altLang="en-US" sz="1400" dirty="0" smtClean="0">
+                <a:solidFill>
+                  <a:srgbClr val="FF0000"/>
+                </a:solidFill>
+              </a:rPr>
+              <a:t>条新闻，</a:t>
+            </a:r>
+            <a:endParaRPr kumimoji="1" lang="en-US" altLang="zh-CN" sz="1400" dirty="0" smtClean="0">
+              <a:solidFill>
+                <a:srgbClr val="FF0000"/>
+              </a:solidFill>
+            </a:endParaRPr>
+          </a:p>
+          <a:p>
+            <a:r>
+              <a:rPr kumimoji="1" lang="en-US" altLang="zh-CN" sz="1400" dirty="0" err="1">
+                <a:solidFill>
+                  <a:srgbClr val="FF0000"/>
+                </a:solidFill>
+              </a:rPr>
+              <a:t>n</a:t>
+            </a:r>
+            <a:r>
+              <a:rPr kumimoji="1" lang="en-US" altLang="zh-CN" sz="1400" dirty="0" err="1" smtClean="0">
+                <a:solidFill>
+                  <a:srgbClr val="FF0000"/>
+                </a:solidFill>
+              </a:rPr>
+              <a:t>ewscount</a:t>
+            </a:r>
+            <a:r>
+              <a:rPr kumimoji="1" lang="en-US" altLang="zh-CN" sz="1400" dirty="0" smtClean="0">
+                <a:solidFill>
+                  <a:srgbClr val="FF0000"/>
+                </a:solidFill>
+              </a:rPr>
+              <a:t>,</a:t>
+            </a:r>
+            <a:r>
+              <a:rPr kumimoji="1" lang="zh-CN" altLang="en-US" sz="1400" dirty="0" smtClean="0">
+                <a:solidFill>
+                  <a:srgbClr val="FF0000"/>
+                </a:solidFill>
+              </a:rPr>
+              <a:t>新闻总条数</a:t>
+            </a:r>
+            <a:endParaRPr kumimoji="1" lang="en-US" altLang="zh-CN" sz="1400" dirty="0" smtClean="0">
+              <a:solidFill>
+                <a:srgbClr val="FF0000"/>
+              </a:solidFill>
+            </a:endParaRPr>
+          </a:p>
+          <a:p>
+            <a:r>
+              <a:rPr kumimoji="1" lang="zh-CN" altLang="en-US" sz="1400" dirty="0" smtClean="0">
+                <a:solidFill>
+                  <a:srgbClr val="FF0000"/>
+                </a:solidFill>
+              </a:rPr>
+              <a:t>用于确认页码。</a:t>
+            </a:r>
+            <a:endParaRPr kumimoji="1" lang="zh-CN" altLang="en-US" sz="1400" dirty="0">
+              <a:solidFill>
+                <a:srgbClr val="FF0000"/>
+              </a:solidFill>
+            </a:endParaRPr>
+          </a:p>
+        </p:txBody>
+      </p:sp>
+      <p:pic>
+        <p:nvPicPr>
+          <p:cNvPr id="13" name="图片 12"/>
+          <p:cNvPicPr>
+            <a:picLocks noChangeAspect="1"/>
+          </p:cNvPicPr>
+          <p:nvPr/>
+        </p:nvPicPr>
+        <p:blipFill>
+          <a:blip r:embed="rId3"/>
+          <a:stretch>
+            <a:fillRect/>
+          </a:stretch>
+        </p:blipFill>
+        <p:spPr>
+          <a:xfrm>
+            <a:off x="1638467" y="4217049"/>
+            <a:ext cx="6426200" cy="2095500"/>
+          </a:xfrm>
+          <a:prstGeom prst="rect">
+            <a:avLst/>
+          </a:prstGeom>
+        </p:spPr>
+      </p:pic>
+    </p:spTree>
+    <p:extLst>
+      <p:ext uri="{BB962C8B-B14F-4D97-AF65-F5344CB8AC3E}">
+        <p14:creationId xmlns:p14="http://schemas.microsoft.com/office/powerpoint/2010/main" val="251678748"/>
+      </p:ext>
+    </p:extLst>
+  </p:cSld>
+  <p:clrMapOvr>
+    <a:masterClrMapping/>
+  </p:clrMapOvr>
+</p:sld>
+</file>
+
+<file path=ppt/slides/slide23.xml><?xml version="1.0" encoding="utf-8"?>
+<p:sld xmlns:a="http://schemas.openxmlformats.org/drawingml/2006/main" xmlns:r="http://schemas.openxmlformats.org/officeDocument/2006/relationships" xmlns:p="http://schemas.openxmlformats.org/presentationml/2006/main">
+  <p:cSld>
+    <p:spTree>
+      <p:nvGrpSpPr>
+        <p:cNvPr id="1" name=""/>
+        <p:cNvGrpSpPr/>
+        <p:nvPr/>
+      </p:nvGrpSpPr>
+      <p:grpSpPr>
+        <a:xfrm>
+          <a:off x="0" y="0"/>
+          <a:ext cx="0" cy="0"/>
+          <a:chOff x="0" y="0"/>
+          <a:chExt cx="0" cy="0"/>
+        </a:xfrm>
+      </p:grpSpPr>
+      <p:sp>
+        <p:nvSpPr>
+          <p:cNvPr id="2" name="标题 1"/>
+          <p:cNvSpPr>
+            <a:spLocks noGrp="1"/>
+          </p:cNvSpPr>
+          <p:nvPr>
+            <p:ph type="title"/>
+          </p:nvPr>
+        </p:nvSpPr>
+        <p:spPr/>
+        <p:txBody>
+          <a:bodyPr/>
+          <a:lstStyle/>
+          <a:p>
+            <a:r>
+              <a:rPr kumimoji="1" lang="zh-CN" altLang="en-US" dirty="0"/>
+              <a:t>三、新闻中心</a:t>
+            </a:r>
+          </a:p>
+        </p:txBody>
+      </p:sp>
+      <p:sp>
+        <p:nvSpPr>
+          <p:cNvPr id="4" name="文本框 3"/>
+          <p:cNvSpPr txBox="1"/>
+          <p:nvPr/>
+        </p:nvSpPr>
+        <p:spPr>
+          <a:xfrm>
+            <a:off x="1158832" y="1562598"/>
+            <a:ext cx="3801792" cy="369332"/>
+          </a:xfrm>
+          <a:prstGeom prst="rect">
+            <a:avLst/>
+          </a:prstGeom>
+          <a:noFill/>
+        </p:spPr>
+        <p:txBody>
+          <a:bodyPr wrap="none" rtlCol="0">
+            <a:spAutoFit/>
+          </a:bodyPr>
+          <a:lstStyle/>
+          <a:p>
+            <a:r>
+              <a:rPr kumimoji="1" lang="zh-CN" altLang="en-US" dirty="0" smtClean="0"/>
+              <a:t>点击删除</a:t>
+            </a:r>
+            <a:r>
+              <a:rPr kumimoji="1" lang="zh-CN" altLang="en-US" dirty="0"/>
+              <a:t>向</a:t>
+            </a:r>
+            <a:r>
+              <a:rPr kumimoji="1" lang="en-US" altLang="zh-CN" dirty="0"/>
+              <a:t>/</a:t>
+            </a:r>
+            <a:r>
+              <a:rPr kumimoji="1" lang="en-US" altLang="zh-CN" dirty="0" err="1"/>
+              <a:t>manageNews</a:t>
+            </a:r>
+            <a:r>
+              <a:rPr kumimoji="1" lang="zh-CN" altLang="en-US" dirty="0"/>
+              <a:t>发送请</a:t>
+            </a:r>
+            <a:r>
+              <a:rPr kumimoji="1" lang="zh-CN" altLang="en-US" dirty="0" smtClean="0"/>
+              <a:t>求</a:t>
+            </a:r>
+            <a:r>
+              <a:rPr kumimoji="1" lang="en-US" altLang="zh-CN" dirty="0"/>
+              <a:t>:</a:t>
+            </a:r>
+            <a:endParaRPr kumimoji="1" lang="zh-CN" altLang="en-US" dirty="0"/>
+          </a:p>
+        </p:txBody>
+      </p:sp>
+      <p:sp>
+        <p:nvSpPr>
+          <p:cNvPr id="6" name="文本框 5"/>
+          <p:cNvSpPr txBox="1"/>
+          <p:nvPr/>
+        </p:nvSpPr>
+        <p:spPr>
+          <a:xfrm>
+            <a:off x="2699567" y="2029266"/>
+            <a:ext cx="4238773" cy="369332"/>
+          </a:xfrm>
+          <a:prstGeom prst="rect">
+            <a:avLst/>
+          </a:prstGeom>
+          <a:noFill/>
+        </p:spPr>
+        <p:txBody>
+          <a:bodyPr wrap="none" rtlCol="0">
+            <a:spAutoFit/>
+          </a:bodyPr>
+          <a:lstStyle/>
+          <a:p>
+            <a:r>
+              <a:rPr kumimoji="1" lang="en-US" altLang="zh-CN" dirty="0" err="1" smtClean="0"/>
+              <a:t>manage:delete</a:t>
+            </a:r>
+            <a:r>
+              <a:rPr kumimoji="1" lang="en-US" altLang="zh-CN" dirty="0" smtClean="0"/>
+              <a:t>  </a:t>
+            </a:r>
+            <a:r>
+              <a:rPr kumimoji="1" lang="en-US" altLang="zh-CN" dirty="0" err="1" smtClean="0"/>
+              <a:t>newstitle:xxx</a:t>
+            </a:r>
+            <a:r>
+              <a:rPr kumimoji="1" lang="en-US" altLang="zh-CN" dirty="0" smtClean="0"/>
+              <a:t>  </a:t>
+            </a:r>
+            <a:r>
+              <a:rPr kumimoji="1" lang="en-US" altLang="zh-CN" dirty="0" err="1" smtClean="0"/>
+              <a:t>time:xxxx</a:t>
+            </a:r>
+            <a:endParaRPr kumimoji="1" lang="zh-CN" altLang="en-US" dirty="0"/>
+          </a:p>
+        </p:txBody>
+      </p:sp>
+      <p:sp>
+        <p:nvSpPr>
+          <p:cNvPr id="10" name="文本框 9"/>
+          <p:cNvSpPr txBox="1"/>
+          <p:nvPr/>
+        </p:nvSpPr>
+        <p:spPr>
+          <a:xfrm>
+            <a:off x="2699567" y="2600971"/>
+            <a:ext cx="3173540" cy="369332"/>
+          </a:xfrm>
+          <a:prstGeom prst="rect">
+            <a:avLst/>
+          </a:prstGeom>
+          <a:noFill/>
+        </p:spPr>
+        <p:txBody>
+          <a:bodyPr wrap="none" rtlCol="0">
+            <a:spAutoFit/>
+          </a:bodyPr>
+          <a:lstStyle/>
+          <a:p>
+            <a:r>
+              <a:rPr kumimoji="1" lang="zh-CN" altLang="en-US" dirty="0"/>
+              <a:t>返回</a:t>
+            </a:r>
+            <a:r>
+              <a:rPr kumimoji="1" lang="en-US" altLang="zh-CN" dirty="0" err="1"/>
+              <a:t>json</a:t>
+            </a:r>
+            <a:r>
+              <a:rPr kumimoji="1" lang="zh-CN" altLang="en-US" dirty="0"/>
+              <a:t>结构</a:t>
+            </a:r>
+            <a:r>
+              <a:rPr kumimoji="1" lang="en-US" altLang="zh-CN" dirty="0"/>
+              <a:t>: </a:t>
+            </a:r>
+            <a:r>
+              <a:rPr kumimoji="1" lang="en-US" altLang="zh-CN" dirty="0" err="1"/>
+              <a:t>status:success</a:t>
+            </a:r>
+            <a:endParaRPr kumimoji="1" lang="zh-CN" altLang="en-US" dirty="0"/>
+          </a:p>
+        </p:txBody>
+      </p:sp>
+      <p:sp>
+        <p:nvSpPr>
+          <p:cNvPr id="11" name="文本框 10"/>
+          <p:cNvSpPr txBox="1"/>
+          <p:nvPr/>
+        </p:nvSpPr>
+        <p:spPr>
+          <a:xfrm>
+            <a:off x="1158832" y="3202446"/>
+            <a:ext cx="3943244" cy="369332"/>
+          </a:xfrm>
+          <a:prstGeom prst="rect">
+            <a:avLst/>
+          </a:prstGeom>
+          <a:noFill/>
+        </p:spPr>
+        <p:txBody>
+          <a:bodyPr wrap="none" rtlCol="0">
+            <a:spAutoFit/>
+          </a:bodyPr>
+          <a:lstStyle/>
+          <a:p>
+            <a:r>
+              <a:rPr kumimoji="1" lang="zh-CN" altLang="en-US" dirty="0" smtClean="0"/>
+              <a:t>点击编辑</a:t>
+            </a:r>
+            <a:r>
+              <a:rPr kumimoji="1" lang="zh-CN" altLang="en-US" dirty="0" smtClean="0"/>
+              <a:t>向</a:t>
+            </a:r>
+            <a:r>
+              <a:rPr kumimoji="1" lang="en-US" altLang="zh-CN" dirty="0"/>
+              <a:t>/</a:t>
+            </a:r>
+            <a:r>
+              <a:rPr kumimoji="1" lang="en-US" altLang="zh-CN" dirty="0" err="1"/>
+              <a:t>manageNews</a:t>
+            </a:r>
+            <a:r>
+              <a:rPr kumimoji="1" lang="zh-CN" altLang="en-US" dirty="0"/>
+              <a:t>发送请</a:t>
+            </a:r>
+            <a:r>
+              <a:rPr kumimoji="1" lang="zh-CN" altLang="en-US" dirty="0" smtClean="0"/>
+              <a:t>求</a:t>
+            </a:r>
+            <a:r>
+              <a:rPr kumimoji="1" lang="en-US" altLang="zh-CN" dirty="0"/>
+              <a:t>:</a:t>
+            </a:r>
+            <a:endParaRPr kumimoji="1" lang="zh-CN" altLang="en-US" dirty="0"/>
+          </a:p>
+        </p:txBody>
+      </p:sp>
+      <p:sp>
+        <p:nvSpPr>
+          <p:cNvPr id="12" name="文本框 11"/>
+          <p:cNvSpPr txBox="1"/>
+          <p:nvPr/>
+        </p:nvSpPr>
+        <p:spPr>
+          <a:xfrm>
+            <a:off x="2699567" y="3669114"/>
+            <a:ext cx="4110282" cy="369332"/>
+          </a:xfrm>
+          <a:prstGeom prst="rect">
+            <a:avLst/>
+          </a:prstGeom>
+          <a:noFill/>
+        </p:spPr>
+        <p:txBody>
+          <a:bodyPr wrap="none" rtlCol="0">
+            <a:spAutoFit/>
+          </a:bodyPr>
+          <a:lstStyle/>
+          <a:p>
+            <a:r>
+              <a:rPr kumimoji="1" lang="en-US" altLang="zh-CN" dirty="0" err="1" smtClean="0"/>
+              <a:t>manage:edit</a:t>
+            </a:r>
+            <a:r>
+              <a:rPr kumimoji="1" lang="en-US" altLang="zh-CN" dirty="0" smtClean="0"/>
+              <a:t>  </a:t>
+            </a:r>
+            <a:r>
+              <a:rPr kumimoji="1" lang="en-US" altLang="zh-CN" dirty="0" err="1" smtClean="0"/>
+              <a:t>newstitle:xxx</a:t>
+            </a:r>
+            <a:r>
+              <a:rPr kumimoji="1" lang="en-US" altLang="zh-CN" dirty="0" smtClean="0"/>
+              <a:t>  </a:t>
+            </a:r>
+            <a:r>
+              <a:rPr kumimoji="1" lang="en-US" altLang="zh-CN" dirty="0" err="1" smtClean="0"/>
+              <a:t>time:xxxx</a:t>
+            </a:r>
+            <a:endParaRPr kumimoji="1" lang="zh-CN" altLang="en-US" dirty="0"/>
+          </a:p>
+        </p:txBody>
+      </p:sp>
+      <p:sp>
+        <p:nvSpPr>
+          <p:cNvPr id="14" name="文本框 13"/>
+          <p:cNvSpPr txBox="1"/>
+          <p:nvPr/>
+        </p:nvSpPr>
+        <p:spPr>
+          <a:xfrm>
+            <a:off x="1103983" y="4120685"/>
+            <a:ext cx="1595584" cy="369332"/>
+          </a:xfrm>
+          <a:prstGeom prst="rect">
+            <a:avLst/>
+          </a:prstGeom>
+          <a:noFill/>
+        </p:spPr>
+        <p:txBody>
+          <a:bodyPr wrap="none" rtlCol="0">
+            <a:spAutoFit/>
+          </a:bodyPr>
+          <a:lstStyle/>
+          <a:p>
+            <a:r>
+              <a:rPr kumimoji="1" lang="zh-CN" altLang="en-US" dirty="0"/>
+              <a:t>返回</a:t>
+            </a:r>
+            <a:r>
+              <a:rPr kumimoji="1" lang="en-US" altLang="zh-CN" dirty="0" err="1"/>
+              <a:t>json</a:t>
+            </a:r>
+            <a:r>
+              <a:rPr kumimoji="1" lang="zh-CN" altLang="en-US" dirty="0"/>
+              <a:t>结构</a:t>
+            </a:r>
+            <a:r>
+              <a:rPr kumimoji="1" lang="en-US" altLang="zh-CN" dirty="0" smtClean="0"/>
+              <a:t>:</a:t>
+            </a:r>
+            <a:endParaRPr kumimoji="1" lang="zh-CN" altLang="en-US" dirty="0"/>
+          </a:p>
+        </p:txBody>
+      </p:sp>
+      <p:sp>
+        <p:nvSpPr>
+          <p:cNvPr id="15" name="矩形 14"/>
+          <p:cNvSpPr/>
+          <p:nvPr/>
+        </p:nvSpPr>
+        <p:spPr>
+          <a:xfrm>
+            <a:off x="2699567" y="4120685"/>
+            <a:ext cx="4572000" cy="1477328"/>
+          </a:xfrm>
+          <a:prstGeom prst="rect">
+            <a:avLst/>
+          </a:prstGeom>
+        </p:spPr>
+        <p:txBody>
+          <a:bodyPr>
+            <a:spAutoFit/>
+          </a:bodyPr>
+          <a:lstStyle/>
+          <a:p>
+            <a:r>
+              <a:rPr lang="en-US" altLang="zh-CN" dirty="0" smtClean="0"/>
+              <a:t>{</a:t>
+            </a:r>
+          </a:p>
+          <a:p>
+            <a:r>
+              <a:rPr lang="en-US" altLang="zh-CN" dirty="0" err="1" smtClean="0"/>
+              <a:t>newstitle:xxxxx</a:t>
+            </a:r>
+            <a:endParaRPr lang="en-US" altLang="zh-CN" dirty="0"/>
+          </a:p>
+          <a:p>
+            <a:r>
+              <a:rPr lang="en-US" altLang="zh-CN" dirty="0" smtClean="0"/>
+              <a:t>content</a:t>
+            </a:r>
+            <a:r>
+              <a:rPr lang="en-US" altLang="zh-CN" dirty="0" smtClean="0"/>
+              <a:t>: </a:t>
+            </a:r>
+            <a:r>
+              <a:rPr lang="en-US" altLang="zh-CN" dirty="0" err="1" smtClean="0"/>
+              <a:t>xxxxx</a:t>
+            </a:r>
+            <a:endParaRPr lang="en-US" altLang="zh-CN" dirty="0" smtClean="0"/>
+          </a:p>
+          <a:p>
+            <a:r>
+              <a:rPr lang="en-US" altLang="zh-CN" dirty="0" err="1" smtClean="0"/>
+              <a:t>id:xx</a:t>
+            </a:r>
+            <a:endParaRPr lang="en-US" altLang="zh-CN" dirty="0" smtClean="0"/>
+          </a:p>
+          <a:p>
+            <a:r>
+              <a:rPr lang="en-US" altLang="zh-CN" dirty="0" smtClean="0"/>
+              <a:t>}</a:t>
+            </a:r>
+            <a:endParaRPr lang="zh-CN" altLang="en-US" dirty="0"/>
+          </a:p>
+        </p:txBody>
+      </p:sp>
+      <p:sp>
+        <p:nvSpPr>
+          <p:cNvPr id="16" name="文本框 15"/>
+          <p:cNvSpPr txBox="1"/>
+          <p:nvPr/>
+        </p:nvSpPr>
+        <p:spPr>
+          <a:xfrm>
+            <a:off x="1158832" y="5492120"/>
+            <a:ext cx="3801792" cy="369332"/>
+          </a:xfrm>
+          <a:prstGeom prst="rect">
+            <a:avLst/>
+          </a:prstGeom>
+          <a:noFill/>
+        </p:spPr>
+        <p:txBody>
+          <a:bodyPr wrap="none" rtlCol="0">
+            <a:spAutoFit/>
+          </a:bodyPr>
+          <a:lstStyle/>
+          <a:p>
+            <a:r>
+              <a:rPr kumimoji="1" lang="zh-CN" altLang="en-US" dirty="0" smtClean="0"/>
+              <a:t>点击保存向</a:t>
+            </a:r>
+            <a:r>
+              <a:rPr kumimoji="1" lang="en-US" altLang="zh-CN" dirty="0" smtClean="0"/>
+              <a:t>/</a:t>
+            </a:r>
+            <a:r>
+              <a:rPr kumimoji="1" lang="en-US" altLang="zh-CN" dirty="0" err="1" smtClean="0"/>
+              <a:t>manageNews</a:t>
+            </a:r>
+            <a:r>
+              <a:rPr kumimoji="1" lang="zh-CN" altLang="en-US" dirty="0"/>
+              <a:t>发送请求</a:t>
+            </a:r>
+            <a:r>
+              <a:rPr kumimoji="1" lang="en-US" altLang="zh-CN" dirty="0"/>
+              <a:t>:</a:t>
+            </a:r>
+            <a:endParaRPr kumimoji="1" lang="zh-CN" altLang="en-US" dirty="0"/>
+          </a:p>
+        </p:txBody>
+      </p:sp>
+      <p:sp>
+        <p:nvSpPr>
+          <p:cNvPr id="17" name="文本框 16"/>
+          <p:cNvSpPr txBox="1"/>
+          <p:nvPr/>
+        </p:nvSpPr>
+        <p:spPr>
+          <a:xfrm>
+            <a:off x="1945866" y="5872808"/>
+            <a:ext cx="5355289" cy="369332"/>
+          </a:xfrm>
+          <a:prstGeom prst="rect">
+            <a:avLst/>
+          </a:prstGeom>
+          <a:noFill/>
+        </p:spPr>
+        <p:txBody>
+          <a:bodyPr wrap="none" rtlCol="0">
+            <a:spAutoFit/>
+          </a:bodyPr>
+          <a:lstStyle/>
+          <a:p>
+            <a:r>
+              <a:rPr kumimoji="1" lang="en-US" altLang="zh-CN" dirty="0" err="1" smtClean="0"/>
+              <a:t>manage:update</a:t>
+            </a:r>
+            <a:r>
+              <a:rPr kumimoji="1" lang="en-US" altLang="zh-CN" dirty="0" smtClean="0"/>
+              <a:t>  </a:t>
+            </a:r>
+            <a:r>
+              <a:rPr kumimoji="1" lang="en-US" altLang="zh-CN" dirty="0" err="1" smtClean="0"/>
+              <a:t>newstitle:xxx</a:t>
+            </a:r>
+            <a:r>
+              <a:rPr kumimoji="1" lang="en-US" altLang="zh-CN" dirty="0" smtClean="0"/>
+              <a:t>  </a:t>
+            </a:r>
+            <a:r>
+              <a:rPr lang="en-US" altLang="zh-CN" dirty="0"/>
+              <a:t>content: </a:t>
+            </a:r>
+            <a:r>
+              <a:rPr lang="en-US" altLang="zh-CN" dirty="0" err="1" smtClean="0"/>
+              <a:t>xxxxx</a:t>
+            </a:r>
+            <a:r>
+              <a:rPr lang="en-US" altLang="zh-CN" dirty="0" smtClean="0"/>
+              <a:t> </a:t>
+            </a:r>
+            <a:r>
+              <a:rPr lang="en-US" altLang="zh-CN" dirty="0" err="1" smtClean="0"/>
+              <a:t>id:xx</a:t>
+            </a:r>
+            <a:endParaRPr lang="en-US" altLang="zh-CN" dirty="0"/>
+          </a:p>
+        </p:txBody>
+      </p:sp>
+      <p:sp>
+        <p:nvSpPr>
+          <p:cNvPr id="18" name="文本框 17"/>
+          <p:cNvSpPr txBox="1"/>
+          <p:nvPr/>
+        </p:nvSpPr>
+        <p:spPr>
+          <a:xfrm>
+            <a:off x="2851967" y="6328480"/>
+            <a:ext cx="3173540" cy="369332"/>
+          </a:xfrm>
+          <a:prstGeom prst="rect">
+            <a:avLst/>
+          </a:prstGeom>
+          <a:noFill/>
+        </p:spPr>
+        <p:txBody>
+          <a:bodyPr wrap="none" rtlCol="0">
+            <a:spAutoFit/>
+          </a:bodyPr>
+          <a:lstStyle/>
+          <a:p>
+            <a:r>
+              <a:rPr kumimoji="1" lang="zh-CN" altLang="en-US" dirty="0"/>
+              <a:t>返回</a:t>
+            </a:r>
+            <a:r>
+              <a:rPr kumimoji="1" lang="en-US" altLang="zh-CN" dirty="0" err="1"/>
+              <a:t>json</a:t>
+            </a:r>
+            <a:r>
+              <a:rPr kumimoji="1" lang="zh-CN" altLang="en-US" dirty="0"/>
+              <a:t>结构</a:t>
+            </a:r>
+            <a:r>
+              <a:rPr kumimoji="1" lang="en-US" altLang="zh-CN" dirty="0"/>
+              <a:t>: </a:t>
+            </a:r>
+            <a:r>
+              <a:rPr kumimoji="1" lang="en-US" altLang="zh-CN" dirty="0" err="1"/>
+              <a:t>status:success</a:t>
+            </a:r>
+            <a:endParaRPr kumimoji="1" lang="zh-CN" altLang="en-US" dirty="0"/>
+          </a:p>
+        </p:txBody>
+      </p:sp>
+    </p:spTree>
+    <p:extLst>
+      <p:ext uri="{BB962C8B-B14F-4D97-AF65-F5344CB8AC3E}">
+        <p14:creationId xmlns:p14="http://schemas.microsoft.com/office/powerpoint/2010/main" val="2588314282"/>
+      </p:ext>
+    </p:extLst>
+  </p:cSld>
+  <p:clrMapOvr>
+    <a:masterClrMapping/>
+  </p:clrMapOvr>
+</p:sld>
+</file>
+
+<file path=ppt/slides/slide24.xml><?xml version="1.0" encoding="utf-8"?>
+<p:sld xmlns:a="http://schemas.openxmlformats.org/drawingml/2006/main" xmlns:r="http://schemas.openxmlformats.org/officeDocument/2006/relationships" xmlns:p="http://schemas.openxmlformats.org/presentationml/2006/main">
+  <p:cSld>
+    <p:spTree>
+      <p:nvGrpSpPr>
+        <p:cNvPr id="1" name=""/>
+        <p:cNvGrpSpPr/>
+        <p:nvPr/>
+      </p:nvGrpSpPr>
+      <p:grpSpPr>
+        <a:xfrm>
+          <a:off x="0" y="0"/>
+          <a:ext cx="0" cy="0"/>
+          <a:chOff x="0" y="0"/>
+          <a:chExt cx="0" cy="0"/>
+        </a:xfrm>
+      </p:grpSpPr>
+      <p:sp>
+        <p:nvSpPr>
+          <p:cNvPr id="2" name="标题 1"/>
+          <p:cNvSpPr>
+            <a:spLocks noGrp="1"/>
+          </p:cNvSpPr>
+          <p:nvPr>
+            <p:ph type="title"/>
+          </p:nvPr>
+        </p:nvSpPr>
+        <p:spPr/>
+        <p:txBody>
+          <a:bodyPr/>
+          <a:lstStyle/>
+          <a:p>
+            <a:r>
+              <a:rPr kumimoji="1" lang="zh-CN" altLang="en-US" dirty="0"/>
+              <a:t>三、新闻中心</a:t>
+            </a:r>
+          </a:p>
+        </p:txBody>
+      </p:sp>
+      <p:sp>
+        <p:nvSpPr>
+          <p:cNvPr id="3" name="文本框 2"/>
+          <p:cNvSpPr txBox="1"/>
+          <p:nvPr/>
+        </p:nvSpPr>
+        <p:spPr>
+          <a:xfrm>
+            <a:off x="1213681" y="1534151"/>
+            <a:ext cx="4494289" cy="369332"/>
+          </a:xfrm>
+          <a:prstGeom prst="rect">
+            <a:avLst/>
+          </a:prstGeom>
+          <a:noFill/>
+        </p:spPr>
+        <p:txBody>
+          <a:bodyPr wrap="none" rtlCol="0">
+            <a:spAutoFit/>
+          </a:bodyPr>
+          <a:lstStyle/>
+          <a:p>
+            <a:r>
+              <a:rPr kumimoji="1" lang="zh-CN" altLang="en-US" dirty="0" smtClean="0"/>
+              <a:t>点击增加的保存</a:t>
+            </a:r>
+            <a:r>
+              <a:rPr kumimoji="1" lang="zh-CN" altLang="en-US" dirty="0" smtClean="0"/>
+              <a:t>向</a:t>
+            </a:r>
+            <a:r>
+              <a:rPr kumimoji="1" lang="en-US" altLang="zh-CN" dirty="0"/>
+              <a:t>/</a:t>
+            </a:r>
+            <a:r>
+              <a:rPr kumimoji="1" lang="en-US" altLang="zh-CN" dirty="0" err="1"/>
+              <a:t>manageNews</a:t>
+            </a:r>
+            <a:r>
+              <a:rPr kumimoji="1" lang="zh-CN" altLang="en-US" dirty="0"/>
+              <a:t>发送请</a:t>
+            </a:r>
+            <a:r>
+              <a:rPr kumimoji="1" lang="zh-CN" altLang="en-US" dirty="0" smtClean="0"/>
+              <a:t>求</a:t>
+            </a:r>
+            <a:r>
+              <a:rPr kumimoji="1" lang="en-US" altLang="zh-CN" dirty="0"/>
+              <a:t>:</a:t>
+            </a:r>
+            <a:endParaRPr kumimoji="1" lang="zh-CN" altLang="en-US" dirty="0"/>
+          </a:p>
+        </p:txBody>
+      </p:sp>
+      <p:sp>
+        <p:nvSpPr>
+          <p:cNvPr id="4" name="文本框 3"/>
+          <p:cNvSpPr txBox="1"/>
+          <p:nvPr/>
+        </p:nvSpPr>
+        <p:spPr>
+          <a:xfrm>
+            <a:off x="2754416" y="2000819"/>
+            <a:ext cx="4316093" cy="369332"/>
+          </a:xfrm>
+          <a:prstGeom prst="rect">
+            <a:avLst/>
+          </a:prstGeom>
+          <a:noFill/>
+        </p:spPr>
+        <p:txBody>
+          <a:bodyPr wrap="none" rtlCol="0">
+            <a:spAutoFit/>
+          </a:bodyPr>
+          <a:lstStyle/>
+          <a:p>
+            <a:r>
+              <a:rPr kumimoji="1" lang="en-US" altLang="zh-CN" dirty="0" err="1" smtClean="0"/>
+              <a:t>manage:add</a:t>
+            </a:r>
+            <a:r>
+              <a:rPr kumimoji="1" lang="en-US" altLang="zh-CN" dirty="0" smtClean="0"/>
+              <a:t>  </a:t>
+            </a:r>
+            <a:r>
+              <a:rPr kumimoji="1" lang="en-US" altLang="zh-CN" dirty="0" err="1" smtClean="0"/>
+              <a:t>newstitle:xxx</a:t>
+            </a:r>
+            <a:r>
+              <a:rPr kumimoji="1" lang="en-US" altLang="zh-CN" dirty="0" smtClean="0"/>
+              <a:t>  </a:t>
+            </a:r>
+            <a:r>
+              <a:rPr kumimoji="1" lang="en-US" altLang="zh-CN" dirty="0" err="1" smtClean="0"/>
+              <a:t>content:xxxx</a:t>
+            </a:r>
+            <a:endParaRPr kumimoji="1" lang="zh-CN" altLang="en-US" dirty="0"/>
+          </a:p>
+        </p:txBody>
+      </p:sp>
+      <p:sp>
+        <p:nvSpPr>
+          <p:cNvPr id="8" name="文本框 7"/>
+          <p:cNvSpPr txBox="1"/>
+          <p:nvPr/>
+        </p:nvSpPr>
+        <p:spPr>
+          <a:xfrm>
+            <a:off x="1007371" y="2371668"/>
+            <a:ext cx="1595584" cy="369332"/>
+          </a:xfrm>
+          <a:prstGeom prst="rect">
+            <a:avLst/>
+          </a:prstGeom>
+          <a:noFill/>
+        </p:spPr>
+        <p:txBody>
+          <a:bodyPr wrap="none" rtlCol="0">
+            <a:spAutoFit/>
+          </a:bodyPr>
+          <a:lstStyle/>
+          <a:p>
+            <a:r>
+              <a:rPr kumimoji="1" lang="zh-CN" altLang="en-US" dirty="0"/>
+              <a:t>返回</a:t>
+            </a:r>
+            <a:r>
+              <a:rPr kumimoji="1" lang="en-US" altLang="zh-CN" dirty="0" err="1"/>
+              <a:t>json</a:t>
+            </a:r>
+            <a:r>
+              <a:rPr kumimoji="1" lang="zh-CN" altLang="en-US" dirty="0"/>
+              <a:t>结构</a:t>
+            </a:r>
+            <a:r>
+              <a:rPr kumimoji="1" lang="en-US" altLang="zh-CN" dirty="0" smtClean="0"/>
+              <a:t>:</a:t>
+            </a:r>
+            <a:endParaRPr kumimoji="1" lang="zh-CN" altLang="en-US" dirty="0"/>
+          </a:p>
+        </p:txBody>
+      </p:sp>
+      <p:sp>
+        <p:nvSpPr>
+          <p:cNvPr id="9" name="矩形 8"/>
+          <p:cNvSpPr/>
+          <p:nvPr/>
+        </p:nvSpPr>
+        <p:spPr>
+          <a:xfrm>
+            <a:off x="2602955" y="2485623"/>
+            <a:ext cx="4572000" cy="1477328"/>
+          </a:xfrm>
+          <a:prstGeom prst="rect">
+            <a:avLst/>
+          </a:prstGeom>
+        </p:spPr>
+        <p:txBody>
+          <a:bodyPr>
+            <a:spAutoFit/>
+          </a:bodyPr>
+          <a:lstStyle/>
+          <a:p>
+            <a:r>
+              <a:rPr lang="en-US" altLang="zh-CN" dirty="0" smtClean="0"/>
+              <a:t>{</a:t>
+            </a:r>
+          </a:p>
+          <a:p>
+            <a:r>
+              <a:rPr lang="en-US" altLang="zh-CN" dirty="0"/>
+              <a:t>n</a:t>
+            </a:r>
+            <a:r>
+              <a:rPr lang="en-US" altLang="zh-CN" dirty="0" smtClean="0"/>
+              <a:t>ewscount:100</a:t>
+            </a:r>
+            <a:endParaRPr lang="en-US" altLang="zh-CN" dirty="0"/>
+          </a:p>
+          <a:p>
+            <a:r>
+              <a:rPr lang="en-US" altLang="zh-CN" dirty="0"/>
+              <a:t>products: </a:t>
+            </a:r>
+            <a:r>
+              <a:rPr lang="en-US" altLang="zh-CN" dirty="0" smtClean="0"/>
+              <a:t>[title#</a:t>
+            </a:r>
+            <a:r>
+              <a:rPr lang="zh-CN" altLang="en-US" dirty="0" smtClean="0"/>
+              <a:t>日期</a:t>
+            </a:r>
+            <a:r>
+              <a:rPr lang="en-US" altLang="zh-CN" dirty="0" smtClean="0"/>
+              <a:t>, </a:t>
+            </a:r>
+            <a:r>
+              <a:rPr lang="en-US" altLang="zh-CN" dirty="0"/>
+              <a:t>title#</a:t>
+            </a:r>
+            <a:r>
+              <a:rPr lang="zh-CN" altLang="en-US" dirty="0"/>
+              <a:t>日期</a:t>
+            </a:r>
+            <a:r>
+              <a:rPr lang="en-US" altLang="zh-CN" dirty="0" smtClean="0"/>
+              <a:t>, </a:t>
+            </a:r>
+            <a:r>
+              <a:rPr lang="en-US" altLang="zh-CN" dirty="0"/>
+              <a:t>title#</a:t>
+            </a:r>
+            <a:r>
+              <a:rPr lang="zh-CN" altLang="en-US" dirty="0" smtClean="0"/>
+              <a:t>日期</a:t>
+            </a:r>
+            <a:r>
+              <a:rPr lang="zh-CN" altLang="en-US" dirty="0" smtClean="0"/>
+              <a:t>，</a:t>
+            </a:r>
+            <a:r>
+              <a:rPr lang="en-US" altLang="zh-CN" dirty="0"/>
+              <a:t>title#</a:t>
+            </a:r>
+            <a:r>
+              <a:rPr lang="zh-CN" altLang="en-US" dirty="0" smtClean="0"/>
+              <a:t>日期</a:t>
+            </a:r>
+            <a:r>
+              <a:rPr lang="zh-CN" altLang="en-US" dirty="0" smtClean="0"/>
+              <a:t>，</a:t>
+            </a:r>
+            <a:r>
+              <a:rPr lang="en-US" altLang="zh-CN" dirty="0"/>
+              <a:t>title#</a:t>
+            </a:r>
+            <a:r>
+              <a:rPr lang="zh-CN" altLang="en-US" dirty="0" smtClean="0"/>
+              <a:t>日期</a:t>
+            </a:r>
+            <a:r>
+              <a:rPr lang="zh-CN" altLang="en-US" dirty="0" smtClean="0"/>
+              <a:t>，</a:t>
+            </a:r>
+            <a:r>
+              <a:rPr lang="en-US" altLang="zh-CN" dirty="0"/>
+              <a:t>title#</a:t>
+            </a:r>
+            <a:r>
+              <a:rPr lang="zh-CN" altLang="en-US" dirty="0"/>
+              <a:t>日期</a:t>
+            </a:r>
+            <a:r>
+              <a:rPr lang="en-US" altLang="zh-CN" dirty="0" smtClean="0"/>
+              <a:t>]</a:t>
+            </a:r>
+            <a:endParaRPr lang="en-US" altLang="zh-CN" dirty="0"/>
+          </a:p>
+          <a:p>
+            <a:r>
+              <a:rPr lang="en-US" altLang="zh-CN" dirty="0"/>
+              <a:t>}</a:t>
+            </a:r>
+            <a:endParaRPr lang="zh-CN" altLang="en-US" dirty="0"/>
+          </a:p>
+        </p:txBody>
+      </p:sp>
+    </p:spTree>
+    <p:extLst>
+      <p:ext uri="{BB962C8B-B14F-4D97-AF65-F5344CB8AC3E}">
+        <p14:creationId xmlns:p14="http://schemas.microsoft.com/office/powerpoint/2010/main" val="1781565649"/>
+      </p:ext>
+    </p:extLst>
+  </p:cSld>
+  <p:clrMapOvr>
+    <a:masterClrMapping/>
+  </p:clrMapOvr>
+</p:sld>
+</file>
+
+<file path=ppt/slides/slide25.xml><?xml version="1.0" encoding="utf-8"?>
+<p:sld xmlns:a="http://schemas.openxmlformats.org/drawingml/2006/main" xmlns:r="http://schemas.openxmlformats.org/officeDocument/2006/relationships" xmlns:p="http://schemas.openxmlformats.org/presentationml/2006/main">
+  <p:cSld>
+    <p:spTree>
+      <p:nvGrpSpPr>
+        <p:cNvPr id="1" name=""/>
+        <p:cNvGrpSpPr/>
+        <p:nvPr/>
+      </p:nvGrpSpPr>
+      <p:grpSpPr>
+        <a:xfrm>
+          <a:off x="0" y="0"/>
+          <a:ext cx="0" cy="0"/>
+          <a:chOff x="0" y="0"/>
+          <a:chExt cx="0" cy="0"/>
+        </a:xfrm>
+      </p:grpSpPr>
+      <p:sp>
+        <p:nvSpPr>
+          <p:cNvPr id="2" name="标题 1"/>
+          <p:cNvSpPr>
+            <a:spLocks noGrp="1"/>
+          </p:cNvSpPr>
+          <p:nvPr>
+            <p:ph type="title"/>
+          </p:nvPr>
+        </p:nvSpPr>
+        <p:spPr/>
+        <p:txBody>
+          <a:bodyPr/>
+          <a:lstStyle/>
+          <a:p>
+            <a:r>
+              <a:rPr kumimoji="1" lang="zh-CN" altLang="en-US" dirty="0" smtClean="0"/>
+              <a:t>四、人才招聘</a:t>
+            </a:r>
+            <a:endParaRPr kumimoji="1" lang="zh-CN" altLang="en-US" dirty="0"/>
+          </a:p>
+        </p:txBody>
+      </p:sp>
+    </p:spTree>
+    <p:extLst>
+      <p:ext uri="{BB962C8B-B14F-4D97-AF65-F5344CB8AC3E}">
+        <p14:creationId xmlns:p14="http://schemas.microsoft.com/office/powerpoint/2010/main" val="2487205629"/>
+      </p:ext>
+    </p:extLst>
+  </p:cSld>
+  <p:clrMapOvr>
+    <a:masterClrMapping/>
+  </p:clrMapOvr>
+</p:sld>
+</file>
+
+<file path=ppt/slides/slide26.xml><?xml version="1.0" encoding="utf-8"?>
+<p:sld xmlns:a="http://schemas.openxmlformats.org/drawingml/2006/main" xmlns:r="http://schemas.openxmlformats.org/officeDocument/2006/relationships" xmlns:p="http://schemas.openxmlformats.org/presentationml/2006/main">
+  <p:cSld>
+    <p:spTree>
+      <p:nvGrpSpPr>
+        <p:cNvPr id="1" name=""/>
+        <p:cNvGrpSpPr/>
+        <p:nvPr/>
+      </p:nvGrpSpPr>
+      <p:grpSpPr>
+        <a:xfrm>
+          <a:off x="0" y="0"/>
+          <a:ext cx="0" cy="0"/>
+          <a:chOff x="0" y="0"/>
+          <a:chExt cx="0" cy="0"/>
+        </a:xfrm>
+      </p:grpSpPr>
+      <p:sp>
+        <p:nvSpPr>
+          <p:cNvPr id="2" name="标题 1"/>
+          <p:cNvSpPr>
+            <a:spLocks noGrp="1"/>
+          </p:cNvSpPr>
+          <p:nvPr>
+            <p:ph type="title"/>
+          </p:nvPr>
+        </p:nvSpPr>
+        <p:spPr/>
+        <p:txBody>
+          <a:bodyPr/>
+          <a:lstStyle/>
+          <a:p>
+            <a:r>
+              <a:rPr kumimoji="1" lang="zh-CN" altLang="en-US" dirty="0"/>
+              <a:t>四、人才招聘</a:t>
+            </a:r>
+          </a:p>
+        </p:txBody>
+      </p:sp>
+      <p:pic>
+        <p:nvPicPr>
+          <p:cNvPr id="3" name="图片 2"/>
+          <p:cNvPicPr>
+            <a:picLocks noChangeAspect="1"/>
+          </p:cNvPicPr>
+          <p:nvPr/>
+        </p:nvPicPr>
+        <p:blipFill>
+          <a:blip r:embed="rId2"/>
+          <a:stretch>
+            <a:fillRect/>
+          </a:stretch>
+        </p:blipFill>
+        <p:spPr>
+          <a:xfrm>
+            <a:off x="1870489" y="1602663"/>
+            <a:ext cx="1066800" cy="355600"/>
+          </a:xfrm>
+          <a:prstGeom prst="rect">
+            <a:avLst/>
+          </a:prstGeom>
+        </p:spPr>
+      </p:pic>
+      <p:sp>
+        <p:nvSpPr>
+          <p:cNvPr id="4" name="文本框 3"/>
+          <p:cNvSpPr txBox="1"/>
+          <p:nvPr/>
+        </p:nvSpPr>
+        <p:spPr>
+          <a:xfrm>
+            <a:off x="1224158" y="1588931"/>
+            <a:ext cx="646331" cy="369332"/>
+          </a:xfrm>
+          <a:prstGeom prst="rect">
+            <a:avLst/>
+          </a:prstGeom>
+          <a:noFill/>
+        </p:spPr>
+        <p:txBody>
+          <a:bodyPr wrap="none" rtlCol="0">
+            <a:spAutoFit/>
+          </a:bodyPr>
+          <a:lstStyle/>
+          <a:p>
+            <a:r>
+              <a:rPr kumimoji="1" lang="zh-CN" altLang="en-US" dirty="0" smtClean="0"/>
+              <a:t>点击</a:t>
+            </a:r>
+            <a:endParaRPr kumimoji="1" lang="zh-CN" altLang="en-US" dirty="0"/>
+          </a:p>
+        </p:txBody>
+      </p:sp>
+      <p:sp>
+        <p:nvSpPr>
+          <p:cNvPr id="5" name="文本框 4"/>
+          <p:cNvSpPr txBox="1"/>
+          <p:nvPr/>
+        </p:nvSpPr>
+        <p:spPr>
+          <a:xfrm>
+            <a:off x="3024023" y="1587435"/>
+            <a:ext cx="2673441" cy="369332"/>
+          </a:xfrm>
+          <a:prstGeom prst="rect">
+            <a:avLst/>
+          </a:prstGeom>
+          <a:noFill/>
+        </p:spPr>
+        <p:txBody>
+          <a:bodyPr wrap="none" rtlCol="0">
+            <a:spAutoFit/>
+          </a:bodyPr>
+          <a:lstStyle/>
+          <a:p>
+            <a:r>
+              <a:rPr kumimoji="1" lang="zh-CN" altLang="en-US" dirty="0" smtClean="0"/>
+              <a:t>向</a:t>
+            </a:r>
+            <a:r>
+              <a:rPr kumimoji="1" lang="en-US" altLang="zh-CN" dirty="0" smtClean="0"/>
+              <a:t>/</a:t>
+            </a:r>
+            <a:r>
+              <a:rPr kumimoji="1" lang="en-US" altLang="zh-CN" dirty="0" err="1" smtClean="0"/>
+              <a:t>manageJob</a:t>
+            </a:r>
+            <a:r>
+              <a:rPr kumimoji="1" lang="zh-CN" altLang="en-US" dirty="0" smtClean="0"/>
+              <a:t>发送请求</a:t>
+            </a:r>
+            <a:r>
+              <a:rPr kumimoji="1" lang="en-US" altLang="zh-CN" dirty="0" smtClean="0"/>
+              <a:t>:</a:t>
+            </a:r>
+            <a:endParaRPr kumimoji="1" lang="zh-CN" altLang="en-US" dirty="0"/>
+          </a:p>
+        </p:txBody>
+      </p:sp>
+      <p:sp>
+        <p:nvSpPr>
+          <p:cNvPr id="6" name="文本框 5"/>
+          <p:cNvSpPr txBox="1"/>
+          <p:nvPr/>
+        </p:nvSpPr>
+        <p:spPr>
+          <a:xfrm>
+            <a:off x="3120520" y="1999302"/>
+            <a:ext cx="1608884" cy="369332"/>
+          </a:xfrm>
+          <a:prstGeom prst="rect">
+            <a:avLst/>
+          </a:prstGeom>
+          <a:noFill/>
+        </p:spPr>
+        <p:txBody>
+          <a:bodyPr wrap="none" rtlCol="0">
+            <a:spAutoFit/>
+          </a:bodyPr>
+          <a:lstStyle/>
+          <a:p>
+            <a:r>
+              <a:rPr kumimoji="1" lang="en-US" altLang="zh-CN" dirty="0" err="1" smtClean="0"/>
+              <a:t>manage:class</a:t>
+            </a:r>
+            <a:endParaRPr kumimoji="1" lang="zh-CN" altLang="en-US" dirty="0"/>
+          </a:p>
+        </p:txBody>
+      </p:sp>
+      <p:sp>
+        <p:nvSpPr>
+          <p:cNvPr id="7" name="文本框 6"/>
+          <p:cNvSpPr txBox="1"/>
+          <p:nvPr/>
+        </p:nvSpPr>
+        <p:spPr>
+          <a:xfrm>
+            <a:off x="1161264" y="2371200"/>
+            <a:ext cx="1762284" cy="369332"/>
+          </a:xfrm>
+          <a:prstGeom prst="rect">
+            <a:avLst/>
+          </a:prstGeom>
+          <a:noFill/>
+        </p:spPr>
+        <p:txBody>
+          <a:bodyPr wrap="none" rtlCol="0">
+            <a:spAutoFit/>
+          </a:bodyPr>
+          <a:lstStyle/>
+          <a:p>
+            <a:r>
+              <a:rPr kumimoji="1" lang="zh-CN" altLang="en-US" dirty="0" smtClean="0"/>
+              <a:t>返回</a:t>
+            </a:r>
+            <a:r>
+              <a:rPr kumimoji="1" lang="en-US" altLang="zh-CN" dirty="0" err="1" smtClean="0"/>
+              <a:t>json</a:t>
+            </a:r>
+            <a:r>
+              <a:rPr kumimoji="1" lang="zh-CN" altLang="en-US" dirty="0" smtClean="0"/>
+              <a:t>结构：</a:t>
+            </a:r>
+            <a:endParaRPr kumimoji="1" lang="zh-CN" altLang="en-US" dirty="0"/>
+          </a:p>
+        </p:txBody>
+      </p:sp>
+      <p:sp>
+        <p:nvSpPr>
+          <p:cNvPr id="8" name="矩形 7"/>
+          <p:cNvSpPr/>
+          <p:nvPr/>
+        </p:nvSpPr>
+        <p:spPr>
+          <a:xfrm>
+            <a:off x="2830204" y="2371200"/>
+            <a:ext cx="4733933" cy="923330"/>
+          </a:xfrm>
+          <a:prstGeom prst="rect">
+            <a:avLst/>
+          </a:prstGeom>
+        </p:spPr>
+        <p:txBody>
+          <a:bodyPr wrap="square">
+            <a:spAutoFit/>
+          </a:bodyPr>
+          <a:lstStyle/>
+          <a:p>
+            <a:r>
+              <a:rPr lang="en-US" altLang="zh-CN" dirty="0"/>
+              <a:t>{</a:t>
+            </a:r>
+          </a:p>
+          <a:p>
+            <a:r>
+              <a:rPr lang="en-US" altLang="zh-CN" dirty="0" smtClean="0"/>
+              <a:t>class: [</a:t>
+            </a:r>
+            <a:r>
+              <a:rPr lang="zh-CN" altLang="en-US" dirty="0" smtClean="0"/>
+              <a:t>会计</a:t>
+            </a:r>
+            <a:r>
+              <a:rPr lang="en-US" altLang="zh-CN" dirty="0" smtClean="0"/>
+              <a:t>,</a:t>
+            </a:r>
+            <a:r>
+              <a:rPr lang="zh-CN" altLang="en-US" dirty="0" smtClean="0"/>
+              <a:t>空调</a:t>
+            </a:r>
+            <a:r>
+              <a:rPr lang="zh-CN" altLang="en-US" dirty="0" smtClean="0"/>
+              <a:t>安装</a:t>
+            </a:r>
+            <a:r>
+              <a:rPr lang="en-US" altLang="zh-CN" dirty="0" smtClean="0"/>
+              <a:t>,</a:t>
+            </a:r>
+            <a:r>
+              <a:rPr lang="zh-CN" altLang="en-US" dirty="0" smtClean="0"/>
+              <a:t>仓库管理</a:t>
+            </a:r>
+            <a:r>
+              <a:rPr lang="en-US" altLang="zh-CN" dirty="0" smtClean="0"/>
+              <a:t>]</a:t>
+            </a:r>
+            <a:endParaRPr lang="en-US" altLang="zh-CN" dirty="0"/>
+          </a:p>
+          <a:p>
+            <a:r>
+              <a:rPr lang="en-US" altLang="zh-CN" dirty="0"/>
+              <a:t>}</a:t>
+            </a:r>
+            <a:endParaRPr lang="zh-CN" altLang="en-US" dirty="0"/>
+          </a:p>
+        </p:txBody>
+      </p:sp>
+      <p:sp>
+        <p:nvSpPr>
+          <p:cNvPr id="9" name="文本框 8"/>
+          <p:cNvSpPr txBox="1"/>
+          <p:nvPr/>
+        </p:nvSpPr>
+        <p:spPr>
+          <a:xfrm>
+            <a:off x="1327124" y="3604204"/>
+            <a:ext cx="4520100" cy="369332"/>
+          </a:xfrm>
+          <a:prstGeom prst="rect">
+            <a:avLst/>
+          </a:prstGeom>
+          <a:noFill/>
+        </p:spPr>
+        <p:txBody>
+          <a:bodyPr wrap="none" rtlCol="0">
+            <a:spAutoFit/>
+          </a:bodyPr>
+          <a:lstStyle/>
+          <a:p>
+            <a:r>
+              <a:rPr kumimoji="1" lang="zh-CN" altLang="en-US" dirty="0" smtClean="0"/>
+              <a:t>增加的确定按钮，向</a:t>
+            </a:r>
+            <a:r>
+              <a:rPr kumimoji="1" lang="en-US" altLang="zh-CN" dirty="0"/>
+              <a:t>/</a:t>
+            </a:r>
+            <a:r>
+              <a:rPr kumimoji="1" lang="en-US" altLang="zh-CN" dirty="0" err="1"/>
+              <a:t>manageJob</a:t>
+            </a:r>
+            <a:r>
+              <a:rPr kumimoji="1" lang="zh-CN" altLang="en-US" dirty="0"/>
+              <a:t>发送请求</a:t>
+            </a:r>
+            <a:r>
+              <a:rPr kumimoji="1" lang="en-US" altLang="zh-CN" dirty="0" smtClean="0"/>
+              <a:t>:</a:t>
+            </a:r>
+            <a:endParaRPr kumimoji="1" lang="zh-CN" altLang="en-US" dirty="0"/>
+          </a:p>
+        </p:txBody>
+      </p:sp>
+      <p:sp>
+        <p:nvSpPr>
+          <p:cNvPr id="10" name="文本框 9"/>
+          <p:cNvSpPr txBox="1"/>
+          <p:nvPr/>
+        </p:nvSpPr>
+        <p:spPr>
+          <a:xfrm>
+            <a:off x="2316078" y="3997041"/>
+            <a:ext cx="3161367" cy="369332"/>
+          </a:xfrm>
+          <a:prstGeom prst="rect">
+            <a:avLst/>
+          </a:prstGeom>
+          <a:noFill/>
+        </p:spPr>
+        <p:txBody>
+          <a:bodyPr wrap="none" rtlCol="0">
+            <a:spAutoFit/>
+          </a:bodyPr>
+          <a:lstStyle/>
+          <a:p>
+            <a:r>
+              <a:rPr kumimoji="1" lang="en-US" altLang="zh-CN" dirty="0" err="1" smtClean="0"/>
+              <a:t>manage:addclass</a:t>
+            </a:r>
+            <a:r>
+              <a:rPr kumimoji="1" lang="en-US" altLang="zh-CN" dirty="0" smtClean="0"/>
+              <a:t> </a:t>
+            </a:r>
+            <a:r>
+              <a:rPr kumimoji="1" lang="en-US" altLang="zh-CN" dirty="0" err="1" smtClean="0"/>
+              <a:t>name:xxxx</a:t>
+            </a:r>
+            <a:endParaRPr kumimoji="1" lang="zh-CN" altLang="en-US" dirty="0"/>
+          </a:p>
+        </p:txBody>
+      </p:sp>
+      <p:sp>
+        <p:nvSpPr>
+          <p:cNvPr id="11" name="文本框 10"/>
+          <p:cNvSpPr txBox="1"/>
+          <p:nvPr/>
+        </p:nvSpPr>
+        <p:spPr>
+          <a:xfrm>
+            <a:off x="2213111" y="4499856"/>
+            <a:ext cx="3173540" cy="369332"/>
+          </a:xfrm>
+          <a:prstGeom prst="rect">
+            <a:avLst/>
+          </a:prstGeom>
+          <a:noFill/>
+        </p:spPr>
+        <p:txBody>
+          <a:bodyPr wrap="none" rtlCol="0">
+            <a:spAutoFit/>
+          </a:bodyPr>
+          <a:lstStyle/>
+          <a:p>
+            <a:r>
+              <a:rPr kumimoji="1" lang="zh-CN" altLang="en-US" dirty="0"/>
+              <a:t>返回</a:t>
+            </a:r>
+            <a:r>
+              <a:rPr kumimoji="1" lang="en-US" altLang="zh-CN" dirty="0" err="1"/>
+              <a:t>json</a:t>
+            </a:r>
+            <a:r>
+              <a:rPr kumimoji="1" lang="zh-CN" altLang="en-US" dirty="0"/>
+              <a:t>结构</a:t>
+            </a:r>
+            <a:r>
+              <a:rPr kumimoji="1" lang="en-US" altLang="zh-CN" dirty="0"/>
+              <a:t>: </a:t>
+            </a:r>
+            <a:r>
+              <a:rPr kumimoji="1" lang="en-US" altLang="zh-CN" dirty="0" err="1"/>
+              <a:t>status:success</a:t>
+            </a:r>
+            <a:endParaRPr kumimoji="1" lang="zh-CN" altLang="en-US" dirty="0"/>
+          </a:p>
+        </p:txBody>
+      </p:sp>
+      <p:sp>
+        <p:nvSpPr>
+          <p:cNvPr id="12" name="文本框 11"/>
+          <p:cNvSpPr txBox="1"/>
+          <p:nvPr/>
+        </p:nvSpPr>
+        <p:spPr>
+          <a:xfrm>
+            <a:off x="1400819" y="5118193"/>
+            <a:ext cx="3827603" cy="369332"/>
+          </a:xfrm>
+          <a:prstGeom prst="rect">
+            <a:avLst/>
+          </a:prstGeom>
+          <a:noFill/>
+        </p:spPr>
+        <p:txBody>
+          <a:bodyPr wrap="none" rtlCol="0">
+            <a:spAutoFit/>
+          </a:bodyPr>
+          <a:lstStyle/>
+          <a:p>
+            <a:r>
+              <a:rPr kumimoji="1" lang="zh-CN" altLang="en-US" dirty="0" smtClean="0"/>
+              <a:t>删除按钮，向</a:t>
+            </a:r>
+            <a:r>
+              <a:rPr kumimoji="1" lang="en-US" altLang="zh-CN" dirty="0"/>
+              <a:t>/</a:t>
+            </a:r>
+            <a:r>
+              <a:rPr kumimoji="1" lang="en-US" altLang="zh-CN" dirty="0" err="1"/>
+              <a:t>manageJob</a:t>
+            </a:r>
+            <a:r>
+              <a:rPr kumimoji="1" lang="zh-CN" altLang="en-US" dirty="0"/>
+              <a:t>发送请求</a:t>
+            </a:r>
+            <a:r>
+              <a:rPr kumimoji="1" lang="en-US" altLang="zh-CN" dirty="0" smtClean="0"/>
+              <a:t>:</a:t>
+            </a:r>
+            <a:endParaRPr kumimoji="1" lang="zh-CN" altLang="en-US" dirty="0"/>
+          </a:p>
+        </p:txBody>
+      </p:sp>
+      <p:sp>
+        <p:nvSpPr>
+          <p:cNvPr id="13" name="文本框 12"/>
+          <p:cNvSpPr txBox="1"/>
+          <p:nvPr/>
+        </p:nvSpPr>
+        <p:spPr>
+          <a:xfrm>
+            <a:off x="2389773" y="5511030"/>
+            <a:ext cx="3533427" cy="369332"/>
+          </a:xfrm>
+          <a:prstGeom prst="rect">
+            <a:avLst/>
+          </a:prstGeom>
+          <a:noFill/>
+        </p:spPr>
+        <p:txBody>
+          <a:bodyPr wrap="none" rtlCol="0">
+            <a:spAutoFit/>
+          </a:bodyPr>
+          <a:lstStyle/>
+          <a:p>
+            <a:r>
+              <a:rPr kumimoji="1" lang="en-US" altLang="zh-CN" dirty="0" err="1" smtClean="0"/>
+              <a:t>manage:deleteclass</a:t>
+            </a:r>
+            <a:r>
+              <a:rPr kumimoji="1" lang="en-US" altLang="zh-CN" dirty="0" smtClean="0"/>
+              <a:t> </a:t>
+            </a:r>
+            <a:r>
+              <a:rPr kumimoji="1" lang="en-US" altLang="zh-CN" dirty="0" err="1" smtClean="0"/>
+              <a:t>name:xxxx</a:t>
+            </a:r>
+            <a:endParaRPr kumimoji="1" lang="zh-CN" altLang="en-US" dirty="0"/>
+          </a:p>
+        </p:txBody>
+      </p:sp>
+      <p:sp>
+        <p:nvSpPr>
+          <p:cNvPr id="14" name="文本框 13"/>
+          <p:cNvSpPr txBox="1"/>
+          <p:nvPr/>
+        </p:nvSpPr>
+        <p:spPr>
+          <a:xfrm>
+            <a:off x="2286806" y="6013845"/>
+            <a:ext cx="3173540" cy="369332"/>
+          </a:xfrm>
+          <a:prstGeom prst="rect">
+            <a:avLst/>
+          </a:prstGeom>
+          <a:noFill/>
+        </p:spPr>
+        <p:txBody>
+          <a:bodyPr wrap="none" rtlCol="0">
+            <a:spAutoFit/>
+          </a:bodyPr>
+          <a:lstStyle/>
+          <a:p>
+            <a:r>
+              <a:rPr kumimoji="1" lang="zh-CN" altLang="en-US" dirty="0"/>
+              <a:t>返回</a:t>
+            </a:r>
+            <a:r>
+              <a:rPr kumimoji="1" lang="en-US" altLang="zh-CN" dirty="0" err="1"/>
+              <a:t>json</a:t>
+            </a:r>
+            <a:r>
+              <a:rPr kumimoji="1" lang="zh-CN" altLang="en-US" dirty="0"/>
+              <a:t>结构</a:t>
+            </a:r>
+            <a:r>
+              <a:rPr kumimoji="1" lang="en-US" altLang="zh-CN" dirty="0"/>
+              <a:t>: </a:t>
+            </a:r>
+            <a:r>
+              <a:rPr kumimoji="1" lang="en-US" altLang="zh-CN" dirty="0" err="1"/>
+              <a:t>status:success</a:t>
+            </a:r>
+            <a:endParaRPr kumimoji="1" lang="zh-CN" altLang="en-US" dirty="0"/>
+          </a:p>
+        </p:txBody>
+      </p:sp>
+    </p:spTree>
+    <p:extLst>
+      <p:ext uri="{BB962C8B-B14F-4D97-AF65-F5344CB8AC3E}">
+        <p14:creationId xmlns:p14="http://schemas.microsoft.com/office/powerpoint/2010/main" val="2723605963"/>
+      </p:ext>
+    </p:extLst>
+  </p:cSld>
+  <p:clrMapOvr>
+    <a:masterClrMapping/>
+  </p:clrMapOvr>
+</p:sld>
+</file>
+
+<file path=ppt/slides/slide27.xml><?xml version="1.0" encoding="utf-8"?>
+<p:sld xmlns:a="http://schemas.openxmlformats.org/drawingml/2006/main" xmlns:r="http://schemas.openxmlformats.org/officeDocument/2006/relationships" xmlns:p="http://schemas.openxmlformats.org/presentationml/2006/main">
+  <p:cSld>
+    <p:spTree>
+      <p:nvGrpSpPr>
+        <p:cNvPr id="1" name=""/>
+        <p:cNvGrpSpPr/>
+        <p:nvPr/>
+      </p:nvGrpSpPr>
+      <p:grpSpPr>
+        <a:xfrm>
+          <a:off x="0" y="0"/>
+          <a:ext cx="0" cy="0"/>
+          <a:chOff x="0" y="0"/>
+          <a:chExt cx="0" cy="0"/>
+        </a:xfrm>
+      </p:grpSpPr>
+      <p:sp>
+        <p:nvSpPr>
+          <p:cNvPr id="2" name="标题 1"/>
+          <p:cNvSpPr>
+            <a:spLocks noGrp="1"/>
+          </p:cNvSpPr>
+          <p:nvPr>
+            <p:ph type="title"/>
+          </p:nvPr>
+        </p:nvSpPr>
+        <p:spPr/>
+        <p:txBody>
+          <a:bodyPr/>
+          <a:lstStyle/>
+          <a:p>
+            <a:r>
+              <a:rPr kumimoji="1" lang="zh-CN" altLang="en-US" dirty="0"/>
+              <a:t>四、人才招聘</a:t>
+            </a:r>
+          </a:p>
+        </p:txBody>
+      </p:sp>
+      <p:sp>
+        <p:nvSpPr>
+          <p:cNvPr id="3" name="文本框 2"/>
+          <p:cNvSpPr txBox="1"/>
+          <p:nvPr/>
+        </p:nvSpPr>
+        <p:spPr>
+          <a:xfrm>
+            <a:off x="1526667" y="1792251"/>
+            <a:ext cx="4520100" cy="369332"/>
+          </a:xfrm>
+          <a:prstGeom prst="rect">
+            <a:avLst/>
+          </a:prstGeom>
+          <a:noFill/>
+        </p:spPr>
+        <p:txBody>
+          <a:bodyPr wrap="none" rtlCol="0">
+            <a:spAutoFit/>
+          </a:bodyPr>
+          <a:lstStyle/>
+          <a:p>
+            <a:r>
+              <a:rPr kumimoji="1" lang="zh-CN" altLang="en-US" dirty="0" smtClean="0"/>
+              <a:t>编辑的确定按钮，向</a:t>
+            </a:r>
+            <a:r>
+              <a:rPr kumimoji="1" lang="en-US" altLang="zh-CN" dirty="0"/>
+              <a:t>/</a:t>
+            </a:r>
+            <a:r>
+              <a:rPr kumimoji="1" lang="en-US" altLang="zh-CN" dirty="0" err="1"/>
+              <a:t>manageJob</a:t>
+            </a:r>
+            <a:r>
+              <a:rPr kumimoji="1" lang="zh-CN" altLang="en-US" dirty="0"/>
+              <a:t>发送请求</a:t>
+            </a:r>
+            <a:r>
+              <a:rPr kumimoji="1" lang="en-US" altLang="zh-CN" dirty="0" smtClean="0"/>
+              <a:t>:</a:t>
+            </a:r>
+            <a:endParaRPr kumimoji="1" lang="zh-CN" altLang="en-US" dirty="0"/>
+          </a:p>
+        </p:txBody>
+      </p:sp>
+      <p:sp>
+        <p:nvSpPr>
+          <p:cNvPr id="4" name="文本框 3"/>
+          <p:cNvSpPr txBox="1"/>
+          <p:nvPr/>
+        </p:nvSpPr>
+        <p:spPr>
+          <a:xfrm>
+            <a:off x="2160959" y="2314131"/>
+            <a:ext cx="5175515" cy="369332"/>
+          </a:xfrm>
+          <a:prstGeom prst="rect">
+            <a:avLst/>
+          </a:prstGeom>
+          <a:noFill/>
+        </p:spPr>
+        <p:txBody>
+          <a:bodyPr wrap="none" rtlCol="0">
+            <a:spAutoFit/>
+          </a:bodyPr>
+          <a:lstStyle/>
+          <a:p>
+            <a:r>
+              <a:rPr kumimoji="1" lang="en-US" altLang="zh-CN" dirty="0" err="1" smtClean="0"/>
+              <a:t>manage:editclass</a:t>
+            </a:r>
+            <a:r>
+              <a:rPr kumimoji="1" lang="en-US" altLang="zh-CN" dirty="0" smtClean="0"/>
+              <a:t> </a:t>
+            </a:r>
+            <a:r>
+              <a:rPr kumimoji="1" lang="en-US" altLang="zh-CN" dirty="0" err="1" smtClean="0"/>
+              <a:t>oldname:xxxx</a:t>
+            </a:r>
+            <a:r>
+              <a:rPr kumimoji="1" lang="en-US" altLang="zh-CN" dirty="0" smtClean="0"/>
+              <a:t>   </a:t>
+            </a:r>
+            <a:r>
+              <a:rPr kumimoji="1" lang="en-US" altLang="zh-CN" dirty="0" err="1" smtClean="0"/>
+              <a:t>new</a:t>
+            </a:r>
+            <a:r>
+              <a:rPr kumimoji="1" lang="en-US" altLang="zh-CN" dirty="0" err="1" smtClean="0"/>
+              <a:t>name:xxxx</a:t>
+            </a:r>
+            <a:endParaRPr kumimoji="1" lang="zh-CN" altLang="en-US" dirty="0"/>
+          </a:p>
+        </p:txBody>
+      </p:sp>
+      <p:sp>
+        <p:nvSpPr>
+          <p:cNvPr id="5" name="文本框 4"/>
+          <p:cNvSpPr txBox="1"/>
+          <p:nvPr/>
+        </p:nvSpPr>
+        <p:spPr>
+          <a:xfrm>
+            <a:off x="2618587" y="2891797"/>
+            <a:ext cx="3173540" cy="369332"/>
+          </a:xfrm>
+          <a:prstGeom prst="rect">
+            <a:avLst/>
+          </a:prstGeom>
+          <a:noFill/>
+        </p:spPr>
+        <p:txBody>
+          <a:bodyPr wrap="none" rtlCol="0">
+            <a:spAutoFit/>
+          </a:bodyPr>
+          <a:lstStyle/>
+          <a:p>
+            <a:r>
+              <a:rPr kumimoji="1" lang="zh-CN" altLang="en-US" dirty="0"/>
+              <a:t>返回</a:t>
+            </a:r>
+            <a:r>
+              <a:rPr kumimoji="1" lang="en-US" altLang="zh-CN" dirty="0" err="1"/>
+              <a:t>json</a:t>
+            </a:r>
+            <a:r>
+              <a:rPr kumimoji="1" lang="zh-CN" altLang="en-US" dirty="0"/>
+              <a:t>结构</a:t>
+            </a:r>
+            <a:r>
+              <a:rPr kumimoji="1" lang="en-US" altLang="zh-CN" dirty="0"/>
+              <a:t>: </a:t>
+            </a:r>
+            <a:r>
+              <a:rPr kumimoji="1" lang="en-US" altLang="zh-CN" dirty="0" err="1"/>
+              <a:t>status:success</a:t>
+            </a:r>
+            <a:endParaRPr kumimoji="1" lang="zh-CN" altLang="en-US" dirty="0"/>
+          </a:p>
+        </p:txBody>
+      </p:sp>
+      <p:sp>
+        <p:nvSpPr>
+          <p:cNvPr id="7" name="文本框 6"/>
+          <p:cNvSpPr txBox="1"/>
+          <p:nvPr/>
+        </p:nvSpPr>
+        <p:spPr>
+          <a:xfrm>
+            <a:off x="1526667" y="3460177"/>
+            <a:ext cx="646331" cy="369332"/>
+          </a:xfrm>
+          <a:prstGeom prst="rect">
+            <a:avLst/>
+          </a:prstGeom>
+          <a:noFill/>
+        </p:spPr>
+        <p:txBody>
+          <a:bodyPr wrap="none" rtlCol="0">
+            <a:spAutoFit/>
+          </a:bodyPr>
+          <a:lstStyle/>
+          <a:p>
+            <a:r>
+              <a:rPr kumimoji="1" lang="zh-CN" altLang="en-US" dirty="0" smtClean="0"/>
+              <a:t>点击</a:t>
+            </a:r>
+            <a:endParaRPr kumimoji="1" lang="zh-CN" altLang="en-US" dirty="0"/>
+          </a:p>
+        </p:txBody>
+      </p:sp>
+      <p:pic>
+        <p:nvPicPr>
+          <p:cNvPr id="8" name="图片 7"/>
+          <p:cNvPicPr>
+            <a:picLocks noChangeAspect="1"/>
+          </p:cNvPicPr>
+          <p:nvPr/>
+        </p:nvPicPr>
+        <p:blipFill>
+          <a:blip r:embed="rId2"/>
+          <a:stretch>
+            <a:fillRect/>
+          </a:stretch>
+        </p:blipFill>
+        <p:spPr>
+          <a:xfrm>
+            <a:off x="2157633" y="3474981"/>
+            <a:ext cx="1028700" cy="330200"/>
+          </a:xfrm>
+          <a:prstGeom prst="rect">
+            <a:avLst/>
+          </a:prstGeom>
+        </p:spPr>
+      </p:pic>
+      <p:sp>
+        <p:nvSpPr>
+          <p:cNvPr id="9" name="文本框 8"/>
+          <p:cNvSpPr txBox="1"/>
+          <p:nvPr/>
+        </p:nvSpPr>
+        <p:spPr>
+          <a:xfrm>
+            <a:off x="3118686" y="3467183"/>
+            <a:ext cx="2673441" cy="369332"/>
+          </a:xfrm>
+          <a:prstGeom prst="rect">
+            <a:avLst/>
+          </a:prstGeom>
+          <a:noFill/>
+        </p:spPr>
+        <p:txBody>
+          <a:bodyPr wrap="none" rtlCol="0">
+            <a:spAutoFit/>
+          </a:bodyPr>
+          <a:lstStyle/>
+          <a:p>
+            <a:r>
+              <a:rPr kumimoji="1" lang="zh-CN" altLang="en-US" dirty="0" smtClean="0"/>
+              <a:t>向</a:t>
+            </a:r>
+            <a:r>
+              <a:rPr kumimoji="1" lang="en-US" altLang="zh-CN" dirty="0" smtClean="0"/>
+              <a:t>/</a:t>
+            </a:r>
+            <a:r>
+              <a:rPr kumimoji="1" lang="en-US" altLang="zh-CN" dirty="0" err="1" smtClean="0"/>
+              <a:t>manageJob</a:t>
+            </a:r>
+            <a:r>
+              <a:rPr kumimoji="1" lang="zh-CN" altLang="en-US" dirty="0" smtClean="0"/>
+              <a:t>发送请求</a:t>
+            </a:r>
+            <a:r>
+              <a:rPr kumimoji="1" lang="en-US" altLang="zh-CN" dirty="0" smtClean="0"/>
+              <a:t>:</a:t>
+            </a:r>
+            <a:endParaRPr kumimoji="1" lang="zh-CN" altLang="en-US" dirty="0"/>
+          </a:p>
+        </p:txBody>
+      </p:sp>
+      <p:sp>
+        <p:nvSpPr>
+          <p:cNvPr id="10" name="文本框 9"/>
+          <p:cNvSpPr txBox="1"/>
+          <p:nvPr/>
+        </p:nvSpPr>
+        <p:spPr>
+          <a:xfrm>
+            <a:off x="3375353" y="3879290"/>
+            <a:ext cx="1608884" cy="369332"/>
+          </a:xfrm>
+          <a:prstGeom prst="rect">
+            <a:avLst/>
+          </a:prstGeom>
+          <a:noFill/>
+        </p:spPr>
+        <p:txBody>
+          <a:bodyPr wrap="none" rtlCol="0">
+            <a:spAutoFit/>
+          </a:bodyPr>
+          <a:lstStyle/>
+          <a:p>
+            <a:r>
+              <a:rPr kumimoji="1" lang="en-US" altLang="zh-CN" dirty="0" err="1" smtClean="0"/>
+              <a:t>manage:class</a:t>
+            </a:r>
+            <a:endParaRPr kumimoji="1" lang="zh-CN" altLang="en-US" dirty="0"/>
+          </a:p>
+        </p:txBody>
+      </p:sp>
+      <p:sp>
+        <p:nvSpPr>
+          <p:cNvPr id="11" name="文本框 10"/>
+          <p:cNvSpPr txBox="1"/>
+          <p:nvPr/>
+        </p:nvSpPr>
+        <p:spPr>
+          <a:xfrm>
+            <a:off x="1349271" y="4331041"/>
+            <a:ext cx="1762284" cy="369332"/>
+          </a:xfrm>
+          <a:prstGeom prst="rect">
+            <a:avLst/>
+          </a:prstGeom>
+          <a:noFill/>
+        </p:spPr>
+        <p:txBody>
+          <a:bodyPr wrap="none" rtlCol="0">
+            <a:spAutoFit/>
+          </a:bodyPr>
+          <a:lstStyle/>
+          <a:p>
+            <a:r>
+              <a:rPr kumimoji="1" lang="zh-CN" altLang="en-US" dirty="0" smtClean="0"/>
+              <a:t>返回</a:t>
+            </a:r>
+            <a:r>
+              <a:rPr kumimoji="1" lang="en-US" altLang="zh-CN" dirty="0" err="1" smtClean="0"/>
+              <a:t>json</a:t>
+            </a:r>
+            <a:r>
+              <a:rPr kumimoji="1" lang="zh-CN" altLang="en-US" dirty="0" smtClean="0"/>
+              <a:t>结构：</a:t>
+            </a:r>
+            <a:endParaRPr kumimoji="1" lang="zh-CN" altLang="en-US" dirty="0"/>
+          </a:p>
+        </p:txBody>
+      </p:sp>
+      <p:sp>
+        <p:nvSpPr>
+          <p:cNvPr id="12" name="矩形 11"/>
+          <p:cNvSpPr/>
+          <p:nvPr/>
+        </p:nvSpPr>
+        <p:spPr>
+          <a:xfrm>
+            <a:off x="3018211" y="4331041"/>
+            <a:ext cx="4733933" cy="923330"/>
+          </a:xfrm>
+          <a:prstGeom prst="rect">
+            <a:avLst/>
+          </a:prstGeom>
+        </p:spPr>
+        <p:txBody>
+          <a:bodyPr wrap="square">
+            <a:spAutoFit/>
+          </a:bodyPr>
+          <a:lstStyle/>
+          <a:p>
+            <a:r>
+              <a:rPr lang="en-US" altLang="zh-CN" dirty="0"/>
+              <a:t>{</a:t>
+            </a:r>
+          </a:p>
+          <a:p>
+            <a:r>
+              <a:rPr lang="en-US" altLang="zh-CN" dirty="0" smtClean="0"/>
+              <a:t>class: [</a:t>
+            </a:r>
+            <a:r>
+              <a:rPr lang="zh-CN" altLang="en-US" dirty="0" smtClean="0"/>
+              <a:t>会计</a:t>
+            </a:r>
+            <a:r>
+              <a:rPr lang="en-US" altLang="zh-CN" dirty="0" smtClean="0"/>
+              <a:t>,</a:t>
+            </a:r>
+            <a:r>
+              <a:rPr lang="zh-CN" altLang="en-US" dirty="0" smtClean="0"/>
+              <a:t>空调</a:t>
+            </a:r>
+            <a:r>
+              <a:rPr lang="zh-CN" altLang="en-US" dirty="0" smtClean="0"/>
+              <a:t>安装</a:t>
+            </a:r>
+            <a:r>
+              <a:rPr lang="en-US" altLang="zh-CN" dirty="0" smtClean="0"/>
+              <a:t>,</a:t>
+            </a:r>
+            <a:r>
+              <a:rPr lang="zh-CN" altLang="en-US" dirty="0" smtClean="0"/>
+              <a:t>仓库管理</a:t>
+            </a:r>
+            <a:r>
+              <a:rPr lang="en-US" altLang="zh-CN" dirty="0" smtClean="0"/>
+              <a:t>]</a:t>
+            </a:r>
+            <a:endParaRPr lang="en-US" altLang="zh-CN" dirty="0"/>
+          </a:p>
+          <a:p>
+            <a:r>
+              <a:rPr lang="en-US" altLang="zh-CN" dirty="0"/>
+              <a:t>}</a:t>
+            </a:r>
+            <a:endParaRPr lang="zh-CN" altLang="en-US" dirty="0"/>
+          </a:p>
+        </p:txBody>
+      </p:sp>
+      <p:sp>
+        <p:nvSpPr>
+          <p:cNvPr id="13" name="文本框 12"/>
+          <p:cNvSpPr txBox="1"/>
+          <p:nvPr/>
+        </p:nvSpPr>
+        <p:spPr>
+          <a:xfrm>
+            <a:off x="2058596" y="5457795"/>
+            <a:ext cx="4289268" cy="369332"/>
+          </a:xfrm>
+          <a:prstGeom prst="rect">
+            <a:avLst/>
+          </a:prstGeom>
+          <a:noFill/>
+        </p:spPr>
+        <p:txBody>
+          <a:bodyPr wrap="none" rtlCol="0">
+            <a:spAutoFit/>
+          </a:bodyPr>
+          <a:lstStyle/>
+          <a:p>
+            <a:r>
+              <a:rPr kumimoji="1" lang="zh-CN" altLang="en-US" dirty="0" smtClean="0"/>
+              <a:t>选择某个工种，</a:t>
+            </a:r>
+            <a:r>
+              <a:rPr kumimoji="1" lang="zh-CN" altLang="en-US" dirty="0" smtClean="0"/>
+              <a:t>向</a:t>
+            </a:r>
+            <a:r>
+              <a:rPr kumimoji="1" lang="en-US" altLang="zh-CN" dirty="0"/>
+              <a:t>/</a:t>
+            </a:r>
+            <a:r>
+              <a:rPr kumimoji="1" lang="en-US" altLang="zh-CN" dirty="0" err="1"/>
+              <a:t>manageJob</a:t>
+            </a:r>
+            <a:r>
+              <a:rPr kumimoji="1" lang="zh-CN" altLang="en-US" dirty="0"/>
+              <a:t>发送请求</a:t>
+            </a:r>
+            <a:r>
+              <a:rPr kumimoji="1" lang="en-US" altLang="zh-CN" dirty="0"/>
+              <a:t>:</a:t>
+            </a:r>
+            <a:endParaRPr kumimoji="1" lang="zh-CN" altLang="en-US" dirty="0"/>
+          </a:p>
+        </p:txBody>
+      </p:sp>
+      <p:sp>
+        <p:nvSpPr>
+          <p:cNvPr id="14" name="文本框 13"/>
+          <p:cNvSpPr txBox="1"/>
+          <p:nvPr/>
+        </p:nvSpPr>
+        <p:spPr>
+          <a:xfrm>
+            <a:off x="3432636" y="5942490"/>
+            <a:ext cx="2763610" cy="369332"/>
+          </a:xfrm>
+          <a:prstGeom prst="rect">
+            <a:avLst/>
+          </a:prstGeom>
+          <a:noFill/>
+        </p:spPr>
+        <p:txBody>
+          <a:bodyPr wrap="none" rtlCol="0">
+            <a:spAutoFit/>
+          </a:bodyPr>
+          <a:lstStyle/>
+          <a:p>
+            <a:r>
+              <a:rPr kumimoji="1" lang="en-US" altLang="zh-CN" dirty="0" err="1" smtClean="0"/>
+              <a:t>manage:get</a:t>
+            </a:r>
+            <a:r>
+              <a:rPr kumimoji="1" lang="en-US" altLang="zh-CN" dirty="0" smtClean="0"/>
+              <a:t>    </a:t>
+            </a:r>
+            <a:r>
+              <a:rPr kumimoji="1" lang="en-US" altLang="zh-CN" dirty="0" err="1" smtClean="0"/>
+              <a:t>name:xxxx</a:t>
+            </a:r>
+            <a:endParaRPr kumimoji="1" lang="zh-CN" altLang="en-US" dirty="0"/>
+          </a:p>
+        </p:txBody>
+      </p:sp>
+      <p:sp>
+        <p:nvSpPr>
+          <p:cNvPr id="15" name="文本框 14"/>
+          <p:cNvSpPr txBox="1"/>
+          <p:nvPr/>
+        </p:nvSpPr>
+        <p:spPr>
+          <a:xfrm>
+            <a:off x="3174324" y="6465784"/>
+            <a:ext cx="2903935" cy="369332"/>
+          </a:xfrm>
+          <a:prstGeom prst="rect">
+            <a:avLst/>
+          </a:prstGeom>
+          <a:noFill/>
+        </p:spPr>
+        <p:txBody>
+          <a:bodyPr wrap="none" rtlCol="0">
+            <a:spAutoFit/>
+          </a:bodyPr>
+          <a:lstStyle/>
+          <a:p>
+            <a:r>
+              <a:rPr kumimoji="1" lang="zh-CN" altLang="en-US" dirty="0"/>
+              <a:t>返回</a:t>
+            </a:r>
+            <a:r>
+              <a:rPr kumimoji="1" lang="en-US" altLang="zh-CN" dirty="0" err="1"/>
+              <a:t>json</a:t>
+            </a:r>
+            <a:r>
+              <a:rPr kumimoji="1" lang="zh-CN" altLang="en-US" dirty="0"/>
+              <a:t>结构</a:t>
+            </a:r>
+            <a:r>
+              <a:rPr kumimoji="1" lang="en-US" altLang="zh-CN" dirty="0"/>
+              <a:t>: </a:t>
+            </a:r>
+            <a:r>
+              <a:rPr kumimoji="1" lang="en-US" altLang="zh-CN" dirty="0" err="1" smtClean="0"/>
+              <a:t>info:xxxxxxx</a:t>
+            </a:r>
+            <a:endParaRPr kumimoji="1" lang="zh-CN" altLang="en-US" dirty="0"/>
+          </a:p>
+        </p:txBody>
+      </p:sp>
+    </p:spTree>
+    <p:extLst>
+      <p:ext uri="{BB962C8B-B14F-4D97-AF65-F5344CB8AC3E}">
+        <p14:creationId xmlns:p14="http://schemas.microsoft.com/office/powerpoint/2010/main" val="2447441658"/>
+      </p:ext>
+    </p:extLst>
+  </p:cSld>
+  <p:clrMapOvr>
+    <a:masterClrMapping/>
+  </p:clrMapOvr>
+</p:sld>
+</file>
+
+<file path=ppt/slides/slide28.xml><?xml version="1.0" encoding="utf-8"?>
+<p:sld xmlns:a="http://schemas.openxmlformats.org/drawingml/2006/main" xmlns:r="http://schemas.openxmlformats.org/officeDocument/2006/relationships" xmlns:p="http://schemas.openxmlformats.org/presentationml/2006/main">
+  <p:cSld>
+    <p:spTree>
+      <p:nvGrpSpPr>
+        <p:cNvPr id="1" name=""/>
+        <p:cNvGrpSpPr/>
+        <p:nvPr/>
+      </p:nvGrpSpPr>
+      <p:grpSpPr>
+        <a:xfrm>
+          <a:off x="0" y="0"/>
+          <a:ext cx="0" cy="0"/>
+          <a:chOff x="0" y="0"/>
+          <a:chExt cx="0" cy="0"/>
+        </a:xfrm>
+      </p:grpSpPr>
+      <p:sp>
+        <p:nvSpPr>
+          <p:cNvPr id="2" name="标题 1"/>
+          <p:cNvSpPr>
+            <a:spLocks noGrp="1"/>
+          </p:cNvSpPr>
+          <p:nvPr>
+            <p:ph type="title"/>
+          </p:nvPr>
+        </p:nvSpPr>
+        <p:spPr/>
+        <p:txBody>
+          <a:bodyPr/>
+          <a:lstStyle/>
+          <a:p>
+            <a:r>
+              <a:rPr kumimoji="1" lang="zh-CN" altLang="en-US" dirty="0"/>
+              <a:t>四、人才招聘</a:t>
+            </a:r>
+          </a:p>
+        </p:txBody>
+      </p:sp>
+      <p:pic>
+        <p:nvPicPr>
+          <p:cNvPr id="3" name="图片 2"/>
+          <p:cNvPicPr>
+            <a:picLocks noChangeAspect="1"/>
+          </p:cNvPicPr>
+          <p:nvPr/>
+        </p:nvPicPr>
+        <p:blipFill>
+          <a:blip r:embed="rId2"/>
+          <a:stretch>
+            <a:fillRect/>
+          </a:stretch>
+        </p:blipFill>
+        <p:spPr>
+          <a:xfrm>
+            <a:off x="685744" y="1524000"/>
+            <a:ext cx="2235200" cy="444500"/>
+          </a:xfrm>
+          <a:prstGeom prst="rect">
+            <a:avLst/>
+          </a:prstGeom>
+        </p:spPr>
+      </p:pic>
+      <p:sp>
+        <p:nvSpPr>
+          <p:cNvPr id="4" name="矩形 3"/>
+          <p:cNvSpPr/>
+          <p:nvPr/>
+        </p:nvSpPr>
+        <p:spPr>
+          <a:xfrm>
+            <a:off x="4564850" y="1572972"/>
+            <a:ext cx="800850" cy="363917"/>
+          </a:xfrm>
+          <a:prstGeom prst="rect">
+            <a:avLst/>
+          </a:prstGeom>
+        </p:spPr>
+        <p:style>
+          <a:lnRef idx="2">
+            <a:schemeClr val="dk1"/>
+          </a:lnRef>
+          <a:fillRef idx="1">
+            <a:schemeClr val="lt1"/>
+          </a:fillRef>
+          <a:effectRef idx="0">
+            <a:schemeClr val="dk1"/>
+          </a:effectRef>
+          <a:fontRef idx="minor">
+            <a:schemeClr val="dk1"/>
+          </a:fontRef>
+        </p:style>
+        <p:txBody>
+          <a:bodyPr rtlCol="0" anchor="ctr"/>
+          <a:lstStyle/>
+          <a:p>
+            <a:pPr algn="ctr"/>
+            <a:r>
+              <a:rPr kumimoji="1" lang="zh-CN" altLang="en-US" dirty="0" smtClean="0"/>
+              <a:t>编辑</a:t>
+            </a:r>
+            <a:endParaRPr kumimoji="1" lang="zh-CN" altLang="en-US" dirty="0"/>
+          </a:p>
+        </p:txBody>
+      </p:sp>
+      <p:sp>
+        <p:nvSpPr>
+          <p:cNvPr id="6" name="矩形 5"/>
+          <p:cNvSpPr/>
+          <p:nvPr/>
+        </p:nvSpPr>
+        <p:spPr>
+          <a:xfrm>
+            <a:off x="1707155" y="2406160"/>
+            <a:ext cx="3761512" cy="2031325"/>
+          </a:xfrm>
+          <a:prstGeom prst="rect">
+            <a:avLst/>
+          </a:prstGeom>
+        </p:spPr>
+        <p:txBody>
+          <a:bodyPr wrap="square">
+            <a:spAutoFit/>
+          </a:bodyPr>
+          <a:lstStyle/>
+          <a:p>
+            <a:r>
+              <a:rPr lang="zh-CN" altLang="en-US" dirty="0"/>
+              <a:t>职业名称	</a:t>
+            </a:r>
+            <a:r>
+              <a:rPr lang="zh-CN" altLang="en-US" dirty="0" smtClean="0"/>
+              <a:t>空调安装师</a:t>
+            </a:r>
+            <a:endParaRPr lang="en-US" altLang="zh-CN" dirty="0" smtClean="0"/>
+          </a:p>
+          <a:p>
+            <a:r>
+              <a:rPr lang="zh-CN" altLang="en-US" dirty="0" smtClean="0"/>
+              <a:t>职业类型</a:t>
+            </a:r>
+            <a:r>
+              <a:rPr lang="zh-CN" altLang="en-US" dirty="0"/>
+              <a:t>	全职	</a:t>
+            </a:r>
+            <a:endParaRPr lang="en-US" altLang="zh-CN" dirty="0" smtClean="0"/>
+          </a:p>
+          <a:p>
+            <a:r>
+              <a:rPr lang="zh-CN" altLang="en-US" dirty="0" smtClean="0"/>
+              <a:t>工作经验</a:t>
+            </a:r>
+            <a:r>
+              <a:rPr lang="zh-CN" altLang="en-US" dirty="0"/>
+              <a:t>	</a:t>
+            </a:r>
+            <a:r>
+              <a:rPr lang="en-US" altLang="zh-CN" dirty="0"/>
+              <a:t>2</a:t>
+            </a:r>
+            <a:r>
+              <a:rPr lang="zh-CN" altLang="en-US" dirty="0"/>
+              <a:t>年	</a:t>
+            </a:r>
+            <a:endParaRPr lang="en-US" altLang="zh-CN" dirty="0" smtClean="0"/>
+          </a:p>
+          <a:p>
+            <a:r>
+              <a:rPr lang="zh-CN" altLang="en-US" dirty="0" smtClean="0"/>
+              <a:t>学历</a:t>
+            </a:r>
+            <a:r>
+              <a:rPr lang="zh-CN" altLang="en-US" dirty="0"/>
+              <a:t>要求	</a:t>
+            </a:r>
+            <a:r>
+              <a:rPr lang="zh-CN" altLang="en-US" dirty="0" smtClean="0"/>
+              <a:t>初中毕业</a:t>
+            </a:r>
+            <a:endParaRPr lang="en-US" altLang="zh-CN" dirty="0" smtClean="0"/>
+          </a:p>
+          <a:p>
+            <a:r>
+              <a:rPr lang="zh-CN" altLang="en-US" dirty="0" smtClean="0"/>
+              <a:t>工作</a:t>
+            </a:r>
+            <a:r>
+              <a:rPr lang="zh-CN" altLang="en-US" dirty="0"/>
+              <a:t>地区	广东	</a:t>
+            </a:r>
+            <a:endParaRPr lang="en-US" altLang="zh-CN" dirty="0" smtClean="0"/>
+          </a:p>
+          <a:p>
+            <a:r>
+              <a:rPr lang="zh-CN" altLang="en-US" dirty="0" smtClean="0"/>
+              <a:t>招聘</a:t>
+            </a:r>
+            <a:r>
+              <a:rPr lang="zh-CN" altLang="en-US" dirty="0"/>
+              <a:t>人数	</a:t>
+            </a:r>
+            <a:r>
+              <a:rPr lang="en-US" altLang="zh-CN" dirty="0"/>
+              <a:t>20	</a:t>
+            </a:r>
+            <a:endParaRPr lang="en-US" altLang="zh-CN" dirty="0" smtClean="0"/>
+          </a:p>
+          <a:p>
+            <a:r>
+              <a:rPr lang="zh-CN" altLang="en-US" dirty="0" smtClean="0"/>
+              <a:t>月</a:t>
+            </a:r>
+            <a:r>
+              <a:rPr lang="zh-CN" altLang="en-US" dirty="0"/>
+              <a:t>薪	</a:t>
+            </a:r>
+            <a:r>
+              <a:rPr lang="en-US" altLang="zh-CN" dirty="0" smtClean="0"/>
+              <a:t>              </a:t>
+            </a:r>
+            <a:r>
+              <a:rPr lang="zh-CN" altLang="en-US" dirty="0" smtClean="0"/>
+              <a:t>面谈</a:t>
+            </a:r>
+            <a:endParaRPr lang="zh-CN" altLang="en-US" dirty="0"/>
+          </a:p>
+        </p:txBody>
+      </p:sp>
+      <p:sp>
+        <p:nvSpPr>
+          <p:cNvPr id="7" name="文本框 6"/>
+          <p:cNvSpPr txBox="1"/>
+          <p:nvPr/>
+        </p:nvSpPr>
+        <p:spPr>
+          <a:xfrm>
+            <a:off x="1788991" y="4934501"/>
+            <a:ext cx="4058435" cy="369332"/>
+          </a:xfrm>
+          <a:prstGeom prst="rect">
+            <a:avLst/>
+          </a:prstGeom>
+          <a:noFill/>
+        </p:spPr>
+        <p:txBody>
+          <a:bodyPr wrap="none" rtlCol="0">
+            <a:spAutoFit/>
+          </a:bodyPr>
+          <a:lstStyle/>
+          <a:p>
+            <a:r>
+              <a:rPr kumimoji="1" lang="zh-CN" altLang="en-US" dirty="0" smtClean="0"/>
+              <a:t>编辑后保存，</a:t>
+            </a:r>
+            <a:r>
+              <a:rPr kumimoji="1" lang="zh-CN" altLang="en-US" dirty="0" smtClean="0"/>
+              <a:t>向</a:t>
+            </a:r>
+            <a:r>
+              <a:rPr kumimoji="1" lang="en-US" altLang="zh-CN" dirty="0"/>
+              <a:t>/</a:t>
+            </a:r>
+            <a:r>
+              <a:rPr kumimoji="1" lang="en-US" altLang="zh-CN" dirty="0" err="1"/>
+              <a:t>manageJob</a:t>
+            </a:r>
+            <a:r>
+              <a:rPr kumimoji="1" lang="zh-CN" altLang="en-US" dirty="0"/>
+              <a:t>发送请求</a:t>
+            </a:r>
+            <a:r>
+              <a:rPr kumimoji="1" lang="en-US" altLang="zh-CN" dirty="0"/>
+              <a:t>:</a:t>
+            </a:r>
+            <a:endParaRPr kumimoji="1" lang="zh-CN" altLang="en-US" dirty="0"/>
+          </a:p>
+        </p:txBody>
+      </p:sp>
+      <p:sp>
+        <p:nvSpPr>
+          <p:cNvPr id="8" name="文本框 7"/>
+          <p:cNvSpPr txBox="1"/>
+          <p:nvPr/>
+        </p:nvSpPr>
+        <p:spPr>
+          <a:xfrm>
+            <a:off x="2819809" y="5449248"/>
+            <a:ext cx="3930219" cy="646331"/>
+          </a:xfrm>
+          <a:prstGeom prst="rect">
+            <a:avLst/>
+          </a:prstGeom>
+          <a:noFill/>
+        </p:spPr>
+        <p:txBody>
+          <a:bodyPr wrap="square" rtlCol="0">
+            <a:spAutoFit/>
+          </a:bodyPr>
+          <a:lstStyle/>
+          <a:p>
+            <a:r>
+              <a:rPr kumimoji="1" lang="en-US" altLang="zh-CN" dirty="0" err="1" smtClean="0"/>
+              <a:t>manage:edit</a:t>
+            </a:r>
+            <a:r>
+              <a:rPr kumimoji="1" lang="en-US" altLang="zh-CN" dirty="0" smtClean="0"/>
+              <a:t>    </a:t>
+            </a:r>
+            <a:r>
+              <a:rPr kumimoji="1" lang="en-US" altLang="zh-CN" dirty="0" err="1" smtClean="0"/>
+              <a:t>name:xxxx</a:t>
+            </a:r>
+            <a:r>
+              <a:rPr kumimoji="1" lang="en-US" altLang="zh-CN" dirty="0" smtClean="0"/>
+              <a:t> </a:t>
+            </a:r>
+            <a:r>
+              <a:rPr kumimoji="1" lang="en-US" altLang="zh-CN" dirty="0" err="1" smtClean="0"/>
+              <a:t>content:xxx</a:t>
+            </a:r>
+            <a:endParaRPr kumimoji="1" lang="zh-CN" altLang="en-US" dirty="0"/>
+          </a:p>
+        </p:txBody>
+      </p:sp>
+      <p:sp>
+        <p:nvSpPr>
+          <p:cNvPr id="9" name="文本框 8"/>
+          <p:cNvSpPr txBox="1"/>
+          <p:nvPr/>
+        </p:nvSpPr>
+        <p:spPr>
+          <a:xfrm>
+            <a:off x="2819809" y="6293072"/>
+            <a:ext cx="2903935" cy="369332"/>
+          </a:xfrm>
+          <a:prstGeom prst="rect">
+            <a:avLst/>
+          </a:prstGeom>
+          <a:noFill/>
+        </p:spPr>
+        <p:txBody>
+          <a:bodyPr wrap="none" rtlCol="0">
+            <a:spAutoFit/>
+          </a:bodyPr>
+          <a:lstStyle/>
+          <a:p>
+            <a:r>
+              <a:rPr kumimoji="1" lang="zh-CN" altLang="en-US" dirty="0"/>
+              <a:t>返回</a:t>
+            </a:r>
+            <a:r>
+              <a:rPr kumimoji="1" lang="en-US" altLang="zh-CN" dirty="0" err="1"/>
+              <a:t>json</a:t>
+            </a:r>
+            <a:r>
+              <a:rPr kumimoji="1" lang="zh-CN" altLang="en-US" dirty="0"/>
+              <a:t>结构</a:t>
+            </a:r>
+            <a:r>
+              <a:rPr kumimoji="1" lang="en-US" altLang="zh-CN" dirty="0"/>
+              <a:t>: </a:t>
+            </a:r>
+            <a:r>
+              <a:rPr kumimoji="1" lang="en-US" altLang="zh-CN" dirty="0" err="1" smtClean="0"/>
+              <a:t>info:xxxxxxx</a:t>
+            </a:r>
+            <a:endParaRPr kumimoji="1" lang="zh-CN" altLang="en-US" dirty="0"/>
+          </a:p>
+        </p:txBody>
+      </p:sp>
+    </p:spTree>
+    <p:extLst>
+      <p:ext uri="{BB962C8B-B14F-4D97-AF65-F5344CB8AC3E}">
+        <p14:creationId xmlns:p14="http://schemas.microsoft.com/office/powerpoint/2010/main" val="482922573"/>
+      </p:ext>
+    </p:extLst>
+  </p:cSld>
+  <p:clrMapOvr>
+    <a:masterClrMapping/>
+  </p:clrMapOvr>
+</p:sld>
+</file>
+
+<file path=ppt/slides/slide29.xml><?xml version="1.0" encoding="utf-8"?>
+<p:sld xmlns:a="http://schemas.openxmlformats.org/drawingml/2006/main" xmlns:r="http://schemas.openxmlformats.org/officeDocument/2006/relationships" xmlns:p="http://schemas.openxmlformats.org/presentationml/2006/main">
+  <p:cSld>
+    <p:spTree>
+      <p:nvGrpSpPr>
+        <p:cNvPr id="1" name=""/>
+        <p:cNvGrpSpPr/>
+        <p:nvPr/>
+      </p:nvGrpSpPr>
+      <p:grpSpPr>
+        <a:xfrm>
+          <a:off x="0" y="0"/>
+          <a:ext cx="0" cy="0"/>
+          <a:chOff x="0" y="0"/>
+          <a:chExt cx="0" cy="0"/>
+        </a:xfrm>
+      </p:grpSpPr>
+      <p:sp>
+        <p:nvSpPr>
+          <p:cNvPr id="2" name="标题 1"/>
+          <p:cNvSpPr>
+            <a:spLocks noGrp="1"/>
+          </p:cNvSpPr>
+          <p:nvPr>
+            <p:ph type="title"/>
+          </p:nvPr>
+        </p:nvSpPr>
+        <p:spPr/>
+        <p:txBody>
+          <a:bodyPr/>
+          <a:lstStyle/>
+          <a:p>
+            <a:r>
+              <a:rPr kumimoji="1" lang="zh-CN" altLang="en-US" dirty="0" smtClean="0"/>
+              <a:t>五、企业文化</a:t>
+            </a:r>
+            <a:endParaRPr kumimoji="1" lang="zh-CN" altLang="en-US" dirty="0"/>
+          </a:p>
+        </p:txBody>
+      </p:sp>
+    </p:spTree>
+    <p:extLst>
+      <p:ext uri="{BB962C8B-B14F-4D97-AF65-F5344CB8AC3E}">
+        <p14:creationId xmlns:p14="http://schemas.microsoft.com/office/powerpoint/2010/main" val="2987456615"/>
       </p:ext>
     </p:extLst>
   </p:cSld>
@@ -10701,6 +13708,2735 @@
 </p:sld>
 </file>
 
+<file path=ppt/slides/slide30.xml><?xml version="1.0" encoding="utf-8"?>
+<p:sld xmlns:a="http://schemas.openxmlformats.org/drawingml/2006/main" xmlns:r="http://schemas.openxmlformats.org/officeDocument/2006/relationships" xmlns:p="http://schemas.openxmlformats.org/presentationml/2006/main">
+  <p:cSld>
+    <p:spTree>
+      <p:nvGrpSpPr>
+        <p:cNvPr id="1" name=""/>
+        <p:cNvGrpSpPr/>
+        <p:nvPr/>
+      </p:nvGrpSpPr>
+      <p:grpSpPr>
+        <a:xfrm>
+          <a:off x="0" y="0"/>
+          <a:ext cx="0" cy="0"/>
+          <a:chOff x="0" y="0"/>
+          <a:chExt cx="0" cy="0"/>
+        </a:xfrm>
+      </p:grpSpPr>
+      <p:sp>
+        <p:nvSpPr>
+          <p:cNvPr id="2" name="标题 1"/>
+          <p:cNvSpPr>
+            <a:spLocks noGrp="1"/>
+          </p:cNvSpPr>
+          <p:nvPr>
+            <p:ph type="title"/>
+          </p:nvPr>
+        </p:nvSpPr>
+        <p:spPr/>
+        <p:txBody>
+          <a:bodyPr/>
+          <a:lstStyle/>
+          <a:p>
+            <a:r>
+              <a:rPr kumimoji="1" lang="zh-CN" altLang="en-US" dirty="0"/>
+              <a:t>五、企业文化</a:t>
+            </a:r>
+          </a:p>
+        </p:txBody>
+      </p:sp>
+      <p:sp>
+        <p:nvSpPr>
+          <p:cNvPr id="3" name="文本框 2"/>
+          <p:cNvSpPr txBox="1"/>
+          <p:nvPr/>
+        </p:nvSpPr>
+        <p:spPr>
+          <a:xfrm>
+            <a:off x="834366" y="1681962"/>
+            <a:ext cx="6110793" cy="369332"/>
+          </a:xfrm>
+          <a:prstGeom prst="rect">
+            <a:avLst/>
+          </a:prstGeom>
+          <a:noFill/>
+        </p:spPr>
+        <p:txBody>
+          <a:bodyPr wrap="none" rtlCol="0">
+            <a:spAutoFit/>
+          </a:bodyPr>
+          <a:lstStyle/>
+          <a:p>
+            <a:r>
+              <a:rPr kumimoji="1" lang="zh-CN" altLang="en-US" dirty="0" smtClean="0"/>
+              <a:t>点击‘企业文化’，向</a:t>
+            </a:r>
+            <a:r>
+              <a:rPr kumimoji="1" lang="en-US" altLang="zh-CN" dirty="0" smtClean="0"/>
+              <a:t>/</a:t>
+            </a:r>
+            <a:r>
+              <a:rPr kumimoji="1" lang="en-US" altLang="zh-CN" dirty="0" err="1" smtClean="0"/>
+              <a:t>manage</a:t>
+            </a:r>
+            <a:r>
+              <a:rPr lang="en-US" altLang="zh-CN" dirty="0" err="1" smtClean="0"/>
+              <a:t>CompanyCulture</a:t>
+            </a:r>
+            <a:r>
+              <a:rPr lang="zh-CN" altLang="en-US" dirty="0" smtClean="0"/>
+              <a:t>发送请求</a:t>
+            </a:r>
+            <a:r>
+              <a:rPr lang="en-US" altLang="zh-CN" dirty="0" smtClean="0"/>
+              <a:t>:</a:t>
+            </a:r>
+            <a:endParaRPr kumimoji="1" lang="zh-CN" altLang="en-US" dirty="0"/>
+          </a:p>
+        </p:txBody>
+      </p:sp>
+      <p:sp>
+        <p:nvSpPr>
+          <p:cNvPr id="4" name="矩形 3"/>
+          <p:cNvSpPr/>
+          <p:nvPr/>
+        </p:nvSpPr>
+        <p:spPr>
+          <a:xfrm>
+            <a:off x="1977100" y="2190482"/>
+            <a:ext cx="4572000" cy="369332"/>
+          </a:xfrm>
+          <a:prstGeom prst="rect">
+            <a:avLst/>
+          </a:prstGeom>
+        </p:spPr>
+        <p:txBody>
+          <a:bodyPr>
+            <a:spAutoFit/>
+          </a:bodyPr>
+          <a:lstStyle/>
+          <a:p>
+            <a:r>
+              <a:rPr kumimoji="1" lang="en-US" altLang="zh-CN" dirty="0" err="1" smtClean="0"/>
+              <a:t>part:</a:t>
+            </a:r>
+            <a:r>
+              <a:rPr lang="en-US" altLang="zh-CN" dirty="0" err="1"/>
+              <a:t>c</a:t>
+            </a:r>
+            <a:r>
+              <a:rPr lang="en-US" altLang="zh-CN" dirty="0" err="1" smtClean="0"/>
+              <a:t>ompanyinfo</a:t>
+            </a:r>
+            <a:r>
+              <a:rPr kumimoji="1" lang="en-US" altLang="zh-CN" dirty="0" smtClean="0"/>
+              <a:t>       </a:t>
+            </a:r>
+            <a:r>
+              <a:rPr kumimoji="1" lang="en-US" altLang="zh-CN" dirty="0" err="1" smtClean="0"/>
+              <a:t>manage:get</a:t>
+            </a:r>
+            <a:endParaRPr kumimoji="1" lang="zh-CN" altLang="en-US" dirty="0"/>
+          </a:p>
+        </p:txBody>
+      </p:sp>
+      <p:sp>
+        <p:nvSpPr>
+          <p:cNvPr id="5" name="文本框 4"/>
+          <p:cNvSpPr txBox="1"/>
+          <p:nvPr/>
+        </p:nvSpPr>
+        <p:spPr>
+          <a:xfrm>
+            <a:off x="2229603" y="2707131"/>
+            <a:ext cx="2827291" cy="369332"/>
+          </a:xfrm>
+          <a:prstGeom prst="rect">
+            <a:avLst/>
+          </a:prstGeom>
+          <a:noFill/>
+        </p:spPr>
+        <p:txBody>
+          <a:bodyPr wrap="none" rtlCol="0">
+            <a:spAutoFit/>
+          </a:bodyPr>
+          <a:lstStyle/>
+          <a:p>
+            <a:r>
+              <a:rPr kumimoji="1" lang="zh-CN" altLang="en-US" dirty="0"/>
+              <a:t>返回</a:t>
+            </a:r>
+            <a:r>
+              <a:rPr kumimoji="1" lang="en-US" altLang="zh-CN" dirty="0" err="1"/>
+              <a:t>json</a:t>
+            </a:r>
+            <a:r>
+              <a:rPr kumimoji="1" lang="zh-CN" altLang="en-US" dirty="0"/>
+              <a:t>结构</a:t>
+            </a:r>
+            <a:r>
+              <a:rPr kumimoji="1" lang="en-US" altLang="zh-CN" dirty="0"/>
+              <a:t>: </a:t>
+            </a:r>
+            <a:r>
+              <a:rPr kumimoji="1" lang="en-US" altLang="zh-CN" dirty="0" err="1" smtClean="0"/>
+              <a:t>content:xxx</a:t>
+            </a:r>
+            <a:endParaRPr kumimoji="1" lang="zh-CN" altLang="en-US" dirty="0"/>
+          </a:p>
+        </p:txBody>
+      </p:sp>
+      <p:sp>
+        <p:nvSpPr>
+          <p:cNvPr id="6" name="文本框 5"/>
+          <p:cNvSpPr txBox="1"/>
+          <p:nvPr/>
+        </p:nvSpPr>
+        <p:spPr>
+          <a:xfrm>
+            <a:off x="834366" y="3630744"/>
+            <a:ext cx="6110793" cy="369332"/>
+          </a:xfrm>
+          <a:prstGeom prst="rect">
+            <a:avLst/>
+          </a:prstGeom>
+          <a:noFill/>
+        </p:spPr>
+        <p:txBody>
+          <a:bodyPr wrap="none" rtlCol="0">
+            <a:spAutoFit/>
+          </a:bodyPr>
+          <a:lstStyle/>
+          <a:p>
+            <a:r>
+              <a:rPr kumimoji="1" lang="zh-CN" altLang="en-US" dirty="0" smtClean="0"/>
+              <a:t>保存‘企业文化’，向</a:t>
+            </a:r>
+            <a:r>
+              <a:rPr kumimoji="1" lang="en-US" altLang="zh-CN" dirty="0" smtClean="0"/>
+              <a:t>/</a:t>
+            </a:r>
+            <a:r>
+              <a:rPr kumimoji="1" lang="en-US" altLang="zh-CN" dirty="0" err="1" smtClean="0"/>
+              <a:t>manage</a:t>
+            </a:r>
+            <a:r>
+              <a:rPr lang="en-US" altLang="zh-CN" dirty="0" err="1" smtClean="0"/>
+              <a:t>CompanyCulture</a:t>
+            </a:r>
+            <a:r>
+              <a:rPr lang="zh-CN" altLang="en-US" dirty="0" smtClean="0"/>
+              <a:t>发送请求</a:t>
+            </a:r>
+            <a:r>
+              <a:rPr lang="en-US" altLang="zh-CN" dirty="0" smtClean="0"/>
+              <a:t>:</a:t>
+            </a:r>
+            <a:endParaRPr kumimoji="1" lang="zh-CN" altLang="en-US" dirty="0"/>
+          </a:p>
+        </p:txBody>
+      </p:sp>
+      <p:sp>
+        <p:nvSpPr>
+          <p:cNvPr id="7" name="矩形 6"/>
+          <p:cNvSpPr/>
+          <p:nvPr/>
+        </p:nvSpPr>
+        <p:spPr>
+          <a:xfrm>
+            <a:off x="1977100" y="4139264"/>
+            <a:ext cx="4572000" cy="646331"/>
+          </a:xfrm>
+          <a:prstGeom prst="rect">
+            <a:avLst/>
+          </a:prstGeom>
+        </p:spPr>
+        <p:txBody>
+          <a:bodyPr>
+            <a:spAutoFit/>
+          </a:bodyPr>
+          <a:lstStyle/>
+          <a:p>
+            <a:r>
+              <a:rPr kumimoji="1" lang="en-US" altLang="zh-CN" dirty="0" err="1" smtClean="0"/>
+              <a:t>part:</a:t>
+            </a:r>
+            <a:r>
+              <a:rPr lang="en-US" altLang="zh-CN" dirty="0" err="1"/>
+              <a:t>c</a:t>
+            </a:r>
+            <a:r>
+              <a:rPr lang="en-US" altLang="zh-CN" dirty="0" err="1" smtClean="0"/>
+              <a:t>ompanyinfo</a:t>
+            </a:r>
+            <a:r>
+              <a:rPr kumimoji="1" lang="en-US" altLang="zh-CN" dirty="0" smtClean="0"/>
+              <a:t>       </a:t>
+            </a:r>
+            <a:r>
+              <a:rPr kumimoji="1" lang="en-US" altLang="zh-CN" dirty="0" err="1" smtClean="0"/>
+              <a:t>manage:</a:t>
+            </a:r>
+            <a:r>
+              <a:rPr kumimoji="1" lang="en-US" altLang="zh-CN" dirty="0" err="1" smtClean="0"/>
+              <a:t>edit</a:t>
+            </a:r>
+            <a:r>
+              <a:rPr kumimoji="1" lang="en-US" altLang="zh-CN" dirty="0" smtClean="0"/>
+              <a:t>   </a:t>
+            </a:r>
+            <a:r>
+              <a:rPr kumimoji="1" lang="en-US" altLang="zh-CN" dirty="0" err="1" smtClean="0"/>
+              <a:t>content:xxx</a:t>
+            </a:r>
+            <a:endParaRPr kumimoji="1" lang="zh-CN" altLang="en-US" dirty="0"/>
+          </a:p>
+        </p:txBody>
+      </p:sp>
+      <p:sp>
+        <p:nvSpPr>
+          <p:cNvPr id="8" name="文本框 7"/>
+          <p:cNvSpPr txBox="1"/>
+          <p:nvPr/>
+        </p:nvSpPr>
+        <p:spPr>
+          <a:xfrm>
+            <a:off x="2309688" y="5025245"/>
+            <a:ext cx="3173540" cy="369332"/>
+          </a:xfrm>
+          <a:prstGeom prst="rect">
+            <a:avLst/>
+          </a:prstGeom>
+          <a:noFill/>
+        </p:spPr>
+        <p:txBody>
+          <a:bodyPr wrap="none" rtlCol="0">
+            <a:spAutoFit/>
+          </a:bodyPr>
+          <a:lstStyle/>
+          <a:p>
+            <a:r>
+              <a:rPr kumimoji="1" lang="zh-CN" altLang="en-US" dirty="0"/>
+              <a:t>返回</a:t>
+            </a:r>
+            <a:r>
+              <a:rPr kumimoji="1" lang="en-US" altLang="zh-CN" dirty="0" err="1"/>
+              <a:t>json</a:t>
+            </a:r>
+            <a:r>
+              <a:rPr kumimoji="1" lang="zh-CN" altLang="en-US" dirty="0"/>
+              <a:t>结构</a:t>
+            </a:r>
+            <a:r>
+              <a:rPr kumimoji="1" lang="en-US" altLang="zh-CN" dirty="0"/>
+              <a:t>: </a:t>
+            </a:r>
+            <a:r>
+              <a:rPr kumimoji="1" lang="en-US" altLang="zh-CN" dirty="0" err="1"/>
+              <a:t>status:success</a:t>
+            </a:r>
+            <a:endParaRPr kumimoji="1" lang="zh-CN" altLang="en-US" dirty="0"/>
+          </a:p>
+        </p:txBody>
+      </p:sp>
+    </p:spTree>
+    <p:extLst>
+      <p:ext uri="{BB962C8B-B14F-4D97-AF65-F5344CB8AC3E}">
+        <p14:creationId xmlns:p14="http://schemas.microsoft.com/office/powerpoint/2010/main" val="1228598857"/>
+      </p:ext>
+    </p:extLst>
+  </p:cSld>
+  <p:clrMapOvr>
+    <a:masterClrMapping/>
+  </p:clrMapOvr>
+</p:sld>
+</file>
+
+<file path=ppt/slides/slide31.xml><?xml version="1.0" encoding="utf-8"?>
+<p:sld xmlns:a="http://schemas.openxmlformats.org/drawingml/2006/main" xmlns:r="http://schemas.openxmlformats.org/officeDocument/2006/relationships" xmlns:p="http://schemas.openxmlformats.org/presentationml/2006/main">
+  <p:cSld>
+    <p:spTree>
+      <p:nvGrpSpPr>
+        <p:cNvPr id="1" name=""/>
+        <p:cNvGrpSpPr/>
+        <p:nvPr/>
+      </p:nvGrpSpPr>
+      <p:grpSpPr>
+        <a:xfrm>
+          <a:off x="0" y="0"/>
+          <a:ext cx="0" cy="0"/>
+          <a:chOff x="0" y="0"/>
+          <a:chExt cx="0" cy="0"/>
+        </a:xfrm>
+      </p:grpSpPr>
+      <p:sp>
+        <p:nvSpPr>
+          <p:cNvPr id="2" name="标题 1"/>
+          <p:cNvSpPr>
+            <a:spLocks noGrp="1"/>
+          </p:cNvSpPr>
+          <p:nvPr>
+            <p:ph type="title"/>
+          </p:nvPr>
+        </p:nvSpPr>
+        <p:spPr/>
+        <p:txBody>
+          <a:bodyPr/>
+          <a:lstStyle/>
+          <a:p>
+            <a:r>
+              <a:rPr kumimoji="1" lang="zh-CN" altLang="en-US" dirty="0"/>
+              <a:t>五、企业文化</a:t>
+            </a:r>
+          </a:p>
+        </p:txBody>
+      </p:sp>
+      <p:sp>
+        <p:nvSpPr>
+          <p:cNvPr id="3" name="文本框 2"/>
+          <p:cNvSpPr txBox="1"/>
+          <p:nvPr/>
+        </p:nvSpPr>
+        <p:spPr>
+          <a:xfrm>
+            <a:off x="834366" y="1681962"/>
+            <a:ext cx="6110793" cy="369332"/>
+          </a:xfrm>
+          <a:prstGeom prst="rect">
+            <a:avLst/>
+          </a:prstGeom>
+          <a:noFill/>
+        </p:spPr>
+        <p:txBody>
+          <a:bodyPr wrap="none" rtlCol="0">
+            <a:spAutoFit/>
+          </a:bodyPr>
+          <a:lstStyle/>
+          <a:p>
+            <a:r>
+              <a:rPr kumimoji="1" lang="zh-CN" altLang="en-US" dirty="0" smtClean="0"/>
+              <a:t>点击‘格力精神’，向</a:t>
+            </a:r>
+            <a:r>
+              <a:rPr kumimoji="1" lang="en-US" altLang="zh-CN" dirty="0" smtClean="0"/>
+              <a:t>/</a:t>
+            </a:r>
+            <a:r>
+              <a:rPr kumimoji="1" lang="en-US" altLang="zh-CN" dirty="0" err="1" smtClean="0"/>
+              <a:t>manage</a:t>
+            </a:r>
+            <a:r>
+              <a:rPr lang="en-US" altLang="zh-CN" dirty="0" err="1" smtClean="0"/>
+              <a:t>CompanyCulture</a:t>
+            </a:r>
+            <a:r>
+              <a:rPr lang="zh-CN" altLang="en-US" dirty="0" smtClean="0"/>
+              <a:t>发送请求</a:t>
+            </a:r>
+            <a:r>
+              <a:rPr lang="en-US" altLang="zh-CN" dirty="0" smtClean="0"/>
+              <a:t>:</a:t>
+            </a:r>
+            <a:endParaRPr kumimoji="1" lang="zh-CN" altLang="en-US" dirty="0"/>
+          </a:p>
+        </p:txBody>
+      </p:sp>
+      <p:sp>
+        <p:nvSpPr>
+          <p:cNvPr id="4" name="矩形 3"/>
+          <p:cNvSpPr/>
+          <p:nvPr/>
+        </p:nvSpPr>
+        <p:spPr>
+          <a:xfrm>
+            <a:off x="1977100" y="2190482"/>
+            <a:ext cx="4572000" cy="369332"/>
+          </a:xfrm>
+          <a:prstGeom prst="rect">
+            <a:avLst/>
+          </a:prstGeom>
+        </p:spPr>
+        <p:txBody>
+          <a:bodyPr>
+            <a:spAutoFit/>
+          </a:bodyPr>
+          <a:lstStyle/>
+          <a:p>
+            <a:r>
+              <a:rPr kumimoji="1" lang="en-US" altLang="zh-CN" dirty="0" err="1" smtClean="0"/>
+              <a:t>part:gree</a:t>
+            </a:r>
+            <a:r>
+              <a:rPr lang="en-US" altLang="zh-CN" dirty="0" err="1"/>
+              <a:t>mind</a:t>
+            </a:r>
+            <a:r>
+              <a:rPr kumimoji="1" lang="en-US" altLang="zh-CN" dirty="0" smtClean="0"/>
+              <a:t>       </a:t>
+            </a:r>
+            <a:r>
+              <a:rPr kumimoji="1" lang="en-US" altLang="zh-CN" dirty="0" err="1" smtClean="0"/>
+              <a:t>manage:get</a:t>
+            </a:r>
+            <a:endParaRPr kumimoji="1" lang="zh-CN" altLang="en-US" dirty="0"/>
+          </a:p>
+        </p:txBody>
+      </p:sp>
+      <p:sp>
+        <p:nvSpPr>
+          <p:cNvPr id="5" name="文本框 4"/>
+          <p:cNvSpPr txBox="1"/>
+          <p:nvPr/>
+        </p:nvSpPr>
+        <p:spPr>
+          <a:xfrm>
+            <a:off x="2229603" y="2707131"/>
+            <a:ext cx="2827291" cy="369332"/>
+          </a:xfrm>
+          <a:prstGeom prst="rect">
+            <a:avLst/>
+          </a:prstGeom>
+          <a:noFill/>
+        </p:spPr>
+        <p:txBody>
+          <a:bodyPr wrap="none" rtlCol="0">
+            <a:spAutoFit/>
+          </a:bodyPr>
+          <a:lstStyle/>
+          <a:p>
+            <a:r>
+              <a:rPr kumimoji="1" lang="zh-CN" altLang="en-US" dirty="0"/>
+              <a:t>返回</a:t>
+            </a:r>
+            <a:r>
+              <a:rPr kumimoji="1" lang="en-US" altLang="zh-CN" dirty="0" err="1"/>
+              <a:t>json</a:t>
+            </a:r>
+            <a:r>
+              <a:rPr kumimoji="1" lang="zh-CN" altLang="en-US" dirty="0"/>
+              <a:t>结构</a:t>
+            </a:r>
+            <a:r>
+              <a:rPr kumimoji="1" lang="en-US" altLang="zh-CN" dirty="0"/>
+              <a:t>: </a:t>
+            </a:r>
+            <a:r>
+              <a:rPr kumimoji="1" lang="en-US" altLang="zh-CN" dirty="0" err="1" smtClean="0"/>
+              <a:t>content:xxx</a:t>
+            </a:r>
+            <a:endParaRPr kumimoji="1" lang="zh-CN" altLang="en-US" dirty="0"/>
+          </a:p>
+        </p:txBody>
+      </p:sp>
+      <p:sp>
+        <p:nvSpPr>
+          <p:cNvPr id="6" name="文本框 5"/>
+          <p:cNvSpPr txBox="1"/>
+          <p:nvPr/>
+        </p:nvSpPr>
+        <p:spPr>
+          <a:xfrm>
+            <a:off x="834366" y="3630744"/>
+            <a:ext cx="6110793" cy="369332"/>
+          </a:xfrm>
+          <a:prstGeom prst="rect">
+            <a:avLst/>
+          </a:prstGeom>
+          <a:noFill/>
+        </p:spPr>
+        <p:txBody>
+          <a:bodyPr wrap="none" rtlCol="0">
+            <a:spAutoFit/>
+          </a:bodyPr>
+          <a:lstStyle/>
+          <a:p>
+            <a:r>
+              <a:rPr kumimoji="1" lang="zh-CN" altLang="en-US" dirty="0" smtClean="0"/>
+              <a:t>保存‘</a:t>
+            </a:r>
+            <a:r>
+              <a:rPr kumimoji="1" lang="zh-CN" altLang="en-US" dirty="0"/>
+              <a:t>格力精神</a:t>
+            </a:r>
+            <a:r>
+              <a:rPr kumimoji="1" lang="zh-CN" altLang="en-US" dirty="0" smtClean="0"/>
+              <a:t>’，向</a:t>
+            </a:r>
+            <a:r>
+              <a:rPr kumimoji="1" lang="en-US" altLang="zh-CN" dirty="0" smtClean="0"/>
+              <a:t>/</a:t>
+            </a:r>
+            <a:r>
+              <a:rPr kumimoji="1" lang="en-US" altLang="zh-CN" dirty="0" err="1" smtClean="0"/>
+              <a:t>manage</a:t>
+            </a:r>
+            <a:r>
+              <a:rPr lang="en-US" altLang="zh-CN" dirty="0" err="1" smtClean="0"/>
+              <a:t>CompanyCulture</a:t>
+            </a:r>
+            <a:r>
+              <a:rPr lang="zh-CN" altLang="en-US" dirty="0" smtClean="0"/>
+              <a:t>发送请求</a:t>
+            </a:r>
+            <a:r>
+              <a:rPr lang="en-US" altLang="zh-CN" dirty="0" smtClean="0"/>
+              <a:t>:</a:t>
+            </a:r>
+            <a:endParaRPr kumimoji="1" lang="zh-CN" altLang="en-US" dirty="0"/>
+          </a:p>
+        </p:txBody>
+      </p:sp>
+      <p:sp>
+        <p:nvSpPr>
+          <p:cNvPr id="7" name="矩形 6"/>
+          <p:cNvSpPr/>
+          <p:nvPr/>
+        </p:nvSpPr>
+        <p:spPr>
+          <a:xfrm>
+            <a:off x="1977100" y="4139264"/>
+            <a:ext cx="4572000" cy="646331"/>
+          </a:xfrm>
+          <a:prstGeom prst="rect">
+            <a:avLst/>
+          </a:prstGeom>
+        </p:spPr>
+        <p:txBody>
+          <a:bodyPr>
+            <a:spAutoFit/>
+          </a:bodyPr>
+          <a:lstStyle/>
+          <a:p>
+            <a:r>
+              <a:rPr kumimoji="1" lang="en-US" altLang="zh-CN" dirty="0" err="1"/>
+              <a:t>part:gree</a:t>
+            </a:r>
+            <a:r>
+              <a:rPr lang="en-US" altLang="zh-CN" dirty="0" err="1"/>
+              <a:t>mind</a:t>
+            </a:r>
+            <a:r>
+              <a:rPr kumimoji="1" lang="en-US" altLang="zh-CN" dirty="0"/>
+              <a:t> </a:t>
+            </a:r>
+            <a:r>
+              <a:rPr kumimoji="1" lang="en-US" altLang="zh-CN" dirty="0" smtClean="0"/>
+              <a:t>     </a:t>
+            </a:r>
+            <a:r>
+              <a:rPr kumimoji="1" lang="en-US" altLang="zh-CN" dirty="0" err="1" smtClean="0"/>
+              <a:t>manage:</a:t>
+            </a:r>
+            <a:r>
+              <a:rPr kumimoji="1" lang="en-US" altLang="zh-CN" dirty="0" err="1" smtClean="0"/>
+              <a:t>edit</a:t>
+            </a:r>
+            <a:r>
+              <a:rPr kumimoji="1" lang="en-US" altLang="zh-CN" dirty="0" smtClean="0"/>
+              <a:t>   </a:t>
+            </a:r>
+            <a:r>
+              <a:rPr kumimoji="1" lang="en-US" altLang="zh-CN" dirty="0" err="1" smtClean="0"/>
+              <a:t>content:xxx</a:t>
+            </a:r>
+            <a:endParaRPr kumimoji="1" lang="zh-CN" altLang="en-US" dirty="0"/>
+          </a:p>
+        </p:txBody>
+      </p:sp>
+      <p:sp>
+        <p:nvSpPr>
+          <p:cNvPr id="8" name="文本框 7"/>
+          <p:cNvSpPr txBox="1"/>
+          <p:nvPr/>
+        </p:nvSpPr>
+        <p:spPr>
+          <a:xfrm>
+            <a:off x="2309688" y="5050372"/>
+            <a:ext cx="3173540" cy="369332"/>
+          </a:xfrm>
+          <a:prstGeom prst="rect">
+            <a:avLst/>
+          </a:prstGeom>
+          <a:noFill/>
+        </p:spPr>
+        <p:txBody>
+          <a:bodyPr wrap="none" rtlCol="0">
+            <a:spAutoFit/>
+          </a:bodyPr>
+          <a:lstStyle/>
+          <a:p>
+            <a:r>
+              <a:rPr kumimoji="1" lang="zh-CN" altLang="en-US" dirty="0"/>
+              <a:t>返回</a:t>
+            </a:r>
+            <a:r>
+              <a:rPr kumimoji="1" lang="en-US" altLang="zh-CN" dirty="0" err="1"/>
+              <a:t>json</a:t>
+            </a:r>
+            <a:r>
+              <a:rPr kumimoji="1" lang="zh-CN" altLang="en-US" dirty="0"/>
+              <a:t>结构</a:t>
+            </a:r>
+            <a:r>
+              <a:rPr kumimoji="1" lang="en-US" altLang="zh-CN" dirty="0"/>
+              <a:t>: </a:t>
+            </a:r>
+            <a:r>
+              <a:rPr kumimoji="1" lang="en-US" altLang="zh-CN" dirty="0" err="1"/>
+              <a:t>status:success</a:t>
+            </a:r>
+            <a:endParaRPr kumimoji="1" lang="zh-CN" altLang="en-US" dirty="0"/>
+          </a:p>
+        </p:txBody>
+      </p:sp>
+    </p:spTree>
+    <p:extLst>
+      <p:ext uri="{BB962C8B-B14F-4D97-AF65-F5344CB8AC3E}">
+        <p14:creationId xmlns:p14="http://schemas.microsoft.com/office/powerpoint/2010/main" val="178085425"/>
+      </p:ext>
+    </p:extLst>
+  </p:cSld>
+  <p:clrMapOvr>
+    <a:masterClrMapping/>
+  </p:clrMapOvr>
+</p:sld>
+</file>
+
+<file path=ppt/slides/slide32.xml><?xml version="1.0" encoding="utf-8"?>
+<p:sld xmlns:a="http://schemas.openxmlformats.org/drawingml/2006/main" xmlns:r="http://schemas.openxmlformats.org/officeDocument/2006/relationships" xmlns:p="http://schemas.openxmlformats.org/presentationml/2006/main">
+  <p:cSld>
+    <p:spTree>
+      <p:nvGrpSpPr>
+        <p:cNvPr id="1" name=""/>
+        <p:cNvGrpSpPr/>
+        <p:nvPr/>
+      </p:nvGrpSpPr>
+      <p:grpSpPr>
+        <a:xfrm>
+          <a:off x="0" y="0"/>
+          <a:ext cx="0" cy="0"/>
+          <a:chOff x="0" y="0"/>
+          <a:chExt cx="0" cy="0"/>
+        </a:xfrm>
+      </p:grpSpPr>
+      <p:sp>
+        <p:nvSpPr>
+          <p:cNvPr id="2" name="标题 1"/>
+          <p:cNvSpPr>
+            <a:spLocks noGrp="1"/>
+          </p:cNvSpPr>
+          <p:nvPr>
+            <p:ph type="title"/>
+          </p:nvPr>
+        </p:nvSpPr>
+        <p:spPr/>
+        <p:txBody>
+          <a:bodyPr/>
+          <a:lstStyle/>
+          <a:p>
+            <a:r>
+              <a:rPr kumimoji="1" lang="zh-CN" altLang="en-US" dirty="0"/>
+              <a:t>五、企业文化</a:t>
+            </a:r>
+          </a:p>
+        </p:txBody>
+      </p:sp>
+      <p:sp>
+        <p:nvSpPr>
+          <p:cNvPr id="3" name="文本框 2"/>
+          <p:cNvSpPr txBox="1"/>
+          <p:nvPr/>
+        </p:nvSpPr>
+        <p:spPr>
+          <a:xfrm>
+            <a:off x="834366" y="1681962"/>
+            <a:ext cx="6175038" cy="369332"/>
+          </a:xfrm>
+          <a:prstGeom prst="rect">
+            <a:avLst/>
+          </a:prstGeom>
+          <a:noFill/>
+        </p:spPr>
+        <p:txBody>
+          <a:bodyPr wrap="none" rtlCol="0">
+            <a:spAutoFit/>
+          </a:bodyPr>
+          <a:lstStyle/>
+          <a:p>
+            <a:r>
+              <a:rPr kumimoji="1" lang="zh-CN" altLang="en-US" dirty="0" smtClean="0"/>
+              <a:t>点击‘领导致词’，向</a:t>
+            </a:r>
+            <a:r>
+              <a:rPr kumimoji="1" lang="en-US" altLang="zh-CN" dirty="0" smtClean="0"/>
+              <a:t>/</a:t>
+            </a:r>
+            <a:r>
+              <a:rPr kumimoji="1" lang="en-US" altLang="zh-CN" dirty="0" err="1" smtClean="0"/>
+              <a:t>manage</a:t>
+            </a:r>
+            <a:r>
+              <a:rPr lang="en-US" altLang="zh-CN" dirty="0" err="1" smtClean="0"/>
+              <a:t>CompanyCulture</a:t>
+            </a:r>
+            <a:r>
+              <a:rPr lang="zh-CN" altLang="en-US" dirty="0" smtClean="0"/>
+              <a:t>发送请求</a:t>
+            </a:r>
+            <a:r>
+              <a:rPr lang="en-US" altLang="zh-CN" dirty="0" smtClean="0"/>
+              <a:t>:</a:t>
+            </a:r>
+            <a:endParaRPr kumimoji="1" lang="zh-CN" altLang="en-US" dirty="0"/>
+          </a:p>
+        </p:txBody>
+      </p:sp>
+      <p:sp>
+        <p:nvSpPr>
+          <p:cNvPr id="4" name="矩形 3"/>
+          <p:cNvSpPr/>
+          <p:nvPr/>
+        </p:nvSpPr>
+        <p:spPr>
+          <a:xfrm>
+            <a:off x="1977100" y="2190482"/>
+            <a:ext cx="4572000" cy="369332"/>
+          </a:xfrm>
+          <a:prstGeom prst="rect">
+            <a:avLst/>
+          </a:prstGeom>
+        </p:spPr>
+        <p:txBody>
+          <a:bodyPr>
+            <a:spAutoFit/>
+          </a:bodyPr>
+          <a:lstStyle/>
+          <a:p>
+            <a:r>
+              <a:rPr kumimoji="1" lang="en-US" altLang="zh-CN" dirty="0" err="1" smtClean="0"/>
+              <a:t>part:leaderword</a:t>
+            </a:r>
+            <a:r>
+              <a:rPr kumimoji="1" lang="en-US" altLang="zh-CN" dirty="0" smtClean="0"/>
+              <a:t>      </a:t>
+            </a:r>
+            <a:r>
+              <a:rPr kumimoji="1" lang="en-US" altLang="zh-CN" dirty="0" err="1" smtClean="0"/>
+              <a:t>manage:get</a:t>
+            </a:r>
+            <a:endParaRPr kumimoji="1" lang="zh-CN" altLang="en-US" dirty="0"/>
+          </a:p>
+        </p:txBody>
+      </p:sp>
+      <p:sp>
+        <p:nvSpPr>
+          <p:cNvPr id="5" name="文本框 4"/>
+          <p:cNvSpPr txBox="1"/>
+          <p:nvPr/>
+        </p:nvSpPr>
+        <p:spPr>
+          <a:xfrm>
+            <a:off x="2229603" y="2707131"/>
+            <a:ext cx="2827291" cy="369332"/>
+          </a:xfrm>
+          <a:prstGeom prst="rect">
+            <a:avLst/>
+          </a:prstGeom>
+          <a:noFill/>
+        </p:spPr>
+        <p:txBody>
+          <a:bodyPr wrap="none" rtlCol="0">
+            <a:spAutoFit/>
+          </a:bodyPr>
+          <a:lstStyle/>
+          <a:p>
+            <a:r>
+              <a:rPr kumimoji="1" lang="zh-CN" altLang="en-US" dirty="0"/>
+              <a:t>返回</a:t>
+            </a:r>
+            <a:r>
+              <a:rPr kumimoji="1" lang="en-US" altLang="zh-CN" dirty="0" err="1"/>
+              <a:t>json</a:t>
+            </a:r>
+            <a:r>
+              <a:rPr kumimoji="1" lang="zh-CN" altLang="en-US" dirty="0"/>
+              <a:t>结构</a:t>
+            </a:r>
+            <a:r>
+              <a:rPr kumimoji="1" lang="en-US" altLang="zh-CN" dirty="0"/>
+              <a:t>: </a:t>
+            </a:r>
+            <a:r>
+              <a:rPr kumimoji="1" lang="en-US" altLang="zh-CN" dirty="0" err="1" smtClean="0"/>
+              <a:t>content:xxx</a:t>
+            </a:r>
+            <a:endParaRPr kumimoji="1" lang="zh-CN" altLang="en-US" dirty="0"/>
+          </a:p>
+        </p:txBody>
+      </p:sp>
+      <p:sp>
+        <p:nvSpPr>
+          <p:cNvPr id="6" name="文本框 5"/>
+          <p:cNvSpPr txBox="1"/>
+          <p:nvPr/>
+        </p:nvSpPr>
+        <p:spPr>
+          <a:xfrm>
+            <a:off x="834366" y="3630744"/>
+            <a:ext cx="6110793" cy="369332"/>
+          </a:xfrm>
+          <a:prstGeom prst="rect">
+            <a:avLst/>
+          </a:prstGeom>
+          <a:noFill/>
+        </p:spPr>
+        <p:txBody>
+          <a:bodyPr wrap="none" rtlCol="0">
+            <a:spAutoFit/>
+          </a:bodyPr>
+          <a:lstStyle/>
+          <a:p>
+            <a:r>
+              <a:rPr kumimoji="1" lang="zh-CN" altLang="en-US" dirty="0" smtClean="0"/>
+              <a:t>保存‘</a:t>
+            </a:r>
+            <a:r>
+              <a:rPr kumimoji="1" lang="zh-CN" altLang="en-US" dirty="0"/>
+              <a:t>领导致词</a:t>
+            </a:r>
+            <a:r>
+              <a:rPr kumimoji="1" lang="zh-CN" altLang="en-US" dirty="0" smtClean="0"/>
+              <a:t>’，向</a:t>
+            </a:r>
+            <a:r>
+              <a:rPr kumimoji="1" lang="en-US" altLang="zh-CN" dirty="0" smtClean="0"/>
+              <a:t>/</a:t>
+            </a:r>
+            <a:r>
+              <a:rPr kumimoji="1" lang="en-US" altLang="zh-CN" dirty="0" err="1" smtClean="0"/>
+              <a:t>manage</a:t>
+            </a:r>
+            <a:r>
+              <a:rPr lang="en-US" altLang="zh-CN" dirty="0" err="1" smtClean="0"/>
+              <a:t>CompanyCulture</a:t>
+            </a:r>
+            <a:r>
+              <a:rPr lang="zh-CN" altLang="en-US" dirty="0" smtClean="0"/>
+              <a:t>发送请求</a:t>
+            </a:r>
+            <a:r>
+              <a:rPr lang="en-US" altLang="zh-CN" dirty="0" smtClean="0"/>
+              <a:t>:</a:t>
+            </a:r>
+            <a:endParaRPr kumimoji="1" lang="zh-CN" altLang="en-US" dirty="0"/>
+          </a:p>
+        </p:txBody>
+      </p:sp>
+      <p:sp>
+        <p:nvSpPr>
+          <p:cNvPr id="7" name="矩形 6"/>
+          <p:cNvSpPr/>
+          <p:nvPr/>
+        </p:nvSpPr>
+        <p:spPr>
+          <a:xfrm>
+            <a:off x="1977100" y="4139264"/>
+            <a:ext cx="4572000" cy="646331"/>
+          </a:xfrm>
+          <a:prstGeom prst="rect">
+            <a:avLst/>
+          </a:prstGeom>
+        </p:spPr>
+        <p:txBody>
+          <a:bodyPr>
+            <a:spAutoFit/>
+          </a:bodyPr>
+          <a:lstStyle/>
+          <a:p>
+            <a:r>
+              <a:rPr kumimoji="1" lang="en-US" altLang="zh-CN" dirty="0" err="1" smtClean="0"/>
+              <a:t>part:leaderword</a:t>
+            </a:r>
+            <a:r>
+              <a:rPr kumimoji="1" lang="en-US" altLang="zh-CN" dirty="0" smtClean="0"/>
+              <a:t>       </a:t>
+            </a:r>
+            <a:r>
+              <a:rPr kumimoji="1" lang="en-US" altLang="zh-CN" dirty="0" err="1" smtClean="0"/>
+              <a:t>manage:</a:t>
+            </a:r>
+            <a:r>
+              <a:rPr kumimoji="1" lang="en-US" altLang="zh-CN" dirty="0" err="1" smtClean="0"/>
+              <a:t>edit</a:t>
+            </a:r>
+            <a:r>
+              <a:rPr kumimoji="1" lang="en-US" altLang="zh-CN" dirty="0" smtClean="0"/>
+              <a:t>   </a:t>
+            </a:r>
+            <a:r>
+              <a:rPr kumimoji="1" lang="en-US" altLang="zh-CN" dirty="0" err="1" smtClean="0"/>
+              <a:t>content:xxx</a:t>
+            </a:r>
+            <a:endParaRPr kumimoji="1" lang="zh-CN" altLang="en-US" dirty="0"/>
+          </a:p>
+        </p:txBody>
+      </p:sp>
+      <p:sp>
+        <p:nvSpPr>
+          <p:cNvPr id="8" name="文本框 7"/>
+          <p:cNvSpPr txBox="1"/>
+          <p:nvPr/>
+        </p:nvSpPr>
+        <p:spPr>
+          <a:xfrm>
+            <a:off x="2309688" y="5050372"/>
+            <a:ext cx="3173540" cy="369332"/>
+          </a:xfrm>
+          <a:prstGeom prst="rect">
+            <a:avLst/>
+          </a:prstGeom>
+          <a:noFill/>
+        </p:spPr>
+        <p:txBody>
+          <a:bodyPr wrap="none" rtlCol="0">
+            <a:spAutoFit/>
+          </a:bodyPr>
+          <a:lstStyle/>
+          <a:p>
+            <a:r>
+              <a:rPr kumimoji="1" lang="zh-CN" altLang="en-US" dirty="0"/>
+              <a:t>返回</a:t>
+            </a:r>
+            <a:r>
+              <a:rPr kumimoji="1" lang="en-US" altLang="zh-CN" dirty="0" err="1"/>
+              <a:t>json</a:t>
+            </a:r>
+            <a:r>
+              <a:rPr kumimoji="1" lang="zh-CN" altLang="en-US" dirty="0"/>
+              <a:t>结构</a:t>
+            </a:r>
+            <a:r>
+              <a:rPr kumimoji="1" lang="en-US" altLang="zh-CN" dirty="0"/>
+              <a:t>: </a:t>
+            </a:r>
+            <a:r>
+              <a:rPr kumimoji="1" lang="en-US" altLang="zh-CN" dirty="0" err="1"/>
+              <a:t>status:success</a:t>
+            </a:r>
+            <a:endParaRPr kumimoji="1" lang="zh-CN" altLang="en-US" dirty="0"/>
+          </a:p>
+        </p:txBody>
+      </p:sp>
+    </p:spTree>
+    <p:extLst>
+      <p:ext uri="{BB962C8B-B14F-4D97-AF65-F5344CB8AC3E}">
+        <p14:creationId xmlns:p14="http://schemas.microsoft.com/office/powerpoint/2010/main" val="1205749599"/>
+      </p:ext>
+    </p:extLst>
+  </p:cSld>
+  <p:clrMapOvr>
+    <a:masterClrMapping/>
+  </p:clrMapOvr>
+</p:sld>
+</file>
+
+<file path=ppt/slides/slide33.xml><?xml version="1.0" encoding="utf-8"?>
+<p:sld xmlns:a="http://schemas.openxmlformats.org/drawingml/2006/main" xmlns:r="http://schemas.openxmlformats.org/officeDocument/2006/relationships" xmlns:p="http://schemas.openxmlformats.org/presentationml/2006/main">
+  <p:cSld>
+    <p:spTree>
+      <p:nvGrpSpPr>
+        <p:cNvPr id="1" name=""/>
+        <p:cNvGrpSpPr/>
+        <p:nvPr/>
+      </p:nvGrpSpPr>
+      <p:grpSpPr>
+        <a:xfrm>
+          <a:off x="0" y="0"/>
+          <a:ext cx="0" cy="0"/>
+          <a:chOff x="0" y="0"/>
+          <a:chExt cx="0" cy="0"/>
+        </a:xfrm>
+      </p:grpSpPr>
+      <p:sp>
+        <p:nvSpPr>
+          <p:cNvPr id="2" name="标题 1"/>
+          <p:cNvSpPr>
+            <a:spLocks noGrp="1"/>
+          </p:cNvSpPr>
+          <p:nvPr>
+            <p:ph type="title"/>
+          </p:nvPr>
+        </p:nvSpPr>
+        <p:spPr/>
+        <p:txBody>
+          <a:bodyPr/>
+          <a:lstStyle/>
+          <a:p>
+            <a:r>
+              <a:rPr kumimoji="1" lang="zh-CN" altLang="en-US" dirty="0"/>
+              <a:t>五、企业文化</a:t>
+            </a:r>
+          </a:p>
+        </p:txBody>
+      </p:sp>
+      <p:sp>
+        <p:nvSpPr>
+          <p:cNvPr id="3" name="文本框 2"/>
+          <p:cNvSpPr txBox="1"/>
+          <p:nvPr/>
+        </p:nvSpPr>
+        <p:spPr>
+          <a:xfrm>
+            <a:off x="834366" y="1681962"/>
+            <a:ext cx="6110793" cy="369332"/>
+          </a:xfrm>
+          <a:prstGeom prst="rect">
+            <a:avLst/>
+          </a:prstGeom>
+          <a:noFill/>
+        </p:spPr>
+        <p:txBody>
+          <a:bodyPr wrap="none" rtlCol="0">
+            <a:spAutoFit/>
+          </a:bodyPr>
+          <a:lstStyle/>
+          <a:p>
+            <a:r>
+              <a:rPr kumimoji="1" lang="zh-CN" altLang="en-US" dirty="0" smtClean="0"/>
+              <a:t>点击‘企业荣誉’，向</a:t>
+            </a:r>
+            <a:r>
+              <a:rPr kumimoji="1" lang="en-US" altLang="zh-CN" dirty="0" smtClean="0"/>
+              <a:t>/</a:t>
+            </a:r>
+            <a:r>
+              <a:rPr kumimoji="1" lang="en-US" altLang="zh-CN" dirty="0" err="1" smtClean="0"/>
+              <a:t>manage</a:t>
+            </a:r>
+            <a:r>
+              <a:rPr lang="en-US" altLang="zh-CN" dirty="0" err="1" smtClean="0"/>
+              <a:t>CompanyCulture</a:t>
+            </a:r>
+            <a:r>
+              <a:rPr lang="zh-CN" altLang="en-US" dirty="0" smtClean="0"/>
+              <a:t>发送请求</a:t>
+            </a:r>
+            <a:r>
+              <a:rPr lang="en-US" altLang="zh-CN" dirty="0" smtClean="0"/>
+              <a:t>:</a:t>
+            </a:r>
+            <a:endParaRPr kumimoji="1" lang="zh-CN" altLang="en-US" dirty="0"/>
+          </a:p>
+        </p:txBody>
+      </p:sp>
+      <p:sp>
+        <p:nvSpPr>
+          <p:cNvPr id="4" name="矩形 3"/>
+          <p:cNvSpPr/>
+          <p:nvPr/>
+        </p:nvSpPr>
+        <p:spPr>
+          <a:xfrm>
+            <a:off x="1977100" y="2190482"/>
+            <a:ext cx="4572000" cy="369332"/>
+          </a:xfrm>
+          <a:prstGeom prst="rect">
+            <a:avLst/>
+          </a:prstGeom>
+        </p:spPr>
+        <p:txBody>
+          <a:bodyPr>
+            <a:spAutoFit/>
+          </a:bodyPr>
+          <a:lstStyle/>
+          <a:p>
+            <a:r>
+              <a:rPr kumimoji="1" lang="en-US" altLang="zh-CN" dirty="0" err="1" smtClean="0"/>
+              <a:t>part:</a:t>
+            </a:r>
+            <a:r>
+              <a:rPr lang="en-US" altLang="zh-CN" dirty="0" err="1" smtClean="0"/>
+              <a:t>company</a:t>
+            </a:r>
+            <a:r>
+              <a:rPr lang="en-US" altLang="zh-CN" dirty="0" err="1" smtClean="0"/>
+              <a:t>honor</a:t>
+            </a:r>
+            <a:r>
+              <a:rPr kumimoji="1" lang="en-US" altLang="zh-CN" dirty="0" smtClean="0"/>
+              <a:t>      </a:t>
+            </a:r>
+            <a:r>
+              <a:rPr kumimoji="1" lang="en-US" altLang="zh-CN" dirty="0" err="1" smtClean="0"/>
+              <a:t>manage:get</a:t>
+            </a:r>
+            <a:endParaRPr kumimoji="1" lang="zh-CN" altLang="en-US" dirty="0"/>
+          </a:p>
+        </p:txBody>
+      </p:sp>
+      <p:sp>
+        <p:nvSpPr>
+          <p:cNvPr id="5" name="文本框 4"/>
+          <p:cNvSpPr txBox="1"/>
+          <p:nvPr/>
+        </p:nvSpPr>
+        <p:spPr>
+          <a:xfrm>
+            <a:off x="1496589" y="2736853"/>
+            <a:ext cx="5920423" cy="646331"/>
+          </a:xfrm>
+          <a:prstGeom prst="rect">
+            <a:avLst/>
+          </a:prstGeom>
+          <a:noFill/>
+        </p:spPr>
+        <p:txBody>
+          <a:bodyPr wrap="none" rtlCol="0">
+            <a:spAutoFit/>
+          </a:bodyPr>
+          <a:lstStyle/>
+          <a:p>
+            <a:r>
+              <a:rPr kumimoji="1" lang="zh-CN" altLang="en-US" dirty="0"/>
+              <a:t>返回</a:t>
+            </a:r>
+            <a:r>
+              <a:rPr kumimoji="1" lang="en-US" altLang="zh-CN" dirty="0" err="1"/>
+              <a:t>json</a:t>
+            </a:r>
+            <a:r>
+              <a:rPr kumimoji="1" lang="zh-CN" altLang="en-US" dirty="0"/>
+              <a:t>结构</a:t>
+            </a:r>
+            <a:r>
+              <a:rPr kumimoji="1" lang="en-US" altLang="zh-CN" dirty="0"/>
+              <a:t>: </a:t>
+            </a:r>
+            <a:endParaRPr kumimoji="1" lang="en-US" altLang="zh-CN" dirty="0" smtClean="0"/>
+          </a:p>
+          <a:p>
+            <a:r>
+              <a:rPr lang="en-US" altLang="zh-CN" dirty="0" err="1" smtClean="0"/>
+              <a:t>honor</a:t>
+            </a:r>
+            <a:r>
+              <a:rPr lang="en-US" altLang="zh-CN" dirty="0" err="1" smtClean="0"/>
+              <a:t>pic</a:t>
+            </a:r>
+            <a:r>
+              <a:rPr lang="en-US" altLang="zh-CN" dirty="0"/>
+              <a:t>: </a:t>
+            </a:r>
+            <a:r>
+              <a:rPr lang="en-US" altLang="zh-CN" dirty="0" smtClean="0"/>
+              <a:t>[picname1</a:t>
+            </a:r>
+            <a:r>
+              <a:rPr lang="en-US" altLang="zh-CN" dirty="0"/>
+              <a:t>.jpg, </a:t>
+            </a:r>
+            <a:r>
+              <a:rPr lang="en-US" altLang="zh-CN" dirty="0" smtClean="0"/>
+              <a:t>picname2</a:t>
+            </a:r>
+            <a:r>
+              <a:rPr lang="en-US" altLang="zh-CN" dirty="0"/>
+              <a:t>.jpg, picname3.jpg</a:t>
+            </a:r>
+            <a:r>
+              <a:rPr lang="en-US" altLang="zh-CN" dirty="0" smtClean="0"/>
+              <a:t>]</a:t>
+            </a:r>
+            <a:endParaRPr lang="en-US" altLang="zh-CN" dirty="0"/>
+          </a:p>
+        </p:txBody>
+      </p:sp>
+      <p:sp>
+        <p:nvSpPr>
+          <p:cNvPr id="6" name="文本框 5"/>
+          <p:cNvSpPr txBox="1"/>
+          <p:nvPr/>
+        </p:nvSpPr>
+        <p:spPr>
+          <a:xfrm>
+            <a:off x="834366" y="3630744"/>
+            <a:ext cx="6572457" cy="369332"/>
+          </a:xfrm>
+          <a:prstGeom prst="rect">
+            <a:avLst/>
+          </a:prstGeom>
+          <a:noFill/>
+        </p:spPr>
+        <p:txBody>
+          <a:bodyPr wrap="none" rtlCol="0">
+            <a:spAutoFit/>
+          </a:bodyPr>
+          <a:lstStyle/>
+          <a:p>
+            <a:r>
+              <a:rPr kumimoji="1" lang="zh-CN" altLang="en-US" dirty="0" smtClean="0"/>
+              <a:t>增加‘</a:t>
+            </a:r>
+            <a:r>
+              <a:rPr kumimoji="1" lang="zh-CN" altLang="en-US" dirty="0"/>
+              <a:t>企业荣誉</a:t>
+            </a:r>
+            <a:r>
+              <a:rPr kumimoji="1" lang="zh-CN" altLang="en-US" dirty="0" smtClean="0"/>
+              <a:t>’图片，向</a:t>
+            </a:r>
+            <a:r>
+              <a:rPr kumimoji="1" lang="en-US" altLang="zh-CN" dirty="0" smtClean="0"/>
+              <a:t>/</a:t>
+            </a:r>
+            <a:r>
+              <a:rPr kumimoji="1" lang="en-US" altLang="zh-CN" dirty="0" err="1" smtClean="0"/>
+              <a:t>manage</a:t>
+            </a:r>
+            <a:r>
+              <a:rPr lang="en-US" altLang="zh-CN" dirty="0" err="1" smtClean="0"/>
+              <a:t>CompanyCulture</a:t>
+            </a:r>
+            <a:r>
+              <a:rPr lang="zh-CN" altLang="en-US" dirty="0" smtClean="0"/>
+              <a:t>发送请求</a:t>
+            </a:r>
+            <a:r>
+              <a:rPr lang="en-US" altLang="zh-CN" dirty="0" smtClean="0"/>
+              <a:t>:</a:t>
+            </a:r>
+            <a:endParaRPr kumimoji="1" lang="zh-CN" altLang="en-US" dirty="0"/>
+          </a:p>
+        </p:txBody>
+      </p:sp>
+      <p:sp>
+        <p:nvSpPr>
+          <p:cNvPr id="7" name="矩形 6"/>
+          <p:cNvSpPr/>
+          <p:nvPr/>
+        </p:nvSpPr>
+        <p:spPr>
+          <a:xfrm>
+            <a:off x="1977100" y="4139264"/>
+            <a:ext cx="4572000" cy="646331"/>
+          </a:xfrm>
+          <a:prstGeom prst="rect">
+            <a:avLst/>
+          </a:prstGeom>
+        </p:spPr>
+        <p:txBody>
+          <a:bodyPr>
+            <a:spAutoFit/>
+          </a:bodyPr>
+          <a:lstStyle/>
+          <a:p>
+            <a:r>
+              <a:rPr kumimoji="1" lang="en-US" altLang="zh-CN" dirty="0" err="1"/>
+              <a:t>part:</a:t>
+            </a:r>
+            <a:r>
+              <a:rPr lang="en-US" altLang="zh-CN" dirty="0" err="1"/>
+              <a:t>companyhonor</a:t>
+            </a:r>
+            <a:r>
+              <a:rPr kumimoji="1" lang="en-US" altLang="zh-CN" dirty="0"/>
+              <a:t> </a:t>
+            </a:r>
+            <a:r>
+              <a:rPr kumimoji="1" lang="en-US" altLang="zh-CN" dirty="0" smtClean="0"/>
+              <a:t>      </a:t>
+            </a:r>
+            <a:r>
+              <a:rPr kumimoji="1" lang="en-US" altLang="zh-CN" dirty="0" err="1" smtClean="0"/>
+              <a:t>manage:</a:t>
+            </a:r>
+            <a:r>
+              <a:rPr kumimoji="1" lang="en-US" altLang="zh-CN" dirty="0" err="1" smtClean="0"/>
+              <a:t>add</a:t>
+            </a:r>
+            <a:r>
+              <a:rPr kumimoji="1" lang="en-US" altLang="zh-CN" dirty="0" smtClean="0"/>
+              <a:t>   </a:t>
+            </a:r>
+            <a:r>
+              <a:rPr kumimoji="1" lang="en-US" altLang="zh-CN" dirty="0" err="1" smtClean="0"/>
+              <a:t>pic:xxx</a:t>
+            </a:r>
+            <a:endParaRPr kumimoji="1" lang="zh-CN" altLang="en-US" dirty="0"/>
+          </a:p>
+        </p:txBody>
+      </p:sp>
+      <p:sp>
+        <p:nvSpPr>
+          <p:cNvPr id="8" name="文本框 7"/>
+          <p:cNvSpPr txBox="1"/>
+          <p:nvPr/>
+        </p:nvSpPr>
+        <p:spPr>
+          <a:xfrm>
+            <a:off x="2424096" y="4865706"/>
+            <a:ext cx="3173540" cy="369332"/>
+          </a:xfrm>
+          <a:prstGeom prst="rect">
+            <a:avLst/>
+          </a:prstGeom>
+          <a:noFill/>
+        </p:spPr>
+        <p:txBody>
+          <a:bodyPr wrap="none" rtlCol="0">
+            <a:spAutoFit/>
+          </a:bodyPr>
+          <a:lstStyle/>
+          <a:p>
+            <a:r>
+              <a:rPr kumimoji="1" lang="zh-CN" altLang="en-US" dirty="0"/>
+              <a:t>返回</a:t>
+            </a:r>
+            <a:r>
+              <a:rPr kumimoji="1" lang="en-US" altLang="zh-CN" dirty="0" err="1"/>
+              <a:t>json</a:t>
+            </a:r>
+            <a:r>
+              <a:rPr kumimoji="1" lang="zh-CN" altLang="en-US" dirty="0"/>
+              <a:t>结构</a:t>
+            </a:r>
+            <a:r>
+              <a:rPr kumimoji="1" lang="en-US" altLang="zh-CN" dirty="0"/>
+              <a:t>: </a:t>
+            </a:r>
+            <a:r>
+              <a:rPr kumimoji="1" lang="en-US" altLang="zh-CN" dirty="0" err="1"/>
+              <a:t>status:success</a:t>
+            </a:r>
+            <a:endParaRPr kumimoji="1" lang="zh-CN" altLang="en-US" dirty="0"/>
+          </a:p>
+        </p:txBody>
+      </p:sp>
+      <p:sp>
+        <p:nvSpPr>
+          <p:cNvPr id="9" name="文本框 8"/>
+          <p:cNvSpPr txBox="1"/>
+          <p:nvPr/>
+        </p:nvSpPr>
+        <p:spPr>
+          <a:xfrm>
+            <a:off x="986766" y="5238133"/>
+            <a:ext cx="6110793" cy="369332"/>
+          </a:xfrm>
+          <a:prstGeom prst="rect">
+            <a:avLst/>
+          </a:prstGeom>
+          <a:noFill/>
+        </p:spPr>
+        <p:txBody>
+          <a:bodyPr wrap="none" rtlCol="0">
+            <a:spAutoFit/>
+          </a:bodyPr>
+          <a:lstStyle/>
+          <a:p>
+            <a:r>
+              <a:rPr kumimoji="1" lang="zh-CN" altLang="en-US" dirty="0" smtClean="0"/>
+              <a:t>删除‘</a:t>
+            </a:r>
+            <a:r>
+              <a:rPr kumimoji="1" lang="zh-CN" altLang="en-US" dirty="0"/>
+              <a:t>企业荣誉</a:t>
+            </a:r>
+            <a:r>
+              <a:rPr kumimoji="1" lang="zh-CN" altLang="en-US" dirty="0" smtClean="0"/>
+              <a:t>’，向</a:t>
+            </a:r>
+            <a:r>
+              <a:rPr kumimoji="1" lang="en-US" altLang="zh-CN" dirty="0" smtClean="0"/>
+              <a:t>/</a:t>
+            </a:r>
+            <a:r>
+              <a:rPr kumimoji="1" lang="en-US" altLang="zh-CN" dirty="0" err="1" smtClean="0"/>
+              <a:t>manage</a:t>
+            </a:r>
+            <a:r>
+              <a:rPr lang="en-US" altLang="zh-CN" dirty="0" err="1" smtClean="0"/>
+              <a:t>CompanyCulture</a:t>
+            </a:r>
+            <a:r>
+              <a:rPr lang="zh-CN" altLang="en-US" dirty="0" smtClean="0"/>
+              <a:t>发送请求</a:t>
+            </a:r>
+            <a:r>
+              <a:rPr lang="en-US" altLang="zh-CN" dirty="0" smtClean="0"/>
+              <a:t>:</a:t>
+            </a:r>
+            <a:endParaRPr kumimoji="1" lang="zh-CN" altLang="en-US" dirty="0"/>
+          </a:p>
+        </p:txBody>
+      </p:sp>
+      <p:sp>
+        <p:nvSpPr>
+          <p:cNvPr id="10" name="矩形 9"/>
+          <p:cNvSpPr/>
+          <p:nvPr/>
+        </p:nvSpPr>
+        <p:spPr>
+          <a:xfrm>
+            <a:off x="1866363" y="5742152"/>
+            <a:ext cx="4572000" cy="646331"/>
+          </a:xfrm>
+          <a:prstGeom prst="rect">
+            <a:avLst/>
+          </a:prstGeom>
+        </p:spPr>
+        <p:txBody>
+          <a:bodyPr>
+            <a:spAutoFit/>
+          </a:bodyPr>
+          <a:lstStyle/>
+          <a:p>
+            <a:r>
+              <a:rPr kumimoji="1" lang="en-US" altLang="zh-CN" dirty="0" err="1"/>
+              <a:t>part:</a:t>
+            </a:r>
+            <a:r>
+              <a:rPr lang="en-US" altLang="zh-CN" dirty="0" err="1"/>
+              <a:t>companyhonor</a:t>
+            </a:r>
+            <a:r>
+              <a:rPr kumimoji="1" lang="en-US" altLang="zh-CN" dirty="0"/>
+              <a:t> </a:t>
+            </a:r>
+            <a:r>
+              <a:rPr kumimoji="1" lang="en-US" altLang="zh-CN" dirty="0" smtClean="0"/>
+              <a:t>      </a:t>
+            </a:r>
+            <a:r>
+              <a:rPr kumimoji="1" lang="en-US" altLang="zh-CN" dirty="0" err="1" smtClean="0"/>
+              <a:t>manage:</a:t>
+            </a:r>
+            <a:r>
+              <a:rPr kumimoji="1" lang="en-US" altLang="zh-CN" dirty="0" err="1" smtClean="0"/>
+              <a:t>delete</a:t>
+            </a:r>
+            <a:r>
+              <a:rPr kumimoji="1" lang="en-US" altLang="zh-CN" dirty="0" smtClean="0"/>
+              <a:t>   </a:t>
+            </a:r>
+            <a:r>
+              <a:rPr kumimoji="1" lang="en-US" altLang="zh-CN" dirty="0" err="1" smtClean="0"/>
+              <a:t>pic:xxx</a:t>
+            </a:r>
+            <a:endParaRPr kumimoji="1" lang="zh-CN" altLang="en-US" dirty="0"/>
+          </a:p>
+        </p:txBody>
+      </p:sp>
+      <p:sp>
+        <p:nvSpPr>
+          <p:cNvPr id="11" name="文本框 10"/>
+          <p:cNvSpPr txBox="1"/>
+          <p:nvPr/>
+        </p:nvSpPr>
+        <p:spPr>
+          <a:xfrm>
+            <a:off x="2313359" y="6468594"/>
+            <a:ext cx="3173540" cy="369332"/>
+          </a:xfrm>
+          <a:prstGeom prst="rect">
+            <a:avLst/>
+          </a:prstGeom>
+          <a:noFill/>
+        </p:spPr>
+        <p:txBody>
+          <a:bodyPr wrap="none" rtlCol="0">
+            <a:spAutoFit/>
+          </a:bodyPr>
+          <a:lstStyle/>
+          <a:p>
+            <a:r>
+              <a:rPr kumimoji="1" lang="zh-CN" altLang="en-US" dirty="0"/>
+              <a:t>返回</a:t>
+            </a:r>
+            <a:r>
+              <a:rPr kumimoji="1" lang="en-US" altLang="zh-CN" dirty="0" err="1"/>
+              <a:t>json</a:t>
+            </a:r>
+            <a:r>
+              <a:rPr kumimoji="1" lang="zh-CN" altLang="en-US" dirty="0"/>
+              <a:t>结构</a:t>
+            </a:r>
+            <a:r>
+              <a:rPr kumimoji="1" lang="en-US" altLang="zh-CN" dirty="0"/>
+              <a:t>: </a:t>
+            </a:r>
+            <a:r>
+              <a:rPr kumimoji="1" lang="en-US" altLang="zh-CN" dirty="0" err="1"/>
+              <a:t>status:success</a:t>
+            </a:r>
+            <a:endParaRPr kumimoji="1" lang="zh-CN" altLang="en-US" dirty="0"/>
+          </a:p>
+        </p:txBody>
+      </p:sp>
+    </p:spTree>
+    <p:extLst>
+      <p:ext uri="{BB962C8B-B14F-4D97-AF65-F5344CB8AC3E}">
+        <p14:creationId xmlns:p14="http://schemas.microsoft.com/office/powerpoint/2010/main" val="1602835260"/>
+      </p:ext>
+    </p:extLst>
+  </p:cSld>
+  <p:clrMapOvr>
+    <a:masterClrMapping/>
+  </p:clrMapOvr>
+</p:sld>
+</file>
+
+<file path=ppt/slides/slide34.xml><?xml version="1.0" encoding="utf-8"?>
+<p:sld xmlns:a="http://schemas.openxmlformats.org/drawingml/2006/main" xmlns:r="http://schemas.openxmlformats.org/officeDocument/2006/relationships" xmlns:p="http://schemas.openxmlformats.org/presentationml/2006/main">
+  <p:cSld>
+    <p:spTree>
+      <p:nvGrpSpPr>
+        <p:cNvPr id="1" name=""/>
+        <p:cNvGrpSpPr/>
+        <p:nvPr/>
+      </p:nvGrpSpPr>
+      <p:grpSpPr>
+        <a:xfrm>
+          <a:off x="0" y="0"/>
+          <a:ext cx="0" cy="0"/>
+          <a:chOff x="0" y="0"/>
+          <a:chExt cx="0" cy="0"/>
+        </a:xfrm>
+      </p:grpSpPr>
+      <p:sp>
+        <p:nvSpPr>
+          <p:cNvPr id="2" name="标题 1"/>
+          <p:cNvSpPr>
+            <a:spLocks noGrp="1"/>
+          </p:cNvSpPr>
+          <p:nvPr>
+            <p:ph type="title"/>
+          </p:nvPr>
+        </p:nvSpPr>
+        <p:spPr/>
+        <p:txBody>
+          <a:bodyPr/>
+          <a:lstStyle/>
+          <a:p>
+            <a:r>
+              <a:rPr kumimoji="1" lang="zh-CN" altLang="en-US" dirty="0" smtClean="0"/>
+              <a:t>六、联系我们</a:t>
+            </a:r>
+            <a:endParaRPr kumimoji="1" lang="zh-CN" altLang="en-US" dirty="0"/>
+          </a:p>
+        </p:txBody>
+      </p:sp>
+    </p:spTree>
+    <p:extLst>
+      <p:ext uri="{BB962C8B-B14F-4D97-AF65-F5344CB8AC3E}">
+        <p14:creationId xmlns:p14="http://schemas.microsoft.com/office/powerpoint/2010/main" val="3137606753"/>
+      </p:ext>
+    </p:extLst>
+  </p:cSld>
+  <p:clrMapOvr>
+    <a:masterClrMapping/>
+  </p:clrMapOvr>
+</p:sld>
+</file>
+
+<file path=ppt/slides/slide35.xml><?xml version="1.0" encoding="utf-8"?>
+<p:sld xmlns:a="http://schemas.openxmlformats.org/drawingml/2006/main" xmlns:r="http://schemas.openxmlformats.org/officeDocument/2006/relationships" xmlns:p="http://schemas.openxmlformats.org/presentationml/2006/main">
+  <p:cSld>
+    <p:spTree>
+      <p:nvGrpSpPr>
+        <p:cNvPr id="1" name=""/>
+        <p:cNvGrpSpPr/>
+        <p:nvPr/>
+      </p:nvGrpSpPr>
+      <p:grpSpPr>
+        <a:xfrm>
+          <a:off x="0" y="0"/>
+          <a:ext cx="0" cy="0"/>
+          <a:chOff x="0" y="0"/>
+          <a:chExt cx="0" cy="0"/>
+        </a:xfrm>
+      </p:grpSpPr>
+      <p:sp>
+        <p:nvSpPr>
+          <p:cNvPr id="2" name="标题 1"/>
+          <p:cNvSpPr>
+            <a:spLocks noGrp="1"/>
+          </p:cNvSpPr>
+          <p:nvPr>
+            <p:ph type="title"/>
+          </p:nvPr>
+        </p:nvSpPr>
+        <p:spPr/>
+        <p:txBody>
+          <a:bodyPr/>
+          <a:lstStyle/>
+          <a:p>
+            <a:r>
+              <a:rPr kumimoji="1" lang="zh-CN" altLang="en-US" dirty="0"/>
+              <a:t>六、联系我们</a:t>
+            </a:r>
+          </a:p>
+        </p:txBody>
+      </p:sp>
+      <p:sp>
+        <p:nvSpPr>
+          <p:cNvPr id="3" name="文本框 2"/>
+          <p:cNvSpPr txBox="1"/>
+          <p:nvPr/>
+        </p:nvSpPr>
+        <p:spPr>
+          <a:xfrm>
+            <a:off x="834366" y="1681962"/>
+            <a:ext cx="5456392" cy="369332"/>
+          </a:xfrm>
+          <a:prstGeom prst="rect">
+            <a:avLst/>
+          </a:prstGeom>
+          <a:noFill/>
+        </p:spPr>
+        <p:txBody>
+          <a:bodyPr wrap="none" rtlCol="0">
+            <a:spAutoFit/>
+          </a:bodyPr>
+          <a:lstStyle/>
+          <a:p>
+            <a:r>
+              <a:rPr kumimoji="1" lang="zh-CN" altLang="en-US" dirty="0" smtClean="0"/>
+              <a:t>点击‘联系我们’，向</a:t>
+            </a:r>
+            <a:r>
+              <a:rPr kumimoji="1" lang="en-US" altLang="zh-CN" dirty="0" smtClean="0"/>
+              <a:t>/</a:t>
+            </a:r>
+            <a:r>
+              <a:rPr kumimoji="1" lang="en-US" altLang="zh-CN" dirty="0" err="1" smtClean="0"/>
+              <a:t>manageC</a:t>
+            </a:r>
+            <a:r>
+              <a:rPr lang="en-US" altLang="zh-CN" dirty="0" err="1" smtClean="0"/>
+              <a:t>ontactUs</a:t>
+            </a:r>
+            <a:r>
+              <a:rPr lang="zh-CN" altLang="en-US" dirty="0" smtClean="0"/>
+              <a:t>发送请求</a:t>
+            </a:r>
+            <a:r>
+              <a:rPr lang="en-US" altLang="zh-CN" dirty="0" smtClean="0"/>
+              <a:t>:</a:t>
+            </a:r>
+            <a:endParaRPr kumimoji="1" lang="zh-CN" altLang="en-US" dirty="0"/>
+          </a:p>
+        </p:txBody>
+      </p:sp>
+      <p:sp>
+        <p:nvSpPr>
+          <p:cNvPr id="4" name="矩形 3"/>
+          <p:cNvSpPr/>
+          <p:nvPr/>
+        </p:nvSpPr>
+        <p:spPr>
+          <a:xfrm>
+            <a:off x="1977100" y="2190482"/>
+            <a:ext cx="4572000" cy="369332"/>
+          </a:xfrm>
+          <a:prstGeom prst="rect">
+            <a:avLst/>
+          </a:prstGeom>
+        </p:spPr>
+        <p:txBody>
+          <a:bodyPr>
+            <a:spAutoFit/>
+          </a:bodyPr>
+          <a:lstStyle/>
+          <a:p>
+            <a:r>
+              <a:rPr kumimoji="1" lang="en-US" altLang="zh-CN" dirty="0" smtClean="0"/>
+              <a:t>               </a:t>
+            </a:r>
+            <a:r>
+              <a:rPr kumimoji="1" lang="en-US" altLang="zh-CN" dirty="0" err="1" smtClean="0"/>
+              <a:t>manage:get</a:t>
+            </a:r>
+            <a:endParaRPr kumimoji="1" lang="zh-CN" altLang="en-US" dirty="0"/>
+          </a:p>
+        </p:txBody>
+      </p:sp>
+      <p:sp>
+        <p:nvSpPr>
+          <p:cNvPr id="5" name="文本框 4"/>
+          <p:cNvSpPr txBox="1"/>
+          <p:nvPr/>
+        </p:nvSpPr>
+        <p:spPr>
+          <a:xfrm>
+            <a:off x="2309688" y="2794062"/>
+            <a:ext cx="2827291" cy="369332"/>
+          </a:xfrm>
+          <a:prstGeom prst="rect">
+            <a:avLst/>
+          </a:prstGeom>
+          <a:noFill/>
+        </p:spPr>
+        <p:txBody>
+          <a:bodyPr wrap="none" rtlCol="0">
+            <a:spAutoFit/>
+          </a:bodyPr>
+          <a:lstStyle/>
+          <a:p>
+            <a:r>
+              <a:rPr kumimoji="1" lang="zh-CN" altLang="en-US" dirty="0"/>
+              <a:t>返回</a:t>
+            </a:r>
+            <a:r>
+              <a:rPr kumimoji="1" lang="en-US" altLang="zh-CN" dirty="0" err="1"/>
+              <a:t>json</a:t>
+            </a:r>
+            <a:r>
+              <a:rPr kumimoji="1" lang="zh-CN" altLang="en-US" dirty="0"/>
+              <a:t>结构</a:t>
+            </a:r>
+            <a:r>
+              <a:rPr kumimoji="1" lang="en-US" altLang="zh-CN" dirty="0"/>
+              <a:t>: </a:t>
+            </a:r>
+            <a:r>
+              <a:rPr kumimoji="1" lang="en-US" altLang="zh-CN" dirty="0" err="1" smtClean="0"/>
+              <a:t>content:xxx</a:t>
+            </a:r>
+            <a:endParaRPr kumimoji="1" lang="zh-CN" altLang="en-US" dirty="0"/>
+          </a:p>
+        </p:txBody>
+      </p:sp>
+      <p:sp>
+        <p:nvSpPr>
+          <p:cNvPr id="6" name="文本框 5"/>
+          <p:cNvSpPr txBox="1"/>
+          <p:nvPr/>
+        </p:nvSpPr>
+        <p:spPr>
+          <a:xfrm>
+            <a:off x="834366" y="3630744"/>
+            <a:ext cx="5456392" cy="369332"/>
+          </a:xfrm>
+          <a:prstGeom prst="rect">
+            <a:avLst/>
+          </a:prstGeom>
+          <a:noFill/>
+        </p:spPr>
+        <p:txBody>
+          <a:bodyPr wrap="none" rtlCol="0">
+            <a:spAutoFit/>
+          </a:bodyPr>
+          <a:lstStyle/>
+          <a:p>
+            <a:r>
+              <a:rPr kumimoji="1" lang="zh-CN" altLang="en-US" dirty="0" smtClean="0"/>
+              <a:t>保存‘</a:t>
+            </a:r>
+            <a:r>
+              <a:rPr kumimoji="1" lang="zh-CN" altLang="en-US" dirty="0"/>
+              <a:t>联系我们</a:t>
+            </a:r>
+            <a:r>
+              <a:rPr kumimoji="1" lang="zh-CN" altLang="en-US" dirty="0" smtClean="0"/>
+              <a:t>’，向</a:t>
+            </a:r>
+            <a:r>
+              <a:rPr kumimoji="1" lang="en-US" altLang="zh-CN" dirty="0" smtClean="0"/>
+              <a:t>/</a:t>
+            </a:r>
+            <a:r>
+              <a:rPr kumimoji="1" lang="en-US" altLang="zh-CN" dirty="0" err="1"/>
+              <a:t>manageC</a:t>
+            </a:r>
+            <a:r>
+              <a:rPr lang="en-US" altLang="zh-CN" dirty="0" err="1"/>
+              <a:t>ontactUs</a:t>
+            </a:r>
+            <a:r>
+              <a:rPr lang="zh-CN" altLang="en-US" dirty="0" smtClean="0"/>
+              <a:t>发送请求</a:t>
+            </a:r>
+            <a:r>
+              <a:rPr lang="en-US" altLang="zh-CN" dirty="0" smtClean="0"/>
+              <a:t>:</a:t>
+            </a:r>
+            <a:endParaRPr kumimoji="1" lang="zh-CN" altLang="en-US" dirty="0"/>
+          </a:p>
+        </p:txBody>
+      </p:sp>
+      <p:sp>
+        <p:nvSpPr>
+          <p:cNvPr id="7" name="矩形 6"/>
+          <p:cNvSpPr/>
+          <p:nvPr/>
+        </p:nvSpPr>
+        <p:spPr>
+          <a:xfrm>
+            <a:off x="1977100" y="4139264"/>
+            <a:ext cx="4572000" cy="369332"/>
+          </a:xfrm>
+          <a:prstGeom prst="rect">
+            <a:avLst/>
+          </a:prstGeom>
+        </p:spPr>
+        <p:txBody>
+          <a:bodyPr>
+            <a:spAutoFit/>
+          </a:bodyPr>
+          <a:lstStyle/>
+          <a:p>
+            <a:r>
+              <a:rPr kumimoji="1" lang="en-US" altLang="zh-CN" dirty="0" err="1" smtClean="0"/>
+              <a:t>manage:</a:t>
+            </a:r>
+            <a:r>
+              <a:rPr kumimoji="1" lang="en-US" altLang="zh-CN" dirty="0" err="1" smtClean="0"/>
+              <a:t>edit</a:t>
+            </a:r>
+            <a:r>
+              <a:rPr kumimoji="1" lang="en-US" altLang="zh-CN" dirty="0" smtClean="0"/>
+              <a:t>      </a:t>
+            </a:r>
+            <a:r>
+              <a:rPr kumimoji="1" lang="en-US" altLang="zh-CN" dirty="0" err="1" smtClean="0"/>
+              <a:t>content:xxx</a:t>
+            </a:r>
+            <a:endParaRPr kumimoji="1" lang="zh-CN" altLang="en-US" dirty="0"/>
+          </a:p>
+        </p:txBody>
+      </p:sp>
+      <p:sp>
+        <p:nvSpPr>
+          <p:cNvPr id="8" name="文本框 7"/>
+          <p:cNvSpPr txBox="1"/>
+          <p:nvPr/>
+        </p:nvSpPr>
+        <p:spPr>
+          <a:xfrm>
+            <a:off x="2309688" y="5025245"/>
+            <a:ext cx="3173540" cy="369332"/>
+          </a:xfrm>
+          <a:prstGeom prst="rect">
+            <a:avLst/>
+          </a:prstGeom>
+          <a:noFill/>
+        </p:spPr>
+        <p:txBody>
+          <a:bodyPr wrap="none" rtlCol="0">
+            <a:spAutoFit/>
+          </a:bodyPr>
+          <a:lstStyle/>
+          <a:p>
+            <a:r>
+              <a:rPr kumimoji="1" lang="zh-CN" altLang="en-US" dirty="0"/>
+              <a:t>返回</a:t>
+            </a:r>
+            <a:r>
+              <a:rPr kumimoji="1" lang="en-US" altLang="zh-CN" dirty="0" err="1"/>
+              <a:t>json</a:t>
+            </a:r>
+            <a:r>
+              <a:rPr kumimoji="1" lang="zh-CN" altLang="en-US" dirty="0"/>
+              <a:t>结构</a:t>
+            </a:r>
+            <a:r>
+              <a:rPr kumimoji="1" lang="en-US" altLang="zh-CN" dirty="0"/>
+              <a:t>: </a:t>
+            </a:r>
+            <a:r>
+              <a:rPr kumimoji="1" lang="en-US" altLang="zh-CN" dirty="0" err="1"/>
+              <a:t>status:success</a:t>
+            </a:r>
+            <a:endParaRPr kumimoji="1" lang="zh-CN" altLang="en-US" dirty="0"/>
+          </a:p>
+        </p:txBody>
+      </p:sp>
+    </p:spTree>
+    <p:extLst>
+      <p:ext uri="{BB962C8B-B14F-4D97-AF65-F5344CB8AC3E}">
+        <p14:creationId xmlns:p14="http://schemas.microsoft.com/office/powerpoint/2010/main" val="3836971746"/>
+      </p:ext>
+    </p:extLst>
+  </p:cSld>
+  <p:clrMapOvr>
+    <a:masterClrMapping/>
+  </p:clrMapOvr>
+</p:sld>
+</file>
+
+<file path=ppt/slides/slide36.xml><?xml version="1.0" encoding="utf-8"?>
+<p:sld xmlns:a="http://schemas.openxmlformats.org/drawingml/2006/main" xmlns:r="http://schemas.openxmlformats.org/officeDocument/2006/relationships" xmlns:p="http://schemas.openxmlformats.org/presentationml/2006/main">
+  <p:cSld>
+    <p:spTree>
+      <p:nvGrpSpPr>
+        <p:cNvPr id="1" name=""/>
+        <p:cNvGrpSpPr/>
+        <p:nvPr/>
+      </p:nvGrpSpPr>
+      <p:grpSpPr>
+        <a:xfrm>
+          <a:off x="0" y="0"/>
+          <a:ext cx="0" cy="0"/>
+          <a:chOff x="0" y="0"/>
+          <a:chExt cx="0" cy="0"/>
+        </a:xfrm>
+      </p:grpSpPr>
+      <p:sp>
+        <p:nvSpPr>
+          <p:cNvPr id="2" name="标题 1"/>
+          <p:cNvSpPr>
+            <a:spLocks noGrp="1"/>
+          </p:cNvSpPr>
+          <p:nvPr>
+            <p:ph type="title"/>
+          </p:nvPr>
+        </p:nvSpPr>
+        <p:spPr/>
+        <p:txBody>
+          <a:bodyPr/>
+          <a:lstStyle/>
+          <a:p>
+            <a:r>
+              <a:rPr kumimoji="1" lang="zh-CN" altLang="en-US" dirty="0" smtClean="0"/>
+              <a:t>七、项目展示</a:t>
+            </a:r>
+            <a:endParaRPr kumimoji="1" lang="zh-CN" altLang="en-US" dirty="0"/>
+          </a:p>
+        </p:txBody>
+      </p:sp>
+    </p:spTree>
+    <p:extLst>
+      <p:ext uri="{BB962C8B-B14F-4D97-AF65-F5344CB8AC3E}">
+        <p14:creationId xmlns:p14="http://schemas.microsoft.com/office/powerpoint/2010/main" val="1430358160"/>
+      </p:ext>
+    </p:extLst>
+  </p:cSld>
+  <p:clrMapOvr>
+    <a:masterClrMapping/>
+  </p:clrMapOvr>
+</p:sld>
+</file>
+
+<file path=ppt/slides/slide37.xml><?xml version="1.0" encoding="utf-8"?>
+<p:sld xmlns:a="http://schemas.openxmlformats.org/drawingml/2006/main" xmlns:r="http://schemas.openxmlformats.org/officeDocument/2006/relationships" xmlns:p="http://schemas.openxmlformats.org/presentationml/2006/main">
+  <p:cSld>
+    <p:spTree>
+      <p:nvGrpSpPr>
+        <p:cNvPr id="1" name=""/>
+        <p:cNvGrpSpPr/>
+        <p:nvPr/>
+      </p:nvGrpSpPr>
+      <p:grpSpPr>
+        <a:xfrm>
+          <a:off x="0" y="0"/>
+          <a:ext cx="0" cy="0"/>
+          <a:chOff x="0" y="0"/>
+          <a:chExt cx="0" cy="0"/>
+        </a:xfrm>
+      </p:grpSpPr>
+      <p:sp>
+        <p:nvSpPr>
+          <p:cNvPr id="2" name="标题 1"/>
+          <p:cNvSpPr>
+            <a:spLocks noGrp="1"/>
+          </p:cNvSpPr>
+          <p:nvPr>
+            <p:ph type="title"/>
+          </p:nvPr>
+        </p:nvSpPr>
+        <p:spPr/>
+        <p:txBody>
+          <a:bodyPr/>
+          <a:lstStyle/>
+          <a:p>
+            <a:r>
+              <a:rPr kumimoji="1" lang="zh-CN" altLang="en-US" dirty="0"/>
+              <a:t>七、项目展示</a:t>
+            </a:r>
+          </a:p>
+        </p:txBody>
+      </p:sp>
+      <p:sp>
+        <p:nvSpPr>
+          <p:cNvPr id="3" name="文本框 2"/>
+          <p:cNvSpPr txBox="1"/>
+          <p:nvPr/>
+        </p:nvSpPr>
+        <p:spPr>
+          <a:xfrm>
+            <a:off x="834366" y="1681962"/>
+            <a:ext cx="5456392" cy="369332"/>
+          </a:xfrm>
+          <a:prstGeom prst="rect">
+            <a:avLst/>
+          </a:prstGeom>
+          <a:noFill/>
+        </p:spPr>
+        <p:txBody>
+          <a:bodyPr wrap="none" rtlCol="0">
+            <a:spAutoFit/>
+          </a:bodyPr>
+          <a:lstStyle/>
+          <a:p>
+            <a:r>
+              <a:rPr kumimoji="1" lang="zh-CN" altLang="en-US" dirty="0" smtClean="0"/>
+              <a:t>点击‘联系我们’，向</a:t>
+            </a:r>
+            <a:r>
+              <a:rPr kumimoji="1" lang="en-US" altLang="zh-CN" dirty="0" smtClean="0"/>
+              <a:t>/</a:t>
+            </a:r>
+            <a:r>
+              <a:rPr kumimoji="1" lang="en-US" altLang="zh-CN" dirty="0" err="1" smtClean="0"/>
+              <a:t>manageC</a:t>
+            </a:r>
+            <a:r>
+              <a:rPr lang="en-US" altLang="zh-CN" dirty="0" err="1" smtClean="0"/>
+              <a:t>ontactUs</a:t>
+            </a:r>
+            <a:r>
+              <a:rPr lang="zh-CN" altLang="en-US" dirty="0" smtClean="0"/>
+              <a:t>发送请求</a:t>
+            </a:r>
+            <a:r>
+              <a:rPr lang="en-US" altLang="zh-CN" dirty="0" smtClean="0"/>
+              <a:t>:</a:t>
+            </a:r>
+            <a:endParaRPr kumimoji="1" lang="zh-CN" altLang="en-US" dirty="0"/>
+          </a:p>
+        </p:txBody>
+      </p:sp>
+      <p:sp>
+        <p:nvSpPr>
+          <p:cNvPr id="4" name="矩形 3"/>
+          <p:cNvSpPr/>
+          <p:nvPr/>
+        </p:nvSpPr>
+        <p:spPr>
+          <a:xfrm>
+            <a:off x="1977100" y="2190482"/>
+            <a:ext cx="4572000" cy="369332"/>
+          </a:xfrm>
+          <a:prstGeom prst="rect">
+            <a:avLst/>
+          </a:prstGeom>
+        </p:spPr>
+        <p:txBody>
+          <a:bodyPr>
+            <a:spAutoFit/>
+          </a:bodyPr>
+          <a:lstStyle/>
+          <a:p>
+            <a:r>
+              <a:rPr kumimoji="1" lang="en-US" altLang="zh-CN" dirty="0" smtClean="0"/>
+              <a:t>               </a:t>
+            </a:r>
+            <a:r>
+              <a:rPr kumimoji="1" lang="en-US" altLang="zh-CN" dirty="0" err="1" smtClean="0"/>
+              <a:t>manage:get</a:t>
+            </a:r>
+            <a:endParaRPr kumimoji="1" lang="zh-CN" altLang="en-US" dirty="0"/>
+          </a:p>
+        </p:txBody>
+      </p:sp>
+      <p:sp>
+        <p:nvSpPr>
+          <p:cNvPr id="5" name="文本框 4"/>
+          <p:cNvSpPr txBox="1"/>
+          <p:nvPr/>
+        </p:nvSpPr>
+        <p:spPr>
+          <a:xfrm>
+            <a:off x="2309688" y="2794062"/>
+            <a:ext cx="2827291" cy="369332"/>
+          </a:xfrm>
+          <a:prstGeom prst="rect">
+            <a:avLst/>
+          </a:prstGeom>
+          <a:noFill/>
+        </p:spPr>
+        <p:txBody>
+          <a:bodyPr wrap="none" rtlCol="0">
+            <a:spAutoFit/>
+          </a:bodyPr>
+          <a:lstStyle/>
+          <a:p>
+            <a:r>
+              <a:rPr kumimoji="1" lang="zh-CN" altLang="en-US" dirty="0"/>
+              <a:t>返回</a:t>
+            </a:r>
+            <a:r>
+              <a:rPr kumimoji="1" lang="en-US" altLang="zh-CN" dirty="0" err="1"/>
+              <a:t>json</a:t>
+            </a:r>
+            <a:r>
+              <a:rPr kumimoji="1" lang="zh-CN" altLang="en-US" dirty="0"/>
+              <a:t>结构</a:t>
+            </a:r>
+            <a:r>
+              <a:rPr kumimoji="1" lang="en-US" altLang="zh-CN" dirty="0"/>
+              <a:t>: </a:t>
+            </a:r>
+            <a:r>
+              <a:rPr kumimoji="1" lang="en-US" altLang="zh-CN" dirty="0" err="1" smtClean="0"/>
+              <a:t>content:xxx</a:t>
+            </a:r>
+            <a:endParaRPr kumimoji="1" lang="zh-CN" altLang="en-US" dirty="0"/>
+          </a:p>
+        </p:txBody>
+      </p:sp>
+      <p:sp>
+        <p:nvSpPr>
+          <p:cNvPr id="6" name="文本框 5"/>
+          <p:cNvSpPr txBox="1"/>
+          <p:nvPr/>
+        </p:nvSpPr>
+        <p:spPr>
+          <a:xfrm>
+            <a:off x="834366" y="3630744"/>
+            <a:ext cx="5456392" cy="369332"/>
+          </a:xfrm>
+          <a:prstGeom prst="rect">
+            <a:avLst/>
+          </a:prstGeom>
+          <a:noFill/>
+        </p:spPr>
+        <p:txBody>
+          <a:bodyPr wrap="none" rtlCol="0">
+            <a:spAutoFit/>
+          </a:bodyPr>
+          <a:lstStyle/>
+          <a:p>
+            <a:r>
+              <a:rPr kumimoji="1" lang="zh-CN" altLang="en-US" dirty="0" smtClean="0"/>
+              <a:t>保存‘</a:t>
+            </a:r>
+            <a:r>
+              <a:rPr kumimoji="1" lang="zh-CN" altLang="en-US" dirty="0"/>
+              <a:t>联系我们</a:t>
+            </a:r>
+            <a:r>
+              <a:rPr kumimoji="1" lang="zh-CN" altLang="en-US" dirty="0" smtClean="0"/>
+              <a:t>’，向</a:t>
+            </a:r>
+            <a:r>
+              <a:rPr kumimoji="1" lang="en-US" altLang="zh-CN" dirty="0" smtClean="0"/>
+              <a:t>/</a:t>
+            </a:r>
+            <a:r>
+              <a:rPr kumimoji="1" lang="en-US" altLang="zh-CN" dirty="0" err="1"/>
+              <a:t>manageC</a:t>
+            </a:r>
+            <a:r>
+              <a:rPr lang="en-US" altLang="zh-CN" dirty="0" err="1"/>
+              <a:t>ontactUs</a:t>
+            </a:r>
+            <a:r>
+              <a:rPr lang="zh-CN" altLang="en-US" dirty="0" smtClean="0"/>
+              <a:t>发送请求</a:t>
+            </a:r>
+            <a:r>
+              <a:rPr lang="en-US" altLang="zh-CN" dirty="0" smtClean="0"/>
+              <a:t>:</a:t>
+            </a:r>
+            <a:endParaRPr kumimoji="1" lang="zh-CN" altLang="en-US" dirty="0"/>
+          </a:p>
+        </p:txBody>
+      </p:sp>
+      <p:sp>
+        <p:nvSpPr>
+          <p:cNvPr id="7" name="矩形 6"/>
+          <p:cNvSpPr/>
+          <p:nvPr/>
+        </p:nvSpPr>
+        <p:spPr>
+          <a:xfrm>
+            <a:off x="1977100" y="4139264"/>
+            <a:ext cx="4572000" cy="369332"/>
+          </a:xfrm>
+          <a:prstGeom prst="rect">
+            <a:avLst/>
+          </a:prstGeom>
+        </p:spPr>
+        <p:txBody>
+          <a:bodyPr>
+            <a:spAutoFit/>
+          </a:bodyPr>
+          <a:lstStyle/>
+          <a:p>
+            <a:r>
+              <a:rPr kumimoji="1" lang="en-US" altLang="zh-CN" dirty="0" err="1" smtClean="0"/>
+              <a:t>manage:</a:t>
+            </a:r>
+            <a:r>
+              <a:rPr kumimoji="1" lang="en-US" altLang="zh-CN" dirty="0" err="1" smtClean="0"/>
+              <a:t>edit</a:t>
+            </a:r>
+            <a:r>
+              <a:rPr kumimoji="1" lang="en-US" altLang="zh-CN" dirty="0" smtClean="0"/>
+              <a:t>      </a:t>
+            </a:r>
+            <a:r>
+              <a:rPr kumimoji="1" lang="en-US" altLang="zh-CN" dirty="0" err="1" smtClean="0"/>
+              <a:t>content:xxx</a:t>
+            </a:r>
+            <a:endParaRPr kumimoji="1" lang="zh-CN" altLang="en-US" dirty="0"/>
+          </a:p>
+        </p:txBody>
+      </p:sp>
+      <p:sp>
+        <p:nvSpPr>
+          <p:cNvPr id="8" name="文本框 7"/>
+          <p:cNvSpPr txBox="1"/>
+          <p:nvPr/>
+        </p:nvSpPr>
+        <p:spPr>
+          <a:xfrm>
+            <a:off x="2309688" y="5025245"/>
+            <a:ext cx="3173540" cy="369332"/>
+          </a:xfrm>
+          <a:prstGeom prst="rect">
+            <a:avLst/>
+          </a:prstGeom>
+          <a:noFill/>
+        </p:spPr>
+        <p:txBody>
+          <a:bodyPr wrap="none" rtlCol="0">
+            <a:spAutoFit/>
+          </a:bodyPr>
+          <a:lstStyle/>
+          <a:p>
+            <a:r>
+              <a:rPr kumimoji="1" lang="zh-CN" altLang="en-US" dirty="0"/>
+              <a:t>返回</a:t>
+            </a:r>
+            <a:r>
+              <a:rPr kumimoji="1" lang="en-US" altLang="zh-CN" dirty="0" err="1"/>
+              <a:t>json</a:t>
+            </a:r>
+            <a:r>
+              <a:rPr kumimoji="1" lang="zh-CN" altLang="en-US" dirty="0"/>
+              <a:t>结构</a:t>
+            </a:r>
+            <a:r>
+              <a:rPr kumimoji="1" lang="en-US" altLang="zh-CN" dirty="0"/>
+              <a:t>: </a:t>
+            </a:r>
+            <a:r>
+              <a:rPr kumimoji="1" lang="en-US" altLang="zh-CN" dirty="0" err="1"/>
+              <a:t>status:success</a:t>
+            </a:r>
+            <a:endParaRPr kumimoji="1" lang="zh-CN" altLang="en-US" dirty="0"/>
+          </a:p>
+        </p:txBody>
+      </p:sp>
+    </p:spTree>
+    <p:extLst>
+      <p:ext uri="{BB962C8B-B14F-4D97-AF65-F5344CB8AC3E}">
+        <p14:creationId xmlns:p14="http://schemas.microsoft.com/office/powerpoint/2010/main" val="621340869"/>
+      </p:ext>
+    </p:extLst>
+  </p:cSld>
+  <p:clrMapOvr>
+    <a:masterClrMapping/>
+  </p:clrMapOvr>
+</p:sld>
+</file>
+
+<file path=ppt/slides/slide38.xml><?xml version="1.0" encoding="utf-8"?>
+<p:sld xmlns:a="http://schemas.openxmlformats.org/drawingml/2006/main" xmlns:r="http://schemas.openxmlformats.org/officeDocument/2006/relationships" xmlns:p="http://schemas.openxmlformats.org/presentationml/2006/main">
+  <p:cSld>
+    <p:spTree>
+      <p:nvGrpSpPr>
+        <p:cNvPr id="1" name=""/>
+        <p:cNvGrpSpPr/>
+        <p:nvPr/>
+      </p:nvGrpSpPr>
+      <p:grpSpPr>
+        <a:xfrm>
+          <a:off x="0" y="0"/>
+          <a:ext cx="0" cy="0"/>
+          <a:chOff x="0" y="0"/>
+          <a:chExt cx="0" cy="0"/>
+        </a:xfrm>
+      </p:grpSpPr>
+      <p:sp>
+        <p:nvSpPr>
+          <p:cNvPr id="2" name="标题 1"/>
+          <p:cNvSpPr>
+            <a:spLocks noGrp="1"/>
+          </p:cNvSpPr>
+          <p:nvPr>
+            <p:ph type="title"/>
+          </p:nvPr>
+        </p:nvSpPr>
+        <p:spPr/>
+        <p:txBody>
+          <a:bodyPr/>
+          <a:lstStyle/>
+          <a:p>
+            <a:r>
+              <a:rPr kumimoji="1" lang="zh-CN" altLang="en-US" dirty="0"/>
+              <a:t>七、项目展示</a:t>
+            </a:r>
+          </a:p>
+        </p:txBody>
+      </p:sp>
+      <p:sp>
+        <p:nvSpPr>
+          <p:cNvPr id="3" name="文本框 2"/>
+          <p:cNvSpPr txBox="1"/>
+          <p:nvPr/>
+        </p:nvSpPr>
+        <p:spPr>
+          <a:xfrm>
+            <a:off x="834366" y="1681962"/>
+            <a:ext cx="5456392" cy="369332"/>
+          </a:xfrm>
+          <a:prstGeom prst="rect">
+            <a:avLst/>
+          </a:prstGeom>
+          <a:noFill/>
+        </p:spPr>
+        <p:txBody>
+          <a:bodyPr wrap="none" rtlCol="0">
+            <a:spAutoFit/>
+          </a:bodyPr>
+          <a:lstStyle/>
+          <a:p>
+            <a:r>
+              <a:rPr kumimoji="1" lang="zh-CN" altLang="en-US" dirty="0" smtClean="0"/>
+              <a:t>点击‘联系我们’，向</a:t>
+            </a:r>
+            <a:r>
+              <a:rPr kumimoji="1" lang="en-US" altLang="zh-CN" dirty="0" smtClean="0"/>
+              <a:t>/</a:t>
+            </a:r>
+            <a:r>
+              <a:rPr kumimoji="1" lang="en-US" altLang="zh-CN" dirty="0" err="1" smtClean="0"/>
+              <a:t>manageC</a:t>
+            </a:r>
+            <a:r>
+              <a:rPr lang="en-US" altLang="zh-CN" dirty="0" err="1" smtClean="0"/>
+              <a:t>ontactUs</a:t>
+            </a:r>
+            <a:r>
+              <a:rPr lang="zh-CN" altLang="en-US" dirty="0" smtClean="0"/>
+              <a:t>发送请求</a:t>
+            </a:r>
+            <a:r>
+              <a:rPr lang="en-US" altLang="zh-CN" dirty="0" smtClean="0"/>
+              <a:t>:</a:t>
+            </a:r>
+            <a:endParaRPr kumimoji="1" lang="zh-CN" altLang="en-US" dirty="0"/>
+          </a:p>
+        </p:txBody>
+      </p:sp>
+      <p:sp>
+        <p:nvSpPr>
+          <p:cNvPr id="4" name="矩形 3"/>
+          <p:cNvSpPr/>
+          <p:nvPr/>
+        </p:nvSpPr>
+        <p:spPr>
+          <a:xfrm>
+            <a:off x="1977100" y="2190482"/>
+            <a:ext cx="4572000" cy="369332"/>
+          </a:xfrm>
+          <a:prstGeom prst="rect">
+            <a:avLst/>
+          </a:prstGeom>
+        </p:spPr>
+        <p:txBody>
+          <a:bodyPr>
+            <a:spAutoFit/>
+          </a:bodyPr>
+          <a:lstStyle/>
+          <a:p>
+            <a:r>
+              <a:rPr kumimoji="1" lang="en-US" altLang="zh-CN" dirty="0" smtClean="0"/>
+              <a:t>               </a:t>
+            </a:r>
+            <a:r>
+              <a:rPr kumimoji="1" lang="en-US" altLang="zh-CN" dirty="0" err="1" smtClean="0"/>
+              <a:t>manage:get</a:t>
+            </a:r>
+            <a:endParaRPr kumimoji="1" lang="zh-CN" altLang="en-US" dirty="0"/>
+          </a:p>
+        </p:txBody>
+      </p:sp>
+      <p:sp>
+        <p:nvSpPr>
+          <p:cNvPr id="5" name="文本框 4"/>
+          <p:cNvSpPr txBox="1"/>
+          <p:nvPr/>
+        </p:nvSpPr>
+        <p:spPr>
+          <a:xfrm>
+            <a:off x="2309688" y="2794062"/>
+            <a:ext cx="2827291" cy="369332"/>
+          </a:xfrm>
+          <a:prstGeom prst="rect">
+            <a:avLst/>
+          </a:prstGeom>
+          <a:noFill/>
+        </p:spPr>
+        <p:txBody>
+          <a:bodyPr wrap="none" rtlCol="0">
+            <a:spAutoFit/>
+          </a:bodyPr>
+          <a:lstStyle/>
+          <a:p>
+            <a:r>
+              <a:rPr kumimoji="1" lang="zh-CN" altLang="en-US" dirty="0"/>
+              <a:t>返回</a:t>
+            </a:r>
+            <a:r>
+              <a:rPr kumimoji="1" lang="en-US" altLang="zh-CN" dirty="0" err="1"/>
+              <a:t>json</a:t>
+            </a:r>
+            <a:r>
+              <a:rPr kumimoji="1" lang="zh-CN" altLang="en-US" dirty="0"/>
+              <a:t>结构</a:t>
+            </a:r>
+            <a:r>
+              <a:rPr kumimoji="1" lang="en-US" altLang="zh-CN" dirty="0"/>
+              <a:t>: </a:t>
+            </a:r>
+            <a:r>
+              <a:rPr kumimoji="1" lang="en-US" altLang="zh-CN" dirty="0" err="1" smtClean="0"/>
+              <a:t>content:xxx</a:t>
+            </a:r>
+            <a:endParaRPr kumimoji="1" lang="zh-CN" altLang="en-US" dirty="0"/>
+          </a:p>
+        </p:txBody>
+      </p:sp>
+      <p:sp>
+        <p:nvSpPr>
+          <p:cNvPr id="6" name="文本框 5"/>
+          <p:cNvSpPr txBox="1"/>
+          <p:nvPr/>
+        </p:nvSpPr>
+        <p:spPr>
+          <a:xfrm>
+            <a:off x="834366" y="3630744"/>
+            <a:ext cx="5456392" cy="369332"/>
+          </a:xfrm>
+          <a:prstGeom prst="rect">
+            <a:avLst/>
+          </a:prstGeom>
+          <a:noFill/>
+        </p:spPr>
+        <p:txBody>
+          <a:bodyPr wrap="none" rtlCol="0">
+            <a:spAutoFit/>
+          </a:bodyPr>
+          <a:lstStyle/>
+          <a:p>
+            <a:r>
+              <a:rPr kumimoji="1" lang="zh-CN" altLang="en-US" dirty="0" smtClean="0"/>
+              <a:t>保存‘</a:t>
+            </a:r>
+            <a:r>
+              <a:rPr kumimoji="1" lang="zh-CN" altLang="en-US" dirty="0"/>
+              <a:t>联系我们</a:t>
+            </a:r>
+            <a:r>
+              <a:rPr kumimoji="1" lang="zh-CN" altLang="en-US" dirty="0" smtClean="0"/>
+              <a:t>’，向</a:t>
+            </a:r>
+            <a:r>
+              <a:rPr kumimoji="1" lang="en-US" altLang="zh-CN" dirty="0" smtClean="0"/>
+              <a:t>/</a:t>
+            </a:r>
+            <a:r>
+              <a:rPr kumimoji="1" lang="en-US" altLang="zh-CN" dirty="0" err="1"/>
+              <a:t>manageC</a:t>
+            </a:r>
+            <a:r>
+              <a:rPr lang="en-US" altLang="zh-CN" dirty="0" err="1"/>
+              <a:t>ontactUs</a:t>
+            </a:r>
+            <a:r>
+              <a:rPr lang="zh-CN" altLang="en-US" dirty="0" smtClean="0"/>
+              <a:t>发送请求</a:t>
+            </a:r>
+            <a:r>
+              <a:rPr lang="en-US" altLang="zh-CN" dirty="0" smtClean="0"/>
+              <a:t>:</a:t>
+            </a:r>
+            <a:endParaRPr kumimoji="1" lang="zh-CN" altLang="en-US" dirty="0"/>
+          </a:p>
+        </p:txBody>
+      </p:sp>
+      <p:sp>
+        <p:nvSpPr>
+          <p:cNvPr id="7" name="矩形 6"/>
+          <p:cNvSpPr/>
+          <p:nvPr/>
+        </p:nvSpPr>
+        <p:spPr>
+          <a:xfrm>
+            <a:off x="1977100" y="4139264"/>
+            <a:ext cx="4572000" cy="369332"/>
+          </a:xfrm>
+          <a:prstGeom prst="rect">
+            <a:avLst/>
+          </a:prstGeom>
+        </p:spPr>
+        <p:txBody>
+          <a:bodyPr>
+            <a:spAutoFit/>
+          </a:bodyPr>
+          <a:lstStyle/>
+          <a:p>
+            <a:r>
+              <a:rPr kumimoji="1" lang="en-US" altLang="zh-CN" dirty="0" err="1" smtClean="0"/>
+              <a:t>manage:</a:t>
+            </a:r>
+            <a:r>
+              <a:rPr kumimoji="1" lang="en-US" altLang="zh-CN" dirty="0" err="1" smtClean="0"/>
+              <a:t>edit</a:t>
+            </a:r>
+            <a:r>
+              <a:rPr kumimoji="1" lang="en-US" altLang="zh-CN" dirty="0" smtClean="0"/>
+              <a:t>      </a:t>
+            </a:r>
+            <a:r>
+              <a:rPr kumimoji="1" lang="en-US" altLang="zh-CN" dirty="0" err="1" smtClean="0"/>
+              <a:t>content:xxx</a:t>
+            </a:r>
+            <a:endParaRPr kumimoji="1" lang="zh-CN" altLang="en-US" dirty="0"/>
+          </a:p>
+        </p:txBody>
+      </p:sp>
+      <p:sp>
+        <p:nvSpPr>
+          <p:cNvPr id="8" name="文本框 7"/>
+          <p:cNvSpPr txBox="1"/>
+          <p:nvPr/>
+        </p:nvSpPr>
+        <p:spPr>
+          <a:xfrm>
+            <a:off x="2309688" y="5025245"/>
+            <a:ext cx="3173540" cy="369332"/>
+          </a:xfrm>
+          <a:prstGeom prst="rect">
+            <a:avLst/>
+          </a:prstGeom>
+          <a:noFill/>
+        </p:spPr>
+        <p:txBody>
+          <a:bodyPr wrap="none" rtlCol="0">
+            <a:spAutoFit/>
+          </a:bodyPr>
+          <a:lstStyle/>
+          <a:p>
+            <a:r>
+              <a:rPr kumimoji="1" lang="zh-CN" altLang="en-US" dirty="0"/>
+              <a:t>返回</a:t>
+            </a:r>
+            <a:r>
+              <a:rPr kumimoji="1" lang="en-US" altLang="zh-CN" dirty="0" err="1"/>
+              <a:t>json</a:t>
+            </a:r>
+            <a:r>
+              <a:rPr kumimoji="1" lang="zh-CN" altLang="en-US" dirty="0"/>
+              <a:t>结构</a:t>
+            </a:r>
+            <a:r>
+              <a:rPr kumimoji="1" lang="en-US" altLang="zh-CN" dirty="0"/>
+              <a:t>: </a:t>
+            </a:r>
+            <a:r>
+              <a:rPr kumimoji="1" lang="en-US" altLang="zh-CN" dirty="0" err="1"/>
+              <a:t>status:success</a:t>
+            </a:r>
+            <a:endParaRPr kumimoji="1" lang="zh-CN" altLang="en-US" dirty="0"/>
+          </a:p>
+        </p:txBody>
+      </p:sp>
+    </p:spTree>
+    <p:extLst>
+      <p:ext uri="{BB962C8B-B14F-4D97-AF65-F5344CB8AC3E}">
+        <p14:creationId xmlns:p14="http://schemas.microsoft.com/office/powerpoint/2010/main" val="628223756"/>
+      </p:ext>
+    </p:extLst>
+  </p:cSld>
+  <p:clrMapOvr>
+    <a:masterClrMapping/>
+  </p:clrMapOvr>
+</p:sld>
+</file>
+
+<file path=ppt/slides/slide39.xml><?xml version="1.0" encoding="utf-8"?>
+<p:sld xmlns:a="http://schemas.openxmlformats.org/drawingml/2006/main" xmlns:r="http://schemas.openxmlformats.org/officeDocument/2006/relationships" xmlns:p="http://schemas.openxmlformats.org/presentationml/2006/main">
+  <p:cSld>
+    <p:spTree>
+      <p:nvGrpSpPr>
+        <p:cNvPr id="1" name=""/>
+        <p:cNvGrpSpPr/>
+        <p:nvPr/>
+      </p:nvGrpSpPr>
+      <p:grpSpPr>
+        <a:xfrm>
+          <a:off x="0" y="0"/>
+          <a:ext cx="0" cy="0"/>
+          <a:chOff x="0" y="0"/>
+          <a:chExt cx="0" cy="0"/>
+        </a:xfrm>
+      </p:grpSpPr>
+      <p:sp>
+        <p:nvSpPr>
+          <p:cNvPr id="2" name="标题 1"/>
+          <p:cNvSpPr>
+            <a:spLocks noGrp="1"/>
+          </p:cNvSpPr>
+          <p:nvPr>
+            <p:ph type="title"/>
+          </p:nvPr>
+        </p:nvSpPr>
+        <p:spPr/>
+        <p:txBody>
+          <a:bodyPr/>
+          <a:lstStyle/>
+          <a:p>
+            <a:r>
+              <a:rPr kumimoji="1" lang="zh-CN" altLang="en-US" dirty="0" smtClean="0"/>
+              <a:t>八</a:t>
+            </a:r>
+            <a:r>
+              <a:rPr kumimoji="1" lang="zh-CN" altLang="en-US" dirty="0" smtClean="0"/>
+              <a:t>、</a:t>
+            </a:r>
+            <a:r>
+              <a:rPr kumimoji="1" lang="zh-CN" altLang="en-US" dirty="0" smtClean="0"/>
+              <a:t>店面</a:t>
+            </a:r>
+            <a:r>
+              <a:rPr kumimoji="1" lang="zh-CN" altLang="en-US" dirty="0" smtClean="0"/>
+              <a:t>展示</a:t>
+            </a:r>
+            <a:endParaRPr kumimoji="1" lang="zh-CN" altLang="en-US" dirty="0"/>
+          </a:p>
+        </p:txBody>
+      </p:sp>
+    </p:spTree>
+    <p:extLst>
+      <p:ext uri="{BB962C8B-B14F-4D97-AF65-F5344CB8AC3E}">
+        <p14:creationId xmlns:p14="http://schemas.microsoft.com/office/powerpoint/2010/main" val="428043627"/>
+      </p:ext>
+    </p:extLst>
+  </p:cSld>
+  <p:clrMapOvr>
+    <a:masterClrMapping/>
+  </p:clrMapOvr>
+</p:sld>
+</file>
+
 <file path=ppt/slides/slide4.xml><?xml version="1.0" encoding="utf-8"?>
 <p:sld xmlns:a="http://schemas.openxmlformats.org/drawingml/2006/main" xmlns:r="http://schemas.openxmlformats.org/officeDocument/2006/relationships" xmlns:p="http://schemas.openxmlformats.org/presentationml/2006/main">
   <p:cSld>
@@ -11251,6 +16987,333 @@
     <p:extLst>
       <p:ext uri="{BB962C8B-B14F-4D97-AF65-F5344CB8AC3E}">
         <p14:creationId xmlns:p14="http://schemas.microsoft.com/office/powerpoint/2010/main" val="859901513"/>
+      </p:ext>
+    </p:extLst>
+  </p:cSld>
+  <p:clrMapOvr>
+    <a:masterClrMapping/>
+  </p:clrMapOvr>
+</p:sld>
+</file>
+
+<file path=ppt/slides/slide40.xml><?xml version="1.0" encoding="utf-8"?>
+<p:sld xmlns:a="http://schemas.openxmlformats.org/drawingml/2006/main" xmlns:r="http://schemas.openxmlformats.org/officeDocument/2006/relationships" xmlns:p="http://schemas.openxmlformats.org/presentationml/2006/main">
+  <p:cSld>
+    <p:spTree>
+      <p:nvGrpSpPr>
+        <p:cNvPr id="1" name=""/>
+        <p:cNvGrpSpPr/>
+        <p:nvPr/>
+      </p:nvGrpSpPr>
+      <p:grpSpPr>
+        <a:xfrm>
+          <a:off x="0" y="0"/>
+          <a:ext cx="0" cy="0"/>
+          <a:chOff x="0" y="0"/>
+          <a:chExt cx="0" cy="0"/>
+        </a:xfrm>
+      </p:grpSpPr>
+      <p:sp>
+        <p:nvSpPr>
+          <p:cNvPr id="2" name="标题 1"/>
+          <p:cNvSpPr>
+            <a:spLocks noGrp="1"/>
+          </p:cNvSpPr>
+          <p:nvPr>
+            <p:ph type="title"/>
+          </p:nvPr>
+        </p:nvSpPr>
+        <p:spPr/>
+        <p:txBody>
+          <a:bodyPr/>
+          <a:lstStyle/>
+          <a:p>
+            <a:r>
+              <a:rPr kumimoji="1" lang="zh-CN" altLang="en-US"/>
+              <a:t>八、店面展示</a:t>
+            </a:r>
+            <a:endParaRPr kumimoji="1" lang="zh-CN" altLang="en-US" dirty="0"/>
+          </a:p>
+        </p:txBody>
+      </p:sp>
+      <p:sp>
+        <p:nvSpPr>
+          <p:cNvPr id="3" name="文本框 2"/>
+          <p:cNvSpPr txBox="1"/>
+          <p:nvPr/>
+        </p:nvSpPr>
+        <p:spPr>
+          <a:xfrm>
+            <a:off x="834366" y="1681962"/>
+            <a:ext cx="5456392" cy="369332"/>
+          </a:xfrm>
+          <a:prstGeom prst="rect">
+            <a:avLst/>
+          </a:prstGeom>
+          <a:noFill/>
+        </p:spPr>
+        <p:txBody>
+          <a:bodyPr wrap="none" rtlCol="0">
+            <a:spAutoFit/>
+          </a:bodyPr>
+          <a:lstStyle/>
+          <a:p>
+            <a:r>
+              <a:rPr kumimoji="1" lang="zh-CN" altLang="en-US" dirty="0" smtClean="0"/>
+              <a:t>点击‘联系我们’，向</a:t>
+            </a:r>
+            <a:r>
+              <a:rPr kumimoji="1" lang="en-US" altLang="zh-CN" dirty="0" smtClean="0"/>
+              <a:t>/</a:t>
+            </a:r>
+            <a:r>
+              <a:rPr kumimoji="1" lang="en-US" altLang="zh-CN" dirty="0" err="1" smtClean="0"/>
+              <a:t>manageC</a:t>
+            </a:r>
+            <a:r>
+              <a:rPr lang="en-US" altLang="zh-CN" dirty="0" err="1" smtClean="0"/>
+              <a:t>ontactUs</a:t>
+            </a:r>
+            <a:r>
+              <a:rPr lang="zh-CN" altLang="en-US" dirty="0" smtClean="0"/>
+              <a:t>发送请求</a:t>
+            </a:r>
+            <a:r>
+              <a:rPr lang="en-US" altLang="zh-CN" dirty="0" smtClean="0"/>
+              <a:t>:</a:t>
+            </a:r>
+            <a:endParaRPr kumimoji="1" lang="zh-CN" altLang="en-US" dirty="0"/>
+          </a:p>
+        </p:txBody>
+      </p:sp>
+      <p:sp>
+        <p:nvSpPr>
+          <p:cNvPr id="4" name="矩形 3"/>
+          <p:cNvSpPr/>
+          <p:nvPr/>
+        </p:nvSpPr>
+        <p:spPr>
+          <a:xfrm>
+            <a:off x="1977100" y="2190482"/>
+            <a:ext cx="4572000" cy="369332"/>
+          </a:xfrm>
+          <a:prstGeom prst="rect">
+            <a:avLst/>
+          </a:prstGeom>
+        </p:spPr>
+        <p:txBody>
+          <a:bodyPr>
+            <a:spAutoFit/>
+          </a:bodyPr>
+          <a:lstStyle/>
+          <a:p>
+            <a:r>
+              <a:rPr kumimoji="1" lang="en-US" altLang="zh-CN" dirty="0" smtClean="0"/>
+              <a:t>               </a:t>
+            </a:r>
+            <a:r>
+              <a:rPr kumimoji="1" lang="en-US" altLang="zh-CN" dirty="0" err="1" smtClean="0"/>
+              <a:t>manage:get</a:t>
+            </a:r>
+            <a:endParaRPr kumimoji="1" lang="zh-CN" altLang="en-US" dirty="0"/>
+          </a:p>
+        </p:txBody>
+      </p:sp>
+      <p:sp>
+        <p:nvSpPr>
+          <p:cNvPr id="5" name="文本框 4"/>
+          <p:cNvSpPr txBox="1"/>
+          <p:nvPr/>
+        </p:nvSpPr>
+        <p:spPr>
+          <a:xfrm>
+            <a:off x="2309688" y="2794062"/>
+            <a:ext cx="2827291" cy="369332"/>
+          </a:xfrm>
+          <a:prstGeom prst="rect">
+            <a:avLst/>
+          </a:prstGeom>
+          <a:noFill/>
+        </p:spPr>
+        <p:txBody>
+          <a:bodyPr wrap="none" rtlCol="0">
+            <a:spAutoFit/>
+          </a:bodyPr>
+          <a:lstStyle/>
+          <a:p>
+            <a:r>
+              <a:rPr kumimoji="1" lang="zh-CN" altLang="en-US" dirty="0"/>
+              <a:t>返回</a:t>
+            </a:r>
+            <a:r>
+              <a:rPr kumimoji="1" lang="en-US" altLang="zh-CN" dirty="0" err="1"/>
+              <a:t>json</a:t>
+            </a:r>
+            <a:r>
+              <a:rPr kumimoji="1" lang="zh-CN" altLang="en-US" dirty="0"/>
+              <a:t>结构</a:t>
+            </a:r>
+            <a:r>
+              <a:rPr kumimoji="1" lang="en-US" altLang="zh-CN" dirty="0"/>
+              <a:t>: </a:t>
+            </a:r>
+            <a:r>
+              <a:rPr kumimoji="1" lang="en-US" altLang="zh-CN" dirty="0" err="1" smtClean="0"/>
+              <a:t>content:xxx</a:t>
+            </a:r>
+            <a:endParaRPr kumimoji="1" lang="zh-CN" altLang="en-US" dirty="0"/>
+          </a:p>
+        </p:txBody>
+      </p:sp>
+      <p:sp>
+        <p:nvSpPr>
+          <p:cNvPr id="6" name="文本框 5"/>
+          <p:cNvSpPr txBox="1"/>
+          <p:nvPr/>
+        </p:nvSpPr>
+        <p:spPr>
+          <a:xfrm>
+            <a:off x="834366" y="3630744"/>
+            <a:ext cx="5456392" cy="369332"/>
+          </a:xfrm>
+          <a:prstGeom prst="rect">
+            <a:avLst/>
+          </a:prstGeom>
+          <a:noFill/>
+        </p:spPr>
+        <p:txBody>
+          <a:bodyPr wrap="none" rtlCol="0">
+            <a:spAutoFit/>
+          </a:bodyPr>
+          <a:lstStyle/>
+          <a:p>
+            <a:r>
+              <a:rPr kumimoji="1" lang="zh-CN" altLang="en-US" dirty="0" smtClean="0"/>
+              <a:t>保存‘</a:t>
+            </a:r>
+            <a:r>
+              <a:rPr kumimoji="1" lang="zh-CN" altLang="en-US" dirty="0"/>
+              <a:t>联系我们</a:t>
+            </a:r>
+            <a:r>
+              <a:rPr kumimoji="1" lang="zh-CN" altLang="en-US" dirty="0" smtClean="0"/>
+              <a:t>’，向</a:t>
+            </a:r>
+            <a:r>
+              <a:rPr kumimoji="1" lang="en-US" altLang="zh-CN" dirty="0" smtClean="0"/>
+              <a:t>/</a:t>
+            </a:r>
+            <a:r>
+              <a:rPr kumimoji="1" lang="en-US" altLang="zh-CN" dirty="0" err="1"/>
+              <a:t>manageC</a:t>
+            </a:r>
+            <a:r>
+              <a:rPr lang="en-US" altLang="zh-CN" dirty="0" err="1"/>
+              <a:t>ontactUs</a:t>
+            </a:r>
+            <a:r>
+              <a:rPr lang="zh-CN" altLang="en-US" dirty="0" smtClean="0"/>
+              <a:t>发送请求</a:t>
+            </a:r>
+            <a:r>
+              <a:rPr lang="en-US" altLang="zh-CN" dirty="0" smtClean="0"/>
+              <a:t>:</a:t>
+            </a:r>
+            <a:endParaRPr kumimoji="1" lang="zh-CN" altLang="en-US" dirty="0"/>
+          </a:p>
+        </p:txBody>
+      </p:sp>
+      <p:sp>
+        <p:nvSpPr>
+          <p:cNvPr id="7" name="矩形 6"/>
+          <p:cNvSpPr/>
+          <p:nvPr/>
+        </p:nvSpPr>
+        <p:spPr>
+          <a:xfrm>
+            <a:off x="1977100" y="4139264"/>
+            <a:ext cx="4572000" cy="369332"/>
+          </a:xfrm>
+          <a:prstGeom prst="rect">
+            <a:avLst/>
+          </a:prstGeom>
+        </p:spPr>
+        <p:txBody>
+          <a:bodyPr>
+            <a:spAutoFit/>
+          </a:bodyPr>
+          <a:lstStyle/>
+          <a:p>
+            <a:r>
+              <a:rPr kumimoji="1" lang="en-US" altLang="zh-CN" dirty="0" err="1" smtClean="0"/>
+              <a:t>manage:</a:t>
+            </a:r>
+            <a:r>
+              <a:rPr kumimoji="1" lang="en-US" altLang="zh-CN" dirty="0" err="1" smtClean="0"/>
+              <a:t>edit</a:t>
+            </a:r>
+            <a:r>
+              <a:rPr kumimoji="1" lang="en-US" altLang="zh-CN" dirty="0" smtClean="0"/>
+              <a:t>      </a:t>
+            </a:r>
+            <a:r>
+              <a:rPr kumimoji="1" lang="en-US" altLang="zh-CN" dirty="0" err="1" smtClean="0"/>
+              <a:t>content:xxx</a:t>
+            </a:r>
+            <a:endParaRPr kumimoji="1" lang="zh-CN" altLang="en-US" dirty="0"/>
+          </a:p>
+        </p:txBody>
+      </p:sp>
+      <p:sp>
+        <p:nvSpPr>
+          <p:cNvPr id="8" name="文本框 7"/>
+          <p:cNvSpPr txBox="1"/>
+          <p:nvPr/>
+        </p:nvSpPr>
+        <p:spPr>
+          <a:xfrm>
+            <a:off x="2309688" y="5025245"/>
+            <a:ext cx="3173540" cy="369332"/>
+          </a:xfrm>
+          <a:prstGeom prst="rect">
+            <a:avLst/>
+          </a:prstGeom>
+          <a:noFill/>
+        </p:spPr>
+        <p:txBody>
+          <a:bodyPr wrap="none" rtlCol="0">
+            <a:spAutoFit/>
+          </a:bodyPr>
+          <a:lstStyle/>
+          <a:p>
+            <a:r>
+              <a:rPr kumimoji="1" lang="zh-CN" altLang="en-US" dirty="0"/>
+              <a:t>返回</a:t>
+            </a:r>
+            <a:r>
+              <a:rPr kumimoji="1" lang="en-US" altLang="zh-CN" dirty="0" err="1"/>
+              <a:t>json</a:t>
+            </a:r>
+            <a:r>
+              <a:rPr kumimoji="1" lang="zh-CN" altLang="en-US" dirty="0"/>
+              <a:t>结构</a:t>
+            </a:r>
+            <a:r>
+              <a:rPr kumimoji="1" lang="en-US" altLang="zh-CN" dirty="0"/>
+              <a:t>: </a:t>
+            </a:r>
+            <a:r>
+              <a:rPr kumimoji="1" lang="en-US" altLang="zh-CN" dirty="0" err="1"/>
+              <a:t>status:success</a:t>
+            </a:r>
+            <a:endParaRPr kumimoji="1" lang="zh-CN" altLang="en-US" dirty="0"/>
+          </a:p>
+        </p:txBody>
+      </p:sp>
+    </p:spTree>
+    <p:extLst>
+      <p:ext uri="{BB962C8B-B14F-4D97-AF65-F5344CB8AC3E}">
+        <p14:creationId xmlns:p14="http://schemas.microsoft.com/office/powerpoint/2010/main" val="628223756"/>
       </p:ext>
     </p:extLst>
   </p:cSld>

--- a/ZSGree前后端逻辑及接口.pptx
+++ b/ZSGree前后端逻辑及接口.pptx
@@ -42,9 +42,14 @@
     <p:sldId id="290" r:id="rId36"/>
     <p:sldId id="291" r:id="rId37"/>
     <p:sldId id="293" r:id="rId38"/>
-    <p:sldId id="294" r:id="rId39"/>
-    <p:sldId id="292" r:id="rId40"/>
-    <p:sldId id="295" r:id="rId41"/>
+    <p:sldId id="296" r:id="rId39"/>
+    <p:sldId id="297" r:id="rId40"/>
+    <p:sldId id="298" r:id="rId41"/>
+    <p:sldId id="292" r:id="rId42"/>
+    <p:sldId id="295" r:id="rId43"/>
+    <p:sldId id="299" r:id="rId44"/>
+    <p:sldId id="300" r:id="rId45"/>
+    <p:sldId id="301" r:id="rId46"/>
   </p:sldIdLst>
   <p:sldSz cx="9144000" cy="6858000" type="screen4x3"/>
   <p:notesSz cx="6858000" cy="9144000"/>
@@ -15701,7 +15706,7 @@
           <a:p>
             <a:r>
               <a:rPr kumimoji="1" lang="zh-CN" altLang="en-US" dirty="0" smtClean="0"/>
-              <a:t>七、项目展示</a:t>
+              <a:t>七、工程案例</a:t>
             </a:r>
             <a:endParaRPr kumimoji="1" lang="zh-CN" altLang="en-US" dirty="0"/>
           </a:p>
@@ -15754,21 +15759,231 @@
           <a:p>
             <a:r>
               <a:rPr kumimoji="1" lang="zh-CN" altLang="en-US" dirty="0"/>
-              <a:t>七、项目展示</a:t>
-            </a:r>
-          </a:p>
-        </p:txBody>
-      </p:sp>
-      <p:sp>
-        <p:nvSpPr>
-          <p:cNvPr id="3" name="文本框 2"/>
+              <a:t>七、工程案例</a:t>
+            </a:r>
+          </a:p>
+        </p:txBody>
+      </p:sp>
+      <p:sp>
+        <p:nvSpPr>
+          <p:cNvPr id="12" name="矩形 11"/>
+          <p:cNvSpPr/>
+          <p:nvPr/>
+        </p:nvSpPr>
+        <p:spPr>
+          <a:xfrm>
+            <a:off x="3394325" y="1587090"/>
+            <a:ext cx="724968" cy="260997"/>
+          </a:xfrm>
+          <a:prstGeom prst="rect">
+            <a:avLst/>
+          </a:prstGeom>
+        </p:spPr>
+        <p:style>
+          <a:lnRef idx="2">
+            <a:schemeClr val="dk1"/>
+          </a:lnRef>
+          <a:fillRef idx="1">
+            <a:schemeClr val="lt1"/>
+          </a:fillRef>
+          <a:effectRef idx="0">
+            <a:schemeClr val="dk1"/>
+          </a:effectRef>
+          <a:fontRef idx="minor">
+            <a:schemeClr val="dk1"/>
+          </a:fontRef>
+        </p:style>
+        <p:txBody>
+          <a:bodyPr rtlCol="0" anchor="ctr"/>
+          <a:lstStyle/>
+          <a:p>
+            <a:pPr algn="ctr"/>
+            <a:r>
+              <a:rPr kumimoji="1" lang="zh-CN" altLang="en-US" dirty="0" smtClean="0"/>
+              <a:t>编辑</a:t>
+            </a:r>
+            <a:endParaRPr kumimoji="1" lang="zh-CN" altLang="en-US" dirty="0"/>
+          </a:p>
+        </p:txBody>
+      </p:sp>
+      <p:sp>
+        <p:nvSpPr>
+          <p:cNvPr id="15" name="矩形 14"/>
+          <p:cNvSpPr/>
+          <p:nvPr/>
+        </p:nvSpPr>
+        <p:spPr>
+          <a:xfrm>
+            <a:off x="4271693" y="1587090"/>
+            <a:ext cx="724968" cy="260997"/>
+          </a:xfrm>
+          <a:prstGeom prst="rect">
+            <a:avLst/>
+          </a:prstGeom>
+        </p:spPr>
+        <p:style>
+          <a:lnRef idx="2">
+            <a:schemeClr val="dk1"/>
+          </a:lnRef>
+          <a:fillRef idx="1">
+            <a:schemeClr val="lt1"/>
+          </a:fillRef>
+          <a:effectRef idx="0">
+            <a:schemeClr val="dk1"/>
+          </a:effectRef>
+          <a:fontRef idx="minor">
+            <a:schemeClr val="dk1"/>
+          </a:fontRef>
+        </p:style>
+        <p:txBody>
+          <a:bodyPr rtlCol="0" anchor="ctr"/>
+          <a:lstStyle/>
+          <a:p>
+            <a:pPr algn="ctr"/>
+            <a:r>
+              <a:rPr kumimoji="1" lang="zh-CN" altLang="en-US" dirty="0" smtClean="0"/>
+              <a:t>删除</a:t>
+            </a:r>
+            <a:endParaRPr kumimoji="1" lang="zh-CN" altLang="en-US" dirty="0"/>
+          </a:p>
+        </p:txBody>
+      </p:sp>
+      <p:sp>
+        <p:nvSpPr>
+          <p:cNvPr id="16" name="矩形 15"/>
+          <p:cNvSpPr/>
+          <p:nvPr/>
+        </p:nvSpPr>
+        <p:spPr>
+          <a:xfrm>
+            <a:off x="5988342" y="1587090"/>
+            <a:ext cx="724968" cy="260997"/>
+          </a:xfrm>
+          <a:prstGeom prst="rect">
+            <a:avLst/>
+          </a:prstGeom>
+        </p:spPr>
+        <p:style>
+          <a:lnRef idx="2">
+            <a:schemeClr val="dk1"/>
+          </a:lnRef>
+          <a:fillRef idx="1">
+            <a:schemeClr val="lt1"/>
+          </a:fillRef>
+          <a:effectRef idx="0">
+            <a:schemeClr val="dk1"/>
+          </a:effectRef>
+          <a:fontRef idx="minor">
+            <a:schemeClr val="dk1"/>
+          </a:fontRef>
+        </p:style>
+        <p:txBody>
+          <a:bodyPr rtlCol="0" anchor="ctr"/>
+          <a:lstStyle/>
+          <a:p>
+            <a:pPr algn="ctr"/>
+            <a:r>
+              <a:rPr kumimoji="1" lang="zh-CN" altLang="en-US" dirty="0" smtClean="0"/>
+              <a:t>排序</a:t>
+            </a:r>
+            <a:endParaRPr kumimoji="1" lang="zh-CN" altLang="en-US" dirty="0"/>
+          </a:p>
+        </p:txBody>
+      </p:sp>
+      <p:sp>
+        <p:nvSpPr>
+          <p:cNvPr id="17" name="矩形 16"/>
+          <p:cNvSpPr/>
+          <p:nvPr/>
+        </p:nvSpPr>
+        <p:spPr>
+          <a:xfrm>
+            <a:off x="5138160" y="1587090"/>
+            <a:ext cx="724968" cy="260997"/>
+          </a:xfrm>
+          <a:prstGeom prst="rect">
+            <a:avLst/>
+          </a:prstGeom>
+        </p:spPr>
+        <p:style>
+          <a:lnRef idx="2">
+            <a:schemeClr val="dk1"/>
+          </a:lnRef>
+          <a:fillRef idx="1">
+            <a:schemeClr val="lt1"/>
+          </a:fillRef>
+          <a:effectRef idx="0">
+            <a:schemeClr val="dk1"/>
+          </a:effectRef>
+          <a:fontRef idx="minor">
+            <a:schemeClr val="dk1"/>
+          </a:fontRef>
+        </p:style>
+        <p:txBody>
+          <a:bodyPr rtlCol="0" anchor="ctr"/>
+          <a:lstStyle/>
+          <a:p>
+            <a:pPr algn="ctr"/>
+            <a:r>
+              <a:rPr kumimoji="1" lang="zh-CN" altLang="en-US" dirty="0" smtClean="0"/>
+              <a:t>增加</a:t>
+            </a:r>
+            <a:endParaRPr kumimoji="1" lang="zh-CN" altLang="en-US" dirty="0"/>
+          </a:p>
+        </p:txBody>
+      </p:sp>
+      <p:sp>
+        <p:nvSpPr>
+          <p:cNvPr id="18" name="矩形 17"/>
+          <p:cNvSpPr/>
+          <p:nvPr/>
+        </p:nvSpPr>
+        <p:spPr>
+          <a:xfrm>
+            <a:off x="1212718" y="2716993"/>
+            <a:ext cx="1292802" cy="1041214"/>
+          </a:xfrm>
+          <a:prstGeom prst="rect">
+            <a:avLst/>
+          </a:prstGeom>
+        </p:spPr>
+        <p:style>
+          <a:lnRef idx="2">
+            <a:schemeClr val="dk1"/>
+          </a:lnRef>
+          <a:fillRef idx="1">
+            <a:schemeClr val="lt1"/>
+          </a:fillRef>
+          <a:effectRef idx="0">
+            <a:schemeClr val="dk1"/>
+          </a:effectRef>
+          <a:fontRef idx="minor">
+            <a:schemeClr val="dk1"/>
+          </a:fontRef>
+        </p:style>
+        <p:txBody>
+          <a:bodyPr rtlCol="0" anchor="ctr"/>
+          <a:lstStyle/>
+          <a:p>
+            <a:pPr algn="ctr"/>
+            <a:r>
+              <a:rPr kumimoji="1" lang="en-US" altLang="zh-CN" dirty="0" smtClean="0"/>
+              <a:t>pic</a:t>
+            </a:r>
+            <a:endParaRPr kumimoji="1" lang="zh-CN" altLang="en-US" dirty="0"/>
+          </a:p>
+        </p:txBody>
+      </p:sp>
+      <p:sp>
+        <p:nvSpPr>
+          <p:cNvPr id="19" name="文本框 18"/>
           <p:cNvSpPr txBox="1"/>
           <p:nvPr/>
         </p:nvSpPr>
         <p:spPr>
           <a:xfrm>
-            <a:off x="834366" y="1681962"/>
-            <a:ext cx="5456392" cy="369332"/>
+            <a:off x="75242" y="2266948"/>
+            <a:ext cx="1107996" cy="369332"/>
           </a:xfrm>
           <a:prstGeom prst="rect">
             <a:avLst/>
@@ -15783,251 +15998,335 @@
           <a:p>
             <a:r>
               <a:rPr kumimoji="1" lang="zh-CN" altLang="en-US" dirty="0" smtClean="0"/>
-              <a:t>点击‘联系我们’，向</a:t>
-            </a:r>
-            <a:r>
-              <a:rPr kumimoji="1" lang="en-US" altLang="zh-CN" dirty="0" smtClean="0"/>
-              <a:t>/</a:t>
-            </a:r>
-            <a:r>
-              <a:rPr kumimoji="1" lang="en-US" altLang="zh-CN" dirty="0" err="1" smtClean="0"/>
-              <a:t>manageC</a:t>
-            </a:r>
-            <a:r>
-              <a:rPr lang="en-US" altLang="zh-CN" dirty="0" err="1" smtClean="0"/>
-              <a:t>ontactUs</a:t>
-            </a:r>
-            <a:r>
-              <a:rPr lang="zh-CN" altLang="en-US" dirty="0" smtClean="0"/>
-              <a:t>发送请求</a:t>
-            </a:r>
-            <a:r>
-              <a:rPr lang="en-US" altLang="zh-CN" dirty="0" smtClean="0"/>
-              <a:t>:</a:t>
-            </a:r>
-            <a:endParaRPr kumimoji="1" lang="zh-CN" altLang="en-US" dirty="0"/>
-          </a:p>
-        </p:txBody>
-      </p:sp>
-      <p:sp>
-        <p:nvSpPr>
-          <p:cNvPr id="4" name="矩形 3"/>
+              <a:t>封面图片</a:t>
+            </a:r>
+            <a:endParaRPr kumimoji="1" lang="zh-CN" altLang="en-US" dirty="0"/>
+          </a:p>
+        </p:txBody>
+      </p:sp>
+      <p:sp>
+        <p:nvSpPr>
+          <p:cNvPr id="20" name="矩形 19"/>
           <p:cNvSpPr/>
           <p:nvPr/>
         </p:nvSpPr>
         <p:spPr>
           <a:xfrm>
-            <a:off x="1977100" y="2190482"/>
-            <a:ext cx="4572000" cy="369332"/>
-          </a:xfrm>
-          <a:prstGeom prst="rect">
-            <a:avLst/>
-          </a:prstGeom>
-        </p:spPr>
-        <p:txBody>
-          <a:bodyPr>
-            <a:spAutoFit/>
-          </a:bodyPr>
-          <a:lstStyle/>
-          <a:p>
-            <a:r>
-              <a:rPr kumimoji="1" lang="en-US" altLang="zh-CN" dirty="0" smtClean="0"/>
-              <a:t>               </a:t>
-            </a:r>
-            <a:r>
-              <a:rPr kumimoji="1" lang="en-US" altLang="zh-CN" dirty="0" err="1" smtClean="0"/>
-              <a:t>manage:get</a:t>
-            </a:r>
-            <a:endParaRPr kumimoji="1" lang="zh-CN" altLang="en-US" dirty="0"/>
-          </a:p>
-        </p:txBody>
-      </p:sp>
-      <p:sp>
-        <p:nvSpPr>
-          <p:cNvPr id="5" name="文本框 4"/>
-          <p:cNvSpPr txBox="1"/>
-          <p:nvPr/>
-        </p:nvSpPr>
-        <p:spPr>
-          <a:xfrm>
-            <a:off x="2309688" y="2794062"/>
-            <a:ext cx="2827291" cy="369332"/>
-          </a:xfrm>
-          <a:prstGeom prst="rect">
-            <a:avLst/>
-          </a:prstGeom>
-          <a:noFill/>
-        </p:spPr>
-        <p:txBody>
-          <a:bodyPr wrap="none" rtlCol="0">
-            <a:spAutoFit/>
-          </a:bodyPr>
-          <a:lstStyle/>
-          <a:p>
-            <a:r>
-              <a:rPr kumimoji="1" lang="zh-CN" altLang="en-US" dirty="0"/>
-              <a:t>返回</a:t>
-            </a:r>
-            <a:r>
-              <a:rPr kumimoji="1" lang="en-US" altLang="zh-CN" dirty="0" err="1"/>
-              <a:t>json</a:t>
-            </a:r>
-            <a:r>
-              <a:rPr kumimoji="1" lang="zh-CN" altLang="en-US" dirty="0"/>
-              <a:t>结构</a:t>
-            </a:r>
-            <a:r>
-              <a:rPr kumimoji="1" lang="en-US" altLang="zh-CN" dirty="0"/>
-              <a:t>: </a:t>
-            </a:r>
-            <a:r>
-              <a:rPr kumimoji="1" lang="en-US" altLang="zh-CN" dirty="0" err="1" smtClean="0"/>
-              <a:t>content:xxx</a:t>
-            </a:r>
-            <a:endParaRPr kumimoji="1" lang="zh-CN" altLang="en-US" dirty="0"/>
-          </a:p>
-        </p:txBody>
-      </p:sp>
-      <p:sp>
-        <p:nvSpPr>
-          <p:cNvPr id="6" name="文本框 5"/>
-          <p:cNvSpPr txBox="1"/>
-          <p:nvPr/>
-        </p:nvSpPr>
-        <p:spPr>
-          <a:xfrm>
-            <a:off x="834366" y="3630744"/>
-            <a:ext cx="5456392" cy="369332"/>
-          </a:xfrm>
-          <a:prstGeom prst="rect">
-            <a:avLst/>
-          </a:prstGeom>
-          <a:noFill/>
-        </p:spPr>
-        <p:txBody>
-          <a:bodyPr wrap="none" rtlCol="0">
-            <a:spAutoFit/>
-          </a:bodyPr>
-          <a:lstStyle/>
-          <a:p>
-            <a:r>
-              <a:rPr kumimoji="1" lang="zh-CN" altLang="en-US" dirty="0" smtClean="0"/>
-              <a:t>保存‘</a:t>
-            </a:r>
-            <a:r>
-              <a:rPr kumimoji="1" lang="zh-CN" altLang="en-US" dirty="0"/>
-              <a:t>联系我们</a:t>
-            </a:r>
-            <a:r>
-              <a:rPr kumimoji="1" lang="zh-CN" altLang="en-US" dirty="0" smtClean="0"/>
-              <a:t>’，向</a:t>
-            </a:r>
-            <a:r>
-              <a:rPr kumimoji="1" lang="en-US" altLang="zh-CN" dirty="0" smtClean="0"/>
-              <a:t>/</a:t>
-            </a:r>
-            <a:r>
-              <a:rPr kumimoji="1" lang="en-US" altLang="zh-CN" dirty="0" err="1"/>
-              <a:t>manageC</a:t>
-            </a:r>
-            <a:r>
-              <a:rPr lang="en-US" altLang="zh-CN" dirty="0" err="1"/>
-              <a:t>ontactUs</a:t>
-            </a:r>
-            <a:r>
-              <a:rPr lang="zh-CN" altLang="en-US" dirty="0" smtClean="0"/>
-              <a:t>发送请求</a:t>
-            </a:r>
-            <a:r>
-              <a:rPr lang="en-US" altLang="zh-CN" dirty="0" smtClean="0"/>
-              <a:t>:</a:t>
-            </a:r>
-            <a:endParaRPr kumimoji="1" lang="zh-CN" altLang="en-US" dirty="0"/>
-          </a:p>
-        </p:txBody>
-      </p:sp>
-      <p:sp>
-        <p:nvSpPr>
-          <p:cNvPr id="7" name="矩形 6"/>
+            <a:off x="1212717" y="2375283"/>
+            <a:ext cx="1189835" cy="260997"/>
+          </a:xfrm>
+          <a:prstGeom prst="rect">
+            <a:avLst/>
+          </a:prstGeom>
+        </p:spPr>
+        <p:style>
+          <a:lnRef idx="2">
+            <a:schemeClr val="dk1"/>
+          </a:lnRef>
+          <a:fillRef idx="1">
+            <a:schemeClr val="lt1"/>
+          </a:fillRef>
+          <a:effectRef idx="0">
+            <a:schemeClr val="dk1"/>
+          </a:effectRef>
+          <a:fontRef idx="minor">
+            <a:schemeClr val="dk1"/>
+          </a:fontRef>
+        </p:style>
+        <p:txBody>
+          <a:bodyPr rtlCol="0" anchor="ctr"/>
+          <a:lstStyle/>
+          <a:p>
+            <a:pPr algn="ctr"/>
+            <a:r>
+              <a:rPr kumimoji="1" lang="zh-CN" altLang="en-US" dirty="0" smtClean="0"/>
+              <a:t>上传图片</a:t>
+            </a:r>
+            <a:endParaRPr kumimoji="1" lang="zh-CN" altLang="en-US" dirty="0"/>
+          </a:p>
+        </p:txBody>
+      </p:sp>
+      <p:sp>
+        <p:nvSpPr>
+          <p:cNvPr id="21" name="矩形 20"/>
           <p:cNvSpPr/>
           <p:nvPr/>
         </p:nvSpPr>
         <p:spPr>
           <a:xfrm>
-            <a:off x="1977100" y="4139264"/>
-            <a:ext cx="4572000" cy="369332"/>
-          </a:xfrm>
-          <a:prstGeom prst="rect">
-            <a:avLst/>
-          </a:prstGeom>
-        </p:spPr>
-        <p:txBody>
-          <a:bodyPr>
-            <a:spAutoFit/>
-          </a:bodyPr>
-          <a:lstStyle/>
-          <a:p>
-            <a:r>
-              <a:rPr kumimoji="1" lang="en-US" altLang="zh-CN" dirty="0" err="1" smtClean="0"/>
-              <a:t>manage:</a:t>
-            </a:r>
-            <a:r>
-              <a:rPr kumimoji="1" lang="en-US" altLang="zh-CN" dirty="0" err="1" smtClean="0"/>
-              <a:t>edit</a:t>
-            </a:r>
-            <a:r>
-              <a:rPr kumimoji="1" lang="en-US" altLang="zh-CN" dirty="0" smtClean="0"/>
-              <a:t>      </a:t>
-            </a:r>
-            <a:r>
-              <a:rPr kumimoji="1" lang="en-US" altLang="zh-CN" dirty="0" err="1" smtClean="0"/>
-              <a:t>content:xxx</a:t>
-            </a:r>
-            <a:endParaRPr kumimoji="1" lang="zh-CN" altLang="en-US" dirty="0"/>
-          </a:p>
-        </p:txBody>
-      </p:sp>
-      <p:sp>
-        <p:nvSpPr>
-          <p:cNvPr id="8" name="文本框 7"/>
-          <p:cNvSpPr txBox="1"/>
-          <p:nvPr/>
-        </p:nvSpPr>
-        <p:spPr>
-          <a:xfrm>
-            <a:off x="2309688" y="5025245"/>
-            <a:ext cx="3173540" cy="369332"/>
-          </a:xfrm>
-          <a:prstGeom prst="rect">
-            <a:avLst/>
-          </a:prstGeom>
-          <a:noFill/>
-        </p:spPr>
-        <p:txBody>
-          <a:bodyPr wrap="none" rtlCol="0">
-            <a:spAutoFit/>
-          </a:bodyPr>
-          <a:lstStyle/>
-          <a:p>
-            <a:r>
-              <a:rPr kumimoji="1" lang="zh-CN" altLang="en-US" dirty="0"/>
-              <a:t>返回</a:t>
-            </a:r>
-            <a:r>
-              <a:rPr kumimoji="1" lang="en-US" altLang="zh-CN" dirty="0" err="1"/>
-              <a:t>json</a:t>
-            </a:r>
-            <a:r>
-              <a:rPr kumimoji="1" lang="zh-CN" altLang="en-US" dirty="0"/>
-              <a:t>结构</a:t>
-            </a:r>
-            <a:r>
-              <a:rPr kumimoji="1" lang="en-US" altLang="zh-CN" dirty="0"/>
-              <a:t>: </a:t>
-            </a:r>
-            <a:r>
-              <a:rPr kumimoji="1" lang="en-US" altLang="zh-CN" dirty="0" err="1"/>
-              <a:t>status:success</a:t>
+            <a:off x="1160356" y="3936710"/>
+            <a:ext cx="5949178" cy="1422400"/>
+          </a:xfrm>
+          <a:prstGeom prst="rect">
+            <a:avLst/>
+          </a:prstGeom>
+        </p:spPr>
+        <p:style>
+          <a:lnRef idx="2">
+            <a:schemeClr val="dk1"/>
+          </a:lnRef>
+          <a:fillRef idx="1">
+            <a:schemeClr val="lt1"/>
+          </a:fillRef>
+          <a:effectRef idx="0">
+            <a:schemeClr val="dk1"/>
+          </a:effectRef>
+          <a:fontRef idx="minor">
+            <a:schemeClr val="dk1"/>
+          </a:fontRef>
+        </p:style>
+        <p:txBody>
+          <a:bodyPr rtlCol="0" anchor="ctr"/>
+          <a:lstStyle/>
+          <a:p>
+            <a:pPr algn="ctr"/>
+            <a:r>
+              <a:rPr kumimoji="1" lang="zh-CN" altLang="en-US" dirty="0" smtClean="0"/>
+              <a:t>以下区域是写文章。</a:t>
+            </a:r>
+            <a:endParaRPr kumimoji="1" lang="zh-CN" altLang="en-US" dirty="0"/>
+          </a:p>
+        </p:txBody>
+      </p:sp>
+      <p:sp>
+        <p:nvSpPr>
+          <p:cNvPr id="22" name="矩形 21"/>
+          <p:cNvSpPr/>
+          <p:nvPr/>
+        </p:nvSpPr>
+        <p:spPr>
+          <a:xfrm>
+            <a:off x="1160356" y="1587090"/>
+            <a:ext cx="1519221" cy="260997"/>
+          </a:xfrm>
+          <a:prstGeom prst="rect">
+            <a:avLst/>
+          </a:prstGeom>
+        </p:spPr>
+        <p:style>
+          <a:lnRef idx="2">
+            <a:schemeClr val="dk1"/>
+          </a:lnRef>
+          <a:fillRef idx="1">
+            <a:schemeClr val="lt1"/>
+          </a:fillRef>
+          <a:effectRef idx="0">
+            <a:schemeClr val="dk1"/>
+          </a:effectRef>
+          <a:fontRef idx="minor">
+            <a:schemeClr val="dk1"/>
+          </a:fontRef>
+        </p:style>
+        <p:txBody>
+          <a:bodyPr rtlCol="0" anchor="ctr"/>
+          <a:lstStyle/>
+          <a:p>
+            <a:pPr algn="ctr"/>
+            <a:r>
+              <a:rPr kumimoji="1" lang="zh-CN" altLang="en-US" dirty="0" smtClean="0"/>
+              <a:t>请选择工程</a:t>
+            </a:r>
+            <a:endParaRPr kumimoji="1" lang="zh-CN" altLang="en-US" dirty="0"/>
+          </a:p>
+        </p:txBody>
+      </p:sp>
+      <p:sp>
+        <p:nvSpPr>
+          <p:cNvPr id="23" name="矩形 22"/>
+          <p:cNvSpPr/>
+          <p:nvPr/>
+        </p:nvSpPr>
+        <p:spPr>
+          <a:xfrm>
+            <a:off x="2679577" y="1587090"/>
+            <a:ext cx="298734" cy="260997"/>
+          </a:xfrm>
+          <a:prstGeom prst="rect">
+            <a:avLst/>
+          </a:prstGeom>
+        </p:spPr>
+        <p:style>
+          <a:lnRef idx="2">
+            <a:schemeClr val="dk1"/>
+          </a:lnRef>
+          <a:fillRef idx="1">
+            <a:schemeClr val="lt1"/>
+          </a:fillRef>
+          <a:effectRef idx="0">
+            <a:schemeClr val="dk1"/>
+          </a:effectRef>
+          <a:fontRef idx="minor">
+            <a:schemeClr val="dk1"/>
+          </a:fontRef>
+        </p:style>
+        <p:txBody>
+          <a:bodyPr rtlCol="0" anchor="ctr"/>
+          <a:lstStyle/>
+          <a:p>
+            <a:pPr algn="ctr"/>
+            <a:endParaRPr kumimoji="1" lang="zh-CN" altLang="en-US" dirty="0"/>
+          </a:p>
+        </p:txBody>
+      </p:sp>
+      <p:sp>
+        <p:nvSpPr>
+          <p:cNvPr id="24" name="等腰三角形 23"/>
+          <p:cNvSpPr/>
+          <p:nvPr/>
+        </p:nvSpPr>
+        <p:spPr>
+          <a:xfrm flipV="1">
+            <a:off x="2744010" y="1677076"/>
+            <a:ext cx="133078" cy="125243"/>
+          </a:xfrm>
+          <a:prstGeom prst="triangle">
+            <a:avLst/>
+          </a:prstGeom>
+        </p:spPr>
+        <p:style>
+          <a:lnRef idx="2">
+            <a:schemeClr val="dk1"/>
+          </a:lnRef>
+          <a:fillRef idx="1">
+            <a:schemeClr val="lt1"/>
+          </a:fillRef>
+          <a:effectRef idx="0">
+            <a:schemeClr val="dk1"/>
+          </a:effectRef>
+          <a:fontRef idx="minor">
+            <a:schemeClr val="dk1"/>
+          </a:fontRef>
+        </p:style>
+        <p:txBody>
+          <a:bodyPr rtlCol="0" anchor="ctr"/>
+          <a:lstStyle/>
+          <a:p>
+            <a:pPr algn="ctr"/>
+            <a:endParaRPr kumimoji="1" lang="zh-CN" altLang="en-US"/>
+          </a:p>
+        </p:txBody>
+      </p:sp>
+      <p:sp>
+        <p:nvSpPr>
+          <p:cNvPr id="26" name="矩形 25"/>
+          <p:cNvSpPr/>
+          <p:nvPr/>
+        </p:nvSpPr>
+        <p:spPr>
+          <a:xfrm>
+            <a:off x="1160356" y="3936710"/>
+            <a:ext cx="5949178" cy="342568"/>
+          </a:xfrm>
+          <a:prstGeom prst="rect">
+            <a:avLst/>
+          </a:prstGeom>
+        </p:spPr>
+        <p:style>
+          <a:lnRef idx="2">
+            <a:schemeClr val="dk1"/>
+          </a:lnRef>
+          <a:fillRef idx="1">
+            <a:schemeClr val="lt1"/>
+          </a:fillRef>
+          <a:effectRef idx="0">
+            <a:schemeClr val="dk1"/>
+          </a:effectRef>
+          <a:fontRef idx="minor">
+            <a:schemeClr val="dk1"/>
+          </a:fontRef>
+        </p:style>
+        <p:txBody>
+          <a:bodyPr rtlCol="0" anchor="ctr"/>
+          <a:lstStyle/>
+          <a:p>
+            <a:pPr algn="ctr"/>
+            <a:r>
+              <a:rPr kumimoji="1" lang="zh-CN" altLang="en-US" dirty="0" smtClean="0"/>
+              <a:t>工程标题</a:t>
+            </a:r>
+            <a:endParaRPr kumimoji="1" lang="zh-CN" altLang="en-US" dirty="0"/>
+          </a:p>
+        </p:txBody>
+      </p:sp>
+      <p:sp>
+        <p:nvSpPr>
+          <p:cNvPr id="27" name="矩形 26"/>
+          <p:cNvSpPr/>
+          <p:nvPr/>
+        </p:nvSpPr>
+        <p:spPr>
+          <a:xfrm>
+            <a:off x="1160356" y="5606858"/>
+            <a:ext cx="724968" cy="260997"/>
+          </a:xfrm>
+          <a:prstGeom prst="rect">
+            <a:avLst/>
+          </a:prstGeom>
+        </p:spPr>
+        <p:style>
+          <a:lnRef idx="2">
+            <a:schemeClr val="dk1"/>
+          </a:lnRef>
+          <a:fillRef idx="1">
+            <a:schemeClr val="lt1"/>
+          </a:fillRef>
+          <a:effectRef idx="0">
+            <a:schemeClr val="dk1"/>
+          </a:effectRef>
+          <a:fontRef idx="minor">
+            <a:schemeClr val="dk1"/>
+          </a:fontRef>
+        </p:style>
+        <p:txBody>
+          <a:bodyPr rtlCol="0" anchor="ctr"/>
+          <a:lstStyle/>
+          <a:p>
+            <a:pPr algn="ctr"/>
+            <a:r>
+              <a:rPr kumimoji="1" lang="zh-CN" altLang="en-US" dirty="0" smtClean="0"/>
+              <a:t>确定</a:t>
+            </a:r>
+            <a:endParaRPr kumimoji="1" lang="zh-CN" altLang="en-US" dirty="0"/>
+          </a:p>
+        </p:txBody>
+      </p:sp>
+      <p:sp>
+        <p:nvSpPr>
+          <p:cNvPr id="28" name="矩形 27"/>
+          <p:cNvSpPr/>
+          <p:nvPr/>
+        </p:nvSpPr>
+        <p:spPr>
+          <a:xfrm>
+            <a:off x="2062409" y="5606858"/>
+            <a:ext cx="724968" cy="260997"/>
+          </a:xfrm>
+          <a:prstGeom prst="rect">
+            <a:avLst/>
+          </a:prstGeom>
+        </p:spPr>
+        <p:style>
+          <a:lnRef idx="2">
+            <a:schemeClr val="dk1"/>
+          </a:lnRef>
+          <a:fillRef idx="1">
+            <a:schemeClr val="lt1"/>
+          </a:fillRef>
+          <a:effectRef idx="0">
+            <a:schemeClr val="dk1"/>
+          </a:effectRef>
+          <a:fontRef idx="minor">
+            <a:schemeClr val="dk1"/>
+          </a:fontRef>
+        </p:style>
+        <p:txBody>
+          <a:bodyPr rtlCol="0" anchor="ctr"/>
+          <a:lstStyle/>
+          <a:p>
+            <a:pPr algn="ctr"/>
+            <a:r>
+              <a:rPr kumimoji="1" lang="zh-CN" altLang="en-US" dirty="0" smtClean="0"/>
+              <a:t>取消</a:t>
             </a:r>
             <a:endParaRPr kumimoji="1" lang="zh-CN" altLang="en-US" dirty="0"/>
           </a:p>
@@ -16080,7 +16379,7 @@
           <a:p>
             <a:r>
               <a:rPr kumimoji="1" lang="zh-CN" altLang="en-US" dirty="0"/>
-              <a:t>七、项目展示</a:t>
+              <a:t>七、工程案例</a:t>
             </a:r>
           </a:p>
         </p:txBody>
@@ -16093,8 +16392,8 @@
         </p:nvSpPr>
         <p:spPr>
           <a:xfrm>
-            <a:off x="834366" y="1681962"/>
-            <a:ext cx="5456392" cy="369332"/>
+            <a:off x="686444" y="1524000"/>
+            <a:ext cx="4558534" cy="369332"/>
           </a:xfrm>
           <a:prstGeom prst="rect">
             <a:avLst/>
@@ -16109,7 +16408,23 @@
           <a:p>
             <a:r>
               <a:rPr kumimoji="1" lang="zh-CN" altLang="en-US" dirty="0" smtClean="0"/>
-              <a:t>点击‘联系我们’，向</a:t>
+              <a:t>点击</a:t>
+            </a:r>
+            <a:r>
+              <a:rPr kumimoji="1" lang="en-US" altLang="zh-CN" dirty="0" smtClean="0"/>
+              <a:t>’</a:t>
+            </a:r>
+            <a:r>
+              <a:rPr kumimoji="1" lang="zh-CN" altLang="en-US" dirty="0" smtClean="0"/>
+              <a:t>工程案例</a:t>
+            </a:r>
+            <a:r>
+              <a:rPr kumimoji="1" lang="en-US" altLang="zh-CN" dirty="0" smtClean="0"/>
+              <a:t>’</a:t>
+            </a:r>
+            <a:r>
+              <a:rPr kumimoji="1" lang="zh-CN" altLang="en-US" dirty="0" smtClean="0"/>
+              <a:t>，向</a:t>
             </a:r>
             <a:r>
               <a:rPr kumimoji="1" lang="en-US" altLang="zh-CN" dirty="0" smtClean="0"/>
@@ -16117,18 +16432,14 @@
             </a:r>
             <a:r>
               <a:rPr kumimoji="1" lang="en-US" altLang="zh-CN" dirty="0" err="1" smtClean="0"/>
-              <a:t>manageC</a:t>
-            </a:r>
-            <a:r>
-              <a:rPr lang="en-US" altLang="zh-CN" dirty="0" err="1" smtClean="0"/>
-              <a:t>ontactUs</a:t>
-            </a:r>
-            <a:r>
-              <a:rPr lang="zh-CN" altLang="en-US" dirty="0" smtClean="0"/>
+              <a:t>manageCase</a:t>
+            </a:r>
+            <a:r>
+              <a:rPr kumimoji="1" lang="zh-CN" altLang="en-US" dirty="0" smtClean="0"/>
               <a:t>发送请求</a:t>
             </a:r>
             <a:r>
-              <a:rPr lang="en-US" altLang="zh-CN" dirty="0" smtClean="0"/>
+              <a:rPr kumimoji="1" lang="en-US" altLang="zh-CN" dirty="0" smtClean="0"/>
               <a:t>:</a:t>
             </a:r>
             <a:endParaRPr kumimoji="1" lang="zh-CN" altLang="en-US" dirty="0"/>
@@ -16137,29 +16448,26 @@
       </p:sp>
       <p:sp>
         <p:nvSpPr>
-          <p:cNvPr id="4" name="矩形 3"/>
-          <p:cNvSpPr/>
-          <p:nvPr/>
-        </p:nvSpPr>
-        <p:spPr>
-          <a:xfrm>
-            <a:off x="1977100" y="2190482"/>
-            <a:ext cx="4572000" cy="369332"/>
-          </a:xfrm>
-          <a:prstGeom prst="rect">
-            <a:avLst/>
-          </a:prstGeom>
-        </p:spPr>
-        <p:txBody>
-          <a:bodyPr>
-            <a:spAutoFit/>
-          </a:bodyPr>
-          <a:lstStyle/>
-          <a:p>
-            <a:r>
-              <a:rPr kumimoji="1" lang="en-US" altLang="zh-CN" dirty="0" smtClean="0"/>
-              <a:t>               </a:t>
-            </a:r>
+          <p:cNvPr id="4" name="文本框 3"/>
+          <p:cNvSpPr txBox="1"/>
+          <p:nvPr/>
+        </p:nvSpPr>
+        <p:spPr>
+          <a:xfrm>
+            <a:off x="3188615" y="2025219"/>
+            <a:ext cx="1403862" cy="369332"/>
+          </a:xfrm>
+          <a:prstGeom prst="rect">
+            <a:avLst/>
+          </a:prstGeom>
+          <a:noFill/>
+        </p:spPr>
+        <p:txBody>
+          <a:bodyPr wrap="none" rtlCol="0">
+            <a:spAutoFit/>
+          </a:bodyPr>
+          <a:lstStyle/>
+          <a:p>
             <a:r>
               <a:rPr kumimoji="1" lang="en-US" altLang="zh-CN" dirty="0" err="1" smtClean="0"/>
               <a:t>manage:get</a:t>
@@ -16170,22 +16478,21 @@
       </p:sp>
       <p:sp>
         <p:nvSpPr>
-          <p:cNvPr id="5" name="文本框 4"/>
-          <p:cNvSpPr txBox="1"/>
-          <p:nvPr/>
-        </p:nvSpPr>
-        <p:spPr>
-          <a:xfrm>
-            <a:off x="2309688" y="2794062"/>
-            <a:ext cx="2827291" cy="369332"/>
-          </a:xfrm>
-          <a:prstGeom prst="rect">
-            <a:avLst/>
-          </a:prstGeom>
-          <a:noFill/>
-        </p:spPr>
-        <p:txBody>
-          <a:bodyPr wrap="none" rtlCol="0">
+          <p:cNvPr id="5" name="矩形 4"/>
+          <p:cNvSpPr/>
+          <p:nvPr/>
+        </p:nvSpPr>
+        <p:spPr>
+          <a:xfrm>
+            <a:off x="1244894" y="2425576"/>
+            <a:ext cx="5928441" cy="646331"/>
+          </a:xfrm>
+          <a:prstGeom prst="rect">
+            <a:avLst/>
+          </a:prstGeom>
+        </p:spPr>
+        <p:txBody>
+          <a:bodyPr wrap="square">
             <a:spAutoFit/>
           </a:bodyPr>
           <a:lstStyle/>
@@ -16206,11 +16513,168 @@
               <a:rPr kumimoji="1" lang="en-US" altLang="zh-CN" dirty="0"/>
               <a:t>: </a:t>
             </a:r>
+          </a:p>
+          <a:p>
+            <a:r>
+              <a:rPr lang="en-US" altLang="zh-CN" dirty="0" smtClean="0"/>
+              <a:t>case: [</a:t>
+            </a:r>
+            <a:r>
+              <a:rPr lang="en-US" altLang="zh-CN" dirty="0" smtClean="0"/>
+              <a:t>casename1</a:t>
+            </a:r>
+            <a:r>
+              <a:rPr lang="en-US" altLang="zh-CN" dirty="0" smtClean="0"/>
+              <a:t>, casename2, casename3]</a:t>
+            </a:r>
+            <a:endParaRPr lang="en-US" altLang="zh-CN" dirty="0"/>
+          </a:p>
+        </p:txBody>
+      </p:sp>
+      <p:sp>
+        <p:nvSpPr>
+          <p:cNvPr id="22" name="文本框 21"/>
+          <p:cNvSpPr txBox="1"/>
+          <p:nvPr/>
+        </p:nvSpPr>
+        <p:spPr>
+          <a:xfrm>
+            <a:off x="686444" y="3221991"/>
+            <a:ext cx="4238322" cy="369332"/>
+          </a:xfrm>
+          <a:prstGeom prst="rect">
+            <a:avLst/>
+          </a:prstGeom>
+          <a:noFill/>
+        </p:spPr>
+        <p:txBody>
+          <a:bodyPr wrap="none" rtlCol="0">
+            <a:spAutoFit/>
+          </a:bodyPr>
+          <a:lstStyle/>
+          <a:p>
+            <a:r>
+              <a:rPr kumimoji="1" lang="zh-CN" altLang="en-US" dirty="0" smtClean="0"/>
+              <a:t>点击</a:t>
+            </a:r>
+            <a:r>
+              <a:rPr kumimoji="1" lang="en-US" altLang="zh-CN" dirty="0" smtClean="0"/>
+              <a:t>’</a:t>
+            </a:r>
+            <a:r>
+              <a:rPr kumimoji="1" lang="zh-CN" altLang="en-US" dirty="0" smtClean="0"/>
+              <a:t>编辑</a:t>
+            </a:r>
+            <a:r>
+              <a:rPr kumimoji="1" lang="en-US" altLang="zh-CN" dirty="0" smtClean="0"/>
+              <a:t>’</a:t>
+            </a:r>
+            <a:r>
+              <a:rPr kumimoji="1" lang="zh-CN" altLang="en-US" dirty="0" smtClean="0"/>
+              <a:t>，向</a:t>
+            </a:r>
+            <a:r>
+              <a:rPr kumimoji="1" lang="en-US" altLang="zh-CN" dirty="0" smtClean="0"/>
+              <a:t>/</a:t>
+            </a:r>
             <a:r>
               <a:rPr kumimoji="1" lang="en-US" altLang="zh-CN" dirty="0" err="1" smtClean="0"/>
-              <a:t>content:xxx</a:t>
-            </a:r>
-            <a:endParaRPr kumimoji="1" lang="zh-CN" altLang="en-US" dirty="0"/>
+              <a:t>manageCase</a:t>
+            </a:r>
+            <a:r>
+              <a:rPr kumimoji="1" lang="zh-CN" altLang="en-US" dirty="0" smtClean="0"/>
+              <a:t>发送请求</a:t>
+            </a:r>
+            <a:r>
+              <a:rPr kumimoji="1" lang="en-US" altLang="zh-CN" dirty="0" smtClean="0"/>
+              <a:t>:</a:t>
+            </a:r>
+            <a:endParaRPr kumimoji="1" lang="zh-CN" altLang="en-US" dirty="0"/>
+          </a:p>
+        </p:txBody>
+      </p:sp>
+      <p:sp>
+        <p:nvSpPr>
+          <p:cNvPr id="23" name="文本框 22"/>
+          <p:cNvSpPr txBox="1"/>
+          <p:nvPr/>
+        </p:nvSpPr>
+        <p:spPr>
+          <a:xfrm>
+            <a:off x="2376323" y="3723210"/>
+            <a:ext cx="3892863" cy="369332"/>
+          </a:xfrm>
+          <a:prstGeom prst="rect">
+            <a:avLst/>
+          </a:prstGeom>
+          <a:noFill/>
+        </p:spPr>
+        <p:txBody>
+          <a:bodyPr wrap="none" rtlCol="0">
+            <a:spAutoFit/>
+          </a:bodyPr>
+          <a:lstStyle/>
+          <a:p>
+            <a:r>
+              <a:rPr kumimoji="1" lang="en-US" altLang="zh-CN" dirty="0" err="1" smtClean="0"/>
+              <a:t>manage:edit</a:t>
+            </a:r>
+            <a:r>
+              <a:rPr kumimoji="1" lang="en-US" altLang="zh-CN" dirty="0" smtClean="0"/>
+              <a:t>      </a:t>
+            </a:r>
+            <a:r>
+              <a:rPr kumimoji="1" lang="en-US" altLang="zh-CN" dirty="0" err="1" smtClean="0"/>
+              <a:t>casename:XXXXXX</a:t>
+            </a:r>
+            <a:endParaRPr kumimoji="1" lang="zh-CN" altLang="en-US" dirty="0"/>
+          </a:p>
+        </p:txBody>
+      </p:sp>
+      <p:sp>
+        <p:nvSpPr>
+          <p:cNvPr id="24" name="矩形 23"/>
+          <p:cNvSpPr/>
+          <p:nvPr/>
+        </p:nvSpPr>
+        <p:spPr>
+          <a:xfrm>
+            <a:off x="2265263" y="4421056"/>
+            <a:ext cx="3272048" cy="923330"/>
+          </a:xfrm>
+          <a:prstGeom prst="rect">
+            <a:avLst/>
+          </a:prstGeom>
+        </p:spPr>
+        <p:txBody>
+          <a:bodyPr wrap="square">
+            <a:spAutoFit/>
+          </a:bodyPr>
+          <a:lstStyle/>
+          <a:p>
+            <a:r>
+              <a:rPr kumimoji="1" lang="en-US" altLang="zh-CN" dirty="0" err="1" smtClean="0"/>
+              <a:t>pic:xxxxxxxxx</a:t>
+            </a:r>
+            <a:endParaRPr kumimoji="1" lang="en-US" altLang="zh-CN" dirty="0" smtClean="0"/>
+          </a:p>
+          <a:p>
+            <a:r>
+              <a:rPr kumimoji="1" lang="en-US" altLang="zh-CN" dirty="0" err="1"/>
+              <a:t>casename</a:t>
+            </a:r>
+            <a:r>
+              <a:rPr kumimoji="1" lang="en-US" altLang="zh-CN" dirty="0" err="1" smtClean="0"/>
+              <a:t>:xxxxxxxx</a:t>
+            </a:r>
+            <a:endParaRPr kumimoji="1" lang="en-US" altLang="zh-CN" dirty="0"/>
+          </a:p>
+          <a:p>
+            <a:r>
+              <a:rPr lang="en-US" altLang="zh-CN" dirty="0" err="1" smtClean="0"/>
+              <a:t>content:xxxxxxxxxxx</a:t>
+            </a:r>
+            <a:endParaRPr lang="en-US" altLang="zh-CN" dirty="0"/>
           </a:p>
         </p:txBody>
       </p:sp>
@@ -16222,107 +16686,8 @@
         </p:nvSpPr>
         <p:spPr>
           <a:xfrm>
-            <a:off x="834366" y="3630744"/>
-            <a:ext cx="5456392" cy="369332"/>
-          </a:xfrm>
-          <a:prstGeom prst="rect">
-            <a:avLst/>
-          </a:prstGeom>
-          <a:noFill/>
-        </p:spPr>
-        <p:txBody>
-          <a:bodyPr wrap="none" rtlCol="0">
-            <a:spAutoFit/>
-          </a:bodyPr>
-          <a:lstStyle/>
-          <a:p>
-            <a:r>
-              <a:rPr kumimoji="1" lang="zh-CN" altLang="en-US" dirty="0" smtClean="0"/>
-              <a:t>保存‘</a:t>
-            </a:r>
-            <a:r>
-              <a:rPr kumimoji="1" lang="zh-CN" altLang="en-US" dirty="0"/>
-              <a:t>联系我们</a:t>
-            </a:r>
-            <a:r>
-              <a:rPr kumimoji="1" lang="zh-CN" altLang="en-US" dirty="0" smtClean="0"/>
-              <a:t>’，向</a:t>
-            </a:r>
-            <a:r>
-              <a:rPr kumimoji="1" lang="en-US" altLang="zh-CN" dirty="0" smtClean="0"/>
-              <a:t>/</a:t>
-            </a:r>
-            <a:r>
-              <a:rPr kumimoji="1" lang="en-US" altLang="zh-CN" dirty="0" err="1"/>
-              <a:t>manageC</a:t>
-            </a:r>
-            <a:r>
-              <a:rPr lang="en-US" altLang="zh-CN" dirty="0" err="1"/>
-              <a:t>ontactUs</a:t>
-            </a:r>
-            <a:r>
-              <a:rPr lang="zh-CN" altLang="en-US" dirty="0" smtClean="0"/>
-              <a:t>发送请求</a:t>
-            </a:r>
-            <a:r>
-              <a:rPr lang="en-US" altLang="zh-CN" dirty="0" smtClean="0"/>
-              <a:t>:</a:t>
-            </a:r>
-            <a:endParaRPr kumimoji="1" lang="zh-CN" altLang="en-US" dirty="0"/>
-          </a:p>
-        </p:txBody>
-      </p:sp>
-      <p:sp>
-        <p:nvSpPr>
-          <p:cNvPr id="7" name="矩形 6"/>
-          <p:cNvSpPr/>
-          <p:nvPr/>
-        </p:nvSpPr>
-        <p:spPr>
-          <a:xfrm>
-            <a:off x="1977100" y="4139264"/>
-            <a:ext cx="4572000" cy="369332"/>
-          </a:xfrm>
-          <a:prstGeom prst="rect">
-            <a:avLst/>
-          </a:prstGeom>
-        </p:spPr>
-        <p:txBody>
-          <a:bodyPr>
-            <a:spAutoFit/>
-          </a:bodyPr>
-          <a:lstStyle/>
-          <a:p>
-            <a:r>
-              <a:rPr kumimoji="1" lang="en-US" altLang="zh-CN" dirty="0" err="1" smtClean="0"/>
-              <a:t>manage:</a:t>
-            </a:r>
-            <a:r>
-              <a:rPr kumimoji="1" lang="en-US" altLang="zh-CN" dirty="0" err="1" smtClean="0"/>
-              <a:t>edit</a:t>
-            </a:r>
-            <a:r>
-              <a:rPr kumimoji="1" lang="en-US" altLang="zh-CN" dirty="0" smtClean="0"/>
-              <a:t>      </a:t>
-            </a:r>
-            <a:r>
-              <a:rPr kumimoji="1" lang="en-US" altLang="zh-CN" dirty="0" err="1" smtClean="0"/>
-              <a:t>content:xxx</a:t>
-            </a:r>
-            <a:endParaRPr kumimoji="1" lang="zh-CN" altLang="en-US" dirty="0"/>
-          </a:p>
-        </p:txBody>
-      </p:sp>
-      <p:sp>
-        <p:nvSpPr>
-          <p:cNvPr id="8" name="文本框 7"/>
-          <p:cNvSpPr txBox="1"/>
-          <p:nvPr/>
-        </p:nvSpPr>
-        <p:spPr>
-          <a:xfrm>
-            <a:off x="2309688" y="5025245"/>
-            <a:ext cx="3173540" cy="369332"/>
+            <a:off x="1315683" y="4176300"/>
+            <a:ext cx="1595584" cy="369332"/>
           </a:xfrm>
           <a:prstGeom prst="rect">
             <a:avLst/>
@@ -16351,18 +16716,13 @@
               <a:rPr kumimoji="1" lang="en-US" altLang="zh-CN" dirty="0"/>
               <a:t>: </a:t>
             </a:r>
-            <a:r>
-              <a:rPr kumimoji="1" lang="en-US" altLang="zh-CN" dirty="0" err="1"/>
-              <a:t>status:success</a:t>
-            </a:r>
-            <a:endParaRPr kumimoji="1" lang="zh-CN" altLang="en-US" dirty="0"/>
           </a:p>
         </p:txBody>
       </p:sp>
     </p:spTree>
     <p:extLst>
       <p:ext uri="{BB962C8B-B14F-4D97-AF65-F5344CB8AC3E}">
-        <p14:creationId xmlns:p14="http://schemas.microsoft.com/office/powerpoint/2010/main" val="628223756"/>
+        <p14:creationId xmlns:p14="http://schemas.microsoft.com/office/powerpoint/2010/main" val="195188007"/>
       </p:ext>
     </p:extLst>
   </p:cSld>
@@ -16405,20 +16765,456 @@
           <a:lstStyle/>
           <a:p>
             <a:r>
-              <a:rPr kumimoji="1" lang="zh-CN" altLang="en-US" dirty="0" smtClean="0"/>
-              <a:t>八</a:t>
-            </a:r>
-            <a:r>
-              <a:rPr kumimoji="1" lang="zh-CN" altLang="en-US" dirty="0" smtClean="0"/>
-              <a:t>、</a:t>
-            </a:r>
-            <a:r>
-              <a:rPr kumimoji="1" lang="zh-CN" altLang="en-US" dirty="0" smtClean="0"/>
-              <a:t>店面</a:t>
-            </a:r>
-            <a:r>
-              <a:rPr kumimoji="1" lang="zh-CN" altLang="en-US" dirty="0" smtClean="0"/>
-              <a:t>展示</a:t>
+              <a:rPr kumimoji="1" lang="zh-CN" altLang="en-US" dirty="0"/>
+              <a:t>七、工程案例</a:t>
+            </a:r>
+          </a:p>
+        </p:txBody>
+      </p:sp>
+      <p:sp>
+        <p:nvSpPr>
+          <p:cNvPr id="3" name="文本框 2"/>
+          <p:cNvSpPr txBox="1"/>
+          <p:nvPr/>
+        </p:nvSpPr>
+        <p:spPr>
+          <a:xfrm>
+            <a:off x="697885" y="1581209"/>
+            <a:ext cx="5148465" cy="369332"/>
+          </a:xfrm>
+          <a:prstGeom prst="rect">
+            <a:avLst/>
+          </a:prstGeom>
+          <a:noFill/>
+        </p:spPr>
+        <p:txBody>
+          <a:bodyPr wrap="none" rtlCol="0">
+            <a:spAutoFit/>
+          </a:bodyPr>
+          <a:lstStyle/>
+          <a:p>
+            <a:r>
+              <a:rPr kumimoji="1" lang="zh-CN" altLang="en-US" dirty="0" smtClean="0"/>
+              <a:t>增加的‘确认’按扭，</a:t>
+            </a:r>
+            <a:r>
+              <a:rPr kumimoji="1" lang="zh-CN" altLang="en-US" dirty="0"/>
+              <a:t>向</a:t>
+            </a:r>
+            <a:r>
+              <a:rPr kumimoji="1" lang="en-US" altLang="zh-CN" dirty="0"/>
+              <a:t>/</a:t>
+            </a:r>
+            <a:r>
+              <a:rPr kumimoji="1" lang="en-US" altLang="zh-CN" dirty="0" err="1"/>
+              <a:t>manageCase</a:t>
+            </a:r>
+            <a:r>
+              <a:rPr kumimoji="1" lang="zh-CN" altLang="en-US" dirty="0"/>
+              <a:t>发送请求</a:t>
+            </a:r>
+            <a:r>
+              <a:rPr kumimoji="1" lang="en-US" altLang="zh-CN" dirty="0" smtClean="0"/>
+              <a:t>:</a:t>
+            </a:r>
+            <a:endParaRPr kumimoji="1" lang="zh-CN" altLang="en-US" dirty="0"/>
+          </a:p>
+        </p:txBody>
+      </p:sp>
+      <p:sp>
+        <p:nvSpPr>
+          <p:cNvPr id="4" name="文本框 3"/>
+          <p:cNvSpPr txBox="1"/>
+          <p:nvPr/>
+        </p:nvSpPr>
+        <p:spPr>
+          <a:xfrm>
+            <a:off x="1083520" y="2148813"/>
+            <a:ext cx="6843302" cy="369332"/>
+          </a:xfrm>
+          <a:prstGeom prst="rect">
+            <a:avLst/>
+          </a:prstGeom>
+          <a:noFill/>
+        </p:spPr>
+        <p:txBody>
+          <a:bodyPr wrap="none" rtlCol="0">
+            <a:spAutoFit/>
+          </a:bodyPr>
+          <a:lstStyle/>
+          <a:p>
+            <a:r>
+              <a:rPr kumimoji="1" lang="en-US" altLang="zh-CN" dirty="0" err="1" smtClean="0"/>
+              <a:t>manage:add</a:t>
+            </a:r>
+            <a:r>
+              <a:rPr kumimoji="1" lang="en-US" altLang="zh-CN" dirty="0" smtClean="0"/>
+              <a:t>   </a:t>
+            </a:r>
+            <a:r>
+              <a:rPr kumimoji="1" lang="en-US" altLang="zh-CN" dirty="0" err="1" smtClean="0"/>
+              <a:t>pic:xxxxxx</a:t>
+            </a:r>
+            <a:r>
+              <a:rPr kumimoji="1" lang="en-US" altLang="zh-CN" dirty="0" smtClean="0"/>
+              <a:t>   </a:t>
+            </a:r>
+            <a:r>
+              <a:rPr kumimoji="1" lang="en-US" altLang="zh-CN" dirty="0" err="1" smtClean="0"/>
+              <a:t>casename:XXXXXX</a:t>
+            </a:r>
+            <a:r>
+              <a:rPr kumimoji="1" lang="en-US" altLang="zh-CN" dirty="0" smtClean="0"/>
+              <a:t>    </a:t>
+            </a:r>
+            <a:r>
+              <a:rPr kumimoji="1" lang="en-US" altLang="zh-CN" dirty="0" err="1" smtClean="0"/>
+              <a:t>content:xxxxxxx</a:t>
+            </a:r>
+            <a:endParaRPr kumimoji="1" lang="zh-CN" altLang="en-US" dirty="0"/>
+          </a:p>
+        </p:txBody>
+      </p:sp>
+      <p:sp>
+        <p:nvSpPr>
+          <p:cNvPr id="5" name="文本框 4"/>
+          <p:cNvSpPr txBox="1"/>
+          <p:nvPr/>
+        </p:nvSpPr>
+        <p:spPr>
+          <a:xfrm>
+            <a:off x="2672810" y="2679652"/>
+            <a:ext cx="3173540" cy="369332"/>
+          </a:xfrm>
+          <a:prstGeom prst="rect">
+            <a:avLst/>
+          </a:prstGeom>
+          <a:noFill/>
+        </p:spPr>
+        <p:txBody>
+          <a:bodyPr wrap="none" rtlCol="0">
+            <a:spAutoFit/>
+          </a:bodyPr>
+          <a:lstStyle/>
+          <a:p>
+            <a:r>
+              <a:rPr kumimoji="1" lang="zh-CN" altLang="en-US" dirty="0"/>
+              <a:t>返回</a:t>
+            </a:r>
+            <a:r>
+              <a:rPr kumimoji="1" lang="en-US" altLang="zh-CN" dirty="0" err="1"/>
+              <a:t>json</a:t>
+            </a:r>
+            <a:r>
+              <a:rPr kumimoji="1" lang="zh-CN" altLang="en-US" dirty="0"/>
+              <a:t>结构</a:t>
+            </a:r>
+            <a:r>
+              <a:rPr kumimoji="1" lang="en-US" altLang="zh-CN" dirty="0"/>
+              <a:t>: </a:t>
+            </a:r>
+            <a:r>
+              <a:rPr kumimoji="1" lang="en-US" altLang="zh-CN" dirty="0" err="1"/>
+              <a:t>status:success</a:t>
+            </a:r>
+            <a:endParaRPr kumimoji="1" lang="zh-CN" altLang="en-US" dirty="0"/>
+          </a:p>
+        </p:txBody>
+      </p:sp>
+      <p:sp>
+        <p:nvSpPr>
+          <p:cNvPr id="6" name="矩形 5"/>
+          <p:cNvSpPr/>
+          <p:nvPr/>
+        </p:nvSpPr>
+        <p:spPr>
+          <a:xfrm>
+            <a:off x="697885" y="3288905"/>
+            <a:ext cx="5903414" cy="369332"/>
+          </a:xfrm>
+          <a:prstGeom prst="rect">
+            <a:avLst/>
+          </a:prstGeom>
+        </p:spPr>
+        <p:txBody>
+          <a:bodyPr wrap="square">
+            <a:spAutoFit/>
+          </a:bodyPr>
+          <a:lstStyle/>
+          <a:p>
+            <a:r>
+              <a:rPr kumimoji="1" lang="zh-CN" altLang="en-US" dirty="0" smtClean="0"/>
+              <a:t>编辑</a:t>
+            </a:r>
+            <a:r>
+              <a:rPr kumimoji="1" lang="zh-CN" altLang="en-US" dirty="0" smtClean="0"/>
+              <a:t>的</a:t>
+            </a:r>
+            <a:r>
+              <a:rPr kumimoji="1" lang="zh-CN" altLang="en-US" dirty="0"/>
+              <a:t>‘确认’按扭，向</a:t>
+            </a:r>
+            <a:r>
+              <a:rPr kumimoji="1" lang="en-US" altLang="zh-CN" dirty="0"/>
+              <a:t>/</a:t>
+            </a:r>
+            <a:r>
+              <a:rPr kumimoji="1" lang="en-US" altLang="zh-CN" dirty="0" err="1"/>
+              <a:t>manageCase</a:t>
+            </a:r>
+            <a:r>
+              <a:rPr kumimoji="1" lang="zh-CN" altLang="en-US" dirty="0"/>
+              <a:t>发送请求</a:t>
+            </a:r>
+            <a:r>
+              <a:rPr kumimoji="1" lang="en-US" altLang="zh-CN" dirty="0"/>
+              <a:t>:</a:t>
+            </a:r>
+            <a:endParaRPr kumimoji="1" lang="zh-CN" altLang="en-US" dirty="0"/>
+          </a:p>
+        </p:txBody>
+      </p:sp>
+      <p:sp>
+        <p:nvSpPr>
+          <p:cNvPr id="7" name="文本框 6"/>
+          <p:cNvSpPr txBox="1"/>
+          <p:nvPr/>
+        </p:nvSpPr>
+        <p:spPr>
+          <a:xfrm>
+            <a:off x="122499" y="3800105"/>
+            <a:ext cx="8908734" cy="369332"/>
+          </a:xfrm>
+          <a:prstGeom prst="rect">
+            <a:avLst/>
+          </a:prstGeom>
+          <a:noFill/>
+        </p:spPr>
+        <p:txBody>
+          <a:bodyPr wrap="none" rtlCol="0">
+            <a:spAutoFit/>
+          </a:bodyPr>
+          <a:lstStyle/>
+          <a:p>
+            <a:r>
+              <a:rPr kumimoji="1" lang="en-US" altLang="zh-CN" dirty="0" err="1"/>
+              <a:t>m</a:t>
+            </a:r>
+            <a:r>
+              <a:rPr kumimoji="1" lang="en-US" altLang="zh-CN" dirty="0" err="1" smtClean="0"/>
+              <a:t>anage:edit</a:t>
+            </a:r>
+            <a:r>
+              <a:rPr kumimoji="1" lang="en-US" altLang="zh-CN" dirty="0" smtClean="0"/>
+              <a:t>   </a:t>
+            </a:r>
+            <a:r>
+              <a:rPr kumimoji="1" lang="en-US" altLang="zh-CN" dirty="0" err="1" smtClean="0"/>
+              <a:t>pic:xxxxxx</a:t>
+            </a:r>
+            <a:r>
+              <a:rPr kumimoji="1" lang="en-US" altLang="zh-CN" dirty="0" smtClean="0"/>
+              <a:t>  </a:t>
+            </a:r>
+            <a:r>
+              <a:rPr kumimoji="1" lang="en-US" altLang="zh-CN" dirty="0" err="1" smtClean="0"/>
+              <a:t>oldcasename:xxxxx</a:t>
+            </a:r>
+            <a:r>
+              <a:rPr kumimoji="1" lang="en-US" altLang="zh-CN" dirty="0" smtClean="0"/>
+              <a:t>  </a:t>
+            </a:r>
+            <a:r>
+              <a:rPr kumimoji="1" lang="en-US" altLang="zh-CN" dirty="0" err="1" smtClean="0"/>
+              <a:t>casename:XXXXXX</a:t>
+            </a:r>
+            <a:r>
+              <a:rPr kumimoji="1" lang="en-US" altLang="zh-CN" dirty="0" smtClean="0"/>
+              <a:t>    </a:t>
+            </a:r>
+            <a:r>
+              <a:rPr kumimoji="1" lang="en-US" altLang="zh-CN" dirty="0" err="1" smtClean="0"/>
+              <a:t>content:xxxxxxx</a:t>
+            </a:r>
+            <a:endParaRPr kumimoji="1" lang="zh-CN" altLang="en-US" dirty="0"/>
+          </a:p>
+        </p:txBody>
+      </p:sp>
+      <p:sp>
+        <p:nvSpPr>
+          <p:cNvPr id="8" name="文本框 7"/>
+          <p:cNvSpPr txBox="1"/>
+          <p:nvPr/>
+        </p:nvSpPr>
+        <p:spPr>
+          <a:xfrm>
+            <a:off x="2672810" y="4330944"/>
+            <a:ext cx="3173540" cy="369332"/>
+          </a:xfrm>
+          <a:prstGeom prst="rect">
+            <a:avLst/>
+          </a:prstGeom>
+          <a:noFill/>
+        </p:spPr>
+        <p:txBody>
+          <a:bodyPr wrap="none" rtlCol="0">
+            <a:spAutoFit/>
+          </a:bodyPr>
+          <a:lstStyle/>
+          <a:p>
+            <a:r>
+              <a:rPr kumimoji="1" lang="zh-CN" altLang="en-US" dirty="0"/>
+              <a:t>返回</a:t>
+            </a:r>
+            <a:r>
+              <a:rPr kumimoji="1" lang="en-US" altLang="zh-CN" dirty="0" err="1"/>
+              <a:t>json</a:t>
+            </a:r>
+            <a:r>
+              <a:rPr kumimoji="1" lang="zh-CN" altLang="en-US" dirty="0"/>
+              <a:t>结构</a:t>
+            </a:r>
+            <a:r>
+              <a:rPr kumimoji="1" lang="en-US" altLang="zh-CN" dirty="0"/>
+              <a:t>: </a:t>
+            </a:r>
+            <a:r>
+              <a:rPr kumimoji="1" lang="en-US" altLang="zh-CN" dirty="0" err="1"/>
+              <a:t>status:success</a:t>
+            </a:r>
+            <a:endParaRPr kumimoji="1" lang="zh-CN" altLang="en-US" dirty="0"/>
+          </a:p>
+        </p:txBody>
+      </p:sp>
+      <p:sp>
+        <p:nvSpPr>
+          <p:cNvPr id="9" name="文本框 8"/>
+          <p:cNvSpPr txBox="1"/>
+          <p:nvPr/>
+        </p:nvSpPr>
+        <p:spPr>
+          <a:xfrm>
+            <a:off x="697885" y="4885699"/>
+            <a:ext cx="3532638" cy="369332"/>
+          </a:xfrm>
+          <a:prstGeom prst="rect">
+            <a:avLst/>
+          </a:prstGeom>
+          <a:noFill/>
+        </p:spPr>
+        <p:txBody>
+          <a:bodyPr wrap="none" rtlCol="0">
+            <a:spAutoFit/>
+          </a:bodyPr>
+          <a:lstStyle/>
+          <a:p>
+            <a:r>
+              <a:rPr kumimoji="1" lang="zh-CN" altLang="en-US" dirty="0" smtClean="0"/>
+              <a:t>删除，</a:t>
+            </a:r>
+            <a:r>
+              <a:rPr kumimoji="1" lang="zh-CN" altLang="en-US" dirty="0"/>
+              <a:t>向</a:t>
+            </a:r>
+            <a:r>
+              <a:rPr kumimoji="1" lang="en-US" altLang="zh-CN" dirty="0"/>
+              <a:t>/</a:t>
+            </a:r>
+            <a:r>
+              <a:rPr kumimoji="1" lang="en-US" altLang="zh-CN" dirty="0" err="1"/>
+              <a:t>manageCase</a:t>
+            </a:r>
+            <a:r>
+              <a:rPr kumimoji="1" lang="zh-CN" altLang="en-US" dirty="0"/>
+              <a:t>发送请求</a:t>
+            </a:r>
+            <a:r>
+              <a:rPr kumimoji="1" lang="en-US" altLang="zh-CN" dirty="0" smtClean="0"/>
+              <a:t>:</a:t>
+            </a:r>
+            <a:endParaRPr kumimoji="1" lang="zh-CN" altLang="en-US" dirty="0"/>
+          </a:p>
+        </p:txBody>
+      </p:sp>
+      <p:sp>
+        <p:nvSpPr>
+          <p:cNvPr id="10" name="文本框 9"/>
+          <p:cNvSpPr txBox="1"/>
+          <p:nvPr/>
+        </p:nvSpPr>
+        <p:spPr>
+          <a:xfrm>
+            <a:off x="2672810" y="5289357"/>
+            <a:ext cx="3803257" cy="369332"/>
+          </a:xfrm>
+          <a:prstGeom prst="rect">
+            <a:avLst/>
+          </a:prstGeom>
+          <a:noFill/>
+        </p:spPr>
+        <p:txBody>
+          <a:bodyPr wrap="none" rtlCol="0">
+            <a:spAutoFit/>
+          </a:bodyPr>
+          <a:lstStyle/>
+          <a:p>
+            <a:r>
+              <a:rPr kumimoji="1" lang="en-US" altLang="zh-CN" dirty="0" err="1" smtClean="0"/>
+              <a:t>manage:delete</a:t>
+            </a:r>
+            <a:r>
+              <a:rPr kumimoji="1" lang="en-US" altLang="zh-CN" dirty="0" smtClean="0"/>
+              <a:t>   </a:t>
+            </a:r>
+            <a:r>
+              <a:rPr kumimoji="1" lang="en-US" altLang="zh-CN" dirty="0" err="1" smtClean="0"/>
+              <a:t>casename:XXXXX</a:t>
+            </a:r>
+            <a:endParaRPr kumimoji="1" lang="zh-CN" altLang="en-US" dirty="0"/>
+          </a:p>
+        </p:txBody>
+      </p:sp>
+      <p:sp>
+        <p:nvSpPr>
+          <p:cNvPr id="11" name="文本框 10"/>
+          <p:cNvSpPr txBox="1"/>
+          <p:nvPr/>
+        </p:nvSpPr>
+        <p:spPr>
+          <a:xfrm>
+            <a:off x="2672810" y="5762969"/>
+            <a:ext cx="3173540" cy="369332"/>
+          </a:xfrm>
+          <a:prstGeom prst="rect">
+            <a:avLst/>
+          </a:prstGeom>
+          <a:noFill/>
+        </p:spPr>
+        <p:txBody>
+          <a:bodyPr wrap="none" rtlCol="0">
+            <a:spAutoFit/>
+          </a:bodyPr>
+          <a:lstStyle/>
+          <a:p>
+            <a:r>
+              <a:rPr kumimoji="1" lang="zh-CN" altLang="en-US" dirty="0"/>
+              <a:t>返回</a:t>
+            </a:r>
+            <a:r>
+              <a:rPr kumimoji="1" lang="en-US" altLang="zh-CN" dirty="0" err="1"/>
+              <a:t>json</a:t>
+            </a:r>
+            <a:r>
+              <a:rPr kumimoji="1" lang="zh-CN" altLang="en-US" dirty="0"/>
+              <a:t>结构</a:t>
+            </a:r>
+            <a:r>
+              <a:rPr kumimoji="1" lang="en-US" altLang="zh-CN" dirty="0"/>
+              <a:t>: </a:t>
+            </a:r>
+            <a:r>
+              <a:rPr kumimoji="1" lang="en-US" altLang="zh-CN" dirty="0" err="1"/>
+              <a:t>status:success</a:t>
             </a:r>
             <a:endParaRPr kumimoji="1" lang="zh-CN" altLang="en-US" dirty="0"/>
           </a:p>
@@ -16427,7 +17223,7 @@
     </p:spTree>
     <p:extLst>
       <p:ext uri="{BB962C8B-B14F-4D97-AF65-F5344CB8AC3E}">
-        <p14:creationId xmlns:p14="http://schemas.microsoft.com/office/powerpoint/2010/main" val="428043627"/>
+        <p14:creationId xmlns:p14="http://schemas.microsoft.com/office/powerpoint/2010/main" val="1509008303"/>
       </p:ext>
     </p:extLst>
   </p:cSld>
@@ -17029,10 +17825,9 @@
           <a:lstStyle/>
           <a:p>
             <a:r>
-              <a:rPr kumimoji="1" lang="zh-CN" altLang="en-US"/>
-              <a:t>八、店面展示</a:t>
-            </a:r>
-            <a:endParaRPr kumimoji="1" lang="zh-CN" altLang="en-US" dirty="0"/>
+              <a:rPr kumimoji="1" lang="zh-CN" altLang="en-US" dirty="0"/>
+              <a:t>七、工程案例</a:t>
+            </a:r>
           </a:p>
         </p:txBody>
       </p:sp>
@@ -17044,8 +17839,8 @@
         </p:nvSpPr>
         <p:spPr>
           <a:xfrm>
-            <a:off x="834366" y="1681962"/>
-            <a:ext cx="5456392" cy="369332"/>
+            <a:off x="697885" y="1581209"/>
+            <a:ext cx="5174388" cy="369332"/>
           </a:xfrm>
           <a:prstGeom prst="rect">
             <a:avLst/>
@@ -17060,75 +17855,96 @@
           <a:p>
             <a:r>
               <a:rPr kumimoji="1" lang="zh-CN" altLang="en-US" dirty="0" smtClean="0"/>
-              <a:t>点击‘联系我们’，向</a:t>
-            </a:r>
-            <a:r>
-              <a:rPr kumimoji="1" lang="en-US" altLang="zh-CN" dirty="0" smtClean="0"/>
+              <a:t>增加的‘排序’按扭，</a:t>
+            </a:r>
+            <a:r>
+              <a:rPr kumimoji="1" lang="zh-CN" altLang="en-US" dirty="0"/>
+              <a:t>向</a:t>
+            </a:r>
+            <a:r>
+              <a:rPr kumimoji="1" lang="en-US" altLang="zh-CN" dirty="0"/>
               <a:t>/</a:t>
             </a:r>
             <a:r>
+              <a:rPr kumimoji="1" lang="en-US" altLang="zh-CN" dirty="0" err="1"/>
+              <a:t>manageCase</a:t>
+            </a:r>
+            <a:r>
+              <a:rPr kumimoji="1" lang="zh-CN" altLang="en-US" dirty="0"/>
+              <a:t>发送请求</a:t>
+            </a:r>
+            <a:r>
+              <a:rPr kumimoji="1" lang="en-US" altLang="zh-CN" dirty="0" smtClean="0"/>
+              <a:t>:</a:t>
+            </a:r>
+            <a:endParaRPr kumimoji="1" lang="zh-CN" altLang="en-US" dirty="0"/>
+          </a:p>
+        </p:txBody>
+      </p:sp>
+      <p:sp>
+        <p:nvSpPr>
+          <p:cNvPr id="12" name="文本框 11"/>
+          <p:cNvSpPr txBox="1"/>
+          <p:nvPr/>
+        </p:nvSpPr>
+        <p:spPr>
+          <a:xfrm>
+            <a:off x="2044541" y="2153451"/>
+            <a:ext cx="4610945" cy="369332"/>
+          </a:xfrm>
+          <a:prstGeom prst="rect">
+            <a:avLst/>
+          </a:prstGeom>
+          <a:noFill/>
+        </p:spPr>
+        <p:txBody>
+          <a:bodyPr wrap="none" rtlCol="0">
+            <a:spAutoFit/>
+          </a:bodyPr>
+          <a:lstStyle/>
+          <a:p>
+            <a:r>
               <a:rPr kumimoji="1" lang="en-US" altLang="zh-CN" dirty="0" err="1" smtClean="0"/>
-              <a:t>manageC</a:t>
-            </a:r>
-            <a:r>
-              <a:rPr lang="en-US" altLang="zh-CN" dirty="0" err="1" smtClean="0"/>
-              <a:t>ontactUs</a:t>
-            </a:r>
-            <a:r>
-              <a:rPr lang="zh-CN" altLang="en-US" dirty="0" smtClean="0"/>
-              <a:t>发送请求</a:t>
-            </a:r>
-            <a:r>
-              <a:rPr lang="en-US" altLang="zh-CN" dirty="0" smtClean="0"/>
-              <a:t>:</a:t>
-            </a:r>
-            <a:endParaRPr kumimoji="1" lang="zh-CN" altLang="en-US" dirty="0"/>
-          </a:p>
-        </p:txBody>
-      </p:sp>
-      <p:sp>
-        <p:nvSpPr>
-          <p:cNvPr id="4" name="矩形 3"/>
-          <p:cNvSpPr/>
-          <p:nvPr/>
-        </p:nvSpPr>
-        <p:spPr>
-          <a:xfrm>
-            <a:off x="1977100" y="2190482"/>
-            <a:ext cx="4572000" cy="369332"/>
-          </a:xfrm>
-          <a:prstGeom prst="rect">
-            <a:avLst/>
-          </a:prstGeom>
-        </p:spPr>
-        <p:txBody>
-          <a:bodyPr>
-            <a:spAutoFit/>
-          </a:bodyPr>
-          <a:lstStyle/>
-          <a:p>
-            <a:r>
-              <a:rPr kumimoji="1" lang="en-US" altLang="zh-CN" dirty="0" smtClean="0"/>
-              <a:t>               </a:t>
+              <a:t>manage:sort</a:t>
+            </a:r>
+            <a:r>
+              <a:rPr kumimoji="1" lang="en-US" altLang="zh-CN" dirty="0" smtClean="0"/>
+              <a:t>   </a:t>
             </a:r>
             <a:r>
               <a:rPr kumimoji="1" lang="en-US" altLang="zh-CN" dirty="0" err="1" smtClean="0"/>
-              <a:t>manage:get</a:t>
-            </a:r>
-            <a:endParaRPr kumimoji="1" lang="zh-CN" altLang="en-US" dirty="0"/>
-          </a:p>
-        </p:txBody>
-      </p:sp>
-      <p:sp>
-        <p:nvSpPr>
-          <p:cNvPr id="5" name="文本框 4"/>
+              <a:t>sequence:AAA</a:t>
+            </a:r>
+            <a:r>
+              <a:rPr kumimoji="1" lang="zh-CN" altLang="en-US" dirty="0"/>
+              <a:t>＃</a:t>
+            </a:r>
+            <a:r>
+              <a:rPr kumimoji="1" lang="en-US" altLang="zh-CN" dirty="0"/>
+              <a:t>BBB</a:t>
+            </a:r>
+            <a:r>
+              <a:rPr kumimoji="1" lang="zh-CN" altLang="en-US" dirty="0"/>
+              <a:t>＃</a:t>
+            </a:r>
+            <a:r>
+              <a:rPr kumimoji="1" lang="en-US" altLang="zh-CN" dirty="0"/>
+              <a:t>CCC </a:t>
+            </a:r>
+            <a:endParaRPr kumimoji="1" lang="zh-CN" altLang="en-US" dirty="0"/>
+          </a:p>
+        </p:txBody>
+      </p:sp>
+      <p:sp>
+        <p:nvSpPr>
+          <p:cNvPr id="13" name="文本框 12"/>
           <p:cNvSpPr txBox="1"/>
           <p:nvPr/>
         </p:nvSpPr>
         <p:spPr>
           <a:xfrm>
-            <a:off x="2309688" y="2794062"/>
-            <a:ext cx="2827291" cy="369332"/>
+            <a:off x="2592725" y="2677384"/>
+            <a:ext cx="3173540" cy="369332"/>
           </a:xfrm>
           <a:prstGeom prst="rect">
             <a:avLst/>
@@ -17158,153 +17974,693 @@
               <a:t>: </a:t>
             </a:r>
             <a:r>
-              <a:rPr kumimoji="1" lang="en-US" altLang="zh-CN" dirty="0" err="1" smtClean="0"/>
-              <a:t>content:xxx</a:t>
-            </a:r>
-            <a:endParaRPr kumimoji="1" lang="zh-CN" altLang="en-US" dirty="0"/>
-          </a:p>
-        </p:txBody>
-      </p:sp>
-      <p:sp>
-        <p:nvSpPr>
-          <p:cNvPr id="6" name="文本框 5"/>
-          <p:cNvSpPr txBox="1"/>
-          <p:nvPr/>
-        </p:nvSpPr>
-        <p:spPr>
-          <a:xfrm>
-            <a:off x="834366" y="3630744"/>
-            <a:ext cx="5456392" cy="369332"/>
-          </a:xfrm>
-          <a:prstGeom prst="rect">
-            <a:avLst/>
-          </a:prstGeom>
-          <a:noFill/>
-        </p:spPr>
-        <p:txBody>
-          <a:bodyPr wrap="none" rtlCol="0">
-            <a:spAutoFit/>
-          </a:bodyPr>
-          <a:lstStyle/>
-          <a:p>
-            <a:r>
-              <a:rPr kumimoji="1" lang="zh-CN" altLang="en-US" dirty="0" smtClean="0"/>
-              <a:t>保存‘</a:t>
-            </a:r>
-            <a:r>
-              <a:rPr kumimoji="1" lang="zh-CN" altLang="en-US" dirty="0"/>
-              <a:t>联系我们</a:t>
-            </a:r>
-            <a:r>
-              <a:rPr kumimoji="1" lang="zh-CN" altLang="en-US" dirty="0" smtClean="0"/>
-              <a:t>’，向</a:t>
-            </a:r>
-            <a:r>
-              <a:rPr kumimoji="1" lang="en-US" altLang="zh-CN" dirty="0" smtClean="0"/>
-              <a:t>/</a:t>
-            </a:r>
-            <a:r>
-              <a:rPr kumimoji="1" lang="en-US" altLang="zh-CN" dirty="0" err="1"/>
-              <a:t>manageC</a:t>
-            </a:r>
-            <a:r>
-              <a:rPr lang="en-US" altLang="zh-CN" dirty="0" err="1"/>
-              <a:t>ontactUs</a:t>
-            </a:r>
-            <a:r>
-              <a:rPr lang="zh-CN" altLang="en-US" dirty="0" smtClean="0"/>
-              <a:t>发送请求</a:t>
-            </a:r>
-            <a:r>
-              <a:rPr lang="en-US" altLang="zh-CN" dirty="0" smtClean="0"/>
-              <a:t>:</a:t>
-            </a:r>
-            <a:endParaRPr kumimoji="1" lang="zh-CN" altLang="en-US" dirty="0"/>
-          </a:p>
-        </p:txBody>
-      </p:sp>
-      <p:sp>
-        <p:nvSpPr>
-          <p:cNvPr id="7" name="矩形 6"/>
-          <p:cNvSpPr/>
-          <p:nvPr/>
-        </p:nvSpPr>
-        <p:spPr>
-          <a:xfrm>
-            <a:off x="1977100" y="4139264"/>
-            <a:ext cx="4572000" cy="369332"/>
-          </a:xfrm>
-          <a:prstGeom prst="rect">
-            <a:avLst/>
-          </a:prstGeom>
-        </p:spPr>
-        <p:txBody>
-          <a:bodyPr>
-            <a:spAutoFit/>
-          </a:bodyPr>
-          <a:lstStyle/>
-          <a:p>
-            <a:r>
-              <a:rPr kumimoji="1" lang="en-US" altLang="zh-CN" dirty="0" err="1" smtClean="0"/>
-              <a:t>manage:</a:t>
-            </a:r>
-            <a:r>
-              <a:rPr kumimoji="1" lang="en-US" altLang="zh-CN" dirty="0" err="1" smtClean="0"/>
-              <a:t>edit</a:t>
-            </a:r>
-            <a:r>
-              <a:rPr kumimoji="1" lang="en-US" altLang="zh-CN" dirty="0" smtClean="0"/>
-              <a:t>      </a:t>
-            </a:r>
-            <a:r>
-              <a:rPr kumimoji="1" lang="en-US" altLang="zh-CN" dirty="0" err="1" smtClean="0"/>
-              <a:t>content:xxx</a:t>
-            </a:r>
-            <a:endParaRPr kumimoji="1" lang="zh-CN" altLang="en-US" dirty="0"/>
-          </a:p>
-        </p:txBody>
-      </p:sp>
-      <p:sp>
-        <p:nvSpPr>
-          <p:cNvPr id="8" name="文本框 7"/>
-          <p:cNvSpPr txBox="1"/>
-          <p:nvPr/>
-        </p:nvSpPr>
-        <p:spPr>
-          <a:xfrm>
-            <a:off x="2309688" y="5025245"/>
-            <a:ext cx="3173540" cy="369332"/>
-          </a:xfrm>
-          <a:prstGeom prst="rect">
-            <a:avLst/>
-          </a:prstGeom>
-          <a:noFill/>
-        </p:spPr>
-        <p:txBody>
-          <a:bodyPr wrap="none" rtlCol="0">
-            <a:spAutoFit/>
-          </a:bodyPr>
-          <a:lstStyle/>
-          <a:p>
-            <a:r>
-              <a:rPr kumimoji="1" lang="zh-CN" altLang="en-US" dirty="0"/>
-              <a:t>返回</a:t>
-            </a:r>
-            <a:r>
-              <a:rPr kumimoji="1" lang="en-US" altLang="zh-CN" dirty="0" err="1"/>
-              <a:t>json</a:t>
-            </a:r>
-            <a:r>
-              <a:rPr kumimoji="1" lang="zh-CN" altLang="en-US" dirty="0"/>
-              <a:t>结构</a:t>
-            </a:r>
-            <a:r>
-              <a:rPr kumimoji="1" lang="en-US" altLang="zh-CN" dirty="0"/>
-              <a:t>: </a:t>
-            </a:r>
-            <a:r>
               <a:rPr kumimoji="1" lang="en-US" altLang="zh-CN" dirty="0" err="1"/>
               <a:t>status:success</a:t>
+            </a:r>
+            <a:endParaRPr kumimoji="1" lang="zh-CN" altLang="en-US" dirty="0"/>
+          </a:p>
+        </p:txBody>
+      </p:sp>
+    </p:spTree>
+    <p:extLst>
+      <p:ext uri="{BB962C8B-B14F-4D97-AF65-F5344CB8AC3E}">
+        <p14:creationId xmlns:p14="http://schemas.microsoft.com/office/powerpoint/2010/main" val="2247713544"/>
+      </p:ext>
+    </p:extLst>
+  </p:cSld>
+  <p:clrMapOvr>
+    <a:masterClrMapping/>
+  </p:clrMapOvr>
+</p:sld>
+</file>
+
+<file path=ppt/slides/slide41.xml><?xml version="1.0" encoding="utf-8"?>
+<p:sld xmlns:a="http://schemas.openxmlformats.org/drawingml/2006/main" xmlns:r="http://schemas.openxmlformats.org/officeDocument/2006/relationships" xmlns:p="http://schemas.openxmlformats.org/presentationml/2006/main">
+  <p:cSld>
+    <p:spTree>
+      <p:nvGrpSpPr>
+        <p:cNvPr id="1" name=""/>
+        <p:cNvGrpSpPr/>
+        <p:nvPr/>
+      </p:nvGrpSpPr>
+      <p:grpSpPr>
+        <a:xfrm>
+          <a:off x="0" y="0"/>
+          <a:ext cx="0" cy="0"/>
+          <a:chOff x="0" y="0"/>
+          <a:chExt cx="0" cy="0"/>
+        </a:xfrm>
+      </p:grpSpPr>
+      <p:sp>
+        <p:nvSpPr>
+          <p:cNvPr id="2" name="标题 1"/>
+          <p:cNvSpPr>
+            <a:spLocks noGrp="1"/>
+          </p:cNvSpPr>
+          <p:nvPr>
+            <p:ph type="title"/>
+          </p:nvPr>
+        </p:nvSpPr>
+        <p:spPr/>
+        <p:txBody>
+          <a:bodyPr/>
+          <a:lstStyle/>
+          <a:p>
+            <a:r>
+              <a:rPr kumimoji="1" lang="zh-CN" altLang="en-US" dirty="0" smtClean="0"/>
+              <a:t>八</a:t>
+            </a:r>
+            <a:r>
+              <a:rPr kumimoji="1" lang="zh-CN" altLang="en-US" dirty="0" smtClean="0"/>
+              <a:t>、</a:t>
+            </a:r>
+            <a:r>
+              <a:rPr kumimoji="1" lang="zh-CN" altLang="en-US" dirty="0" smtClean="0"/>
+              <a:t>店面</a:t>
+            </a:r>
+            <a:r>
+              <a:rPr kumimoji="1" lang="zh-CN" altLang="en-US" dirty="0" smtClean="0"/>
+              <a:t>展示</a:t>
+            </a:r>
+            <a:endParaRPr kumimoji="1" lang="zh-CN" altLang="en-US" dirty="0"/>
+          </a:p>
+        </p:txBody>
+      </p:sp>
+    </p:spTree>
+    <p:extLst>
+      <p:ext uri="{BB962C8B-B14F-4D97-AF65-F5344CB8AC3E}">
+        <p14:creationId xmlns:p14="http://schemas.microsoft.com/office/powerpoint/2010/main" val="428043627"/>
+      </p:ext>
+    </p:extLst>
+  </p:cSld>
+  <p:clrMapOvr>
+    <a:masterClrMapping/>
+  </p:clrMapOvr>
+</p:sld>
+</file>
+
+<file path=ppt/slides/slide42.xml><?xml version="1.0" encoding="utf-8"?>
+<p:sld xmlns:a="http://schemas.openxmlformats.org/drawingml/2006/main" xmlns:r="http://schemas.openxmlformats.org/officeDocument/2006/relationships" xmlns:p="http://schemas.openxmlformats.org/presentationml/2006/main">
+  <p:cSld>
+    <p:spTree>
+      <p:nvGrpSpPr>
+        <p:cNvPr id="1" name=""/>
+        <p:cNvGrpSpPr/>
+        <p:nvPr/>
+      </p:nvGrpSpPr>
+      <p:grpSpPr>
+        <a:xfrm>
+          <a:off x="0" y="0"/>
+          <a:ext cx="0" cy="0"/>
+          <a:chOff x="0" y="0"/>
+          <a:chExt cx="0" cy="0"/>
+        </a:xfrm>
+      </p:grpSpPr>
+      <p:sp>
+        <p:nvSpPr>
+          <p:cNvPr id="2" name="标题 1"/>
+          <p:cNvSpPr>
+            <a:spLocks noGrp="1"/>
+          </p:cNvSpPr>
+          <p:nvPr>
+            <p:ph type="title"/>
+          </p:nvPr>
+        </p:nvSpPr>
+        <p:spPr/>
+        <p:txBody>
+          <a:bodyPr/>
+          <a:lstStyle/>
+          <a:p>
+            <a:r>
+              <a:rPr kumimoji="1" lang="zh-CN" altLang="en-US" dirty="0"/>
+              <a:t>八、店面展示</a:t>
+            </a:r>
+          </a:p>
+        </p:txBody>
+      </p:sp>
+      <p:sp>
+        <p:nvSpPr>
+          <p:cNvPr id="18" name="矩形 17"/>
+          <p:cNvSpPr/>
+          <p:nvPr/>
+        </p:nvSpPr>
+        <p:spPr>
+          <a:xfrm>
+            <a:off x="1212717" y="2643084"/>
+            <a:ext cx="1292802" cy="1041214"/>
+          </a:xfrm>
+          <a:prstGeom prst="rect">
+            <a:avLst/>
+          </a:prstGeom>
+        </p:spPr>
+        <p:style>
+          <a:lnRef idx="2">
+            <a:schemeClr val="dk1"/>
+          </a:lnRef>
+          <a:fillRef idx="1">
+            <a:schemeClr val="lt1"/>
+          </a:fillRef>
+          <a:effectRef idx="0">
+            <a:schemeClr val="dk1"/>
+          </a:effectRef>
+          <a:fontRef idx="minor">
+            <a:schemeClr val="dk1"/>
+          </a:fontRef>
+        </p:style>
+        <p:txBody>
+          <a:bodyPr rtlCol="0" anchor="ctr"/>
+          <a:lstStyle/>
+          <a:p>
+            <a:pPr algn="ctr"/>
+            <a:r>
+              <a:rPr kumimoji="1" lang="en-US" altLang="zh-CN" dirty="0" smtClean="0"/>
+              <a:t>pic</a:t>
+            </a:r>
+            <a:endParaRPr kumimoji="1" lang="zh-CN" altLang="en-US" dirty="0"/>
+          </a:p>
+        </p:txBody>
+      </p:sp>
+      <p:sp>
+        <p:nvSpPr>
+          <p:cNvPr id="19" name="文本框 18"/>
+          <p:cNvSpPr txBox="1"/>
+          <p:nvPr/>
+        </p:nvSpPr>
+        <p:spPr>
+          <a:xfrm>
+            <a:off x="75241" y="2193039"/>
+            <a:ext cx="1107996" cy="369332"/>
+          </a:xfrm>
+          <a:prstGeom prst="rect">
+            <a:avLst/>
+          </a:prstGeom>
+          <a:noFill/>
+        </p:spPr>
+        <p:txBody>
+          <a:bodyPr wrap="none" rtlCol="0">
+            <a:spAutoFit/>
+          </a:bodyPr>
+          <a:lstStyle/>
+          <a:p>
+            <a:r>
+              <a:rPr kumimoji="1" lang="zh-CN" altLang="en-US" dirty="0" smtClean="0"/>
+              <a:t>封面图片</a:t>
+            </a:r>
+            <a:endParaRPr kumimoji="1" lang="zh-CN" altLang="en-US" dirty="0"/>
+          </a:p>
+        </p:txBody>
+      </p:sp>
+      <p:sp>
+        <p:nvSpPr>
+          <p:cNvPr id="20" name="矩形 19"/>
+          <p:cNvSpPr/>
+          <p:nvPr/>
+        </p:nvSpPr>
+        <p:spPr>
+          <a:xfrm>
+            <a:off x="1212716" y="2301374"/>
+            <a:ext cx="1189835" cy="260997"/>
+          </a:xfrm>
+          <a:prstGeom prst="rect">
+            <a:avLst/>
+          </a:prstGeom>
+        </p:spPr>
+        <p:style>
+          <a:lnRef idx="2">
+            <a:schemeClr val="dk1"/>
+          </a:lnRef>
+          <a:fillRef idx="1">
+            <a:schemeClr val="lt1"/>
+          </a:fillRef>
+          <a:effectRef idx="0">
+            <a:schemeClr val="dk1"/>
+          </a:effectRef>
+          <a:fontRef idx="minor">
+            <a:schemeClr val="dk1"/>
+          </a:fontRef>
+        </p:style>
+        <p:txBody>
+          <a:bodyPr rtlCol="0" anchor="ctr"/>
+          <a:lstStyle/>
+          <a:p>
+            <a:pPr algn="ctr"/>
+            <a:r>
+              <a:rPr kumimoji="1" lang="zh-CN" altLang="en-US" dirty="0" smtClean="0"/>
+              <a:t>上传图片</a:t>
+            </a:r>
+            <a:endParaRPr kumimoji="1" lang="zh-CN" altLang="en-US" dirty="0"/>
+          </a:p>
+        </p:txBody>
+      </p:sp>
+      <p:sp>
+        <p:nvSpPr>
+          <p:cNvPr id="22" name="矩形 21"/>
+          <p:cNvSpPr/>
+          <p:nvPr/>
+        </p:nvSpPr>
+        <p:spPr>
+          <a:xfrm>
+            <a:off x="3220267" y="1626052"/>
+            <a:ext cx="724968" cy="260997"/>
+          </a:xfrm>
+          <a:prstGeom prst="rect">
+            <a:avLst/>
+          </a:prstGeom>
+        </p:spPr>
+        <p:style>
+          <a:lnRef idx="2">
+            <a:schemeClr val="dk1"/>
+          </a:lnRef>
+          <a:fillRef idx="1">
+            <a:schemeClr val="lt1"/>
+          </a:fillRef>
+          <a:effectRef idx="0">
+            <a:schemeClr val="dk1"/>
+          </a:effectRef>
+          <a:fontRef idx="minor">
+            <a:schemeClr val="dk1"/>
+          </a:fontRef>
+        </p:style>
+        <p:txBody>
+          <a:bodyPr rtlCol="0" anchor="ctr"/>
+          <a:lstStyle/>
+          <a:p>
+            <a:pPr algn="ctr"/>
+            <a:r>
+              <a:rPr kumimoji="1" lang="zh-CN" altLang="en-US" dirty="0" smtClean="0"/>
+              <a:t>编辑</a:t>
+            </a:r>
+            <a:endParaRPr kumimoji="1" lang="zh-CN" altLang="en-US" dirty="0"/>
+          </a:p>
+        </p:txBody>
+      </p:sp>
+      <p:sp>
+        <p:nvSpPr>
+          <p:cNvPr id="23" name="矩形 22"/>
+          <p:cNvSpPr/>
+          <p:nvPr/>
+        </p:nvSpPr>
+        <p:spPr>
+          <a:xfrm>
+            <a:off x="4097635" y="1626052"/>
+            <a:ext cx="724968" cy="260997"/>
+          </a:xfrm>
+          <a:prstGeom prst="rect">
+            <a:avLst/>
+          </a:prstGeom>
+        </p:spPr>
+        <p:style>
+          <a:lnRef idx="2">
+            <a:schemeClr val="dk1"/>
+          </a:lnRef>
+          <a:fillRef idx="1">
+            <a:schemeClr val="lt1"/>
+          </a:fillRef>
+          <a:effectRef idx="0">
+            <a:schemeClr val="dk1"/>
+          </a:effectRef>
+          <a:fontRef idx="minor">
+            <a:schemeClr val="dk1"/>
+          </a:fontRef>
+        </p:style>
+        <p:txBody>
+          <a:bodyPr rtlCol="0" anchor="ctr"/>
+          <a:lstStyle/>
+          <a:p>
+            <a:pPr algn="ctr"/>
+            <a:r>
+              <a:rPr kumimoji="1" lang="zh-CN" altLang="en-US" dirty="0" smtClean="0"/>
+              <a:t>删除</a:t>
+            </a:r>
+            <a:endParaRPr kumimoji="1" lang="zh-CN" altLang="en-US" dirty="0"/>
+          </a:p>
+        </p:txBody>
+      </p:sp>
+      <p:sp>
+        <p:nvSpPr>
+          <p:cNvPr id="24" name="矩形 23"/>
+          <p:cNvSpPr/>
+          <p:nvPr/>
+        </p:nvSpPr>
+        <p:spPr>
+          <a:xfrm>
+            <a:off x="5814284" y="1626052"/>
+            <a:ext cx="724968" cy="260997"/>
+          </a:xfrm>
+          <a:prstGeom prst="rect">
+            <a:avLst/>
+          </a:prstGeom>
+        </p:spPr>
+        <p:style>
+          <a:lnRef idx="2">
+            <a:schemeClr val="dk1"/>
+          </a:lnRef>
+          <a:fillRef idx="1">
+            <a:schemeClr val="lt1"/>
+          </a:fillRef>
+          <a:effectRef idx="0">
+            <a:schemeClr val="dk1"/>
+          </a:effectRef>
+          <a:fontRef idx="minor">
+            <a:schemeClr val="dk1"/>
+          </a:fontRef>
+        </p:style>
+        <p:txBody>
+          <a:bodyPr rtlCol="0" anchor="ctr"/>
+          <a:lstStyle/>
+          <a:p>
+            <a:pPr algn="ctr"/>
+            <a:r>
+              <a:rPr kumimoji="1" lang="zh-CN" altLang="en-US" dirty="0" smtClean="0"/>
+              <a:t>排序</a:t>
+            </a:r>
+            <a:endParaRPr kumimoji="1" lang="zh-CN" altLang="en-US" dirty="0"/>
+          </a:p>
+        </p:txBody>
+      </p:sp>
+      <p:sp>
+        <p:nvSpPr>
+          <p:cNvPr id="25" name="矩形 24"/>
+          <p:cNvSpPr/>
+          <p:nvPr/>
+        </p:nvSpPr>
+        <p:spPr>
+          <a:xfrm>
+            <a:off x="4964102" y="1626052"/>
+            <a:ext cx="724968" cy="260997"/>
+          </a:xfrm>
+          <a:prstGeom prst="rect">
+            <a:avLst/>
+          </a:prstGeom>
+        </p:spPr>
+        <p:style>
+          <a:lnRef idx="2">
+            <a:schemeClr val="dk1"/>
+          </a:lnRef>
+          <a:fillRef idx="1">
+            <a:schemeClr val="lt1"/>
+          </a:fillRef>
+          <a:effectRef idx="0">
+            <a:schemeClr val="dk1"/>
+          </a:effectRef>
+          <a:fontRef idx="minor">
+            <a:schemeClr val="dk1"/>
+          </a:fontRef>
+        </p:style>
+        <p:txBody>
+          <a:bodyPr rtlCol="0" anchor="ctr"/>
+          <a:lstStyle/>
+          <a:p>
+            <a:pPr algn="ctr"/>
+            <a:r>
+              <a:rPr kumimoji="1" lang="zh-CN" altLang="en-US" dirty="0" smtClean="0"/>
+              <a:t>增加</a:t>
+            </a:r>
+            <a:endParaRPr kumimoji="1" lang="zh-CN" altLang="en-US" dirty="0"/>
+          </a:p>
+        </p:txBody>
+      </p:sp>
+      <p:sp>
+        <p:nvSpPr>
+          <p:cNvPr id="26" name="矩形 25"/>
+          <p:cNvSpPr/>
+          <p:nvPr/>
+        </p:nvSpPr>
+        <p:spPr>
+          <a:xfrm>
+            <a:off x="986298" y="1626052"/>
+            <a:ext cx="1519221" cy="260997"/>
+          </a:xfrm>
+          <a:prstGeom prst="rect">
+            <a:avLst/>
+          </a:prstGeom>
+        </p:spPr>
+        <p:style>
+          <a:lnRef idx="2">
+            <a:schemeClr val="dk1"/>
+          </a:lnRef>
+          <a:fillRef idx="1">
+            <a:schemeClr val="lt1"/>
+          </a:fillRef>
+          <a:effectRef idx="0">
+            <a:schemeClr val="dk1"/>
+          </a:effectRef>
+          <a:fontRef idx="minor">
+            <a:schemeClr val="dk1"/>
+          </a:fontRef>
+        </p:style>
+        <p:txBody>
+          <a:bodyPr rtlCol="0" anchor="ctr"/>
+          <a:lstStyle/>
+          <a:p>
+            <a:pPr algn="ctr"/>
+            <a:r>
+              <a:rPr kumimoji="1" lang="zh-CN" altLang="en-US" dirty="0" smtClean="0"/>
+              <a:t>请选择店面</a:t>
+            </a:r>
+            <a:endParaRPr kumimoji="1" lang="zh-CN" altLang="en-US" dirty="0"/>
+          </a:p>
+        </p:txBody>
+      </p:sp>
+      <p:sp>
+        <p:nvSpPr>
+          <p:cNvPr id="27" name="矩形 26"/>
+          <p:cNvSpPr/>
+          <p:nvPr/>
+        </p:nvSpPr>
+        <p:spPr>
+          <a:xfrm>
+            <a:off x="2505519" y="1626052"/>
+            <a:ext cx="298734" cy="260997"/>
+          </a:xfrm>
+          <a:prstGeom prst="rect">
+            <a:avLst/>
+          </a:prstGeom>
+        </p:spPr>
+        <p:style>
+          <a:lnRef idx="2">
+            <a:schemeClr val="dk1"/>
+          </a:lnRef>
+          <a:fillRef idx="1">
+            <a:schemeClr val="lt1"/>
+          </a:fillRef>
+          <a:effectRef idx="0">
+            <a:schemeClr val="dk1"/>
+          </a:effectRef>
+          <a:fontRef idx="minor">
+            <a:schemeClr val="dk1"/>
+          </a:fontRef>
+        </p:style>
+        <p:txBody>
+          <a:bodyPr rtlCol="0" anchor="ctr"/>
+          <a:lstStyle/>
+          <a:p>
+            <a:pPr algn="ctr"/>
+            <a:endParaRPr kumimoji="1" lang="zh-CN" altLang="en-US" dirty="0"/>
+          </a:p>
+        </p:txBody>
+      </p:sp>
+      <p:sp>
+        <p:nvSpPr>
+          <p:cNvPr id="28" name="等腰三角形 27"/>
+          <p:cNvSpPr/>
+          <p:nvPr/>
+        </p:nvSpPr>
+        <p:spPr>
+          <a:xfrm flipV="1">
+            <a:off x="2569952" y="1716038"/>
+            <a:ext cx="133078" cy="125243"/>
+          </a:xfrm>
+          <a:prstGeom prst="triangle">
+            <a:avLst/>
+          </a:prstGeom>
+        </p:spPr>
+        <p:style>
+          <a:lnRef idx="2">
+            <a:schemeClr val="dk1"/>
+          </a:lnRef>
+          <a:fillRef idx="1">
+            <a:schemeClr val="lt1"/>
+          </a:fillRef>
+          <a:effectRef idx="0">
+            <a:schemeClr val="dk1"/>
+          </a:effectRef>
+          <a:fontRef idx="minor">
+            <a:schemeClr val="dk1"/>
+          </a:fontRef>
+        </p:style>
+        <p:txBody>
+          <a:bodyPr rtlCol="0" anchor="ctr"/>
+          <a:lstStyle/>
+          <a:p>
+            <a:pPr algn="ctr"/>
+            <a:endParaRPr kumimoji="1" lang="zh-CN" altLang="en-US"/>
+          </a:p>
+        </p:txBody>
+      </p:sp>
+      <p:sp>
+        <p:nvSpPr>
+          <p:cNvPr id="29" name="矩形 28"/>
+          <p:cNvSpPr/>
+          <p:nvPr/>
+        </p:nvSpPr>
+        <p:spPr>
+          <a:xfrm>
+            <a:off x="1160356" y="3936710"/>
+            <a:ext cx="5949178" cy="1422400"/>
+          </a:xfrm>
+          <a:prstGeom prst="rect">
+            <a:avLst/>
+          </a:prstGeom>
+        </p:spPr>
+        <p:style>
+          <a:lnRef idx="2">
+            <a:schemeClr val="dk1"/>
+          </a:lnRef>
+          <a:fillRef idx="1">
+            <a:schemeClr val="lt1"/>
+          </a:fillRef>
+          <a:effectRef idx="0">
+            <a:schemeClr val="dk1"/>
+          </a:effectRef>
+          <a:fontRef idx="minor">
+            <a:schemeClr val="dk1"/>
+          </a:fontRef>
+        </p:style>
+        <p:txBody>
+          <a:bodyPr rtlCol="0" anchor="ctr"/>
+          <a:lstStyle/>
+          <a:p>
+            <a:pPr algn="ctr"/>
+            <a:r>
+              <a:rPr kumimoji="1" lang="zh-CN" altLang="en-US" dirty="0" smtClean="0"/>
+              <a:t>以下区域是写文章。</a:t>
+            </a:r>
+            <a:endParaRPr kumimoji="1" lang="zh-CN" altLang="en-US" dirty="0"/>
+          </a:p>
+        </p:txBody>
+      </p:sp>
+      <p:sp>
+        <p:nvSpPr>
+          <p:cNvPr id="30" name="矩形 29"/>
+          <p:cNvSpPr/>
+          <p:nvPr/>
+        </p:nvSpPr>
+        <p:spPr>
+          <a:xfrm>
+            <a:off x="1160356" y="3936710"/>
+            <a:ext cx="5949178" cy="342568"/>
+          </a:xfrm>
+          <a:prstGeom prst="rect">
+            <a:avLst/>
+          </a:prstGeom>
+        </p:spPr>
+        <p:style>
+          <a:lnRef idx="2">
+            <a:schemeClr val="dk1"/>
+          </a:lnRef>
+          <a:fillRef idx="1">
+            <a:schemeClr val="lt1"/>
+          </a:fillRef>
+          <a:effectRef idx="0">
+            <a:schemeClr val="dk1"/>
+          </a:effectRef>
+          <a:fontRef idx="minor">
+            <a:schemeClr val="dk1"/>
+          </a:fontRef>
+        </p:style>
+        <p:txBody>
+          <a:bodyPr rtlCol="0" anchor="ctr"/>
+          <a:lstStyle/>
+          <a:p>
+            <a:pPr algn="ctr"/>
+            <a:r>
+              <a:rPr kumimoji="1" lang="zh-CN" altLang="en-US" dirty="0" smtClean="0"/>
+              <a:t>店面标题</a:t>
+            </a:r>
+            <a:endParaRPr kumimoji="1" lang="zh-CN" altLang="en-US" dirty="0"/>
+          </a:p>
+        </p:txBody>
+      </p:sp>
+      <p:sp>
+        <p:nvSpPr>
+          <p:cNvPr id="31" name="矩形 30"/>
+          <p:cNvSpPr/>
+          <p:nvPr/>
+        </p:nvSpPr>
+        <p:spPr>
+          <a:xfrm>
+            <a:off x="1160356" y="5606858"/>
+            <a:ext cx="724968" cy="260997"/>
+          </a:xfrm>
+          <a:prstGeom prst="rect">
+            <a:avLst/>
+          </a:prstGeom>
+        </p:spPr>
+        <p:style>
+          <a:lnRef idx="2">
+            <a:schemeClr val="dk1"/>
+          </a:lnRef>
+          <a:fillRef idx="1">
+            <a:schemeClr val="lt1"/>
+          </a:fillRef>
+          <a:effectRef idx="0">
+            <a:schemeClr val="dk1"/>
+          </a:effectRef>
+          <a:fontRef idx="minor">
+            <a:schemeClr val="dk1"/>
+          </a:fontRef>
+        </p:style>
+        <p:txBody>
+          <a:bodyPr rtlCol="0" anchor="ctr"/>
+          <a:lstStyle/>
+          <a:p>
+            <a:pPr algn="ctr"/>
+            <a:r>
+              <a:rPr kumimoji="1" lang="zh-CN" altLang="en-US" dirty="0" smtClean="0"/>
+              <a:t>确定</a:t>
+            </a:r>
+            <a:endParaRPr kumimoji="1" lang="zh-CN" altLang="en-US" dirty="0"/>
+          </a:p>
+        </p:txBody>
+      </p:sp>
+      <p:sp>
+        <p:nvSpPr>
+          <p:cNvPr id="32" name="矩形 31"/>
+          <p:cNvSpPr/>
+          <p:nvPr/>
+        </p:nvSpPr>
+        <p:spPr>
+          <a:xfrm>
+            <a:off x="2062409" y="5606858"/>
+            <a:ext cx="724968" cy="260997"/>
+          </a:xfrm>
+          <a:prstGeom prst="rect">
+            <a:avLst/>
+          </a:prstGeom>
+        </p:spPr>
+        <p:style>
+          <a:lnRef idx="2">
+            <a:schemeClr val="dk1"/>
+          </a:lnRef>
+          <a:fillRef idx="1">
+            <a:schemeClr val="lt1"/>
+          </a:fillRef>
+          <a:effectRef idx="0">
+            <a:schemeClr val="dk1"/>
+          </a:effectRef>
+          <a:fontRef idx="minor">
+            <a:schemeClr val="dk1"/>
+          </a:fontRef>
+        </p:style>
+        <p:txBody>
+          <a:bodyPr rtlCol="0" anchor="ctr"/>
+          <a:lstStyle/>
+          <a:p>
+            <a:pPr algn="ctr"/>
+            <a:r>
+              <a:rPr kumimoji="1" lang="zh-CN" altLang="en-US" dirty="0" smtClean="0"/>
+              <a:t>取消</a:t>
             </a:r>
             <a:endParaRPr kumimoji="1" lang="zh-CN" altLang="en-US" dirty="0"/>
           </a:p>
@@ -17314,6 +18670,1164 @@
     <p:extLst>
       <p:ext uri="{BB962C8B-B14F-4D97-AF65-F5344CB8AC3E}">
         <p14:creationId xmlns:p14="http://schemas.microsoft.com/office/powerpoint/2010/main" val="628223756"/>
+      </p:ext>
+    </p:extLst>
+  </p:cSld>
+  <p:clrMapOvr>
+    <a:masterClrMapping/>
+  </p:clrMapOvr>
+</p:sld>
+</file>
+
+<file path=ppt/slides/slide43.xml><?xml version="1.0" encoding="utf-8"?>
+<p:sld xmlns:a="http://schemas.openxmlformats.org/drawingml/2006/main" xmlns:r="http://schemas.openxmlformats.org/officeDocument/2006/relationships" xmlns:p="http://schemas.openxmlformats.org/presentationml/2006/main">
+  <p:cSld>
+    <p:spTree>
+      <p:nvGrpSpPr>
+        <p:cNvPr id="1" name=""/>
+        <p:cNvGrpSpPr/>
+        <p:nvPr/>
+      </p:nvGrpSpPr>
+      <p:grpSpPr>
+        <a:xfrm>
+          <a:off x="0" y="0"/>
+          <a:ext cx="0" cy="0"/>
+          <a:chOff x="0" y="0"/>
+          <a:chExt cx="0" cy="0"/>
+        </a:xfrm>
+      </p:grpSpPr>
+      <p:sp>
+        <p:nvSpPr>
+          <p:cNvPr id="2" name="标题 1"/>
+          <p:cNvSpPr>
+            <a:spLocks noGrp="1"/>
+          </p:cNvSpPr>
+          <p:nvPr>
+            <p:ph type="title"/>
+          </p:nvPr>
+        </p:nvSpPr>
+        <p:spPr/>
+        <p:txBody>
+          <a:bodyPr/>
+          <a:lstStyle/>
+          <a:p>
+            <a:r>
+              <a:rPr kumimoji="1" lang="zh-CN" altLang="en-US" dirty="0"/>
+              <a:t>八、店面展示</a:t>
+            </a:r>
+          </a:p>
+        </p:txBody>
+      </p:sp>
+      <p:sp>
+        <p:nvSpPr>
+          <p:cNvPr id="3" name="文本框 2"/>
+          <p:cNvSpPr txBox="1"/>
+          <p:nvPr/>
+        </p:nvSpPr>
+        <p:spPr>
+          <a:xfrm>
+            <a:off x="686444" y="1524000"/>
+            <a:ext cx="4558760" cy="369332"/>
+          </a:xfrm>
+          <a:prstGeom prst="rect">
+            <a:avLst/>
+          </a:prstGeom>
+          <a:noFill/>
+        </p:spPr>
+        <p:txBody>
+          <a:bodyPr wrap="none" rtlCol="0">
+            <a:spAutoFit/>
+          </a:bodyPr>
+          <a:lstStyle/>
+          <a:p>
+            <a:r>
+              <a:rPr kumimoji="1" lang="zh-CN" altLang="en-US" dirty="0" smtClean="0"/>
+              <a:t>点击</a:t>
+            </a:r>
+            <a:r>
+              <a:rPr kumimoji="1" lang="en-US" altLang="zh-CN" dirty="0" smtClean="0"/>
+              <a:t>’</a:t>
+            </a:r>
+            <a:r>
+              <a:rPr kumimoji="1" lang="zh-CN" altLang="en-US" dirty="0" smtClean="0"/>
+              <a:t>店面展示</a:t>
+            </a:r>
+            <a:r>
+              <a:rPr kumimoji="1" lang="en-US" altLang="zh-CN" dirty="0" smtClean="0"/>
+              <a:t>’</a:t>
+            </a:r>
+            <a:r>
+              <a:rPr kumimoji="1" lang="zh-CN" altLang="en-US" dirty="0" smtClean="0"/>
+              <a:t>，向</a:t>
+            </a:r>
+            <a:r>
+              <a:rPr kumimoji="1" lang="en-US" altLang="zh-CN" dirty="0" smtClean="0"/>
+              <a:t>/</a:t>
+            </a:r>
+            <a:r>
+              <a:rPr kumimoji="1" lang="en-US" altLang="zh-CN" dirty="0" err="1" smtClean="0"/>
+              <a:t>manageShop</a:t>
+            </a:r>
+            <a:r>
+              <a:rPr kumimoji="1" lang="zh-CN" altLang="en-US" dirty="0" smtClean="0"/>
+              <a:t>发送请求</a:t>
+            </a:r>
+            <a:r>
+              <a:rPr kumimoji="1" lang="en-US" altLang="zh-CN" dirty="0" smtClean="0"/>
+              <a:t>:</a:t>
+            </a:r>
+            <a:endParaRPr kumimoji="1" lang="zh-CN" altLang="en-US" dirty="0"/>
+          </a:p>
+        </p:txBody>
+      </p:sp>
+      <p:sp>
+        <p:nvSpPr>
+          <p:cNvPr id="4" name="文本框 3"/>
+          <p:cNvSpPr txBox="1"/>
+          <p:nvPr/>
+        </p:nvSpPr>
+        <p:spPr>
+          <a:xfrm>
+            <a:off x="3188615" y="2025219"/>
+            <a:ext cx="1403862" cy="369332"/>
+          </a:xfrm>
+          <a:prstGeom prst="rect">
+            <a:avLst/>
+          </a:prstGeom>
+          <a:noFill/>
+        </p:spPr>
+        <p:txBody>
+          <a:bodyPr wrap="none" rtlCol="0">
+            <a:spAutoFit/>
+          </a:bodyPr>
+          <a:lstStyle/>
+          <a:p>
+            <a:r>
+              <a:rPr kumimoji="1" lang="en-US" altLang="zh-CN" dirty="0" err="1" smtClean="0"/>
+              <a:t>manage:get</a:t>
+            </a:r>
+            <a:endParaRPr kumimoji="1" lang="zh-CN" altLang="en-US" dirty="0"/>
+          </a:p>
+        </p:txBody>
+      </p:sp>
+      <p:sp>
+        <p:nvSpPr>
+          <p:cNvPr id="5" name="矩形 4"/>
+          <p:cNvSpPr/>
+          <p:nvPr/>
+        </p:nvSpPr>
+        <p:spPr>
+          <a:xfrm>
+            <a:off x="1244894" y="2425576"/>
+            <a:ext cx="5928441" cy="646331"/>
+          </a:xfrm>
+          <a:prstGeom prst="rect">
+            <a:avLst/>
+          </a:prstGeom>
+        </p:spPr>
+        <p:txBody>
+          <a:bodyPr wrap="square">
+            <a:spAutoFit/>
+          </a:bodyPr>
+          <a:lstStyle/>
+          <a:p>
+            <a:r>
+              <a:rPr kumimoji="1" lang="zh-CN" altLang="en-US" dirty="0"/>
+              <a:t>返回</a:t>
+            </a:r>
+            <a:r>
+              <a:rPr kumimoji="1" lang="en-US" altLang="zh-CN" dirty="0" err="1"/>
+              <a:t>json</a:t>
+            </a:r>
+            <a:r>
+              <a:rPr kumimoji="1" lang="zh-CN" altLang="en-US" dirty="0"/>
+              <a:t>结构</a:t>
+            </a:r>
+            <a:r>
+              <a:rPr kumimoji="1" lang="en-US" altLang="zh-CN" dirty="0"/>
+              <a:t>: </a:t>
+            </a:r>
+          </a:p>
+          <a:p>
+            <a:r>
+              <a:rPr lang="en-US" altLang="zh-CN" dirty="0" smtClean="0"/>
+              <a:t>shop</a:t>
+            </a:r>
+            <a:r>
+              <a:rPr lang="en-US" altLang="zh-CN" dirty="0" smtClean="0"/>
+              <a:t>: [</a:t>
+            </a:r>
+            <a:r>
+              <a:rPr lang="en-US" altLang="zh-CN" dirty="0"/>
+              <a:t>shop</a:t>
+            </a:r>
+            <a:r>
+              <a:rPr lang="en-US" altLang="zh-CN" dirty="0" smtClean="0"/>
+              <a:t>name1</a:t>
+            </a:r>
+            <a:r>
+              <a:rPr lang="en-US" altLang="zh-CN" dirty="0" smtClean="0"/>
+              <a:t>, </a:t>
+            </a:r>
+            <a:r>
+              <a:rPr lang="en-US" altLang="zh-CN" dirty="0"/>
+              <a:t>shop</a:t>
+            </a:r>
+            <a:r>
+              <a:rPr lang="en-US" altLang="zh-CN" dirty="0" smtClean="0"/>
+              <a:t>name2, </a:t>
+            </a:r>
+            <a:r>
+              <a:rPr lang="en-US" altLang="zh-CN" dirty="0"/>
+              <a:t>shop</a:t>
+            </a:r>
+            <a:r>
+              <a:rPr lang="en-US" altLang="zh-CN" dirty="0" smtClean="0"/>
+              <a:t>name3]</a:t>
+            </a:r>
+            <a:endParaRPr lang="en-US" altLang="zh-CN" dirty="0"/>
+          </a:p>
+        </p:txBody>
+      </p:sp>
+      <p:sp>
+        <p:nvSpPr>
+          <p:cNvPr id="22" name="文本框 21"/>
+          <p:cNvSpPr txBox="1"/>
+          <p:nvPr/>
+        </p:nvSpPr>
+        <p:spPr>
+          <a:xfrm>
+            <a:off x="686444" y="3221991"/>
+            <a:ext cx="4238322" cy="369332"/>
+          </a:xfrm>
+          <a:prstGeom prst="rect">
+            <a:avLst/>
+          </a:prstGeom>
+          <a:noFill/>
+        </p:spPr>
+        <p:txBody>
+          <a:bodyPr wrap="none" rtlCol="0">
+            <a:spAutoFit/>
+          </a:bodyPr>
+          <a:lstStyle/>
+          <a:p>
+            <a:r>
+              <a:rPr kumimoji="1" lang="zh-CN" altLang="en-US" dirty="0" smtClean="0"/>
+              <a:t>点击</a:t>
+            </a:r>
+            <a:r>
+              <a:rPr kumimoji="1" lang="en-US" altLang="zh-CN" dirty="0" smtClean="0"/>
+              <a:t>’</a:t>
+            </a:r>
+            <a:r>
+              <a:rPr kumimoji="1" lang="zh-CN" altLang="en-US" dirty="0" smtClean="0"/>
+              <a:t>编辑</a:t>
+            </a:r>
+            <a:r>
+              <a:rPr kumimoji="1" lang="en-US" altLang="zh-CN" dirty="0" smtClean="0"/>
+              <a:t>’</a:t>
+            </a:r>
+            <a:r>
+              <a:rPr kumimoji="1" lang="zh-CN" altLang="en-US" dirty="0" smtClean="0"/>
+              <a:t>，向</a:t>
+            </a:r>
+            <a:r>
+              <a:rPr kumimoji="1" lang="en-US" altLang="zh-CN" dirty="0" smtClean="0"/>
+              <a:t>/</a:t>
+            </a:r>
+            <a:r>
+              <a:rPr kumimoji="1" lang="en-US" altLang="zh-CN" dirty="0" err="1"/>
+              <a:t>manageShop</a:t>
+            </a:r>
+            <a:r>
+              <a:rPr kumimoji="1" lang="zh-CN" altLang="en-US" dirty="0" smtClean="0"/>
+              <a:t>发送请求</a:t>
+            </a:r>
+            <a:r>
+              <a:rPr kumimoji="1" lang="en-US" altLang="zh-CN" dirty="0" smtClean="0"/>
+              <a:t>:</a:t>
+            </a:r>
+            <a:endParaRPr kumimoji="1" lang="zh-CN" altLang="en-US" dirty="0"/>
+          </a:p>
+        </p:txBody>
+      </p:sp>
+      <p:sp>
+        <p:nvSpPr>
+          <p:cNvPr id="23" name="文本框 22"/>
+          <p:cNvSpPr txBox="1"/>
+          <p:nvPr/>
+        </p:nvSpPr>
+        <p:spPr>
+          <a:xfrm>
+            <a:off x="2376323" y="3723210"/>
+            <a:ext cx="3892863" cy="369332"/>
+          </a:xfrm>
+          <a:prstGeom prst="rect">
+            <a:avLst/>
+          </a:prstGeom>
+          <a:noFill/>
+        </p:spPr>
+        <p:txBody>
+          <a:bodyPr wrap="none" rtlCol="0">
+            <a:spAutoFit/>
+          </a:bodyPr>
+          <a:lstStyle/>
+          <a:p>
+            <a:r>
+              <a:rPr kumimoji="1" lang="en-US" altLang="zh-CN" dirty="0" err="1" smtClean="0"/>
+              <a:t>manage:edit</a:t>
+            </a:r>
+            <a:r>
+              <a:rPr kumimoji="1" lang="en-US" altLang="zh-CN" dirty="0" smtClean="0"/>
+              <a:t>      </a:t>
+            </a:r>
+            <a:r>
+              <a:rPr lang="en-US" altLang="zh-CN" dirty="0" err="1"/>
+              <a:t>shop</a:t>
+            </a:r>
+            <a:r>
+              <a:rPr kumimoji="1" lang="en-US" altLang="zh-CN" dirty="0" err="1" smtClean="0"/>
+              <a:t>name:XXXXXX</a:t>
+            </a:r>
+            <a:endParaRPr kumimoji="1" lang="zh-CN" altLang="en-US" dirty="0"/>
+          </a:p>
+        </p:txBody>
+      </p:sp>
+      <p:sp>
+        <p:nvSpPr>
+          <p:cNvPr id="24" name="矩形 23"/>
+          <p:cNvSpPr/>
+          <p:nvPr/>
+        </p:nvSpPr>
+        <p:spPr>
+          <a:xfrm>
+            <a:off x="2265263" y="4421056"/>
+            <a:ext cx="3272048" cy="923330"/>
+          </a:xfrm>
+          <a:prstGeom prst="rect">
+            <a:avLst/>
+          </a:prstGeom>
+        </p:spPr>
+        <p:txBody>
+          <a:bodyPr wrap="square">
+            <a:spAutoFit/>
+          </a:bodyPr>
+          <a:lstStyle/>
+          <a:p>
+            <a:r>
+              <a:rPr kumimoji="1" lang="en-US" altLang="zh-CN" dirty="0" err="1" smtClean="0"/>
+              <a:t>pic:xxxxxxxxx</a:t>
+            </a:r>
+            <a:endParaRPr kumimoji="1" lang="en-US" altLang="zh-CN" dirty="0" smtClean="0"/>
+          </a:p>
+          <a:p>
+            <a:r>
+              <a:rPr lang="en-US" altLang="zh-CN" dirty="0" err="1"/>
+              <a:t>shop</a:t>
+            </a:r>
+            <a:r>
+              <a:rPr kumimoji="1" lang="en-US" altLang="zh-CN" dirty="0" err="1"/>
+              <a:t>name</a:t>
+            </a:r>
+            <a:r>
+              <a:rPr kumimoji="1" lang="en-US" altLang="zh-CN" dirty="0" err="1" smtClean="0"/>
+              <a:t>:xxxxxxxx</a:t>
+            </a:r>
+            <a:endParaRPr kumimoji="1" lang="en-US" altLang="zh-CN" dirty="0"/>
+          </a:p>
+          <a:p>
+            <a:r>
+              <a:rPr lang="en-US" altLang="zh-CN" dirty="0" err="1" smtClean="0"/>
+              <a:t>content:xxxxxxxxxxx</a:t>
+            </a:r>
+            <a:endParaRPr lang="en-US" altLang="zh-CN" dirty="0"/>
+          </a:p>
+        </p:txBody>
+      </p:sp>
+      <p:sp>
+        <p:nvSpPr>
+          <p:cNvPr id="6" name="文本框 5"/>
+          <p:cNvSpPr txBox="1"/>
+          <p:nvPr/>
+        </p:nvSpPr>
+        <p:spPr>
+          <a:xfrm>
+            <a:off x="1315683" y="4176300"/>
+            <a:ext cx="1595584" cy="369332"/>
+          </a:xfrm>
+          <a:prstGeom prst="rect">
+            <a:avLst/>
+          </a:prstGeom>
+          <a:noFill/>
+        </p:spPr>
+        <p:txBody>
+          <a:bodyPr wrap="none" rtlCol="0">
+            <a:spAutoFit/>
+          </a:bodyPr>
+          <a:lstStyle/>
+          <a:p>
+            <a:r>
+              <a:rPr kumimoji="1" lang="zh-CN" altLang="en-US" dirty="0"/>
+              <a:t>返回</a:t>
+            </a:r>
+            <a:r>
+              <a:rPr kumimoji="1" lang="en-US" altLang="zh-CN" dirty="0" err="1"/>
+              <a:t>json</a:t>
+            </a:r>
+            <a:r>
+              <a:rPr kumimoji="1" lang="zh-CN" altLang="en-US" dirty="0"/>
+              <a:t>结构</a:t>
+            </a:r>
+            <a:r>
+              <a:rPr kumimoji="1" lang="en-US" altLang="zh-CN" dirty="0"/>
+              <a:t>: </a:t>
+            </a:r>
+          </a:p>
+        </p:txBody>
+      </p:sp>
+    </p:spTree>
+    <p:extLst>
+      <p:ext uri="{BB962C8B-B14F-4D97-AF65-F5344CB8AC3E}">
+        <p14:creationId xmlns:p14="http://schemas.microsoft.com/office/powerpoint/2010/main" val="2444028384"/>
+      </p:ext>
+    </p:extLst>
+  </p:cSld>
+  <p:clrMapOvr>
+    <a:masterClrMapping/>
+  </p:clrMapOvr>
+</p:sld>
+</file>
+
+<file path=ppt/slides/slide44.xml><?xml version="1.0" encoding="utf-8"?>
+<p:sld xmlns:a="http://schemas.openxmlformats.org/drawingml/2006/main" xmlns:r="http://schemas.openxmlformats.org/officeDocument/2006/relationships" xmlns:p="http://schemas.openxmlformats.org/presentationml/2006/main">
+  <p:cSld>
+    <p:spTree>
+      <p:nvGrpSpPr>
+        <p:cNvPr id="1" name=""/>
+        <p:cNvGrpSpPr/>
+        <p:nvPr/>
+      </p:nvGrpSpPr>
+      <p:grpSpPr>
+        <a:xfrm>
+          <a:off x="0" y="0"/>
+          <a:ext cx="0" cy="0"/>
+          <a:chOff x="0" y="0"/>
+          <a:chExt cx="0" cy="0"/>
+        </a:xfrm>
+      </p:grpSpPr>
+      <p:sp>
+        <p:nvSpPr>
+          <p:cNvPr id="2" name="标题 1"/>
+          <p:cNvSpPr>
+            <a:spLocks noGrp="1"/>
+          </p:cNvSpPr>
+          <p:nvPr>
+            <p:ph type="title"/>
+          </p:nvPr>
+        </p:nvSpPr>
+        <p:spPr/>
+        <p:txBody>
+          <a:bodyPr/>
+          <a:lstStyle/>
+          <a:p>
+            <a:r>
+              <a:rPr kumimoji="1" lang="zh-CN" altLang="en-US" dirty="0"/>
+              <a:t>八、店面展示</a:t>
+            </a:r>
+          </a:p>
+        </p:txBody>
+      </p:sp>
+      <p:sp>
+        <p:nvSpPr>
+          <p:cNvPr id="3" name="文本框 2"/>
+          <p:cNvSpPr txBox="1"/>
+          <p:nvPr/>
+        </p:nvSpPr>
+        <p:spPr>
+          <a:xfrm>
+            <a:off x="697885" y="1581209"/>
+            <a:ext cx="5148465" cy="369332"/>
+          </a:xfrm>
+          <a:prstGeom prst="rect">
+            <a:avLst/>
+          </a:prstGeom>
+          <a:noFill/>
+        </p:spPr>
+        <p:txBody>
+          <a:bodyPr wrap="none" rtlCol="0">
+            <a:spAutoFit/>
+          </a:bodyPr>
+          <a:lstStyle/>
+          <a:p>
+            <a:r>
+              <a:rPr kumimoji="1" lang="zh-CN" altLang="en-US" dirty="0" smtClean="0"/>
+              <a:t>增加的‘确认’按扭，</a:t>
+            </a:r>
+            <a:r>
+              <a:rPr kumimoji="1" lang="zh-CN" altLang="en-US" dirty="0"/>
+              <a:t>向</a:t>
+            </a:r>
+            <a:r>
+              <a:rPr kumimoji="1" lang="en-US" altLang="zh-CN" dirty="0" smtClean="0"/>
+              <a:t>/</a:t>
+            </a:r>
+            <a:r>
+              <a:rPr kumimoji="1" lang="en-US" altLang="zh-CN" dirty="0" err="1"/>
+              <a:t>manageShop</a:t>
+            </a:r>
+            <a:r>
+              <a:rPr kumimoji="1" lang="zh-CN" altLang="en-US" dirty="0" smtClean="0"/>
+              <a:t>发送请</a:t>
+            </a:r>
+            <a:r>
+              <a:rPr kumimoji="1" lang="zh-CN" altLang="en-US" dirty="0"/>
+              <a:t>求</a:t>
+            </a:r>
+            <a:r>
+              <a:rPr kumimoji="1" lang="en-US" altLang="zh-CN" dirty="0" smtClean="0"/>
+              <a:t>:</a:t>
+            </a:r>
+            <a:endParaRPr kumimoji="1" lang="zh-CN" altLang="en-US" dirty="0"/>
+          </a:p>
+        </p:txBody>
+      </p:sp>
+      <p:sp>
+        <p:nvSpPr>
+          <p:cNvPr id="4" name="文本框 3"/>
+          <p:cNvSpPr txBox="1"/>
+          <p:nvPr/>
+        </p:nvSpPr>
+        <p:spPr>
+          <a:xfrm>
+            <a:off x="1083520" y="2148813"/>
+            <a:ext cx="6843302" cy="369332"/>
+          </a:xfrm>
+          <a:prstGeom prst="rect">
+            <a:avLst/>
+          </a:prstGeom>
+          <a:noFill/>
+        </p:spPr>
+        <p:txBody>
+          <a:bodyPr wrap="none" rtlCol="0">
+            <a:spAutoFit/>
+          </a:bodyPr>
+          <a:lstStyle/>
+          <a:p>
+            <a:r>
+              <a:rPr kumimoji="1" lang="en-US" altLang="zh-CN" dirty="0" err="1" smtClean="0"/>
+              <a:t>manage:add</a:t>
+            </a:r>
+            <a:r>
+              <a:rPr kumimoji="1" lang="en-US" altLang="zh-CN" dirty="0" smtClean="0"/>
+              <a:t>   </a:t>
+            </a:r>
+            <a:r>
+              <a:rPr kumimoji="1" lang="en-US" altLang="zh-CN" dirty="0" err="1" smtClean="0"/>
+              <a:t>pic:xxxxxx</a:t>
+            </a:r>
+            <a:r>
+              <a:rPr kumimoji="1" lang="en-US" altLang="zh-CN" dirty="0" smtClean="0"/>
+              <a:t>   </a:t>
+            </a:r>
+            <a:r>
+              <a:rPr lang="en-US" altLang="zh-CN" dirty="0" err="1"/>
+              <a:t>shop</a:t>
+            </a:r>
+            <a:r>
+              <a:rPr kumimoji="1" lang="en-US" altLang="zh-CN" dirty="0" err="1" smtClean="0"/>
+              <a:t>name:XXXXXX</a:t>
+            </a:r>
+            <a:r>
+              <a:rPr kumimoji="1" lang="en-US" altLang="zh-CN" dirty="0" smtClean="0"/>
+              <a:t>    </a:t>
+            </a:r>
+            <a:r>
+              <a:rPr kumimoji="1" lang="en-US" altLang="zh-CN" dirty="0" err="1" smtClean="0"/>
+              <a:t>content:xxxxxxx</a:t>
+            </a:r>
+            <a:endParaRPr kumimoji="1" lang="zh-CN" altLang="en-US" dirty="0"/>
+          </a:p>
+        </p:txBody>
+      </p:sp>
+      <p:sp>
+        <p:nvSpPr>
+          <p:cNvPr id="5" name="文本框 4"/>
+          <p:cNvSpPr txBox="1"/>
+          <p:nvPr/>
+        </p:nvSpPr>
+        <p:spPr>
+          <a:xfrm>
+            <a:off x="2672810" y="2679652"/>
+            <a:ext cx="3173540" cy="369332"/>
+          </a:xfrm>
+          <a:prstGeom prst="rect">
+            <a:avLst/>
+          </a:prstGeom>
+          <a:noFill/>
+        </p:spPr>
+        <p:txBody>
+          <a:bodyPr wrap="none" rtlCol="0">
+            <a:spAutoFit/>
+          </a:bodyPr>
+          <a:lstStyle/>
+          <a:p>
+            <a:r>
+              <a:rPr kumimoji="1" lang="zh-CN" altLang="en-US" dirty="0"/>
+              <a:t>返回</a:t>
+            </a:r>
+            <a:r>
+              <a:rPr kumimoji="1" lang="en-US" altLang="zh-CN" dirty="0" err="1"/>
+              <a:t>json</a:t>
+            </a:r>
+            <a:r>
+              <a:rPr kumimoji="1" lang="zh-CN" altLang="en-US" dirty="0"/>
+              <a:t>结构</a:t>
+            </a:r>
+            <a:r>
+              <a:rPr kumimoji="1" lang="en-US" altLang="zh-CN" dirty="0"/>
+              <a:t>: </a:t>
+            </a:r>
+            <a:r>
+              <a:rPr kumimoji="1" lang="en-US" altLang="zh-CN" dirty="0" err="1"/>
+              <a:t>status:success</a:t>
+            </a:r>
+            <a:endParaRPr kumimoji="1" lang="zh-CN" altLang="en-US" dirty="0"/>
+          </a:p>
+        </p:txBody>
+      </p:sp>
+      <p:sp>
+        <p:nvSpPr>
+          <p:cNvPr id="6" name="矩形 5"/>
+          <p:cNvSpPr/>
+          <p:nvPr/>
+        </p:nvSpPr>
+        <p:spPr>
+          <a:xfrm>
+            <a:off x="697885" y="3288905"/>
+            <a:ext cx="5903414" cy="369332"/>
+          </a:xfrm>
+          <a:prstGeom prst="rect">
+            <a:avLst/>
+          </a:prstGeom>
+        </p:spPr>
+        <p:txBody>
+          <a:bodyPr wrap="square">
+            <a:spAutoFit/>
+          </a:bodyPr>
+          <a:lstStyle/>
+          <a:p>
+            <a:r>
+              <a:rPr kumimoji="1" lang="zh-CN" altLang="en-US" dirty="0" smtClean="0"/>
+              <a:t>编辑</a:t>
+            </a:r>
+            <a:r>
+              <a:rPr kumimoji="1" lang="zh-CN" altLang="en-US" dirty="0" smtClean="0"/>
+              <a:t>的</a:t>
+            </a:r>
+            <a:r>
+              <a:rPr kumimoji="1" lang="zh-CN" altLang="en-US" dirty="0"/>
+              <a:t>‘确认’按扭，向</a:t>
+            </a:r>
+            <a:r>
+              <a:rPr kumimoji="1" lang="en-US" altLang="zh-CN" dirty="0" smtClean="0"/>
+              <a:t>/</a:t>
+            </a:r>
+            <a:r>
+              <a:rPr kumimoji="1" lang="en-US" altLang="zh-CN" dirty="0" err="1"/>
+              <a:t>manageShop</a:t>
+            </a:r>
+            <a:r>
+              <a:rPr kumimoji="1" lang="zh-CN" altLang="en-US" dirty="0" smtClean="0"/>
+              <a:t>发送请</a:t>
+            </a:r>
+            <a:r>
+              <a:rPr kumimoji="1" lang="zh-CN" altLang="en-US" dirty="0"/>
+              <a:t>求</a:t>
+            </a:r>
+            <a:r>
+              <a:rPr kumimoji="1" lang="en-US" altLang="zh-CN" dirty="0"/>
+              <a:t>:</a:t>
+            </a:r>
+            <a:endParaRPr kumimoji="1" lang="zh-CN" altLang="en-US" dirty="0"/>
+          </a:p>
+        </p:txBody>
+      </p:sp>
+      <p:sp>
+        <p:nvSpPr>
+          <p:cNvPr id="7" name="文本框 6"/>
+          <p:cNvSpPr txBox="1"/>
+          <p:nvPr/>
+        </p:nvSpPr>
+        <p:spPr>
+          <a:xfrm>
+            <a:off x="122499" y="3800105"/>
+            <a:ext cx="8908734" cy="369332"/>
+          </a:xfrm>
+          <a:prstGeom prst="rect">
+            <a:avLst/>
+          </a:prstGeom>
+          <a:noFill/>
+        </p:spPr>
+        <p:txBody>
+          <a:bodyPr wrap="none" rtlCol="0">
+            <a:spAutoFit/>
+          </a:bodyPr>
+          <a:lstStyle/>
+          <a:p>
+            <a:r>
+              <a:rPr kumimoji="1" lang="en-US" altLang="zh-CN" dirty="0" err="1"/>
+              <a:t>m</a:t>
+            </a:r>
+            <a:r>
+              <a:rPr kumimoji="1" lang="en-US" altLang="zh-CN" dirty="0" err="1" smtClean="0"/>
+              <a:t>anage:edit</a:t>
+            </a:r>
+            <a:r>
+              <a:rPr kumimoji="1" lang="en-US" altLang="zh-CN" dirty="0" smtClean="0"/>
+              <a:t>   </a:t>
+            </a:r>
+            <a:r>
+              <a:rPr kumimoji="1" lang="en-US" altLang="zh-CN" dirty="0" err="1" smtClean="0"/>
+              <a:t>pic:xxxxxx</a:t>
+            </a:r>
+            <a:r>
+              <a:rPr kumimoji="1" lang="en-US" altLang="zh-CN" dirty="0" smtClean="0"/>
+              <a:t>  </a:t>
+            </a:r>
+            <a:r>
+              <a:rPr kumimoji="1" lang="en-US" altLang="zh-CN" dirty="0" err="1" smtClean="0"/>
+              <a:t>old</a:t>
+            </a:r>
+            <a:r>
+              <a:rPr lang="en-US" altLang="zh-CN" dirty="0" err="1"/>
+              <a:t>shop</a:t>
+            </a:r>
+            <a:r>
+              <a:rPr kumimoji="1" lang="en-US" altLang="zh-CN" dirty="0" err="1" smtClean="0"/>
+              <a:t>name:xxxxx</a:t>
+            </a:r>
+            <a:r>
+              <a:rPr kumimoji="1" lang="en-US" altLang="zh-CN" dirty="0" smtClean="0"/>
+              <a:t>  </a:t>
+            </a:r>
+            <a:r>
+              <a:rPr lang="en-US" altLang="zh-CN" dirty="0" err="1"/>
+              <a:t>shop</a:t>
+            </a:r>
+            <a:r>
+              <a:rPr kumimoji="1" lang="en-US" altLang="zh-CN" dirty="0" err="1" smtClean="0"/>
+              <a:t>name:XXXXXX</a:t>
+            </a:r>
+            <a:r>
+              <a:rPr kumimoji="1" lang="en-US" altLang="zh-CN" dirty="0" smtClean="0"/>
+              <a:t>    </a:t>
+            </a:r>
+            <a:r>
+              <a:rPr kumimoji="1" lang="en-US" altLang="zh-CN" dirty="0" err="1" smtClean="0"/>
+              <a:t>content:xxxxxxx</a:t>
+            </a:r>
+            <a:endParaRPr kumimoji="1" lang="zh-CN" altLang="en-US" dirty="0"/>
+          </a:p>
+        </p:txBody>
+      </p:sp>
+      <p:sp>
+        <p:nvSpPr>
+          <p:cNvPr id="8" name="文本框 7"/>
+          <p:cNvSpPr txBox="1"/>
+          <p:nvPr/>
+        </p:nvSpPr>
+        <p:spPr>
+          <a:xfrm>
+            <a:off x="2672810" y="4330944"/>
+            <a:ext cx="3173540" cy="369332"/>
+          </a:xfrm>
+          <a:prstGeom prst="rect">
+            <a:avLst/>
+          </a:prstGeom>
+          <a:noFill/>
+        </p:spPr>
+        <p:txBody>
+          <a:bodyPr wrap="none" rtlCol="0">
+            <a:spAutoFit/>
+          </a:bodyPr>
+          <a:lstStyle/>
+          <a:p>
+            <a:r>
+              <a:rPr kumimoji="1" lang="zh-CN" altLang="en-US" dirty="0"/>
+              <a:t>返回</a:t>
+            </a:r>
+            <a:r>
+              <a:rPr kumimoji="1" lang="en-US" altLang="zh-CN" dirty="0" err="1"/>
+              <a:t>json</a:t>
+            </a:r>
+            <a:r>
+              <a:rPr kumimoji="1" lang="zh-CN" altLang="en-US" dirty="0"/>
+              <a:t>结构</a:t>
+            </a:r>
+            <a:r>
+              <a:rPr kumimoji="1" lang="en-US" altLang="zh-CN" dirty="0"/>
+              <a:t>: </a:t>
+            </a:r>
+            <a:r>
+              <a:rPr kumimoji="1" lang="en-US" altLang="zh-CN" dirty="0" err="1"/>
+              <a:t>status:success</a:t>
+            </a:r>
+            <a:endParaRPr kumimoji="1" lang="zh-CN" altLang="en-US" dirty="0"/>
+          </a:p>
+        </p:txBody>
+      </p:sp>
+      <p:sp>
+        <p:nvSpPr>
+          <p:cNvPr id="9" name="文本框 8"/>
+          <p:cNvSpPr txBox="1"/>
+          <p:nvPr/>
+        </p:nvSpPr>
+        <p:spPr>
+          <a:xfrm>
+            <a:off x="697885" y="4885699"/>
+            <a:ext cx="3532638" cy="369332"/>
+          </a:xfrm>
+          <a:prstGeom prst="rect">
+            <a:avLst/>
+          </a:prstGeom>
+          <a:noFill/>
+        </p:spPr>
+        <p:txBody>
+          <a:bodyPr wrap="none" rtlCol="0">
+            <a:spAutoFit/>
+          </a:bodyPr>
+          <a:lstStyle/>
+          <a:p>
+            <a:r>
+              <a:rPr kumimoji="1" lang="zh-CN" altLang="en-US" dirty="0" smtClean="0"/>
+              <a:t>删除，</a:t>
+            </a:r>
+            <a:r>
+              <a:rPr kumimoji="1" lang="zh-CN" altLang="en-US" dirty="0"/>
+              <a:t>向</a:t>
+            </a:r>
+            <a:r>
+              <a:rPr kumimoji="1" lang="en-US" altLang="zh-CN" dirty="0" smtClean="0"/>
+              <a:t>/</a:t>
+            </a:r>
+            <a:r>
+              <a:rPr kumimoji="1" lang="en-US" altLang="zh-CN" dirty="0" err="1"/>
+              <a:t>manageShop</a:t>
+            </a:r>
+            <a:r>
+              <a:rPr kumimoji="1" lang="zh-CN" altLang="en-US" dirty="0" smtClean="0"/>
+              <a:t>发送请</a:t>
+            </a:r>
+            <a:r>
+              <a:rPr kumimoji="1" lang="zh-CN" altLang="en-US" dirty="0"/>
+              <a:t>求</a:t>
+            </a:r>
+            <a:r>
+              <a:rPr kumimoji="1" lang="en-US" altLang="zh-CN" dirty="0" smtClean="0"/>
+              <a:t>:</a:t>
+            </a:r>
+            <a:endParaRPr kumimoji="1" lang="zh-CN" altLang="en-US" dirty="0"/>
+          </a:p>
+        </p:txBody>
+      </p:sp>
+      <p:sp>
+        <p:nvSpPr>
+          <p:cNvPr id="10" name="文本框 9"/>
+          <p:cNvSpPr txBox="1"/>
+          <p:nvPr/>
+        </p:nvSpPr>
+        <p:spPr>
+          <a:xfrm>
+            <a:off x="2672810" y="5289357"/>
+            <a:ext cx="3803257" cy="369332"/>
+          </a:xfrm>
+          <a:prstGeom prst="rect">
+            <a:avLst/>
+          </a:prstGeom>
+          <a:noFill/>
+        </p:spPr>
+        <p:txBody>
+          <a:bodyPr wrap="none" rtlCol="0">
+            <a:spAutoFit/>
+          </a:bodyPr>
+          <a:lstStyle/>
+          <a:p>
+            <a:r>
+              <a:rPr kumimoji="1" lang="en-US" altLang="zh-CN" dirty="0" err="1" smtClean="0"/>
+              <a:t>manage:delete</a:t>
+            </a:r>
+            <a:r>
+              <a:rPr kumimoji="1" lang="en-US" altLang="zh-CN" dirty="0" smtClean="0"/>
+              <a:t>   </a:t>
+            </a:r>
+            <a:r>
+              <a:rPr lang="en-US" altLang="zh-CN" dirty="0" err="1"/>
+              <a:t>shop</a:t>
+            </a:r>
+            <a:r>
+              <a:rPr kumimoji="1" lang="en-US" altLang="zh-CN" dirty="0" err="1" smtClean="0"/>
+              <a:t>name:XXXXX</a:t>
+            </a:r>
+            <a:endParaRPr kumimoji="1" lang="zh-CN" altLang="en-US" dirty="0"/>
+          </a:p>
+        </p:txBody>
+      </p:sp>
+      <p:sp>
+        <p:nvSpPr>
+          <p:cNvPr id="11" name="文本框 10"/>
+          <p:cNvSpPr txBox="1"/>
+          <p:nvPr/>
+        </p:nvSpPr>
+        <p:spPr>
+          <a:xfrm>
+            <a:off x="2672810" y="5762969"/>
+            <a:ext cx="3173540" cy="369332"/>
+          </a:xfrm>
+          <a:prstGeom prst="rect">
+            <a:avLst/>
+          </a:prstGeom>
+          <a:noFill/>
+        </p:spPr>
+        <p:txBody>
+          <a:bodyPr wrap="none" rtlCol="0">
+            <a:spAutoFit/>
+          </a:bodyPr>
+          <a:lstStyle/>
+          <a:p>
+            <a:r>
+              <a:rPr kumimoji="1" lang="zh-CN" altLang="en-US" dirty="0"/>
+              <a:t>返回</a:t>
+            </a:r>
+            <a:r>
+              <a:rPr kumimoji="1" lang="en-US" altLang="zh-CN" dirty="0" err="1"/>
+              <a:t>json</a:t>
+            </a:r>
+            <a:r>
+              <a:rPr kumimoji="1" lang="zh-CN" altLang="en-US" dirty="0"/>
+              <a:t>结构</a:t>
+            </a:r>
+            <a:r>
+              <a:rPr kumimoji="1" lang="en-US" altLang="zh-CN" dirty="0"/>
+              <a:t>: </a:t>
+            </a:r>
+            <a:r>
+              <a:rPr kumimoji="1" lang="en-US" altLang="zh-CN" dirty="0" err="1"/>
+              <a:t>status:success</a:t>
+            </a:r>
+            <a:endParaRPr kumimoji="1" lang="zh-CN" altLang="en-US" dirty="0"/>
+          </a:p>
+        </p:txBody>
+      </p:sp>
+    </p:spTree>
+    <p:extLst>
+      <p:ext uri="{BB962C8B-B14F-4D97-AF65-F5344CB8AC3E}">
+        <p14:creationId xmlns:p14="http://schemas.microsoft.com/office/powerpoint/2010/main" val="2269039277"/>
+      </p:ext>
+    </p:extLst>
+  </p:cSld>
+  <p:clrMapOvr>
+    <a:masterClrMapping/>
+  </p:clrMapOvr>
+</p:sld>
+</file>
+
+<file path=ppt/slides/slide45.xml><?xml version="1.0" encoding="utf-8"?>
+<p:sld xmlns:a="http://schemas.openxmlformats.org/drawingml/2006/main" xmlns:r="http://schemas.openxmlformats.org/officeDocument/2006/relationships" xmlns:p="http://schemas.openxmlformats.org/presentationml/2006/main">
+  <p:cSld>
+    <p:spTree>
+      <p:nvGrpSpPr>
+        <p:cNvPr id="1" name=""/>
+        <p:cNvGrpSpPr/>
+        <p:nvPr/>
+      </p:nvGrpSpPr>
+      <p:grpSpPr>
+        <a:xfrm>
+          <a:off x="0" y="0"/>
+          <a:ext cx="0" cy="0"/>
+          <a:chOff x="0" y="0"/>
+          <a:chExt cx="0" cy="0"/>
+        </a:xfrm>
+      </p:grpSpPr>
+      <p:sp>
+        <p:nvSpPr>
+          <p:cNvPr id="2" name="标题 1"/>
+          <p:cNvSpPr>
+            <a:spLocks noGrp="1"/>
+          </p:cNvSpPr>
+          <p:nvPr>
+            <p:ph type="title"/>
+          </p:nvPr>
+        </p:nvSpPr>
+        <p:spPr/>
+        <p:txBody>
+          <a:bodyPr/>
+          <a:lstStyle/>
+          <a:p>
+            <a:r>
+              <a:rPr kumimoji="1" lang="zh-CN" altLang="en-US" dirty="0"/>
+              <a:t>八、店面展示</a:t>
+            </a:r>
+          </a:p>
+        </p:txBody>
+      </p:sp>
+      <p:sp>
+        <p:nvSpPr>
+          <p:cNvPr id="3" name="文本框 2"/>
+          <p:cNvSpPr txBox="1"/>
+          <p:nvPr/>
+        </p:nvSpPr>
+        <p:spPr>
+          <a:xfrm>
+            <a:off x="697885" y="1581209"/>
+            <a:ext cx="5174388" cy="369332"/>
+          </a:xfrm>
+          <a:prstGeom prst="rect">
+            <a:avLst/>
+          </a:prstGeom>
+          <a:noFill/>
+        </p:spPr>
+        <p:txBody>
+          <a:bodyPr wrap="none" rtlCol="0">
+            <a:spAutoFit/>
+          </a:bodyPr>
+          <a:lstStyle/>
+          <a:p>
+            <a:r>
+              <a:rPr kumimoji="1" lang="zh-CN" altLang="en-US" dirty="0" smtClean="0"/>
+              <a:t>增加的‘排序’按扭，</a:t>
+            </a:r>
+            <a:r>
+              <a:rPr kumimoji="1" lang="zh-CN" altLang="en-US" dirty="0"/>
+              <a:t>向</a:t>
+            </a:r>
+            <a:r>
+              <a:rPr kumimoji="1" lang="en-US" altLang="zh-CN" dirty="0" smtClean="0"/>
+              <a:t>/</a:t>
+            </a:r>
+            <a:r>
+              <a:rPr kumimoji="1" lang="en-US" altLang="zh-CN" dirty="0" err="1"/>
+              <a:t>manageShop</a:t>
+            </a:r>
+            <a:r>
+              <a:rPr kumimoji="1" lang="zh-CN" altLang="en-US" dirty="0" smtClean="0"/>
+              <a:t>发送请</a:t>
+            </a:r>
+            <a:r>
+              <a:rPr kumimoji="1" lang="zh-CN" altLang="en-US" dirty="0"/>
+              <a:t>求</a:t>
+            </a:r>
+            <a:r>
+              <a:rPr kumimoji="1" lang="en-US" altLang="zh-CN" dirty="0" smtClean="0"/>
+              <a:t>:</a:t>
+            </a:r>
+            <a:endParaRPr kumimoji="1" lang="zh-CN" altLang="en-US" dirty="0"/>
+          </a:p>
+        </p:txBody>
+      </p:sp>
+      <p:sp>
+        <p:nvSpPr>
+          <p:cNvPr id="12" name="文本框 11"/>
+          <p:cNvSpPr txBox="1"/>
+          <p:nvPr/>
+        </p:nvSpPr>
+        <p:spPr>
+          <a:xfrm>
+            <a:off x="2044541" y="2153451"/>
+            <a:ext cx="4610945" cy="369332"/>
+          </a:xfrm>
+          <a:prstGeom prst="rect">
+            <a:avLst/>
+          </a:prstGeom>
+          <a:noFill/>
+        </p:spPr>
+        <p:txBody>
+          <a:bodyPr wrap="none" rtlCol="0">
+            <a:spAutoFit/>
+          </a:bodyPr>
+          <a:lstStyle/>
+          <a:p>
+            <a:r>
+              <a:rPr kumimoji="1" lang="en-US" altLang="zh-CN" dirty="0" err="1" smtClean="0"/>
+              <a:t>manage:sort</a:t>
+            </a:r>
+            <a:r>
+              <a:rPr kumimoji="1" lang="en-US" altLang="zh-CN" dirty="0" smtClean="0"/>
+              <a:t>   </a:t>
+            </a:r>
+            <a:r>
+              <a:rPr kumimoji="1" lang="en-US" altLang="zh-CN" dirty="0" err="1" smtClean="0"/>
+              <a:t>sequence:AAA</a:t>
+            </a:r>
+            <a:r>
+              <a:rPr kumimoji="1" lang="zh-CN" altLang="en-US" dirty="0"/>
+              <a:t>＃</a:t>
+            </a:r>
+            <a:r>
+              <a:rPr kumimoji="1" lang="en-US" altLang="zh-CN" dirty="0"/>
+              <a:t>BBB</a:t>
+            </a:r>
+            <a:r>
+              <a:rPr kumimoji="1" lang="zh-CN" altLang="en-US" dirty="0"/>
+              <a:t>＃</a:t>
+            </a:r>
+            <a:r>
+              <a:rPr kumimoji="1" lang="en-US" altLang="zh-CN" dirty="0"/>
+              <a:t>CCC </a:t>
+            </a:r>
+            <a:endParaRPr kumimoji="1" lang="zh-CN" altLang="en-US" dirty="0"/>
+          </a:p>
+        </p:txBody>
+      </p:sp>
+      <p:sp>
+        <p:nvSpPr>
+          <p:cNvPr id="13" name="文本框 12"/>
+          <p:cNvSpPr txBox="1"/>
+          <p:nvPr/>
+        </p:nvSpPr>
+        <p:spPr>
+          <a:xfrm>
+            <a:off x="2592725" y="2677384"/>
+            <a:ext cx="3173540" cy="369332"/>
+          </a:xfrm>
+          <a:prstGeom prst="rect">
+            <a:avLst/>
+          </a:prstGeom>
+          <a:noFill/>
+        </p:spPr>
+        <p:txBody>
+          <a:bodyPr wrap="none" rtlCol="0">
+            <a:spAutoFit/>
+          </a:bodyPr>
+          <a:lstStyle/>
+          <a:p>
+            <a:r>
+              <a:rPr kumimoji="1" lang="zh-CN" altLang="en-US" dirty="0"/>
+              <a:t>返回</a:t>
+            </a:r>
+            <a:r>
+              <a:rPr kumimoji="1" lang="en-US" altLang="zh-CN" dirty="0" err="1"/>
+              <a:t>json</a:t>
+            </a:r>
+            <a:r>
+              <a:rPr kumimoji="1" lang="zh-CN" altLang="en-US" dirty="0"/>
+              <a:t>结构</a:t>
+            </a:r>
+            <a:r>
+              <a:rPr kumimoji="1" lang="en-US" altLang="zh-CN" dirty="0"/>
+              <a:t>: </a:t>
+            </a:r>
+            <a:r>
+              <a:rPr kumimoji="1" lang="en-US" altLang="zh-CN" dirty="0" err="1"/>
+              <a:t>status:success</a:t>
+            </a:r>
+            <a:endParaRPr kumimoji="1" lang="zh-CN" altLang="en-US" dirty="0"/>
+          </a:p>
+        </p:txBody>
+      </p:sp>
+    </p:spTree>
+    <p:extLst>
+      <p:ext uri="{BB962C8B-B14F-4D97-AF65-F5344CB8AC3E}">
+        <p14:creationId xmlns:p14="http://schemas.microsoft.com/office/powerpoint/2010/main" val="2791156439"/>
       </p:ext>
     </p:extLst>
   </p:cSld>

--- a/ZSGree前后端逻辑及接口.pptx
+++ b/ZSGree前后端逻辑及接口.pptx
@@ -339,7 +339,7 @@
           <a:p>
             <a:fld id="{C8A432C8-69A7-458B-9684-2BFA64B31948}" type="datetime2">
               <a:rPr lang="en-US" smtClean="0"/>
-              <a:t>2015年5月25日星期一</a:t>
+              <a:t>2015年5月26日星期二</a:t>
             </a:fld>
             <a:endParaRPr lang="en-US"/>
           </a:p>
@@ -541,7 +541,7 @@
           <a:p>
             <a:fld id="{8CC057FC-95B6-4D89-AFDA-ABA33EE921E5}" type="datetime2">
               <a:rPr lang="en-US" smtClean="0"/>
-              <a:t>2015年5月25日星期一</a:t>
+              <a:t>2015年5月26日星期二</a:t>
             </a:fld>
             <a:endParaRPr lang="en-US"/>
           </a:p>
@@ -718,7 +718,7 @@
           <a:p>
             <a:fld id="{EC4549AC-EB31-477F-92A9-B1988E232878}" type="datetime2">
               <a:rPr lang="en-US" smtClean="0"/>
-              <a:t>2015年5月25日星期一</a:t>
+              <a:t>2015年5月26日星期二</a:t>
             </a:fld>
             <a:endParaRPr lang="en-US"/>
           </a:p>
@@ -885,7 +885,7 @@
           <a:p>
             <a:fld id="{6396A3A3-94A6-4E5B-AF39-173ACA3E61CC}" type="datetime2">
               <a:rPr lang="en-US" smtClean="0"/>
-              <a:t>2015年5月25日星期一</a:t>
+              <a:t>2015年5月26日星期二</a:t>
             </a:fld>
             <a:endParaRPr lang="en-US"/>
           </a:p>
@@ -1135,7 +1135,7 @@
           <a:p>
             <a:fld id="{9933D019-A32C-4EAD-B8E6-DBDA699692FD}" type="datetime2">
               <a:rPr lang="en-US" smtClean="0"/>
-              <a:t>2015年5月25日星期一</a:t>
+              <a:t>2015年5月26日星期二</a:t>
             </a:fld>
             <a:endParaRPr lang="en-US"/>
           </a:p>
@@ -1455,7 +1455,7 @@
           <a:p>
             <a:fld id="{CCEBA98F-560C-4997-81C4-81D4D9187EAB}" type="datetime2">
               <a:rPr lang="en-US" smtClean="0"/>
-              <a:t>2015年5月25日星期一</a:t>
+              <a:t>2015年5月26日星期二</a:t>
             </a:fld>
             <a:endParaRPr lang="en-US"/>
           </a:p>
@@ -1923,7 +1923,7 @@
           <a:p>
             <a:fld id="{150972B2-CA5C-437D-87D0-8081271A9E4B}" type="datetime2">
               <a:rPr lang="en-US" smtClean="0"/>
-              <a:t>2015年5月25日星期一</a:t>
+              <a:t>2015年5月26日星期二</a:t>
             </a:fld>
             <a:endParaRPr lang="en-US"/>
           </a:p>
@@ -2073,7 +2073,7 @@
           <a:p>
             <a:fld id="{79CD4847-11EF-4466-A8AD-85CDB7B49118}" type="datetime2">
               <a:rPr lang="en-US" smtClean="0"/>
-              <a:t>2015年5月25日星期一</a:t>
+              <a:t>2015年5月26日星期二</a:t>
             </a:fld>
             <a:endParaRPr lang="en-US"/>
           </a:p>
@@ -2165,7 +2165,7 @@
           <a:p>
             <a:fld id="{F168457A-3AB9-4880-8A0C-9F8524491207}" type="datetime2">
               <a:rPr lang="en-US" smtClean="0"/>
-              <a:t>2015年5月25日星期一</a:t>
+              <a:t>2015年5月26日星期二</a:t>
             </a:fld>
             <a:endParaRPr lang="en-US"/>
           </a:p>
@@ -2441,7 +2441,7 @@
           <a:p>
             <a:fld id="{3FE976D3-5B7F-4300-ABED-C91F1B2AE209}" type="datetime2">
               <a:rPr lang="en-US" smtClean="0"/>
-              <a:t>2015年5月25日星期一</a:t>
+              <a:t>2015年5月26日星期二</a:t>
             </a:fld>
             <a:endParaRPr lang="en-US"/>
           </a:p>
@@ -2748,7 +2748,7 @@
           <a:p>
             <a:fld id="{EBDC1E59-17DD-41CE-97CA-624A472382D4}" type="datetime2">
               <a:rPr lang="en-US" smtClean="0"/>
-              <a:t>2015年5月25日星期一</a:t>
+              <a:t>2015年5月26日星期二</a:t>
             </a:fld>
             <a:endParaRPr lang="en-US"/>
           </a:p>
@@ -3048,7 +3048,7 @@
           <a:p>
             <a:fld id="{A80CB818-7379-467D-8E76-EF9D9074A26C}" type="datetime2">
               <a:rPr lang="en-US" smtClean="0"/>
-              <a:t>2015年5月25日星期一</a:t>
+              <a:t>2015年5月26日星期二</a:t>
             </a:fld>
             <a:endParaRPr lang="en-US" dirty="0"/>
           </a:p>
@@ -6105,7 +6105,7 @@
         <p:spPr>
           <a:xfrm>
             <a:off x="1284316" y="2659428"/>
-            <a:ext cx="7219431" cy="1200329"/>
+            <a:ext cx="7219431" cy="1477328"/>
           </a:xfrm>
           <a:prstGeom prst="rect">
             <a:avLst/>
@@ -6129,8 +6129,35 @@
             </a:r>
             <a:r>
               <a:rPr lang="en-US" altLang="zh-CN" dirty="0" smtClean="0"/>
-              <a:t>: [picname1.jpg, picname2.jpg, picname3.jpg]</a:t>
-            </a:r>
+              <a:t>: [picname1.jpg, picname2.jpg, picname3.jpg</a:t>
+            </a:r>
+            <a:r>
+              <a:rPr lang="en-US" altLang="zh-CN" dirty="0" smtClean="0"/>
+              <a:t>]</a:t>
+            </a:r>
+          </a:p>
+          <a:p>
+            <a:r>
+              <a:rPr lang="en-US" altLang="zh-CN" dirty="0" err="1" smtClean="0"/>
+              <a:t>content:productinfo</a:t>
+            </a:r>
+            <a:r>
+              <a:rPr lang="en-US" altLang="zh-CN" dirty="0" smtClean="0"/>
+              <a:t>(</a:t>
+            </a:r>
+            <a:r>
+              <a:rPr lang="zh-CN" altLang="en-US" dirty="0" smtClean="0"/>
+              <a:t>属性表格，包括功能、规</a:t>
+            </a:r>
+            <a:r>
+              <a:rPr lang="zh-CN" altLang="en-US" smtClean="0"/>
+              <a:t>格、主体</a:t>
+            </a:r>
+            <a:r>
+              <a:rPr lang="en-US" altLang="zh-CN" smtClean="0"/>
+              <a:t>)</a:t>
+            </a:r>
+            <a:endParaRPr lang="en-US" altLang="zh-CN" dirty="0" smtClean="0"/>
           </a:p>
           <a:p>
             <a:r>
@@ -7506,7 +7533,7 @@
         </p:nvSpPr>
         <p:spPr>
           <a:xfrm>
-            <a:off x="226095" y="4416168"/>
+            <a:off x="1335846" y="4416168"/>
             <a:ext cx="646331" cy="369332"/>
           </a:xfrm>
           <a:prstGeom prst="rect">
@@ -7536,7 +7563,7 @@
         </p:nvSpPr>
         <p:spPr>
           <a:xfrm>
-            <a:off x="233281" y="4888478"/>
+            <a:off x="1343032" y="4888478"/>
             <a:ext cx="659155" cy="369332"/>
           </a:xfrm>
           <a:prstGeom prst="rect">
@@ -7566,7 +7593,7 @@
         </p:nvSpPr>
         <p:spPr>
           <a:xfrm>
-            <a:off x="226095" y="5385267"/>
+            <a:off x="1335846" y="5385267"/>
             <a:ext cx="646331" cy="369332"/>
           </a:xfrm>
           <a:prstGeom prst="rect">
@@ -7596,7 +7623,7 @@
         </p:nvSpPr>
         <p:spPr>
           <a:xfrm>
-            <a:off x="233281" y="5947980"/>
+            <a:off x="1343032" y="5947980"/>
             <a:ext cx="646331" cy="369332"/>
           </a:xfrm>
           <a:prstGeom prst="rect">
@@ -7626,7 +7653,7 @@
         </p:nvSpPr>
         <p:spPr>
           <a:xfrm>
-            <a:off x="364595" y="3956893"/>
+            <a:off x="1474346" y="3956893"/>
             <a:ext cx="6187661" cy="369332"/>
           </a:xfrm>
           <a:prstGeom prst="rect">
@@ -7668,8 +7695,8 @@
         </p:nvSpPr>
         <p:spPr>
           <a:xfrm>
-            <a:off x="1118550" y="4439051"/>
-            <a:ext cx="3417898" cy="369332"/>
+            <a:off x="3761359" y="4938620"/>
+            <a:ext cx="3804842" cy="369332"/>
           </a:xfrm>
           <a:prstGeom prst="rect">
             <a:avLst/>
@@ -7683,210 +7710,36 @@
           <a:lstStyle/>
           <a:p>
             <a:r>
+              <a:rPr kumimoji="1" lang="en-US" altLang="zh-CN" dirty="0" smtClean="0"/>
+              <a:t>name</a:t>
+            </a:r>
+            <a:r>
+              <a:rPr kumimoji="1" lang="en-US" altLang="zh-CN" dirty="0" smtClean="0"/>
+              <a:t>:</a:t>
+            </a:r>
+            <a:r>
+              <a:rPr kumimoji="1" lang="zh-CN" altLang="en-US" dirty="0" smtClean="0"/>
+              <a:t>系列</a:t>
+            </a:r>
+            <a:r>
+              <a:rPr kumimoji="1" lang="en-US" altLang="zh-CN" dirty="0" smtClean="0"/>
+              <a:t>_</a:t>
+            </a:r>
+            <a:r>
+              <a:rPr kumimoji="1" lang="zh-CN" altLang="en-US" dirty="0" smtClean="0"/>
+              <a:t>型号</a:t>
+            </a:r>
+            <a:r>
+              <a:rPr kumimoji="1" lang="en-US" altLang="zh-CN" dirty="0" smtClean="0"/>
+              <a:t>   </a:t>
+            </a:r>
+            <a:r>
               <a:rPr kumimoji="1" lang="en-US" altLang="zh-CN" dirty="0" err="1" smtClean="0"/>
-              <a:t>manage:add</a:t>
-            </a:r>
-            <a:r>
-              <a:rPr kumimoji="1" lang="en-US" altLang="zh-CN" dirty="0" smtClean="0"/>
-              <a:t>    name:</a:t>
-            </a:r>
-            <a:r>
-              <a:rPr kumimoji="1" lang="zh-CN" altLang="en-US" dirty="0" smtClean="0"/>
-              <a:t>系列</a:t>
-            </a:r>
-            <a:r>
-              <a:rPr kumimoji="1" lang="en-US" altLang="zh-CN" dirty="0" smtClean="0"/>
-              <a:t>_</a:t>
-            </a:r>
-            <a:r>
-              <a:rPr kumimoji="1" lang="zh-CN" altLang="en-US" dirty="0" smtClean="0"/>
-              <a:t>型号</a:t>
-            </a:r>
-            <a:endParaRPr kumimoji="1" lang="en-US" altLang="zh-CN" dirty="0" smtClean="0"/>
-          </a:p>
-        </p:txBody>
-      </p:sp>
-      <p:sp>
-        <p:nvSpPr>
-          <p:cNvPr id="9" name="文本框 8"/>
-          <p:cNvSpPr txBox="1"/>
-          <p:nvPr/>
-        </p:nvSpPr>
-        <p:spPr>
-          <a:xfrm>
-            <a:off x="1118550" y="4888478"/>
-            <a:ext cx="3789957" cy="369332"/>
-          </a:xfrm>
-          <a:prstGeom prst="rect">
-            <a:avLst/>
-          </a:prstGeom>
-          <a:noFill/>
-        </p:spPr>
-        <p:txBody>
-          <a:bodyPr wrap="none" rtlCol="0">
-            <a:spAutoFit/>
-          </a:bodyPr>
-          <a:lstStyle/>
-          <a:p>
+              <a:t>content:html</a:t>
+            </a:r>
             <a:r>
               <a:rPr kumimoji="1" lang="en-US" altLang="zh-CN" dirty="0" err="1" smtClean="0"/>
-              <a:t>manage:delete</a:t>
-            </a:r>
-            <a:r>
-              <a:rPr kumimoji="1" lang="en-US" altLang="zh-CN" dirty="0" smtClean="0"/>
-              <a:t>    name:</a:t>
-            </a:r>
-            <a:r>
-              <a:rPr kumimoji="1" lang="zh-CN" altLang="en-US" dirty="0" smtClean="0"/>
-              <a:t>系列</a:t>
-            </a:r>
-            <a:r>
-              <a:rPr kumimoji="1" lang="en-US" altLang="zh-CN" dirty="0" smtClean="0"/>
-              <a:t>_</a:t>
-            </a:r>
-            <a:r>
-              <a:rPr kumimoji="1" lang="zh-CN" altLang="en-US" dirty="0" smtClean="0"/>
-              <a:t>型号</a:t>
-            </a:r>
-            <a:endParaRPr kumimoji="1" lang="en-US" altLang="zh-CN" dirty="0" smtClean="0"/>
-          </a:p>
-        </p:txBody>
-      </p:sp>
-      <p:sp>
-        <p:nvSpPr>
-          <p:cNvPr id="10" name="文本框 9"/>
-          <p:cNvSpPr txBox="1"/>
-          <p:nvPr/>
-        </p:nvSpPr>
-        <p:spPr>
-          <a:xfrm>
-            <a:off x="1118550" y="5385267"/>
-            <a:ext cx="5609228" cy="369332"/>
-          </a:xfrm>
-          <a:prstGeom prst="rect">
-            <a:avLst/>
-          </a:prstGeom>
-          <a:noFill/>
-        </p:spPr>
-        <p:txBody>
-          <a:bodyPr wrap="none" rtlCol="0">
-            <a:spAutoFit/>
-          </a:bodyPr>
-          <a:lstStyle/>
-          <a:p>
-            <a:r>
-              <a:rPr kumimoji="1" lang="en-US" altLang="zh-CN" dirty="0" err="1" smtClean="0"/>
-              <a:t>manage:edit</a:t>
-            </a:r>
-            <a:r>
-              <a:rPr kumimoji="1" lang="en-US" altLang="zh-CN" dirty="0" smtClean="0"/>
-              <a:t>    name:</a:t>
-            </a:r>
-            <a:r>
-              <a:rPr kumimoji="1" lang="zh-CN" altLang="en-US" dirty="0" smtClean="0"/>
-              <a:t>系列</a:t>
-            </a:r>
-            <a:r>
-              <a:rPr kumimoji="1" lang="en-US" altLang="zh-CN" dirty="0" smtClean="0"/>
-              <a:t>_</a:t>
-            </a:r>
-            <a:r>
-              <a:rPr kumimoji="1" lang="zh-CN" altLang="en-US" dirty="0" smtClean="0"/>
-              <a:t>型号</a:t>
-            </a:r>
-            <a:r>
-              <a:rPr kumimoji="1" lang="en-US" altLang="zh-CN" dirty="0" smtClean="0"/>
-              <a:t>   </a:t>
-            </a:r>
-            <a:r>
-              <a:rPr kumimoji="1" lang="en-US" altLang="zh-CN" dirty="0" err="1" smtClean="0"/>
-              <a:t>oldname</a:t>
-            </a:r>
-            <a:r>
-              <a:rPr kumimoji="1" lang="en-US" altLang="zh-CN" dirty="0" smtClean="0"/>
-              <a:t>=</a:t>
-            </a:r>
-            <a:r>
-              <a:rPr kumimoji="1" lang="en-US" altLang="zh-CN" dirty="0" err="1" smtClean="0"/>
-              <a:t>XX_xxxxx</a:t>
-            </a:r>
-            <a:endParaRPr kumimoji="1" lang="en-US" altLang="zh-CN" dirty="0" smtClean="0"/>
-          </a:p>
-        </p:txBody>
-      </p:sp>
-      <p:sp>
-        <p:nvSpPr>
-          <p:cNvPr id="11" name="文本框 10"/>
-          <p:cNvSpPr txBox="1"/>
-          <p:nvPr/>
-        </p:nvSpPr>
-        <p:spPr>
-          <a:xfrm>
-            <a:off x="1118550" y="5947980"/>
-            <a:ext cx="5777731" cy="369332"/>
-          </a:xfrm>
-          <a:prstGeom prst="rect">
-            <a:avLst/>
-          </a:prstGeom>
-          <a:noFill/>
-        </p:spPr>
-        <p:txBody>
-          <a:bodyPr wrap="none" rtlCol="0">
-            <a:spAutoFit/>
-          </a:bodyPr>
-          <a:lstStyle/>
-          <a:p>
-            <a:r>
-              <a:rPr kumimoji="1" lang="en-US" altLang="zh-CN" dirty="0" err="1" smtClean="0"/>
-              <a:t>manage:sort</a:t>
-            </a:r>
-            <a:r>
-              <a:rPr kumimoji="1" lang="en-US" altLang="zh-CN" dirty="0" smtClean="0"/>
-              <a:t>    name:</a:t>
-            </a:r>
-            <a:r>
-              <a:rPr kumimoji="1" lang="zh-CN" altLang="en-US" dirty="0" smtClean="0"/>
-              <a:t>系列</a:t>
-            </a:r>
-            <a:r>
-              <a:rPr kumimoji="1" lang="en-US" altLang="zh-CN" dirty="0" smtClean="0"/>
-              <a:t>_</a:t>
-            </a:r>
-            <a:r>
-              <a:rPr kumimoji="1" lang="zh-CN" altLang="en-US" dirty="0" smtClean="0"/>
-              <a:t>型号</a:t>
-            </a:r>
-            <a:r>
-              <a:rPr kumimoji="1" lang="en-US" altLang="zh-CN" dirty="0" smtClean="0"/>
-              <a:t>#</a:t>
-            </a:r>
-            <a:r>
-              <a:rPr kumimoji="1" lang="zh-CN" altLang="en-US" dirty="0" smtClean="0"/>
-              <a:t>系列</a:t>
-            </a:r>
-            <a:r>
-              <a:rPr kumimoji="1" lang="en-US" altLang="zh-CN" dirty="0" smtClean="0"/>
-              <a:t>_</a:t>
-            </a:r>
-            <a:r>
-              <a:rPr kumimoji="1" lang="zh-CN" altLang="en-US" dirty="0" smtClean="0"/>
-              <a:t>型号</a:t>
-            </a:r>
-            <a:r>
-              <a:rPr kumimoji="1" lang="en-US" altLang="zh-CN" dirty="0" smtClean="0"/>
-              <a:t>#</a:t>
-            </a:r>
-            <a:r>
-              <a:rPr kumimoji="1" lang="zh-CN" altLang="en-US" dirty="0" smtClean="0"/>
-              <a:t>系列</a:t>
-            </a:r>
-            <a:r>
-              <a:rPr kumimoji="1" lang="en-US" altLang="zh-CN" dirty="0"/>
-              <a:t>_</a:t>
-            </a:r>
-            <a:r>
-              <a:rPr kumimoji="1" lang="zh-CN" altLang="en-US" dirty="0"/>
-              <a:t>型号</a:t>
+              <a:t>table</a:t>
             </a:r>
             <a:endParaRPr kumimoji="1" lang="en-US" altLang="zh-CN" dirty="0" smtClean="0"/>
           </a:p>
@@ -7900,26 +7753,31 @@
         </p:nvSpPr>
         <p:spPr>
           <a:xfrm>
-            <a:off x="7132356" y="5015935"/>
-            <a:ext cx="1698489" cy="646331"/>
-          </a:xfrm>
-          <a:prstGeom prst="rect">
-            <a:avLst/>
-          </a:prstGeom>
-        </p:spPr>
-        <p:txBody>
-          <a:bodyPr wrap="none">
-            <a:spAutoFit/>
-          </a:bodyPr>
-          <a:lstStyle/>
-          <a:p>
-            <a:r>
-              <a:rPr kumimoji="1" lang="zh-CN" altLang="en-US" dirty="0" smtClean="0"/>
-              <a:t>成功后返回：</a:t>
-            </a:r>
-            <a:endParaRPr kumimoji="1" lang="en-US" altLang="zh-CN" dirty="0" smtClean="0"/>
-          </a:p>
-          <a:p>
+            <a:off x="3761359" y="5482824"/>
+            <a:ext cx="3473196" cy="369332"/>
+          </a:xfrm>
+          <a:prstGeom prst="rect">
+            <a:avLst/>
+          </a:prstGeom>
+        </p:spPr>
+        <p:txBody>
+          <a:bodyPr wrap="square">
+            <a:spAutoFit/>
+          </a:bodyPr>
+          <a:lstStyle/>
+          <a:p>
+            <a:r>
+              <a:rPr kumimoji="1" lang="zh-CN" altLang="en-US" dirty="0" smtClean="0"/>
+              <a:t>成功后返</a:t>
+            </a:r>
+            <a:r>
+              <a:rPr kumimoji="1" lang="zh-CN" altLang="en-US" dirty="0" smtClean="0"/>
+              <a:t>回</a:t>
+            </a:r>
+            <a:r>
+              <a:rPr kumimoji="1" lang="en-US" altLang="zh-CN" dirty="0" smtClean="0"/>
+              <a:t>:</a:t>
+            </a:r>
             <a:r>
               <a:rPr kumimoji="1" lang="en-US" altLang="zh-CN" dirty="0" err="1" smtClean="0"/>
               <a:t>status:success</a:t>
@@ -7936,7 +7794,7 @@
         </p:nvSpPr>
         <p:spPr>
           <a:xfrm>
-            <a:off x="6727778" y="4416168"/>
+            <a:off x="2803610" y="4434695"/>
             <a:ext cx="281131" cy="1901144"/>
           </a:xfrm>
           <a:prstGeom prst="rightBrace">
@@ -10628,11 +10486,7 @@
             </a:r>
             <a:r>
               <a:rPr lang="zh-CN" altLang="en-US" dirty="0" smtClean="0"/>
-              <a:t>日期</a:t>
-            </a:r>
-            <a:r>
-              <a:rPr lang="zh-CN" altLang="en-US" dirty="0" smtClean="0"/>
-              <a:t>，</a:t>
+              <a:t>日期，</a:t>
             </a:r>
             <a:r>
               <a:rPr lang="en-US" altLang="zh-CN" dirty="0"/>
@@ -10640,11 +10494,7 @@
             </a:r>
             <a:r>
               <a:rPr lang="zh-CN" altLang="en-US" dirty="0" smtClean="0"/>
-              <a:t>日期</a:t>
-            </a:r>
-            <a:r>
-              <a:rPr lang="zh-CN" altLang="en-US" dirty="0" smtClean="0"/>
-              <a:t>，</a:t>
+              <a:t>日期，</a:t>
             </a:r>
             <a:r>
               <a:rPr lang="en-US" altLang="zh-CN" dirty="0"/>
@@ -10652,11 +10502,7 @@
             </a:r>
             <a:r>
               <a:rPr lang="zh-CN" altLang="en-US" dirty="0" smtClean="0"/>
-              <a:t>日期</a:t>
-            </a:r>
-            <a:r>
-              <a:rPr lang="zh-CN" altLang="en-US" dirty="0" smtClean="0"/>
-              <a:t>，</a:t>
+              <a:t>日期，</a:t>
             </a:r>
             <a:r>
               <a:rPr lang="en-US" altLang="zh-CN" dirty="0"/>
@@ -11050,11 +10896,7 @@
           <a:p>
             <a:r>
               <a:rPr kumimoji="1" lang="zh-CN" altLang="en-US" dirty="0" smtClean="0"/>
-              <a:t>点击编辑</a:t>
-            </a:r>
-            <a:r>
-              <a:rPr kumimoji="1" lang="zh-CN" altLang="en-US" dirty="0" smtClean="0"/>
-              <a:t>向</a:t>
+              <a:t>点击编辑向</a:t>
             </a:r>
             <a:r>
               <a:rPr kumimoji="1" lang="en-US" altLang="zh-CN" dirty="0"/>
@@ -11204,11 +11046,7 @@
           <a:p>
             <a:r>
               <a:rPr lang="en-US" altLang="zh-CN" dirty="0" smtClean="0"/>
-              <a:t>content</a:t>
-            </a:r>
-            <a:r>
-              <a:rPr lang="en-US" altLang="zh-CN" dirty="0" smtClean="0"/>
-              <a:t>: </a:t>
+              <a:t>content: </a:t>
             </a:r>
             <a:r>
               <a:rPr lang="en-US" altLang="zh-CN" dirty="0" err="1" smtClean="0"/>
@@ -11458,11 +11296,7 @@
           <a:p>
             <a:r>
               <a:rPr kumimoji="1" lang="zh-CN" altLang="en-US" dirty="0" smtClean="0"/>
-              <a:t>点击增加的保存</a:t>
-            </a:r>
-            <a:r>
-              <a:rPr kumimoji="1" lang="zh-CN" altLang="en-US" dirty="0" smtClean="0"/>
-              <a:t>向</a:t>
+              <a:t>点击增加的保存向</a:t>
             </a:r>
             <a:r>
               <a:rPr kumimoji="1" lang="en-US" altLang="zh-CN" dirty="0"/>
@@ -11648,11 +11482,7 @@
             </a:r>
             <a:r>
               <a:rPr lang="zh-CN" altLang="en-US" dirty="0" smtClean="0"/>
-              <a:t>日期</a:t>
-            </a:r>
-            <a:r>
-              <a:rPr lang="zh-CN" altLang="en-US" dirty="0" smtClean="0"/>
-              <a:t>，</a:t>
+              <a:t>日期，</a:t>
             </a:r>
             <a:r>
               <a:rPr lang="en-US" altLang="zh-CN" dirty="0"/>
@@ -11660,11 +11490,7 @@
             </a:r>
             <a:r>
               <a:rPr lang="zh-CN" altLang="en-US" dirty="0" smtClean="0"/>
-              <a:t>日期</a:t>
-            </a:r>
-            <a:r>
-              <a:rPr lang="zh-CN" altLang="en-US" dirty="0" smtClean="0"/>
-              <a:t>，</a:t>
+              <a:t>日期，</a:t>
             </a:r>
             <a:r>
               <a:rPr lang="en-US" altLang="zh-CN" dirty="0"/>
@@ -11672,11 +11498,7 @@
             </a:r>
             <a:r>
               <a:rPr lang="zh-CN" altLang="en-US" dirty="0" smtClean="0"/>
-              <a:t>日期</a:t>
-            </a:r>
-            <a:r>
-              <a:rPr lang="zh-CN" altLang="en-US" dirty="0" smtClean="0"/>
-              <a:t>，</a:t>
+              <a:t>日期，</a:t>
             </a:r>
             <a:r>
               <a:rPr lang="en-US" altLang="zh-CN" dirty="0"/>
@@ -12015,11 +11837,7 @@
             </a:r>
             <a:r>
               <a:rPr lang="zh-CN" altLang="en-US" dirty="0" smtClean="0"/>
-              <a:t>空调</a:t>
-            </a:r>
-            <a:r>
-              <a:rPr lang="zh-CN" altLang="en-US" dirty="0" smtClean="0"/>
-              <a:t>安装</a:t>
+              <a:t>空调安装</a:t>
             </a:r>
             <a:r>
               <a:rPr lang="en-US" altLang="zh-CN" dirty="0" smtClean="0"/>
@@ -12442,11 +12260,7 @@
             </a:r>
             <a:r>
               <a:rPr kumimoji="1" lang="en-US" altLang="zh-CN" dirty="0" err="1" smtClean="0"/>
-              <a:t>new</a:t>
-            </a:r>
-            <a:r>
-              <a:rPr kumimoji="1" lang="en-US" altLang="zh-CN" dirty="0" err="1" smtClean="0"/>
-              <a:t>name:xxxx</a:t>
+              <a:t>newname:xxxx</a:t>
             </a:r>
             <a:endParaRPr kumimoji="1" lang="zh-CN" altLang="en-US" dirty="0"/>
           </a:p>
@@ -12707,11 +12521,7 @@
             </a:r>
             <a:r>
               <a:rPr lang="zh-CN" altLang="en-US" dirty="0" smtClean="0"/>
-              <a:t>空调</a:t>
-            </a:r>
-            <a:r>
-              <a:rPr lang="zh-CN" altLang="en-US" dirty="0" smtClean="0"/>
-              <a:t>安装</a:t>
+              <a:t>空调安装</a:t>
             </a:r>
             <a:r>
               <a:rPr lang="en-US" altLang="zh-CN" dirty="0" smtClean="0"/>
@@ -12760,11 +12570,7 @@
           <a:p>
             <a:r>
               <a:rPr kumimoji="1" lang="zh-CN" altLang="en-US" dirty="0" smtClean="0"/>
-              <a:t>选择某个工种，</a:t>
-            </a:r>
-            <a:r>
-              <a:rPr kumimoji="1" lang="zh-CN" altLang="en-US" dirty="0" smtClean="0"/>
-              <a:t>向</a:t>
+              <a:t>选择某个工种，向</a:t>
             </a:r>
             <a:r>
               <a:rPr kumimoji="1" lang="en-US" altLang="zh-CN" dirty="0"/>
@@ -13135,11 +12941,7 @@
           <a:p>
             <a:r>
               <a:rPr kumimoji="1" lang="zh-CN" altLang="en-US" dirty="0" smtClean="0"/>
-              <a:t>编辑后保存，</a:t>
-            </a:r>
-            <a:r>
-              <a:rPr kumimoji="1" lang="zh-CN" altLang="en-US" dirty="0" smtClean="0"/>
-              <a:t>向</a:t>
+              <a:t>编辑后保存，向</a:t>
             </a:r>
             <a:r>
               <a:rPr kumimoji="1" lang="en-US" altLang="zh-CN" dirty="0"/>
@@ -13982,11 +13784,7 @@
             </a:r>
             <a:r>
               <a:rPr kumimoji="1" lang="en-US" altLang="zh-CN" dirty="0" err="1" smtClean="0"/>
-              <a:t>manage:</a:t>
-            </a:r>
-            <a:r>
-              <a:rPr kumimoji="1" lang="en-US" altLang="zh-CN" dirty="0" err="1" smtClean="0"/>
-              <a:t>edit</a:t>
+              <a:t>manage:edit</a:t>
             </a:r>
             <a:r>
               <a:rPr kumimoji="1" lang="en-US" altLang="zh-CN" dirty="0" smtClean="0"/>
@@ -14332,11 +14130,7 @@
             </a:r>
             <a:r>
               <a:rPr kumimoji="1" lang="en-US" altLang="zh-CN" dirty="0" err="1" smtClean="0"/>
-              <a:t>manage:</a:t>
-            </a:r>
-            <a:r>
-              <a:rPr kumimoji="1" lang="en-US" altLang="zh-CN" dirty="0" err="1" smtClean="0"/>
-              <a:t>edit</a:t>
+              <a:t>manage:edit</a:t>
             </a:r>
             <a:r>
               <a:rPr kumimoji="1" lang="en-US" altLang="zh-CN" dirty="0" smtClean="0"/>
@@ -14670,11 +14464,7 @@
             </a:r>
             <a:r>
               <a:rPr kumimoji="1" lang="en-US" altLang="zh-CN" dirty="0" err="1" smtClean="0"/>
-              <a:t>manage:</a:t>
-            </a:r>
-            <a:r>
-              <a:rPr kumimoji="1" lang="en-US" altLang="zh-CN" dirty="0" err="1" smtClean="0"/>
-              <a:t>edit</a:t>
+              <a:t>manage:edit</a:t>
             </a:r>
             <a:r>
               <a:rPr kumimoji="1" lang="en-US" altLang="zh-CN" dirty="0" smtClean="0"/>
@@ -14863,11 +14653,7 @@
             </a:r>
             <a:r>
               <a:rPr lang="en-US" altLang="zh-CN" dirty="0" err="1" smtClean="0"/>
-              <a:t>company</a:t>
-            </a:r>
-            <a:r>
-              <a:rPr lang="en-US" altLang="zh-CN" dirty="0" err="1" smtClean="0"/>
-              <a:t>honor</a:t>
+              <a:t>companyhonor</a:t>
             </a:r>
             <a:r>
               <a:rPr kumimoji="1" lang="en-US" altLang="zh-CN" dirty="0" smtClean="0"/>
@@ -14924,11 +14710,7 @@
           <a:p>
             <a:r>
               <a:rPr lang="en-US" altLang="zh-CN" dirty="0" err="1" smtClean="0"/>
-              <a:t>honor</a:t>
-            </a:r>
-            <a:r>
-              <a:rPr lang="en-US" altLang="zh-CN" dirty="0" err="1" smtClean="0"/>
-              <a:t>pic</a:t>
+              <a:t>honorpic</a:t>
             </a:r>
             <a:r>
               <a:rPr lang="en-US" altLang="zh-CN" dirty="0"/>
@@ -15055,11 +14837,7 @@
             </a:r>
             <a:r>
               <a:rPr kumimoji="1" lang="en-US" altLang="zh-CN" dirty="0" err="1" smtClean="0"/>
-              <a:t>manage:</a:t>
-            </a:r>
-            <a:r>
-              <a:rPr kumimoji="1" lang="en-US" altLang="zh-CN" dirty="0" err="1" smtClean="0"/>
-              <a:t>add</a:t>
+              <a:t>manage:add</a:t>
             </a:r>
             <a:r>
               <a:rPr kumimoji="1" lang="en-US" altLang="zh-CN" dirty="0" smtClean="0"/>
@@ -15216,11 +14994,7 @@
             </a:r>
             <a:r>
               <a:rPr kumimoji="1" lang="en-US" altLang="zh-CN" dirty="0" err="1" smtClean="0"/>
-              <a:t>manage:</a:t>
-            </a:r>
-            <a:r>
-              <a:rPr kumimoji="1" lang="en-US" altLang="zh-CN" dirty="0" err="1" smtClean="0"/>
-              <a:t>delete</a:t>
+              <a:t>manage:delete</a:t>
             </a:r>
             <a:r>
               <a:rPr kumimoji="1" lang="en-US" altLang="zh-CN" dirty="0" smtClean="0"/>
@@ -15595,11 +15369,7 @@
           <a:p>
             <a:r>
               <a:rPr kumimoji="1" lang="en-US" altLang="zh-CN" dirty="0" err="1" smtClean="0"/>
-              <a:t>manage:</a:t>
-            </a:r>
-            <a:r>
-              <a:rPr kumimoji="1" lang="en-US" altLang="zh-CN" dirty="0" err="1" smtClean="0"/>
-              <a:t>edit</a:t>
+              <a:t>manage:edit</a:t>
             </a:r>
             <a:r>
               <a:rPr kumimoji="1" lang="en-US" altLang="zh-CN" dirty="0" smtClean="0"/>
@@ -16517,15 +16287,7 @@
           <a:p>
             <a:r>
               <a:rPr lang="en-US" altLang="zh-CN" dirty="0" smtClean="0"/>
-              <a:t>case: [</a:t>
-            </a:r>
-            <a:r>
-              <a:rPr lang="en-US" altLang="zh-CN" dirty="0" smtClean="0"/>
-              <a:t>casename1</a:t>
-            </a:r>
-            <a:r>
-              <a:rPr lang="en-US" altLang="zh-CN" dirty="0" smtClean="0"/>
-              <a:t>, casename2, casename3]</a:t>
+              <a:t>case: [casename1, casename2, casename3]</a:t>
             </a:r>
             <a:endParaRPr lang="en-US" altLang="zh-CN" dirty="0"/>
           </a:p>
@@ -16944,11 +16706,7 @@
           <a:p>
             <a:r>
               <a:rPr kumimoji="1" lang="zh-CN" altLang="en-US" dirty="0" smtClean="0"/>
-              <a:t>编辑</a:t>
-            </a:r>
-            <a:r>
-              <a:rPr kumimoji="1" lang="zh-CN" altLang="en-US" dirty="0" smtClean="0"/>
-              <a:t>的</a:t>
+              <a:t>编辑的</a:t>
             </a:r>
             <a:r>
               <a:rPr kumimoji="1" lang="zh-CN" altLang="en-US" dirty="0"/>
@@ -18028,19 +17786,7 @@
           <a:p>
             <a:r>
               <a:rPr kumimoji="1" lang="zh-CN" altLang="en-US" dirty="0" smtClean="0"/>
-              <a:t>八</a:t>
-            </a:r>
-            <a:r>
-              <a:rPr kumimoji="1" lang="zh-CN" altLang="en-US" dirty="0" smtClean="0"/>
-              <a:t>、</a:t>
-            </a:r>
-            <a:r>
-              <a:rPr kumimoji="1" lang="zh-CN" altLang="en-US" dirty="0" smtClean="0"/>
-              <a:t>店面</a:t>
-            </a:r>
-            <a:r>
-              <a:rPr kumimoji="1" lang="zh-CN" altLang="en-US" dirty="0" smtClean="0"/>
-              <a:t>展示</a:t>
+              <a:t>八、店面展示</a:t>
             </a:r>
             <a:endParaRPr kumimoji="1" lang="zh-CN" altLang="en-US" dirty="0"/>
           </a:p>
@@ -18851,11 +18597,7 @@
           <a:p>
             <a:r>
               <a:rPr lang="en-US" altLang="zh-CN" dirty="0" smtClean="0"/>
-              <a:t>shop</a:t>
-            </a:r>
-            <a:r>
-              <a:rPr lang="en-US" altLang="zh-CN" dirty="0" smtClean="0"/>
-              <a:t>: [</a:t>
+              <a:t>shop: [</a:t>
             </a:r>
             <a:r>
               <a:rPr lang="en-US" altLang="zh-CN" dirty="0"/>
@@ -18863,11 +18605,7 @@
             </a:r>
             <a:r>
               <a:rPr lang="en-US" altLang="zh-CN" dirty="0" smtClean="0"/>
-              <a:t>name1</a:t>
-            </a:r>
-            <a:r>
-              <a:rPr lang="en-US" altLang="zh-CN" dirty="0" smtClean="0"/>
-              <a:t>, </a:t>
+              <a:t>name1, </a:t>
             </a:r>
             <a:r>
               <a:rPr lang="en-US" altLang="zh-CN" dirty="0"/>
@@ -19318,11 +19056,7 @@
           <a:p>
             <a:r>
               <a:rPr kumimoji="1" lang="zh-CN" altLang="en-US" dirty="0" smtClean="0"/>
-              <a:t>编辑</a:t>
-            </a:r>
-            <a:r>
-              <a:rPr kumimoji="1" lang="zh-CN" altLang="en-US" dirty="0" smtClean="0"/>
-              <a:t>的</a:t>
+              <a:t>编辑的</a:t>
             </a:r>
             <a:r>
               <a:rPr kumimoji="1" lang="zh-CN" altLang="en-US" dirty="0"/>

--- a/ZSGree前后端逻辑及接口.pptx
+++ b/ZSGree前后端逻辑及接口.pptx
@@ -338,7 +338,7 @@
           <a:p>
             <a:fld id="{C8A432C8-69A7-458B-9684-2BFA64B31948}" type="datetime2">
               <a:rPr lang="en-US" smtClean="0"/>
-              <a:t>2015年5月26日星期二</a:t>
+              <a:t>2015年5月27日星期三</a:t>
             </a:fld>
             <a:endParaRPr lang="en-US"/>
           </a:p>
@@ -540,7 +540,7 @@
           <a:p>
             <a:fld id="{8CC057FC-95B6-4D89-AFDA-ABA33EE921E5}" type="datetime2">
               <a:rPr lang="en-US" smtClean="0"/>
-              <a:t>2015年5月26日星期二</a:t>
+              <a:t>2015年5月27日星期三</a:t>
             </a:fld>
             <a:endParaRPr lang="en-US"/>
           </a:p>
@@ -717,7 +717,7 @@
           <a:p>
             <a:fld id="{EC4549AC-EB31-477F-92A9-B1988E232878}" type="datetime2">
               <a:rPr lang="en-US" smtClean="0"/>
-              <a:t>2015年5月26日星期二</a:t>
+              <a:t>2015年5月27日星期三</a:t>
             </a:fld>
             <a:endParaRPr lang="en-US"/>
           </a:p>
@@ -884,7 +884,7 @@
           <a:p>
             <a:fld id="{6396A3A3-94A6-4E5B-AF39-173ACA3E61CC}" type="datetime2">
               <a:rPr lang="en-US" smtClean="0"/>
-              <a:t>2015年5月26日星期二</a:t>
+              <a:t>2015年5月27日星期三</a:t>
             </a:fld>
             <a:endParaRPr lang="en-US"/>
           </a:p>
@@ -1134,7 +1134,7 @@
           <a:p>
             <a:fld id="{9933D019-A32C-4EAD-B8E6-DBDA699692FD}" type="datetime2">
               <a:rPr lang="en-US" smtClean="0"/>
-              <a:t>2015年5月26日星期二</a:t>
+              <a:t>2015年5月27日星期三</a:t>
             </a:fld>
             <a:endParaRPr lang="en-US"/>
           </a:p>
@@ -1454,7 +1454,7 @@
           <a:p>
             <a:fld id="{CCEBA98F-560C-4997-81C4-81D4D9187EAB}" type="datetime2">
               <a:rPr lang="en-US" smtClean="0"/>
-              <a:t>2015年5月26日星期二</a:t>
+              <a:t>2015年5月27日星期三</a:t>
             </a:fld>
             <a:endParaRPr lang="en-US"/>
           </a:p>
@@ -1922,7 +1922,7 @@
           <a:p>
             <a:fld id="{150972B2-CA5C-437D-87D0-8081271A9E4B}" type="datetime2">
               <a:rPr lang="en-US" smtClean="0"/>
-              <a:t>2015年5月26日星期二</a:t>
+              <a:t>2015年5月27日星期三</a:t>
             </a:fld>
             <a:endParaRPr lang="en-US"/>
           </a:p>
@@ -2072,7 +2072,7 @@
           <a:p>
             <a:fld id="{79CD4847-11EF-4466-A8AD-85CDB7B49118}" type="datetime2">
               <a:rPr lang="en-US" smtClean="0"/>
-              <a:t>2015年5月26日星期二</a:t>
+              <a:t>2015年5月27日星期三</a:t>
             </a:fld>
             <a:endParaRPr lang="en-US"/>
           </a:p>
@@ -2164,7 +2164,7 @@
           <a:p>
             <a:fld id="{F168457A-3AB9-4880-8A0C-9F8524491207}" type="datetime2">
               <a:rPr lang="en-US" smtClean="0"/>
-              <a:t>2015年5月26日星期二</a:t>
+              <a:t>2015年5月27日星期三</a:t>
             </a:fld>
             <a:endParaRPr lang="en-US"/>
           </a:p>
@@ -2440,7 +2440,7 @@
           <a:p>
             <a:fld id="{3FE976D3-5B7F-4300-ABED-C91F1B2AE209}" type="datetime2">
               <a:rPr lang="en-US" smtClean="0"/>
-              <a:t>2015年5月26日星期二</a:t>
+              <a:t>2015年5月27日星期三</a:t>
             </a:fld>
             <a:endParaRPr lang="en-US"/>
           </a:p>
@@ -2747,7 +2747,7 @@
           <a:p>
             <a:fld id="{EBDC1E59-17DD-41CE-97CA-624A472382D4}" type="datetime2">
               <a:rPr lang="en-US" smtClean="0"/>
-              <a:t>2015年5月26日星期二</a:t>
+              <a:t>2015年5月27日星期三</a:t>
             </a:fld>
             <a:endParaRPr lang="en-US"/>
           </a:p>
@@ -3047,7 +3047,7 @@
           <a:p>
             <a:fld id="{A80CB818-7379-467D-8E76-EF9D9074A26C}" type="datetime2">
               <a:rPr lang="en-US" smtClean="0"/>
-              <a:t>2015年5月26日星期二</a:t>
+              <a:t>2015年5月27日星期三</a:t>
             </a:fld>
             <a:endParaRPr lang="en-US" dirty="0"/>
           </a:p>
@@ -5952,7 +5952,7 @@
         </p:nvSpPr>
         <p:spPr>
           <a:xfrm>
-            <a:off x="593996" y="1420008"/>
+            <a:off x="593996" y="1302426"/>
             <a:ext cx="6601544" cy="646331"/>
           </a:xfrm>
           <a:prstGeom prst="rect">
@@ -6010,23 +6010,23 @@
               <a:t>classone</a:t>
             </a:r>
             <a:r>
-              <a:rPr kumimoji="1" lang="en-US" altLang="zh-CN" dirty="0"/>
+              <a:rPr kumimoji="1" lang="en-US" altLang="zh-CN" dirty="0" smtClean="0"/>
               <a:t>:</a:t>
             </a:r>
             <a:r>
-              <a:rPr kumimoji="1" lang="zh-CN" altLang="en-US" dirty="0"/>
+              <a:rPr kumimoji="1" lang="zh-CN" altLang="en-US" dirty="0" smtClean="0"/>
               <a:t>冰箱</a:t>
             </a:r>
             <a:r>
-              <a:rPr kumimoji="1" lang="en-US" altLang="zh-CN" dirty="0"/>
+              <a:rPr kumimoji="1" lang="en-US" altLang="zh-CN" dirty="0" smtClean="0"/>
               <a:t> </a:t>
             </a:r>
             <a:r>
-              <a:rPr kumimoji="1" lang="en-US" altLang="zh-CN" dirty="0" err="1"/>
+              <a:rPr kumimoji="1" lang="en-US" altLang="zh-CN" dirty="0" err="1" smtClean="0"/>
               <a:t>classtwo</a:t>
             </a:r>
             <a:r>
-              <a:rPr kumimoji="1" lang="en-US" altLang="zh-CN" dirty="0"/>
+              <a:rPr kumimoji="1" lang="en-US" altLang="zh-CN" dirty="0" smtClean="0"/>
               <a:t>:</a:t>
             </a:r>
             <a:r>
@@ -6042,7 +6042,7 @@
               <a:t>：</a:t>
             </a:r>
             <a:r>
-              <a:rPr lang="en-US" altLang="zh-CN" dirty="0"/>
+              <a:rPr lang="en-US" altLang="zh-CN" dirty="0" smtClean="0"/>
               <a:t>Q</a:t>
             </a:r>
             <a:r>
@@ -6065,7 +6065,7 @@
         </p:nvSpPr>
         <p:spPr>
           <a:xfrm>
-            <a:off x="862416" y="2190309"/>
+            <a:off x="862416" y="1927304"/>
             <a:ext cx="1762284" cy="369332"/>
           </a:xfrm>
           <a:prstGeom prst="rect">
@@ -6103,7 +6103,7 @@
         </p:nvSpPr>
         <p:spPr>
           <a:xfrm>
-            <a:off x="1284316" y="2659428"/>
+            <a:off x="1284316" y="2396423"/>
             <a:ext cx="7219431" cy="1477328"/>
           </a:xfrm>
           <a:prstGeom prst="rect">
@@ -6128,11 +6128,7 @@
             </a:r>
             <a:r>
               <a:rPr lang="en-US" altLang="zh-CN" dirty="0" smtClean="0"/>
-              <a:t>: [picname1.jpg, picname2.jpg, picname3.jpg</a:t>
-            </a:r>
-            <a:r>
-              <a:rPr lang="en-US" altLang="zh-CN" dirty="0" smtClean="0"/>
-              <a:t>]</a:t>
+              <a:t>: [picname1.jpg, picname2.jpg, picname3.jpg]</a:t>
             </a:r>
           </a:p>
           <a:p>
@@ -6152,7 +6148,6 @@
               <a:rPr lang="en-US" altLang="zh-CN" dirty="0" smtClean="0"/>
               <a:t>)</a:t>
             </a:r>
-            <a:endParaRPr lang="en-US" altLang="zh-CN" dirty="0" smtClean="0"/>
           </a:p>
           <a:p>
             <a:r>
@@ -6198,7 +6193,7 @@
         </p:blipFill>
         <p:spPr>
           <a:xfrm>
-            <a:off x="682853" y="3859757"/>
+            <a:off x="682853" y="3596752"/>
             <a:ext cx="6896100" cy="482600"/>
           </a:xfrm>
           <a:prstGeom prst="rect">
@@ -6214,7 +6209,7 @@
         </p:nvSpPr>
         <p:spPr>
           <a:xfrm>
-            <a:off x="539250" y="4897144"/>
+            <a:off x="0" y="4628092"/>
             <a:ext cx="646331" cy="369332"/>
           </a:xfrm>
           <a:prstGeom prst="rect">
@@ -6244,7 +6239,7 @@
         </p:nvSpPr>
         <p:spPr>
           <a:xfrm>
-            <a:off x="546436" y="5369454"/>
+            <a:off x="7186" y="5100402"/>
             <a:ext cx="659155" cy="369332"/>
           </a:xfrm>
           <a:prstGeom prst="rect">
@@ -6274,7 +6269,7 @@
         </p:nvSpPr>
         <p:spPr>
           <a:xfrm>
-            <a:off x="539250" y="5866243"/>
+            <a:off x="0" y="5544156"/>
             <a:ext cx="646331" cy="369332"/>
           </a:xfrm>
           <a:prstGeom prst="rect">
@@ -6304,7 +6299,7 @@
         </p:nvSpPr>
         <p:spPr>
           <a:xfrm>
-            <a:off x="546436" y="6428956"/>
+            <a:off x="7186" y="6159904"/>
             <a:ext cx="646331" cy="369332"/>
           </a:xfrm>
           <a:prstGeom prst="rect">
@@ -6334,7 +6329,7 @@
         </p:nvSpPr>
         <p:spPr>
           <a:xfrm>
-            <a:off x="677750" y="4437869"/>
+            <a:off x="677750" y="4174864"/>
             <a:ext cx="5802640" cy="369332"/>
           </a:xfrm>
           <a:prstGeom prst="rect">
@@ -6376,7 +6371,7 @@
         </p:nvSpPr>
         <p:spPr>
           <a:xfrm>
-            <a:off x="1431705" y="4920027"/>
+            <a:off x="3678177" y="4657022"/>
             <a:ext cx="3417898" cy="369332"/>
           </a:xfrm>
           <a:prstGeom prst="rect">
@@ -6422,7 +6417,7 @@
         </p:nvSpPr>
         <p:spPr>
           <a:xfrm>
-            <a:off x="1431705" y="5369454"/>
+            <a:off x="3678177" y="5106449"/>
             <a:ext cx="3789957" cy="369332"/>
           </a:xfrm>
           <a:prstGeom prst="rect">
@@ -6468,7 +6463,7 @@
         </p:nvSpPr>
         <p:spPr>
           <a:xfrm>
-            <a:off x="1431705" y="5866243"/>
+            <a:off x="739492" y="5880237"/>
             <a:ext cx="5609228" cy="369332"/>
           </a:xfrm>
           <a:prstGeom prst="rect">
@@ -6488,7 +6483,11 @@
             </a:r>
             <a:r>
               <a:rPr kumimoji="1" lang="en-US" altLang="zh-CN" dirty="0" smtClean="0"/>
-              <a:t>    name:</a:t>
+              <a:t>  </a:t>
+            </a:r>
+            <a:r>
+              <a:rPr kumimoji="1" lang="en-US" altLang="zh-CN" dirty="0" smtClean="0"/>
+              <a:t>name:</a:t>
             </a:r>
             <a:r>
               <a:rPr kumimoji="1" lang="zh-CN" altLang="en-US" dirty="0" smtClean="0"/>
@@ -6530,8 +6529,8 @@
         </p:nvSpPr>
         <p:spPr>
           <a:xfrm>
-            <a:off x="1431705" y="6428956"/>
-            <a:ext cx="5777731" cy="369332"/>
+            <a:off x="682853" y="6481537"/>
+            <a:ext cx="5649465" cy="369332"/>
           </a:xfrm>
           <a:prstGeom prst="rect">
             <a:avLst/>
@@ -6550,7 +6549,11 @@
             </a:r>
             <a:r>
               <a:rPr kumimoji="1" lang="en-US" altLang="zh-CN" dirty="0" smtClean="0"/>
-              <a:t>    name:</a:t>
+              <a:t>  name</a:t>
+            </a:r>
+            <a:r>
+              <a:rPr kumimoji="1" lang="en-US" altLang="zh-CN" dirty="0" smtClean="0"/>
+              <a:t>:</a:t>
             </a:r>
             <a:r>
               <a:rPr kumimoji="1" lang="zh-CN" altLang="en-US" dirty="0" smtClean="0"/>
@@ -6608,7 +6611,7 @@
         </p:nvSpPr>
         <p:spPr>
           <a:xfrm>
-            <a:off x="7445511" y="5496911"/>
+            <a:off x="7578953" y="5233906"/>
             <a:ext cx="1698489" cy="646331"/>
           </a:xfrm>
           <a:prstGeom prst="rect">
@@ -6644,7 +6647,7 @@
         </p:nvSpPr>
         <p:spPr>
           <a:xfrm>
-            <a:off x="7040933" y="4897144"/>
+            <a:off x="7299631" y="4634139"/>
             <a:ext cx="281131" cy="1901144"/>
           </a:xfrm>
           <a:prstGeom prst="rightBrace">
@@ -6682,7 +6685,7 @@
         </p:nvSpPr>
         <p:spPr>
           <a:xfrm>
-            <a:off x="7695977" y="3746339"/>
+            <a:off x="7695977" y="3483334"/>
             <a:ext cx="1311765" cy="738664"/>
           </a:xfrm>
           <a:prstGeom prst="rect">
@@ -6742,6 +6745,234 @@
                 <a:srgbClr val="FF0000"/>
               </a:solidFill>
             </a:endParaRPr>
+          </a:p>
+        </p:txBody>
+      </p:sp>
+      <p:sp>
+        <p:nvSpPr>
+          <p:cNvPr id="4" name="矩形 3"/>
+          <p:cNvSpPr/>
+          <p:nvPr/>
+        </p:nvSpPr>
+        <p:spPr>
+          <a:xfrm>
+            <a:off x="593996" y="4657022"/>
+            <a:ext cx="3096558" cy="369332"/>
+          </a:xfrm>
+          <a:prstGeom prst="rect">
+            <a:avLst/>
+          </a:prstGeom>
+        </p:spPr>
+        <p:txBody>
+          <a:bodyPr wrap="none">
+            <a:spAutoFit/>
+          </a:bodyPr>
+          <a:lstStyle/>
+          <a:p>
+            <a:r>
+              <a:rPr kumimoji="1" lang="en-US" altLang="zh-CN" dirty="0" err="1"/>
+              <a:t>classone</a:t>
+            </a:r>
+            <a:r>
+              <a:rPr kumimoji="1" lang="en-US" altLang="zh-CN" dirty="0"/>
+              <a:t>:</a:t>
+            </a:r>
+            <a:r>
+              <a:rPr kumimoji="1" lang="zh-CN" altLang="en-US" dirty="0"/>
+              <a:t>冰箱</a:t>
+            </a:r>
+            <a:r>
+              <a:rPr kumimoji="1" lang="en-US" altLang="zh-CN" dirty="0"/>
+              <a:t> </a:t>
+            </a:r>
+            <a:r>
+              <a:rPr kumimoji="1" lang="en-US" altLang="zh-CN" dirty="0" err="1"/>
+              <a:t>classtwo</a:t>
+            </a:r>
+            <a:r>
+              <a:rPr kumimoji="1" lang="en-US" altLang="zh-CN" dirty="0"/>
+              <a:t>:</a:t>
+            </a:r>
+            <a:r>
+              <a:rPr kumimoji="1" lang="zh-CN" altLang="en-US" dirty="0"/>
+              <a:t>三门</a:t>
+            </a:r>
+            <a:r>
+              <a:rPr kumimoji="1" lang="en-US" altLang="zh-CN" dirty="0"/>
+              <a:t> </a:t>
+            </a:r>
+            <a:endParaRPr lang="zh-CN" altLang="en-US" dirty="0"/>
+          </a:p>
+        </p:txBody>
+      </p:sp>
+      <p:sp>
+        <p:nvSpPr>
+          <p:cNvPr id="20" name="矩形 19"/>
+          <p:cNvSpPr/>
+          <p:nvPr/>
+        </p:nvSpPr>
+        <p:spPr>
+          <a:xfrm>
+            <a:off x="653517" y="5100402"/>
+            <a:ext cx="3096558" cy="369332"/>
+          </a:xfrm>
+          <a:prstGeom prst="rect">
+            <a:avLst/>
+          </a:prstGeom>
+        </p:spPr>
+        <p:txBody>
+          <a:bodyPr wrap="none">
+            <a:spAutoFit/>
+          </a:bodyPr>
+          <a:lstStyle/>
+          <a:p>
+            <a:r>
+              <a:rPr kumimoji="1" lang="en-US" altLang="zh-CN" dirty="0" err="1"/>
+              <a:t>classone</a:t>
+            </a:r>
+            <a:r>
+              <a:rPr kumimoji="1" lang="en-US" altLang="zh-CN" dirty="0"/>
+              <a:t>:</a:t>
+            </a:r>
+            <a:r>
+              <a:rPr kumimoji="1" lang="zh-CN" altLang="en-US" dirty="0"/>
+              <a:t>冰箱</a:t>
+            </a:r>
+            <a:r>
+              <a:rPr kumimoji="1" lang="en-US" altLang="zh-CN" dirty="0"/>
+              <a:t> </a:t>
+            </a:r>
+            <a:r>
+              <a:rPr kumimoji="1" lang="en-US" altLang="zh-CN" dirty="0" err="1"/>
+              <a:t>classtwo</a:t>
+            </a:r>
+            <a:r>
+              <a:rPr kumimoji="1" lang="en-US" altLang="zh-CN" dirty="0"/>
+              <a:t>:</a:t>
+            </a:r>
+            <a:r>
+              <a:rPr kumimoji="1" lang="zh-CN" altLang="en-US" dirty="0"/>
+              <a:t>三门</a:t>
+            </a:r>
+            <a:r>
+              <a:rPr kumimoji="1" lang="en-US" altLang="zh-CN" dirty="0"/>
+              <a:t> </a:t>
+            </a:r>
+            <a:endParaRPr lang="zh-CN" altLang="en-US" dirty="0"/>
+          </a:p>
+        </p:txBody>
+      </p:sp>
+      <p:sp>
+        <p:nvSpPr>
+          <p:cNvPr id="21" name="矩形 20"/>
+          <p:cNvSpPr/>
+          <p:nvPr/>
+        </p:nvSpPr>
+        <p:spPr>
+          <a:xfrm>
+            <a:off x="746396" y="5532134"/>
+            <a:ext cx="3096558" cy="369332"/>
+          </a:xfrm>
+          <a:prstGeom prst="rect">
+            <a:avLst/>
+          </a:prstGeom>
+        </p:spPr>
+        <p:txBody>
+          <a:bodyPr wrap="none">
+            <a:spAutoFit/>
+          </a:bodyPr>
+          <a:lstStyle/>
+          <a:p>
+            <a:r>
+              <a:rPr kumimoji="1" lang="en-US" altLang="zh-CN" dirty="0" err="1"/>
+              <a:t>classone</a:t>
+            </a:r>
+            <a:r>
+              <a:rPr kumimoji="1" lang="en-US" altLang="zh-CN" dirty="0"/>
+              <a:t>:</a:t>
+            </a:r>
+            <a:r>
+              <a:rPr kumimoji="1" lang="zh-CN" altLang="en-US" dirty="0"/>
+              <a:t>冰箱</a:t>
+            </a:r>
+            <a:r>
+              <a:rPr kumimoji="1" lang="en-US" altLang="zh-CN" dirty="0"/>
+              <a:t> </a:t>
+            </a:r>
+            <a:r>
+              <a:rPr kumimoji="1" lang="en-US" altLang="zh-CN" dirty="0" err="1"/>
+              <a:t>classtwo</a:t>
+            </a:r>
+            <a:r>
+              <a:rPr kumimoji="1" lang="en-US" altLang="zh-CN" dirty="0"/>
+              <a:t>:</a:t>
+            </a:r>
+            <a:r>
+              <a:rPr kumimoji="1" lang="zh-CN" altLang="en-US" dirty="0"/>
+              <a:t>三门</a:t>
+            </a:r>
+            <a:r>
+              <a:rPr kumimoji="1" lang="en-US" altLang="zh-CN" dirty="0"/>
+              <a:t> </a:t>
+            </a:r>
+            <a:endParaRPr lang="zh-CN" altLang="en-US" dirty="0"/>
+          </a:p>
+        </p:txBody>
+      </p:sp>
+      <p:sp>
+        <p:nvSpPr>
+          <p:cNvPr id="22" name="矩形 21"/>
+          <p:cNvSpPr/>
+          <p:nvPr/>
+        </p:nvSpPr>
+        <p:spPr>
+          <a:xfrm>
+            <a:off x="593996" y="6165951"/>
+            <a:ext cx="3096558" cy="369332"/>
+          </a:xfrm>
+          <a:prstGeom prst="rect">
+            <a:avLst/>
+          </a:prstGeom>
+        </p:spPr>
+        <p:txBody>
+          <a:bodyPr wrap="none">
+            <a:spAutoFit/>
+          </a:bodyPr>
+          <a:lstStyle/>
+          <a:p>
+            <a:r>
+              <a:rPr kumimoji="1" lang="en-US" altLang="zh-CN" dirty="0" err="1"/>
+              <a:t>classone</a:t>
+            </a:r>
+            <a:r>
+              <a:rPr kumimoji="1" lang="en-US" altLang="zh-CN" dirty="0"/>
+              <a:t>:</a:t>
+            </a:r>
+            <a:r>
+              <a:rPr kumimoji="1" lang="zh-CN" altLang="en-US" dirty="0"/>
+              <a:t>冰箱</a:t>
+            </a:r>
+            <a:r>
+              <a:rPr kumimoji="1" lang="en-US" altLang="zh-CN" dirty="0"/>
+              <a:t> </a:t>
+            </a:r>
+            <a:r>
+              <a:rPr kumimoji="1" lang="en-US" altLang="zh-CN" dirty="0" err="1"/>
+              <a:t>classtwo</a:t>
+            </a:r>
+            <a:r>
+              <a:rPr kumimoji="1" lang="en-US" altLang="zh-CN" dirty="0"/>
+              <a:t>:</a:t>
+            </a:r>
+            <a:r>
+              <a:rPr kumimoji="1" lang="zh-CN" altLang="en-US" dirty="0"/>
+              <a:t>三门</a:t>
+            </a:r>
+            <a:r>
+              <a:rPr kumimoji="1" lang="en-US" altLang="zh-CN" dirty="0"/>
+              <a:t> </a:t>
+            </a:r>
+            <a:endParaRPr lang="zh-CN" altLang="en-US" dirty="0"/>
           </a:p>
         </p:txBody>
       </p:sp>
@@ -7428,11 +7659,7 @@
           <a:p>
             <a:r>
               <a:rPr kumimoji="1" lang="en-US" altLang="zh-CN" dirty="0" smtClean="0"/>
-              <a:t>name</a:t>
-            </a:r>
-            <a:r>
-              <a:rPr kumimoji="1" lang="en-US" altLang="zh-CN" dirty="0" smtClean="0"/>
-              <a:t>:</a:t>
+              <a:t>name:</a:t>
             </a:r>
             <a:r>
               <a:rPr kumimoji="1" lang="zh-CN" altLang="en-US" dirty="0" smtClean="0"/>
@@ -7452,11 +7679,7 @@
             </a:r>
             <a:r>
               <a:rPr kumimoji="1" lang="en-US" altLang="zh-CN" dirty="0" err="1" smtClean="0"/>
-              <a:t>content:html</a:t>
-            </a:r>
-            <a:r>
-              <a:rPr kumimoji="1" lang="en-US" altLang="zh-CN" dirty="0" err="1" smtClean="0"/>
-              <a:t>table</a:t>
+              <a:t>content:htmltable</a:t>
             </a:r>
             <a:endParaRPr kumimoji="1" lang="en-US" altLang="zh-CN" dirty="0" smtClean="0"/>
           </a:p>
@@ -7485,11 +7708,7 @@
           <a:p>
             <a:r>
               <a:rPr kumimoji="1" lang="zh-CN" altLang="en-US" dirty="0" smtClean="0"/>
-              <a:t>成功后返</a:t>
-            </a:r>
-            <a:r>
-              <a:rPr kumimoji="1" lang="zh-CN" altLang="en-US" dirty="0" smtClean="0"/>
-              <a:t>回</a:t>
+              <a:t>成功后返回</a:t>
             </a:r>
             <a:r>
               <a:rPr kumimoji="1" lang="en-US" altLang="zh-CN" dirty="0" smtClean="0"/>
@@ -7565,6 +7784,63 @@
           </a:prstGeom>
         </p:spPr>
       </p:pic>
+      <p:sp>
+        <p:nvSpPr>
+          <p:cNvPr id="15" name="矩形 14"/>
+          <p:cNvSpPr/>
+          <p:nvPr/>
+        </p:nvSpPr>
+        <p:spPr>
+          <a:xfrm>
+            <a:off x="3777032" y="4519146"/>
+            <a:ext cx="3096558" cy="369332"/>
+          </a:xfrm>
+          <a:prstGeom prst="rect">
+            <a:avLst/>
+          </a:prstGeom>
+        </p:spPr>
+        <p:txBody>
+          <a:bodyPr wrap="none">
+            <a:spAutoFit/>
+          </a:bodyPr>
+          <a:lstStyle/>
+          <a:p>
+            <a:r>
+              <a:rPr kumimoji="1" lang="en-US" altLang="zh-CN" dirty="0" err="1"/>
+              <a:t>classone</a:t>
+            </a:r>
+            <a:r>
+              <a:rPr kumimoji="1" lang="en-US" altLang="zh-CN" dirty="0"/>
+              <a:t>:</a:t>
+            </a:r>
+            <a:r>
+              <a:rPr kumimoji="1" lang="zh-CN" altLang="en-US" dirty="0"/>
+              <a:t>冰箱</a:t>
+            </a:r>
+            <a:r>
+              <a:rPr kumimoji="1" lang="en-US" altLang="zh-CN" dirty="0"/>
+              <a:t> </a:t>
+            </a:r>
+            <a:r>
+              <a:rPr kumimoji="1" lang="en-US" altLang="zh-CN" dirty="0" err="1"/>
+              <a:t>classtwo</a:t>
+            </a:r>
+            <a:r>
+              <a:rPr kumimoji="1" lang="en-US" altLang="zh-CN" dirty="0"/>
+              <a:t>:</a:t>
+            </a:r>
+            <a:r>
+              <a:rPr kumimoji="1" lang="zh-CN" altLang="en-US" dirty="0"/>
+              <a:t>三门</a:t>
+            </a:r>
+            <a:r>
+              <a:rPr kumimoji="1" lang="en-US" altLang="zh-CN" dirty="0"/>
+              <a:t> </a:t>
+            </a:r>
+            <a:endParaRPr lang="zh-CN" altLang="en-US" dirty="0"/>
+          </a:p>
+        </p:txBody>
+      </p:sp>
     </p:spTree>
     <p:extLst>
       <p:ext uri="{BB962C8B-B14F-4D97-AF65-F5344CB8AC3E}">
@@ -17524,7 +17800,7 @@
         </p:nvSpPr>
         <p:spPr>
           <a:xfrm>
-            <a:off x="3103250" y="5078617"/>
+            <a:off x="3103250" y="5090059"/>
             <a:ext cx="2378250" cy="369332"/>
           </a:xfrm>
           <a:prstGeom prst="rect">

--- a/ZSGree前后端逻辑及接口.pptx
+++ b/ZSGree前后端逻辑及接口.pptx
@@ -6483,11 +6483,7 @@
             </a:r>
             <a:r>
               <a:rPr kumimoji="1" lang="en-US" altLang="zh-CN" dirty="0" smtClean="0"/>
-              <a:t>  </a:t>
-            </a:r>
-            <a:r>
-              <a:rPr kumimoji="1" lang="en-US" altLang="zh-CN" dirty="0" smtClean="0"/>
-              <a:t>name:</a:t>
+              <a:t>  name:</a:t>
             </a:r>
             <a:r>
               <a:rPr kumimoji="1" lang="zh-CN" altLang="en-US" dirty="0" smtClean="0"/>
@@ -6549,11 +6545,7 @@
             </a:r>
             <a:r>
               <a:rPr kumimoji="1" lang="en-US" altLang="zh-CN" dirty="0" smtClean="0"/>
-              <a:t>  name</a:t>
-            </a:r>
-            <a:r>
-              <a:rPr kumimoji="1" lang="en-US" altLang="zh-CN" dirty="0" smtClean="0"/>
-              <a:t>:</a:t>
+              <a:t>  name:</a:t>
             </a:r>
             <a:r>
               <a:rPr kumimoji="1" lang="zh-CN" altLang="en-US" dirty="0" smtClean="0"/>
@@ -7256,7 +7248,7 @@
         <p:spPr>
           <a:xfrm>
             <a:off x="1430091" y="4640358"/>
-            <a:ext cx="4649154" cy="369332"/>
+            <a:ext cx="6162414" cy="369332"/>
           </a:xfrm>
           <a:prstGeom prst="rect">
             <a:avLst/>
@@ -7291,15 +7283,31 @@
             </a:r>
             <a:r>
               <a:rPr kumimoji="1" lang="en-US" altLang="zh-CN" dirty="0" smtClean="0"/>
-              <a:t>:</a:t>
-            </a:r>
-            <a:r>
-              <a:rPr kumimoji="1" lang="zh-CN" altLang="en-US" dirty="0" smtClean="0"/>
+              <a:t>:[</a:t>
+            </a:r>
+            <a:r>
+              <a:rPr kumimoji="1" lang="zh-CN" altLang="en-US" dirty="0" smtClean="0"/>
+              <a:t>图片</a:t>
+            </a:r>
+            <a:r>
+              <a:rPr kumimoji="1" lang="zh-CN" altLang="en-US" dirty="0" smtClean="0"/>
+              <a:t>文</a:t>
+            </a:r>
+            <a:r>
+              <a:rPr kumimoji="1" lang="zh-CN" altLang="en-US" dirty="0" smtClean="0"/>
+              <a:t>件名</a:t>
+            </a:r>
+            <a:r>
+              <a:rPr kumimoji="1" lang="zh-CN" altLang="zh-CN" dirty="0" smtClean="0"/>
+              <a:t>、</a:t>
+            </a:r>
+            <a:r>
+              <a:rPr kumimoji="1" lang="zh-CN" altLang="en-US" dirty="0"/>
               <a:t>图片文件名</a:t>
             </a:r>
             <a:r>
               <a:rPr kumimoji="1" lang="en-US" altLang="zh-CN" dirty="0" smtClean="0"/>
-              <a:t>  </a:t>
+              <a:t>] </a:t>
             </a:r>
             <a:endParaRPr kumimoji="1" lang="zh-CN" altLang="en-US" dirty="0"/>
           </a:p>

--- a/ZSGree前后端逻辑及接口.pptx
+++ b/ZSGree前后端逻辑及接口.pptx
@@ -7287,15 +7287,7 @@
             </a:r>
             <a:r>
               <a:rPr kumimoji="1" lang="zh-CN" altLang="en-US" dirty="0" smtClean="0"/>
-              <a:t>图片</a:t>
-            </a:r>
-            <a:r>
-              <a:rPr kumimoji="1" lang="zh-CN" altLang="en-US" dirty="0" smtClean="0"/>
-              <a:t>文</a:t>
-            </a:r>
-            <a:r>
-              <a:rPr kumimoji="1" lang="zh-CN" altLang="en-US" dirty="0" smtClean="0"/>
-              <a:t>件名</a:t>
+              <a:t>图片文件名</a:t>
             </a:r>
             <a:r>
               <a:rPr kumimoji="1" lang="zh-CN" altLang="zh-CN" dirty="0" smtClean="0"/>
@@ -10696,8 +10688,12 @@
           </a:p>
           <a:p>
             <a:r>
-              <a:rPr lang="en-US" altLang="zh-CN" dirty="0"/>
-              <a:t>products: </a:t>
+              <a:rPr lang="en-US" altLang="zh-CN" dirty="0" smtClean="0"/>
+              <a:t>news</a:t>
+            </a:r>
+            <a:r>
+              <a:rPr lang="en-US" altLang="zh-CN" dirty="0" smtClean="0"/>
+              <a:t>: </a:t>
             </a:r>
             <a:r>
               <a:rPr lang="en-US" altLang="zh-CN" dirty="0" smtClean="0"/>
@@ -11763,6 +11759,132 @@
               <a:t>}</a:t>
             </a:r>
             <a:endParaRPr lang="zh-CN" altLang="en-US" dirty="0"/>
+          </a:p>
+        </p:txBody>
+      </p:sp>
+      <p:sp>
+        <p:nvSpPr>
+          <p:cNvPr id="7" name="文本框 6"/>
+          <p:cNvSpPr txBox="1"/>
+          <p:nvPr/>
+        </p:nvSpPr>
+        <p:spPr>
+          <a:xfrm>
+            <a:off x="1907455" y="4245140"/>
+            <a:ext cx="4635066" cy="369332"/>
+          </a:xfrm>
+          <a:prstGeom prst="rect">
+            <a:avLst/>
+          </a:prstGeom>
+          <a:noFill/>
+        </p:spPr>
+        <p:txBody>
+          <a:bodyPr wrap="none" rtlCol="0">
+            <a:spAutoFit/>
+          </a:bodyPr>
+          <a:lstStyle/>
+          <a:p>
+            <a:r>
+              <a:rPr kumimoji="1" lang="zh-CN" altLang="en-US" dirty="0" smtClean="0"/>
+              <a:t>保存文章中的图片发送请求到</a:t>
+            </a:r>
+            <a:r>
+              <a:rPr kumimoji="1" lang="en-US" altLang="zh-CN" dirty="0" smtClean="0"/>
+              <a:t>/</a:t>
+            </a:r>
+            <a:r>
+              <a:rPr kumimoji="1" lang="en-US" altLang="zh-CN" dirty="0" err="1" smtClean="0"/>
+              <a:t>save</a:t>
+            </a:r>
+            <a:r>
+              <a:rPr kumimoji="1" lang="en-US" altLang="zh-CN" dirty="0" err="1" smtClean="0"/>
+              <a:t>News</a:t>
+            </a:r>
+            <a:r>
+              <a:rPr kumimoji="1" lang="en-US" altLang="zh-CN" dirty="0" err="1" smtClean="0"/>
+              <a:t>Pic</a:t>
+            </a:r>
+            <a:endParaRPr kumimoji="1" lang="zh-CN" altLang="en-US" dirty="0"/>
+          </a:p>
+        </p:txBody>
+      </p:sp>
+      <p:sp>
+        <p:nvSpPr>
+          <p:cNvPr id="10" name="文本框 9"/>
+          <p:cNvSpPr txBox="1"/>
+          <p:nvPr/>
+        </p:nvSpPr>
+        <p:spPr>
+          <a:xfrm>
+            <a:off x="3348987" y="4736666"/>
+            <a:ext cx="1467206" cy="369332"/>
+          </a:xfrm>
+          <a:prstGeom prst="rect">
+            <a:avLst/>
+          </a:prstGeom>
+          <a:noFill/>
+        </p:spPr>
+        <p:txBody>
+          <a:bodyPr wrap="none" rtlCol="0">
+            <a:spAutoFit/>
+          </a:bodyPr>
+          <a:lstStyle/>
+          <a:p>
+            <a:r>
+              <a:rPr kumimoji="1" lang="en-US" altLang="zh-CN" dirty="0" smtClean="0"/>
+              <a:t>pic:</a:t>
+            </a:r>
+            <a:r>
+              <a:rPr kumimoji="1" lang="zh-CN" altLang="en-US" dirty="0" smtClean="0"/>
+              <a:t>图片文件</a:t>
+            </a:r>
+            <a:endParaRPr kumimoji="1" lang="zh-CN" altLang="en-US" dirty="0"/>
+          </a:p>
+        </p:txBody>
+      </p:sp>
+      <p:sp>
+        <p:nvSpPr>
+          <p:cNvPr id="11" name="文本框 10"/>
+          <p:cNvSpPr txBox="1"/>
+          <p:nvPr/>
+        </p:nvSpPr>
+        <p:spPr>
+          <a:xfrm>
+            <a:off x="2317910" y="5238716"/>
+            <a:ext cx="4007264" cy="369332"/>
+          </a:xfrm>
+          <a:prstGeom prst="rect">
+            <a:avLst/>
+          </a:prstGeom>
+          <a:noFill/>
+        </p:spPr>
+        <p:txBody>
+          <a:bodyPr wrap="none" rtlCol="0">
+            <a:spAutoFit/>
+          </a:bodyPr>
+          <a:lstStyle/>
+          <a:p>
+            <a:r>
+              <a:rPr kumimoji="1" lang="zh-CN" altLang="en-US" dirty="0"/>
+              <a:t>返回</a:t>
+            </a:r>
+            <a:r>
+              <a:rPr kumimoji="1" lang="en-US" altLang="zh-CN" dirty="0" err="1"/>
+              <a:t>json</a:t>
+            </a:r>
+            <a:r>
+              <a:rPr kumimoji="1" lang="zh-CN" altLang="en-US" dirty="0"/>
+              <a:t>结构</a:t>
+            </a:r>
+            <a:r>
+              <a:rPr kumimoji="1" lang="en-US" altLang="zh-CN" dirty="0"/>
+              <a:t>: </a:t>
+            </a:r>
+            <a:r>
+              <a:rPr kumimoji="1" lang="en-US" altLang="zh-CN" dirty="0" err="1"/>
+              <a:t>picname:xxxxxxxxx.jpg</a:t>
+            </a:r>
+            <a:endParaRPr kumimoji="1" lang="zh-CN" altLang="en-US" dirty="0"/>
           </a:p>
         </p:txBody>
       </p:sp>

--- a/ZSGree前后端逻辑及接口.pptx
+++ b/ZSGree前后端逻辑及接口.pptx
@@ -15366,8 +15366,16 @@
               <a:t>   </a:t>
             </a:r>
             <a:r>
+              <a:rPr kumimoji="1" lang="en-US" altLang="zh-CN" dirty="0" smtClean="0"/>
+              <a:t>pic:[</a:t>
+            </a:r>
+            <a:r>
               <a:rPr kumimoji="1" lang="en-US" altLang="zh-CN" dirty="0" err="1" smtClean="0"/>
-              <a:t>pic:xxx</a:t>
+              <a:t>xxx,xxx,xxx,xxx</a:t>
+            </a:r>
+            <a:r>
+              <a:rPr kumimoji="1" lang="en-US" altLang="zh-CN" dirty="0" smtClean="0"/>
+              <a:t>]</a:t>
             </a:r>
             <a:endParaRPr kumimoji="1" lang="zh-CN" altLang="en-US" dirty="0"/>
           </a:p>

--- a/ZSGree前后端逻辑及接口.pptx
+++ b/ZSGree前后端逻辑及接口.pptx
@@ -6372,7 +6372,7 @@
         <p:spPr>
           <a:xfrm>
             <a:off x="3678177" y="4657022"/>
-            <a:ext cx="3417898" cy="369332"/>
+            <a:ext cx="4251960" cy="369332"/>
           </a:xfrm>
           <a:prstGeom prst="rect">
             <a:avLst/>
@@ -6391,7 +6391,19 @@
             </a:r>
             <a:r>
               <a:rPr kumimoji="1" lang="en-US" altLang="zh-CN" dirty="0" smtClean="0"/>
-              <a:t>    name:</a:t>
+              <a:t>    </a:t>
+            </a:r>
+            <a:r>
+              <a:rPr kumimoji="1" lang="en-US" altLang="zh-CN" dirty="0" err="1" smtClean="0"/>
+              <a:t>product</a:t>
+            </a:r>
+            <a:r>
+              <a:rPr kumimoji="1" lang="en-US" altLang="zh-CN" dirty="0" err="1" smtClean="0"/>
+              <a:t>name</a:t>
+            </a:r>
+            <a:r>
+              <a:rPr kumimoji="1" lang="en-US" altLang="zh-CN" dirty="0" smtClean="0"/>
+              <a:t>:</a:t>
             </a:r>
             <a:r>
               <a:rPr kumimoji="1" lang="zh-CN" altLang="en-US" dirty="0" smtClean="0"/>
@@ -6418,7 +6430,7 @@
         <p:spPr>
           <a:xfrm>
             <a:off x="3678177" y="5106449"/>
-            <a:ext cx="3789957" cy="369332"/>
+            <a:ext cx="4431622" cy="369332"/>
           </a:xfrm>
           <a:prstGeom prst="rect">
             <a:avLst/>
@@ -6437,7 +6449,19 @@
             </a:r>
             <a:r>
               <a:rPr kumimoji="1" lang="en-US" altLang="zh-CN" dirty="0" smtClean="0"/>
-              <a:t>    name:</a:t>
+              <a:t>   </a:t>
+            </a:r>
+            <a:r>
+              <a:rPr kumimoji="1" lang="en-US" altLang="zh-CN" dirty="0"/>
+              <a:t> </a:t>
+            </a:r>
+            <a:r>
+              <a:rPr kumimoji="1" lang="en-US" altLang="zh-CN" dirty="0" err="1"/>
+              <a:t>productname</a:t>
+            </a:r>
+            <a:r>
+              <a:rPr kumimoji="1" lang="en-US" altLang="zh-CN" dirty="0" smtClean="0"/>
+              <a:t>:</a:t>
             </a:r>
             <a:r>
               <a:rPr kumimoji="1" lang="zh-CN" altLang="en-US" dirty="0" smtClean="0"/>
@@ -6464,7 +6488,7 @@
         <p:spPr>
           <a:xfrm>
             <a:off x="739492" y="5880237"/>
-            <a:ext cx="5609228" cy="369332"/>
+            <a:ext cx="6250429" cy="369332"/>
           </a:xfrm>
           <a:prstGeom prst="rect">
             <a:avLst/>
@@ -6483,7 +6507,15 @@
             </a:r>
             <a:r>
               <a:rPr kumimoji="1" lang="en-US" altLang="zh-CN" dirty="0" smtClean="0"/>
-              <a:t>  name:</a:t>
+              <a:t>  </a:t>
+            </a:r>
+            <a:r>
+              <a:rPr kumimoji="1" lang="en-US" altLang="zh-CN" dirty="0" err="1"/>
+              <a:t>productname</a:t>
+            </a:r>
+            <a:r>
+              <a:rPr kumimoji="1" lang="en-US" altLang="zh-CN" dirty="0" smtClean="0"/>
+              <a:t>:</a:t>
             </a:r>
             <a:r>
               <a:rPr kumimoji="1" lang="zh-CN" altLang="en-US" dirty="0" smtClean="0"/>
@@ -6526,7 +6558,7 @@
         <p:spPr>
           <a:xfrm>
             <a:off x="682853" y="6481537"/>
-            <a:ext cx="5649465" cy="369332"/>
+            <a:ext cx="6419396" cy="369332"/>
           </a:xfrm>
           <a:prstGeom prst="rect">
             <a:avLst/>
@@ -6545,7 +6577,15 @@
             </a:r>
             <a:r>
               <a:rPr kumimoji="1" lang="en-US" altLang="zh-CN" dirty="0" smtClean="0"/>
-              <a:t>  name:</a:t>
+              <a:t>  </a:t>
+            </a:r>
+            <a:r>
+              <a:rPr kumimoji="1" lang="en-US" altLang="zh-CN" dirty="0" err="1"/>
+              <a:t>productname</a:t>
+            </a:r>
+            <a:r>
+              <a:rPr kumimoji="1" lang="en-US" altLang="zh-CN" dirty="0" smtClean="0"/>
+              <a:t>:</a:t>
             </a:r>
             <a:r>
               <a:rPr kumimoji="1" lang="zh-CN" altLang="en-US" dirty="0" smtClean="0"/>
@@ -7151,7 +7191,7 @@
         </p:nvSpPr>
         <p:spPr>
           <a:xfrm>
-            <a:off x="1430091" y="3901694"/>
+            <a:off x="-91955" y="3888657"/>
             <a:ext cx="3597109" cy="369332"/>
           </a:xfrm>
           <a:prstGeom prst="rect">
@@ -7201,7 +7241,7 @@
         </p:nvSpPr>
         <p:spPr>
           <a:xfrm>
-            <a:off x="2140554" y="5009690"/>
+            <a:off x="2379387" y="5393842"/>
             <a:ext cx="3173540" cy="369332"/>
           </a:xfrm>
           <a:prstGeom prst="rect">
@@ -7247,7 +7287,7 @@
         </p:nvSpPr>
         <p:spPr>
           <a:xfrm>
-            <a:off x="1430091" y="4640358"/>
+            <a:off x="1463984" y="4612413"/>
             <a:ext cx="6162414" cy="369332"/>
           </a:xfrm>
           <a:prstGeom prst="rect">
@@ -7313,7 +7353,7 @@
         </p:nvSpPr>
         <p:spPr>
           <a:xfrm>
-            <a:off x="2140554" y="5784464"/>
+            <a:off x="2379387" y="6500434"/>
             <a:ext cx="3173540" cy="369332"/>
           </a:xfrm>
           <a:prstGeom prst="rect">
@@ -7359,7 +7399,7 @@
         </p:nvSpPr>
         <p:spPr>
           <a:xfrm>
-            <a:off x="1430091" y="5415132"/>
+            <a:off x="1463984" y="5799284"/>
             <a:ext cx="6098845" cy="369332"/>
           </a:xfrm>
           <a:prstGeom prst="rect">
@@ -7418,6 +7458,233 @@
               <a:t>3  </a:t>
             </a:r>
             <a:endParaRPr kumimoji="1" lang="zh-CN" altLang="en-US" dirty="0"/>
+          </a:p>
+        </p:txBody>
+      </p:sp>
+      <p:sp>
+        <p:nvSpPr>
+          <p:cNvPr id="11" name="矩形 10"/>
+          <p:cNvSpPr/>
+          <p:nvPr/>
+        </p:nvSpPr>
+        <p:spPr>
+          <a:xfrm>
+            <a:off x="3505153" y="3875620"/>
+            <a:ext cx="6471160" cy="369332"/>
+          </a:xfrm>
+          <a:prstGeom prst="rect">
+            <a:avLst/>
+          </a:prstGeom>
+        </p:spPr>
+        <p:txBody>
+          <a:bodyPr wrap="square">
+            <a:spAutoFit/>
+          </a:bodyPr>
+          <a:lstStyle/>
+          <a:p>
+            <a:r>
+              <a:rPr kumimoji="1" lang="en-US" altLang="zh-CN" dirty="0" err="1"/>
+              <a:t>classone</a:t>
+            </a:r>
+            <a:r>
+              <a:rPr kumimoji="1" lang="en-US" altLang="zh-CN" dirty="0"/>
+              <a:t>:</a:t>
+            </a:r>
+            <a:r>
+              <a:rPr kumimoji="1" lang="zh-CN" altLang="en-US" dirty="0"/>
+              <a:t>冰箱</a:t>
+            </a:r>
+            <a:r>
+              <a:rPr kumimoji="1" lang="en-US" altLang="zh-CN" dirty="0"/>
+              <a:t> </a:t>
+            </a:r>
+            <a:r>
+              <a:rPr kumimoji="1" lang="en-US" altLang="zh-CN" dirty="0" err="1"/>
+              <a:t>classtwo</a:t>
+            </a:r>
+            <a:r>
+              <a:rPr kumimoji="1" lang="en-US" altLang="zh-CN" dirty="0"/>
+              <a:t>:</a:t>
+            </a:r>
+            <a:r>
+              <a:rPr kumimoji="1" lang="zh-CN" altLang="en-US" dirty="0"/>
+              <a:t>三门</a:t>
+            </a:r>
+            <a:r>
+              <a:rPr kumimoji="1" lang="en-US" altLang="zh-CN" dirty="0"/>
+              <a:t> </a:t>
+            </a:r>
+            <a:r>
+              <a:rPr kumimoji="1" lang="en-US" altLang="zh-CN" dirty="0" err="1"/>
+              <a:t>product</a:t>
+            </a:r>
+            <a:r>
+              <a:rPr kumimoji="1" lang="en-US" altLang="zh-CN" dirty="0" err="1" smtClean="0"/>
+              <a:t>name</a:t>
+            </a:r>
+            <a:r>
+              <a:rPr kumimoji="1" lang="en-US" altLang="zh-CN" dirty="0"/>
+              <a:t>:</a:t>
+            </a:r>
+            <a:r>
+              <a:rPr kumimoji="1" lang="zh-CN" altLang="en-US" dirty="0" smtClean="0"/>
+              <a:t>系列</a:t>
+            </a:r>
+            <a:r>
+              <a:rPr kumimoji="1" lang="en-US" altLang="zh-CN" dirty="0" smtClean="0"/>
+              <a:t>_</a:t>
+            </a:r>
+            <a:r>
+              <a:rPr kumimoji="1" lang="zh-CN" altLang="en-US" dirty="0" smtClean="0"/>
+              <a:t>型号</a:t>
+            </a:r>
+            <a:endParaRPr kumimoji="1" lang="en-US" altLang="zh-CN" dirty="0"/>
+          </a:p>
+        </p:txBody>
+      </p:sp>
+      <p:sp>
+        <p:nvSpPr>
+          <p:cNvPr id="12" name="矩形 11"/>
+          <p:cNvSpPr/>
+          <p:nvPr/>
+        </p:nvSpPr>
+        <p:spPr>
+          <a:xfrm>
+            <a:off x="1668924" y="5000583"/>
+            <a:ext cx="5235132" cy="369332"/>
+          </a:xfrm>
+          <a:prstGeom prst="rect">
+            <a:avLst/>
+          </a:prstGeom>
+        </p:spPr>
+        <p:txBody>
+          <a:bodyPr wrap="square">
+            <a:spAutoFit/>
+          </a:bodyPr>
+          <a:lstStyle/>
+          <a:p>
+            <a:r>
+              <a:rPr kumimoji="1" lang="en-US" altLang="zh-CN" dirty="0" err="1"/>
+              <a:t>classone</a:t>
+            </a:r>
+            <a:r>
+              <a:rPr kumimoji="1" lang="en-US" altLang="zh-CN" dirty="0"/>
+              <a:t>:</a:t>
+            </a:r>
+            <a:r>
+              <a:rPr kumimoji="1" lang="zh-CN" altLang="en-US" dirty="0"/>
+              <a:t>冰箱</a:t>
+            </a:r>
+            <a:r>
+              <a:rPr kumimoji="1" lang="en-US" altLang="zh-CN" dirty="0"/>
+              <a:t> </a:t>
+            </a:r>
+            <a:r>
+              <a:rPr kumimoji="1" lang="en-US" altLang="zh-CN" dirty="0" err="1"/>
+              <a:t>classtwo</a:t>
+            </a:r>
+            <a:r>
+              <a:rPr kumimoji="1" lang="en-US" altLang="zh-CN" dirty="0"/>
+              <a:t>:</a:t>
+            </a:r>
+            <a:r>
+              <a:rPr kumimoji="1" lang="zh-CN" altLang="en-US" dirty="0"/>
+              <a:t>三门</a:t>
+            </a:r>
+            <a:r>
+              <a:rPr kumimoji="1" lang="en-US" altLang="zh-CN" dirty="0"/>
+              <a:t> </a:t>
+            </a:r>
+            <a:r>
+              <a:rPr kumimoji="1" lang="en-US" altLang="zh-CN" dirty="0"/>
+              <a:t>name:</a:t>
+            </a:r>
+            <a:r>
+              <a:rPr kumimoji="1" lang="zh-CN" altLang="en-US" dirty="0"/>
+              <a:t>系列</a:t>
+            </a:r>
+            <a:r>
+              <a:rPr kumimoji="1" lang="en-US" altLang="zh-CN" dirty="0" smtClean="0"/>
+              <a:t>_</a:t>
+            </a:r>
+            <a:r>
+              <a:rPr kumimoji="1" lang="zh-CN" altLang="en-US" dirty="0" smtClean="0"/>
+              <a:t>型号</a:t>
+            </a:r>
+            <a:endParaRPr kumimoji="1" lang="en-US" altLang="zh-CN" dirty="0"/>
+          </a:p>
+        </p:txBody>
+      </p:sp>
+      <p:sp>
+        <p:nvSpPr>
+          <p:cNvPr id="13" name="矩形 12"/>
+          <p:cNvSpPr/>
+          <p:nvPr/>
+        </p:nvSpPr>
+        <p:spPr>
+          <a:xfrm>
+            <a:off x="1668924" y="6184178"/>
+            <a:ext cx="5235132" cy="369332"/>
+          </a:xfrm>
+          <a:prstGeom prst="rect">
+            <a:avLst/>
+          </a:prstGeom>
+        </p:spPr>
+        <p:txBody>
+          <a:bodyPr wrap="square">
+            <a:spAutoFit/>
+          </a:bodyPr>
+          <a:lstStyle/>
+          <a:p>
+            <a:r>
+              <a:rPr kumimoji="1" lang="en-US" altLang="zh-CN" dirty="0" err="1"/>
+              <a:t>classone</a:t>
+            </a:r>
+            <a:r>
+              <a:rPr kumimoji="1" lang="en-US" altLang="zh-CN" dirty="0"/>
+              <a:t>:</a:t>
+            </a:r>
+            <a:r>
+              <a:rPr kumimoji="1" lang="zh-CN" altLang="en-US" dirty="0"/>
+              <a:t>冰箱</a:t>
+            </a:r>
+            <a:r>
+              <a:rPr kumimoji="1" lang="en-US" altLang="zh-CN" dirty="0"/>
+              <a:t> </a:t>
+            </a:r>
+            <a:r>
+              <a:rPr kumimoji="1" lang="en-US" altLang="zh-CN" dirty="0" err="1"/>
+              <a:t>classtwo</a:t>
+            </a:r>
+            <a:r>
+              <a:rPr kumimoji="1" lang="en-US" altLang="zh-CN" dirty="0"/>
+              <a:t>:</a:t>
+            </a:r>
+            <a:r>
+              <a:rPr kumimoji="1" lang="zh-CN" altLang="en-US" dirty="0"/>
+              <a:t>三门</a:t>
+            </a:r>
+            <a:r>
+              <a:rPr kumimoji="1" lang="en-US" altLang="zh-CN" dirty="0"/>
+              <a:t> </a:t>
+            </a:r>
+            <a:r>
+              <a:rPr kumimoji="1" lang="en-US" altLang="zh-CN" dirty="0"/>
+              <a:t>name:</a:t>
+            </a:r>
+            <a:r>
+              <a:rPr kumimoji="1" lang="zh-CN" altLang="en-US" dirty="0"/>
+              <a:t>系列</a:t>
+            </a:r>
+            <a:r>
+              <a:rPr kumimoji="1" lang="en-US" altLang="zh-CN" dirty="0" smtClean="0"/>
+              <a:t>_</a:t>
+            </a:r>
+            <a:r>
+              <a:rPr kumimoji="1" lang="zh-CN" altLang="en-US" dirty="0" smtClean="0"/>
+              <a:t>型号</a:t>
+            </a:r>
+            <a:endParaRPr kumimoji="1" lang="en-US" altLang="zh-CN" dirty="0"/>
           </a:p>
         </p:txBody>
       </p:sp>
@@ -7939,7 +8206,7 @@
         </p:nvSpPr>
         <p:spPr>
           <a:xfrm>
-            <a:off x="2688571" y="2185407"/>
+            <a:off x="2688571" y="2528667"/>
             <a:ext cx="3237560" cy="369332"/>
           </a:xfrm>
           <a:prstGeom prst="rect">
@@ -7977,7 +8244,7 @@
         </p:nvSpPr>
         <p:spPr>
           <a:xfrm>
-            <a:off x="2688571" y="2698422"/>
+            <a:off x="2688571" y="3041682"/>
             <a:ext cx="3173540" cy="369332"/>
           </a:xfrm>
           <a:prstGeom prst="rect">
@@ -8061,7 +8328,7 @@
         </p:nvSpPr>
         <p:spPr>
           <a:xfrm>
-            <a:off x="3348987" y="3927756"/>
+            <a:off x="3348987" y="4421542"/>
             <a:ext cx="1467206" cy="369332"/>
           </a:xfrm>
           <a:prstGeom prst="rect">
@@ -8095,7 +8362,7 @@
         </p:nvSpPr>
         <p:spPr>
           <a:xfrm>
-            <a:off x="2317910" y="4429806"/>
+            <a:off x="2317910" y="4923592"/>
             <a:ext cx="4007264" cy="369332"/>
           </a:xfrm>
           <a:prstGeom prst="rect">
@@ -8130,6 +8397,152 @@
               <a:t>picname:xxxxxxxxx.jpg</a:t>
             </a:r>
             <a:endParaRPr kumimoji="1" lang="zh-CN" altLang="en-US" dirty="0"/>
+          </a:p>
+        </p:txBody>
+      </p:sp>
+      <p:sp>
+        <p:nvSpPr>
+          <p:cNvPr id="9" name="矩形 8"/>
+          <p:cNvSpPr/>
+          <p:nvPr/>
+        </p:nvSpPr>
+        <p:spPr>
+          <a:xfrm>
+            <a:off x="1771890" y="2125474"/>
+            <a:ext cx="5235132" cy="369332"/>
+          </a:xfrm>
+          <a:prstGeom prst="rect">
+            <a:avLst/>
+          </a:prstGeom>
+        </p:spPr>
+        <p:txBody>
+          <a:bodyPr wrap="square">
+            <a:spAutoFit/>
+          </a:bodyPr>
+          <a:lstStyle/>
+          <a:p>
+            <a:r>
+              <a:rPr kumimoji="1" lang="en-US" altLang="zh-CN" dirty="0" err="1"/>
+              <a:t>classone</a:t>
+            </a:r>
+            <a:r>
+              <a:rPr kumimoji="1" lang="en-US" altLang="zh-CN" dirty="0"/>
+              <a:t>:</a:t>
+            </a:r>
+            <a:r>
+              <a:rPr kumimoji="1" lang="zh-CN" altLang="en-US" dirty="0"/>
+              <a:t>冰箱</a:t>
+            </a:r>
+            <a:r>
+              <a:rPr kumimoji="1" lang="en-US" altLang="zh-CN" dirty="0"/>
+              <a:t> </a:t>
+            </a:r>
+            <a:r>
+              <a:rPr kumimoji="1" lang="en-US" altLang="zh-CN" dirty="0" err="1"/>
+              <a:t>classtwo</a:t>
+            </a:r>
+            <a:r>
+              <a:rPr kumimoji="1" lang="en-US" altLang="zh-CN" dirty="0"/>
+              <a:t>:</a:t>
+            </a:r>
+            <a:r>
+              <a:rPr kumimoji="1" lang="zh-CN" altLang="en-US" dirty="0"/>
+              <a:t>三门</a:t>
+            </a:r>
+            <a:r>
+              <a:rPr kumimoji="1" lang="en-US" altLang="zh-CN" dirty="0"/>
+              <a:t> </a:t>
+            </a:r>
+            <a:r>
+              <a:rPr kumimoji="1" lang="en-US" altLang="zh-CN" dirty="0"/>
+              <a:t>name:</a:t>
+            </a:r>
+            <a:r>
+              <a:rPr kumimoji="1" lang="zh-CN" altLang="en-US" dirty="0"/>
+              <a:t>系列</a:t>
+            </a:r>
+            <a:r>
+              <a:rPr kumimoji="1" lang="en-US" altLang="zh-CN" dirty="0" smtClean="0"/>
+              <a:t>_</a:t>
+            </a:r>
+            <a:r>
+              <a:rPr kumimoji="1" lang="zh-CN" altLang="en-US" dirty="0" smtClean="0"/>
+              <a:t>型号</a:t>
+            </a:r>
+            <a:endParaRPr kumimoji="1" lang="en-US" altLang="zh-CN" dirty="0"/>
+          </a:p>
+        </p:txBody>
+      </p:sp>
+      <p:sp>
+        <p:nvSpPr>
+          <p:cNvPr id="10" name="矩形 9"/>
+          <p:cNvSpPr/>
+          <p:nvPr/>
+        </p:nvSpPr>
+        <p:spPr>
+          <a:xfrm>
+            <a:off x="1668924" y="4041233"/>
+            <a:ext cx="5235132" cy="369332"/>
+          </a:xfrm>
+          <a:prstGeom prst="rect">
+            <a:avLst/>
+          </a:prstGeom>
+        </p:spPr>
+        <p:txBody>
+          <a:bodyPr wrap="square">
+            <a:spAutoFit/>
+          </a:bodyPr>
+          <a:lstStyle/>
+          <a:p>
+            <a:r>
+              <a:rPr kumimoji="1" lang="en-US" altLang="zh-CN" dirty="0" err="1"/>
+              <a:t>classone</a:t>
+            </a:r>
+            <a:r>
+              <a:rPr kumimoji="1" lang="en-US" altLang="zh-CN" dirty="0"/>
+              <a:t>:</a:t>
+            </a:r>
+            <a:r>
+              <a:rPr kumimoji="1" lang="zh-CN" altLang="en-US" dirty="0"/>
+              <a:t>冰箱</a:t>
+            </a:r>
+            <a:r>
+              <a:rPr kumimoji="1" lang="en-US" altLang="zh-CN" dirty="0"/>
+              <a:t> </a:t>
+            </a:r>
+            <a:r>
+              <a:rPr kumimoji="1" lang="en-US" altLang="zh-CN" dirty="0" err="1"/>
+              <a:t>classtwo</a:t>
+            </a:r>
+            <a:r>
+              <a:rPr kumimoji="1" lang="en-US" altLang="zh-CN" dirty="0"/>
+              <a:t>:</a:t>
+            </a:r>
+            <a:r>
+              <a:rPr kumimoji="1" lang="zh-CN" altLang="en-US" dirty="0"/>
+              <a:t>三门</a:t>
+            </a:r>
+            <a:r>
+              <a:rPr kumimoji="1" lang="en-US" altLang="zh-CN" dirty="0"/>
+              <a:t> </a:t>
+            </a:r>
+            <a:r>
+              <a:rPr kumimoji="1" lang="en-US" altLang="zh-CN" dirty="0"/>
+              <a:t>name:</a:t>
+            </a:r>
+            <a:r>
+              <a:rPr kumimoji="1" lang="zh-CN" altLang="en-US" dirty="0"/>
+              <a:t>系列</a:t>
+            </a:r>
+            <a:r>
+              <a:rPr kumimoji="1" lang="en-US" altLang="zh-CN" dirty="0" smtClean="0"/>
+              <a:t>_</a:t>
+            </a:r>
+            <a:r>
+              <a:rPr kumimoji="1" lang="zh-CN" altLang="en-US" dirty="0" smtClean="0"/>
+              <a:t>型号</a:t>
+            </a:r>
+            <a:endParaRPr kumimoji="1" lang="en-US" altLang="zh-CN" dirty="0"/>
           </a:p>
         </p:txBody>
       </p:sp>

--- a/ZSGree前后端逻辑及接口.pptx
+++ b/ZSGree前后端逻辑及接口.pptx
@@ -338,7 +338,7 @@
           <a:p>
             <a:fld id="{C8A432C8-69A7-458B-9684-2BFA64B31948}" type="datetime2">
               <a:rPr lang="en-US" smtClean="0"/>
-              <a:t>2015年5月27日星期三</a:t>
+              <a:t>2015年5月28日星期四</a:t>
             </a:fld>
             <a:endParaRPr lang="en-US"/>
           </a:p>
@@ -540,7 +540,7 @@
           <a:p>
             <a:fld id="{8CC057FC-95B6-4D89-AFDA-ABA33EE921E5}" type="datetime2">
               <a:rPr lang="en-US" smtClean="0"/>
-              <a:t>2015年5月27日星期三</a:t>
+              <a:t>2015年5月28日星期四</a:t>
             </a:fld>
             <a:endParaRPr lang="en-US"/>
           </a:p>
@@ -717,7 +717,7 @@
           <a:p>
             <a:fld id="{EC4549AC-EB31-477F-92A9-B1988E232878}" type="datetime2">
               <a:rPr lang="en-US" smtClean="0"/>
-              <a:t>2015年5月27日星期三</a:t>
+              <a:t>2015年5月28日星期四</a:t>
             </a:fld>
             <a:endParaRPr lang="en-US"/>
           </a:p>
@@ -884,7 +884,7 @@
           <a:p>
             <a:fld id="{6396A3A3-94A6-4E5B-AF39-173ACA3E61CC}" type="datetime2">
               <a:rPr lang="en-US" smtClean="0"/>
-              <a:t>2015年5月27日星期三</a:t>
+              <a:t>2015年5月28日星期四</a:t>
             </a:fld>
             <a:endParaRPr lang="en-US"/>
           </a:p>
@@ -1134,7 +1134,7 @@
           <a:p>
             <a:fld id="{9933D019-A32C-4EAD-B8E6-DBDA699692FD}" type="datetime2">
               <a:rPr lang="en-US" smtClean="0"/>
-              <a:t>2015年5月27日星期三</a:t>
+              <a:t>2015年5月28日星期四</a:t>
             </a:fld>
             <a:endParaRPr lang="en-US"/>
           </a:p>
@@ -1454,7 +1454,7 @@
           <a:p>
             <a:fld id="{CCEBA98F-560C-4997-81C4-81D4D9187EAB}" type="datetime2">
               <a:rPr lang="en-US" smtClean="0"/>
-              <a:t>2015年5月27日星期三</a:t>
+              <a:t>2015年5月28日星期四</a:t>
             </a:fld>
             <a:endParaRPr lang="en-US"/>
           </a:p>
@@ -1922,7 +1922,7 @@
           <a:p>
             <a:fld id="{150972B2-CA5C-437D-87D0-8081271A9E4B}" type="datetime2">
               <a:rPr lang="en-US" smtClean="0"/>
-              <a:t>2015年5月27日星期三</a:t>
+              <a:t>2015年5月28日星期四</a:t>
             </a:fld>
             <a:endParaRPr lang="en-US"/>
           </a:p>
@@ -2072,7 +2072,7 @@
           <a:p>
             <a:fld id="{79CD4847-11EF-4466-A8AD-85CDB7B49118}" type="datetime2">
               <a:rPr lang="en-US" smtClean="0"/>
-              <a:t>2015年5月27日星期三</a:t>
+              <a:t>2015年5月28日星期四</a:t>
             </a:fld>
             <a:endParaRPr lang="en-US"/>
           </a:p>
@@ -2164,7 +2164,7 @@
           <a:p>
             <a:fld id="{F168457A-3AB9-4880-8A0C-9F8524491207}" type="datetime2">
               <a:rPr lang="en-US" smtClean="0"/>
-              <a:t>2015年5月27日星期三</a:t>
+              <a:t>2015年5月28日星期四</a:t>
             </a:fld>
             <a:endParaRPr lang="en-US"/>
           </a:p>
@@ -2440,7 +2440,7 @@
           <a:p>
             <a:fld id="{3FE976D3-5B7F-4300-ABED-C91F1B2AE209}" type="datetime2">
               <a:rPr lang="en-US" smtClean="0"/>
-              <a:t>2015年5月27日星期三</a:t>
+              <a:t>2015年5月28日星期四</a:t>
             </a:fld>
             <a:endParaRPr lang="en-US"/>
           </a:p>
@@ -2747,7 +2747,7 @@
           <a:p>
             <a:fld id="{EBDC1E59-17DD-41CE-97CA-624A472382D4}" type="datetime2">
               <a:rPr lang="en-US" smtClean="0"/>
-              <a:t>2015年5月27日星期三</a:t>
+              <a:t>2015年5月28日星期四</a:t>
             </a:fld>
             <a:endParaRPr lang="en-US"/>
           </a:p>
@@ -3047,7 +3047,7 @@
           <a:p>
             <a:fld id="{A80CB818-7379-467D-8E76-EF9D9074A26C}" type="datetime2">
               <a:rPr lang="en-US" smtClean="0"/>
-              <a:t>2015年5月27日星期三</a:t>
+              <a:t>2015年5月28日星期四</a:t>
             </a:fld>
             <a:endParaRPr lang="en-US" dirty="0"/>
           </a:p>
@@ -6395,11 +6395,7 @@
             </a:r>
             <a:r>
               <a:rPr kumimoji="1" lang="en-US" altLang="zh-CN" dirty="0" err="1" smtClean="0"/>
-              <a:t>product</a:t>
-            </a:r>
-            <a:r>
-              <a:rPr kumimoji="1" lang="en-US" altLang="zh-CN" dirty="0" err="1" smtClean="0"/>
-              <a:t>name</a:t>
+              <a:t>productname</a:t>
             </a:r>
             <a:r>
               <a:rPr kumimoji="1" lang="en-US" altLang="zh-CN" dirty="0" smtClean="0"/>
@@ -7551,7 +7547,7 @@
         <p:spPr>
           <a:xfrm>
             <a:off x="1668924" y="5000583"/>
-            <a:ext cx="5235132" cy="369332"/>
+            <a:ext cx="6774332" cy="369332"/>
           </a:xfrm>
           <a:prstGeom prst="rect">
             <a:avLst/>
@@ -7596,8 +7592,12 @@
               <a:t> </a:t>
             </a:r>
             <a:r>
+              <a:rPr kumimoji="1" lang="en-US" altLang="zh-CN" dirty="0" err="1"/>
+              <a:t>productname</a:t>
+            </a:r>
+            <a:r>
               <a:rPr kumimoji="1" lang="en-US" altLang="zh-CN" dirty="0"/>
-              <a:t>name:</a:t>
+              <a:t>:</a:t>
             </a:r>
             <a:r>
               <a:rPr kumimoji="1" lang="zh-CN" altLang="en-US" dirty="0"/>
@@ -7623,8 +7623,8 @@
         </p:nvSpPr>
         <p:spPr>
           <a:xfrm>
-            <a:off x="1668924" y="6184178"/>
-            <a:ext cx="5235132" cy="369332"/>
+            <a:off x="1668923" y="6184178"/>
+            <a:ext cx="6637043" cy="369332"/>
           </a:xfrm>
           <a:prstGeom prst="rect">
             <a:avLst/>
@@ -7669,8 +7669,12 @@
               <a:t> </a:t>
             </a:r>
             <a:r>
+              <a:rPr kumimoji="1" lang="en-US" altLang="zh-CN" dirty="0" err="1"/>
+              <a:t>productname</a:t>
+            </a:r>
+            <a:r>
               <a:rPr kumimoji="1" lang="en-US" altLang="zh-CN" dirty="0"/>
-              <a:t>name:</a:t>
+              <a:t>:</a:t>
             </a:r>
             <a:r>
               <a:rPr kumimoji="1" lang="zh-CN" altLang="en-US" dirty="0"/>
@@ -8451,11 +8455,7 @@
             </a:r>
             <a:r>
               <a:rPr kumimoji="1" lang="en-US" altLang="zh-CN" dirty="0"/>
-              <a:t> </a:t>
-            </a:r>
-            <a:r>
-              <a:rPr kumimoji="1" lang="en-US" altLang="zh-CN" dirty="0"/>
-              <a:t>name:</a:t>
+              <a:t> name:</a:t>
             </a:r>
             <a:r>
               <a:rPr kumimoji="1" lang="zh-CN" altLang="en-US" dirty="0"/>
@@ -8524,11 +8524,7 @@
             </a:r>
             <a:r>
               <a:rPr kumimoji="1" lang="en-US" altLang="zh-CN" dirty="0"/>
-              <a:t> </a:t>
-            </a:r>
-            <a:r>
-              <a:rPr kumimoji="1" lang="en-US" altLang="zh-CN" dirty="0"/>
-              <a:t>name:</a:t>
+              <a:t> name:</a:t>
             </a:r>
             <a:r>
               <a:rPr kumimoji="1" lang="zh-CN" altLang="en-US" dirty="0"/>
@@ -11102,15 +11098,7 @@
           <a:p>
             <a:r>
               <a:rPr lang="en-US" altLang="zh-CN" dirty="0" smtClean="0"/>
-              <a:t>news</a:t>
-            </a:r>
-            <a:r>
-              <a:rPr lang="en-US" altLang="zh-CN" dirty="0" smtClean="0"/>
-              <a:t>: </a:t>
-            </a:r>
-            <a:r>
-              <a:rPr lang="en-US" altLang="zh-CN" dirty="0" smtClean="0"/>
-              <a:t>[title#</a:t>
+              <a:t>news: [title#</a:t>
             </a:r>
             <a:r>
               <a:rPr lang="zh-CN" altLang="en-US" dirty="0" smtClean="0"/>
@@ -12207,15 +12195,7 @@
             </a:r>
             <a:r>
               <a:rPr kumimoji="1" lang="en-US" altLang="zh-CN" dirty="0" err="1" smtClean="0"/>
-              <a:t>save</a:t>
-            </a:r>
-            <a:r>
-              <a:rPr kumimoji="1" lang="en-US" altLang="zh-CN" dirty="0" err="1" smtClean="0"/>
-              <a:t>News</a:t>
-            </a:r>
-            <a:r>
-              <a:rPr kumimoji="1" lang="en-US" altLang="zh-CN" dirty="0" err="1" smtClean="0"/>
-              <a:t>Pic</a:t>
+              <a:t>saveNewsPic</a:t>
             </a:r>
             <a:endParaRPr kumimoji="1" lang="zh-CN" altLang="en-US" dirty="0"/>
           </a:p>
@@ -15776,11 +15756,7 @@
             </a:r>
             <a:r>
               <a:rPr kumimoji="1" lang="en-US" altLang="zh-CN" dirty="0" smtClean="0"/>
-              <a:t>   </a:t>
-            </a:r>
-            <a:r>
-              <a:rPr kumimoji="1" lang="en-US" altLang="zh-CN" dirty="0" smtClean="0"/>
-              <a:t>pic:[</a:t>
+              <a:t>   pic:[</a:t>
             </a:r>
             <a:r>
               <a:rPr kumimoji="1" lang="en-US" altLang="zh-CN" dirty="0" err="1" smtClean="0"/>

--- a/ZSGree前后端逻辑及接口.pptx
+++ b/ZSGree前后端逻辑及接口.pptx
@@ -7915,7 +7915,7 @@
         <p:spPr>
           <a:xfrm>
             <a:off x="3761359" y="4938620"/>
-            <a:ext cx="3804842" cy="369332"/>
+            <a:ext cx="4638905" cy="369332"/>
           </a:xfrm>
           <a:prstGeom prst="rect">
             <a:avLst/>
@@ -7929,8 +7929,16 @@
           <a:lstStyle/>
           <a:p>
             <a:r>
-              <a:rPr kumimoji="1" lang="en-US" altLang="zh-CN" dirty="0" smtClean="0"/>
-              <a:t>name:</a:t>
+              <a:rPr kumimoji="1" lang="en-US" altLang="zh-CN" dirty="0" err="1" smtClean="0"/>
+              <a:t>product</a:t>
+            </a:r>
+            <a:r>
+              <a:rPr kumimoji="1" lang="en-US" altLang="zh-CN" dirty="0" err="1" smtClean="0"/>
+              <a:t>name</a:t>
+            </a:r>
+            <a:r>
+              <a:rPr kumimoji="1" lang="en-US" altLang="zh-CN" dirty="0" smtClean="0"/>
+              <a:t>:</a:t>
             </a:r>
             <a:r>
               <a:rPr kumimoji="1" lang="zh-CN" altLang="en-US" dirty="0" smtClean="0"/>

--- a/ZSGree前后端逻辑及接口.pptx
+++ b/ZSGree前后端逻辑及接口.pptx
@@ -7930,11 +7930,7 @@
           <a:p>
             <a:r>
               <a:rPr kumimoji="1" lang="en-US" altLang="zh-CN" dirty="0" err="1" smtClean="0"/>
-              <a:t>product</a:t>
-            </a:r>
-            <a:r>
-              <a:rPr kumimoji="1" lang="en-US" altLang="zh-CN" dirty="0" err="1" smtClean="0"/>
-              <a:t>name</a:t>
+              <a:t>productname</a:t>
             </a:r>
             <a:r>
               <a:rPr kumimoji="1" lang="en-US" altLang="zh-CN" dirty="0" smtClean="0"/>
@@ -8421,7 +8417,7 @@
         <p:spPr>
           <a:xfrm>
             <a:off x="1771890" y="2125474"/>
-            <a:ext cx="5235132" cy="369332"/>
+            <a:ext cx="6076448" cy="369332"/>
           </a:xfrm>
           <a:prstGeom prst="rect">
             <a:avLst/>
@@ -8463,7 +8459,15 @@
             </a:r>
             <a:r>
               <a:rPr kumimoji="1" lang="en-US" altLang="zh-CN" dirty="0"/>
-              <a:t> name:</a:t>
+              <a:t> </a:t>
+            </a:r>
+            <a:r>
+              <a:rPr kumimoji="1" lang="en-US" altLang="zh-CN" dirty="0" err="1"/>
+              <a:t>productname</a:t>
+            </a:r>
+            <a:r>
+              <a:rPr kumimoji="1" lang="en-US" altLang="zh-CN" dirty="0"/>
+              <a:t>:</a:t>
             </a:r>
             <a:r>
               <a:rPr kumimoji="1" lang="zh-CN" altLang="en-US" dirty="0"/>
@@ -8490,7 +8494,7 @@
         <p:spPr>
           <a:xfrm>
             <a:off x="1668924" y="4041233"/>
-            <a:ext cx="5235132" cy="369332"/>
+            <a:ext cx="6030684" cy="369332"/>
           </a:xfrm>
           <a:prstGeom prst="rect">
             <a:avLst/>
@@ -8532,7 +8536,15 @@
             </a:r>
             <a:r>
               <a:rPr kumimoji="1" lang="en-US" altLang="zh-CN" dirty="0"/>
-              <a:t> name:</a:t>
+              <a:t> </a:t>
+            </a:r>
+            <a:r>
+              <a:rPr kumimoji="1" lang="en-US" altLang="zh-CN" dirty="0" err="1"/>
+              <a:t>productname</a:t>
+            </a:r>
+            <a:r>
+              <a:rPr kumimoji="1" lang="en-US" altLang="zh-CN" dirty="0"/>
+              <a:t>:</a:t>
             </a:r>
             <a:r>
               <a:rPr kumimoji="1" lang="zh-CN" altLang="en-US" dirty="0"/>

--- a/ZSGree前后端逻辑及接口.pptx
+++ b/ZSGree前后端逻辑及接口.pptx
@@ -338,7 +338,7 @@
           <a:p>
             <a:fld id="{C8A432C8-69A7-458B-9684-2BFA64B31948}" type="datetime2">
               <a:rPr lang="en-US" smtClean="0"/>
-              <a:t>2015年5月28日星期四</a:t>
+              <a:t>Friday, May 29, 2015</a:t>
             </a:fld>
             <a:endParaRPr lang="en-US"/>
           </a:p>
@@ -540,7 +540,7 @@
           <a:p>
             <a:fld id="{8CC057FC-95B6-4D89-AFDA-ABA33EE921E5}" type="datetime2">
               <a:rPr lang="en-US" smtClean="0"/>
-              <a:t>2015年5月28日星期四</a:t>
+              <a:t>Friday, May 29, 2015</a:t>
             </a:fld>
             <a:endParaRPr lang="en-US"/>
           </a:p>
@@ -717,7 +717,7 @@
           <a:p>
             <a:fld id="{EC4549AC-EB31-477F-92A9-B1988E232878}" type="datetime2">
               <a:rPr lang="en-US" smtClean="0"/>
-              <a:t>2015年5月28日星期四</a:t>
+              <a:t>Friday, May 29, 2015</a:t>
             </a:fld>
             <a:endParaRPr lang="en-US"/>
           </a:p>
@@ -884,7 +884,7 @@
           <a:p>
             <a:fld id="{6396A3A3-94A6-4E5B-AF39-173ACA3E61CC}" type="datetime2">
               <a:rPr lang="en-US" smtClean="0"/>
-              <a:t>2015年5月28日星期四</a:t>
+              <a:t>Friday, May 29, 2015</a:t>
             </a:fld>
             <a:endParaRPr lang="en-US"/>
           </a:p>
@@ -1134,7 +1134,7 @@
           <a:p>
             <a:fld id="{9933D019-A32C-4EAD-B8E6-DBDA699692FD}" type="datetime2">
               <a:rPr lang="en-US" smtClean="0"/>
-              <a:t>2015年5月28日星期四</a:t>
+              <a:t>Friday, May 29, 2015</a:t>
             </a:fld>
             <a:endParaRPr lang="en-US"/>
           </a:p>
@@ -1454,7 +1454,7 @@
           <a:p>
             <a:fld id="{CCEBA98F-560C-4997-81C4-81D4D9187EAB}" type="datetime2">
               <a:rPr lang="en-US" smtClean="0"/>
-              <a:t>2015年5月28日星期四</a:t>
+              <a:t>Friday, May 29, 2015</a:t>
             </a:fld>
             <a:endParaRPr lang="en-US"/>
           </a:p>
@@ -1922,7 +1922,7 @@
           <a:p>
             <a:fld id="{150972B2-CA5C-437D-87D0-8081271A9E4B}" type="datetime2">
               <a:rPr lang="en-US" smtClean="0"/>
-              <a:t>2015年5月28日星期四</a:t>
+              <a:t>Friday, May 29, 2015</a:t>
             </a:fld>
             <a:endParaRPr lang="en-US"/>
           </a:p>
@@ -2072,7 +2072,7 @@
           <a:p>
             <a:fld id="{79CD4847-11EF-4466-A8AD-85CDB7B49118}" type="datetime2">
               <a:rPr lang="en-US" smtClean="0"/>
-              <a:t>2015年5月28日星期四</a:t>
+              <a:t>Friday, May 29, 2015</a:t>
             </a:fld>
             <a:endParaRPr lang="en-US"/>
           </a:p>
@@ -2164,7 +2164,7 @@
           <a:p>
             <a:fld id="{F168457A-3AB9-4880-8A0C-9F8524491207}" type="datetime2">
               <a:rPr lang="en-US" smtClean="0"/>
-              <a:t>2015年5月28日星期四</a:t>
+              <a:t>Friday, May 29, 2015</a:t>
             </a:fld>
             <a:endParaRPr lang="en-US"/>
           </a:p>
@@ -2440,7 +2440,7 @@
           <a:p>
             <a:fld id="{3FE976D3-5B7F-4300-ABED-C91F1B2AE209}" type="datetime2">
               <a:rPr lang="en-US" smtClean="0"/>
-              <a:t>2015年5月28日星期四</a:t>
+              <a:t>Friday, May 29, 2015</a:t>
             </a:fld>
             <a:endParaRPr lang="en-US"/>
           </a:p>
@@ -2747,7 +2747,7 @@
           <a:p>
             <a:fld id="{EBDC1E59-17DD-41CE-97CA-624A472382D4}" type="datetime2">
               <a:rPr lang="en-US" smtClean="0"/>
-              <a:t>2015年5月28日星期四</a:t>
+              <a:t>Friday, May 29, 2015</a:t>
             </a:fld>
             <a:endParaRPr lang="en-US"/>
           </a:p>
@@ -3047,7 +3047,7 @@
           <a:p>
             <a:fld id="{A80CB818-7379-467D-8E76-EF9D9074A26C}" type="datetime2">
               <a:rPr lang="en-US" smtClean="0"/>
-              <a:t>2015年5月28日星期四</a:t>
+              <a:t>Friday, May 29, 2015</a:t>
             </a:fld>
             <a:endParaRPr lang="en-US" dirty="0"/>
           </a:p>
@@ -3511,6 +3511,13 @@
   <p:clrMapOvr>
     <a:masterClrMapping/>
   </p:clrMapOvr>
+  <p:timing>
+    <p:tnLst>
+      <p:par>
+        <p:cTn id="1" dur="indefinite" restart="never" nodeType="tmRoot"/>
+      </p:par>
+    </p:tnLst>
+  </p:timing>
 </p:sld>
 </file>
 
@@ -7702,6 +7709,13 @@
   <p:clrMapOvr>
     <a:masterClrMapping/>
   </p:clrMapOvr>
+  <p:timing>
+    <p:tnLst>
+      <p:par>
+        <p:cTn id="1" dur="indefinite" restart="never" nodeType="tmRoot"/>
+      </p:par>
+    </p:tnLst>
+  </p:timing>
 </p:sld>
 </file>
 
@@ -8126,6 +8140,13 @@
   <p:clrMapOvr>
     <a:masterClrMapping/>
   </p:clrMapOvr>
+  <p:timing>
+    <p:tnLst>
+      <p:par>
+        <p:cTn id="1" dur="indefinite" restart="never" nodeType="tmRoot"/>
+      </p:par>
+    </p:tnLst>
+  </p:timing>
 </p:sld>
 </file>
 
@@ -8572,6 +8593,13 @@
   <p:clrMapOvr>
     <a:masterClrMapping/>
   </p:clrMapOvr>
+  <p:timing>
+    <p:tnLst>
+      <p:par>
+        <p:cTn id="1" dur="indefinite" restart="never" nodeType="tmRoot"/>
+      </p:par>
+    </p:tnLst>
+  </p:timing>
 </p:sld>
 </file>
 
@@ -9637,6 +9665,13 @@
   <p:clrMapOvr>
     <a:masterClrMapping/>
   </p:clrMapOvr>
+  <p:timing>
+    <p:tnLst>
+      <p:par>
+        <p:cTn id="1" dur="indefinite" restart="never" nodeType="tmRoot"/>
+      </p:par>
+    </p:tnLst>
+  </p:timing>
 </p:sld>
 </file>
 
@@ -10158,6 +10193,13 @@
   <p:clrMapOvr>
     <a:masterClrMapping/>
   </p:clrMapOvr>
+  <p:timing>
+    <p:tnLst>
+      <p:par>
+        <p:cTn id="1" dur="indefinite" restart="never" nodeType="tmRoot"/>
+      </p:par>
+    </p:tnLst>
+  </p:timing>
 </p:sld>
 </file>
 
@@ -10754,6 +10796,13 @@
   <p:clrMapOvr>
     <a:masterClrMapping/>
   </p:clrMapOvr>
+  <p:timing>
+    <p:tnLst>
+      <p:par>
+        <p:cTn id="1" dur="indefinite" restart="never" nodeType="tmRoot"/>
+      </p:par>
+    </p:tnLst>
+  </p:timing>
 </p:sld>
 </file>
 
@@ -16274,6 +16323,13 @@
   <p:clrMapOvr>
     <a:masterClrMapping/>
   </p:clrMapOvr>
+  <p:timing>
+    <p:tnLst>
+      <p:par>
+        <p:cTn id="1" dur="indefinite" restart="never" nodeType="tmRoot"/>
+      </p:par>
+    </p:tnLst>
+  </p:timing>
 </p:sld>
 </file>
 
@@ -16894,6 +16950,13 @@
   <p:clrMapOvr>
     <a:masterClrMapping/>
   </p:clrMapOvr>
+  <p:timing>
+    <p:tnLst>
+      <p:par>
+        <p:cTn id="1" dur="indefinite" restart="never" nodeType="tmRoot"/>
+      </p:par>
+    </p:tnLst>
+  </p:timing>
 </p:sld>
 </file>
 
@@ -17084,7 +17147,7 @@
         <p:spPr>
           <a:xfrm>
             <a:off x="686444" y="3221991"/>
-            <a:ext cx="4238322" cy="369332"/>
+            <a:ext cx="4916731" cy="369332"/>
           </a:xfrm>
           <a:prstGeom prst="rect">
             <a:avLst/>
@@ -17099,23 +17162,15 @@
           <a:p>
             <a:r>
               <a:rPr kumimoji="1" lang="zh-CN" altLang="en-US" dirty="0" smtClean="0"/>
-              <a:t>点击</a:t>
-            </a:r>
-            <a:r>
-              <a:rPr kumimoji="1" lang="en-US" altLang="zh-CN" dirty="0" smtClean="0"/>
-              <a:t>’</a:t>
-            </a:r>
-            <a:r>
-              <a:rPr kumimoji="1" lang="zh-CN" altLang="en-US" dirty="0" smtClean="0"/>
-              <a:t>编辑</a:t>
-            </a:r>
-            <a:r>
-              <a:rPr kumimoji="1" lang="en-US" altLang="zh-CN" dirty="0" smtClean="0"/>
-              <a:t>’</a:t>
-            </a:r>
-            <a:r>
-              <a:rPr kumimoji="1" lang="zh-CN" altLang="en-US" dirty="0" smtClean="0"/>
-              <a:t>，向</a:t>
+              <a:t>选中某个项目名时</a:t>
+            </a:r>
+            <a:r>
+              <a:rPr kumimoji="1" lang="zh-CN" altLang="en-US" dirty="0" smtClean="0"/>
+              <a:t>，</a:t>
+            </a:r>
+            <a:r>
+              <a:rPr kumimoji="1" lang="zh-CN" altLang="en-US" dirty="0" smtClean="0"/>
+              <a:t>向</a:t>
             </a:r>
             <a:r>
               <a:rPr kumimoji="1" lang="en-US" altLang="zh-CN" dirty="0" smtClean="0"/>
@@ -17146,7 +17201,7 @@
         <p:spPr>
           <a:xfrm>
             <a:off x="2376323" y="3723210"/>
-            <a:ext cx="3892863" cy="369332"/>
+            <a:ext cx="3839513" cy="369332"/>
           </a:xfrm>
           <a:prstGeom prst="rect">
             <a:avLst/>
@@ -17161,7 +17216,7 @@
           <a:p>
             <a:r>
               <a:rPr kumimoji="1" lang="en-US" altLang="zh-CN" dirty="0" err="1" smtClean="0"/>
-              <a:t>manage:edit</a:t>
+              <a:t>manage:get</a:t>
             </a:r>
             <a:r>
               <a:rPr kumimoji="1" lang="en-US" altLang="zh-CN" dirty="0" smtClean="0"/>
@@ -17273,6 +17328,13 @@
   <p:clrMapOvr>
     <a:masterClrMapping/>
   </p:clrMapOvr>
+  <p:timing>
+    <p:tnLst>
+      <p:par>
+        <p:cTn id="1" dur="indefinite" restart="never" nodeType="tmRoot"/>
+      </p:par>
+    </p:tnLst>
+  </p:timing>
 </p:sld>
 </file>
 
@@ -17770,6 +17832,13 @@
   <p:clrMapOvr>
     <a:masterClrMapping/>
   </p:clrMapOvr>
+  <p:timing>
+    <p:tnLst>
+      <p:par>
+        <p:cTn id="1" dur="indefinite" restart="never" nodeType="tmRoot"/>
+      </p:par>
+    </p:tnLst>
+  </p:timing>
 </p:sld>
 </file>
 
@@ -17972,6 +18041,13 @@
   <p:clrMapOvr>
     <a:masterClrMapping/>
   </p:clrMapOvr>
+  <p:timing>
+    <p:tnLst>
+      <p:par>
+        <p:cTn id="1" dur="indefinite" restart="never" nodeType="tmRoot"/>
+      </p:par>
+    </p:tnLst>
+  </p:timing>
 </p:sld>
 </file>
 
@@ -18584,6 +18660,13 @@
   <p:clrMapOvr>
     <a:masterClrMapping/>
   </p:clrMapOvr>
+  <p:timing>
+    <p:tnLst>
+      <p:par>
+        <p:cTn id="1" dur="indefinite" restart="never" nodeType="tmRoot"/>
+      </p:par>
+    </p:tnLst>
+  </p:timing>
 </p:sld>
 </file>
 
@@ -19204,6 +19287,13 @@
   <p:clrMapOvr>
     <a:masterClrMapping/>
   </p:clrMapOvr>
+  <p:timing>
+    <p:tnLst>
+      <p:par>
+        <p:cTn id="1" dur="indefinite" restart="never" nodeType="tmRoot"/>
+      </p:par>
+    </p:tnLst>
+  </p:timing>
 </p:sld>
 </file>
 
@@ -19418,7 +19508,7 @@
         <p:spPr>
           <a:xfrm>
             <a:off x="686444" y="3221991"/>
-            <a:ext cx="4238322" cy="369332"/>
+            <a:ext cx="4685898" cy="369332"/>
           </a:xfrm>
           <a:prstGeom prst="rect">
             <a:avLst/>
@@ -19433,23 +19523,15 @@
           <a:p>
             <a:r>
               <a:rPr kumimoji="1" lang="zh-CN" altLang="en-US" dirty="0" smtClean="0"/>
-              <a:t>点击</a:t>
-            </a:r>
-            <a:r>
-              <a:rPr kumimoji="1" lang="en-US" altLang="zh-CN" dirty="0" smtClean="0"/>
-              <a:t>’</a:t>
-            </a:r>
-            <a:r>
-              <a:rPr kumimoji="1" lang="zh-CN" altLang="en-US" dirty="0" smtClean="0"/>
-              <a:t>编辑</a:t>
-            </a:r>
-            <a:r>
-              <a:rPr kumimoji="1" lang="en-US" altLang="zh-CN" dirty="0" smtClean="0"/>
-              <a:t>’</a:t>
-            </a:r>
-            <a:r>
-              <a:rPr kumimoji="1" lang="zh-CN" altLang="en-US" dirty="0" smtClean="0"/>
-              <a:t>，向</a:t>
+              <a:t>选中某个店名时</a:t>
+            </a:r>
+            <a:r>
+              <a:rPr kumimoji="1" lang="zh-CN" altLang="en-US" dirty="0" smtClean="0"/>
+              <a:t>，</a:t>
+            </a:r>
+            <a:r>
+              <a:rPr kumimoji="1" lang="zh-CN" altLang="en-US" dirty="0" smtClean="0"/>
+              <a:t>向</a:t>
             </a:r>
             <a:r>
               <a:rPr kumimoji="1" lang="en-US" altLang="zh-CN" dirty="0" smtClean="0"/>
@@ -19480,7 +19562,7 @@
         <p:spPr>
           <a:xfrm>
             <a:off x="2376323" y="3723210"/>
-            <a:ext cx="3892863" cy="369332"/>
+            <a:ext cx="3852337" cy="369332"/>
           </a:xfrm>
           <a:prstGeom prst="rect">
             <a:avLst/>
@@ -19495,7 +19577,7 @@
           <a:p>
             <a:r>
               <a:rPr kumimoji="1" lang="en-US" altLang="zh-CN" dirty="0" err="1" smtClean="0"/>
-              <a:t>manage:edit</a:t>
+              <a:t>manage:get</a:t>
             </a:r>
             <a:r>
               <a:rPr kumimoji="1" lang="en-US" altLang="zh-CN" dirty="0" smtClean="0"/>
@@ -19615,6 +19697,13 @@
   <p:clrMapOvr>
     <a:masterClrMapping/>
   </p:clrMapOvr>
+  <p:timing>
+    <p:tnLst>
+      <p:par>
+        <p:cTn id="1" dur="indefinite" restart="never" nodeType="tmRoot"/>
+      </p:par>
+    </p:tnLst>
+  </p:timing>
 </p:sld>
 </file>
 
@@ -20144,6 +20233,13 @@
   <p:clrMapOvr>
     <a:masterClrMapping/>
   </p:clrMapOvr>
+  <p:timing>
+    <p:tnLst>
+      <p:par>
+        <p:cTn id="1" dur="indefinite" restart="never" nodeType="tmRoot"/>
+      </p:par>
+    </p:tnLst>
+  </p:timing>
 </p:sld>
 </file>
 
@@ -20350,6 +20446,13 @@
   <p:clrMapOvr>
     <a:masterClrMapping/>
   </p:clrMapOvr>
+  <p:timing>
+    <p:tnLst>
+      <p:par>
+        <p:cTn id="1" dur="indefinite" restart="never" nodeType="tmRoot"/>
+      </p:par>
+    </p:tnLst>
+  </p:timing>
 </p:sld>
 </file>
 
@@ -21087,7 +21190,7 @@
   <p:timing>
     <p:tnLst>
       <p:par>
-        <p:cTn xmlns:p14="http://schemas.microsoft.com/office/powerpoint/2010/main" id="1" dur="indefinite" restart="never" nodeType="tmRoot"/>
+        <p:cTn id="1" dur="indefinite" restart="never" nodeType="tmRoot"/>
       </p:par>
     </p:tnLst>
   </p:timing>

--- a/ZSGree前后端逻辑及接口.pptx
+++ b/ZSGree前后端逻辑及接口.pptx
@@ -42,13 +42,15 @@
     <p:sldId id="291" r:id="rId36"/>
     <p:sldId id="293" r:id="rId37"/>
     <p:sldId id="296" r:id="rId38"/>
-    <p:sldId id="297" r:id="rId39"/>
-    <p:sldId id="298" r:id="rId40"/>
-    <p:sldId id="292" r:id="rId41"/>
-    <p:sldId id="295" r:id="rId42"/>
-    <p:sldId id="299" r:id="rId43"/>
-    <p:sldId id="300" r:id="rId44"/>
-    <p:sldId id="301" r:id="rId45"/>
+    <p:sldId id="302" r:id="rId39"/>
+    <p:sldId id="303" r:id="rId40"/>
+    <p:sldId id="304" r:id="rId41"/>
+    <p:sldId id="292" r:id="rId42"/>
+    <p:sldId id="295" r:id="rId43"/>
+    <p:sldId id="299" r:id="rId44"/>
+    <p:sldId id="305" r:id="rId45"/>
+    <p:sldId id="306" r:id="rId46"/>
+    <p:sldId id="307" r:id="rId47"/>
   </p:sldIdLst>
   <p:sldSz cx="9144000" cy="6858000" type="screen4x3"/>
   <p:notesSz cx="6858000" cy="9144000"/>
@@ -338,7 +340,7 @@
           <a:p>
             <a:fld id="{C8A432C8-69A7-458B-9684-2BFA64B31948}" type="datetime2">
               <a:rPr lang="en-US" smtClean="0"/>
-              <a:t>Friday, May 29, 2015</a:t>
+              <a:t>2015年5月29日星期五</a:t>
             </a:fld>
             <a:endParaRPr lang="en-US"/>
           </a:p>
@@ -540,7 +542,7 @@
           <a:p>
             <a:fld id="{8CC057FC-95B6-4D89-AFDA-ABA33EE921E5}" type="datetime2">
               <a:rPr lang="en-US" smtClean="0"/>
-              <a:t>Friday, May 29, 2015</a:t>
+              <a:t>2015年5月29日星期五</a:t>
             </a:fld>
             <a:endParaRPr lang="en-US"/>
           </a:p>
@@ -717,7 +719,7 @@
           <a:p>
             <a:fld id="{EC4549AC-EB31-477F-92A9-B1988E232878}" type="datetime2">
               <a:rPr lang="en-US" smtClean="0"/>
-              <a:t>Friday, May 29, 2015</a:t>
+              <a:t>2015年5月29日星期五</a:t>
             </a:fld>
             <a:endParaRPr lang="en-US"/>
           </a:p>
@@ -884,7 +886,7 @@
           <a:p>
             <a:fld id="{6396A3A3-94A6-4E5B-AF39-173ACA3E61CC}" type="datetime2">
               <a:rPr lang="en-US" smtClean="0"/>
-              <a:t>Friday, May 29, 2015</a:t>
+              <a:t>2015年5月29日星期五</a:t>
             </a:fld>
             <a:endParaRPr lang="en-US"/>
           </a:p>
@@ -1134,7 +1136,7 @@
           <a:p>
             <a:fld id="{9933D019-A32C-4EAD-B8E6-DBDA699692FD}" type="datetime2">
               <a:rPr lang="en-US" smtClean="0"/>
-              <a:t>Friday, May 29, 2015</a:t>
+              <a:t>2015年5月29日星期五</a:t>
             </a:fld>
             <a:endParaRPr lang="en-US"/>
           </a:p>
@@ -1454,7 +1456,7 @@
           <a:p>
             <a:fld id="{CCEBA98F-560C-4997-81C4-81D4D9187EAB}" type="datetime2">
               <a:rPr lang="en-US" smtClean="0"/>
-              <a:t>Friday, May 29, 2015</a:t>
+              <a:t>2015年5月29日星期五</a:t>
             </a:fld>
             <a:endParaRPr lang="en-US"/>
           </a:p>
@@ -1922,7 +1924,7 @@
           <a:p>
             <a:fld id="{150972B2-CA5C-437D-87D0-8081271A9E4B}" type="datetime2">
               <a:rPr lang="en-US" smtClean="0"/>
-              <a:t>Friday, May 29, 2015</a:t>
+              <a:t>2015年5月29日星期五</a:t>
             </a:fld>
             <a:endParaRPr lang="en-US"/>
           </a:p>
@@ -2072,7 +2074,7 @@
           <a:p>
             <a:fld id="{79CD4847-11EF-4466-A8AD-85CDB7B49118}" type="datetime2">
               <a:rPr lang="en-US" smtClean="0"/>
-              <a:t>Friday, May 29, 2015</a:t>
+              <a:t>2015年5月29日星期五</a:t>
             </a:fld>
             <a:endParaRPr lang="en-US"/>
           </a:p>
@@ -2164,7 +2166,7 @@
           <a:p>
             <a:fld id="{F168457A-3AB9-4880-8A0C-9F8524491207}" type="datetime2">
               <a:rPr lang="en-US" smtClean="0"/>
-              <a:t>Friday, May 29, 2015</a:t>
+              <a:t>2015年5月29日星期五</a:t>
             </a:fld>
             <a:endParaRPr lang="en-US"/>
           </a:p>
@@ -2440,7 +2442,7 @@
           <a:p>
             <a:fld id="{3FE976D3-5B7F-4300-ABED-C91F1B2AE209}" type="datetime2">
               <a:rPr lang="en-US" smtClean="0"/>
-              <a:t>Friday, May 29, 2015</a:t>
+              <a:t>2015年5月29日星期五</a:t>
             </a:fld>
             <a:endParaRPr lang="en-US"/>
           </a:p>
@@ -2747,7 +2749,7 @@
           <a:p>
             <a:fld id="{EBDC1E59-17DD-41CE-97CA-624A472382D4}" type="datetime2">
               <a:rPr lang="en-US" smtClean="0"/>
-              <a:t>Friday, May 29, 2015</a:t>
+              <a:t>2015年5月29日星期五</a:t>
             </a:fld>
             <a:endParaRPr lang="en-US"/>
           </a:p>
@@ -3047,7 +3049,7 @@
           <a:p>
             <a:fld id="{A80CB818-7379-467D-8E76-EF9D9074A26C}" type="datetime2">
               <a:rPr lang="en-US" smtClean="0"/>
-              <a:t>Friday, May 29, 2015</a:t>
+              <a:t>2015年5月29日星期五</a:t>
             </a:fld>
             <a:endParaRPr lang="en-US" dirty="0"/>
           </a:p>
@@ -3514,7 +3516,7 @@
   <p:timing>
     <p:tnLst>
       <p:par>
-        <p:cTn id="1" dur="indefinite" restart="never" nodeType="tmRoot"/>
+        <p:cTn xmlns:p14="http://schemas.microsoft.com/office/powerpoint/2010/main" id="1" dur="indefinite" restart="never" nodeType="tmRoot"/>
       </p:par>
     </p:tnLst>
   </p:timing>
@@ -7712,7 +7714,7 @@
   <p:timing>
     <p:tnLst>
       <p:par>
-        <p:cTn id="1" dur="indefinite" restart="never" nodeType="tmRoot"/>
+        <p:cTn xmlns:p14="http://schemas.microsoft.com/office/powerpoint/2010/main" id="1" dur="indefinite" restart="never" nodeType="tmRoot"/>
       </p:par>
     </p:tnLst>
   </p:timing>
@@ -8143,7 +8145,7 @@
   <p:timing>
     <p:tnLst>
       <p:par>
-        <p:cTn id="1" dur="indefinite" restart="never" nodeType="tmRoot"/>
+        <p:cTn xmlns:p14="http://schemas.microsoft.com/office/powerpoint/2010/main" id="1" dur="indefinite" restart="never" nodeType="tmRoot"/>
       </p:par>
     </p:tnLst>
   </p:timing>
@@ -8596,7 +8598,7 @@
   <p:timing>
     <p:tnLst>
       <p:par>
-        <p:cTn id="1" dur="indefinite" restart="never" nodeType="tmRoot"/>
+        <p:cTn xmlns:p14="http://schemas.microsoft.com/office/powerpoint/2010/main" id="1" dur="indefinite" restart="never" nodeType="tmRoot"/>
       </p:par>
     </p:tnLst>
   </p:timing>
@@ -9668,7 +9670,7 @@
   <p:timing>
     <p:tnLst>
       <p:par>
-        <p:cTn id="1" dur="indefinite" restart="never" nodeType="tmRoot"/>
+        <p:cTn xmlns:p14="http://schemas.microsoft.com/office/powerpoint/2010/main" id="1" dur="indefinite" restart="never" nodeType="tmRoot"/>
       </p:par>
     </p:tnLst>
   </p:timing>
@@ -10196,7 +10198,7 @@
   <p:timing>
     <p:tnLst>
       <p:par>
-        <p:cTn id="1" dur="indefinite" restart="never" nodeType="tmRoot"/>
+        <p:cTn xmlns:p14="http://schemas.microsoft.com/office/powerpoint/2010/main" id="1" dur="indefinite" restart="never" nodeType="tmRoot"/>
       </p:par>
     </p:tnLst>
   </p:timing>
@@ -10799,7 +10801,7 @@
   <p:timing>
     <p:tnLst>
       <p:par>
-        <p:cTn id="1" dur="indefinite" restart="never" nodeType="tmRoot"/>
+        <p:cTn xmlns:p14="http://schemas.microsoft.com/office/powerpoint/2010/main" id="1" dur="indefinite" restart="never" nodeType="tmRoot"/>
       </p:par>
     </p:tnLst>
   </p:timing>
@@ -16326,7 +16328,7 @@
   <p:timing>
     <p:tnLst>
       <p:par>
-        <p:cTn id="1" dur="indefinite" restart="never" nodeType="tmRoot"/>
+        <p:cTn xmlns:p14="http://schemas.microsoft.com/office/powerpoint/2010/main" id="1" dur="indefinite" restart="never" nodeType="tmRoot"/>
       </p:par>
     </p:tnLst>
   </p:timing>
@@ -16816,48 +16818,6 @@
       </p:sp>
       <p:sp>
         <p:nvSpPr>
-          <p:cNvPr id="26" name="矩形 25"/>
-          <p:cNvSpPr/>
-          <p:nvPr/>
-        </p:nvSpPr>
-        <p:spPr>
-          <a:xfrm>
-            <a:off x="1160356" y="3936710"/>
-            <a:ext cx="5949178" cy="342568"/>
-          </a:xfrm>
-          <a:prstGeom prst="rect">
-            <a:avLst/>
-          </a:prstGeom>
-        </p:spPr>
-        <p:style>
-          <a:lnRef idx="2">
-            <a:schemeClr val="dk1"/>
-          </a:lnRef>
-          <a:fillRef idx="1">
-            <a:schemeClr val="lt1"/>
-          </a:fillRef>
-          <a:effectRef idx="0">
-            <a:schemeClr val="dk1"/>
-          </a:effectRef>
-          <a:fontRef idx="minor">
-            <a:schemeClr val="dk1"/>
-          </a:fontRef>
-        </p:style>
-        <p:txBody>
-          <a:bodyPr rtlCol="0" anchor="ctr"/>
-          <a:lstStyle/>
-          <a:p>
-            <a:pPr algn="ctr"/>
-            <a:r>
-              <a:rPr kumimoji="1" lang="zh-CN" altLang="en-US" dirty="0" smtClean="0"/>
-              <a:t>工程标题</a:t>
-            </a:r>
-            <a:endParaRPr kumimoji="1" lang="zh-CN" altLang="en-US" dirty="0"/>
-          </a:p>
-        </p:txBody>
-      </p:sp>
-      <p:sp>
-        <p:nvSpPr>
           <p:cNvPr id="27" name="矩形 26"/>
           <p:cNvSpPr/>
           <p:nvPr/>
@@ -16953,7 +16913,7 @@
   <p:timing>
     <p:tnLst>
       <p:par>
-        <p:cTn id="1" dur="indefinite" restart="never" nodeType="tmRoot"/>
+        <p:cTn xmlns:p14="http://schemas.microsoft.com/office/powerpoint/2010/main" id="1" dur="indefinite" restart="never" nodeType="tmRoot"/>
       </p:par>
     </p:tnLst>
   </p:timing>
@@ -17162,15 +17122,7 @@
           <a:p>
             <a:r>
               <a:rPr kumimoji="1" lang="zh-CN" altLang="en-US" dirty="0" smtClean="0"/>
-              <a:t>选中某个项目名时</a:t>
-            </a:r>
-            <a:r>
-              <a:rPr kumimoji="1" lang="zh-CN" altLang="en-US" dirty="0" smtClean="0"/>
-              <a:t>，</a:t>
-            </a:r>
-            <a:r>
-              <a:rPr kumimoji="1" lang="zh-CN" altLang="en-US" dirty="0" smtClean="0"/>
-              <a:t>向</a:t>
+              <a:t>选中某个项目名时，向</a:t>
             </a:r>
             <a:r>
               <a:rPr kumimoji="1" lang="en-US" altLang="zh-CN" dirty="0" smtClean="0"/>
@@ -17331,7 +17283,7 @@
   <p:timing>
     <p:tnLst>
       <p:par>
-        <p:cTn id="1" dur="indefinite" restart="never" nodeType="tmRoot"/>
+        <p:cTn xmlns:p14="http://schemas.microsoft.com/office/powerpoint/2010/main" id="1" dur="indefinite" restart="never" nodeType="tmRoot"/>
       </p:par>
     </p:tnLst>
   </p:timing>
@@ -17379,14 +17331,14 @@
       </p:sp>
       <p:sp>
         <p:nvSpPr>
-          <p:cNvPr id="3" name="文本框 2"/>
+          <p:cNvPr id="4" name="文本框 3"/>
           <p:cNvSpPr txBox="1"/>
           <p:nvPr/>
         </p:nvSpPr>
         <p:spPr>
           <a:xfrm>
-            <a:off x="697885" y="1581209"/>
-            <a:ext cx="5148465" cy="369332"/>
+            <a:off x="537714" y="2723182"/>
+            <a:ext cx="646331" cy="369332"/>
           </a:xfrm>
           <a:prstGeom prst="rect">
             <a:avLst/>
@@ -17401,10 +17353,129 @@
           <a:p>
             <a:r>
               <a:rPr kumimoji="1" lang="zh-CN" altLang="en-US" dirty="0" smtClean="0"/>
-              <a:t>增加的‘确认’按扭，</a:t>
-            </a:r>
-            <a:r>
-              <a:rPr kumimoji="1" lang="zh-CN" altLang="en-US" dirty="0"/>
+              <a:t>增加</a:t>
+            </a:r>
+            <a:endParaRPr kumimoji="1" lang="zh-CN" altLang="en-US" dirty="0"/>
+          </a:p>
+        </p:txBody>
+      </p:sp>
+      <p:sp>
+        <p:nvSpPr>
+          <p:cNvPr id="7" name="文本框 6"/>
+          <p:cNvSpPr txBox="1"/>
+          <p:nvPr/>
+        </p:nvSpPr>
+        <p:spPr>
+          <a:xfrm>
+            <a:off x="537714" y="3653631"/>
+            <a:ext cx="659155" cy="369332"/>
+          </a:xfrm>
+          <a:prstGeom prst="rect">
+            <a:avLst/>
+          </a:prstGeom>
+          <a:noFill/>
+        </p:spPr>
+        <p:txBody>
+          <a:bodyPr wrap="none" rtlCol="0">
+            <a:spAutoFit/>
+          </a:bodyPr>
+          <a:lstStyle/>
+          <a:p>
+            <a:r>
+              <a:rPr kumimoji="1" lang="zh-CN" altLang="en-US" dirty="0" smtClean="0"/>
+              <a:t>删除</a:t>
+            </a:r>
+            <a:endParaRPr kumimoji="1" lang="zh-CN" altLang="en-US" dirty="0"/>
+          </a:p>
+        </p:txBody>
+      </p:sp>
+      <p:sp>
+        <p:nvSpPr>
+          <p:cNvPr id="8" name="文本框 7"/>
+          <p:cNvSpPr txBox="1"/>
+          <p:nvPr/>
+        </p:nvSpPr>
+        <p:spPr>
+          <a:xfrm>
+            <a:off x="537714" y="4514487"/>
+            <a:ext cx="646331" cy="369332"/>
+          </a:xfrm>
+          <a:prstGeom prst="rect">
+            <a:avLst/>
+          </a:prstGeom>
+          <a:noFill/>
+        </p:spPr>
+        <p:txBody>
+          <a:bodyPr wrap="none" rtlCol="0">
+            <a:spAutoFit/>
+          </a:bodyPr>
+          <a:lstStyle/>
+          <a:p>
+            <a:r>
+              <a:rPr kumimoji="1" lang="zh-CN" altLang="en-US" dirty="0" smtClean="0"/>
+              <a:t>编辑</a:t>
+            </a:r>
+            <a:endParaRPr kumimoji="1" lang="zh-CN" altLang="en-US" dirty="0"/>
+          </a:p>
+        </p:txBody>
+      </p:sp>
+      <p:sp>
+        <p:nvSpPr>
+          <p:cNvPr id="9" name="文本框 8"/>
+          <p:cNvSpPr txBox="1"/>
+          <p:nvPr/>
+        </p:nvSpPr>
+        <p:spPr>
+          <a:xfrm>
+            <a:off x="537714" y="5467819"/>
+            <a:ext cx="646331" cy="369332"/>
+          </a:xfrm>
+          <a:prstGeom prst="rect">
+            <a:avLst/>
+          </a:prstGeom>
+          <a:noFill/>
+        </p:spPr>
+        <p:txBody>
+          <a:bodyPr wrap="none" rtlCol="0">
+            <a:spAutoFit/>
+          </a:bodyPr>
+          <a:lstStyle/>
+          <a:p>
+            <a:r>
+              <a:rPr kumimoji="1" lang="zh-CN" altLang="en-US" dirty="0" smtClean="0"/>
+              <a:t>排序</a:t>
+            </a:r>
+            <a:endParaRPr kumimoji="1" lang="zh-CN" altLang="en-US" dirty="0"/>
+          </a:p>
+        </p:txBody>
+      </p:sp>
+      <p:sp>
+        <p:nvSpPr>
+          <p:cNvPr id="5" name="矩形 4"/>
+          <p:cNvSpPr/>
+          <p:nvPr/>
+        </p:nvSpPr>
+        <p:spPr>
+          <a:xfrm>
+            <a:off x="537714" y="2084654"/>
+            <a:ext cx="5610130" cy="369332"/>
+          </a:xfrm>
+          <a:prstGeom prst="rect">
+            <a:avLst/>
+          </a:prstGeom>
+        </p:spPr>
+        <p:txBody>
+          <a:bodyPr wrap="none">
+            <a:spAutoFit/>
+          </a:bodyPr>
+          <a:lstStyle/>
+          <a:p>
+            <a:r>
+              <a:rPr kumimoji="1" lang="zh-CN" altLang="en-US" dirty="0" smtClean="0"/>
+              <a:t>增加、删除、编辑、排序，</a:t>
+            </a:r>
+            <a:r>
+              <a:rPr kumimoji="1" lang="zh-CN" altLang="en-US" dirty="0" smtClean="0"/>
               <a:t>向</a:t>
             </a:r>
             <a:r>
@@ -17420,7 +17491,7 @@
               <a:t>发送请求</a:t>
             </a:r>
             <a:r>
-              <a:rPr kumimoji="1" lang="en-US" altLang="zh-CN" dirty="0" smtClean="0"/>
+              <a:rPr kumimoji="1" lang="en-US" altLang="zh-CN" dirty="0"/>
               <a:t>:</a:t>
             </a:r>
             <a:endParaRPr kumimoji="1" lang="zh-CN" altLang="en-US" dirty="0"/>
@@ -17429,14 +17500,14 @@
       </p:sp>
       <p:sp>
         <p:nvSpPr>
-          <p:cNvPr id="4" name="文本框 3"/>
+          <p:cNvPr id="6" name="文本框 5"/>
           <p:cNvSpPr txBox="1"/>
           <p:nvPr/>
         </p:nvSpPr>
         <p:spPr>
           <a:xfrm>
-            <a:off x="1083520" y="2148813"/>
-            <a:ext cx="6843302" cy="369332"/>
+            <a:off x="1750431" y="2723182"/>
+            <a:ext cx="3944146" cy="369332"/>
           </a:xfrm>
           <a:prstGeom prst="rect">
             <a:avLst/>
@@ -17450,8 +17521,124 @@
           <a:lstStyle/>
           <a:p>
             <a:r>
+              <a:rPr kumimoji="1" lang="en-US" altLang="zh-CN" dirty="0"/>
+              <a:t> </a:t>
+            </a:r>
+            <a:r>
+              <a:rPr kumimoji="1" lang="en-US" altLang="zh-CN" dirty="0" smtClean="0"/>
+              <a:t>manage = add   </a:t>
+            </a:r>
+            <a:r>
               <a:rPr kumimoji="1" lang="en-US" altLang="zh-CN" dirty="0" err="1" smtClean="0"/>
-              <a:t>manage:add</a:t>
+              <a:t>casename</a:t>
+            </a:r>
+            <a:r>
+              <a:rPr kumimoji="1" lang="en-US" altLang="zh-CN" dirty="0" smtClean="0"/>
+              <a:t> = </a:t>
+            </a:r>
+            <a:r>
+              <a:rPr kumimoji="1" lang="en-US" altLang="zh-CN" dirty="0" err="1" smtClean="0"/>
+              <a:t>xxxxxx</a:t>
+            </a:r>
+            <a:r>
+              <a:rPr kumimoji="1" lang="en-US" altLang="zh-CN" dirty="0" smtClean="0"/>
+              <a:t> </a:t>
+            </a:r>
+            <a:endParaRPr kumimoji="1" lang="zh-CN" altLang="en-US" dirty="0"/>
+          </a:p>
+        </p:txBody>
+      </p:sp>
+      <p:sp>
+        <p:nvSpPr>
+          <p:cNvPr id="14" name="文本框 13"/>
+          <p:cNvSpPr txBox="1"/>
+          <p:nvPr/>
+        </p:nvSpPr>
+        <p:spPr>
+          <a:xfrm>
+            <a:off x="1750431" y="3653631"/>
+            <a:ext cx="4187940" cy="369332"/>
+          </a:xfrm>
+          <a:prstGeom prst="rect">
+            <a:avLst/>
+          </a:prstGeom>
+          <a:noFill/>
+        </p:spPr>
+        <p:txBody>
+          <a:bodyPr wrap="none" rtlCol="0">
+            <a:spAutoFit/>
+          </a:bodyPr>
+          <a:lstStyle/>
+          <a:p>
+            <a:r>
+              <a:rPr kumimoji="1" lang="en-US" altLang="zh-CN" dirty="0"/>
+              <a:t> </a:t>
+            </a:r>
+            <a:r>
+              <a:rPr kumimoji="1" lang="en-US" altLang="zh-CN" dirty="0" smtClean="0"/>
+              <a:t>manage = delete   </a:t>
+            </a:r>
+            <a:r>
+              <a:rPr kumimoji="1" lang="en-US" altLang="zh-CN" dirty="0" err="1" smtClean="0"/>
+              <a:t>casename</a:t>
+            </a:r>
+            <a:r>
+              <a:rPr kumimoji="1" lang="en-US" altLang="zh-CN" dirty="0" smtClean="0"/>
+              <a:t> = </a:t>
+            </a:r>
+            <a:r>
+              <a:rPr kumimoji="1" lang="en-US" altLang="zh-CN" dirty="0" err="1" smtClean="0"/>
+              <a:t>xxxxxx</a:t>
+            </a:r>
+            <a:r>
+              <a:rPr kumimoji="1" lang="en-US" altLang="zh-CN" dirty="0" smtClean="0"/>
+              <a:t> </a:t>
+            </a:r>
+            <a:endParaRPr kumimoji="1" lang="zh-CN" altLang="en-US" dirty="0"/>
+          </a:p>
+        </p:txBody>
+      </p:sp>
+      <p:sp>
+        <p:nvSpPr>
+          <p:cNvPr id="15" name="文本框 14"/>
+          <p:cNvSpPr txBox="1"/>
+          <p:nvPr/>
+        </p:nvSpPr>
+        <p:spPr>
+          <a:xfrm>
+            <a:off x="1196869" y="4514487"/>
+            <a:ext cx="5968301" cy="369332"/>
+          </a:xfrm>
+          <a:prstGeom prst="rect">
+            <a:avLst/>
+          </a:prstGeom>
+          <a:noFill/>
+        </p:spPr>
+        <p:txBody>
+          <a:bodyPr wrap="none" rtlCol="0">
+            <a:spAutoFit/>
+          </a:bodyPr>
+          <a:lstStyle/>
+          <a:p>
+            <a:r>
+              <a:rPr kumimoji="1" lang="en-US" altLang="zh-CN" dirty="0"/>
+              <a:t> </a:t>
+            </a:r>
+            <a:r>
+              <a:rPr kumimoji="1" lang="en-US" altLang="zh-CN" dirty="0" smtClean="0"/>
+              <a:t>manage = edit   </a:t>
+            </a:r>
+            <a:r>
+              <a:rPr kumimoji="1" lang="en-US" altLang="zh-CN" dirty="0" err="1" smtClean="0"/>
+              <a:t>casename</a:t>
+            </a:r>
+            <a:r>
+              <a:rPr kumimoji="1" lang="en-US" altLang="zh-CN" dirty="0" smtClean="0"/>
+              <a:t> = </a:t>
+            </a:r>
+            <a:r>
+              <a:rPr kumimoji="1" lang="en-US" altLang="zh-CN" dirty="0" err="1" smtClean="0"/>
+              <a:t>xxxxxx</a:t>
             </a:r>
             <a:r>
               <a:rPr kumimoji="1" lang="en-US" altLang="zh-CN" dirty="0" smtClean="0"/>
@@ -17459,38 +17646,130 @@
             </a:r>
             <a:r>
               <a:rPr kumimoji="1" lang="en-US" altLang="zh-CN" dirty="0" err="1" smtClean="0"/>
-              <a:t>pic:xxxxxx</a:t>
-            </a:r>
-            <a:r>
-              <a:rPr kumimoji="1" lang="en-US" altLang="zh-CN" dirty="0" smtClean="0"/>
-              <a:t>   </a:t>
-            </a:r>
-            <a:r>
-              <a:rPr kumimoji="1" lang="en-US" altLang="zh-CN" dirty="0" err="1" smtClean="0"/>
-              <a:t>casename:XXXXXX</a:t>
-            </a:r>
-            <a:r>
-              <a:rPr kumimoji="1" lang="en-US" altLang="zh-CN" dirty="0" smtClean="0"/>
-              <a:t>    </a:t>
-            </a:r>
-            <a:r>
-              <a:rPr kumimoji="1" lang="en-US" altLang="zh-CN" dirty="0" err="1" smtClean="0"/>
-              <a:t>content:xxxxxxx</a:t>
-            </a:r>
-            <a:endParaRPr kumimoji="1" lang="zh-CN" altLang="en-US" dirty="0"/>
-          </a:p>
-        </p:txBody>
-      </p:sp>
-      <p:sp>
-        <p:nvSpPr>
-          <p:cNvPr id="5" name="文本框 4"/>
+              <a:t>oldname</a:t>
+            </a:r>
+            <a:r>
+              <a:rPr kumimoji="1" lang="en-US" altLang="zh-CN" dirty="0" smtClean="0"/>
+              <a:t> = </a:t>
+            </a:r>
+            <a:r>
+              <a:rPr kumimoji="1" lang="en-US" altLang="zh-CN" dirty="0" err="1"/>
+              <a:t>xxxxxx</a:t>
+            </a:r>
+            <a:r>
+              <a:rPr kumimoji="1" lang="en-US" altLang="zh-CN" dirty="0"/>
+              <a:t> </a:t>
+            </a:r>
+            <a:r>
+              <a:rPr kumimoji="1" lang="en-US" altLang="zh-CN" dirty="0" smtClean="0"/>
+              <a:t> </a:t>
+            </a:r>
+            <a:endParaRPr kumimoji="1" lang="zh-CN" altLang="en-US" dirty="0"/>
+          </a:p>
+        </p:txBody>
+      </p:sp>
+      <p:sp>
+        <p:nvSpPr>
+          <p:cNvPr id="16" name="文本框 15"/>
           <p:cNvSpPr txBox="1"/>
           <p:nvPr/>
         </p:nvSpPr>
         <p:spPr>
           <a:xfrm>
-            <a:off x="2672810" y="2679652"/>
-            <a:ext cx="3173540" cy="369332"/>
+            <a:off x="1750431" y="5467819"/>
+            <a:ext cx="4874013" cy="369332"/>
+          </a:xfrm>
+          <a:prstGeom prst="rect">
+            <a:avLst/>
+          </a:prstGeom>
+          <a:noFill/>
+        </p:spPr>
+        <p:txBody>
+          <a:bodyPr wrap="none" rtlCol="0">
+            <a:spAutoFit/>
+          </a:bodyPr>
+          <a:lstStyle/>
+          <a:p>
+            <a:r>
+              <a:rPr kumimoji="1" lang="en-US" altLang="zh-CN" dirty="0"/>
+              <a:t> </a:t>
+            </a:r>
+            <a:r>
+              <a:rPr kumimoji="1" lang="en-US" altLang="zh-CN" dirty="0" smtClean="0"/>
+              <a:t>manage = sort   </a:t>
+            </a:r>
+            <a:r>
+              <a:rPr kumimoji="1" lang="en-US" altLang="zh-CN" dirty="0" err="1"/>
+              <a:t>sequence:AAA</a:t>
+            </a:r>
+            <a:r>
+              <a:rPr kumimoji="1" lang="zh-CN" altLang="en-US" dirty="0"/>
+              <a:t>＃</a:t>
+            </a:r>
+            <a:r>
+              <a:rPr kumimoji="1" lang="en-US" altLang="zh-CN" dirty="0"/>
+              <a:t>BBB</a:t>
+            </a:r>
+            <a:r>
+              <a:rPr kumimoji="1" lang="zh-CN" altLang="en-US" dirty="0"/>
+              <a:t>＃</a:t>
+            </a:r>
+            <a:r>
+              <a:rPr kumimoji="1" lang="en-US" altLang="zh-CN" dirty="0"/>
+              <a:t>CCC </a:t>
+            </a:r>
+            <a:endParaRPr kumimoji="1" lang="zh-CN" altLang="en-US" dirty="0"/>
+          </a:p>
+        </p:txBody>
+      </p:sp>
+      <p:sp>
+        <p:nvSpPr>
+          <p:cNvPr id="10" name="右大括号 9"/>
+          <p:cNvSpPr/>
+          <p:nvPr/>
+        </p:nvSpPr>
+        <p:spPr>
+          <a:xfrm>
+            <a:off x="6902034" y="2723182"/>
+            <a:ext cx="263136" cy="3113968"/>
+          </a:xfrm>
+          <a:prstGeom prst="rightBrace">
+            <a:avLst/>
+          </a:prstGeom>
+        </p:spPr>
+        <p:style>
+          <a:lnRef idx="2">
+            <a:schemeClr val="accent1"/>
+          </a:lnRef>
+          <a:fillRef idx="0">
+            <a:schemeClr val="accent1"/>
+          </a:fillRef>
+          <a:effectRef idx="1">
+            <a:schemeClr val="accent1"/>
+          </a:effectRef>
+          <a:fontRef idx="minor">
+            <a:schemeClr val="tx1"/>
+          </a:fontRef>
+        </p:style>
+        <p:txBody>
+          <a:bodyPr rtlCol="0" anchor="ctr"/>
+          <a:lstStyle/>
+          <a:p>
+            <a:pPr algn="ctr"/>
+            <a:endParaRPr kumimoji="1" lang="zh-CN" altLang="en-US"/>
+          </a:p>
+        </p:txBody>
+      </p:sp>
+      <p:sp>
+        <p:nvSpPr>
+          <p:cNvPr id="17" name="文本框 16"/>
+          <p:cNvSpPr txBox="1"/>
+          <p:nvPr/>
+        </p:nvSpPr>
+        <p:spPr>
+          <a:xfrm>
+            <a:off x="7348222" y="3950154"/>
+            <a:ext cx="1698489" cy="646331"/>
           </a:xfrm>
           <a:prstGeom prst="rect">
             <a:avLst/>
@@ -17519,313 +17798,45 @@
               <a:rPr kumimoji="1" lang="en-US" altLang="zh-CN" dirty="0"/>
               <a:t>: </a:t>
             </a:r>
-            <a:r>
-              <a:rPr kumimoji="1" lang="en-US" altLang="zh-CN" dirty="0" err="1"/>
+            <a:endParaRPr kumimoji="1" lang="en-US" altLang="zh-CN" dirty="0" smtClean="0"/>
+          </a:p>
+          <a:p>
+            <a:r>
+              <a:rPr kumimoji="1" lang="en-US" altLang="zh-CN" dirty="0" err="1" smtClean="0"/>
               <a:t>status:success</a:t>
             </a:r>
             <a:endParaRPr kumimoji="1" lang="zh-CN" altLang="en-US" dirty="0"/>
           </a:p>
         </p:txBody>
       </p:sp>
-      <p:sp>
-        <p:nvSpPr>
-          <p:cNvPr id="6" name="矩形 5"/>
-          <p:cNvSpPr/>
-          <p:nvPr/>
-        </p:nvSpPr>
-        <p:spPr>
-          <a:xfrm>
-            <a:off x="697885" y="3288905"/>
-            <a:ext cx="5903414" cy="369332"/>
-          </a:xfrm>
-          <a:prstGeom prst="rect">
-            <a:avLst/>
-          </a:prstGeom>
-        </p:spPr>
-        <p:txBody>
-          <a:bodyPr wrap="square">
-            <a:spAutoFit/>
-          </a:bodyPr>
-          <a:lstStyle/>
-          <a:p>
-            <a:r>
-              <a:rPr kumimoji="1" lang="zh-CN" altLang="en-US" dirty="0" smtClean="0"/>
-              <a:t>编辑的</a:t>
-            </a:r>
-            <a:r>
-              <a:rPr kumimoji="1" lang="zh-CN" altLang="en-US" dirty="0"/>
-              <a:t>‘确认’按扭，向</a:t>
-            </a:r>
-            <a:r>
-              <a:rPr kumimoji="1" lang="en-US" altLang="zh-CN" dirty="0"/>
-              <a:t>/</a:t>
-            </a:r>
-            <a:r>
-              <a:rPr kumimoji="1" lang="en-US" altLang="zh-CN" dirty="0" err="1"/>
-              <a:t>manageCase</a:t>
-            </a:r>
-            <a:r>
-              <a:rPr kumimoji="1" lang="zh-CN" altLang="en-US" dirty="0"/>
-              <a:t>发送请求</a:t>
-            </a:r>
-            <a:r>
-              <a:rPr kumimoji="1" lang="en-US" altLang="zh-CN" dirty="0"/>
-              <a:t>:</a:t>
-            </a:r>
-            <a:endParaRPr kumimoji="1" lang="zh-CN" altLang="en-US" dirty="0"/>
-          </a:p>
-        </p:txBody>
-      </p:sp>
-      <p:sp>
-        <p:nvSpPr>
-          <p:cNvPr id="7" name="文本框 6"/>
-          <p:cNvSpPr txBox="1"/>
-          <p:nvPr/>
-        </p:nvSpPr>
-        <p:spPr>
-          <a:xfrm>
-            <a:off x="122499" y="3800105"/>
-            <a:ext cx="8908734" cy="369332"/>
-          </a:xfrm>
-          <a:prstGeom prst="rect">
-            <a:avLst/>
-          </a:prstGeom>
-          <a:noFill/>
-        </p:spPr>
-        <p:txBody>
-          <a:bodyPr wrap="none" rtlCol="0">
-            <a:spAutoFit/>
-          </a:bodyPr>
-          <a:lstStyle/>
-          <a:p>
-            <a:r>
-              <a:rPr kumimoji="1" lang="en-US" altLang="zh-CN" dirty="0" err="1"/>
-              <a:t>m</a:t>
-            </a:r>
-            <a:r>
-              <a:rPr kumimoji="1" lang="en-US" altLang="zh-CN" dirty="0" err="1" smtClean="0"/>
-              <a:t>anage:edit</a:t>
-            </a:r>
-            <a:r>
-              <a:rPr kumimoji="1" lang="en-US" altLang="zh-CN" dirty="0" smtClean="0"/>
-              <a:t>   </a:t>
-            </a:r>
-            <a:r>
-              <a:rPr kumimoji="1" lang="en-US" altLang="zh-CN" dirty="0" err="1" smtClean="0"/>
-              <a:t>pic:xxxxxx</a:t>
-            </a:r>
-            <a:r>
-              <a:rPr kumimoji="1" lang="en-US" altLang="zh-CN" dirty="0" smtClean="0"/>
-              <a:t>  </a:t>
-            </a:r>
-            <a:r>
-              <a:rPr kumimoji="1" lang="en-US" altLang="zh-CN" dirty="0" err="1" smtClean="0"/>
-              <a:t>oldcasename:xxxxx</a:t>
-            </a:r>
-            <a:r>
-              <a:rPr kumimoji="1" lang="en-US" altLang="zh-CN" dirty="0" smtClean="0"/>
-              <a:t>  </a:t>
-            </a:r>
-            <a:r>
-              <a:rPr kumimoji="1" lang="en-US" altLang="zh-CN" dirty="0" err="1" smtClean="0"/>
-              <a:t>casename:XXXXXX</a:t>
-            </a:r>
-            <a:r>
-              <a:rPr kumimoji="1" lang="en-US" altLang="zh-CN" dirty="0" smtClean="0"/>
-              <a:t>    </a:t>
-            </a:r>
-            <a:r>
-              <a:rPr kumimoji="1" lang="en-US" altLang="zh-CN" dirty="0" err="1" smtClean="0"/>
-              <a:t>content:xxxxxxx</a:t>
-            </a:r>
-            <a:endParaRPr kumimoji="1" lang="zh-CN" altLang="en-US" dirty="0"/>
-          </a:p>
-        </p:txBody>
-      </p:sp>
-      <p:sp>
-        <p:nvSpPr>
-          <p:cNvPr id="8" name="文本框 7"/>
-          <p:cNvSpPr txBox="1"/>
-          <p:nvPr/>
-        </p:nvSpPr>
-        <p:spPr>
-          <a:xfrm>
-            <a:off x="2672810" y="4330944"/>
-            <a:ext cx="3173540" cy="369332"/>
-          </a:xfrm>
-          <a:prstGeom prst="rect">
-            <a:avLst/>
-          </a:prstGeom>
-          <a:noFill/>
-        </p:spPr>
-        <p:txBody>
-          <a:bodyPr wrap="none" rtlCol="0">
-            <a:spAutoFit/>
-          </a:bodyPr>
-          <a:lstStyle/>
-          <a:p>
-            <a:r>
-              <a:rPr kumimoji="1" lang="zh-CN" altLang="en-US" dirty="0"/>
-              <a:t>返回</a:t>
-            </a:r>
-            <a:r>
-              <a:rPr kumimoji="1" lang="en-US" altLang="zh-CN" dirty="0" err="1"/>
-              <a:t>json</a:t>
-            </a:r>
-            <a:r>
-              <a:rPr kumimoji="1" lang="zh-CN" altLang="en-US" dirty="0"/>
-              <a:t>结构</a:t>
-            </a:r>
-            <a:r>
-              <a:rPr kumimoji="1" lang="en-US" altLang="zh-CN" dirty="0"/>
-              <a:t>: </a:t>
-            </a:r>
-            <a:r>
-              <a:rPr kumimoji="1" lang="en-US" altLang="zh-CN" dirty="0" err="1"/>
-              <a:t>status:success</a:t>
-            </a:r>
-            <a:endParaRPr kumimoji="1" lang="zh-CN" altLang="en-US" dirty="0"/>
-          </a:p>
-        </p:txBody>
-      </p:sp>
-      <p:sp>
-        <p:nvSpPr>
-          <p:cNvPr id="9" name="文本框 8"/>
-          <p:cNvSpPr txBox="1"/>
-          <p:nvPr/>
-        </p:nvSpPr>
-        <p:spPr>
-          <a:xfrm>
-            <a:off x="697885" y="4885699"/>
-            <a:ext cx="3532638" cy="369332"/>
-          </a:xfrm>
-          <a:prstGeom prst="rect">
-            <a:avLst/>
-          </a:prstGeom>
-          <a:noFill/>
-        </p:spPr>
-        <p:txBody>
-          <a:bodyPr wrap="none" rtlCol="0">
-            <a:spAutoFit/>
-          </a:bodyPr>
-          <a:lstStyle/>
-          <a:p>
-            <a:r>
-              <a:rPr kumimoji="1" lang="zh-CN" altLang="en-US" dirty="0" smtClean="0"/>
-              <a:t>删除，</a:t>
-            </a:r>
-            <a:r>
-              <a:rPr kumimoji="1" lang="zh-CN" altLang="en-US" dirty="0"/>
-              <a:t>向</a:t>
-            </a:r>
-            <a:r>
-              <a:rPr kumimoji="1" lang="en-US" altLang="zh-CN" dirty="0"/>
-              <a:t>/</a:t>
-            </a:r>
-            <a:r>
-              <a:rPr kumimoji="1" lang="en-US" altLang="zh-CN" dirty="0" err="1"/>
-              <a:t>manageCase</a:t>
-            </a:r>
-            <a:r>
-              <a:rPr kumimoji="1" lang="zh-CN" altLang="en-US" dirty="0"/>
-              <a:t>发送请求</a:t>
-            </a:r>
-            <a:r>
-              <a:rPr kumimoji="1" lang="en-US" altLang="zh-CN" dirty="0" smtClean="0"/>
-              <a:t>:</a:t>
-            </a:r>
-            <a:endParaRPr kumimoji="1" lang="zh-CN" altLang="en-US" dirty="0"/>
-          </a:p>
-        </p:txBody>
-      </p:sp>
-      <p:sp>
-        <p:nvSpPr>
-          <p:cNvPr id="10" name="文本框 9"/>
-          <p:cNvSpPr txBox="1"/>
-          <p:nvPr/>
-        </p:nvSpPr>
-        <p:spPr>
-          <a:xfrm>
-            <a:off x="2672810" y="5289357"/>
-            <a:ext cx="3803257" cy="369332"/>
-          </a:xfrm>
-          <a:prstGeom prst="rect">
-            <a:avLst/>
-          </a:prstGeom>
-          <a:noFill/>
-        </p:spPr>
-        <p:txBody>
-          <a:bodyPr wrap="none" rtlCol="0">
-            <a:spAutoFit/>
-          </a:bodyPr>
-          <a:lstStyle/>
-          <a:p>
-            <a:r>
-              <a:rPr kumimoji="1" lang="en-US" altLang="zh-CN" dirty="0" err="1" smtClean="0"/>
-              <a:t>manage:delete</a:t>
-            </a:r>
-            <a:r>
-              <a:rPr kumimoji="1" lang="en-US" altLang="zh-CN" dirty="0" smtClean="0"/>
-              <a:t>   </a:t>
-            </a:r>
-            <a:r>
-              <a:rPr kumimoji="1" lang="en-US" altLang="zh-CN" dirty="0" err="1" smtClean="0"/>
-              <a:t>casename:XXXXX</a:t>
-            </a:r>
-            <a:endParaRPr kumimoji="1" lang="zh-CN" altLang="en-US" dirty="0"/>
-          </a:p>
-        </p:txBody>
-      </p:sp>
-      <p:sp>
-        <p:nvSpPr>
-          <p:cNvPr id="11" name="文本框 10"/>
-          <p:cNvSpPr txBox="1"/>
-          <p:nvPr/>
-        </p:nvSpPr>
-        <p:spPr>
-          <a:xfrm>
-            <a:off x="2672810" y="5762969"/>
-            <a:ext cx="3173540" cy="369332"/>
-          </a:xfrm>
-          <a:prstGeom prst="rect">
-            <a:avLst/>
-          </a:prstGeom>
-          <a:noFill/>
-        </p:spPr>
-        <p:txBody>
-          <a:bodyPr wrap="none" rtlCol="0">
-            <a:spAutoFit/>
-          </a:bodyPr>
-          <a:lstStyle/>
-          <a:p>
-            <a:r>
-              <a:rPr kumimoji="1" lang="zh-CN" altLang="en-US" dirty="0"/>
-              <a:t>返回</a:t>
-            </a:r>
-            <a:r>
-              <a:rPr kumimoji="1" lang="en-US" altLang="zh-CN" dirty="0" err="1"/>
-              <a:t>json</a:t>
-            </a:r>
-            <a:r>
-              <a:rPr kumimoji="1" lang="zh-CN" altLang="en-US" dirty="0"/>
-              <a:t>结构</a:t>
-            </a:r>
-            <a:r>
-              <a:rPr kumimoji="1" lang="en-US" altLang="zh-CN" dirty="0"/>
-              <a:t>: </a:t>
-            </a:r>
-            <a:r>
-              <a:rPr kumimoji="1" lang="en-US" altLang="zh-CN" dirty="0" err="1"/>
-              <a:t>status:success</a:t>
-            </a:r>
-            <a:endParaRPr kumimoji="1" lang="zh-CN" altLang="en-US" dirty="0"/>
-          </a:p>
-        </p:txBody>
-      </p:sp>
+      <p:pic>
+        <p:nvPicPr>
+          <p:cNvPr id="11" name="图片 10"/>
+          <p:cNvPicPr>
+            <a:picLocks noChangeAspect="1"/>
+          </p:cNvPicPr>
+          <p:nvPr/>
+        </p:nvPicPr>
+        <p:blipFill>
+          <a:blip r:embed="rId2"/>
+          <a:stretch>
+            <a:fillRect/>
+          </a:stretch>
+        </p:blipFill>
+        <p:spPr>
+          <a:xfrm>
+            <a:off x="577434" y="1487595"/>
+            <a:ext cx="6324600" cy="431800"/>
+          </a:xfrm>
+          <a:prstGeom prst="rect">
+            <a:avLst/>
+          </a:prstGeom>
+        </p:spPr>
+      </p:pic>
     </p:spTree>
     <p:extLst>
       <p:ext uri="{BB962C8B-B14F-4D97-AF65-F5344CB8AC3E}">
-        <p14:creationId xmlns:p14="http://schemas.microsoft.com/office/powerpoint/2010/main" val="1509008303"/>
+        <p14:creationId xmlns:p14="http://schemas.microsoft.com/office/powerpoint/2010/main" val="2685708976"/>
       </p:ext>
     </p:extLst>
   </p:cSld>
@@ -17835,7 +17846,7 @@
   <p:timing>
     <p:tnLst>
       <p:par>
-        <p:cTn id="1" dur="indefinite" restart="never" nodeType="tmRoot"/>
+        <p:cTn xmlns:p14="http://schemas.microsoft.com/office/powerpoint/2010/main" id="1" dur="indefinite" restart="never" nodeType="tmRoot"/>
       </p:par>
     </p:tnLst>
   </p:timing>
@@ -17878,19 +17889,97 @@
               <a:rPr kumimoji="1" lang="zh-CN" altLang="en-US" dirty="0"/>
               <a:t>七、工程案例</a:t>
             </a:r>
-          </a:p>
-        </p:txBody>
-      </p:sp>
-      <p:sp>
-        <p:nvSpPr>
-          <p:cNvPr id="3" name="文本框 2"/>
+            <a:endParaRPr kumimoji="1" lang="zh-CN" altLang="en-US" dirty="0"/>
+          </a:p>
+        </p:txBody>
+      </p:sp>
+      <p:pic>
+        <p:nvPicPr>
+          <p:cNvPr id="3" name="图片 2"/>
+          <p:cNvPicPr>
+            <a:picLocks noChangeAspect="1"/>
+          </p:cNvPicPr>
+          <p:nvPr/>
+        </p:nvPicPr>
+        <p:blipFill>
+          <a:blip r:embed="rId2"/>
+          <a:stretch>
+            <a:fillRect/>
+          </a:stretch>
+        </p:blipFill>
+        <p:spPr>
+          <a:xfrm>
+            <a:off x="906789" y="1440375"/>
+            <a:ext cx="1930400" cy="1778000"/>
+          </a:xfrm>
+          <a:prstGeom prst="rect">
+            <a:avLst/>
+          </a:prstGeom>
+        </p:spPr>
+      </p:pic>
+      <p:sp>
+        <p:nvSpPr>
+          <p:cNvPr id="18" name="矩形 17"/>
+          <p:cNvSpPr/>
+          <p:nvPr/>
+        </p:nvSpPr>
+        <p:spPr>
+          <a:xfrm>
+            <a:off x="1144087" y="3480569"/>
+            <a:ext cx="4417082" cy="369332"/>
+          </a:xfrm>
+          <a:prstGeom prst="rect">
+            <a:avLst/>
+          </a:prstGeom>
+        </p:spPr>
+        <p:txBody>
+          <a:bodyPr wrap="none">
+            <a:spAutoFit/>
+          </a:bodyPr>
+          <a:lstStyle/>
+          <a:p>
+            <a:r>
+              <a:rPr kumimoji="1" lang="zh-CN" altLang="en-US" dirty="0" smtClean="0"/>
+              <a:t>上传图片，</a:t>
+            </a:r>
+            <a:r>
+              <a:rPr kumimoji="1" lang="zh-CN" altLang="en-US" dirty="0" smtClean="0"/>
+              <a:t>向</a:t>
+            </a:r>
+            <a:r>
+              <a:rPr kumimoji="1" lang="en-US" altLang="zh-CN" dirty="0" smtClean="0"/>
+              <a:t>/</a:t>
+            </a:r>
+            <a:r>
+              <a:rPr kumimoji="1" lang="en-US" altLang="zh-CN" dirty="0" err="1" smtClean="0"/>
+              <a:t>saveCaseFirstPic</a:t>
+            </a:r>
+            <a:r>
+              <a:rPr kumimoji="1" lang="zh-CN" altLang="en-US" dirty="0" smtClean="0"/>
+              <a:t>发送请</a:t>
+            </a:r>
+            <a:r>
+              <a:rPr kumimoji="1" lang="zh-CN" altLang="en-US" dirty="0"/>
+              <a:t>求</a:t>
+            </a:r>
+            <a:r>
+              <a:rPr kumimoji="1" lang="en-US" altLang="zh-CN" dirty="0"/>
+              <a:t>:</a:t>
+            </a:r>
+            <a:endParaRPr kumimoji="1" lang="zh-CN" altLang="en-US" dirty="0"/>
+          </a:p>
+        </p:txBody>
+      </p:sp>
+      <p:sp>
+        <p:nvSpPr>
+          <p:cNvPr id="11" name="文本框 10"/>
           <p:cNvSpPr txBox="1"/>
           <p:nvPr/>
         </p:nvSpPr>
         <p:spPr>
           <a:xfrm>
-            <a:off x="697885" y="1581209"/>
-            <a:ext cx="5174388" cy="369332"/>
+            <a:off x="2368245" y="4027557"/>
+            <a:ext cx="4058661" cy="369332"/>
           </a:xfrm>
           <a:prstGeom prst="rect">
             <a:avLst/>
@@ -17904,43 +17993,43 @@
           <a:lstStyle/>
           <a:p>
             <a:r>
-              <a:rPr kumimoji="1" lang="zh-CN" altLang="en-US" dirty="0" smtClean="0"/>
-              <a:t>增加的‘排序’按扭，</a:t>
-            </a:r>
-            <a:r>
-              <a:rPr kumimoji="1" lang="zh-CN" altLang="en-US" dirty="0"/>
-              <a:t>向</a:t>
+              <a:rPr kumimoji="1" lang="en-US" altLang="zh-CN" dirty="0" err="1"/>
+              <a:t>casename</a:t>
             </a:r>
             <a:r>
               <a:rPr kumimoji="1" lang="en-US" altLang="zh-CN" dirty="0"/>
-              <a:t>/</a:t>
+              <a:t> = </a:t>
             </a:r>
             <a:r>
               <a:rPr kumimoji="1" lang="en-US" altLang="zh-CN" dirty="0" err="1"/>
-              <a:t>manageCase</a:t>
-            </a:r>
-            <a:r>
-              <a:rPr kumimoji="1" lang="zh-CN" altLang="en-US" dirty="0"/>
-              <a:t>发送请求</a:t>
-            </a:r>
-            <a:r>
-              <a:rPr kumimoji="1" lang="en-US" altLang="zh-CN" dirty="0" smtClean="0"/>
-              <a:t>:</a:t>
-            </a:r>
-            <a:endParaRPr kumimoji="1" lang="zh-CN" altLang="en-US" dirty="0"/>
-          </a:p>
-        </p:txBody>
-      </p:sp>
-      <p:sp>
-        <p:nvSpPr>
-          <p:cNvPr id="12" name="文本框 11"/>
+              <a:t>xxxxxx</a:t>
+            </a:r>
+            <a:r>
+              <a:rPr kumimoji="1" lang="en-US" altLang="zh-CN" dirty="0"/>
+              <a:t> </a:t>
+            </a:r>
+            <a:r>
+              <a:rPr kumimoji="1" lang="en-US" altLang="zh-CN" dirty="0" smtClean="0"/>
+              <a:t>   pic = </a:t>
+            </a:r>
+            <a:r>
+              <a:rPr kumimoji="1" lang="en-US" altLang="zh-CN" dirty="0" err="1" smtClean="0"/>
+              <a:t>xxxxxxxxx</a:t>
+            </a:r>
+            <a:endParaRPr kumimoji="1" lang="zh-CN" altLang="en-US" dirty="0"/>
+          </a:p>
+        </p:txBody>
+      </p:sp>
+      <p:sp>
+        <p:nvSpPr>
+          <p:cNvPr id="19" name="文本框 18"/>
           <p:cNvSpPr txBox="1"/>
           <p:nvPr/>
         </p:nvSpPr>
         <p:spPr>
           <a:xfrm>
-            <a:off x="2044541" y="2153451"/>
-            <a:ext cx="4610945" cy="369332"/>
+            <a:off x="2368245" y="4648112"/>
+            <a:ext cx="4416120" cy="646331"/>
           </a:xfrm>
           <a:prstGeom prst="rect">
             <a:avLst/>
@@ -17948,61 +18037,7 @@
           <a:noFill/>
         </p:spPr>
         <p:txBody>
-          <a:bodyPr wrap="none" rtlCol="0">
-            <a:spAutoFit/>
-          </a:bodyPr>
-          <a:lstStyle/>
-          <a:p>
-            <a:r>
-              <a:rPr kumimoji="1" lang="en-US" altLang="zh-CN" dirty="0" err="1" smtClean="0"/>
-              <a:t>manage:sort</a:t>
-            </a:r>
-            <a:r>
-              <a:rPr kumimoji="1" lang="en-US" altLang="zh-CN" dirty="0" smtClean="0"/>
-              <a:t>   </a:t>
-            </a:r>
-            <a:r>
-              <a:rPr kumimoji="1" lang="en-US" altLang="zh-CN" dirty="0" err="1" smtClean="0"/>
-              <a:t>sequence:AAA</a:t>
-            </a:r>
-            <a:r>
-              <a:rPr kumimoji="1" lang="zh-CN" altLang="en-US" dirty="0"/>
-              <a:t>＃</a:t>
-            </a:r>
-            <a:r>
-              <a:rPr kumimoji="1" lang="en-US" altLang="zh-CN" dirty="0"/>
-              <a:t>BBB</a:t>
-            </a:r>
-            <a:r>
-              <a:rPr kumimoji="1" lang="zh-CN" altLang="en-US" dirty="0"/>
-              <a:t>＃</a:t>
-            </a:r>
-            <a:r>
-              <a:rPr kumimoji="1" lang="en-US" altLang="zh-CN" dirty="0"/>
-              <a:t>CCC </a:t>
-            </a:r>
-            <a:endParaRPr kumimoji="1" lang="zh-CN" altLang="en-US" dirty="0"/>
-          </a:p>
-        </p:txBody>
-      </p:sp>
-      <p:sp>
-        <p:nvSpPr>
-          <p:cNvPr id="13" name="文本框 12"/>
-          <p:cNvSpPr txBox="1"/>
-          <p:nvPr/>
-        </p:nvSpPr>
-        <p:spPr>
-          <a:xfrm>
-            <a:off x="2592725" y="2677384"/>
-            <a:ext cx="3173540" cy="369332"/>
-          </a:xfrm>
-          <a:prstGeom prst="rect">
-            <a:avLst/>
-          </a:prstGeom>
-          <a:noFill/>
-        </p:spPr>
-        <p:txBody>
-          <a:bodyPr wrap="none" rtlCol="0">
+          <a:bodyPr wrap="square" rtlCol="0">
             <a:spAutoFit/>
           </a:bodyPr>
           <a:lstStyle/>
@@ -18024,8 +18059,26 @@
               <a:t>: </a:t>
             </a:r>
             <a:r>
-              <a:rPr kumimoji="1" lang="en-US" altLang="zh-CN" dirty="0" err="1"/>
-              <a:t>status:success</a:t>
+              <a:rPr kumimoji="1" lang="en-US" altLang="zh-CN" dirty="0"/>
+              <a:t> </a:t>
+            </a:r>
+            <a:r>
+              <a:rPr kumimoji="1" lang="en-US" altLang="zh-CN" dirty="0" smtClean="0"/>
+              <a:t>  </a:t>
+            </a:r>
+          </a:p>
+          <a:p>
+            <a:r>
+              <a:rPr kumimoji="1" lang="en-US" altLang="zh-CN" dirty="0"/>
+              <a:t> </a:t>
+            </a:r>
+            <a:r>
+              <a:rPr kumimoji="1" lang="en-US" altLang="zh-CN" dirty="0" smtClean="0"/>
+              <a:t>                      </a:t>
+            </a:r>
+            <a:r>
+              <a:rPr kumimoji="1" lang="en-US" altLang="zh-CN" dirty="0" err="1" smtClean="0"/>
+              <a:t>picname:xxxxxx.jpg</a:t>
             </a:r>
             <a:endParaRPr kumimoji="1" lang="zh-CN" altLang="en-US" dirty="0"/>
           </a:p>
@@ -18034,7 +18087,7 @@
     </p:spTree>
     <p:extLst>
       <p:ext uri="{BB962C8B-B14F-4D97-AF65-F5344CB8AC3E}">
-        <p14:creationId xmlns:p14="http://schemas.microsoft.com/office/powerpoint/2010/main" val="2247713544"/>
+        <p14:creationId xmlns:p14="http://schemas.microsoft.com/office/powerpoint/2010/main" val="3938328595"/>
       </p:ext>
     </p:extLst>
   </p:cSld>
@@ -18044,7 +18097,7 @@
   <p:timing>
     <p:tnLst>
       <p:par>
-        <p:cTn id="1" dur="indefinite" restart="never" nodeType="tmRoot"/>
+        <p:cTn xmlns:p14="http://schemas.microsoft.com/office/powerpoint/2010/main" id="1" dur="indefinite" restart="never" nodeType="tmRoot"/>
       </p:par>
     </p:tnLst>
   </p:timing>
@@ -18643,8 +18696,381 @@
           <a:lstStyle/>
           <a:p>
             <a:r>
-              <a:rPr kumimoji="1" lang="zh-CN" altLang="en-US" dirty="0" smtClean="0"/>
-              <a:t>八、店面展示</a:t>
+              <a:rPr kumimoji="1" lang="zh-CN" altLang="en-US" dirty="0"/>
+              <a:t>七、工程案例</a:t>
+            </a:r>
+          </a:p>
+        </p:txBody>
+      </p:sp>
+      <p:pic>
+        <p:nvPicPr>
+          <p:cNvPr id="3" name="图片 2"/>
+          <p:cNvPicPr>
+            <a:picLocks noChangeAspect="1"/>
+          </p:cNvPicPr>
+          <p:nvPr/>
+        </p:nvPicPr>
+        <p:blipFill>
+          <a:blip r:embed="rId2"/>
+          <a:stretch>
+            <a:fillRect/>
+          </a:stretch>
+        </p:blipFill>
+        <p:spPr>
+          <a:xfrm>
+            <a:off x="1004451" y="1421023"/>
+            <a:ext cx="6870700" cy="1778000"/>
+          </a:xfrm>
+          <a:prstGeom prst="rect">
+            <a:avLst/>
+          </a:prstGeom>
+        </p:spPr>
+      </p:pic>
+      <p:sp>
+        <p:nvSpPr>
+          <p:cNvPr id="4" name="矩形 3"/>
+          <p:cNvSpPr/>
+          <p:nvPr/>
+        </p:nvSpPr>
+        <p:spPr>
+          <a:xfrm>
+            <a:off x="1004451" y="3199023"/>
+            <a:ext cx="4430044" cy="369332"/>
+          </a:xfrm>
+          <a:prstGeom prst="rect">
+            <a:avLst/>
+          </a:prstGeom>
+        </p:spPr>
+        <p:txBody>
+          <a:bodyPr wrap="none">
+            <a:spAutoFit/>
+          </a:bodyPr>
+          <a:lstStyle/>
+          <a:p>
+            <a:r>
+              <a:rPr kumimoji="1" lang="zh-CN" altLang="en-US" dirty="0" smtClean="0"/>
+              <a:t>上传文章图片，</a:t>
+            </a:r>
+            <a:r>
+              <a:rPr kumimoji="1" lang="zh-CN" altLang="en-US" dirty="0" smtClean="0"/>
+              <a:t>向</a:t>
+            </a:r>
+            <a:r>
+              <a:rPr kumimoji="1" lang="en-US" altLang="zh-CN" dirty="0" smtClean="0"/>
+              <a:t>/</a:t>
+            </a:r>
+            <a:r>
+              <a:rPr kumimoji="1" lang="en-US" altLang="zh-CN" dirty="0" err="1" smtClean="0"/>
+              <a:t>saveCasePic</a:t>
+            </a:r>
+            <a:r>
+              <a:rPr kumimoji="1" lang="zh-CN" altLang="en-US" dirty="0" smtClean="0"/>
+              <a:t>发送请</a:t>
+            </a:r>
+            <a:r>
+              <a:rPr kumimoji="1" lang="zh-CN" altLang="en-US" dirty="0"/>
+              <a:t>求</a:t>
+            </a:r>
+            <a:r>
+              <a:rPr kumimoji="1" lang="en-US" altLang="zh-CN" dirty="0"/>
+              <a:t>:</a:t>
+            </a:r>
+            <a:endParaRPr kumimoji="1" lang="zh-CN" altLang="en-US" dirty="0"/>
+          </a:p>
+        </p:txBody>
+      </p:sp>
+      <p:sp>
+        <p:nvSpPr>
+          <p:cNvPr id="5" name="文本框 4"/>
+          <p:cNvSpPr txBox="1"/>
+          <p:nvPr/>
+        </p:nvSpPr>
+        <p:spPr>
+          <a:xfrm>
+            <a:off x="2228609" y="3665917"/>
+            <a:ext cx="4058661" cy="369332"/>
+          </a:xfrm>
+          <a:prstGeom prst="rect">
+            <a:avLst/>
+          </a:prstGeom>
+          <a:noFill/>
+        </p:spPr>
+        <p:txBody>
+          <a:bodyPr wrap="none" rtlCol="0">
+            <a:spAutoFit/>
+          </a:bodyPr>
+          <a:lstStyle/>
+          <a:p>
+            <a:r>
+              <a:rPr kumimoji="1" lang="en-US" altLang="zh-CN" dirty="0" err="1"/>
+              <a:t>casename</a:t>
+            </a:r>
+            <a:r>
+              <a:rPr kumimoji="1" lang="en-US" altLang="zh-CN" dirty="0"/>
+              <a:t> = </a:t>
+            </a:r>
+            <a:r>
+              <a:rPr kumimoji="1" lang="en-US" altLang="zh-CN" dirty="0" err="1"/>
+              <a:t>xxxxxx</a:t>
+            </a:r>
+            <a:r>
+              <a:rPr kumimoji="1" lang="en-US" altLang="zh-CN" dirty="0"/>
+              <a:t> </a:t>
+            </a:r>
+            <a:r>
+              <a:rPr kumimoji="1" lang="en-US" altLang="zh-CN" dirty="0" smtClean="0"/>
+              <a:t>   pic = </a:t>
+            </a:r>
+            <a:r>
+              <a:rPr kumimoji="1" lang="en-US" altLang="zh-CN" dirty="0" err="1" smtClean="0"/>
+              <a:t>xxxxxxxxx</a:t>
+            </a:r>
+            <a:endParaRPr kumimoji="1" lang="zh-CN" altLang="en-US" dirty="0"/>
+          </a:p>
+        </p:txBody>
+      </p:sp>
+      <p:sp>
+        <p:nvSpPr>
+          <p:cNvPr id="6" name="文本框 5"/>
+          <p:cNvSpPr txBox="1"/>
+          <p:nvPr/>
+        </p:nvSpPr>
+        <p:spPr>
+          <a:xfrm>
+            <a:off x="2228609" y="4114842"/>
+            <a:ext cx="4416120" cy="646331"/>
+          </a:xfrm>
+          <a:prstGeom prst="rect">
+            <a:avLst/>
+          </a:prstGeom>
+          <a:noFill/>
+        </p:spPr>
+        <p:txBody>
+          <a:bodyPr wrap="square" rtlCol="0">
+            <a:spAutoFit/>
+          </a:bodyPr>
+          <a:lstStyle/>
+          <a:p>
+            <a:r>
+              <a:rPr kumimoji="1" lang="zh-CN" altLang="en-US" dirty="0"/>
+              <a:t>返回</a:t>
+            </a:r>
+            <a:r>
+              <a:rPr kumimoji="1" lang="en-US" altLang="zh-CN" dirty="0" err="1"/>
+              <a:t>json</a:t>
+            </a:r>
+            <a:r>
+              <a:rPr kumimoji="1" lang="zh-CN" altLang="en-US" dirty="0"/>
+              <a:t>结构</a:t>
+            </a:r>
+            <a:r>
+              <a:rPr kumimoji="1" lang="en-US" altLang="zh-CN" dirty="0"/>
+              <a:t>: </a:t>
+            </a:r>
+            <a:r>
+              <a:rPr kumimoji="1" lang="en-US" altLang="zh-CN" dirty="0"/>
+              <a:t> </a:t>
+            </a:r>
+            <a:r>
+              <a:rPr kumimoji="1" lang="en-US" altLang="zh-CN" dirty="0" smtClean="0"/>
+              <a:t>  </a:t>
+            </a:r>
+          </a:p>
+          <a:p>
+            <a:r>
+              <a:rPr kumimoji="1" lang="en-US" altLang="zh-CN" dirty="0"/>
+              <a:t> </a:t>
+            </a:r>
+            <a:r>
+              <a:rPr kumimoji="1" lang="en-US" altLang="zh-CN" dirty="0" smtClean="0"/>
+              <a:t>                      </a:t>
+            </a:r>
+            <a:r>
+              <a:rPr kumimoji="1" lang="en-US" altLang="zh-CN" dirty="0" err="1" smtClean="0"/>
+              <a:t>picname:xxxxxx.jpg</a:t>
+            </a:r>
+            <a:endParaRPr kumimoji="1" lang="zh-CN" altLang="en-US" dirty="0"/>
+          </a:p>
+        </p:txBody>
+      </p:sp>
+      <p:sp>
+        <p:nvSpPr>
+          <p:cNvPr id="7" name="矩形 6"/>
+          <p:cNvSpPr/>
+          <p:nvPr/>
+        </p:nvSpPr>
+        <p:spPr>
+          <a:xfrm>
+            <a:off x="1004451" y="4895679"/>
+            <a:ext cx="4494402" cy="369332"/>
+          </a:xfrm>
+          <a:prstGeom prst="rect">
+            <a:avLst/>
+          </a:prstGeom>
+        </p:spPr>
+        <p:txBody>
+          <a:bodyPr wrap="none">
+            <a:spAutoFit/>
+          </a:bodyPr>
+          <a:lstStyle/>
+          <a:p>
+            <a:r>
+              <a:rPr kumimoji="1" lang="zh-CN" altLang="en-US" dirty="0" smtClean="0"/>
+              <a:t>上传文章图片，</a:t>
+            </a:r>
+            <a:r>
+              <a:rPr kumimoji="1" lang="zh-CN" altLang="en-US" dirty="0" smtClean="0"/>
+              <a:t>向</a:t>
+            </a:r>
+            <a:r>
+              <a:rPr kumimoji="1" lang="en-US" altLang="zh-CN" dirty="0" smtClean="0"/>
+              <a:t>/</a:t>
+            </a:r>
+            <a:r>
+              <a:rPr kumimoji="1" lang="en-US" altLang="zh-CN" dirty="0" err="1" smtClean="0"/>
+              <a:t>saveCase</a:t>
+            </a:r>
+            <a:r>
+              <a:rPr kumimoji="1" lang="en-US" altLang="zh-CN" dirty="0" err="1" smtClean="0"/>
+              <a:t>Info</a:t>
+            </a:r>
+            <a:r>
+              <a:rPr kumimoji="1" lang="zh-CN" altLang="en-US" dirty="0" smtClean="0"/>
+              <a:t>发送请</a:t>
+            </a:r>
+            <a:r>
+              <a:rPr kumimoji="1" lang="zh-CN" altLang="en-US" dirty="0"/>
+              <a:t>求</a:t>
+            </a:r>
+            <a:r>
+              <a:rPr kumimoji="1" lang="en-US" altLang="zh-CN" dirty="0"/>
+              <a:t>:</a:t>
+            </a:r>
+            <a:endParaRPr kumimoji="1" lang="zh-CN" altLang="en-US" dirty="0"/>
+          </a:p>
+        </p:txBody>
+      </p:sp>
+      <p:sp>
+        <p:nvSpPr>
+          <p:cNvPr id="8" name="文本框 7"/>
+          <p:cNvSpPr txBox="1"/>
+          <p:nvPr/>
+        </p:nvSpPr>
+        <p:spPr>
+          <a:xfrm>
+            <a:off x="2228609" y="5362573"/>
+            <a:ext cx="4559211" cy="369332"/>
+          </a:xfrm>
+          <a:prstGeom prst="rect">
+            <a:avLst/>
+          </a:prstGeom>
+          <a:noFill/>
+        </p:spPr>
+        <p:txBody>
+          <a:bodyPr wrap="none" rtlCol="0">
+            <a:spAutoFit/>
+          </a:bodyPr>
+          <a:lstStyle/>
+          <a:p>
+            <a:r>
+              <a:rPr kumimoji="1" lang="en-US" altLang="zh-CN" dirty="0" err="1"/>
+              <a:t>casename</a:t>
+            </a:r>
+            <a:r>
+              <a:rPr kumimoji="1" lang="en-US" altLang="zh-CN" dirty="0"/>
+              <a:t> = </a:t>
+            </a:r>
+            <a:r>
+              <a:rPr kumimoji="1" lang="en-US" altLang="zh-CN" dirty="0" err="1"/>
+              <a:t>xxxxxx</a:t>
+            </a:r>
+            <a:r>
+              <a:rPr kumimoji="1" lang="en-US" altLang="zh-CN" dirty="0"/>
+              <a:t> </a:t>
+            </a:r>
+            <a:r>
+              <a:rPr kumimoji="1" lang="en-US" altLang="zh-CN" dirty="0" smtClean="0"/>
+              <a:t>   </a:t>
+            </a:r>
+            <a:r>
+              <a:rPr lang="en-US" altLang="zh-CN" dirty="0"/>
+              <a:t>content</a:t>
+            </a:r>
+            <a:r>
+              <a:rPr kumimoji="1" lang="en-US" altLang="zh-CN" dirty="0" smtClean="0"/>
+              <a:t>= </a:t>
+            </a:r>
+            <a:r>
+              <a:rPr kumimoji="1" lang="en-US" altLang="zh-CN" dirty="0" err="1" smtClean="0"/>
+              <a:t>xxxxxxxxx</a:t>
+            </a:r>
+            <a:endParaRPr kumimoji="1" lang="zh-CN" altLang="en-US" dirty="0"/>
+          </a:p>
+        </p:txBody>
+      </p:sp>
+      <p:sp>
+        <p:nvSpPr>
+          <p:cNvPr id="9" name="文本框 8"/>
+          <p:cNvSpPr txBox="1"/>
+          <p:nvPr/>
+        </p:nvSpPr>
+        <p:spPr>
+          <a:xfrm>
+            <a:off x="2228609" y="5811498"/>
+            <a:ext cx="4416120" cy="646331"/>
+          </a:xfrm>
+          <a:prstGeom prst="rect">
+            <a:avLst/>
+          </a:prstGeom>
+          <a:noFill/>
+        </p:spPr>
+        <p:txBody>
+          <a:bodyPr wrap="square" rtlCol="0">
+            <a:spAutoFit/>
+          </a:bodyPr>
+          <a:lstStyle/>
+          <a:p>
+            <a:r>
+              <a:rPr kumimoji="1" lang="zh-CN" altLang="en-US" dirty="0"/>
+              <a:t>返回</a:t>
+            </a:r>
+            <a:r>
+              <a:rPr kumimoji="1" lang="en-US" altLang="zh-CN" dirty="0" err="1"/>
+              <a:t>json</a:t>
+            </a:r>
+            <a:r>
+              <a:rPr kumimoji="1" lang="zh-CN" altLang="en-US" dirty="0"/>
+              <a:t>结构</a:t>
+            </a:r>
+            <a:r>
+              <a:rPr kumimoji="1" lang="en-US" altLang="zh-CN" dirty="0"/>
+              <a:t>: </a:t>
+            </a:r>
+            <a:r>
+              <a:rPr kumimoji="1" lang="en-US" altLang="zh-CN" dirty="0"/>
+              <a:t> </a:t>
+            </a:r>
+            <a:r>
+              <a:rPr kumimoji="1" lang="en-US" altLang="zh-CN" dirty="0" smtClean="0"/>
+              <a:t>  </a:t>
+            </a:r>
+          </a:p>
+          <a:p>
+            <a:r>
+              <a:rPr kumimoji="1" lang="en-US" altLang="zh-CN" dirty="0"/>
+              <a:t> </a:t>
+            </a:r>
+            <a:r>
+              <a:rPr kumimoji="1" lang="en-US" altLang="zh-CN" dirty="0" smtClean="0"/>
+              <a:t>                     </a:t>
+            </a:r>
+            <a:r>
+              <a:rPr kumimoji="1" lang="en-US" altLang="zh-CN" dirty="0"/>
+              <a:t> </a:t>
+            </a:r>
+            <a:r>
+              <a:rPr kumimoji="1" lang="en-US" altLang="zh-CN" dirty="0" err="1"/>
+              <a:t>status:success</a:t>
             </a:r>
             <a:endParaRPr kumimoji="1" lang="zh-CN" altLang="en-US" dirty="0"/>
           </a:p>
@@ -18653,20 +19079,13 @@
     </p:spTree>
     <p:extLst>
       <p:ext uri="{BB962C8B-B14F-4D97-AF65-F5344CB8AC3E}">
-        <p14:creationId xmlns:p14="http://schemas.microsoft.com/office/powerpoint/2010/main" val="428043627"/>
+        <p14:creationId xmlns:p14="http://schemas.microsoft.com/office/powerpoint/2010/main" val="2540453390"/>
       </p:ext>
     </p:extLst>
   </p:cSld>
   <p:clrMapOvr>
     <a:masterClrMapping/>
   </p:clrMapOvr>
-  <p:timing>
-    <p:tnLst>
-      <p:par>
-        <p:cTn id="1" dur="indefinite" restart="never" nodeType="tmRoot"/>
-      </p:par>
-    </p:tnLst>
-  </p:timing>
 </p:sld>
 </file>
 
@@ -18703,575 +19122,8 @@
           <a:lstStyle/>
           <a:p>
             <a:r>
-              <a:rPr kumimoji="1" lang="zh-CN" altLang="en-US" dirty="0"/>
+              <a:rPr kumimoji="1" lang="zh-CN" altLang="en-US" dirty="0" smtClean="0"/>
               <a:t>八、店面展示</a:t>
-            </a:r>
-          </a:p>
-        </p:txBody>
-      </p:sp>
-      <p:sp>
-        <p:nvSpPr>
-          <p:cNvPr id="18" name="矩形 17"/>
-          <p:cNvSpPr/>
-          <p:nvPr/>
-        </p:nvSpPr>
-        <p:spPr>
-          <a:xfrm>
-            <a:off x="1212717" y="2643084"/>
-            <a:ext cx="1292802" cy="1041214"/>
-          </a:xfrm>
-          <a:prstGeom prst="rect">
-            <a:avLst/>
-          </a:prstGeom>
-        </p:spPr>
-        <p:style>
-          <a:lnRef idx="2">
-            <a:schemeClr val="dk1"/>
-          </a:lnRef>
-          <a:fillRef idx="1">
-            <a:schemeClr val="lt1"/>
-          </a:fillRef>
-          <a:effectRef idx="0">
-            <a:schemeClr val="dk1"/>
-          </a:effectRef>
-          <a:fontRef idx="minor">
-            <a:schemeClr val="dk1"/>
-          </a:fontRef>
-        </p:style>
-        <p:txBody>
-          <a:bodyPr rtlCol="0" anchor="ctr"/>
-          <a:lstStyle/>
-          <a:p>
-            <a:pPr algn="ctr"/>
-            <a:r>
-              <a:rPr kumimoji="1" lang="en-US" altLang="zh-CN" dirty="0" smtClean="0"/>
-              <a:t>pic</a:t>
-            </a:r>
-            <a:endParaRPr kumimoji="1" lang="zh-CN" altLang="en-US" dirty="0"/>
-          </a:p>
-        </p:txBody>
-      </p:sp>
-      <p:sp>
-        <p:nvSpPr>
-          <p:cNvPr id="19" name="文本框 18"/>
-          <p:cNvSpPr txBox="1"/>
-          <p:nvPr/>
-        </p:nvSpPr>
-        <p:spPr>
-          <a:xfrm>
-            <a:off x="75241" y="2193039"/>
-            <a:ext cx="1107996" cy="369332"/>
-          </a:xfrm>
-          <a:prstGeom prst="rect">
-            <a:avLst/>
-          </a:prstGeom>
-          <a:noFill/>
-        </p:spPr>
-        <p:txBody>
-          <a:bodyPr wrap="none" rtlCol="0">
-            <a:spAutoFit/>
-          </a:bodyPr>
-          <a:lstStyle/>
-          <a:p>
-            <a:r>
-              <a:rPr kumimoji="1" lang="zh-CN" altLang="en-US" dirty="0" smtClean="0"/>
-              <a:t>封面图片</a:t>
-            </a:r>
-            <a:endParaRPr kumimoji="1" lang="zh-CN" altLang="en-US" dirty="0"/>
-          </a:p>
-        </p:txBody>
-      </p:sp>
-      <p:sp>
-        <p:nvSpPr>
-          <p:cNvPr id="20" name="矩形 19"/>
-          <p:cNvSpPr/>
-          <p:nvPr/>
-        </p:nvSpPr>
-        <p:spPr>
-          <a:xfrm>
-            <a:off x="1212716" y="2301374"/>
-            <a:ext cx="1189835" cy="260997"/>
-          </a:xfrm>
-          <a:prstGeom prst="rect">
-            <a:avLst/>
-          </a:prstGeom>
-        </p:spPr>
-        <p:style>
-          <a:lnRef idx="2">
-            <a:schemeClr val="dk1"/>
-          </a:lnRef>
-          <a:fillRef idx="1">
-            <a:schemeClr val="lt1"/>
-          </a:fillRef>
-          <a:effectRef idx="0">
-            <a:schemeClr val="dk1"/>
-          </a:effectRef>
-          <a:fontRef idx="minor">
-            <a:schemeClr val="dk1"/>
-          </a:fontRef>
-        </p:style>
-        <p:txBody>
-          <a:bodyPr rtlCol="0" anchor="ctr"/>
-          <a:lstStyle/>
-          <a:p>
-            <a:pPr algn="ctr"/>
-            <a:r>
-              <a:rPr kumimoji="1" lang="zh-CN" altLang="en-US" dirty="0" smtClean="0"/>
-              <a:t>上传图片</a:t>
-            </a:r>
-            <a:endParaRPr kumimoji="1" lang="zh-CN" altLang="en-US" dirty="0"/>
-          </a:p>
-        </p:txBody>
-      </p:sp>
-      <p:sp>
-        <p:nvSpPr>
-          <p:cNvPr id="22" name="矩形 21"/>
-          <p:cNvSpPr/>
-          <p:nvPr/>
-        </p:nvSpPr>
-        <p:spPr>
-          <a:xfrm>
-            <a:off x="3220267" y="1626052"/>
-            <a:ext cx="724968" cy="260997"/>
-          </a:xfrm>
-          <a:prstGeom prst="rect">
-            <a:avLst/>
-          </a:prstGeom>
-        </p:spPr>
-        <p:style>
-          <a:lnRef idx="2">
-            <a:schemeClr val="dk1"/>
-          </a:lnRef>
-          <a:fillRef idx="1">
-            <a:schemeClr val="lt1"/>
-          </a:fillRef>
-          <a:effectRef idx="0">
-            <a:schemeClr val="dk1"/>
-          </a:effectRef>
-          <a:fontRef idx="minor">
-            <a:schemeClr val="dk1"/>
-          </a:fontRef>
-        </p:style>
-        <p:txBody>
-          <a:bodyPr rtlCol="0" anchor="ctr"/>
-          <a:lstStyle/>
-          <a:p>
-            <a:pPr algn="ctr"/>
-            <a:r>
-              <a:rPr kumimoji="1" lang="zh-CN" altLang="en-US" dirty="0" smtClean="0"/>
-              <a:t>编辑</a:t>
-            </a:r>
-            <a:endParaRPr kumimoji="1" lang="zh-CN" altLang="en-US" dirty="0"/>
-          </a:p>
-        </p:txBody>
-      </p:sp>
-      <p:sp>
-        <p:nvSpPr>
-          <p:cNvPr id="23" name="矩形 22"/>
-          <p:cNvSpPr/>
-          <p:nvPr/>
-        </p:nvSpPr>
-        <p:spPr>
-          <a:xfrm>
-            <a:off x="4097635" y="1626052"/>
-            <a:ext cx="724968" cy="260997"/>
-          </a:xfrm>
-          <a:prstGeom prst="rect">
-            <a:avLst/>
-          </a:prstGeom>
-        </p:spPr>
-        <p:style>
-          <a:lnRef idx="2">
-            <a:schemeClr val="dk1"/>
-          </a:lnRef>
-          <a:fillRef idx="1">
-            <a:schemeClr val="lt1"/>
-          </a:fillRef>
-          <a:effectRef idx="0">
-            <a:schemeClr val="dk1"/>
-          </a:effectRef>
-          <a:fontRef idx="minor">
-            <a:schemeClr val="dk1"/>
-          </a:fontRef>
-        </p:style>
-        <p:txBody>
-          <a:bodyPr rtlCol="0" anchor="ctr"/>
-          <a:lstStyle/>
-          <a:p>
-            <a:pPr algn="ctr"/>
-            <a:r>
-              <a:rPr kumimoji="1" lang="zh-CN" altLang="en-US" dirty="0" smtClean="0"/>
-              <a:t>删除</a:t>
-            </a:r>
-            <a:endParaRPr kumimoji="1" lang="zh-CN" altLang="en-US" dirty="0"/>
-          </a:p>
-        </p:txBody>
-      </p:sp>
-      <p:sp>
-        <p:nvSpPr>
-          <p:cNvPr id="24" name="矩形 23"/>
-          <p:cNvSpPr/>
-          <p:nvPr/>
-        </p:nvSpPr>
-        <p:spPr>
-          <a:xfrm>
-            <a:off x="5814284" y="1626052"/>
-            <a:ext cx="724968" cy="260997"/>
-          </a:xfrm>
-          <a:prstGeom prst="rect">
-            <a:avLst/>
-          </a:prstGeom>
-        </p:spPr>
-        <p:style>
-          <a:lnRef idx="2">
-            <a:schemeClr val="dk1"/>
-          </a:lnRef>
-          <a:fillRef idx="1">
-            <a:schemeClr val="lt1"/>
-          </a:fillRef>
-          <a:effectRef idx="0">
-            <a:schemeClr val="dk1"/>
-          </a:effectRef>
-          <a:fontRef idx="minor">
-            <a:schemeClr val="dk1"/>
-          </a:fontRef>
-        </p:style>
-        <p:txBody>
-          <a:bodyPr rtlCol="0" anchor="ctr"/>
-          <a:lstStyle/>
-          <a:p>
-            <a:pPr algn="ctr"/>
-            <a:r>
-              <a:rPr kumimoji="1" lang="zh-CN" altLang="en-US" dirty="0" smtClean="0"/>
-              <a:t>排序</a:t>
-            </a:r>
-            <a:endParaRPr kumimoji="1" lang="zh-CN" altLang="en-US" dirty="0"/>
-          </a:p>
-        </p:txBody>
-      </p:sp>
-      <p:sp>
-        <p:nvSpPr>
-          <p:cNvPr id="25" name="矩形 24"/>
-          <p:cNvSpPr/>
-          <p:nvPr/>
-        </p:nvSpPr>
-        <p:spPr>
-          <a:xfrm>
-            <a:off x="4964102" y="1626052"/>
-            <a:ext cx="724968" cy="260997"/>
-          </a:xfrm>
-          <a:prstGeom prst="rect">
-            <a:avLst/>
-          </a:prstGeom>
-        </p:spPr>
-        <p:style>
-          <a:lnRef idx="2">
-            <a:schemeClr val="dk1"/>
-          </a:lnRef>
-          <a:fillRef idx="1">
-            <a:schemeClr val="lt1"/>
-          </a:fillRef>
-          <a:effectRef idx="0">
-            <a:schemeClr val="dk1"/>
-          </a:effectRef>
-          <a:fontRef idx="minor">
-            <a:schemeClr val="dk1"/>
-          </a:fontRef>
-        </p:style>
-        <p:txBody>
-          <a:bodyPr rtlCol="0" anchor="ctr"/>
-          <a:lstStyle/>
-          <a:p>
-            <a:pPr algn="ctr"/>
-            <a:r>
-              <a:rPr kumimoji="1" lang="zh-CN" altLang="en-US" dirty="0" smtClean="0"/>
-              <a:t>增加</a:t>
-            </a:r>
-            <a:endParaRPr kumimoji="1" lang="zh-CN" altLang="en-US" dirty="0"/>
-          </a:p>
-        </p:txBody>
-      </p:sp>
-      <p:sp>
-        <p:nvSpPr>
-          <p:cNvPr id="26" name="矩形 25"/>
-          <p:cNvSpPr/>
-          <p:nvPr/>
-        </p:nvSpPr>
-        <p:spPr>
-          <a:xfrm>
-            <a:off x="986298" y="1626052"/>
-            <a:ext cx="1519221" cy="260997"/>
-          </a:xfrm>
-          <a:prstGeom prst="rect">
-            <a:avLst/>
-          </a:prstGeom>
-        </p:spPr>
-        <p:style>
-          <a:lnRef idx="2">
-            <a:schemeClr val="dk1"/>
-          </a:lnRef>
-          <a:fillRef idx="1">
-            <a:schemeClr val="lt1"/>
-          </a:fillRef>
-          <a:effectRef idx="0">
-            <a:schemeClr val="dk1"/>
-          </a:effectRef>
-          <a:fontRef idx="minor">
-            <a:schemeClr val="dk1"/>
-          </a:fontRef>
-        </p:style>
-        <p:txBody>
-          <a:bodyPr rtlCol="0" anchor="ctr"/>
-          <a:lstStyle/>
-          <a:p>
-            <a:pPr algn="ctr"/>
-            <a:r>
-              <a:rPr kumimoji="1" lang="zh-CN" altLang="en-US" dirty="0" smtClean="0"/>
-              <a:t>请选择店面</a:t>
-            </a:r>
-            <a:endParaRPr kumimoji="1" lang="zh-CN" altLang="en-US" dirty="0"/>
-          </a:p>
-        </p:txBody>
-      </p:sp>
-      <p:sp>
-        <p:nvSpPr>
-          <p:cNvPr id="27" name="矩形 26"/>
-          <p:cNvSpPr/>
-          <p:nvPr/>
-        </p:nvSpPr>
-        <p:spPr>
-          <a:xfrm>
-            <a:off x="2505519" y="1626052"/>
-            <a:ext cx="298734" cy="260997"/>
-          </a:xfrm>
-          <a:prstGeom prst="rect">
-            <a:avLst/>
-          </a:prstGeom>
-        </p:spPr>
-        <p:style>
-          <a:lnRef idx="2">
-            <a:schemeClr val="dk1"/>
-          </a:lnRef>
-          <a:fillRef idx="1">
-            <a:schemeClr val="lt1"/>
-          </a:fillRef>
-          <a:effectRef idx="0">
-            <a:schemeClr val="dk1"/>
-          </a:effectRef>
-          <a:fontRef idx="minor">
-            <a:schemeClr val="dk1"/>
-          </a:fontRef>
-        </p:style>
-        <p:txBody>
-          <a:bodyPr rtlCol="0" anchor="ctr"/>
-          <a:lstStyle/>
-          <a:p>
-            <a:pPr algn="ctr"/>
-            <a:endParaRPr kumimoji="1" lang="zh-CN" altLang="en-US" dirty="0"/>
-          </a:p>
-        </p:txBody>
-      </p:sp>
-      <p:sp>
-        <p:nvSpPr>
-          <p:cNvPr id="28" name="等腰三角形 27"/>
-          <p:cNvSpPr/>
-          <p:nvPr/>
-        </p:nvSpPr>
-        <p:spPr>
-          <a:xfrm flipV="1">
-            <a:off x="2569952" y="1716038"/>
-            <a:ext cx="133078" cy="125243"/>
-          </a:xfrm>
-          <a:prstGeom prst="triangle">
-            <a:avLst/>
-          </a:prstGeom>
-        </p:spPr>
-        <p:style>
-          <a:lnRef idx="2">
-            <a:schemeClr val="dk1"/>
-          </a:lnRef>
-          <a:fillRef idx="1">
-            <a:schemeClr val="lt1"/>
-          </a:fillRef>
-          <a:effectRef idx="0">
-            <a:schemeClr val="dk1"/>
-          </a:effectRef>
-          <a:fontRef idx="minor">
-            <a:schemeClr val="dk1"/>
-          </a:fontRef>
-        </p:style>
-        <p:txBody>
-          <a:bodyPr rtlCol="0" anchor="ctr"/>
-          <a:lstStyle/>
-          <a:p>
-            <a:pPr algn="ctr"/>
-            <a:endParaRPr kumimoji="1" lang="zh-CN" altLang="en-US"/>
-          </a:p>
-        </p:txBody>
-      </p:sp>
-      <p:sp>
-        <p:nvSpPr>
-          <p:cNvPr id="29" name="矩形 28"/>
-          <p:cNvSpPr/>
-          <p:nvPr/>
-        </p:nvSpPr>
-        <p:spPr>
-          <a:xfrm>
-            <a:off x="1160356" y="3936710"/>
-            <a:ext cx="5949178" cy="1422400"/>
-          </a:xfrm>
-          <a:prstGeom prst="rect">
-            <a:avLst/>
-          </a:prstGeom>
-        </p:spPr>
-        <p:style>
-          <a:lnRef idx="2">
-            <a:schemeClr val="dk1"/>
-          </a:lnRef>
-          <a:fillRef idx="1">
-            <a:schemeClr val="lt1"/>
-          </a:fillRef>
-          <a:effectRef idx="0">
-            <a:schemeClr val="dk1"/>
-          </a:effectRef>
-          <a:fontRef idx="minor">
-            <a:schemeClr val="dk1"/>
-          </a:fontRef>
-        </p:style>
-        <p:txBody>
-          <a:bodyPr rtlCol="0" anchor="ctr"/>
-          <a:lstStyle/>
-          <a:p>
-            <a:pPr algn="ctr"/>
-            <a:r>
-              <a:rPr kumimoji="1" lang="zh-CN" altLang="en-US" dirty="0" smtClean="0"/>
-              <a:t>以下区域是写文章。</a:t>
-            </a:r>
-            <a:endParaRPr kumimoji="1" lang="zh-CN" altLang="en-US" dirty="0"/>
-          </a:p>
-        </p:txBody>
-      </p:sp>
-      <p:sp>
-        <p:nvSpPr>
-          <p:cNvPr id="30" name="矩形 29"/>
-          <p:cNvSpPr/>
-          <p:nvPr/>
-        </p:nvSpPr>
-        <p:spPr>
-          <a:xfrm>
-            <a:off x="1160356" y="3936710"/>
-            <a:ext cx="5949178" cy="342568"/>
-          </a:xfrm>
-          <a:prstGeom prst="rect">
-            <a:avLst/>
-          </a:prstGeom>
-        </p:spPr>
-        <p:style>
-          <a:lnRef idx="2">
-            <a:schemeClr val="dk1"/>
-          </a:lnRef>
-          <a:fillRef idx="1">
-            <a:schemeClr val="lt1"/>
-          </a:fillRef>
-          <a:effectRef idx="0">
-            <a:schemeClr val="dk1"/>
-          </a:effectRef>
-          <a:fontRef idx="minor">
-            <a:schemeClr val="dk1"/>
-          </a:fontRef>
-        </p:style>
-        <p:txBody>
-          <a:bodyPr rtlCol="0" anchor="ctr"/>
-          <a:lstStyle/>
-          <a:p>
-            <a:pPr algn="ctr"/>
-            <a:r>
-              <a:rPr kumimoji="1" lang="zh-CN" altLang="en-US" dirty="0" smtClean="0"/>
-              <a:t>店面标题</a:t>
-            </a:r>
-            <a:endParaRPr kumimoji="1" lang="zh-CN" altLang="en-US" dirty="0"/>
-          </a:p>
-        </p:txBody>
-      </p:sp>
-      <p:sp>
-        <p:nvSpPr>
-          <p:cNvPr id="31" name="矩形 30"/>
-          <p:cNvSpPr/>
-          <p:nvPr/>
-        </p:nvSpPr>
-        <p:spPr>
-          <a:xfrm>
-            <a:off x="1160356" y="5606858"/>
-            <a:ext cx="724968" cy="260997"/>
-          </a:xfrm>
-          <a:prstGeom prst="rect">
-            <a:avLst/>
-          </a:prstGeom>
-        </p:spPr>
-        <p:style>
-          <a:lnRef idx="2">
-            <a:schemeClr val="dk1"/>
-          </a:lnRef>
-          <a:fillRef idx="1">
-            <a:schemeClr val="lt1"/>
-          </a:fillRef>
-          <a:effectRef idx="0">
-            <a:schemeClr val="dk1"/>
-          </a:effectRef>
-          <a:fontRef idx="minor">
-            <a:schemeClr val="dk1"/>
-          </a:fontRef>
-        </p:style>
-        <p:txBody>
-          <a:bodyPr rtlCol="0" anchor="ctr"/>
-          <a:lstStyle/>
-          <a:p>
-            <a:pPr algn="ctr"/>
-            <a:r>
-              <a:rPr kumimoji="1" lang="zh-CN" altLang="en-US" dirty="0" smtClean="0"/>
-              <a:t>确定</a:t>
-            </a:r>
-            <a:endParaRPr kumimoji="1" lang="zh-CN" altLang="en-US" dirty="0"/>
-          </a:p>
-        </p:txBody>
-      </p:sp>
-      <p:sp>
-        <p:nvSpPr>
-          <p:cNvPr id="32" name="矩形 31"/>
-          <p:cNvSpPr/>
-          <p:nvPr/>
-        </p:nvSpPr>
-        <p:spPr>
-          <a:xfrm>
-            <a:off x="2062409" y="5606858"/>
-            <a:ext cx="724968" cy="260997"/>
-          </a:xfrm>
-          <a:prstGeom prst="rect">
-            <a:avLst/>
-          </a:prstGeom>
-        </p:spPr>
-        <p:style>
-          <a:lnRef idx="2">
-            <a:schemeClr val="dk1"/>
-          </a:lnRef>
-          <a:fillRef idx="1">
-            <a:schemeClr val="lt1"/>
-          </a:fillRef>
-          <a:effectRef idx="0">
-            <a:schemeClr val="dk1"/>
-          </a:effectRef>
-          <a:fontRef idx="minor">
-            <a:schemeClr val="dk1"/>
-          </a:fontRef>
-        </p:style>
-        <p:txBody>
-          <a:bodyPr rtlCol="0" anchor="ctr"/>
-          <a:lstStyle/>
-          <a:p>
-            <a:pPr algn="ctr"/>
-            <a:r>
-              <a:rPr kumimoji="1" lang="zh-CN" altLang="en-US" dirty="0" smtClean="0"/>
-              <a:t>取消</a:t>
             </a:r>
             <a:endParaRPr kumimoji="1" lang="zh-CN" altLang="en-US" dirty="0"/>
           </a:p>
@@ -19280,7 +19132,7 @@
     </p:spTree>
     <p:extLst>
       <p:ext uri="{BB962C8B-B14F-4D97-AF65-F5344CB8AC3E}">
-        <p14:creationId xmlns:p14="http://schemas.microsoft.com/office/powerpoint/2010/main" val="628223756"/>
+        <p14:creationId xmlns:p14="http://schemas.microsoft.com/office/powerpoint/2010/main" val="428043627"/>
       </p:ext>
     </p:extLst>
   </p:cSld>
@@ -19290,7 +19142,7 @@
   <p:timing>
     <p:tnLst>
       <p:par>
-        <p:cTn id="1" dur="indefinite" restart="never" nodeType="tmRoot"/>
+        <p:cTn xmlns:p14="http://schemas.microsoft.com/office/powerpoint/2010/main" id="1" dur="indefinite" restart="never" nodeType="tmRoot"/>
       </p:par>
     </p:tnLst>
   </p:timing>
@@ -19338,14 +19190,56 @@
       </p:sp>
       <p:sp>
         <p:nvSpPr>
-          <p:cNvPr id="3" name="文本框 2"/>
+          <p:cNvPr id="18" name="矩形 17"/>
+          <p:cNvSpPr/>
+          <p:nvPr/>
+        </p:nvSpPr>
+        <p:spPr>
+          <a:xfrm>
+            <a:off x="1212717" y="2643084"/>
+            <a:ext cx="1292802" cy="1041214"/>
+          </a:xfrm>
+          <a:prstGeom prst="rect">
+            <a:avLst/>
+          </a:prstGeom>
+        </p:spPr>
+        <p:style>
+          <a:lnRef idx="2">
+            <a:schemeClr val="dk1"/>
+          </a:lnRef>
+          <a:fillRef idx="1">
+            <a:schemeClr val="lt1"/>
+          </a:fillRef>
+          <a:effectRef idx="0">
+            <a:schemeClr val="dk1"/>
+          </a:effectRef>
+          <a:fontRef idx="minor">
+            <a:schemeClr val="dk1"/>
+          </a:fontRef>
+        </p:style>
+        <p:txBody>
+          <a:bodyPr rtlCol="0" anchor="ctr"/>
+          <a:lstStyle/>
+          <a:p>
+            <a:pPr algn="ctr"/>
+            <a:r>
+              <a:rPr kumimoji="1" lang="en-US" altLang="zh-CN" dirty="0" smtClean="0"/>
+              <a:t>pic</a:t>
+            </a:r>
+            <a:endParaRPr kumimoji="1" lang="zh-CN" altLang="en-US" dirty="0"/>
+          </a:p>
+        </p:txBody>
+      </p:sp>
+      <p:sp>
+        <p:nvSpPr>
+          <p:cNvPr id="19" name="文本框 18"/>
           <p:cNvSpPr txBox="1"/>
           <p:nvPr/>
         </p:nvSpPr>
         <p:spPr>
           <a:xfrm>
-            <a:off x="686444" y="1524000"/>
-            <a:ext cx="4558760" cy="369332"/>
+            <a:off x="75241" y="2193039"/>
+            <a:ext cx="1107996" cy="369332"/>
           </a:xfrm>
           <a:prstGeom prst="rect">
             <a:avLst/>
@@ -19360,236 +19254,133 @@
           <a:p>
             <a:r>
               <a:rPr kumimoji="1" lang="zh-CN" altLang="en-US" dirty="0" smtClean="0"/>
-              <a:t>点击</a:t>
-            </a:r>
-            <a:r>
-              <a:rPr kumimoji="1" lang="en-US" altLang="zh-CN" dirty="0" smtClean="0"/>
-              <a:t>’</a:t>
-            </a:r>
-            <a:r>
-              <a:rPr kumimoji="1" lang="zh-CN" altLang="en-US" dirty="0" smtClean="0"/>
-              <a:t>店面展示</a:t>
-            </a:r>
-            <a:r>
-              <a:rPr kumimoji="1" lang="en-US" altLang="zh-CN" dirty="0" smtClean="0"/>
-              <a:t>’</a:t>
-            </a:r>
-            <a:r>
-              <a:rPr kumimoji="1" lang="zh-CN" altLang="en-US" dirty="0" smtClean="0"/>
-              <a:t>，向</a:t>
-            </a:r>
-            <a:r>
-              <a:rPr kumimoji="1" lang="en-US" altLang="zh-CN" dirty="0" smtClean="0"/>
-              <a:t>/</a:t>
-            </a:r>
-            <a:r>
-              <a:rPr kumimoji="1" lang="en-US" altLang="zh-CN" dirty="0" err="1" smtClean="0"/>
-              <a:t>manageShop</a:t>
-            </a:r>
-            <a:r>
-              <a:rPr kumimoji="1" lang="zh-CN" altLang="en-US" dirty="0" smtClean="0"/>
-              <a:t>发送请求</a:t>
-            </a:r>
-            <a:r>
-              <a:rPr kumimoji="1" lang="en-US" altLang="zh-CN" dirty="0" smtClean="0"/>
-              <a:t>:</a:t>
-            </a:r>
-            <a:endParaRPr kumimoji="1" lang="zh-CN" altLang="en-US" dirty="0"/>
-          </a:p>
-        </p:txBody>
-      </p:sp>
-      <p:sp>
-        <p:nvSpPr>
-          <p:cNvPr id="4" name="文本框 3"/>
-          <p:cNvSpPr txBox="1"/>
-          <p:nvPr/>
-        </p:nvSpPr>
-        <p:spPr>
-          <a:xfrm>
-            <a:off x="3188615" y="2025219"/>
-            <a:ext cx="1403862" cy="369332"/>
-          </a:xfrm>
-          <a:prstGeom prst="rect">
-            <a:avLst/>
-          </a:prstGeom>
-          <a:noFill/>
-        </p:spPr>
-        <p:txBody>
-          <a:bodyPr wrap="none" rtlCol="0">
-            <a:spAutoFit/>
-          </a:bodyPr>
-          <a:lstStyle/>
-          <a:p>
-            <a:r>
-              <a:rPr kumimoji="1" lang="en-US" altLang="zh-CN" dirty="0" err="1" smtClean="0"/>
-              <a:t>manage:get</a:t>
-            </a:r>
-            <a:endParaRPr kumimoji="1" lang="zh-CN" altLang="en-US" dirty="0"/>
-          </a:p>
-        </p:txBody>
-      </p:sp>
-      <p:sp>
-        <p:nvSpPr>
-          <p:cNvPr id="5" name="矩形 4"/>
+              <a:t>封面图片</a:t>
+            </a:r>
+            <a:endParaRPr kumimoji="1" lang="zh-CN" altLang="en-US" dirty="0"/>
+          </a:p>
+        </p:txBody>
+      </p:sp>
+      <p:sp>
+        <p:nvSpPr>
+          <p:cNvPr id="20" name="矩形 19"/>
           <p:cNvSpPr/>
           <p:nvPr/>
         </p:nvSpPr>
         <p:spPr>
           <a:xfrm>
-            <a:off x="1244894" y="2425576"/>
-            <a:ext cx="5928441" cy="646331"/>
-          </a:xfrm>
-          <a:prstGeom prst="rect">
-            <a:avLst/>
-          </a:prstGeom>
-        </p:spPr>
-        <p:txBody>
-          <a:bodyPr wrap="square">
-            <a:spAutoFit/>
-          </a:bodyPr>
-          <a:lstStyle/>
-          <a:p>
-            <a:r>
-              <a:rPr kumimoji="1" lang="zh-CN" altLang="en-US" dirty="0"/>
-              <a:t>返回</a:t>
-            </a:r>
-            <a:r>
-              <a:rPr kumimoji="1" lang="en-US" altLang="zh-CN" dirty="0" err="1"/>
-              <a:t>json</a:t>
-            </a:r>
-            <a:r>
-              <a:rPr kumimoji="1" lang="zh-CN" altLang="en-US" dirty="0"/>
-              <a:t>结构</a:t>
-            </a:r>
-            <a:r>
-              <a:rPr kumimoji="1" lang="en-US" altLang="zh-CN" dirty="0"/>
-              <a:t>: </a:t>
-            </a:r>
-          </a:p>
-          <a:p>
-            <a:r>
-              <a:rPr lang="en-US" altLang="zh-CN" dirty="0" smtClean="0"/>
-              <a:t>shop: [</a:t>
-            </a:r>
-            <a:r>
-              <a:rPr lang="en-US" altLang="zh-CN" dirty="0"/>
-              <a:t>shop</a:t>
-            </a:r>
-            <a:r>
-              <a:rPr lang="en-US" altLang="zh-CN" dirty="0" smtClean="0"/>
-              <a:t>name1, </a:t>
-            </a:r>
-            <a:r>
-              <a:rPr lang="en-US" altLang="zh-CN" dirty="0"/>
-              <a:t>shop</a:t>
-            </a:r>
-            <a:r>
-              <a:rPr lang="en-US" altLang="zh-CN" dirty="0" smtClean="0"/>
-              <a:t>name2, </a:t>
-            </a:r>
-            <a:r>
-              <a:rPr lang="en-US" altLang="zh-CN" dirty="0"/>
-              <a:t>shop</a:t>
-            </a:r>
-            <a:r>
-              <a:rPr lang="en-US" altLang="zh-CN" dirty="0" smtClean="0"/>
-              <a:t>name3]</a:t>
-            </a:r>
-            <a:endParaRPr lang="en-US" altLang="zh-CN" dirty="0"/>
-          </a:p>
-        </p:txBody>
-      </p:sp>
-      <p:sp>
-        <p:nvSpPr>
-          <p:cNvPr id="22" name="文本框 21"/>
-          <p:cNvSpPr txBox="1"/>
-          <p:nvPr/>
-        </p:nvSpPr>
-        <p:spPr>
-          <a:xfrm>
-            <a:off x="686444" y="3221991"/>
-            <a:ext cx="4685898" cy="369332"/>
-          </a:xfrm>
-          <a:prstGeom prst="rect">
-            <a:avLst/>
-          </a:prstGeom>
-          <a:noFill/>
-        </p:spPr>
-        <p:txBody>
-          <a:bodyPr wrap="none" rtlCol="0">
-            <a:spAutoFit/>
-          </a:bodyPr>
-          <a:lstStyle/>
-          <a:p>
-            <a:r>
-              <a:rPr kumimoji="1" lang="zh-CN" altLang="en-US" dirty="0" smtClean="0"/>
-              <a:t>选中某个店名时</a:t>
-            </a:r>
-            <a:r>
-              <a:rPr kumimoji="1" lang="zh-CN" altLang="en-US" dirty="0" smtClean="0"/>
-              <a:t>，</a:t>
-            </a:r>
-            <a:r>
-              <a:rPr kumimoji="1" lang="zh-CN" altLang="en-US" dirty="0" smtClean="0"/>
-              <a:t>向</a:t>
-            </a:r>
-            <a:r>
-              <a:rPr kumimoji="1" lang="en-US" altLang="zh-CN" dirty="0" smtClean="0"/>
-              <a:t>/</a:t>
-            </a:r>
-            <a:r>
-              <a:rPr kumimoji="1" lang="en-US" altLang="zh-CN" dirty="0" err="1"/>
-              <a:t>manageShop</a:t>
-            </a:r>
-            <a:r>
-              <a:rPr kumimoji="1" lang="zh-CN" altLang="en-US" dirty="0" smtClean="0"/>
-              <a:t>发送请求</a:t>
-            </a:r>
-            <a:r>
-              <a:rPr kumimoji="1" lang="en-US" altLang="zh-CN" dirty="0" smtClean="0"/>
-              <a:t>:</a:t>
-            </a:r>
-            <a:endParaRPr kumimoji="1" lang="zh-CN" altLang="en-US" dirty="0"/>
-          </a:p>
-        </p:txBody>
-      </p:sp>
-      <p:sp>
-        <p:nvSpPr>
-          <p:cNvPr id="23" name="文本框 22"/>
-          <p:cNvSpPr txBox="1"/>
-          <p:nvPr/>
-        </p:nvSpPr>
-        <p:spPr>
-          <a:xfrm>
-            <a:off x="2376323" y="3723210"/>
-            <a:ext cx="3852337" cy="369332"/>
-          </a:xfrm>
-          <a:prstGeom prst="rect">
-            <a:avLst/>
-          </a:prstGeom>
-          <a:noFill/>
-        </p:spPr>
-        <p:txBody>
-          <a:bodyPr wrap="none" rtlCol="0">
-            <a:spAutoFit/>
-          </a:bodyPr>
-          <a:lstStyle/>
-          <a:p>
-            <a:r>
-              <a:rPr kumimoji="1" lang="en-US" altLang="zh-CN" dirty="0" err="1" smtClean="0"/>
-              <a:t>manage:get</a:t>
-            </a:r>
-            <a:r>
-              <a:rPr kumimoji="1" lang="en-US" altLang="zh-CN" dirty="0" smtClean="0"/>
-              <a:t>      </a:t>
-            </a:r>
-            <a:r>
-              <a:rPr lang="en-US" altLang="zh-CN" dirty="0" err="1"/>
-              <a:t>shop</a:t>
-            </a:r>
-            <a:r>
-              <a:rPr kumimoji="1" lang="en-US" altLang="zh-CN" dirty="0" err="1" smtClean="0"/>
-              <a:t>name:XXXXXX</a:t>
+            <a:off x="1212716" y="2301374"/>
+            <a:ext cx="1189835" cy="260997"/>
+          </a:xfrm>
+          <a:prstGeom prst="rect">
+            <a:avLst/>
+          </a:prstGeom>
+        </p:spPr>
+        <p:style>
+          <a:lnRef idx="2">
+            <a:schemeClr val="dk1"/>
+          </a:lnRef>
+          <a:fillRef idx="1">
+            <a:schemeClr val="lt1"/>
+          </a:fillRef>
+          <a:effectRef idx="0">
+            <a:schemeClr val="dk1"/>
+          </a:effectRef>
+          <a:fontRef idx="minor">
+            <a:schemeClr val="dk1"/>
+          </a:fontRef>
+        </p:style>
+        <p:txBody>
+          <a:bodyPr rtlCol="0" anchor="ctr"/>
+          <a:lstStyle/>
+          <a:p>
+            <a:pPr algn="ctr"/>
+            <a:r>
+              <a:rPr kumimoji="1" lang="zh-CN" altLang="en-US" dirty="0" smtClean="0"/>
+              <a:t>上传图片</a:t>
+            </a:r>
+            <a:endParaRPr kumimoji="1" lang="zh-CN" altLang="en-US" dirty="0"/>
+          </a:p>
+        </p:txBody>
+      </p:sp>
+      <p:sp>
+        <p:nvSpPr>
+          <p:cNvPr id="22" name="矩形 21"/>
+          <p:cNvSpPr/>
+          <p:nvPr/>
+        </p:nvSpPr>
+        <p:spPr>
+          <a:xfrm>
+            <a:off x="3220267" y="1626052"/>
+            <a:ext cx="724968" cy="260997"/>
+          </a:xfrm>
+          <a:prstGeom prst="rect">
+            <a:avLst/>
+          </a:prstGeom>
+        </p:spPr>
+        <p:style>
+          <a:lnRef idx="2">
+            <a:schemeClr val="dk1"/>
+          </a:lnRef>
+          <a:fillRef idx="1">
+            <a:schemeClr val="lt1"/>
+          </a:fillRef>
+          <a:effectRef idx="0">
+            <a:schemeClr val="dk1"/>
+          </a:effectRef>
+          <a:fontRef idx="minor">
+            <a:schemeClr val="dk1"/>
+          </a:fontRef>
+        </p:style>
+        <p:txBody>
+          <a:bodyPr rtlCol="0" anchor="ctr"/>
+          <a:lstStyle/>
+          <a:p>
+            <a:pPr algn="ctr"/>
+            <a:r>
+              <a:rPr kumimoji="1" lang="zh-CN" altLang="en-US" dirty="0" smtClean="0"/>
+              <a:t>编辑</a:t>
+            </a:r>
+            <a:endParaRPr kumimoji="1" lang="zh-CN" altLang="en-US" dirty="0"/>
+          </a:p>
+        </p:txBody>
+      </p:sp>
+      <p:sp>
+        <p:nvSpPr>
+          <p:cNvPr id="23" name="矩形 22"/>
+          <p:cNvSpPr/>
+          <p:nvPr/>
+        </p:nvSpPr>
+        <p:spPr>
+          <a:xfrm>
+            <a:off x="4097635" y="1626052"/>
+            <a:ext cx="724968" cy="260997"/>
+          </a:xfrm>
+          <a:prstGeom prst="rect">
+            <a:avLst/>
+          </a:prstGeom>
+        </p:spPr>
+        <p:style>
+          <a:lnRef idx="2">
+            <a:schemeClr val="dk1"/>
+          </a:lnRef>
+          <a:fillRef idx="1">
+            <a:schemeClr val="lt1"/>
+          </a:fillRef>
+          <a:effectRef idx="0">
+            <a:schemeClr val="dk1"/>
+          </a:effectRef>
+          <a:fontRef idx="minor">
+            <a:schemeClr val="dk1"/>
+          </a:fontRef>
+        </p:style>
+        <p:txBody>
+          <a:bodyPr rtlCol="0" anchor="ctr"/>
+          <a:lstStyle/>
+          <a:p>
+            <a:pPr algn="ctr"/>
+            <a:r>
+              <a:rPr kumimoji="1" lang="zh-CN" altLang="en-US" dirty="0" smtClean="0"/>
+              <a:t>删除</a:t>
             </a:r>
             <a:endParaRPr kumimoji="1" lang="zh-CN" altLang="en-US" dirty="0"/>
           </a:p>
@@ -19603,94 +19394,372 @@
         </p:nvSpPr>
         <p:spPr>
           <a:xfrm>
-            <a:off x="2265263" y="4421056"/>
-            <a:ext cx="3272048" cy="923330"/>
-          </a:xfrm>
-          <a:prstGeom prst="rect">
-            <a:avLst/>
-          </a:prstGeom>
-        </p:spPr>
-        <p:txBody>
-          <a:bodyPr wrap="square">
-            <a:spAutoFit/>
-          </a:bodyPr>
-          <a:lstStyle/>
-          <a:p>
-            <a:r>
-              <a:rPr kumimoji="1" lang="en-US" altLang="zh-CN" dirty="0" err="1" smtClean="0"/>
-              <a:t>pic:xxxxxxxxx</a:t>
-            </a:r>
-            <a:endParaRPr kumimoji="1" lang="en-US" altLang="zh-CN" dirty="0" smtClean="0"/>
-          </a:p>
-          <a:p>
-            <a:r>
-              <a:rPr lang="en-US" altLang="zh-CN" dirty="0" err="1"/>
-              <a:t>shop</a:t>
-            </a:r>
-            <a:r>
-              <a:rPr kumimoji="1" lang="en-US" altLang="zh-CN" dirty="0" err="1"/>
-              <a:t>name</a:t>
-            </a:r>
-            <a:r>
-              <a:rPr kumimoji="1" lang="en-US" altLang="zh-CN" dirty="0" err="1" smtClean="0"/>
-              <a:t>:xxxxxxxx</a:t>
-            </a:r>
-            <a:endParaRPr kumimoji="1" lang="en-US" altLang="zh-CN" dirty="0"/>
-          </a:p>
-          <a:p>
-            <a:r>
-              <a:rPr lang="en-US" altLang="zh-CN" dirty="0" err="1" smtClean="0"/>
-              <a:t>content:xxxxxxxxxxx</a:t>
-            </a:r>
-            <a:endParaRPr lang="en-US" altLang="zh-CN" dirty="0"/>
-          </a:p>
-        </p:txBody>
-      </p:sp>
-      <p:sp>
-        <p:nvSpPr>
-          <p:cNvPr id="6" name="文本框 5"/>
-          <p:cNvSpPr txBox="1"/>
-          <p:nvPr/>
-        </p:nvSpPr>
-        <p:spPr>
-          <a:xfrm>
-            <a:off x="1315683" y="4176300"/>
-            <a:ext cx="1595584" cy="369332"/>
-          </a:xfrm>
-          <a:prstGeom prst="rect">
-            <a:avLst/>
-          </a:prstGeom>
-          <a:noFill/>
-        </p:spPr>
-        <p:txBody>
-          <a:bodyPr wrap="none" rtlCol="0">
-            <a:spAutoFit/>
-          </a:bodyPr>
-          <a:lstStyle/>
-          <a:p>
-            <a:r>
-              <a:rPr kumimoji="1" lang="zh-CN" altLang="en-US" dirty="0"/>
-              <a:t>返回</a:t>
-            </a:r>
-            <a:r>
-              <a:rPr kumimoji="1" lang="en-US" altLang="zh-CN" dirty="0" err="1"/>
-              <a:t>json</a:t>
-            </a:r>
-            <a:r>
-              <a:rPr kumimoji="1" lang="zh-CN" altLang="en-US" dirty="0"/>
-              <a:t>结构</a:t>
-            </a:r>
-            <a:r>
-              <a:rPr kumimoji="1" lang="en-US" altLang="zh-CN" dirty="0"/>
-              <a:t>: </a:t>
-            </a:r>
+            <a:off x="5814284" y="1626052"/>
+            <a:ext cx="724968" cy="260997"/>
+          </a:xfrm>
+          <a:prstGeom prst="rect">
+            <a:avLst/>
+          </a:prstGeom>
+        </p:spPr>
+        <p:style>
+          <a:lnRef idx="2">
+            <a:schemeClr val="dk1"/>
+          </a:lnRef>
+          <a:fillRef idx="1">
+            <a:schemeClr val="lt1"/>
+          </a:fillRef>
+          <a:effectRef idx="0">
+            <a:schemeClr val="dk1"/>
+          </a:effectRef>
+          <a:fontRef idx="minor">
+            <a:schemeClr val="dk1"/>
+          </a:fontRef>
+        </p:style>
+        <p:txBody>
+          <a:bodyPr rtlCol="0" anchor="ctr"/>
+          <a:lstStyle/>
+          <a:p>
+            <a:pPr algn="ctr"/>
+            <a:r>
+              <a:rPr kumimoji="1" lang="zh-CN" altLang="en-US" dirty="0" smtClean="0"/>
+              <a:t>排序</a:t>
+            </a:r>
+            <a:endParaRPr kumimoji="1" lang="zh-CN" altLang="en-US" dirty="0"/>
+          </a:p>
+        </p:txBody>
+      </p:sp>
+      <p:sp>
+        <p:nvSpPr>
+          <p:cNvPr id="25" name="矩形 24"/>
+          <p:cNvSpPr/>
+          <p:nvPr/>
+        </p:nvSpPr>
+        <p:spPr>
+          <a:xfrm>
+            <a:off x="4964102" y="1626052"/>
+            <a:ext cx="724968" cy="260997"/>
+          </a:xfrm>
+          <a:prstGeom prst="rect">
+            <a:avLst/>
+          </a:prstGeom>
+        </p:spPr>
+        <p:style>
+          <a:lnRef idx="2">
+            <a:schemeClr val="dk1"/>
+          </a:lnRef>
+          <a:fillRef idx="1">
+            <a:schemeClr val="lt1"/>
+          </a:fillRef>
+          <a:effectRef idx="0">
+            <a:schemeClr val="dk1"/>
+          </a:effectRef>
+          <a:fontRef idx="minor">
+            <a:schemeClr val="dk1"/>
+          </a:fontRef>
+        </p:style>
+        <p:txBody>
+          <a:bodyPr rtlCol="0" anchor="ctr"/>
+          <a:lstStyle/>
+          <a:p>
+            <a:pPr algn="ctr"/>
+            <a:r>
+              <a:rPr kumimoji="1" lang="zh-CN" altLang="en-US" dirty="0" smtClean="0"/>
+              <a:t>增加</a:t>
+            </a:r>
+            <a:endParaRPr kumimoji="1" lang="zh-CN" altLang="en-US" dirty="0"/>
+          </a:p>
+        </p:txBody>
+      </p:sp>
+      <p:sp>
+        <p:nvSpPr>
+          <p:cNvPr id="26" name="矩形 25"/>
+          <p:cNvSpPr/>
+          <p:nvPr/>
+        </p:nvSpPr>
+        <p:spPr>
+          <a:xfrm>
+            <a:off x="986298" y="1626052"/>
+            <a:ext cx="1519221" cy="260997"/>
+          </a:xfrm>
+          <a:prstGeom prst="rect">
+            <a:avLst/>
+          </a:prstGeom>
+        </p:spPr>
+        <p:style>
+          <a:lnRef idx="2">
+            <a:schemeClr val="dk1"/>
+          </a:lnRef>
+          <a:fillRef idx="1">
+            <a:schemeClr val="lt1"/>
+          </a:fillRef>
+          <a:effectRef idx="0">
+            <a:schemeClr val="dk1"/>
+          </a:effectRef>
+          <a:fontRef idx="minor">
+            <a:schemeClr val="dk1"/>
+          </a:fontRef>
+        </p:style>
+        <p:txBody>
+          <a:bodyPr rtlCol="0" anchor="ctr"/>
+          <a:lstStyle/>
+          <a:p>
+            <a:pPr algn="ctr"/>
+            <a:r>
+              <a:rPr kumimoji="1" lang="zh-CN" altLang="en-US" dirty="0" smtClean="0"/>
+              <a:t>请选择店面</a:t>
+            </a:r>
+            <a:endParaRPr kumimoji="1" lang="zh-CN" altLang="en-US" dirty="0"/>
+          </a:p>
+        </p:txBody>
+      </p:sp>
+      <p:sp>
+        <p:nvSpPr>
+          <p:cNvPr id="27" name="矩形 26"/>
+          <p:cNvSpPr/>
+          <p:nvPr/>
+        </p:nvSpPr>
+        <p:spPr>
+          <a:xfrm>
+            <a:off x="2505519" y="1626052"/>
+            <a:ext cx="298734" cy="260997"/>
+          </a:xfrm>
+          <a:prstGeom prst="rect">
+            <a:avLst/>
+          </a:prstGeom>
+        </p:spPr>
+        <p:style>
+          <a:lnRef idx="2">
+            <a:schemeClr val="dk1"/>
+          </a:lnRef>
+          <a:fillRef idx="1">
+            <a:schemeClr val="lt1"/>
+          </a:fillRef>
+          <a:effectRef idx="0">
+            <a:schemeClr val="dk1"/>
+          </a:effectRef>
+          <a:fontRef idx="minor">
+            <a:schemeClr val="dk1"/>
+          </a:fontRef>
+        </p:style>
+        <p:txBody>
+          <a:bodyPr rtlCol="0" anchor="ctr"/>
+          <a:lstStyle/>
+          <a:p>
+            <a:pPr algn="ctr"/>
+            <a:endParaRPr kumimoji="1" lang="zh-CN" altLang="en-US" dirty="0"/>
+          </a:p>
+        </p:txBody>
+      </p:sp>
+      <p:sp>
+        <p:nvSpPr>
+          <p:cNvPr id="28" name="等腰三角形 27"/>
+          <p:cNvSpPr/>
+          <p:nvPr/>
+        </p:nvSpPr>
+        <p:spPr>
+          <a:xfrm flipV="1">
+            <a:off x="2569952" y="1716038"/>
+            <a:ext cx="133078" cy="125243"/>
+          </a:xfrm>
+          <a:prstGeom prst="triangle">
+            <a:avLst/>
+          </a:prstGeom>
+        </p:spPr>
+        <p:style>
+          <a:lnRef idx="2">
+            <a:schemeClr val="dk1"/>
+          </a:lnRef>
+          <a:fillRef idx="1">
+            <a:schemeClr val="lt1"/>
+          </a:fillRef>
+          <a:effectRef idx="0">
+            <a:schemeClr val="dk1"/>
+          </a:effectRef>
+          <a:fontRef idx="minor">
+            <a:schemeClr val="dk1"/>
+          </a:fontRef>
+        </p:style>
+        <p:txBody>
+          <a:bodyPr rtlCol="0" anchor="ctr"/>
+          <a:lstStyle/>
+          <a:p>
+            <a:pPr algn="ctr"/>
+            <a:endParaRPr kumimoji="1" lang="zh-CN" altLang="en-US"/>
+          </a:p>
+        </p:txBody>
+      </p:sp>
+      <p:sp>
+        <p:nvSpPr>
+          <p:cNvPr id="29" name="矩形 28"/>
+          <p:cNvSpPr/>
+          <p:nvPr/>
+        </p:nvSpPr>
+        <p:spPr>
+          <a:xfrm>
+            <a:off x="1160356" y="3936710"/>
+            <a:ext cx="5949178" cy="1422400"/>
+          </a:xfrm>
+          <a:prstGeom prst="rect">
+            <a:avLst/>
+          </a:prstGeom>
+        </p:spPr>
+        <p:style>
+          <a:lnRef idx="2">
+            <a:schemeClr val="dk1"/>
+          </a:lnRef>
+          <a:fillRef idx="1">
+            <a:schemeClr val="lt1"/>
+          </a:fillRef>
+          <a:effectRef idx="0">
+            <a:schemeClr val="dk1"/>
+          </a:effectRef>
+          <a:fontRef idx="minor">
+            <a:schemeClr val="dk1"/>
+          </a:fontRef>
+        </p:style>
+        <p:txBody>
+          <a:bodyPr rtlCol="0" anchor="ctr"/>
+          <a:lstStyle/>
+          <a:p>
+            <a:pPr algn="ctr"/>
+            <a:r>
+              <a:rPr kumimoji="1" lang="zh-CN" altLang="en-US" dirty="0" smtClean="0"/>
+              <a:t>以下区域是写文章。</a:t>
+            </a:r>
+            <a:endParaRPr kumimoji="1" lang="zh-CN" altLang="en-US" dirty="0"/>
+          </a:p>
+        </p:txBody>
+      </p:sp>
+      <p:sp>
+        <p:nvSpPr>
+          <p:cNvPr id="30" name="矩形 29"/>
+          <p:cNvSpPr/>
+          <p:nvPr/>
+        </p:nvSpPr>
+        <p:spPr>
+          <a:xfrm>
+            <a:off x="1160356" y="3936710"/>
+            <a:ext cx="5949178" cy="342568"/>
+          </a:xfrm>
+          <a:prstGeom prst="rect">
+            <a:avLst/>
+          </a:prstGeom>
+        </p:spPr>
+        <p:style>
+          <a:lnRef idx="2">
+            <a:schemeClr val="dk1"/>
+          </a:lnRef>
+          <a:fillRef idx="1">
+            <a:schemeClr val="lt1"/>
+          </a:fillRef>
+          <a:effectRef idx="0">
+            <a:schemeClr val="dk1"/>
+          </a:effectRef>
+          <a:fontRef idx="minor">
+            <a:schemeClr val="dk1"/>
+          </a:fontRef>
+        </p:style>
+        <p:txBody>
+          <a:bodyPr rtlCol="0" anchor="ctr"/>
+          <a:lstStyle/>
+          <a:p>
+            <a:pPr algn="ctr"/>
+            <a:r>
+              <a:rPr kumimoji="1" lang="zh-CN" altLang="en-US" dirty="0" smtClean="0"/>
+              <a:t>店面标题</a:t>
+            </a:r>
+            <a:endParaRPr kumimoji="1" lang="zh-CN" altLang="en-US" dirty="0"/>
+          </a:p>
+        </p:txBody>
+      </p:sp>
+      <p:sp>
+        <p:nvSpPr>
+          <p:cNvPr id="31" name="矩形 30"/>
+          <p:cNvSpPr/>
+          <p:nvPr/>
+        </p:nvSpPr>
+        <p:spPr>
+          <a:xfrm>
+            <a:off x="1160356" y="5606858"/>
+            <a:ext cx="724968" cy="260997"/>
+          </a:xfrm>
+          <a:prstGeom prst="rect">
+            <a:avLst/>
+          </a:prstGeom>
+        </p:spPr>
+        <p:style>
+          <a:lnRef idx="2">
+            <a:schemeClr val="dk1"/>
+          </a:lnRef>
+          <a:fillRef idx="1">
+            <a:schemeClr val="lt1"/>
+          </a:fillRef>
+          <a:effectRef idx="0">
+            <a:schemeClr val="dk1"/>
+          </a:effectRef>
+          <a:fontRef idx="minor">
+            <a:schemeClr val="dk1"/>
+          </a:fontRef>
+        </p:style>
+        <p:txBody>
+          <a:bodyPr rtlCol="0" anchor="ctr"/>
+          <a:lstStyle/>
+          <a:p>
+            <a:pPr algn="ctr"/>
+            <a:r>
+              <a:rPr kumimoji="1" lang="zh-CN" altLang="en-US" dirty="0" smtClean="0"/>
+              <a:t>确定</a:t>
+            </a:r>
+            <a:endParaRPr kumimoji="1" lang="zh-CN" altLang="en-US" dirty="0"/>
+          </a:p>
+        </p:txBody>
+      </p:sp>
+      <p:sp>
+        <p:nvSpPr>
+          <p:cNvPr id="32" name="矩形 31"/>
+          <p:cNvSpPr/>
+          <p:nvPr/>
+        </p:nvSpPr>
+        <p:spPr>
+          <a:xfrm>
+            <a:off x="2062409" y="5606858"/>
+            <a:ext cx="724968" cy="260997"/>
+          </a:xfrm>
+          <a:prstGeom prst="rect">
+            <a:avLst/>
+          </a:prstGeom>
+        </p:spPr>
+        <p:style>
+          <a:lnRef idx="2">
+            <a:schemeClr val="dk1"/>
+          </a:lnRef>
+          <a:fillRef idx="1">
+            <a:schemeClr val="lt1"/>
+          </a:fillRef>
+          <a:effectRef idx="0">
+            <a:schemeClr val="dk1"/>
+          </a:effectRef>
+          <a:fontRef idx="minor">
+            <a:schemeClr val="dk1"/>
+          </a:fontRef>
+        </p:style>
+        <p:txBody>
+          <a:bodyPr rtlCol="0" anchor="ctr"/>
+          <a:lstStyle/>
+          <a:p>
+            <a:pPr algn="ctr"/>
+            <a:r>
+              <a:rPr kumimoji="1" lang="zh-CN" altLang="en-US" dirty="0" smtClean="0"/>
+              <a:t>取消</a:t>
+            </a:r>
+            <a:endParaRPr kumimoji="1" lang="zh-CN" altLang="en-US" dirty="0"/>
           </a:p>
         </p:txBody>
       </p:sp>
     </p:spTree>
     <p:extLst>
       <p:ext uri="{BB962C8B-B14F-4D97-AF65-F5344CB8AC3E}">
-        <p14:creationId xmlns:p14="http://schemas.microsoft.com/office/powerpoint/2010/main" val="2444028384"/>
+        <p14:creationId xmlns:p14="http://schemas.microsoft.com/office/powerpoint/2010/main" val="628223756"/>
       </p:ext>
     </p:extLst>
   </p:cSld>
@@ -19700,7 +19769,7 @@
   <p:timing>
     <p:tnLst>
       <p:par>
-        <p:cTn id="1" dur="indefinite" restart="never" nodeType="tmRoot"/>
+        <p:cTn xmlns:p14="http://schemas.microsoft.com/office/powerpoint/2010/main" id="1" dur="indefinite" restart="never" nodeType="tmRoot"/>
       </p:par>
     </p:tnLst>
   </p:timing>
@@ -19754,8 +19823,8 @@
         </p:nvSpPr>
         <p:spPr>
           <a:xfrm>
-            <a:off x="697885" y="1581209"/>
-            <a:ext cx="5148465" cy="369332"/>
+            <a:off x="686444" y="1524000"/>
+            <a:ext cx="4558760" cy="369332"/>
           </a:xfrm>
           <a:prstGeom prst="rect">
             <a:avLst/>
@@ -19770,11 +19839,170 @@
           <a:p>
             <a:r>
               <a:rPr kumimoji="1" lang="zh-CN" altLang="en-US" dirty="0" smtClean="0"/>
-              <a:t>增加的‘确认’按扭，</a:t>
-            </a:r>
+              <a:t>点击</a:t>
+            </a:r>
+            <a:r>
+              <a:rPr kumimoji="1" lang="en-US" altLang="zh-CN" dirty="0" smtClean="0"/>
+              <a:t>’</a:t>
+            </a:r>
+            <a:r>
+              <a:rPr kumimoji="1" lang="zh-CN" altLang="en-US" dirty="0" smtClean="0"/>
+              <a:t>店面展示</a:t>
+            </a:r>
+            <a:r>
+              <a:rPr kumimoji="1" lang="en-US" altLang="zh-CN" dirty="0" smtClean="0"/>
+              <a:t>’</a:t>
+            </a:r>
+            <a:r>
+              <a:rPr kumimoji="1" lang="zh-CN" altLang="en-US" dirty="0" smtClean="0"/>
+              <a:t>，向</a:t>
+            </a:r>
+            <a:r>
+              <a:rPr kumimoji="1" lang="en-US" altLang="zh-CN" dirty="0" smtClean="0"/>
+              <a:t>/</a:t>
+            </a:r>
+            <a:r>
+              <a:rPr kumimoji="1" lang="en-US" altLang="zh-CN" dirty="0" err="1" smtClean="0"/>
+              <a:t>manageShop</a:t>
+            </a:r>
+            <a:r>
+              <a:rPr kumimoji="1" lang="zh-CN" altLang="en-US" dirty="0" smtClean="0"/>
+              <a:t>发送请求</a:t>
+            </a:r>
+            <a:r>
+              <a:rPr kumimoji="1" lang="en-US" altLang="zh-CN" dirty="0" smtClean="0"/>
+              <a:t>:</a:t>
+            </a:r>
+            <a:endParaRPr kumimoji="1" lang="zh-CN" altLang="en-US" dirty="0"/>
+          </a:p>
+        </p:txBody>
+      </p:sp>
+      <p:sp>
+        <p:nvSpPr>
+          <p:cNvPr id="4" name="文本框 3"/>
+          <p:cNvSpPr txBox="1"/>
+          <p:nvPr/>
+        </p:nvSpPr>
+        <p:spPr>
+          <a:xfrm>
+            <a:off x="3188615" y="2025219"/>
+            <a:ext cx="1403862" cy="369332"/>
+          </a:xfrm>
+          <a:prstGeom prst="rect">
+            <a:avLst/>
+          </a:prstGeom>
+          <a:noFill/>
+        </p:spPr>
+        <p:txBody>
+          <a:bodyPr wrap="none" rtlCol="0">
+            <a:spAutoFit/>
+          </a:bodyPr>
+          <a:lstStyle/>
+          <a:p>
+            <a:r>
+              <a:rPr kumimoji="1" lang="en-US" altLang="zh-CN" dirty="0" err="1" smtClean="0"/>
+              <a:t>manage:get</a:t>
+            </a:r>
+            <a:endParaRPr kumimoji="1" lang="zh-CN" altLang="en-US" dirty="0"/>
+          </a:p>
+        </p:txBody>
+      </p:sp>
+      <p:sp>
+        <p:nvSpPr>
+          <p:cNvPr id="5" name="矩形 4"/>
+          <p:cNvSpPr/>
+          <p:nvPr/>
+        </p:nvSpPr>
+        <p:spPr>
+          <a:xfrm>
+            <a:off x="1244894" y="2425576"/>
+            <a:ext cx="5928441" cy="646331"/>
+          </a:xfrm>
+          <a:prstGeom prst="rect">
+            <a:avLst/>
+          </a:prstGeom>
+        </p:spPr>
+        <p:txBody>
+          <a:bodyPr wrap="square">
+            <a:spAutoFit/>
+          </a:bodyPr>
+          <a:lstStyle/>
+          <a:p>
             <a:r>
               <a:rPr kumimoji="1" lang="zh-CN" altLang="en-US" dirty="0"/>
-              <a:t>向</a:t>
+              <a:t>返回</a:t>
+            </a:r>
+            <a:r>
+              <a:rPr kumimoji="1" lang="en-US" altLang="zh-CN" dirty="0" err="1"/>
+              <a:t>json</a:t>
+            </a:r>
+            <a:r>
+              <a:rPr kumimoji="1" lang="zh-CN" altLang="en-US" dirty="0"/>
+              <a:t>结构</a:t>
+            </a:r>
+            <a:r>
+              <a:rPr kumimoji="1" lang="en-US" altLang="zh-CN" dirty="0"/>
+              <a:t>: </a:t>
+            </a:r>
+          </a:p>
+          <a:p>
+            <a:r>
+              <a:rPr lang="en-US" altLang="zh-CN" dirty="0" smtClean="0"/>
+              <a:t>shop: [</a:t>
+            </a:r>
+            <a:r>
+              <a:rPr lang="en-US" altLang="zh-CN" dirty="0"/>
+              <a:t>shop</a:t>
+            </a:r>
+            <a:r>
+              <a:rPr lang="en-US" altLang="zh-CN" dirty="0" smtClean="0"/>
+              <a:t>name1, </a:t>
+            </a:r>
+            <a:r>
+              <a:rPr lang="en-US" altLang="zh-CN" dirty="0"/>
+              <a:t>shop</a:t>
+            </a:r>
+            <a:r>
+              <a:rPr lang="en-US" altLang="zh-CN" dirty="0" smtClean="0"/>
+              <a:t>name2, </a:t>
+            </a:r>
+            <a:r>
+              <a:rPr lang="en-US" altLang="zh-CN" dirty="0"/>
+              <a:t>shop</a:t>
+            </a:r>
+            <a:r>
+              <a:rPr lang="en-US" altLang="zh-CN" dirty="0" smtClean="0"/>
+              <a:t>name3]</a:t>
+            </a:r>
+            <a:endParaRPr lang="en-US" altLang="zh-CN" dirty="0"/>
+          </a:p>
+        </p:txBody>
+      </p:sp>
+      <p:sp>
+        <p:nvSpPr>
+          <p:cNvPr id="22" name="文本框 21"/>
+          <p:cNvSpPr txBox="1"/>
+          <p:nvPr/>
+        </p:nvSpPr>
+        <p:spPr>
+          <a:xfrm>
+            <a:off x="686444" y="3221991"/>
+            <a:ext cx="4685898" cy="369332"/>
+          </a:xfrm>
+          <a:prstGeom prst="rect">
+            <a:avLst/>
+          </a:prstGeom>
+          <a:noFill/>
+        </p:spPr>
+        <p:txBody>
+          <a:bodyPr wrap="none" rtlCol="0">
+            <a:spAutoFit/>
+          </a:bodyPr>
+          <a:lstStyle/>
+          <a:p>
+            <a:r>
+              <a:rPr kumimoji="1" lang="zh-CN" altLang="en-US" dirty="0" smtClean="0"/>
+              <a:t>选中某个店名时，向</a:t>
             </a:r>
             <a:r>
               <a:rPr kumimoji="1" lang="en-US" altLang="zh-CN" dirty="0" smtClean="0"/>
@@ -19786,11 +20014,7 @@
             </a:r>
             <a:r>
               <a:rPr kumimoji="1" lang="zh-CN" altLang="en-US" dirty="0" smtClean="0"/>
-              <a:t>发送请</a:t>
-            </a:r>
-            <a:r>
-              <a:rPr kumimoji="1" lang="zh-CN" altLang="en-US" dirty="0"/>
-              <a:t>求</a:t>
+              <a:t>发送请求</a:t>
             </a:r>
             <a:r>
               <a:rPr kumimoji="1" lang="en-US" altLang="zh-CN" dirty="0" smtClean="0"/>
@@ -19802,14 +20026,14 @@
       </p:sp>
       <p:sp>
         <p:nvSpPr>
-          <p:cNvPr id="4" name="文本框 3"/>
+          <p:cNvPr id="23" name="文本框 22"/>
           <p:cNvSpPr txBox="1"/>
           <p:nvPr/>
         </p:nvSpPr>
         <p:spPr>
           <a:xfrm>
-            <a:off x="1083520" y="2148813"/>
-            <a:ext cx="6843302" cy="369332"/>
+            <a:off x="2376323" y="3723210"/>
+            <a:ext cx="3852337" cy="369332"/>
           </a:xfrm>
           <a:prstGeom prst="rect">
             <a:avLst/>
@@ -19824,19 +20048,11 @@
           <a:p>
             <a:r>
               <a:rPr kumimoji="1" lang="en-US" altLang="zh-CN" dirty="0" err="1" smtClean="0"/>
-              <a:t>manage:add</a:t>
-            </a:r>
-            <a:r>
-              <a:rPr kumimoji="1" lang="en-US" altLang="zh-CN" dirty="0" smtClean="0"/>
-              <a:t>   </a:t>
-            </a:r>
-            <a:r>
-              <a:rPr kumimoji="1" lang="en-US" altLang="zh-CN" dirty="0" err="1" smtClean="0"/>
-              <a:t>pic:xxxxxx</a:t>
-            </a:r>
-            <a:r>
-              <a:rPr kumimoji="1" lang="en-US" altLang="zh-CN" dirty="0" smtClean="0"/>
-              <a:t>   </a:t>
+              <a:t>manage:get</a:t>
+            </a:r>
+            <a:r>
+              <a:rPr kumimoji="1" lang="en-US" altLang="zh-CN" dirty="0" smtClean="0"/>
+              <a:t>      </a:t>
             </a:r>
             <a:r>
               <a:rPr lang="en-US" altLang="zh-CN" dirty="0" err="1"/>
@@ -19846,28 +20062,71 @@
               <a:rPr kumimoji="1" lang="en-US" altLang="zh-CN" dirty="0" err="1" smtClean="0"/>
               <a:t>name:XXXXXX</a:t>
             </a:r>
-            <a:r>
-              <a:rPr kumimoji="1" lang="en-US" altLang="zh-CN" dirty="0" smtClean="0"/>
-              <a:t>    </a:t>
-            </a:r>
+            <a:endParaRPr kumimoji="1" lang="zh-CN" altLang="en-US" dirty="0"/>
+          </a:p>
+        </p:txBody>
+      </p:sp>
+      <p:sp>
+        <p:nvSpPr>
+          <p:cNvPr id="24" name="矩形 23"/>
+          <p:cNvSpPr/>
+          <p:nvPr/>
+        </p:nvSpPr>
+        <p:spPr>
+          <a:xfrm>
+            <a:off x="2265263" y="4421056"/>
+            <a:ext cx="3272048" cy="923330"/>
+          </a:xfrm>
+          <a:prstGeom prst="rect">
+            <a:avLst/>
+          </a:prstGeom>
+        </p:spPr>
+        <p:txBody>
+          <a:bodyPr wrap="square">
+            <a:spAutoFit/>
+          </a:bodyPr>
+          <a:lstStyle/>
+          <a:p>
             <a:r>
               <a:rPr kumimoji="1" lang="en-US" altLang="zh-CN" dirty="0" err="1" smtClean="0"/>
-              <a:t>content:xxxxxxx</a:t>
-            </a:r>
-            <a:endParaRPr kumimoji="1" lang="zh-CN" altLang="en-US" dirty="0"/>
-          </a:p>
-        </p:txBody>
-      </p:sp>
-      <p:sp>
-        <p:nvSpPr>
-          <p:cNvPr id="5" name="文本框 4"/>
+              <a:t>pic:xxxxxxxxx</a:t>
+            </a:r>
+            <a:endParaRPr kumimoji="1" lang="en-US" altLang="zh-CN" dirty="0" smtClean="0"/>
+          </a:p>
+          <a:p>
+            <a:r>
+              <a:rPr lang="en-US" altLang="zh-CN" dirty="0" err="1"/>
+              <a:t>shop</a:t>
+            </a:r>
+            <a:r>
+              <a:rPr kumimoji="1" lang="en-US" altLang="zh-CN" dirty="0" err="1"/>
+              <a:t>name</a:t>
+            </a:r>
+            <a:r>
+              <a:rPr kumimoji="1" lang="en-US" altLang="zh-CN" dirty="0" err="1" smtClean="0"/>
+              <a:t>:xxxxxxxx</a:t>
+            </a:r>
+            <a:endParaRPr kumimoji="1" lang="en-US" altLang="zh-CN" dirty="0"/>
+          </a:p>
+          <a:p>
+            <a:r>
+              <a:rPr lang="en-US" altLang="zh-CN" dirty="0" err="1" smtClean="0"/>
+              <a:t>content:xxxxxxxxxxx</a:t>
+            </a:r>
+            <a:endParaRPr lang="en-US" altLang="zh-CN" dirty="0"/>
+          </a:p>
+        </p:txBody>
+      </p:sp>
+      <p:sp>
+        <p:nvSpPr>
+          <p:cNvPr id="6" name="文本框 5"/>
           <p:cNvSpPr txBox="1"/>
           <p:nvPr/>
         </p:nvSpPr>
         <p:spPr>
           <a:xfrm>
-            <a:off x="2672810" y="2679652"/>
-            <a:ext cx="3173540" cy="369332"/>
+            <a:off x="1315683" y="4176300"/>
+            <a:ext cx="1595584" cy="369332"/>
           </a:xfrm>
           <a:prstGeom prst="rect">
             <a:avLst/>
@@ -19896,337 +20155,13 @@
               <a:rPr kumimoji="1" lang="en-US" altLang="zh-CN" dirty="0"/>
               <a:t>: </a:t>
             </a:r>
-            <a:r>
-              <a:rPr kumimoji="1" lang="en-US" altLang="zh-CN" dirty="0" err="1"/>
-              <a:t>status:success</a:t>
-            </a:r>
-            <a:endParaRPr kumimoji="1" lang="zh-CN" altLang="en-US" dirty="0"/>
-          </a:p>
-        </p:txBody>
-      </p:sp>
-      <p:sp>
-        <p:nvSpPr>
-          <p:cNvPr id="6" name="矩形 5"/>
-          <p:cNvSpPr/>
-          <p:nvPr/>
-        </p:nvSpPr>
-        <p:spPr>
-          <a:xfrm>
-            <a:off x="697885" y="3288905"/>
-            <a:ext cx="5903414" cy="369332"/>
-          </a:xfrm>
-          <a:prstGeom prst="rect">
-            <a:avLst/>
-          </a:prstGeom>
-        </p:spPr>
-        <p:txBody>
-          <a:bodyPr wrap="square">
-            <a:spAutoFit/>
-          </a:bodyPr>
-          <a:lstStyle/>
-          <a:p>
-            <a:r>
-              <a:rPr kumimoji="1" lang="zh-CN" altLang="en-US" dirty="0" smtClean="0"/>
-              <a:t>编辑的</a:t>
-            </a:r>
-            <a:r>
-              <a:rPr kumimoji="1" lang="zh-CN" altLang="en-US" dirty="0"/>
-              <a:t>‘确认’按扭，向</a:t>
-            </a:r>
-            <a:r>
-              <a:rPr kumimoji="1" lang="en-US" altLang="zh-CN" dirty="0" smtClean="0"/>
-              <a:t>/</a:t>
-            </a:r>
-            <a:r>
-              <a:rPr kumimoji="1" lang="en-US" altLang="zh-CN" dirty="0" err="1"/>
-              <a:t>manageShop</a:t>
-            </a:r>
-            <a:r>
-              <a:rPr kumimoji="1" lang="zh-CN" altLang="en-US" dirty="0" smtClean="0"/>
-              <a:t>发送请</a:t>
-            </a:r>
-            <a:r>
-              <a:rPr kumimoji="1" lang="zh-CN" altLang="en-US" dirty="0"/>
-              <a:t>求</a:t>
-            </a:r>
-            <a:r>
-              <a:rPr kumimoji="1" lang="en-US" altLang="zh-CN" dirty="0"/>
-              <a:t>:</a:t>
-            </a:r>
-            <a:endParaRPr kumimoji="1" lang="zh-CN" altLang="en-US" dirty="0"/>
-          </a:p>
-        </p:txBody>
-      </p:sp>
-      <p:sp>
-        <p:nvSpPr>
-          <p:cNvPr id="7" name="文本框 6"/>
-          <p:cNvSpPr txBox="1"/>
-          <p:nvPr/>
-        </p:nvSpPr>
-        <p:spPr>
-          <a:xfrm>
-            <a:off x="122499" y="3800105"/>
-            <a:ext cx="8908734" cy="369332"/>
-          </a:xfrm>
-          <a:prstGeom prst="rect">
-            <a:avLst/>
-          </a:prstGeom>
-          <a:noFill/>
-        </p:spPr>
-        <p:txBody>
-          <a:bodyPr wrap="none" rtlCol="0">
-            <a:spAutoFit/>
-          </a:bodyPr>
-          <a:lstStyle/>
-          <a:p>
-            <a:r>
-              <a:rPr kumimoji="1" lang="en-US" altLang="zh-CN" dirty="0" err="1"/>
-              <a:t>m</a:t>
-            </a:r>
-            <a:r>
-              <a:rPr kumimoji="1" lang="en-US" altLang="zh-CN" dirty="0" err="1" smtClean="0"/>
-              <a:t>anage:edit</a:t>
-            </a:r>
-            <a:r>
-              <a:rPr kumimoji="1" lang="en-US" altLang="zh-CN" dirty="0" smtClean="0"/>
-              <a:t>   </a:t>
-            </a:r>
-            <a:r>
-              <a:rPr kumimoji="1" lang="en-US" altLang="zh-CN" dirty="0" err="1" smtClean="0"/>
-              <a:t>pic:xxxxxx</a:t>
-            </a:r>
-            <a:r>
-              <a:rPr kumimoji="1" lang="en-US" altLang="zh-CN" dirty="0" smtClean="0"/>
-              <a:t>  </a:t>
-            </a:r>
-            <a:r>
-              <a:rPr kumimoji="1" lang="en-US" altLang="zh-CN" dirty="0" err="1" smtClean="0"/>
-              <a:t>old</a:t>
-            </a:r>
-            <a:r>
-              <a:rPr lang="en-US" altLang="zh-CN" dirty="0" err="1"/>
-              <a:t>shop</a:t>
-            </a:r>
-            <a:r>
-              <a:rPr kumimoji="1" lang="en-US" altLang="zh-CN" dirty="0" err="1" smtClean="0"/>
-              <a:t>name:xxxxx</a:t>
-            </a:r>
-            <a:r>
-              <a:rPr kumimoji="1" lang="en-US" altLang="zh-CN" dirty="0" smtClean="0"/>
-              <a:t>  </a:t>
-            </a:r>
-            <a:r>
-              <a:rPr lang="en-US" altLang="zh-CN" dirty="0" err="1"/>
-              <a:t>shop</a:t>
-            </a:r>
-            <a:r>
-              <a:rPr kumimoji="1" lang="en-US" altLang="zh-CN" dirty="0" err="1" smtClean="0"/>
-              <a:t>name:XXXXXX</a:t>
-            </a:r>
-            <a:r>
-              <a:rPr kumimoji="1" lang="en-US" altLang="zh-CN" dirty="0" smtClean="0"/>
-              <a:t>    </a:t>
-            </a:r>
-            <a:r>
-              <a:rPr kumimoji="1" lang="en-US" altLang="zh-CN" dirty="0" err="1" smtClean="0"/>
-              <a:t>content:xxxxxxx</a:t>
-            </a:r>
-            <a:endParaRPr kumimoji="1" lang="zh-CN" altLang="en-US" dirty="0"/>
-          </a:p>
-        </p:txBody>
-      </p:sp>
-      <p:sp>
-        <p:nvSpPr>
-          <p:cNvPr id="8" name="文本框 7"/>
-          <p:cNvSpPr txBox="1"/>
-          <p:nvPr/>
-        </p:nvSpPr>
-        <p:spPr>
-          <a:xfrm>
-            <a:off x="2672810" y="4330944"/>
-            <a:ext cx="3173540" cy="369332"/>
-          </a:xfrm>
-          <a:prstGeom prst="rect">
-            <a:avLst/>
-          </a:prstGeom>
-          <a:noFill/>
-        </p:spPr>
-        <p:txBody>
-          <a:bodyPr wrap="none" rtlCol="0">
-            <a:spAutoFit/>
-          </a:bodyPr>
-          <a:lstStyle/>
-          <a:p>
-            <a:r>
-              <a:rPr kumimoji="1" lang="zh-CN" altLang="en-US" dirty="0"/>
-              <a:t>返回</a:t>
-            </a:r>
-            <a:r>
-              <a:rPr kumimoji="1" lang="en-US" altLang="zh-CN" dirty="0" err="1"/>
-              <a:t>json</a:t>
-            </a:r>
-            <a:r>
-              <a:rPr kumimoji="1" lang="zh-CN" altLang="en-US" dirty="0"/>
-              <a:t>结构</a:t>
-            </a:r>
-            <a:r>
-              <a:rPr kumimoji="1" lang="en-US" altLang="zh-CN" dirty="0"/>
-              <a:t>: </a:t>
-            </a:r>
-            <a:r>
-              <a:rPr kumimoji="1" lang="en-US" altLang="zh-CN" dirty="0" err="1"/>
-              <a:t>status:success</a:t>
-            </a:r>
-            <a:endParaRPr kumimoji="1" lang="zh-CN" altLang="en-US" dirty="0"/>
-          </a:p>
-        </p:txBody>
-      </p:sp>
-      <p:sp>
-        <p:nvSpPr>
-          <p:cNvPr id="9" name="文本框 8"/>
-          <p:cNvSpPr txBox="1"/>
-          <p:nvPr/>
-        </p:nvSpPr>
-        <p:spPr>
-          <a:xfrm>
-            <a:off x="697885" y="4885699"/>
-            <a:ext cx="3532638" cy="369332"/>
-          </a:xfrm>
-          <a:prstGeom prst="rect">
-            <a:avLst/>
-          </a:prstGeom>
-          <a:noFill/>
-        </p:spPr>
-        <p:txBody>
-          <a:bodyPr wrap="none" rtlCol="0">
-            <a:spAutoFit/>
-          </a:bodyPr>
-          <a:lstStyle/>
-          <a:p>
-            <a:r>
-              <a:rPr kumimoji="1" lang="zh-CN" altLang="en-US" dirty="0" smtClean="0"/>
-              <a:t>删除，</a:t>
-            </a:r>
-            <a:r>
-              <a:rPr kumimoji="1" lang="zh-CN" altLang="en-US" dirty="0"/>
-              <a:t>向</a:t>
-            </a:r>
-            <a:r>
-              <a:rPr kumimoji="1" lang="en-US" altLang="zh-CN" dirty="0" smtClean="0"/>
-              <a:t>/</a:t>
-            </a:r>
-            <a:r>
-              <a:rPr kumimoji="1" lang="en-US" altLang="zh-CN" dirty="0" err="1"/>
-              <a:t>manageShop</a:t>
-            </a:r>
-            <a:r>
-              <a:rPr kumimoji="1" lang="zh-CN" altLang="en-US" dirty="0" smtClean="0"/>
-              <a:t>发送请</a:t>
-            </a:r>
-            <a:r>
-              <a:rPr kumimoji="1" lang="zh-CN" altLang="en-US" dirty="0"/>
-              <a:t>求</a:t>
-            </a:r>
-            <a:r>
-              <a:rPr kumimoji="1" lang="en-US" altLang="zh-CN" dirty="0" smtClean="0"/>
-              <a:t>:</a:t>
-            </a:r>
-            <a:endParaRPr kumimoji="1" lang="zh-CN" altLang="en-US" dirty="0"/>
-          </a:p>
-        </p:txBody>
-      </p:sp>
-      <p:sp>
-        <p:nvSpPr>
-          <p:cNvPr id="10" name="文本框 9"/>
-          <p:cNvSpPr txBox="1"/>
-          <p:nvPr/>
-        </p:nvSpPr>
-        <p:spPr>
-          <a:xfrm>
-            <a:off x="2672810" y="5289357"/>
-            <a:ext cx="3803257" cy="369332"/>
-          </a:xfrm>
-          <a:prstGeom prst="rect">
-            <a:avLst/>
-          </a:prstGeom>
-          <a:noFill/>
-        </p:spPr>
-        <p:txBody>
-          <a:bodyPr wrap="none" rtlCol="0">
-            <a:spAutoFit/>
-          </a:bodyPr>
-          <a:lstStyle/>
-          <a:p>
-            <a:r>
-              <a:rPr kumimoji="1" lang="en-US" altLang="zh-CN" dirty="0" err="1" smtClean="0"/>
-              <a:t>manage:delete</a:t>
-            </a:r>
-            <a:r>
-              <a:rPr kumimoji="1" lang="en-US" altLang="zh-CN" dirty="0" smtClean="0"/>
-              <a:t>   </a:t>
-            </a:r>
-            <a:r>
-              <a:rPr lang="en-US" altLang="zh-CN" dirty="0" err="1"/>
-              <a:t>shop</a:t>
-            </a:r>
-            <a:r>
-              <a:rPr kumimoji="1" lang="en-US" altLang="zh-CN" dirty="0" err="1" smtClean="0"/>
-              <a:t>name:XXXXX</a:t>
-            </a:r>
-            <a:endParaRPr kumimoji="1" lang="zh-CN" altLang="en-US" dirty="0"/>
-          </a:p>
-        </p:txBody>
-      </p:sp>
-      <p:sp>
-        <p:nvSpPr>
-          <p:cNvPr id="11" name="文本框 10"/>
-          <p:cNvSpPr txBox="1"/>
-          <p:nvPr/>
-        </p:nvSpPr>
-        <p:spPr>
-          <a:xfrm>
-            <a:off x="2672810" y="5762969"/>
-            <a:ext cx="3173540" cy="369332"/>
-          </a:xfrm>
-          <a:prstGeom prst="rect">
-            <a:avLst/>
-          </a:prstGeom>
-          <a:noFill/>
-        </p:spPr>
-        <p:txBody>
-          <a:bodyPr wrap="none" rtlCol="0">
-            <a:spAutoFit/>
-          </a:bodyPr>
-          <a:lstStyle/>
-          <a:p>
-            <a:r>
-              <a:rPr kumimoji="1" lang="zh-CN" altLang="en-US" dirty="0"/>
-              <a:t>返回</a:t>
-            </a:r>
-            <a:r>
-              <a:rPr kumimoji="1" lang="en-US" altLang="zh-CN" dirty="0" err="1"/>
-              <a:t>json</a:t>
-            </a:r>
-            <a:r>
-              <a:rPr kumimoji="1" lang="zh-CN" altLang="en-US" dirty="0"/>
-              <a:t>结构</a:t>
-            </a:r>
-            <a:r>
-              <a:rPr kumimoji="1" lang="en-US" altLang="zh-CN" dirty="0"/>
-              <a:t>: </a:t>
-            </a:r>
-            <a:r>
-              <a:rPr kumimoji="1" lang="en-US" altLang="zh-CN" dirty="0" err="1"/>
-              <a:t>status:success</a:t>
-            </a:r>
-            <a:endParaRPr kumimoji="1" lang="zh-CN" altLang="en-US" dirty="0"/>
           </a:p>
         </p:txBody>
       </p:sp>
     </p:spTree>
     <p:extLst>
       <p:ext uri="{BB962C8B-B14F-4D97-AF65-F5344CB8AC3E}">
-        <p14:creationId xmlns:p14="http://schemas.microsoft.com/office/powerpoint/2010/main" val="2269039277"/>
+        <p14:creationId xmlns:p14="http://schemas.microsoft.com/office/powerpoint/2010/main" val="2444028384"/>
       </p:ext>
     </p:extLst>
   </p:cSld>
@@ -20236,7 +20171,7 @@
   <p:timing>
     <p:tnLst>
       <p:par>
-        <p:cTn id="1" dur="indefinite" restart="never" nodeType="tmRoot"/>
+        <p:cTn xmlns:p14="http://schemas.microsoft.com/office/powerpoint/2010/main" id="1" dur="indefinite" restart="never" nodeType="tmRoot"/>
       </p:par>
     </p:tnLst>
   </p:timing>
@@ -20279,19 +20214,20 @@
               <a:rPr kumimoji="1" lang="zh-CN" altLang="en-US" dirty="0"/>
               <a:t>八、店面展示</a:t>
             </a:r>
-          </a:p>
-        </p:txBody>
-      </p:sp>
-      <p:sp>
-        <p:nvSpPr>
-          <p:cNvPr id="3" name="文本框 2"/>
+            <a:endParaRPr kumimoji="1" lang="zh-CN" altLang="en-US" dirty="0"/>
+          </a:p>
+        </p:txBody>
+      </p:sp>
+      <p:sp>
+        <p:nvSpPr>
+          <p:cNvPr id="4" name="文本框 3"/>
           <p:cNvSpPr txBox="1"/>
           <p:nvPr/>
         </p:nvSpPr>
         <p:spPr>
           <a:xfrm>
-            <a:off x="697885" y="1581209"/>
-            <a:ext cx="5174388" cy="369332"/>
+            <a:off x="537714" y="2723182"/>
+            <a:ext cx="646331" cy="369332"/>
           </a:xfrm>
           <a:prstGeom prst="rect">
             <a:avLst/>
@@ -20306,19 +20242,138 @@
           <a:p>
             <a:r>
               <a:rPr kumimoji="1" lang="zh-CN" altLang="en-US" dirty="0" smtClean="0"/>
-              <a:t>增加的‘排序’按扭，</a:t>
-            </a:r>
-            <a:r>
-              <a:rPr kumimoji="1" lang="zh-CN" altLang="en-US" dirty="0"/>
+              <a:t>增加</a:t>
+            </a:r>
+            <a:endParaRPr kumimoji="1" lang="zh-CN" altLang="en-US" dirty="0"/>
+          </a:p>
+        </p:txBody>
+      </p:sp>
+      <p:sp>
+        <p:nvSpPr>
+          <p:cNvPr id="7" name="文本框 6"/>
+          <p:cNvSpPr txBox="1"/>
+          <p:nvPr/>
+        </p:nvSpPr>
+        <p:spPr>
+          <a:xfrm>
+            <a:off x="537714" y="3653631"/>
+            <a:ext cx="659155" cy="369332"/>
+          </a:xfrm>
+          <a:prstGeom prst="rect">
+            <a:avLst/>
+          </a:prstGeom>
+          <a:noFill/>
+        </p:spPr>
+        <p:txBody>
+          <a:bodyPr wrap="none" rtlCol="0">
+            <a:spAutoFit/>
+          </a:bodyPr>
+          <a:lstStyle/>
+          <a:p>
+            <a:r>
+              <a:rPr kumimoji="1" lang="zh-CN" altLang="en-US" dirty="0" smtClean="0"/>
+              <a:t>删除</a:t>
+            </a:r>
+            <a:endParaRPr kumimoji="1" lang="zh-CN" altLang="en-US" dirty="0"/>
+          </a:p>
+        </p:txBody>
+      </p:sp>
+      <p:sp>
+        <p:nvSpPr>
+          <p:cNvPr id="8" name="文本框 7"/>
+          <p:cNvSpPr txBox="1"/>
+          <p:nvPr/>
+        </p:nvSpPr>
+        <p:spPr>
+          <a:xfrm>
+            <a:off x="537714" y="4514487"/>
+            <a:ext cx="646331" cy="369332"/>
+          </a:xfrm>
+          <a:prstGeom prst="rect">
+            <a:avLst/>
+          </a:prstGeom>
+          <a:noFill/>
+        </p:spPr>
+        <p:txBody>
+          <a:bodyPr wrap="none" rtlCol="0">
+            <a:spAutoFit/>
+          </a:bodyPr>
+          <a:lstStyle/>
+          <a:p>
+            <a:r>
+              <a:rPr kumimoji="1" lang="zh-CN" altLang="en-US" dirty="0" smtClean="0"/>
+              <a:t>编辑</a:t>
+            </a:r>
+            <a:endParaRPr kumimoji="1" lang="zh-CN" altLang="en-US" dirty="0"/>
+          </a:p>
+        </p:txBody>
+      </p:sp>
+      <p:sp>
+        <p:nvSpPr>
+          <p:cNvPr id="9" name="文本框 8"/>
+          <p:cNvSpPr txBox="1"/>
+          <p:nvPr/>
+        </p:nvSpPr>
+        <p:spPr>
+          <a:xfrm>
+            <a:off x="537714" y="5467819"/>
+            <a:ext cx="646331" cy="369332"/>
+          </a:xfrm>
+          <a:prstGeom prst="rect">
+            <a:avLst/>
+          </a:prstGeom>
+          <a:noFill/>
+        </p:spPr>
+        <p:txBody>
+          <a:bodyPr wrap="none" rtlCol="0">
+            <a:spAutoFit/>
+          </a:bodyPr>
+          <a:lstStyle/>
+          <a:p>
+            <a:r>
+              <a:rPr kumimoji="1" lang="zh-CN" altLang="en-US" dirty="0" smtClean="0"/>
+              <a:t>排序</a:t>
+            </a:r>
+            <a:endParaRPr kumimoji="1" lang="zh-CN" altLang="en-US" dirty="0"/>
+          </a:p>
+        </p:txBody>
+      </p:sp>
+      <p:sp>
+        <p:nvSpPr>
+          <p:cNvPr id="5" name="矩形 4"/>
+          <p:cNvSpPr/>
+          <p:nvPr/>
+        </p:nvSpPr>
+        <p:spPr>
+          <a:xfrm>
+            <a:off x="537714" y="2084654"/>
+            <a:ext cx="5648677" cy="369332"/>
+          </a:xfrm>
+          <a:prstGeom prst="rect">
+            <a:avLst/>
+          </a:prstGeom>
+        </p:spPr>
+        <p:txBody>
+          <a:bodyPr wrap="none">
+            <a:spAutoFit/>
+          </a:bodyPr>
+          <a:lstStyle/>
+          <a:p>
+            <a:r>
+              <a:rPr kumimoji="1" lang="zh-CN" altLang="en-US" dirty="0" smtClean="0"/>
+              <a:t>增加、删除、编辑、排序，</a:t>
+            </a:r>
+            <a:r>
+              <a:rPr kumimoji="1" lang="zh-CN" altLang="en-US" dirty="0" smtClean="0"/>
               <a:t>向</a:t>
             </a:r>
             <a:r>
-              <a:rPr kumimoji="1" lang="en-US" altLang="zh-CN" dirty="0" smtClean="0"/>
+              <a:rPr kumimoji="1" lang="en-US" altLang="zh-CN" dirty="0"/>
               <a:t>/</a:t>
             </a:r>
             <a:r>
-              <a:rPr kumimoji="1" lang="en-US" altLang="zh-CN" dirty="0" err="1"/>
-              <a:t>manageShop</a:t>
+              <a:rPr kumimoji="1" lang="en-US" altLang="zh-CN" dirty="0" err="1" smtClean="0"/>
+              <a:t>manageShow</a:t>
             </a:r>
             <a:r>
               <a:rPr kumimoji="1" lang="zh-CN" altLang="en-US" dirty="0" smtClean="0"/>
@@ -20329,7 +20384,7 @@
               <a:t>求</a:t>
             </a:r>
             <a:r>
-              <a:rPr kumimoji="1" lang="en-US" altLang="zh-CN" dirty="0" smtClean="0"/>
+              <a:rPr kumimoji="1" lang="en-US" altLang="zh-CN" dirty="0"/>
               <a:t>:</a:t>
             </a:r>
             <a:endParaRPr kumimoji="1" lang="zh-CN" altLang="en-US" dirty="0"/>
@@ -20338,14 +20393,14 @@
       </p:sp>
       <p:sp>
         <p:nvSpPr>
-          <p:cNvPr id="12" name="文本框 11"/>
+          <p:cNvPr id="6" name="文本框 5"/>
           <p:cNvSpPr txBox="1"/>
           <p:nvPr/>
         </p:nvSpPr>
         <p:spPr>
           <a:xfrm>
-            <a:off x="2044541" y="2153451"/>
-            <a:ext cx="4610945" cy="369332"/>
+            <a:off x="1750431" y="2723182"/>
+            <a:ext cx="3995430" cy="369332"/>
           </a:xfrm>
           <a:prstGeom prst="rect">
             <a:avLst/>
@@ -20359,8 +20414,132 @@
           <a:lstStyle/>
           <a:p>
             <a:r>
+              <a:rPr kumimoji="1" lang="en-US" altLang="zh-CN" dirty="0"/>
+              <a:t> </a:t>
+            </a:r>
+            <a:r>
+              <a:rPr kumimoji="1" lang="en-US" altLang="zh-CN" dirty="0" smtClean="0"/>
+              <a:t>manage = add   </a:t>
+            </a:r>
+            <a:r>
               <a:rPr kumimoji="1" lang="en-US" altLang="zh-CN" dirty="0" err="1" smtClean="0"/>
-              <a:t>manage:sort</a:t>
+              <a:t>showname</a:t>
+            </a:r>
+            <a:r>
+              <a:rPr kumimoji="1" lang="en-US" altLang="zh-CN" dirty="0" smtClean="0"/>
+              <a:t> = </a:t>
+            </a:r>
+            <a:r>
+              <a:rPr kumimoji="1" lang="en-US" altLang="zh-CN" dirty="0" err="1" smtClean="0"/>
+              <a:t>xxxxxx</a:t>
+            </a:r>
+            <a:r>
+              <a:rPr kumimoji="1" lang="en-US" altLang="zh-CN" dirty="0" smtClean="0"/>
+              <a:t> </a:t>
+            </a:r>
+            <a:endParaRPr kumimoji="1" lang="zh-CN" altLang="en-US" dirty="0"/>
+          </a:p>
+        </p:txBody>
+      </p:sp>
+      <p:sp>
+        <p:nvSpPr>
+          <p:cNvPr id="14" name="文本框 13"/>
+          <p:cNvSpPr txBox="1"/>
+          <p:nvPr/>
+        </p:nvSpPr>
+        <p:spPr>
+          <a:xfrm>
+            <a:off x="1750431" y="3653631"/>
+            <a:ext cx="4239224" cy="369332"/>
+          </a:xfrm>
+          <a:prstGeom prst="rect">
+            <a:avLst/>
+          </a:prstGeom>
+          <a:noFill/>
+        </p:spPr>
+        <p:txBody>
+          <a:bodyPr wrap="none" rtlCol="0">
+            <a:spAutoFit/>
+          </a:bodyPr>
+          <a:lstStyle/>
+          <a:p>
+            <a:r>
+              <a:rPr kumimoji="1" lang="en-US" altLang="zh-CN" dirty="0"/>
+              <a:t> </a:t>
+            </a:r>
+            <a:r>
+              <a:rPr kumimoji="1" lang="en-US" altLang="zh-CN" dirty="0" smtClean="0"/>
+              <a:t>manage = delete   </a:t>
+            </a:r>
+            <a:r>
+              <a:rPr kumimoji="1" lang="en-US" altLang="zh-CN" dirty="0" err="1"/>
+              <a:t>showname</a:t>
+            </a:r>
+            <a:r>
+              <a:rPr kumimoji="1" lang="en-US" altLang="zh-CN" dirty="0"/>
+              <a:t> </a:t>
+            </a:r>
+            <a:r>
+              <a:rPr kumimoji="1" lang="en-US" altLang="zh-CN" dirty="0" smtClean="0"/>
+              <a:t>= </a:t>
+            </a:r>
+            <a:r>
+              <a:rPr kumimoji="1" lang="en-US" altLang="zh-CN" dirty="0" err="1" smtClean="0"/>
+              <a:t>xxxxxx</a:t>
+            </a:r>
+            <a:r>
+              <a:rPr kumimoji="1" lang="en-US" altLang="zh-CN" dirty="0" smtClean="0"/>
+              <a:t> </a:t>
+            </a:r>
+            <a:endParaRPr kumimoji="1" lang="zh-CN" altLang="en-US" dirty="0"/>
+          </a:p>
+        </p:txBody>
+      </p:sp>
+      <p:sp>
+        <p:nvSpPr>
+          <p:cNvPr id="15" name="文本框 14"/>
+          <p:cNvSpPr txBox="1"/>
+          <p:nvPr/>
+        </p:nvSpPr>
+        <p:spPr>
+          <a:xfrm>
+            <a:off x="1196869" y="4514487"/>
+            <a:ext cx="5968301" cy="369332"/>
+          </a:xfrm>
+          <a:prstGeom prst="rect">
+            <a:avLst/>
+          </a:prstGeom>
+          <a:noFill/>
+        </p:spPr>
+        <p:txBody>
+          <a:bodyPr wrap="none" rtlCol="0">
+            <a:spAutoFit/>
+          </a:bodyPr>
+          <a:lstStyle/>
+          <a:p>
+            <a:r>
+              <a:rPr kumimoji="1" lang="en-US" altLang="zh-CN" dirty="0"/>
+              <a:t> </a:t>
+            </a:r>
+            <a:r>
+              <a:rPr kumimoji="1" lang="en-US" altLang="zh-CN" dirty="0" smtClean="0"/>
+              <a:t>manage = edit   </a:t>
+            </a:r>
+            <a:r>
+              <a:rPr kumimoji="1" lang="en-US" altLang="zh-CN" dirty="0" err="1"/>
+              <a:t>showname</a:t>
+            </a:r>
+            <a:r>
+              <a:rPr kumimoji="1" lang="en-US" altLang="zh-CN" dirty="0"/>
+              <a:t> </a:t>
+            </a:r>
+            <a:r>
+              <a:rPr kumimoji="1" lang="en-US" altLang="zh-CN" dirty="0" smtClean="0"/>
+              <a:t>= </a:t>
+            </a:r>
+            <a:r>
+              <a:rPr kumimoji="1" lang="en-US" altLang="zh-CN" dirty="0" err="1" smtClean="0"/>
+              <a:t>xxxxxx</a:t>
             </a:r>
             <a:r>
               <a:rPr kumimoji="1" lang="en-US" altLang="zh-CN" dirty="0" smtClean="0"/>
@@ -20368,6 +20547,60 @@
             </a:r>
             <a:r>
               <a:rPr kumimoji="1" lang="en-US" altLang="zh-CN" dirty="0" err="1" smtClean="0"/>
+              <a:t>oldname</a:t>
+            </a:r>
+            <a:r>
+              <a:rPr kumimoji="1" lang="en-US" altLang="zh-CN" dirty="0" smtClean="0"/>
+              <a:t> = </a:t>
+            </a:r>
+            <a:r>
+              <a:rPr kumimoji="1" lang="en-US" altLang="zh-CN" dirty="0" err="1"/>
+              <a:t>xxxxxx</a:t>
+            </a:r>
+            <a:r>
+              <a:rPr kumimoji="1" lang="en-US" altLang="zh-CN" dirty="0"/>
+              <a:t> </a:t>
+            </a:r>
+            <a:r>
+              <a:rPr kumimoji="1" lang="en-US" altLang="zh-CN" dirty="0" smtClean="0"/>
+              <a:t> </a:t>
+            </a:r>
+            <a:endParaRPr kumimoji="1" lang="zh-CN" altLang="en-US" dirty="0"/>
+          </a:p>
+        </p:txBody>
+      </p:sp>
+      <p:sp>
+        <p:nvSpPr>
+          <p:cNvPr id="16" name="文本框 15"/>
+          <p:cNvSpPr txBox="1"/>
+          <p:nvPr/>
+        </p:nvSpPr>
+        <p:spPr>
+          <a:xfrm>
+            <a:off x="1750431" y="5467819"/>
+            <a:ext cx="4874013" cy="369332"/>
+          </a:xfrm>
+          <a:prstGeom prst="rect">
+            <a:avLst/>
+          </a:prstGeom>
+          <a:noFill/>
+        </p:spPr>
+        <p:txBody>
+          <a:bodyPr wrap="none" rtlCol="0">
+            <a:spAutoFit/>
+          </a:bodyPr>
+          <a:lstStyle/>
+          <a:p>
+            <a:r>
+              <a:rPr kumimoji="1" lang="en-US" altLang="zh-CN" dirty="0"/>
+              <a:t> </a:t>
+            </a:r>
+            <a:r>
+              <a:rPr kumimoji="1" lang="en-US" altLang="zh-CN" dirty="0" smtClean="0"/>
+              <a:t>manage = sort   </a:t>
+            </a:r>
+            <a:r>
+              <a:rPr kumimoji="1" lang="en-US" altLang="zh-CN" dirty="0" err="1"/>
               <a:t>sequence:AAA</a:t>
             </a:r>
             <a:r>
@@ -20392,14 +20625,52 @@
       </p:sp>
       <p:sp>
         <p:nvSpPr>
-          <p:cNvPr id="13" name="文本框 12"/>
+          <p:cNvPr id="10" name="右大括号 9"/>
+          <p:cNvSpPr/>
+          <p:nvPr/>
+        </p:nvSpPr>
+        <p:spPr>
+          <a:xfrm>
+            <a:off x="6902034" y="2723182"/>
+            <a:ext cx="263136" cy="3113968"/>
+          </a:xfrm>
+          <a:prstGeom prst="rightBrace">
+            <a:avLst/>
+          </a:prstGeom>
+        </p:spPr>
+        <p:style>
+          <a:lnRef idx="2">
+            <a:schemeClr val="accent1"/>
+          </a:lnRef>
+          <a:fillRef idx="0">
+            <a:schemeClr val="accent1"/>
+          </a:fillRef>
+          <a:effectRef idx="1">
+            <a:schemeClr val="accent1"/>
+          </a:effectRef>
+          <a:fontRef idx="minor">
+            <a:schemeClr val="tx1"/>
+          </a:fontRef>
+        </p:style>
+        <p:txBody>
+          <a:bodyPr rtlCol="0" anchor="ctr"/>
+          <a:lstStyle/>
+          <a:p>
+            <a:pPr algn="ctr"/>
+            <a:endParaRPr kumimoji="1" lang="zh-CN" altLang="en-US"/>
+          </a:p>
+        </p:txBody>
+      </p:sp>
+      <p:sp>
+        <p:nvSpPr>
+          <p:cNvPr id="17" name="文本框 16"/>
           <p:cNvSpPr txBox="1"/>
           <p:nvPr/>
         </p:nvSpPr>
         <p:spPr>
           <a:xfrm>
-            <a:off x="2592725" y="2677384"/>
-            <a:ext cx="3173540" cy="369332"/>
+            <a:off x="7348222" y="3950154"/>
+            <a:ext cx="1698489" cy="646331"/>
           </a:xfrm>
           <a:prstGeom prst="rect">
             <a:avLst/>
@@ -20428,18 +20699,45 @@
               <a:rPr kumimoji="1" lang="en-US" altLang="zh-CN" dirty="0"/>
               <a:t>: </a:t>
             </a:r>
-            <a:r>
-              <a:rPr kumimoji="1" lang="en-US" altLang="zh-CN" dirty="0" err="1"/>
+            <a:endParaRPr kumimoji="1" lang="en-US" altLang="zh-CN" dirty="0" smtClean="0"/>
+          </a:p>
+          <a:p>
+            <a:r>
+              <a:rPr kumimoji="1" lang="en-US" altLang="zh-CN" dirty="0" err="1" smtClean="0"/>
               <a:t>status:success</a:t>
             </a:r>
             <a:endParaRPr kumimoji="1" lang="zh-CN" altLang="en-US" dirty="0"/>
           </a:p>
         </p:txBody>
       </p:sp>
+      <p:pic>
+        <p:nvPicPr>
+          <p:cNvPr id="11" name="图片 10"/>
+          <p:cNvPicPr>
+            <a:picLocks noChangeAspect="1"/>
+          </p:cNvPicPr>
+          <p:nvPr/>
+        </p:nvPicPr>
+        <p:blipFill>
+          <a:blip r:embed="rId2"/>
+          <a:stretch>
+            <a:fillRect/>
+          </a:stretch>
+        </p:blipFill>
+        <p:spPr>
+          <a:xfrm>
+            <a:off x="577434" y="1487595"/>
+            <a:ext cx="6324600" cy="431800"/>
+          </a:xfrm>
+          <a:prstGeom prst="rect">
+            <a:avLst/>
+          </a:prstGeom>
+        </p:spPr>
+      </p:pic>
     </p:spTree>
     <p:extLst>
       <p:ext uri="{BB962C8B-B14F-4D97-AF65-F5344CB8AC3E}">
-        <p14:creationId xmlns:p14="http://schemas.microsoft.com/office/powerpoint/2010/main" val="2791156439"/>
+        <p14:creationId xmlns:p14="http://schemas.microsoft.com/office/powerpoint/2010/main" val="3510006971"/>
       </p:ext>
     </p:extLst>
   </p:cSld>
@@ -20449,10 +20747,699 @@
   <p:timing>
     <p:tnLst>
       <p:par>
-        <p:cTn id="1" dur="indefinite" restart="never" nodeType="tmRoot"/>
+        <p:cTn xmlns:p14="http://schemas.microsoft.com/office/powerpoint/2010/main" id="1" dur="indefinite" restart="never" nodeType="tmRoot"/>
       </p:par>
     </p:tnLst>
   </p:timing>
+</p:sld>
+</file>
+
+<file path=ppt/slides/slide45.xml><?xml version="1.0" encoding="utf-8"?>
+<p:sld xmlns:a="http://schemas.openxmlformats.org/drawingml/2006/main" xmlns:r="http://schemas.openxmlformats.org/officeDocument/2006/relationships" xmlns:p="http://schemas.openxmlformats.org/presentationml/2006/main">
+  <p:cSld>
+    <p:spTree>
+      <p:nvGrpSpPr>
+        <p:cNvPr id="1" name=""/>
+        <p:cNvGrpSpPr/>
+        <p:nvPr/>
+      </p:nvGrpSpPr>
+      <p:grpSpPr>
+        <a:xfrm>
+          <a:off x="0" y="0"/>
+          <a:ext cx="0" cy="0"/>
+          <a:chOff x="0" y="0"/>
+          <a:chExt cx="0" cy="0"/>
+        </a:xfrm>
+      </p:grpSpPr>
+      <p:sp>
+        <p:nvSpPr>
+          <p:cNvPr id="2" name="标题 1"/>
+          <p:cNvSpPr>
+            <a:spLocks noGrp="1"/>
+          </p:cNvSpPr>
+          <p:nvPr>
+            <p:ph type="title"/>
+          </p:nvPr>
+        </p:nvSpPr>
+        <p:spPr/>
+        <p:txBody>
+          <a:bodyPr/>
+          <a:lstStyle/>
+          <a:p>
+            <a:r>
+              <a:rPr kumimoji="1" lang="zh-CN" altLang="en-US" dirty="0"/>
+              <a:t>八、店面展示</a:t>
+            </a:r>
+            <a:endParaRPr kumimoji="1" lang="zh-CN" altLang="en-US" dirty="0"/>
+          </a:p>
+        </p:txBody>
+      </p:sp>
+      <p:pic>
+        <p:nvPicPr>
+          <p:cNvPr id="3" name="图片 2"/>
+          <p:cNvPicPr>
+            <a:picLocks noChangeAspect="1"/>
+          </p:cNvPicPr>
+          <p:nvPr/>
+        </p:nvPicPr>
+        <p:blipFill>
+          <a:blip r:embed="rId2"/>
+          <a:stretch>
+            <a:fillRect/>
+          </a:stretch>
+        </p:blipFill>
+        <p:spPr>
+          <a:xfrm>
+            <a:off x="906789" y="1440375"/>
+            <a:ext cx="1930400" cy="1778000"/>
+          </a:xfrm>
+          <a:prstGeom prst="rect">
+            <a:avLst/>
+          </a:prstGeom>
+        </p:spPr>
+      </p:pic>
+      <p:sp>
+        <p:nvSpPr>
+          <p:cNvPr id="18" name="矩形 17"/>
+          <p:cNvSpPr/>
+          <p:nvPr/>
+        </p:nvSpPr>
+        <p:spPr>
+          <a:xfrm>
+            <a:off x="1144087" y="3480569"/>
+            <a:ext cx="4455629" cy="369332"/>
+          </a:xfrm>
+          <a:prstGeom prst="rect">
+            <a:avLst/>
+          </a:prstGeom>
+        </p:spPr>
+        <p:txBody>
+          <a:bodyPr wrap="none">
+            <a:spAutoFit/>
+          </a:bodyPr>
+          <a:lstStyle/>
+          <a:p>
+            <a:r>
+              <a:rPr kumimoji="1" lang="zh-CN" altLang="en-US" dirty="0" smtClean="0"/>
+              <a:t>上传图片，</a:t>
+            </a:r>
+            <a:r>
+              <a:rPr kumimoji="1" lang="zh-CN" altLang="en-US" dirty="0" smtClean="0"/>
+              <a:t>向</a:t>
+            </a:r>
+            <a:r>
+              <a:rPr kumimoji="1" lang="en-US" altLang="zh-CN" dirty="0" smtClean="0"/>
+              <a:t>/</a:t>
+            </a:r>
+            <a:r>
+              <a:rPr kumimoji="1" lang="en-US" altLang="zh-CN" dirty="0" err="1" smtClean="0"/>
+              <a:t>saveShowFirstPic</a:t>
+            </a:r>
+            <a:r>
+              <a:rPr kumimoji="1" lang="zh-CN" altLang="en-US" dirty="0" smtClean="0"/>
+              <a:t>发送请</a:t>
+            </a:r>
+            <a:r>
+              <a:rPr kumimoji="1" lang="zh-CN" altLang="en-US" dirty="0"/>
+              <a:t>求</a:t>
+            </a:r>
+            <a:r>
+              <a:rPr kumimoji="1" lang="en-US" altLang="zh-CN" dirty="0"/>
+              <a:t>:</a:t>
+            </a:r>
+            <a:endParaRPr kumimoji="1" lang="zh-CN" altLang="en-US" dirty="0"/>
+          </a:p>
+        </p:txBody>
+      </p:sp>
+      <p:sp>
+        <p:nvSpPr>
+          <p:cNvPr id="11" name="文本框 10"/>
+          <p:cNvSpPr txBox="1"/>
+          <p:nvPr/>
+        </p:nvSpPr>
+        <p:spPr>
+          <a:xfrm>
+            <a:off x="2368245" y="4027557"/>
+            <a:ext cx="4109944" cy="369332"/>
+          </a:xfrm>
+          <a:prstGeom prst="rect">
+            <a:avLst/>
+          </a:prstGeom>
+          <a:noFill/>
+        </p:spPr>
+        <p:txBody>
+          <a:bodyPr wrap="none" rtlCol="0">
+            <a:spAutoFit/>
+          </a:bodyPr>
+          <a:lstStyle/>
+          <a:p>
+            <a:r>
+              <a:rPr kumimoji="1" lang="en-US" altLang="zh-CN" dirty="0" err="1"/>
+              <a:t>showname</a:t>
+            </a:r>
+            <a:r>
+              <a:rPr kumimoji="1" lang="en-US" altLang="zh-CN" dirty="0"/>
+              <a:t> </a:t>
+            </a:r>
+            <a:r>
+              <a:rPr kumimoji="1" lang="en-US" altLang="zh-CN" dirty="0" smtClean="0"/>
+              <a:t>= </a:t>
+            </a:r>
+            <a:r>
+              <a:rPr kumimoji="1" lang="en-US" altLang="zh-CN" dirty="0" err="1"/>
+              <a:t>xxxxxx</a:t>
+            </a:r>
+            <a:r>
+              <a:rPr kumimoji="1" lang="en-US" altLang="zh-CN" dirty="0"/>
+              <a:t> </a:t>
+            </a:r>
+            <a:r>
+              <a:rPr kumimoji="1" lang="en-US" altLang="zh-CN" dirty="0" smtClean="0"/>
+              <a:t>   pic = </a:t>
+            </a:r>
+            <a:r>
+              <a:rPr kumimoji="1" lang="en-US" altLang="zh-CN" dirty="0" err="1" smtClean="0"/>
+              <a:t>xxxxxxxxx</a:t>
+            </a:r>
+            <a:endParaRPr kumimoji="1" lang="zh-CN" altLang="en-US" dirty="0"/>
+          </a:p>
+        </p:txBody>
+      </p:sp>
+      <p:sp>
+        <p:nvSpPr>
+          <p:cNvPr id="19" name="文本框 18"/>
+          <p:cNvSpPr txBox="1"/>
+          <p:nvPr/>
+        </p:nvSpPr>
+        <p:spPr>
+          <a:xfrm>
+            <a:off x="2368245" y="4648112"/>
+            <a:ext cx="4416120" cy="646331"/>
+          </a:xfrm>
+          <a:prstGeom prst="rect">
+            <a:avLst/>
+          </a:prstGeom>
+          <a:noFill/>
+        </p:spPr>
+        <p:txBody>
+          <a:bodyPr wrap="square" rtlCol="0">
+            <a:spAutoFit/>
+          </a:bodyPr>
+          <a:lstStyle/>
+          <a:p>
+            <a:r>
+              <a:rPr kumimoji="1" lang="zh-CN" altLang="en-US" dirty="0"/>
+              <a:t>返回</a:t>
+            </a:r>
+            <a:r>
+              <a:rPr kumimoji="1" lang="en-US" altLang="zh-CN" dirty="0" err="1"/>
+              <a:t>json</a:t>
+            </a:r>
+            <a:r>
+              <a:rPr kumimoji="1" lang="zh-CN" altLang="en-US" dirty="0"/>
+              <a:t>结构</a:t>
+            </a:r>
+            <a:r>
+              <a:rPr kumimoji="1" lang="en-US" altLang="zh-CN" dirty="0"/>
+              <a:t>: </a:t>
+            </a:r>
+            <a:r>
+              <a:rPr kumimoji="1" lang="en-US" altLang="zh-CN" dirty="0"/>
+              <a:t> </a:t>
+            </a:r>
+            <a:r>
+              <a:rPr kumimoji="1" lang="en-US" altLang="zh-CN" dirty="0" smtClean="0"/>
+              <a:t>  </a:t>
+            </a:r>
+          </a:p>
+          <a:p>
+            <a:r>
+              <a:rPr kumimoji="1" lang="en-US" altLang="zh-CN" dirty="0"/>
+              <a:t> </a:t>
+            </a:r>
+            <a:r>
+              <a:rPr kumimoji="1" lang="en-US" altLang="zh-CN" dirty="0" smtClean="0"/>
+              <a:t>                      </a:t>
+            </a:r>
+            <a:r>
+              <a:rPr kumimoji="1" lang="en-US" altLang="zh-CN" dirty="0" err="1" smtClean="0"/>
+              <a:t>picname:xxxxxx.jpg</a:t>
+            </a:r>
+            <a:endParaRPr kumimoji="1" lang="zh-CN" altLang="en-US" dirty="0"/>
+          </a:p>
+        </p:txBody>
+      </p:sp>
+    </p:spTree>
+    <p:extLst>
+      <p:ext uri="{BB962C8B-B14F-4D97-AF65-F5344CB8AC3E}">
+        <p14:creationId xmlns:p14="http://schemas.microsoft.com/office/powerpoint/2010/main" val="1712769360"/>
+      </p:ext>
+    </p:extLst>
+  </p:cSld>
+  <p:clrMapOvr>
+    <a:masterClrMapping/>
+  </p:clrMapOvr>
+  <p:timing>
+    <p:tnLst>
+      <p:par>
+        <p:cTn xmlns:p14="http://schemas.microsoft.com/office/powerpoint/2010/main" id="1" dur="indefinite" restart="never" nodeType="tmRoot"/>
+      </p:par>
+    </p:tnLst>
+  </p:timing>
+</p:sld>
+</file>
+
+<file path=ppt/slides/slide46.xml><?xml version="1.0" encoding="utf-8"?>
+<p:sld xmlns:a="http://schemas.openxmlformats.org/drawingml/2006/main" xmlns:r="http://schemas.openxmlformats.org/officeDocument/2006/relationships" xmlns:p="http://schemas.openxmlformats.org/presentationml/2006/main">
+  <p:cSld>
+    <p:spTree>
+      <p:nvGrpSpPr>
+        <p:cNvPr id="1" name=""/>
+        <p:cNvGrpSpPr/>
+        <p:nvPr/>
+      </p:nvGrpSpPr>
+      <p:grpSpPr>
+        <a:xfrm>
+          <a:off x="0" y="0"/>
+          <a:ext cx="0" cy="0"/>
+          <a:chOff x="0" y="0"/>
+          <a:chExt cx="0" cy="0"/>
+        </a:xfrm>
+      </p:grpSpPr>
+      <p:sp>
+        <p:nvSpPr>
+          <p:cNvPr id="2" name="标题 1"/>
+          <p:cNvSpPr>
+            <a:spLocks noGrp="1"/>
+          </p:cNvSpPr>
+          <p:nvPr>
+            <p:ph type="title"/>
+          </p:nvPr>
+        </p:nvSpPr>
+        <p:spPr/>
+        <p:txBody>
+          <a:bodyPr/>
+          <a:lstStyle/>
+          <a:p>
+            <a:r>
+              <a:rPr kumimoji="1" lang="zh-CN" altLang="en-US" dirty="0"/>
+              <a:t>八、店面展示</a:t>
+            </a:r>
+          </a:p>
+        </p:txBody>
+      </p:sp>
+      <p:pic>
+        <p:nvPicPr>
+          <p:cNvPr id="3" name="图片 2"/>
+          <p:cNvPicPr>
+            <a:picLocks noChangeAspect="1"/>
+          </p:cNvPicPr>
+          <p:nvPr/>
+        </p:nvPicPr>
+        <p:blipFill>
+          <a:blip r:embed="rId2"/>
+          <a:stretch>
+            <a:fillRect/>
+          </a:stretch>
+        </p:blipFill>
+        <p:spPr>
+          <a:xfrm>
+            <a:off x="1004451" y="1421023"/>
+            <a:ext cx="6870700" cy="1778000"/>
+          </a:xfrm>
+          <a:prstGeom prst="rect">
+            <a:avLst/>
+          </a:prstGeom>
+        </p:spPr>
+      </p:pic>
+      <p:sp>
+        <p:nvSpPr>
+          <p:cNvPr id="4" name="矩形 3"/>
+          <p:cNvSpPr/>
+          <p:nvPr/>
+        </p:nvSpPr>
+        <p:spPr>
+          <a:xfrm>
+            <a:off x="1004451" y="3199023"/>
+            <a:ext cx="4468591" cy="369332"/>
+          </a:xfrm>
+          <a:prstGeom prst="rect">
+            <a:avLst/>
+          </a:prstGeom>
+        </p:spPr>
+        <p:txBody>
+          <a:bodyPr wrap="none">
+            <a:spAutoFit/>
+          </a:bodyPr>
+          <a:lstStyle/>
+          <a:p>
+            <a:r>
+              <a:rPr kumimoji="1" lang="zh-CN" altLang="en-US" dirty="0" smtClean="0"/>
+              <a:t>上传文章图片，</a:t>
+            </a:r>
+            <a:r>
+              <a:rPr kumimoji="1" lang="zh-CN" altLang="en-US" dirty="0" smtClean="0"/>
+              <a:t>向</a:t>
+            </a:r>
+            <a:r>
+              <a:rPr kumimoji="1" lang="en-US" altLang="zh-CN" dirty="0" smtClean="0"/>
+              <a:t>/</a:t>
+            </a:r>
+            <a:r>
+              <a:rPr kumimoji="1" lang="en-US" altLang="zh-CN" dirty="0" err="1" smtClean="0"/>
+              <a:t>saveShowPic</a:t>
+            </a:r>
+            <a:r>
+              <a:rPr kumimoji="1" lang="zh-CN" altLang="en-US" dirty="0" smtClean="0"/>
+              <a:t>发送请</a:t>
+            </a:r>
+            <a:r>
+              <a:rPr kumimoji="1" lang="zh-CN" altLang="en-US" dirty="0"/>
+              <a:t>求</a:t>
+            </a:r>
+            <a:r>
+              <a:rPr kumimoji="1" lang="en-US" altLang="zh-CN" dirty="0"/>
+              <a:t>:</a:t>
+            </a:r>
+            <a:endParaRPr kumimoji="1" lang="zh-CN" altLang="en-US" dirty="0"/>
+          </a:p>
+        </p:txBody>
+      </p:sp>
+      <p:sp>
+        <p:nvSpPr>
+          <p:cNvPr id="5" name="文本框 4"/>
+          <p:cNvSpPr txBox="1"/>
+          <p:nvPr/>
+        </p:nvSpPr>
+        <p:spPr>
+          <a:xfrm>
+            <a:off x="2228609" y="3665917"/>
+            <a:ext cx="4109944" cy="369332"/>
+          </a:xfrm>
+          <a:prstGeom prst="rect">
+            <a:avLst/>
+          </a:prstGeom>
+          <a:noFill/>
+        </p:spPr>
+        <p:txBody>
+          <a:bodyPr wrap="none" rtlCol="0">
+            <a:spAutoFit/>
+          </a:bodyPr>
+          <a:lstStyle/>
+          <a:p>
+            <a:r>
+              <a:rPr kumimoji="1" lang="en-US" altLang="zh-CN" dirty="0" err="1"/>
+              <a:t>showname</a:t>
+            </a:r>
+            <a:r>
+              <a:rPr kumimoji="1" lang="en-US" altLang="zh-CN" dirty="0"/>
+              <a:t> </a:t>
+            </a:r>
+            <a:r>
+              <a:rPr kumimoji="1" lang="en-US" altLang="zh-CN" dirty="0" smtClean="0"/>
+              <a:t>= </a:t>
+            </a:r>
+            <a:r>
+              <a:rPr kumimoji="1" lang="en-US" altLang="zh-CN" dirty="0" err="1"/>
+              <a:t>xxxxxx</a:t>
+            </a:r>
+            <a:r>
+              <a:rPr kumimoji="1" lang="en-US" altLang="zh-CN" dirty="0"/>
+              <a:t> </a:t>
+            </a:r>
+            <a:r>
+              <a:rPr kumimoji="1" lang="en-US" altLang="zh-CN" dirty="0" smtClean="0"/>
+              <a:t>   pic = </a:t>
+            </a:r>
+            <a:r>
+              <a:rPr kumimoji="1" lang="en-US" altLang="zh-CN" dirty="0" err="1" smtClean="0"/>
+              <a:t>xxxxxxxxx</a:t>
+            </a:r>
+            <a:endParaRPr kumimoji="1" lang="zh-CN" altLang="en-US" dirty="0"/>
+          </a:p>
+        </p:txBody>
+      </p:sp>
+      <p:sp>
+        <p:nvSpPr>
+          <p:cNvPr id="6" name="文本框 5"/>
+          <p:cNvSpPr txBox="1"/>
+          <p:nvPr/>
+        </p:nvSpPr>
+        <p:spPr>
+          <a:xfrm>
+            <a:off x="2228609" y="4114842"/>
+            <a:ext cx="4416120" cy="646331"/>
+          </a:xfrm>
+          <a:prstGeom prst="rect">
+            <a:avLst/>
+          </a:prstGeom>
+          <a:noFill/>
+        </p:spPr>
+        <p:txBody>
+          <a:bodyPr wrap="square" rtlCol="0">
+            <a:spAutoFit/>
+          </a:bodyPr>
+          <a:lstStyle/>
+          <a:p>
+            <a:r>
+              <a:rPr kumimoji="1" lang="zh-CN" altLang="en-US" dirty="0"/>
+              <a:t>返回</a:t>
+            </a:r>
+            <a:r>
+              <a:rPr kumimoji="1" lang="en-US" altLang="zh-CN" dirty="0" err="1"/>
+              <a:t>json</a:t>
+            </a:r>
+            <a:r>
+              <a:rPr kumimoji="1" lang="zh-CN" altLang="en-US" dirty="0"/>
+              <a:t>结构</a:t>
+            </a:r>
+            <a:r>
+              <a:rPr kumimoji="1" lang="en-US" altLang="zh-CN" dirty="0"/>
+              <a:t>: </a:t>
+            </a:r>
+            <a:r>
+              <a:rPr kumimoji="1" lang="en-US" altLang="zh-CN" dirty="0"/>
+              <a:t> </a:t>
+            </a:r>
+            <a:r>
+              <a:rPr kumimoji="1" lang="en-US" altLang="zh-CN" dirty="0" smtClean="0"/>
+              <a:t>  </a:t>
+            </a:r>
+          </a:p>
+          <a:p>
+            <a:r>
+              <a:rPr kumimoji="1" lang="en-US" altLang="zh-CN" dirty="0"/>
+              <a:t> </a:t>
+            </a:r>
+            <a:r>
+              <a:rPr kumimoji="1" lang="en-US" altLang="zh-CN" dirty="0" smtClean="0"/>
+              <a:t>                      </a:t>
+            </a:r>
+            <a:r>
+              <a:rPr kumimoji="1" lang="en-US" altLang="zh-CN" dirty="0" err="1" smtClean="0"/>
+              <a:t>picname:xxxxxx.jpg</a:t>
+            </a:r>
+            <a:endParaRPr kumimoji="1" lang="zh-CN" altLang="en-US" dirty="0"/>
+          </a:p>
+        </p:txBody>
+      </p:sp>
+      <p:sp>
+        <p:nvSpPr>
+          <p:cNvPr id="7" name="矩形 6"/>
+          <p:cNvSpPr/>
+          <p:nvPr/>
+        </p:nvSpPr>
+        <p:spPr>
+          <a:xfrm>
+            <a:off x="1004451" y="4895679"/>
+            <a:ext cx="4532949" cy="369332"/>
+          </a:xfrm>
+          <a:prstGeom prst="rect">
+            <a:avLst/>
+          </a:prstGeom>
+        </p:spPr>
+        <p:txBody>
+          <a:bodyPr wrap="none">
+            <a:spAutoFit/>
+          </a:bodyPr>
+          <a:lstStyle/>
+          <a:p>
+            <a:r>
+              <a:rPr kumimoji="1" lang="zh-CN" altLang="en-US" dirty="0" smtClean="0"/>
+              <a:t>上传文章图片，</a:t>
+            </a:r>
+            <a:r>
+              <a:rPr kumimoji="1" lang="zh-CN" altLang="en-US" dirty="0" smtClean="0"/>
+              <a:t>向</a:t>
+            </a:r>
+            <a:r>
+              <a:rPr kumimoji="1" lang="en-US" altLang="zh-CN" dirty="0" smtClean="0"/>
+              <a:t>/</a:t>
+            </a:r>
+            <a:r>
+              <a:rPr kumimoji="1" lang="en-US" altLang="zh-CN" smtClean="0"/>
+              <a:t>saveShow</a:t>
+            </a:r>
+            <a:r>
+              <a:rPr kumimoji="1" lang="en-US" altLang="zh-CN" smtClean="0"/>
+              <a:t>Info</a:t>
+            </a:r>
+            <a:r>
+              <a:rPr kumimoji="1" lang="zh-CN" altLang="en-US" dirty="0" smtClean="0"/>
+              <a:t>发送请</a:t>
+            </a:r>
+            <a:r>
+              <a:rPr kumimoji="1" lang="zh-CN" altLang="en-US" dirty="0"/>
+              <a:t>求</a:t>
+            </a:r>
+            <a:r>
+              <a:rPr kumimoji="1" lang="en-US" altLang="zh-CN" dirty="0"/>
+              <a:t>:</a:t>
+            </a:r>
+            <a:endParaRPr kumimoji="1" lang="zh-CN" altLang="en-US" dirty="0"/>
+          </a:p>
+        </p:txBody>
+      </p:sp>
+      <p:sp>
+        <p:nvSpPr>
+          <p:cNvPr id="8" name="文本框 7"/>
+          <p:cNvSpPr txBox="1"/>
+          <p:nvPr/>
+        </p:nvSpPr>
+        <p:spPr>
+          <a:xfrm>
+            <a:off x="2228609" y="5362573"/>
+            <a:ext cx="4610494" cy="369332"/>
+          </a:xfrm>
+          <a:prstGeom prst="rect">
+            <a:avLst/>
+          </a:prstGeom>
+          <a:noFill/>
+        </p:spPr>
+        <p:txBody>
+          <a:bodyPr wrap="none" rtlCol="0">
+            <a:spAutoFit/>
+          </a:bodyPr>
+          <a:lstStyle/>
+          <a:p>
+            <a:r>
+              <a:rPr kumimoji="1" lang="en-US" altLang="zh-CN" dirty="0" err="1"/>
+              <a:t>showname</a:t>
+            </a:r>
+            <a:r>
+              <a:rPr kumimoji="1" lang="en-US" altLang="zh-CN" dirty="0"/>
+              <a:t> </a:t>
+            </a:r>
+            <a:r>
+              <a:rPr kumimoji="1" lang="en-US" altLang="zh-CN" dirty="0" smtClean="0"/>
+              <a:t>= </a:t>
+            </a:r>
+            <a:r>
+              <a:rPr kumimoji="1" lang="en-US" altLang="zh-CN" dirty="0" err="1"/>
+              <a:t>xxxxxx</a:t>
+            </a:r>
+            <a:r>
+              <a:rPr kumimoji="1" lang="en-US" altLang="zh-CN" dirty="0"/>
+              <a:t> </a:t>
+            </a:r>
+            <a:r>
+              <a:rPr kumimoji="1" lang="en-US" altLang="zh-CN" dirty="0" smtClean="0"/>
+              <a:t>   </a:t>
+            </a:r>
+            <a:r>
+              <a:rPr kumimoji="1" lang="en-US" altLang="zh-CN" dirty="0" err="1" smtClean="0"/>
+              <a:t>caseinfo</a:t>
+            </a:r>
+            <a:r>
+              <a:rPr kumimoji="1" lang="en-US" altLang="zh-CN" dirty="0" smtClean="0"/>
+              <a:t>= </a:t>
+            </a:r>
+            <a:r>
+              <a:rPr kumimoji="1" lang="en-US" altLang="zh-CN" dirty="0" err="1" smtClean="0"/>
+              <a:t>xxxxxxxxx</a:t>
+            </a:r>
+            <a:endParaRPr kumimoji="1" lang="zh-CN" altLang="en-US" dirty="0"/>
+          </a:p>
+        </p:txBody>
+      </p:sp>
+      <p:sp>
+        <p:nvSpPr>
+          <p:cNvPr id="9" name="文本框 8"/>
+          <p:cNvSpPr txBox="1"/>
+          <p:nvPr/>
+        </p:nvSpPr>
+        <p:spPr>
+          <a:xfrm>
+            <a:off x="2228609" y="5811498"/>
+            <a:ext cx="4416120" cy="646331"/>
+          </a:xfrm>
+          <a:prstGeom prst="rect">
+            <a:avLst/>
+          </a:prstGeom>
+          <a:noFill/>
+        </p:spPr>
+        <p:txBody>
+          <a:bodyPr wrap="square" rtlCol="0">
+            <a:spAutoFit/>
+          </a:bodyPr>
+          <a:lstStyle/>
+          <a:p>
+            <a:r>
+              <a:rPr kumimoji="1" lang="zh-CN" altLang="en-US" dirty="0"/>
+              <a:t>返回</a:t>
+            </a:r>
+            <a:r>
+              <a:rPr kumimoji="1" lang="en-US" altLang="zh-CN" dirty="0" err="1"/>
+              <a:t>json</a:t>
+            </a:r>
+            <a:r>
+              <a:rPr kumimoji="1" lang="zh-CN" altLang="en-US" dirty="0"/>
+              <a:t>结构</a:t>
+            </a:r>
+            <a:r>
+              <a:rPr kumimoji="1" lang="en-US" altLang="zh-CN" dirty="0"/>
+              <a:t>: </a:t>
+            </a:r>
+            <a:r>
+              <a:rPr kumimoji="1" lang="en-US" altLang="zh-CN" dirty="0"/>
+              <a:t> </a:t>
+            </a:r>
+            <a:r>
+              <a:rPr kumimoji="1" lang="en-US" altLang="zh-CN" dirty="0" smtClean="0"/>
+              <a:t>  </a:t>
+            </a:r>
+          </a:p>
+          <a:p>
+            <a:r>
+              <a:rPr kumimoji="1" lang="en-US" altLang="zh-CN" dirty="0"/>
+              <a:t> </a:t>
+            </a:r>
+            <a:r>
+              <a:rPr kumimoji="1" lang="en-US" altLang="zh-CN" dirty="0" smtClean="0"/>
+              <a:t>                     </a:t>
+            </a:r>
+            <a:r>
+              <a:rPr kumimoji="1" lang="en-US" altLang="zh-CN" dirty="0"/>
+              <a:t> </a:t>
+            </a:r>
+            <a:r>
+              <a:rPr kumimoji="1" lang="en-US" altLang="zh-CN" dirty="0" err="1"/>
+              <a:t>status:success</a:t>
+            </a:r>
+            <a:endParaRPr kumimoji="1" lang="zh-CN" altLang="en-US" dirty="0"/>
+          </a:p>
+        </p:txBody>
+      </p:sp>
+    </p:spTree>
+    <p:extLst>
+      <p:ext uri="{BB962C8B-B14F-4D97-AF65-F5344CB8AC3E}">
+        <p14:creationId xmlns:p14="http://schemas.microsoft.com/office/powerpoint/2010/main" val="3733646842"/>
+      </p:ext>
+    </p:extLst>
+  </p:cSld>
+  <p:clrMapOvr>
+    <a:masterClrMapping/>
+  </p:clrMapOvr>
 </p:sld>
 </file>
 
@@ -21190,7 +22177,7 @@
   <p:timing>
     <p:tnLst>
       <p:par>
-        <p:cTn id="1" dur="indefinite" restart="never" nodeType="tmRoot"/>
+        <p:cTn xmlns:p14="http://schemas.microsoft.com/office/powerpoint/2010/main" id="1" dur="indefinite" restart="never" nodeType="tmRoot"/>
       </p:par>
     </p:tnLst>
   </p:timing>

--- a/ZSGree前后端逻辑及接口.pptx
+++ b/ZSGree前后端逻辑及接口.pptx
@@ -23472,8 +23472,8 @@
         </p:nvSpPr>
         <p:spPr>
           <a:xfrm>
-            <a:off x="1969184" y="4389102"/>
-            <a:ext cx="4585472" cy="369332"/>
+            <a:off x="811862" y="4389102"/>
+            <a:ext cx="7305192" cy="369332"/>
           </a:xfrm>
           <a:prstGeom prst="rect">
             <a:avLst/>
@@ -23492,7 +23492,43 @@
             </a:r>
             <a:r>
               <a:rPr kumimoji="1" lang="en-US" altLang="zh-CN" dirty="0" smtClean="0"/>
-              <a:t>manage = change   password = </a:t>
+              <a:t>manage = change  </a:t>
+            </a:r>
+            <a:r>
+              <a:rPr kumimoji="1" lang="en-US" altLang="zh-CN" dirty="0" err="1" smtClean="0"/>
+              <a:t>oldpassword</a:t>
+            </a:r>
+            <a:r>
+              <a:rPr kumimoji="1" lang="zh-CN" altLang="zh-CN" dirty="0" smtClean="0"/>
+              <a:t>＝</a:t>
+            </a:r>
+            <a:r>
+              <a:rPr kumimoji="1" lang="en-US" altLang="zh-CN" dirty="0" err="1" smtClean="0"/>
+              <a:t>xxxxx</a:t>
+            </a:r>
+            <a:r>
+              <a:rPr kumimoji="1" lang="en-US" altLang="zh-CN" dirty="0" smtClean="0"/>
+              <a:t>    </a:t>
+            </a:r>
+            <a:r>
+              <a:rPr kumimoji="1" lang="en-US" altLang="zh-CN" dirty="0" smtClean="0"/>
+              <a:t> </a:t>
+            </a:r>
+            <a:r>
+              <a:rPr kumimoji="1" lang="en-US" altLang="zh-CN" dirty="0" err="1" smtClean="0"/>
+              <a:t>new</a:t>
+            </a:r>
+            <a:r>
+              <a:rPr kumimoji="1" lang="en-US" altLang="zh-CN" dirty="0" err="1" smtClean="0"/>
+              <a:t>password</a:t>
+            </a:r>
+            <a:r>
+              <a:rPr kumimoji="1" lang="en-US" altLang="zh-CN" dirty="0" smtClean="0"/>
+              <a:t> </a:t>
+            </a:r>
+            <a:r>
+              <a:rPr kumimoji="1" lang="en-US" altLang="zh-CN" dirty="0" smtClean="0"/>
+              <a:t>= </a:t>
             </a:r>
             <a:r>
               <a:rPr kumimoji="1" lang="en-US" altLang="zh-CN" dirty="0" err="1" smtClean="0"/>
@@ -23582,7 +23618,6 @@
               <a:rPr kumimoji="1" lang="zh-CN" altLang="en-US" dirty="0"/>
               <a:t>’</a:t>
             </a:r>
-            <a:endParaRPr kumimoji="1" lang="zh-CN" altLang="en-US" dirty="0"/>
           </a:p>
         </p:txBody>
       </p:sp>
@@ -23671,11 +23706,7 @@
             </a:r>
             <a:r>
               <a:rPr kumimoji="1" lang="zh-CN" altLang="en-US" dirty="0" smtClean="0"/>
-              <a:t>发送</a:t>
-            </a:r>
-            <a:r>
-              <a:rPr kumimoji="1" lang="zh-CN" altLang="en-US" dirty="0" smtClean="0"/>
-              <a:t>一个空请求就好</a:t>
+              <a:t>发送一个空请求就好</a:t>
             </a:r>
             <a:endParaRPr kumimoji="1" lang="zh-CN" altLang="en-US" dirty="0"/>
           </a:p>

--- a/ZSGree前后端逻辑及接口.pptx
+++ b/ZSGree前后端逻辑及接口.pptx
@@ -21382,7 +21382,11 @@
             </a:r>
             <a:r>
               <a:rPr kumimoji="1" lang="en-US" altLang="zh-CN" dirty="0" err="1" smtClean="0"/>
-              <a:t>manageShow</a:t>
+              <a:t>manageSho</a:t>
+            </a:r>
+            <a:r>
+              <a:rPr kumimoji="1" lang="en-US" altLang="zh-CN" dirty="0" err="1" smtClean="0"/>
+              <a:t>p</a:t>
             </a:r>
             <a:r>
               <a:rPr kumimoji="1" lang="zh-CN" altLang="en-US" dirty="0" smtClean="0"/>
@@ -21432,11 +21436,23 @@
             </a:r>
             <a:r>
               <a:rPr kumimoji="1" lang="en-US" altLang="zh-CN" dirty="0" err="1" smtClean="0"/>
-              <a:t>showname</a:t>
-            </a:r>
-            <a:r>
-              <a:rPr kumimoji="1" lang="en-US" altLang="zh-CN" dirty="0" smtClean="0"/>
-              <a:t> = </a:t>
+              <a:t>sho</a:t>
+            </a:r>
+            <a:r>
+              <a:rPr kumimoji="1" lang="en-US" altLang="zh-CN" dirty="0" err="1" smtClean="0"/>
+              <a:t>p</a:t>
+            </a:r>
+            <a:r>
+              <a:rPr kumimoji="1" lang="en-US" altLang="zh-CN" dirty="0" err="1" smtClean="0"/>
+              <a:t>name</a:t>
+            </a:r>
+            <a:r>
+              <a:rPr kumimoji="1" lang="en-US" altLang="zh-CN" dirty="0" smtClean="0"/>
+              <a:t> </a:t>
+            </a:r>
+            <a:r>
+              <a:rPr kumimoji="1" lang="en-US" altLang="zh-CN" dirty="0" smtClean="0"/>
+              <a:t>= </a:t>
             </a:r>
             <a:r>
               <a:rPr kumimoji="1" lang="en-US" altLang="zh-CN" dirty="0" err="1" smtClean="0"/>
@@ -21481,65 +21497,65 @@
               <a:t>manage = delete   </a:t>
             </a:r>
             <a:r>
-              <a:rPr kumimoji="1" lang="en-US" altLang="zh-CN" dirty="0" err="1"/>
-              <a:t>showname</a:t>
-            </a:r>
+              <a:rPr kumimoji="1" lang="en-US" altLang="zh-CN" dirty="0" err="1" smtClean="0"/>
+              <a:t>shopname</a:t>
+            </a:r>
+            <a:r>
+              <a:rPr kumimoji="1" lang="en-US" altLang="zh-CN" dirty="0" smtClean="0"/>
+              <a:t> </a:t>
+            </a:r>
+            <a:r>
+              <a:rPr kumimoji="1" lang="en-US" altLang="zh-CN" dirty="0" smtClean="0"/>
+              <a:t>= </a:t>
+            </a:r>
+            <a:r>
+              <a:rPr kumimoji="1" lang="en-US" altLang="zh-CN" dirty="0" err="1" smtClean="0"/>
+              <a:t>xxxxxx</a:t>
+            </a:r>
+            <a:r>
+              <a:rPr kumimoji="1" lang="en-US" altLang="zh-CN" dirty="0" smtClean="0"/>
+              <a:t> </a:t>
+            </a:r>
+            <a:endParaRPr kumimoji="1" lang="zh-CN" altLang="en-US" dirty="0"/>
+          </a:p>
+        </p:txBody>
+      </p:sp>
+      <p:sp>
+        <p:nvSpPr>
+          <p:cNvPr id="15" name="文本框 14"/>
+          <p:cNvSpPr txBox="1"/>
+          <p:nvPr/>
+        </p:nvSpPr>
+        <p:spPr>
+          <a:xfrm>
+            <a:off x="1196869" y="4514487"/>
+            <a:ext cx="5968301" cy="369332"/>
+          </a:xfrm>
+          <a:prstGeom prst="rect">
+            <a:avLst/>
+          </a:prstGeom>
+          <a:noFill/>
+        </p:spPr>
+        <p:txBody>
+          <a:bodyPr wrap="none" rtlCol="0">
+            <a:spAutoFit/>
+          </a:bodyPr>
+          <a:lstStyle/>
+          <a:p>
             <a:r>
               <a:rPr kumimoji="1" lang="en-US" altLang="zh-CN" dirty="0"/>
               <a:t> </a:t>
             </a:r>
             <a:r>
               <a:rPr kumimoji="1" lang="en-US" altLang="zh-CN" dirty="0" smtClean="0"/>
-              <a:t>= </a:t>
+              <a:t>manage = edit   </a:t>
             </a:r>
             <a:r>
               <a:rPr kumimoji="1" lang="en-US" altLang="zh-CN" dirty="0" err="1" smtClean="0"/>
-              <a:t>xxxxxx</a:t>
-            </a:r>
-            <a:r>
-              <a:rPr kumimoji="1" lang="en-US" altLang="zh-CN" dirty="0" smtClean="0"/>
-              <a:t> </a:t>
-            </a:r>
-            <a:endParaRPr kumimoji="1" lang="zh-CN" altLang="en-US" dirty="0"/>
-          </a:p>
-        </p:txBody>
-      </p:sp>
-      <p:sp>
-        <p:nvSpPr>
-          <p:cNvPr id="15" name="文本框 14"/>
-          <p:cNvSpPr txBox="1"/>
-          <p:nvPr/>
-        </p:nvSpPr>
-        <p:spPr>
-          <a:xfrm>
-            <a:off x="1196869" y="4514487"/>
-            <a:ext cx="5968301" cy="369332"/>
-          </a:xfrm>
-          <a:prstGeom prst="rect">
-            <a:avLst/>
-          </a:prstGeom>
-          <a:noFill/>
-        </p:spPr>
-        <p:txBody>
-          <a:bodyPr wrap="none" rtlCol="0">
-            <a:spAutoFit/>
-          </a:bodyPr>
-          <a:lstStyle/>
-          <a:p>
-            <a:r>
-              <a:rPr kumimoji="1" lang="en-US" altLang="zh-CN" dirty="0"/>
-              <a:t> </a:t>
-            </a:r>
-            <a:r>
-              <a:rPr kumimoji="1" lang="en-US" altLang="zh-CN" dirty="0" smtClean="0"/>
-              <a:t>manage = edit   </a:t>
-            </a:r>
-            <a:r>
-              <a:rPr kumimoji="1" lang="en-US" altLang="zh-CN" dirty="0" err="1"/>
-              <a:t>showname</a:t>
-            </a:r>
-            <a:r>
-              <a:rPr kumimoji="1" lang="en-US" altLang="zh-CN" dirty="0"/>
+              <a:t>shopname</a:t>
+            </a:r>
+            <a:r>
+              <a:rPr kumimoji="1" lang="en-US" altLang="zh-CN" dirty="0" smtClean="0"/>
               <a:t> </a:t>
             </a:r>
             <a:r>
@@ -21857,7 +21873,7 @@
             </a:r>
             <a:r>
               <a:rPr kumimoji="1" lang="en-US" altLang="zh-CN" dirty="0" err="1" smtClean="0"/>
-              <a:t>saveShowFirstPic</a:t>
+              <a:t>saveShopFirstPic</a:t>
             </a:r>
             <a:r>
               <a:rPr kumimoji="1" lang="zh-CN" altLang="en-US" dirty="0" smtClean="0"/>
@@ -21898,11 +21914,11 @@
           <a:lstStyle/>
           <a:p>
             <a:r>
-              <a:rPr kumimoji="1" lang="en-US" altLang="zh-CN" dirty="0" err="1"/>
-              <a:t>showname</a:t>
-            </a:r>
-            <a:r>
-              <a:rPr kumimoji="1" lang="en-US" altLang="zh-CN" dirty="0"/>
+              <a:rPr kumimoji="1" lang="en-US" altLang="zh-CN" dirty="0" err="1" smtClean="0"/>
+              <a:t>shopname</a:t>
+            </a:r>
+            <a:r>
+              <a:rPr kumimoji="1" lang="en-US" altLang="zh-CN" dirty="0" smtClean="0"/>
               <a:t> </a:t>
             </a:r>
             <a:r>
@@ -22103,7 +22119,7 @@
             </a:r>
             <a:r>
               <a:rPr kumimoji="1" lang="en-US" altLang="zh-CN" dirty="0" err="1" smtClean="0"/>
-              <a:t>saveShowPic</a:t>
+              <a:t>saveShopPic</a:t>
             </a:r>
             <a:r>
               <a:rPr kumimoji="1" lang="zh-CN" altLang="en-US" dirty="0" smtClean="0"/>
@@ -22144,8 +22160,20 @@
           <a:lstStyle/>
           <a:p>
             <a:r>
+              <a:rPr kumimoji="1" lang="en-US" altLang="zh-CN" dirty="0" err="1" smtClean="0"/>
+              <a:t>shopname</a:t>
+            </a:r>
+            <a:r>
+              <a:rPr kumimoji="1" lang="en-US" altLang="zh-CN" dirty="0" smtClean="0"/>
+              <a:t> </a:t>
+            </a:r>
+            <a:r>
+              <a:rPr kumimoji="1" lang="en-US" altLang="zh-CN" dirty="0" smtClean="0"/>
+              <a:t>= </a:t>
+            </a:r>
+            <a:r>
               <a:rPr kumimoji="1" lang="en-US" altLang="zh-CN" dirty="0" err="1"/>
-              <a:t>showname</a:t>
+              <a:t>xxxxxx</a:t>
             </a:r>
             <a:r>
               <a:rPr kumimoji="1" lang="en-US" altLang="zh-CN" dirty="0"/>
@@ -22153,78 +22181,66 @@
             </a:r>
             <a:r>
               <a:rPr kumimoji="1" lang="en-US" altLang="zh-CN" dirty="0" smtClean="0"/>
-              <a:t>= </a:t>
+              <a:t>   pic = </a:t>
+            </a:r>
+            <a:r>
+              <a:rPr kumimoji="1" lang="en-US" altLang="zh-CN" dirty="0" err="1" smtClean="0"/>
+              <a:t>xxxxxxxxx</a:t>
+            </a:r>
+            <a:endParaRPr kumimoji="1" lang="zh-CN" altLang="en-US" dirty="0"/>
+          </a:p>
+        </p:txBody>
+      </p:sp>
+      <p:sp>
+        <p:nvSpPr>
+          <p:cNvPr id="6" name="文本框 5"/>
+          <p:cNvSpPr txBox="1"/>
+          <p:nvPr/>
+        </p:nvSpPr>
+        <p:spPr>
+          <a:xfrm>
+            <a:off x="2228609" y="4114842"/>
+            <a:ext cx="4416120" cy="646331"/>
+          </a:xfrm>
+          <a:prstGeom prst="rect">
+            <a:avLst/>
+          </a:prstGeom>
+          <a:noFill/>
+        </p:spPr>
+        <p:txBody>
+          <a:bodyPr wrap="square" rtlCol="0">
+            <a:spAutoFit/>
+          </a:bodyPr>
+          <a:lstStyle/>
+          <a:p>
+            <a:r>
+              <a:rPr kumimoji="1" lang="zh-CN" altLang="en-US" dirty="0"/>
+              <a:t>返回</a:t>
             </a:r>
             <a:r>
               <a:rPr kumimoji="1" lang="en-US" altLang="zh-CN" dirty="0" err="1"/>
-              <a:t>xxxxxx</a:t>
-            </a:r>
+              <a:t>json</a:t>
+            </a:r>
+            <a:r>
+              <a:rPr kumimoji="1" lang="zh-CN" altLang="en-US" dirty="0"/>
+              <a:t>结构</a:t>
+            </a:r>
+            <a:r>
+              <a:rPr kumimoji="1" lang="en-US" altLang="zh-CN" dirty="0"/>
+              <a:t>:  </a:t>
+            </a:r>
+            <a:r>
+              <a:rPr kumimoji="1" lang="en-US" altLang="zh-CN" dirty="0" smtClean="0"/>
+              <a:t>  </a:t>
+            </a:r>
+          </a:p>
+          <a:p>
             <a:r>
               <a:rPr kumimoji="1" lang="en-US" altLang="zh-CN" dirty="0"/>
               <a:t> </a:t>
             </a:r>
             <a:r>
               <a:rPr kumimoji="1" lang="en-US" altLang="zh-CN" dirty="0" smtClean="0"/>
-              <a:t>   pic = </a:t>
-            </a:r>
-            <a:r>
-              <a:rPr kumimoji="1" lang="en-US" altLang="zh-CN" dirty="0" err="1" smtClean="0"/>
-              <a:t>xxxxxxxxx</a:t>
-            </a:r>
-            <a:endParaRPr kumimoji="1" lang="zh-CN" altLang="en-US" dirty="0"/>
-          </a:p>
-        </p:txBody>
-      </p:sp>
-      <p:sp>
-        <p:nvSpPr>
-          <p:cNvPr id="6" name="文本框 5"/>
-          <p:cNvSpPr txBox="1"/>
-          <p:nvPr/>
-        </p:nvSpPr>
-        <p:spPr>
-          <a:xfrm>
-            <a:off x="2228609" y="4114842"/>
-            <a:ext cx="4416120" cy="646331"/>
-          </a:xfrm>
-          <a:prstGeom prst="rect">
-            <a:avLst/>
-          </a:prstGeom>
-          <a:noFill/>
-        </p:spPr>
-        <p:txBody>
-          <a:bodyPr wrap="square" rtlCol="0">
-            <a:spAutoFit/>
-          </a:bodyPr>
-          <a:lstStyle/>
-          <a:p>
-            <a:r>
-              <a:rPr kumimoji="1" lang="zh-CN" altLang="en-US" dirty="0"/>
-              <a:t>返回</a:t>
-            </a:r>
-            <a:r>
-              <a:rPr kumimoji="1" lang="en-US" altLang="zh-CN" dirty="0" err="1"/>
-              <a:t>json</a:t>
-            </a:r>
-            <a:r>
-              <a:rPr kumimoji="1" lang="zh-CN" altLang="en-US" dirty="0"/>
-              <a:t>结构</a:t>
-            </a:r>
-            <a:r>
-              <a:rPr kumimoji="1" lang="en-US" altLang="zh-CN" dirty="0"/>
-              <a:t>:  </a:t>
-            </a:r>
-            <a:r>
-              <a:rPr kumimoji="1" lang="en-US" altLang="zh-CN" dirty="0" smtClean="0"/>
-              <a:t>  </a:t>
-            </a:r>
-          </a:p>
-          <a:p>
-            <a:r>
-              <a:rPr kumimoji="1" lang="en-US" altLang="zh-CN" dirty="0"/>
-              <a:t> </a:t>
-            </a:r>
-            <a:r>
-              <a:rPr kumimoji="1" lang="en-US" altLang="zh-CN" dirty="0" smtClean="0"/>
               <a:t>                      </a:t>
             </a:r>
             <a:r>
@@ -22265,8 +22281,8 @@
               <a:t>/</a:t>
             </a:r>
             <a:r>
-              <a:rPr kumimoji="1" lang="en-US" altLang="zh-CN" smtClean="0"/>
-              <a:t>saveShowInfo</a:t>
+              <a:rPr kumimoji="1" lang="en-US" altLang="zh-CN" dirty="0" err="1" smtClean="0"/>
+              <a:t>saveShopInfo</a:t>
             </a:r>
             <a:r>
               <a:rPr kumimoji="1" lang="zh-CN" altLang="en-US" dirty="0" smtClean="0"/>
@@ -22307,11 +22323,11 @@
           <a:lstStyle/>
           <a:p>
             <a:r>
-              <a:rPr kumimoji="1" lang="en-US" altLang="zh-CN" dirty="0" err="1"/>
-              <a:t>showname</a:t>
-            </a:r>
-            <a:r>
-              <a:rPr kumimoji="1" lang="en-US" altLang="zh-CN" dirty="0"/>
+              <a:rPr kumimoji="1" lang="en-US" altLang="zh-CN" smtClean="0"/>
+              <a:t>shopname</a:t>
+            </a:r>
+            <a:r>
+              <a:rPr kumimoji="1" lang="en-US" altLang="zh-CN" dirty="0" smtClean="0"/>
               <a:t> </a:t>
             </a:r>
             <a:r>
@@ -23508,27 +23524,15 @@
             </a:r>
             <a:r>
               <a:rPr kumimoji="1" lang="en-US" altLang="zh-CN" dirty="0" smtClean="0"/>
-              <a:t>    </a:t>
-            </a:r>
-            <a:r>
-              <a:rPr kumimoji="1" lang="en-US" altLang="zh-CN" dirty="0" smtClean="0"/>
-              <a:t> </a:t>
+              <a:t>     </a:t>
             </a:r>
             <a:r>
               <a:rPr kumimoji="1" lang="en-US" altLang="zh-CN" dirty="0" err="1" smtClean="0"/>
-              <a:t>new</a:t>
-            </a:r>
-            <a:r>
-              <a:rPr kumimoji="1" lang="en-US" altLang="zh-CN" dirty="0" err="1" smtClean="0"/>
-              <a:t>password</a:t>
-            </a:r>
-            <a:r>
-              <a:rPr kumimoji="1" lang="en-US" altLang="zh-CN" dirty="0" smtClean="0"/>
-              <a:t> </a:t>
-            </a:r>
-            <a:r>
-              <a:rPr kumimoji="1" lang="en-US" altLang="zh-CN" dirty="0" smtClean="0"/>
-              <a:t>= </a:t>
+              <a:t>newpassword</a:t>
+            </a:r>
+            <a:r>
+              <a:rPr kumimoji="1" lang="en-US" altLang="zh-CN" dirty="0" smtClean="0"/>
+              <a:t> = </a:t>
             </a:r>
             <a:r>
               <a:rPr kumimoji="1" lang="en-US" altLang="zh-CN" dirty="0" err="1" smtClean="0"/>
@@ -23546,8 +23550,8 @@
         </p:nvSpPr>
         <p:spPr>
           <a:xfrm>
-            <a:off x="1738990" y="4858220"/>
-            <a:ext cx="1595584" cy="369332"/>
+            <a:off x="4421547" y="4858220"/>
+            <a:ext cx="2057249" cy="369332"/>
           </a:xfrm>
           <a:prstGeom prst="rect">
             <a:avLst/>
@@ -23562,7 +23566,7 @@
           <a:p>
             <a:r>
               <a:rPr kumimoji="1" lang="zh-CN" altLang="en-US" dirty="0" smtClean="0"/>
-              <a:t>返回</a:t>
+              <a:t>成功返回</a:t>
             </a:r>
             <a:r>
               <a:rPr kumimoji="1" lang="en-US" altLang="zh-CN" dirty="0" err="1" smtClean="0"/>
@@ -23588,7 +23592,7 @@
         </p:nvSpPr>
         <p:spPr>
           <a:xfrm>
-            <a:off x="3123318" y="5227552"/>
+            <a:off x="5805875" y="5227552"/>
             <a:ext cx="2326854" cy="369332"/>
           </a:xfrm>
           <a:prstGeom prst="rect">
@@ -23707,6 +23711,82 @@
             <a:r>
               <a:rPr kumimoji="1" lang="zh-CN" altLang="en-US" dirty="0" smtClean="0"/>
               <a:t>发送一个空请求就好</a:t>
+            </a:r>
+            <a:endParaRPr kumimoji="1" lang="zh-CN" altLang="en-US" dirty="0"/>
+          </a:p>
+        </p:txBody>
+      </p:sp>
+      <p:sp>
+        <p:nvSpPr>
+          <p:cNvPr id="16" name="文本框 15"/>
+          <p:cNvSpPr txBox="1"/>
+          <p:nvPr/>
+        </p:nvSpPr>
+        <p:spPr>
+          <a:xfrm>
+            <a:off x="438728" y="4858220"/>
+            <a:ext cx="2057249" cy="369332"/>
+          </a:xfrm>
+          <a:prstGeom prst="rect">
+            <a:avLst/>
+          </a:prstGeom>
+          <a:noFill/>
+        </p:spPr>
+        <p:txBody>
+          <a:bodyPr wrap="none" rtlCol="0">
+            <a:spAutoFit/>
+          </a:bodyPr>
+          <a:lstStyle/>
+          <a:p>
+            <a:r>
+              <a:rPr kumimoji="1" lang="zh-CN" altLang="en-US" dirty="0" smtClean="0"/>
+              <a:t>失败返回</a:t>
+            </a:r>
+            <a:r>
+              <a:rPr kumimoji="1" lang="en-US" altLang="zh-CN" dirty="0" err="1" smtClean="0"/>
+              <a:t>json</a:t>
+            </a:r>
+            <a:r>
+              <a:rPr kumimoji="1" lang="zh-CN" altLang="en-US" dirty="0" smtClean="0"/>
+              <a:t>结构</a:t>
+            </a:r>
+            <a:r>
+              <a:rPr kumimoji="1" lang="en-US" altLang="zh-CN" dirty="0" smtClean="0"/>
+              <a:t>:</a:t>
+            </a:r>
+            <a:endParaRPr kumimoji="1" lang="zh-CN" altLang="en-US" dirty="0"/>
+          </a:p>
+        </p:txBody>
+      </p:sp>
+      <p:sp>
+        <p:nvSpPr>
+          <p:cNvPr id="17" name="文本框 16"/>
+          <p:cNvSpPr txBox="1"/>
+          <p:nvPr/>
+        </p:nvSpPr>
+        <p:spPr>
+          <a:xfrm>
+            <a:off x="1525144" y="5227552"/>
+            <a:ext cx="2185514" cy="369332"/>
+          </a:xfrm>
+          <a:prstGeom prst="rect">
+            <a:avLst/>
+          </a:prstGeom>
+          <a:noFill/>
+        </p:spPr>
+        <p:txBody>
+          <a:bodyPr wrap="none" rtlCol="0">
+            <a:spAutoFit/>
+          </a:bodyPr>
+          <a:lstStyle/>
+          <a:p>
+            <a:r>
+              <a:rPr kumimoji="1" lang="en-US" altLang="zh-CN" dirty="0"/>
+              <a:t>status</a:t>
+            </a:r>
+            <a:r>
+              <a:rPr kumimoji="1" lang="zh-CN" altLang="en-US" smtClean="0"/>
+              <a:t>：密码错误！</a:t>
             </a:r>
             <a:endParaRPr kumimoji="1" lang="zh-CN" altLang="en-US" dirty="0"/>
           </a:p>

--- a/ZSGree前后端逻辑及接口.pptx
+++ b/ZSGree前后端逻辑及接口.pptx
@@ -12814,8 +12814,12 @@
           </a:p>
           <a:p>
             <a:r>
+              <a:rPr lang="en-US" altLang="zh-CN" dirty="0" smtClean="0"/>
+              <a:t> </a:t>
+            </a:r>
+            <a:r>
               <a:rPr lang="en-US" altLang="zh-CN" dirty="0" err="1" smtClean="0"/>
-              <a:t>id:xx</a:t>
+              <a:t>id:xxxx</a:t>
             </a:r>
             <a:endParaRPr lang="en-US" altLang="zh-CN" dirty="0" smtClean="0"/>
           </a:p>
@@ -12883,7 +12887,7 @@
         <p:spPr>
           <a:xfrm>
             <a:off x="1945866" y="5872808"/>
-            <a:ext cx="5355289" cy="369332"/>
+            <a:ext cx="5778520" cy="369332"/>
           </a:xfrm>
           <a:prstGeom prst="rect">
             <a:avLst/>
@@ -12921,12 +12925,12 @@
               <a:t>xxxxx</a:t>
             </a:r>
             <a:r>
-              <a:rPr lang="en-US" altLang="zh-CN" dirty="0" smtClean="0"/>
-              <a:t> </a:t>
+              <a:rPr lang="en-US" altLang="zh-CN" dirty="0"/>
+              <a:t>    </a:t>
             </a:r>
             <a:r>
               <a:rPr lang="en-US" altLang="zh-CN" dirty="0" err="1" smtClean="0"/>
-              <a:t>id:xx</a:t>
+              <a:t>id:xxxx</a:t>
             </a:r>
             <a:endParaRPr lang="en-US" altLang="zh-CN" dirty="0"/>
           </a:p>
@@ -12975,6 +12979,82 @@
               <a:t>status:success</a:t>
             </a:r>
             <a:endParaRPr kumimoji="1" lang="zh-CN" altLang="en-US" dirty="0"/>
+          </a:p>
+        </p:txBody>
+      </p:sp>
+      <p:sp>
+        <p:nvSpPr>
+          <p:cNvPr id="3" name="文本框 2"/>
+          <p:cNvSpPr txBox="1"/>
+          <p:nvPr/>
+        </p:nvSpPr>
+        <p:spPr>
+          <a:xfrm>
+            <a:off x="7390709" y="4808823"/>
+            <a:ext cx="1813455" cy="923330"/>
+          </a:xfrm>
+          <a:prstGeom prst="rect">
+            <a:avLst/>
+          </a:prstGeom>
+          <a:noFill/>
+        </p:spPr>
+        <p:txBody>
+          <a:bodyPr wrap="none" rtlCol="0">
+            <a:spAutoFit/>
+          </a:bodyPr>
+          <a:lstStyle/>
+          <a:p>
+            <a:r>
+              <a:rPr kumimoji="1" lang="en-US" altLang="zh-CN" dirty="0" smtClean="0">
+                <a:solidFill>
+                  <a:srgbClr val="FF0000"/>
+                </a:solidFill>
+              </a:rPr>
+              <a:t> id</a:t>
+            </a:r>
+            <a:r>
+              <a:rPr kumimoji="1" lang="zh-CN" altLang="en-US" dirty="0" smtClean="0">
+                <a:solidFill>
+                  <a:srgbClr val="FF0000"/>
+                </a:solidFill>
+              </a:rPr>
+              <a:t>：用于标题修</a:t>
+            </a:r>
+            <a:endParaRPr kumimoji="1" lang="en-US" altLang="zh-CN" dirty="0" smtClean="0">
+              <a:solidFill>
+                <a:srgbClr val="FF0000"/>
+              </a:solidFill>
+            </a:endParaRPr>
+          </a:p>
+          <a:p>
+            <a:r>
+              <a:rPr kumimoji="1" lang="zh-CN" altLang="en-US" dirty="0" smtClean="0">
+                <a:solidFill>
+                  <a:srgbClr val="FF0000"/>
+                </a:solidFill>
+              </a:rPr>
+              <a:t>改之后寻找到原</a:t>
+            </a:r>
+            <a:endParaRPr kumimoji="1" lang="en-US" altLang="zh-CN" dirty="0" smtClean="0">
+              <a:solidFill>
+                <a:srgbClr val="FF0000"/>
+              </a:solidFill>
+            </a:endParaRPr>
+          </a:p>
+          <a:p>
+            <a:r>
+              <a:rPr kumimoji="1" lang="zh-CN" altLang="en-US" dirty="0" smtClean="0">
+                <a:solidFill>
+                  <a:srgbClr val="FF0000"/>
+                </a:solidFill>
+              </a:rPr>
+              <a:t>文</a:t>
+            </a:r>
+            <a:endParaRPr kumimoji="1" lang="zh-CN" altLang="en-US" dirty="0">
+              <a:solidFill>
+                <a:srgbClr val="FF0000"/>
+              </a:solidFill>
+            </a:endParaRPr>
           </a:p>
         </p:txBody>
       </p:sp>
@@ -13207,8 +13287,8 @@
           </a:p>
           <a:p>
             <a:r>
-              <a:rPr lang="en-US" altLang="zh-CN" dirty="0"/>
-              <a:t>products: </a:t>
+              <a:rPr lang="en-US" altLang="zh-CN" smtClean="0"/>
+              <a:t>news: </a:t>
             </a:r>
             <a:r>
               <a:rPr lang="en-US" altLang="zh-CN" dirty="0" smtClean="0"/>
@@ -21382,11 +21462,7 @@
             </a:r>
             <a:r>
               <a:rPr kumimoji="1" lang="en-US" altLang="zh-CN" dirty="0" err="1" smtClean="0"/>
-              <a:t>manageSho</a:t>
-            </a:r>
-            <a:r>
-              <a:rPr kumimoji="1" lang="en-US" altLang="zh-CN" dirty="0" err="1" smtClean="0"/>
-              <a:t>p</a:t>
+              <a:t>manageShop</a:t>
             </a:r>
             <a:r>
               <a:rPr kumimoji="1" lang="zh-CN" altLang="en-US" dirty="0" smtClean="0"/>
@@ -21436,23 +21512,11 @@
             </a:r>
             <a:r>
               <a:rPr kumimoji="1" lang="en-US" altLang="zh-CN" dirty="0" err="1" smtClean="0"/>
-              <a:t>sho</a:t>
-            </a:r>
-            <a:r>
-              <a:rPr kumimoji="1" lang="en-US" altLang="zh-CN" dirty="0" err="1" smtClean="0"/>
-              <a:t>p</a:t>
-            </a:r>
-            <a:r>
-              <a:rPr kumimoji="1" lang="en-US" altLang="zh-CN" dirty="0" err="1" smtClean="0"/>
-              <a:t>name</a:t>
-            </a:r>
-            <a:r>
-              <a:rPr kumimoji="1" lang="en-US" altLang="zh-CN" dirty="0" smtClean="0"/>
-              <a:t> </a:t>
-            </a:r>
-            <a:r>
-              <a:rPr kumimoji="1" lang="en-US" altLang="zh-CN" dirty="0" smtClean="0"/>
-              <a:t>= </a:t>
+              <a:t>shopname</a:t>
+            </a:r>
+            <a:r>
+              <a:rPr kumimoji="1" lang="en-US" altLang="zh-CN" dirty="0" smtClean="0"/>
+              <a:t> = </a:t>
             </a:r>
             <a:r>
               <a:rPr kumimoji="1" lang="en-US" altLang="zh-CN" dirty="0" err="1" smtClean="0"/>
@@ -21502,11 +21566,7 @@
             </a:r>
             <a:r>
               <a:rPr kumimoji="1" lang="en-US" altLang="zh-CN" dirty="0" smtClean="0"/>
-              <a:t> </a:t>
-            </a:r>
-            <a:r>
-              <a:rPr kumimoji="1" lang="en-US" altLang="zh-CN" dirty="0" smtClean="0"/>
-              <a:t>= </a:t>
+              <a:t> = </a:t>
             </a:r>
             <a:r>
               <a:rPr kumimoji="1" lang="en-US" altLang="zh-CN" dirty="0" err="1" smtClean="0"/>
@@ -21556,11 +21616,7 @@
             </a:r>
             <a:r>
               <a:rPr kumimoji="1" lang="en-US" altLang="zh-CN" dirty="0" smtClean="0"/>
-              <a:t> </a:t>
-            </a:r>
-            <a:r>
-              <a:rPr kumimoji="1" lang="en-US" altLang="zh-CN" dirty="0" smtClean="0"/>
-              <a:t>= </a:t>
+              <a:t> = </a:t>
             </a:r>
             <a:r>
               <a:rPr kumimoji="1" lang="en-US" altLang="zh-CN" dirty="0" err="1" smtClean="0"/>
@@ -21919,11 +21975,7 @@
             </a:r>
             <a:r>
               <a:rPr kumimoji="1" lang="en-US" altLang="zh-CN" dirty="0" smtClean="0"/>
-              <a:t> </a:t>
-            </a:r>
-            <a:r>
-              <a:rPr kumimoji="1" lang="en-US" altLang="zh-CN" dirty="0" smtClean="0"/>
-              <a:t>= </a:t>
+              <a:t> = </a:t>
             </a:r>
             <a:r>
               <a:rPr kumimoji="1" lang="en-US" altLang="zh-CN" dirty="0" err="1"/>
@@ -22165,11 +22217,7 @@
             </a:r>
             <a:r>
               <a:rPr kumimoji="1" lang="en-US" altLang="zh-CN" dirty="0" smtClean="0"/>
-              <a:t> </a:t>
-            </a:r>
-            <a:r>
-              <a:rPr kumimoji="1" lang="en-US" altLang="zh-CN" dirty="0" smtClean="0"/>
-              <a:t>= </a:t>
+              <a:t> = </a:t>
             </a:r>
             <a:r>
               <a:rPr kumimoji="1" lang="en-US" altLang="zh-CN" dirty="0" err="1"/>
@@ -22328,11 +22376,7 @@
             </a:r>
             <a:r>
               <a:rPr kumimoji="1" lang="en-US" altLang="zh-CN" dirty="0" smtClean="0"/>
-              <a:t> </a:t>
-            </a:r>
-            <a:r>
-              <a:rPr kumimoji="1" lang="en-US" altLang="zh-CN" dirty="0" smtClean="0"/>
-              <a:t>= </a:t>
+              <a:t> = </a:t>
             </a:r>
             <a:r>
               <a:rPr kumimoji="1" lang="en-US" altLang="zh-CN" dirty="0" err="1"/>

--- a/ZSGree前后端逻辑及接口.pptx
+++ b/ZSGree前后端逻辑及接口.pptx
@@ -341,7 +341,7 @@
           <a:p>
             <a:fld id="{C8A432C8-69A7-458B-9684-2BFA64B31948}" type="datetime2">
               <a:rPr lang="en-US" smtClean="0"/>
-              <a:t>2015年5月29日星期五</a:t>
+              <a:t>2015年5月30日星期六</a:t>
             </a:fld>
             <a:endParaRPr lang="en-US"/>
           </a:p>
@@ -543,7 +543,7 @@
           <a:p>
             <a:fld id="{8CC057FC-95B6-4D89-AFDA-ABA33EE921E5}" type="datetime2">
               <a:rPr lang="en-US" smtClean="0"/>
-              <a:t>2015年5月29日星期五</a:t>
+              <a:t>2015年5月30日星期六</a:t>
             </a:fld>
             <a:endParaRPr lang="en-US"/>
           </a:p>
@@ -720,7 +720,7 @@
           <a:p>
             <a:fld id="{EC4549AC-EB31-477F-92A9-B1988E232878}" type="datetime2">
               <a:rPr lang="en-US" smtClean="0"/>
-              <a:t>2015年5月29日星期五</a:t>
+              <a:t>2015年5月30日星期六</a:t>
             </a:fld>
             <a:endParaRPr lang="en-US"/>
           </a:p>
@@ -887,7 +887,7 @@
           <a:p>
             <a:fld id="{6396A3A3-94A6-4E5B-AF39-173ACA3E61CC}" type="datetime2">
               <a:rPr lang="en-US" smtClean="0"/>
-              <a:t>2015年5月29日星期五</a:t>
+              <a:t>2015年5月30日星期六</a:t>
             </a:fld>
             <a:endParaRPr lang="en-US"/>
           </a:p>
@@ -1137,7 +1137,7 @@
           <a:p>
             <a:fld id="{9933D019-A32C-4EAD-B8E6-DBDA699692FD}" type="datetime2">
               <a:rPr lang="en-US" smtClean="0"/>
-              <a:t>2015年5月29日星期五</a:t>
+              <a:t>2015年5月30日星期六</a:t>
             </a:fld>
             <a:endParaRPr lang="en-US"/>
           </a:p>
@@ -1457,7 +1457,7 @@
           <a:p>
             <a:fld id="{CCEBA98F-560C-4997-81C4-81D4D9187EAB}" type="datetime2">
               <a:rPr lang="en-US" smtClean="0"/>
-              <a:t>2015年5月29日星期五</a:t>
+              <a:t>2015年5月30日星期六</a:t>
             </a:fld>
             <a:endParaRPr lang="en-US"/>
           </a:p>
@@ -1925,7 +1925,7 @@
           <a:p>
             <a:fld id="{150972B2-CA5C-437D-87D0-8081271A9E4B}" type="datetime2">
               <a:rPr lang="en-US" smtClean="0"/>
-              <a:t>2015年5月29日星期五</a:t>
+              <a:t>2015年5月30日星期六</a:t>
             </a:fld>
             <a:endParaRPr lang="en-US"/>
           </a:p>
@@ -2075,7 +2075,7 @@
           <a:p>
             <a:fld id="{79CD4847-11EF-4466-A8AD-85CDB7B49118}" type="datetime2">
               <a:rPr lang="en-US" smtClean="0"/>
-              <a:t>2015年5月29日星期五</a:t>
+              <a:t>2015年5月30日星期六</a:t>
             </a:fld>
             <a:endParaRPr lang="en-US"/>
           </a:p>
@@ -2167,7 +2167,7 @@
           <a:p>
             <a:fld id="{F168457A-3AB9-4880-8A0C-9F8524491207}" type="datetime2">
               <a:rPr lang="en-US" smtClean="0"/>
-              <a:t>2015年5月29日星期五</a:t>
+              <a:t>2015年5月30日星期六</a:t>
             </a:fld>
             <a:endParaRPr lang="en-US"/>
           </a:p>
@@ -2443,7 +2443,7 @@
           <a:p>
             <a:fld id="{3FE976D3-5B7F-4300-ABED-C91F1B2AE209}" type="datetime2">
               <a:rPr lang="en-US" smtClean="0"/>
-              <a:t>2015年5月29日星期五</a:t>
+              <a:t>2015年5月30日星期六</a:t>
             </a:fld>
             <a:endParaRPr lang="en-US"/>
           </a:p>
@@ -2750,7 +2750,7 @@
           <a:p>
             <a:fld id="{EBDC1E59-17DD-41CE-97CA-624A472382D4}" type="datetime2">
               <a:rPr lang="en-US" smtClean="0"/>
-              <a:t>2015年5月29日星期五</a:t>
+              <a:t>2015年5月30日星期六</a:t>
             </a:fld>
             <a:endParaRPr lang="en-US"/>
           </a:p>
@@ -3050,7 +3050,7 @@
           <a:p>
             <a:fld id="{A80CB818-7379-467D-8E76-EF9D9074A26C}" type="datetime2">
               <a:rPr lang="en-US" smtClean="0"/>
-              <a:t>2015年5月29日星期五</a:t>
+              <a:t>2015年5月30日星期六</a:t>
             </a:fld>
             <a:endParaRPr lang="en-US" dirty="0"/>
           </a:p>
@@ -16816,7 +16816,7 @@
         <p:spPr>
           <a:xfrm>
             <a:off x="2424096" y="4865706"/>
-            <a:ext cx="3173540" cy="369332"/>
+            <a:ext cx="3250409" cy="369332"/>
           </a:xfrm>
           <a:prstGeom prst="rect">
             <a:avLst/>
@@ -16846,8 +16846,16 @@
               <a:t>: </a:t>
             </a:r>
             <a:r>
-              <a:rPr kumimoji="1" lang="en-US" altLang="zh-CN" dirty="0" err="1"/>
-              <a:t>status:success</a:t>
+              <a:rPr kumimoji="1" lang="en-US" altLang="zh-CN" dirty="0" err="1" smtClean="0"/>
+              <a:t>picname</a:t>
+            </a:r>
+            <a:r>
+              <a:rPr kumimoji="1" lang="en-US" altLang="zh-CN" dirty="0" err="1" smtClean="0"/>
+              <a:t>:</a:t>
+            </a:r>
+            <a:r>
+              <a:rPr kumimoji="1" lang="en-US" altLang="zh-CN" dirty="0" err="1" smtClean="0"/>
+              <a:t>xxxxx</a:t>
             </a:r>
             <a:endParaRPr kumimoji="1" lang="zh-CN" altLang="en-US" dirty="0"/>
           </a:p>

--- a/ZSGree前后端逻辑及接口.pptx
+++ b/ZSGree前后端逻辑及接口.pptx
@@ -341,7 +341,7 @@
           <a:p>
             <a:fld id="{C8A432C8-69A7-458B-9684-2BFA64B31948}" type="datetime2">
               <a:rPr lang="en-US" smtClean="0"/>
-              <a:t>2015年5月30日星期六</a:t>
+              <a:t>2015年5月31日星期日</a:t>
             </a:fld>
             <a:endParaRPr lang="en-US"/>
           </a:p>
@@ -543,7 +543,7 @@
           <a:p>
             <a:fld id="{8CC057FC-95B6-4D89-AFDA-ABA33EE921E5}" type="datetime2">
               <a:rPr lang="en-US" smtClean="0"/>
-              <a:t>2015年5月30日星期六</a:t>
+              <a:t>2015年5月31日星期日</a:t>
             </a:fld>
             <a:endParaRPr lang="en-US"/>
           </a:p>
@@ -720,7 +720,7 @@
           <a:p>
             <a:fld id="{EC4549AC-EB31-477F-92A9-B1988E232878}" type="datetime2">
               <a:rPr lang="en-US" smtClean="0"/>
-              <a:t>2015年5月30日星期六</a:t>
+              <a:t>2015年5月31日星期日</a:t>
             </a:fld>
             <a:endParaRPr lang="en-US"/>
           </a:p>
@@ -887,7 +887,7 @@
           <a:p>
             <a:fld id="{6396A3A3-94A6-4E5B-AF39-173ACA3E61CC}" type="datetime2">
               <a:rPr lang="en-US" smtClean="0"/>
-              <a:t>2015年5月30日星期六</a:t>
+              <a:t>2015年5月31日星期日</a:t>
             </a:fld>
             <a:endParaRPr lang="en-US"/>
           </a:p>
@@ -1137,7 +1137,7 @@
           <a:p>
             <a:fld id="{9933D019-A32C-4EAD-B8E6-DBDA699692FD}" type="datetime2">
               <a:rPr lang="en-US" smtClean="0"/>
-              <a:t>2015年5月30日星期六</a:t>
+              <a:t>2015年5月31日星期日</a:t>
             </a:fld>
             <a:endParaRPr lang="en-US"/>
           </a:p>
@@ -1457,7 +1457,7 @@
           <a:p>
             <a:fld id="{CCEBA98F-560C-4997-81C4-81D4D9187EAB}" type="datetime2">
               <a:rPr lang="en-US" smtClean="0"/>
-              <a:t>2015年5月30日星期六</a:t>
+              <a:t>2015年5月31日星期日</a:t>
             </a:fld>
             <a:endParaRPr lang="en-US"/>
           </a:p>
@@ -1925,7 +1925,7 @@
           <a:p>
             <a:fld id="{150972B2-CA5C-437D-87D0-8081271A9E4B}" type="datetime2">
               <a:rPr lang="en-US" smtClean="0"/>
-              <a:t>2015年5月30日星期六</a:t>
+              <a:t>2015年5月31日星期日</a:t>
             </a:fld>
             <a:endParaRPr lang="en-US"/>
           </a:p>
@@ -2075,7 +2075,7 @@
           <a:p>
             <a:fld id="{79CD4847-11EF-4466-A8AD-85CDB7B49118}" type="datetime2">
               <a:rPr lang="en-US" smtClean="0"/>
-              <a:t>2015年5月30日星期六</a:t>
+              <a:t>2015年5月31日星期日</a:t>
             </a:fld>
             <a:endParaRPr lang="en-US"/>
           </a:p>
@@ -2167,7 +2167,7 @@
           <a:p>
             <a:fld id="{F168457A-3AB9-4880-8A0C-9F8524491207}" type="datetime2">
               <a:rPr lang="en-US" smtClean="0"/>
-              <a:t>2015年5月30日星期六</a:t>
+              <a:t>2015年5月31日星期日</a:t>
             </a:fld>
             <a:endParaRPr lang="en-US"/>
           </a:p>
@@ -2443,7 +2443,7 @@
           <a:p>
             <a:fld id="{3FE976D3-5B7F-4300-ABED-C91F1B2AE209}" type="datetime2">
               <a:rPr lang="en-US" smtClean="0"/>
-              <a:t>2015年5月30日星期六</a:t>
+              <a:t>2015年5月31日星期日</a:t>
             </a:fld>
             <a:endParaRPr lang="en-US"/>
           </a:p>
@@ -2750,7 +2750,7 @@
           <a:p>
             <a:fld id="{EBDC1E59-17DD-41CE-97CA-624A472382D4}" type="datetime2">
               <a:rPr lang="en-US" smtClean="0"/>
-              <a:t>2015年5月30日星期六</a:t>
+              <a:t>2015年5月31日星期日</a:t>
             </a:fld>
             <a:endParaRPr lang="en-US"/>
           </a:p>
@@ -3050,7 +3050,7 @@
           <a:p>
             <a:fld id="{A80CB818-7379-467D-8E76-EF9D9074A26C}" type="datetime2">
               <a:rPr lang="en-US" smtClean="0"/>
-              <a:t>2015年5月30日星期六</a:t>
+              <a:t>2015年5月31日星期日</a:t>
             </a:fld>
             <a:endParaRPr lang="en-US" dirty="0"/>
           </a:p>
@@ -7610,7 +7610,7 @@
         <p:spPr>
           <a:xfrm>
             <a:off x="682853" y="6481537"/>
-            <a:ext cx="6419396" cy="369332"/>
+            <a:ext cx="6073147" cy="369332"/>
           </a:xfrm>
           <a:prstGeom prst="rect">
             <a:avLst/>
@@ -7632,12 +7632,8 @@
               <a:t>  </a:t>
             </a:r>
             <a:r>
-              <a:rPr kumimoji="1" lang="en-US" altLang="zh-CN" dirty="0" err="1"/>
-              <a:t>productname</a:t>
-            </a:r>
-            <a:r>
-              <a:rPr kumimoji="1" lang="en-US" altLang="zh-CN" dirty="0" smtClean="0"/>
-              <a:t>:</a:t>
+              <a:rPr kumimoji="1" lang="en-US" altLang="zh-CN" dirty="0" smtClean="0"/>
+              <a:t>sequence:</a:t>
             </a:r>
             <a:r>
               <a:rPr kumimoji="1" lang="zh-CN" altLang="en-US" dirty="0" smtClean="0"/>
@@ -16847,15 +16843,7 @@
             </a:r>
             <a:r>
               <a:rPr kumimoji="1" lang="en-US" altLang="zh-CN" dirty="0" err="1" smtClean="0"/>
-              <a:t>picname</a:t>
-            </a:r>
-            <a:r>
-              <a:rPr kumimoji="1" lang="en-US" altLang="zh-CN" dirty="0" err="1" smtClean="0"/>
-              <a:t>:</a:t>
-            </a:r>
-            <a:r>
-              <a:rPr kumimoji="1" lang="en-US" altLang="zh-CN" dirty="0" err="1" smtClean="0"/>
-              <a:t>xxxxx</a:t>
+              <a:t>picname:xxxxx</a:t>
             </a:r>
             <a:endParaRPr kumimoji="1" lang="zh-CN" altLang="en-US" dirty="0"/>
           </a:p>
